--- a/documentacao/apresentacao/totem_Monitoring.pptx
+++ b/documentacao/apresentacao/totem_Monitoring.pptx
@@ -5,7 +5,7 @@
     <p:sldMasterId id="2147483648" r:id="rId4"/>
   </p:sldMasterIdLst>
   <p:notesMasterIdLst>
-    <p:notesMasterId r:id="rId11"/>
+    <p:notesMasterId r:id="rId13"/>
   </p:notesMasterIdLst>
   <p:sldIdLst>
     <p:sldId id="256" r:id="rId5"/>
@@ -14,6 +14,8 @@
     <p:sldId id="277" r:id="rId8"/>
     <p:sldId id="280" r:id="rId9"/>
     <p:sldId id="282" r:id="rId10"/>
+    <p:sldId id="283" r:id="rId11"/>
+    <p:sldId id="284" r:id="rId12"/>
   </p:sldIdLst>
   <p:sldSz cx="12192000" cy="6858000"/>
   <p:notesSz cx="6858000" cy="9144000"/>
@@ -23339,10 +23341,9195 @@
           </a:p>
         </p:txBody>
       </p:sp>
+      <p:pic>
+        <p:nvPicPr>
+          <p:cNvPr id="14" name="Picture 13">
+            <a:extLst>
+              <a:ext uri="{FF2B5EF4-FFF2-40B4-BE49-F238E27FC236}">
+                <a16:creationId xmlns:a16="http://schemas.microsoft.com/office/drawing/2014/main" id="{445C7C55-E009-4C12-B386-33917778B889}"/>
+              </a:ext>
+            </a:extLst>
+          </p:cNvPr>
+          <p:cNvPicPr>
+            <a:picLocks noChangeAspect="1"/>
+          </p:cNvPicPr>
+          <p:nvPr/>
+        </p:nvPicPr>
+        <p:blipFill>
+          <a:blip r:embed="rId5">
+            <a:alphaModFix amt="70000"/>
+            <a:extLst>
+              <a:ext uri="{BEBA8EAE-BF5A-486C-A8C5-ECC9F3942E4B}">
+                <a14:imgProps xmlns:a14="http://schemas.microsoft.com/office/drawing/2010/main">
+                  <a14:imgLayer r:embed="rId6">
+                    <a14:imgEffect>
+                      <a14:brightnessContrast bright="-40000" contrast="40000"/>
+                    </a14:imgEffect>
+                  </a14:imgLayer>
+                </a14:imgProps>
+              </a:ext>
+            </a:extLst>
+          </a:blip>
+          <a:stretch>
+            <a:fillRect/>
+          </a:stretch>
+        </p:blipFill>
+        <p:spPr>
+          <a:xfrm>
+            <a:off x="5687091" y="3494630"/>
+            <a:ext cx="613726" cy="613726"/>
+          </a:xfrm>
+          <a:prstGeom prst="rect">
+            <a:avLst/>
+          </a:prstGeom>
+        </p:spPr>
+      </p:pic>
     </p:spTree>
     <p:extLst>
       <p:ext uri="{BB962C8B-B14F-4D97-AF65-F5344CB8AC3E}">
         <p14:creationId xmlns:p14="http://schemas.microsoft.com/office/powerpoint/2010/main" val="202703964"/>
+      </p:ext>
+    </p:extLst>
+  </p:cSld>
+  <p:clrMapOvr>
+    <a:masterClrMapping/>
+  </p:clrMapOvr>
+</p:sld>
+</file>
+
+<file path=ppt/slides/slide7.xml><?xml version="1.0" encoding="utf-8"?>
+<p:sld xmlns:a="http://schemas.openxmlformats.org/drawingml/2006/main" xmlns:r="http://schemas.openxmlformats.org/officeDocument/2006/relationships" xmlns:p="http://schemas.openxmlformats.org/presentationml/2006/main">
+  <p:cSld>
+    <p:spTree>
+      <p:nvGrpSpPr>
+        <p:cNvPr id="1" name=""/>
+        <p:cNvGrpSpPr/>
+        <p:nvPr/>
+      </p:nvGrpSpPr>
+      <p:grpSpPr>
+        <a:xfrm>
+          <a:off x="0" y="0"/>
+          <a:ext cx="0" cy="0"/>
+          <a:chOff x="0" y="0"/>
+          <a:chExt cx="0" cy="0"/>
+        </a:xfrm>
+      </p:grpSpPr>
+      <p:sp>
+        <p:nvSpPr>
+          <p:cNvPr id="2" name="Title 1">
+            <a:extLst>
+              <a:ext uri="{FF2B5EF4-FFF2-40B4-BE49-F238E27FC236}">
+                <a16:creationId xmlns:a16="http://schemas.microsoft.com/office/drawing/2014/main" id="{F8EC880F-04B8-4464-849E-E635735CD069}"/>
+              </a:ext>
+            </a:extLst>
+          </p:cNvPr>
+          <p:cNvSpPr>
+            <a:spLocks noGrp="1"/>
+          </p:cNvSpPr>
+          <p:nvPr>
+            <p:ph type="title"/>
+          </p:nvPr>
+        </p:nvSpPr>
+        <p:spPr/>
+        <p:txBody>
+          <a:bodyPr/>
+          <a:lstStyle/>
+          <a:p>
+            <a:r>
+              <a:rPr lang="pt-BR" dirty="0"/>
+              <a:t>Modelo conceitual do banco de dados</a:t>
+            </a:r>
+          </a:p>
+        </p:txBody>
+      </p:sp>
+    </p:spTree>
+    <p:extLst>
+      <p:ext uri="{BB962C8B-B14F-4D97-AF65-F5344CB8AC3E}">
+        <p14:creationId xmlns:p14="http://schemas.microsoft.com/office/powerpoint/2010/main" val="1668617935"/>
+      </p:ext>
+    </p:extLst>
+  </p:cSld>
+  <p:clrMapOvr>
+    <a:masterClrMapping/>
+  </p:clrMapOvr>
+</p:sld>
+</file>
+
+<file path=ppt/slides/slide8.xml><?xml version="1.0" encoding="utf-8"?>
+<p:sld xmlns:a="http://schemas.openxmlformats.org/drawingml/2006/main" xmlns:r="http://schemas.openxmlformats.org/officeDocument/2006/relationships" xmlns:p="http://schemas.openxmlformats.org/presentationml/2006/main">
+  <p:cSld>
+    <p:bg>
+      <p:bgPr>
+        <a:solidFill>
+          <a:schemeClr val="bg1"/>
+        </a:solidFill>
+        <a:effectLst/>
+      </p:bgPr>
+    </p:bg>
+    <p:spTree>
+      <p:nvGrpSpPr>
+        <p:cNvPr id="1" name=""/>
+        <p:cNvGrpSpPr/>
+        <p:nvPr/>
+      </p:nvGrpSpPr>
+      <p:grpSpPr>
+        <a:xfrm>
+          <a:off x="0" y="0"/>
+          <a:ext cx="0" cy="0"/>
+          <a:chOff x="0" y="0"/>
+          <a:chExt cx="0" cy="0"/>
+        </a:xfrm>
+      </p:grpSpPr>
+      <p:sp>
+        <p:nvSpPr>
+          <p:cNvPr id="11" name="Rectangle 10">
+            <a:extLst>
+              <a:ext uri="{FF2B5EF4-FFF2-40B4-BE49-F238E27FC236}">
+                <a16:creationId xmlns:a16="http://schemas.microsoft.com/office/drawing/2014/main" id="{3A8EC506-B1DA-46A1-B44D-774E68468E13}"/>
+              </a:ext>
+              <a:ext uri="{C183D7F6-B498-43B3-948B-1728B52AA6E4}">
+                <adec:decorative xmlns:adec="http://schemas.microsoft.com/office/drawing/2017/decorative" val="1"/>
+              </a:ext>
+            </a:extLst>
+          </p:cNvPr>
+          <p:cNvSpPr>
+            <a:spLocks noGrp="1" noRot="1" noChangeAspect="1" noMove="1" noResize="1" noEditPoints="1" noAdjustHandles="1" noChangeArrowheads="1" noChangeShapeType="1" noTextEdit="1"/>
+          </p:cNvSpPr>
+          <p:nvPr>
+            <p:extLst>
+              <p:ext uri="{386F3935-93C4-4BCD-93E2-E3B085C9AB24}">
+                <p16:designElem xmlns:p16="http://schemas.microsoft.com/office/powerpoint/2015/main" val="1"/>
+              </p:ext>
+            </p:extLst>
+          </p:nvPr>
+        </p:nvSpPr>
+        <p:spPr>
+          <a:xfrm>
+            <a:off x="0" y="0"/>
+            <a:ext cx="12192000" cy="4572001"/>
+          </a:xfrm>
+          <a:prstGeom prst="rect">
+            <a:avLst/>
+          </a:prstGeom>
+          <a:solidFill>
+            <a:schemeClr val="accent1">
+              <a:lumMod val="75000"/>
+            </a:schemeClr>
+          </a:solidFill>
+          <a:ln>
+            <a:noFill/>
+          </a:ln>
+        </p:spPr>
+        <p:style>
+          <a:lnRef idx="2">
+            <a:schemeClr val="accent1">
+              <a:shade val="50000"/>
+            </a:schemeClr>
+          </a:lnRef>
+          <a:fillRef idx="1">
+            <a:schemeClr val="accent1"/>
+          </a:fillRef>
+          <a:effectRef idx="0">
+            <a:schemeClr val="accent1"/>
+          </a:effectRef>
+          <a:fontRef idx="minor">
+            <a:schemeClr val="lt1"/>
+          </a:fontRef>
+        </p:style>
+      </p:sp>
+      <p:sp>
+        <p:nvSpPr>
+          <p:cNvPr id="13" name="Oval 5">
+            <a:extLst>
+              <a:ext uri="{FF2B5EF4-FFF2-40B4-BE49-F238E27FC236}">
+                <a16:creationId xmlns:a16="http://schemas.microsoft.com/office/drawing/2014/main" id="{BFF30785-305E-45D7-984F-5AA93D3CA561}"/>
+              </a:ext>
+              <a:ext uri="{C183D7F6-B498-43B3-948B-1728B52AA6E4}">
+                <adec:decorative xmlns:adec="http://schemas.microsoft.com/office/drawing/2017/decorative" val="1"/>
+              </a:ext>
+            </a:extLst>
+          </p:cNvPr>
+          <p:cNvSpPr>
+            <a:spLocks noGrp="1" noRot="1" noChangeAspect="1" noMove="1" noResize="1" noEditPoints="1" noAdjustHandles="1" noChangeArrowheads="1" noChangeShapeType="1" noTextEdit="1"/>
+          </p:cNvSpPr>
+          <p:nvPr>
+            <p:extLst>
+              <p:ext uri="{386F3935-93C4-4BCD-93E2-E3B085C9AB24}">
+                <p16:designElem xmlns:p16="http://schemas.microsoft.com/office/powerpoint/2015/main" val="1"/>
+              </p:ext>
+            </p:extLst>
+          </p:nvPr>
+        </p:nvSpPr>
+        <p:spPr>
+          <a:xfrm>
+            <a:off x="-1" y="0"/>
+            <a:ext cx="12192000" cy="4572001"/>
+          </a:xfrm>
+          <a:custGeom>
+            <a:avLst/>
+            <a:gdLst/>
+            <a:ahLst/>
+            <a:cxnLst/>
+            <a:rect l="l" t="t" r="r" b="b"/>
+            <a:pathLst>
+              <a:path w="12192000" h="4572001">
+                <a:moveTo>
+                  <a:pt x="12192000" y="4387986"/>
+                </a:moveTo>
+                <a:lnTo>
+                  <a:pt x="12192000" y="4572001"/>
+                </a:lnTo>
+                <a:lnTo>
+                  <a:pt x="12013927" y="4572001"/>
+                </a:lnTo>
+                <a:cubicBezTo>
+                  <a:pt x="12084901" y="4522707"/>
+                  <a:pt x="12145198" y="4460004"/>
+                  <a:pt x="12192000" y="4387986"/>
+                </a:cubicBezTo>
+                <a:close/>
+                <a:moveTo>
+                  <a:pt x="12192000" y="4041440"/>
+                </a:moveTo>
+                <a:lnTo>
+                  <a:pt x="12192000" y="4174488"/>
+                </a:lnTo>
+                <a:cubicBezTo>
+                  <a:pt x="12005469" y="4244657"/>
+                  <a:pt x="11857227" y="4389538"/>
+                  <a:pt x="11786673" y="4572001"/>
+                </a:cubicBezTo>
+                <a:lnTo>
+                  <a:pt x="11649784" y="4572001"/>
+                </a:lnTo>
+                <a:cubicBezTo>
+                  <a:pt x="11730542" y="4320085"/>
+                  <a:pt x="11933879" y="4121396"/>
+                  <a:pt x="12192000" y="4041440"/>
+                </a:cubicBezTo>
+                <a:close/>
+                <a:moveTo>
+                  <a:pt x="10767111" y="3999419"/>
+                </a:moveTo>
+                <a:lnTo>
+                  <a:pt x="10784198" y="4001042"/>
+                </a:lnTo>
+                <a:cubicBezTo>
+                  <a:pt x="10816584" y="4001569"/>
+                  <a:pt x="10848477" y="4004550"/>
+                  <a:pt x="10879660" y="4010107"/>
+                </a:cubicBezTo>
+                <a:cubicBezTo>
+                  <a:pt x="10885236" y="4009688"/>
+                  <a:pt x="10890564" y="4010636"/>
+                  <a:pt x="10895873" y="4011646"/>
+                </a:cubicBezTo>
+                <a:lnTo>
+                  <a:pt x="10895990" y="4012794"/>
+                </a:lnTo>
+                <a:cubicBezTo>
+                  <a:pt x="11208069" y="4064450"/>
+                  <a:pt x="11461298" y="4283539"/>
+                  <a:pt x="11554662" y="4572001"/>
+                </a:cubicBezTo>
+                <a:lnTo>
+                  <a:pt x="11417114" y="4572001"/>
+                </a:lnTo>
+                <a:cubicBezTo>
+                  <a:pt x="11333731" y="4357380"/>
+                  <a:pt x="11143362" y="4194541"/>
+                  <a:pt x="10909360" y="4144250"/>
+                </a:cubicBezTo>
+                <a:cubicBezTo>
+                  <a:pt x="10943854" y="4319651"/>
+                  <a:pt x="11046077" y="4471530"/>
+                  <a:pt x="11189175" y="4572001"/>
+                </a:cubicBezTo>
+                <a:lnTo>
+                  <a:pt x="10994934" y="4572001"/>
+                </a:lnTo>
+                <a:cubicBezTo>
+                  <a:pt x="10878802" y="4452596"/>
+                  <a:pt x="10800240" y="4298519"/>
+                  <a:pt x="10775875" y="4127511"/>
+                </a:cubicBezTo>
+                <a:cubicBezTo>
+                  <a:pt x="10775707" y="4127458"/>
+                  <a:pt x="10775539" y="4127453"/>
+                  <a:pt x="10775369" y="4127448"/>
+                </a:cubicBezTo>
+                <a:lnTo>
+                  <a:pt x="10774831" y="4120772"/>
+                </a:lnTo>
+                <a:cubicBezTo>
+                  <a:pt x="10769772" y="4090522"/>
+                  <a:pt x="10767321" y="4059631"/>
+                  <a:pt x="10767364" y="4028296"/>
+                </a:cubicBezTo>
+                <a:cubicBezTo>
+                  <a:pt x="10766052" y="4022668"/>
+                  <a:pt x="10765993" y="4017001"/>
+                  <a:pt x="10765993" y="4011320"/>
+                </a:cubicBezTo>
+                <a:lnTo>
+                  <a:pt x="10766587" y="3999880"/>
+                </a:lnTo>
+                <a:lnTo>
+                  <a:pt x="10767085" y="3999913"/>
+                </a:lnTo>
+                <a:close/>
+                <a:moveTo>
+                  <a:pt x="10744358" y="3999419"/>
+                </a:moveTo>
+                <a:lnTo>
+                  <a:pt x="10744384" y="3999913"/>
+                </a:lnTo>
+                <a:lnTo>
+                  <a:pt x="10744882" y="3999880"/>
+                </a:lnTo>
+                <a:lnTo>
+                  <a:pt x="10745476" y="4011320"/>
+                </a:lnTo>
+                <a:cubicBezTo>
+                  <a:pt x="10745476" y="4017001"/>
+                  <a:pt x="10745417" y="4022668"/>
+                  <a:pt x="10744105" y="4028296"/>
+                </a:cubicBezTo>
+                <a:cubicBezTo>
+                  <a:pt x="10744148" y="4059631"/>
+                  <a:pt x="10741697" y="4090522"/>
+                  <a:pt x="10736638" y="4120772"/>
+                </a:cubicBezTo>
+                <a:lnTo>
+                  <a:pt x="10736100" y="4127448"/>
+                </a:lnTo>
+                <a:cubicBezTo>
+                  <a:pt x="10735930" y="4127453"/>
+                  <a:pt x="10735762" y="4127458"/>
+                  <a:pt x="10735594" y="4127511"/>
+                </a:cubicBezTo>
+                <a:cubicBezTo>
+                  <a:pt x="10711229" y="4298519"/>
+                  <a:pt x="10632667" y="4452596"/>
+                  <a:pt x="10516535" y="4572001"/>
+                </a:cubicBezTo>
+                <a:lnTo>
+                  <a:pt x="10322294" y="4572001"/>
+                </a:lnTo>
+                <a:cubicBezTo>
+                  <a:pt x="10465392" y="4471530"/>
+                  <a:pt x="10567615" y="4319650"/>
+                  <a:pt x="10602109" y="4144250"/>
+                </a:cubicBezTo>
+                <a:cubicBezTo>
+                  <a:pt x="10368107" y="4194541"/>
+                  <a:pt x="10177738" y="4357380"/>
+                  <a:pt x="10094355" y="4572001"/>
+                </a:cubicBezTo>
+                <a:lnTo>
+                  <a:pt x="9956808" y="4572001"/>
+                </a:lnTo>
+                <a:cubicBezTo>
+                  <a:pt x="10050171" y="4283539"/>
+                  <a:pt x="10303400" y="4064450"/>
+                  <a:pt x="10615479" y="4012794"/>
+                </a:cubicBezTo>
+                <a:lnTo>
+                  <a:pt x="10615596" y="4011646"/>
+                </a:lnTo>
+                <a:cubicBezTo>
+                  <a:pt x="10620905" y="4010636"/>
+                  <a:pt x="10626233" y="4009688"/>
+                  <a:pt x="10631809" y="4010107"/>
+                </a:cubicBezTo>
+                <a:cubicBezTo>
+                  <a:pt x="10662992" y="4004550"/>
+                  <a:pt x="10694885" y="4001569"/>
+                  <a:pt x="10727271" y="4001042"/>
+                </a:cubicBezTo>
+                <a:close/>
+                <a:moveTo>
+                  <a:pt x="9074958" y="3999419"/>
+                </a:moveTo>
+                <a:lnTo>
+                  <a:pt x="9092045" y="4001042"/>
+                </a:lnTo>
+                <a:cubicBezTo>
+                  <a:pt x="9124431" y="4001569"/>
+                  <a:pt x="9156324" y="4004550"/>
+                  <a:pt x="9187507" y="4010107"/>
+                </a:cubicBezTo>
+                <a:cubicBezTo>
+                  <a:pt x="9193083" y="4009688"/>
+                  <a:pt x="9198411" y="4010636"/>
+                  <a:pt x="9203720" y="4011646"/>
+                </a:cubicBezTo>
+                <a:lnTo>
+                  <a:pt x="9203837" y="4012794"/>
+                </a:lnTo>
+                <a:cubicBezTo>
+                  <a:pt x="9515916" y="4064450"/>
+                  <a:pt x="9769145" y="4283539"/>
+                  <a:pt x="9862508" y="4572001"/>
+                </a:cubicBezTo>
+                <a:lnTo>
+                  <a:pt x="9724961" y="4572001"/>
+                </a:lnTo>
+                <a:cubicBezTo>
+                  <a:pt x="9641578" y="4357380"/>
+                  <a:pt x="9451209" y="4194541"/>
+                  <a:pt x="9217207" y="4144250"/>
+                </a:cubicBezTo>
+                <a:cubicBezTo>
+                  <a:pt x="9251701" y="4319651"/>
+                  <a:pt x="9353924" y="4471530"/>
+                  <a:pt x="9497022" y="4572001"/>
+                </a:cubicBezTo>
+                <a:lnTo>
+                  <a:pt x="9302781" y="4572001"/>
+                </a:lnTo>
+                <a:cubicBezTo>
+                  <a:pt x="9186649" y="4452596"/>
+                  <a:pt x="9108087" y="4298519"/>
+                  <a:pt x="9083722" y="4127511"/>
+                </a:cubicBezTo>
+                <a:cubicBezTo>
+                  <a:pt x="9083554" y="4127458"/>
+                  <a:pt x="9083386" y="4127453"/>
+                  <a:pt x="9083216" y="4127448"/>
+                </a:cubicBezTo>
+                <a:lnTo>
+                  <a:pt x="9082678" y="4120772"/>
+                </a:lnTo>
+                <a:cubicBezTo>
+                  <a:pt x="9077619" y="4090522"/>
+                  <a:pt x="9075168" y="4059631"/>
+                  <a:pt x="9075211" y="4028296"/>
+                </a:cubicBezTo>
+                <a:cubicBezTo>
+                  <a:pt x="9073899" y="4022668"/>
+                  <a:pt x="9073840" y="4017001"/>
+                  <a:pt x="9073840" y="4011320"/>
+                </a:cubicBezTo>
+                <a:lnTo>
+                  <a:pt x="9074434" y="3999880"/>
+                </a:lnTo>
+                <a:lnTo>
+                  <a:pt x="9074932" y="3999913"/>
+                </a:lnTo>
+                <a:close/>
+                <a:moveTo>
+                  <a:pt x="9052207" y="3999419"/>
+                </a:moveTo>
+                <a:lnTo>
+                  <a:pt x="9052233" y="3999913"/>
+                </a:lnTo>
+                <a:lnTo>
+                  <a:pt x="9052731" y="3999880"/>
+                </a:lnTo>
+                <a:lnTo>
+                  <a:pt x="9053325" y="4011320"/>
+                </a:lnTo>
+                <a:cubicBezTo>
+                  <a:pt x="9053325" y="4017001"/>
+                  <a:pt x="9053266" y="4022668"/>
+                  <a:pt x="9051954" y="4028296"/>
+                </a:cubicBezTo>
+                <a:cubicBezTo>
+                  <a:pt x="9051997" y="4059631"/>
+                  <a:pt x="9049546" y="4090522"/>
+                  <a:pt x="9044487" y="4120772"/>
+                </a:cubicBezTo>
+                <a:lnTo>
+                  <a:pt x="9043949" y="4127448"/>
+                </a:lnTo>
+                <a:cubicBezTo>
+                  <a:pt x="9043779" y="4127453"/>
+                  <a:pt x="9043611" y="4127458"/>
+                  <a:pt x="9043443" y="4127511"/>
+                </a:cubicBezTo>
+                <a:cubicBezTo>
+                  <a:pt x="9019078" y="4298519"/>
+                  <a:pt x="8940516" y="4452596"/>
+                  <a:pt x="8824384" y="4572001"/>
+                </a:cubicBezTo>
+                <a:lnTo>
+                  <a:pt x="8630143" y="4572001"/>
+                </a:lnTo>
+                <a:cubicBezTo>
+                  <a:pt x="8773241" y="4471530"/>
+                  <a:pt x="8875464" y="4319651"/>
+                  <a:pt x="8909958" y="4144250"/>
+                </a:cubicBezTo>
+                <a:cubicBezTo>
+                  <a:pt x="8675956" y="4194541"/>
+                  <a:pt x="8485587" y="4357380"/>
+                  <a:pt x="8402204" y="4572001"/>
+                </a:cubicBezTo>
+                <a:lnTo>
+                  <a:pt x="8264656" y="4572001"/>
+                </a:lnTo>
+                <a:cubicBezTo>
+                  <a:pt x="8358019" y="4283539"/>
+                  <a:pt x="8611249" y="4064450"/>
+                  <a:pt x="8923328" y="4012794"/>
+                </a:cubicBezTo>
+                <a:lnTo>
+                  <a:pt x="8923445" y="4011646"/>
+                </a:lnTo>
+                <a:cubicBezTo>
+                  <a:pt x="8928754" y="4010636"/>
+                  <a:pt x="8934082" y="4009688"/>
+                  <a:pt x="8939658" y="4010107"/>
+                </a:cubicBezTo>
+                <a:cubicBezTo>
+                  <a:pt x="8970841" y="4004550"/>
+                  <a:pt x="9002734" y="4001569"/>
+                  <a:pt x="9035120" y="4001042"/>
+                </a:cubicBezTo>
+                <a:close/>
+                <a:moveTo>
+                  <a:pt x="7382807" y="3999419"/>
+                </a:moveTo>
+                <a:lnTo>
+                  <a:pt x="7399895" y="4001042"/>
+                </a:lnTo>
+                <a:cubicBezTo>
+                  <a:pt x="7432280" y="4001569"/>
+                  <a:pt x="7464173" y="4004550"/>
+                  <a:pt x="7495356" y="4010107"/>
+                </a:cubicBezTo>
+                <a:cubicBezTo>
+                  <a:pt x="7500932" y="4009688"/>
+                  <a:pt x="7506260" y="4010636"/>
+                  <a:pt x="7511569" y="4011646"/>
+                </a:cubicBezTo>
+                <a:lnTo>
+                  <a:pt x="7511686" y="4012794"/>
+                </a:lnTo>
+                <a:cubicBezTo>
+                  <a:pt x="7823765" y="4064450"/>
+                  <a:pt x="8076994" y="4283539"/>
+                  <a:pt x="8170358" y="4572001"/>
+                </a:cubicBezTo>
+                <a:lnTo>
+                  <a:pt x="8032809" y="4572001"/>
+                </a:lnTo>
+                <a:cubicBezTo>
+                  <a:pt x="7949426" y="4357380"/>
+                  <a:pt x="7759058" y="4194541"/>
+                  <a:pt x="7525056" y="4144250"/>
+                </a:cubicBezTo>
+                <a:cubicBezTo>
+                  <a:pt x="7559550" y="4319650"/>
+                  <a:pt x="7661773" y="4471530"/>
+                  <a:pt x="7804870" y="4572001"/>
+                </a:cubicBezTo>
+                <a:lnTo>
+                  <a:pt x="7610630" y="4572001"/>
+                </a:lnTo>
+                <a:cubicBezTo>
+                  <a:pt x="7494498" y="4452596"/>
+                  <a:pt x="7415935" y="4298519"/>
+                  <a:pt x="7391571" y="4127511"/>
+                </a:cubicBezTo>
+                <a:cubicBezTo>
+                  <a:pt x="7391403" y="4127458"/>
+                  <a:pt x="7391235" y="4127453"/>
+                  <a:pt x="7391065" y="4127448"/>
+                </a:cubicBezTo>
+                <a:lnTo>
+                  <a:pt x="7390527" y="4120772"/>
+                </a:lnTo>
+                <a:cubicBezTo>
+                  <a:pt x="7385468" y="4090522"/>
+                  <a:pt x="7383018" y="4059631"/>
+                  <a:pt x="7383060" y="4028296"/>
+                </a:cubicBezTo>
+                <a:cubicBezTo>
+                  <a:pt x="7381748" y="4022668"/>
+                  <a:pt x="7381689" y="4017001"/>
+                  <a:pt x="7381689" y="4011320"/>
+                </a:cubicBezTo>
+                <a:lnTo>
+                  <a:pt x="7382283" y="3999880"/>
+                </a:lnTo>
+                <a:lnTo>
+                  <a:pt x="7382781" y="3999913"/>
+                </a:lnTo>
+                <a:close/>
+                <a:moveTo>
+                  <a:pt x="7360056" y="3999419"/>
+                </a:moveTo>
+                <a:lnTo>
+                  <a:pt x="7360082" y="3999913"/>
+                </a:lnTo>
+                <a:lnTo>
+                  <a:pt x="7360580" y="3999880"/>
+                </a:lnTo>
+                <a:lnTo>
+                  <a:pt x="7361174" y="4011320"/>
+                </a:lnTo>
+                <a:cubicBezTo>
+                  <a:pt x="7361174" y="4017001"/>
+                  <a:pt x="7361115" y="4022668"/>
+                  <a:pt x="7359803" y="4028296"/>
+                </a:cubicBezTo>
+                <a:cubicBezTo>
+                  <a:pt x="7359845" y="4059631"/>
+                  <a:pt x="7357395" y="4090522"/>
+                  <a:pt x="7352336" y="4120772"/>
+                </a:cubicBezTo>
+                <a:lnTo>
+                  <a:pt x="7351798" y="4127448"/>
+                </a:lnTo>
+                <a:cubicBezTo>
+                  <a:pt x="7351628" y="4127453"/>
+                  <a:pt x="7351460" y="4127458"/>
+                  <a:pt x="7351292" y="4127511"/>
+                </a:cubicBezTo>
+                <a:cubicBezTo>
+                  <a:pt x="7326927" y="4298519"/>
+                  <a:pt x="7248364" y="4452596"/>
+                  <a:pt x="7132233" y="4572001"/>
+                </a:cubicBezTo>
+                <a:lnTo>
+                  <a:pt x="6937992" y="4572001"/>
+                </a:lnTo>
+                <a:cubicBezTo>
+                  <a:pt x="7081090" y="4471530"/>
+                  <a:pt x="7183313" y="4319650"/>
+                  <a:pt x="7217807" y="4144250"/>
+                </a:cubicBezTo>
+                <a:cubicBezTo>
+                  <a:pt x="6983804" y="4194541"/>
+                  <a:pt x="6793436" y="4357380"/>
+                  <a:pt x="6710053" y="4572001"/>
+                </a:cubicBezTo>
+                <a:lnTo>
+                  <a:pt x="6572505" y="4572001"/>
+                </a:lnTo>
+                <a:cubicBezTo>
+                  <a:pt x="6665868" y="4283539"/>
+                  <a:pt x="6919098" y="4064450"/>
+                  <a:pt x="7231177" y="4012794"/>
+                </a:cubicBezTo>
+                <a:lnTo>
+                  <a:pt x="7231294" y="4011646"/>
+                </a:lnTo>
+                <a:cubicBezTo>
+                  <a:pt x="7236603" y="4010636"/>
+                  <a:pt x="7241931" y="4009688"/>
+                  <a:pt x="7247507" y="4010107"/>
+                </a:cubicBezTo>
+                <a:cubicBezTo>
+                  <a:pt x="7278690" y="4004550"/>
+                  <a:pt x="7310583" y="4001569"/>
+                  <a:pt x="7342968" y="4001042"/>
+                </a:cubicBezTo>
+                <a:close/>
+                <a:moveTo>
+                  <a:pt x="5690656" y="3999419"/>
+                </a:moveTo>
+                <a:lnTo>
+                  <a:pt x="5707743" y="4001042"/>
+                </a:lnTo>
+                <a:cubicBezTo>
+                  <a:pt x="5740129" y="4001569"/>
+                  <a:pt x="5772021" y="4004550"/>
+                  <a:pt x="5803205" y="4010107"/>
+                </a:cubicBezTo>
+                <a:cubicBezTo>
+                  <a:pt x="5808781" y="4009688"/>
+                  <a:pt x="5814109" y="4010636"/>
+                  <a:pt x="5819417" y="4011646"/>
+                </a:cubicBezTo>
+                <a:lnTo>
+                  <a:pt x="5819534" y="4012794"/>
+                </a:lnTo>
+                <a:cubicBezTo>
+                  <a:pt x="6131614" y="4064450"/>
+                  <a:pt x="6384843" y="4283539"/>
+                  <a:pt x="6478206" y="4572001"/>
+                </a:cubicBezTo>
+                <a:lnTo>
+                  <a:pt x="6340658" y="4572001"/>
+                </a:lnTo>
+                <a:cubicBezTo>
+                  <a:pt x="6257275" y="4357380"/>
+                  <a:pt x="6066907" y="4194541"/>
+                  <a:pt x="5832905" y="4144250"/>
+                </a:cubicBezTo>
+                <a:cubicBezTo>
+                  <a:pt x="5867399" y="4319651"/>
+                  <a:pt x="5969622" y="4471530"/>
+                  <a:pt x="6112719" y="4572001"/>
+                </a:cubicBezTo>
+                <a:lnTo>
+                  <a:pt x="5918478" y="4572001"/>
+                </a:lnTo>
+                <a:cubicBezTo>
+                  <a:pt x="5802347" y="4452596"/>
+                  <a:pt x="5723784" y="4298519"/>
+                  <a:pt x="5699419" y="4127511"/>
+                </a:cubicBezTo>
+                <a:cubicBezTo>
+                  <a:pt x="5699252" y="4127458"/>
+                  <a:pt x="5699083" y="4127453"/>
+                  <a:pt x="5698914" y="4127448"/>
+                </a:cubicBezTo>
+                <a:lnTo>
+                  <a:pt x="5698375" y="4120772"/>
+                </a:lnTo>
+                <a:cubicBezTo>
+                  <a:pt x="5693317" y="4090522"/>
+                  <a:pt x="5690866" y="4059631"/>
+                  <a:pt x="5690908" y="4028296"/>
+                </a:cubicBezTo>
+                <a:cubicBezTo>
+                  <a:pt x="5689596" y="4022668"/>
+                  <a:pt x="5689538" y="4017001"/>
+                  <a:pt x="5689538" y="4011320"/>
+                </a:cubicBezTo>
+                <a:lnTo>
+                  <a:pt x="5690132" y="3999880"/>
+                </a:lnTo>
+                <a:lnTo>
+                  <a:pt x="5690630" y="3999913"/>
+                </a:lnTo>
+                <a:close/>
+                <a:moveTo>
+                  <a:pt x="5667905" y="3999419"/>
+                </a:moveTo>
+                <a:lnTo>
+                  <a:pt x="5667931" y="3999913"/>
+                </a:lnTo>
+                <a:lnTo>
+                  <a:pt x="5668429" y="3999880"/>
+                </a:lnTo>
+                <a:lnTo>
+                  <a:pt x="5669023" y="4011320"/>
+                </a:lnTo>
+                <a:cubicBezTo>
+                  <a:pt x="5669023" y="4017001"/>
+                  <a:pt x="5668964" y="4022668"/>
+                  <a:pt x="5667652" y="4028296"/>
+                </a:cubicBezTo>
+                <a:cubicBezTo>
+                  <a:pt x="5667694" y="4059631"/>
+                  <a:pt x="5665244" y="4090522"/>
+                  <a:pt x="5660185" y="4120772"/>
+                </a:cubicBezTo>
+                <a:lnTo>
+                  <a:pt x="5659647" y="4127448"/>
+                </a:lnTo>
+                <a:cubicBezTo>
+                  <a:pt x="5659477" y="4127453"/>
+                  <a:pt x="5659309" y="4127458"/>
+                  <a:pt x="5659141" y="4127511"/>
+                </a:cubicBezTo>
+                <a:cubicBezTo>
+                  <a:pt x="5634776" y="4298519"/>
+                  <a:pt x="5556213" y="4452596"/>
+                  <a:pt x="5440082" y="4572001"/>
+                </a:cubicBezTo>
+                <a:lnTo>
+                  <a:pt x="5245841" y="4572001"/>
+                </a:lnTo>
+                <a:cubicBezTo>
+                  <a:pt x="5388939" y="4471530"/>
+                  <a:pt x="5491162" y="4319651"/>
+                  <a:pt x="5525656" y="4144250"/>
+                </a:cubicBezTo>
+                <a:cubicBezTo>
+                  <a:pt x="5291653" y="4194541"/>
+                  <a:pt x="5101285" y="4357380"/>
+                  <a:pt x="5017902" y="4572001"/>
+                </a:cubicBezTo>
+                <a:lnTo>
+                  <a:pt x="4880354" y="4572001"/>
+                </a:lnTo>
+                <a:cubicBezTo>
+                  <a:pt x="4973717" y="4283539"/>
+                  <a:pt x="5226947" y="4064450"/>
+                  <a:pt x="5539026" y="4012794"/>
+                </a:cubicBezTo>
+                <a:lnTo>
+                  <a:pt x="5539143" y="4011646"/>
+                </a:lnTo>
+                <a:cubicBezTo>
+                  <a:pt x="5544452" y="4010636"/>
+                  <a:pt x="5549780" y="4009688"/>
+                  <a:pt x="5555356" y="4010107"/>
+                </a:cubicBezTo>
+                <a:cubicBezTo>
+                  <a:pt x="5586539" y="4004550"/>
+                  <a:pt x="5618432" y="4001569"/>
+                  <a:pt x="5650817" y="4001042"/>
+                </a:cubicBezTo>
+                <a:close/>
+                <a:moveTo>
+                  <a:pt x="3998505" y="3999419"/>
+                </a:moveTo>
+                <a:lnTo>
+                  <a:pt x="4015592" y="4001042"/>
+                </a:lnTo>
+                <a:cubicBezTo>
+                  <a:pt x="4047978" y="4001569"/>
+                  <a:pt x="4079870" y="4004550"/>
+                  <a:pt x="4111054" y="4010107"/>
+                </a:cubicBezTo>
+                <a:cubicBezTo>
+                  <a:pt x="4116630" y="4009688"/>
+                  <a:pt x="4121958" y="4010636"/>
+                  <a:pt x="4127266" y="4011646"/>
+                </a:cubicBezTo>
+                <a:lnTo>
+                  <a:pt x="4127384" y="4012794"/>
+                </a:lnTo>
+                <a:cubicBezTo>
+                  <a:pt x="4439463" y="4064450"/>
+                  <a:pt x="4692692" y="4283539"/>
+                  <a:pt x="4786055" y="4572001"/>
+                </a:cubicBezTo>
+                <a:lnTo>
+                  <a:pt x="4648508" y="4572001"/>
+                </a:lnTo>
+                <a:cubicBezTo>
+                  <a:pt x="4565124" y="4357380"/>
+                  <a:pt x="4374756" y="4194541"/>
+                  <a:pt x="4140754" y="4144250"/>
+                </a:cubicBezTo>
+                <a:cubicBezTo>
+                  <a:pt x="4175248" y="4319650"/>
+                  <a:pt x="4277471" y="4471530"/>
+                  <a:pt x="4420568" y="4572001"/>
+                </a:cubicBezTo>
+                <a:lnTo>
+                  <a:pt x="4226327" y="4572001"/>
+                </a:lnTo>
+                <a:cubicBezTo>
+                  <a:pt x="4110196" y="4452596"/>
+                  <a:pt x="4031633" y="4298519"/>
+                  <a:pt x="4007268" y="4127511"/>
+                </a:cubicBezTo>
+                <a:cubicBezTo>
+                  <a:pt x="4007101" y="4127458"/>
+                  <a:pt x="4006932" y="4127453"/>
+                  <a:pt x="4006763" y="4127448"/>
+                </a:cubicBezTo>
+                <a:lnTo>
+                  <a:pt x="4006225" y="4120772"/>
+                </a:lnTo>
+                <a:cubicBezTo>
+                  <a:pt x="4001166" y="4090522"/>
+                  <a:pt x="3998715" y="4059631"/>
+                  <a:pt x="3998757" y="4028296"/>
+                </a:cubicBezTo>
+                <a:cubicBezTo>
+                  <a:pt x="3997445" y="4022668"/>
+                  <a:pt x="3997387" y="4017001"/>
+                  <a:pt x="3997387" y="4011320"/>
+                </a:cubicBezTo>
+                <a:lnTo>
+                  <a:pt x="3997981" y="3999880"/>
+                </a:lnTo>
+                <a:lnTo>
+                  <a:pt x="3998479" y="3999913"/>
+                </a:lnTo>
+                <a:close/>
+                <a:moveTo>
+                  <a:pt x="3975754" y="3999419"/>
+                </a:moveTo>
+                <a:lnTo>
+                  <a:pt x="3975780" y="3999913"/>
+                </a:lnTo>
+                <a:lnTo>
+                  <a:pt x="3976278" y="3999880"/>
+                </a:lnTo>
+                <a:lnTo>
+                  <a:pt x="3976872" y="4011320"/>
+                </a:lnTo>
+                <a:cubicBezTo>
+                  <a:pt x="3976872" y="4017001"/>
+                  <a:pt x="3976813" y="4022668"/>
+                  <a:pt x="3975501" y="4028296"/>
+                </a:cubicBezTo>
+                <a:cubicBezTo>
+                  <a:pt x="3975543" y="4059631"/>
+                  <a:pt x="3973093" y="4090522"/>
+                  <a:pt x="3968034" y="4120772"/>
+                </a:cubicBezTo>
+                <a:lnTo>
+                  <a:pt x="3967496" y="4127448"/>
+                </a:lnTo>
+                <a:cubicBezTo>
+                  <a:pt x="3967326" y="4127453"/>
+                  <a:pt x="3967158" y="4127458"/>
+                  <a:pt x="3966990" y="4127511"/>
+                </a:cubicBezTo>
+                <a:cubicBezTo>
+                  <a:pt x="3942625" y="4298519"/>
+                  <a:pt x="3864063" y="4452596"/>
+                  <a:pt x="3747931" y="4572001"/>
+                </a:cubicBezTo>
+                <a:lnTo>
+                  <a:pt x="3553690" y="4572001"/>
+                </a:lnTo>
+                <a:cubicBezTo>
+                  <a:pt x="3696788" y="4471530"/>
+                  <a:pt x="3799011" y="4319651"/>
+                  <a:pt x="3833505" y="4144250"/>
+                </a:cubicBezTo>
+                <a:cubicBezTo>
+                  <a:pt x="3599503" y="4194541"/>
+                  <a:pt x="3409134" y="4357380"/>
+                  <a:pt x="3325751" y="4572001"/>
+                </a:cubicBezTo>
+                <a:lnTo>
+                  <a:pt x="3188203" y="4572001"/>
+                </a:lnTo>
+                <a:cubicBezTo>
+                  <a:pt x="3281566" y="4283539"/>
+                  <a:pt x="3534796" y="4064450"/>
+                  <a:pt x="3846875" y="4012794"/>
+                </a:cubicBezTo>
+                <a:lnTo>
+                  <a:pt x="3846992" y="4011646"/>
+                </a:lnTo>
+                <a:cubicBezTo>
+                  <a:pt x="3852301" y="4010636"/>
+                  <a:pt x="3857629" y="4009688"/>
+                  <a:pt x="3863205" y="4010107"/>
+                </a:cubicBezTo>
+                <a:cubicBezTo>
+                  <a:pt x="3894388" y="4004550"/>
+                  <a:pt x="3926281" y="4001569"/>
+                  <a:pt x="3958666" y="4001042"/>
+                </a:cubicBezTo>
+                <a:close/>
+                <a:moveTo>
+                  <a:pt x="2306354" y="3999419"/>
+                </a:moveTo>
+                <a:lnTo>
+                  <a:pt x="2323441" y="4001042"/>
+                </a:lnTo>
+                <a:cubicBezTo>
+                  <a:pt x="2355827" y="4001569"/>
+                  <a:pt x="2387719" y="4004550"/>
+                  <a:pt x="2418903" y="4010107"/>
+                </a:cubicBezTo>
+                <a:cubicBezTo>
+                  <a:pt x="2424479" y="4009688"/>
+                  <a:pt x="2429807" y="4010636"/>
+                  <a:pt x="2435115" y="4011646"/>
+                </a:cubicBezTo>
+                <a:lnTo>
+                  <a:pt x="2435233" y="4012794"/>
+                </a:lnTo>
+                <a:cubicBezTo>
+                  <a:pt x="2747312" y="4064450"/>
+                  <a:pt x="3000542" y="4283539"/>
+                  <a:pt x="3093904" y="4572001"/>
+                </a:cubicBezTo>
+                <a:lnTo>
+                  <a:pt x="2956357" y="4572001"/>
+                </a:lnTo>
+                <a:cubicBezTo>
+                  <a:pt x="2872974" y="4357380"/>
+                  <a:pt x="2682605" y="4194541"/>
+                  <a:pt x="2448603" y="4144250"/>
+                </a:cubicBezTo>
+                <a:cubicBezTo>
+                  <a:pt x="2483097" y="4319651"/>
+                  <a:pt x="2585320" y="4471530"/>
+                  <a:pt x="2728418" y="4572001"/>
+                </a:cubicBezTo>
+                <a:lnTo>
+                  <a:pt x="2534177" y="4572001"/>
+                </a:lnTo>
+                <a:cubicBezTo>
+                  <a:pt x="2418045" y="4452596"/>
+                  <a:pt x="2339482" y="4298519"/>
+                  <a:pt x="2315117" y="4127511"/>
+                </a:cubicBezTo>
+                <a:cubicBezTo>
+                  <a:pt x="2314950" y="4127458"/>
+                  <a:pt x="2314781" y="4127453"/>
+                  <a:pt x="2314612" y="4127448"/>
+                </a:cubicBezTo>
+                <a:lnTo>
+                  <a:pt x="2314074" y="4120772"/>
+                </a:lnTo>
+                <a:cubicBezTo>
+                  <a:pt x="2309015" y="4090522"/>
+                  <a:pt x="2306564" y="4059631"/>
+                  <a:pt x="2306606" y="4028296"/>
+                </a:cubicBezTo>
+                <a:cubicBezTo>
+                  <a:pt x="2305294" y="4022668"/>
+                  <a:pt x="2305236" y="4017001"/>
+                  <a:pt x="2305236" y="4011320"/>
+                </a:cubicBezTo>
+                <a:lnTo>
+                  <a:pt x="2305830" y="3999880"/>
+                </a:lnTo>
+                <a:lnTo>
+                  <a:pt x="2306328" y="3999913"/>
+                </a:lnTo>
+                <a:close/>
+                <a:moveTo>
+                  <a:pt x="2283603" y="3999419"/>
+                </a:moveTo>
+                <a:lnTo>
+                  <a:pt x="2283629" y="3999913"/>
+                </a:lnTo>
+                <a:lnTo>
+                  <a:pt x="2284127" y="3999880"/>
+                </a:lnTo>
+                <a:lnTo>
+                  <a:pt x="2284721" y="4011320"/>
+                </a:lnTo>
+                <a:cubicBezTo>
+                  <a:pt x="2284721" y="4017001"/>
+                  <a:pt x="2284662" y="4022668"/>
+                  <a:pt x="2283350" y="4028296"/>
+                </a:cubicBezTo>
+                <a:cubicBezTo>
+                  <a:pt x="2283392" y="4059631"/>
+                  <a:pt x="2280942" y="4090522"/>
+                  <a:pt x="2275883" y="4120772"/>
+                </a:cubicBezTo>
+                <a:lnTo>
+                  <a:pt x="2275345" y="4127448"/>
+                </a:lnTo>
+                <a:cubicBezTo>
+                  <a:pt x="2275175" y="4127453"/>
+                  <a:pt x="2275007" y="4127458"/>
+                  <a:pt x="2274839" y="4127511"/>
+                </a:cubicBezTo>
+                <a:cubicBezTo>
+                  <a:pt x="2250474" y="4298519"/>
+                  <a:pt x="2171912" y="4452596"/>
+                  <a:pt x="2055780" y="4572001"/>
+                </a:cubicBezTo>
+                <a:lnTo>
+                  <a:pt x="1861539" y="4572001"/>
+                </a:lnTo>
+                <a:cubicBezTo>
+                  <a:pt x="2004637" y="4471530"/>
+                  <a:pt x="2106860" y="4319650"/>
+                  <a:pt x="2141354" y="4144250"/>
+                </a:cubicBezTo>
+                <a:cubicBezTo>
+                  <a:pt x="1907352" y="4194541"/>
+                  <a:pt x="1716983" y="4357380"/>
+                  <a:pt x="1633600" y="4572001"/>
+                </a:cubicBezTo>
+                <a:lnTo>
+                  <a:pt x="1496052" y="4572001"/>
+                </a:lnTo>
+                <a:cubicBezTo>
+                  <a:pt x="1589416" y="4283539"/>
+                  <a:pt x="1842645" y="4064450"/>
+                  <a:pt x="2154724" y="4012794"/>
+                </a:cubicBezTo>
+                <a:lnTo>
+                  <a:pt x="2154841" y="4011646"/>
+                </a:lnTo>
+                <a:cubicBezTo>
+                  <a:pt x="2160150" y="4010636"/>
+                  <a:pt x="2165478" y="4009688"/>
+                  <a:pt x="2171054" y="4010107"/>
+                </a:cubicBezTo>
+                <a:cubicBezTo>
+                  <a:pt x="2202237" y="4004550"/>
+                  <a:pt x="2234130" y="4001569"/>
+                  <a:pt x="2266515" y="4001042"/>
+                </a:cubicBezTo>
+                <a:close/>
+                <a:moveTo>
+                  <a:pt x="614203" y="3999419"/>
+                </a:moveTo>
+                <a:lnTo>
+                  <a:pt x="631290" y="4001042"/>
+                </a:lnTo>
+                <a:cubicBezTo>
+                  <a:pt x="663676" y="4001569"/>
+                  <a:pt x="695568" y="4004550"/>
+                  <a:pt x="726752" y="4010107"/>
+                </a:cubicBezTo>
+                <a:cubicBezTo>
+                  <a:pt x="732328" y="4009688"/>
+                  <a:pt x="737656" y="4010636"/>
+                  <a:pt x="742964" y="4011646"/>
+                </a:cubicBezTo>
+                <a:lnTo>
+                  <a:pt x="743081" y="4012794"/>
+                </a:lnTo>
+                <a:cubicBezTo>
+                  <a:pt x="1055161" y="4064450"/>
+                  <a:pt x="1308390" y="4283539"/>
+                  <a:pt x="1401754" y="4572001"/>
+                </a:cubicBezTo>
+                <a:lnTo>
+                  <a:pt x="1264205" y="4572001"/>
+                </a:lnTo>
+                <a:cubicBezTo>
+                  <a:pt x="1180823" y="4357380"/>
+                  <a:pt x="990454" y="4194541"/>
+                  <a:pt x="756452" y="4144250"/>
+                </a:cubicBezTo>
+                <a:cubicBezTo>
+                  <a:pt x="790946" y="4319651"/>
+                  <a:pt x="893169" y="4471530"/>
+                  <a:pt x="1036266" y="4572001"/>
+                </a:cubicBezTo>
+                <a:lnTo>
+                  <a:pt x="842026" y="4572001"/>
+                </a:lnTo>
+                <a:cubicBezTo>
+                  <a:pt x="725894" y="4452596"/>
+                  <a:pt x="647331" y="4298519"/>
+                  <a:pt x="622966" y="4127511"/>
+                </a:cubicBezTo>
+                <a:cubicBezTo>
+                  <a:pt x="622799" y="4127458"/>
+                  <a:pt x="622630" y="4127453"/>
+                  <a:pt x="622461" y="4127448"/>
+                </a:cubicBezTo>
+                <a:lnTo>
+                  <a:pt x="621923" y="4120772"/>
+                </a:lnTo>
+                <a:cubicBezTo>
+                  <a:pt x="616864" y="4090522"/>
+                  <a:pt x="614413" y="4059631"/>
+                  <a:pt x="614455" y="4028296"/>
+                </a:cubicBezTo>
+                <a:cubicBezTo>
+                  <a:pt x="613143" y="4022668"/>
+                  <a:pt x="613085" y="4017001"/>
+                  <a:pt x="613085" y="4011320"/>
+                </a:cubicBezTo>
+                <a:lnTo>
+                  <a:pt x="613679" y="3999880"/>
+                </a:lnTo>
+                <a:lnTo>
+                  <a:pt x="614177" y="3999913"/>
+                </a:lnTo>
+                <a:close/>
+                <a:moveTo>
+                  <a:pt x="591452" y="3999419"/>
+                </a:moveTo>
+                <a:lnTo>
+                  <a:pt x="591478" y="3999913"/>
+                </a:lnTo>
+                <a:lnTo>
+                  <a:pt x="591976" y="3999880"/>
+                </a:lnTo>
+                <a:lnTo>
+                  <a:pt x="592570" y="4011320"/>
+                </a:lnTo>
+                <a:cubicBezTo>
+                  <a:pt x="592570" y="4017001"/>
+                  <a:pt x="592511" y="4022668"/>
+                  <a:pt x="591199" y="4028296"/>
+                </a:cubicBezTo>
+                <a:cubicBezTo>
+                  <a:pt x="591242" y="4059631"/>
+                  <a:pt x="588791" y="4090522"/>
+                  <a:pt x="583732" y="4120772"/>
+                </a:cubicBezTo>
+                <a:lnTo>
+                  <a:pt x="583194" y="4127448"/>
+                </a:lnTo>
+                <a:cubicBezTo>
+                  <a:pt x="583024" y="4127453"/>
+                  <a:pt x="582856" y="4127458"/>
+                  <a:pt x="582689" y="4127511"/>
+                </a:cubicBezTo>
+                <a:cubicBezTo>
+                  <a:pt x="558275" y="4298863"/>
+                  <a:pt x="479445" y="4453216"/>
+                  <a:pt x="362360" y="4572001"/>
+                </a:cubicBezTo>
+                <a:lnTo>
+                  <a:pt x="169811" y="4572001"/>
+                </a:lnTo>
+                <a:cubicBezTo>
+                  <a:pt x="312603" y="4471357"/>
+                  <a:pt x="414729" y="4319551"/>
+                  <a:pt x="449203" y="4144250"/>
+                </a:cubicBezTo>
+                <a:cubicBezTo>
+                  <a:pt x="258971" y="4185134"/>
+                  <a:pt x="97576" y="4300399"/>
+                  <a:pt x="0" y="4458139"/>
+                </a:cubicBezTo>
+                <a:lnTo>
+                  <a:pt x="0" y="4251345"/>
+                </a:lnTo>
+                <a:cubicBezTo>
+                  <a:pt x="121484" y="4128438"/>
+                  <a:pt x="282199" y="4042650"/>
+                  <a:pt x="462573" y="4012794"/>
+                </a:cubicBezTo>
+                <a:lnTo>
+                  <a:pt x="462690" y="4011646"/>
+                </a:lnTo>
+                <a:cubicBezTo>
+                  <a:pt x="467999" y="4010636"/>
+                  <a:pt x="473327" y="4009688"/>
+                  <a:pt x="478903" y="4010107"/>
+                </a:cubicBezTo>
+                <a:cubicBezTo>
+                  <a:pt x="510086" y="4004550"/>
+                  <a:pt x="541979" y="4001569"/>
+                  <a:pt x="574365" y="4001042"/>
+                </a:cubicBezTo>
+                <a:close/>
+                <a:moveTo>
+                  <a:pt x="11452667" y="3304913"/>
+                </a:moveTo>
+                <a:cubicBezTo>
+                  <a:pt x="11177477" y="3363591"/>
+                  <a:pt x="10962633" y="3576701"/>
+                  <a:pt x="10909358" y="3845480"/>
+                </a:cubicBezTo>
+                <a:cubicBezTo>
+                  <a:pt x="11184548" y="3786801"/>
+                  <a:pt x="11399391" y="3573691"/>
+                  <a:pt x="11452667" y="3304913"/>
+                </a:cubicBezTo>
+                <a:close/>
+                <a:moveTo>
+                  <a:pt x="10058800" y="3304913"/>
+                </a:moveTo>
+                <a:cubicBezTo>
+                  <a:pt x="10112076" y="3573691"/>
+                  <a:pt x="10326919" y="3786801"/>
+                  <a:pt x="10602109" y="3845480"/>
+                </a:cubicBezTo>
+                <a:cubicBezTo>
+                  <a:pt x="10548834" y="3576701"/>
+                  <a:pt x="10333990" y="3363591"/>
+                  <a:pt x="10058800" y="3304913"/>
+                </a:cubicBezTo>
+                <a:close/>
+                <a:moveTo>
+                  <a:pt x="9760514" y="3304913"/>
+                </a:moveTo>
+                <a:cubicBezTo>
+                  <a:pt x="9485324" y="3363591"/>
+                  <a:pt x="9270480" y="3576701"/>
+                  <a:pt x="9217205" y="3845480"/>
+                </a:cubicBezTo>
+                <a:cubicBezTo>
+                  <a:pt x="9492395" y="3786801"/>
+                  <a:pt x="9707238" y="3573691"/>
+                  <a:pt x="9760514" y="3304913"/>
+                </a:cubicBezTo>
+                <a:close/>
+                <a:moveTo>
+                  <a:pt x="8366649" y="3304913"/>
+                </a:moveTo>
+                <a:cubicBezTo>
+                  <a:pt x="8419925" y="3573691"/>
+                  <a:pt x="8634768" y="3786801"/>
+                  <a:pt x="8909958" y="3845480"/>
+                </a:cubicBezTo>
+                <a:cubicBezTo>
+                  <a:pt x="8856683" y="3576701"/>
+                  <a:pt x="8641839" y="3363591"/>
+                  <a:pt x="8366649" y="3304913"/>
+                </a:cubicBezTo>
+                <a:close/>
+                <a:moveTo>
+                  <a:pt x="8068363" y="3304913"/>
+                </a:moveTo>
+                <a:cubicBezTo>
+                  <a:pt x="7793173" y="3363591"/>
+                  <a:pt x="7578329" y="3576701"/>
+                  <a:pt x="7525054" y="3845480"/>
+                </a:cubicBezTo>
+                <a:cubicBezTo>
+                  <a:pt x="7800244" y="3786801"/>
+                  <a:pt x="8015087" y="3573691"/>
+                  <a:pt x="8068363" y="3304913"/>
+                </a:cubicBezTo>
+                <a:close/>
+                <a:moveTo>
+                  <a:pt x="6674498" y="3304913"/>
+                </a:moveTo>
+                <a:cubicBezTo>
+                  <a:pt x="6727774" y="3573691"/>
+                  <a:pt x="6942617" y="3786801"/>
+                  <a:pt x="7217807" y="3845480"/>
+                </a:cubicBezTo>
+                <a:cubicBezTo>
+                  <a:pt x="7164532" y="3576701"/>
+                  <a:pt x="6949688" y="3363591"/>
+                  <a:pt x="6674498" y="3304913"/>
+                </a:cubicBezTo>
+                <a:close/>
+                <a:moveTo>
+                  <a:pt x="6376212" y="3304913"/>
+                </a:moveTo>
+                <a:cubicBezTo>
+                  <a:pt x="6101022" y="3363591"/>
+                  <a:pt x="5886178" y="3576701"/>
+                  <a:pt x="5832903" y="3845480"/>
+                </a:cubicBezTo>
+                <a:cubicBezTo>
+                  <a:pt x="6108093" y="3786801"/>
+                  <a:pt x="6322936" y="3573691"/>
+                  <a:pt x="6376212" y="3304913"/>
+                </a:cubicBezTo>
+                <a:close/>
+                <a:moveTo>
+                  <a:pt x="4982347" y="3304913"/>
+                </a:moveTo>
+                <a:cubicBezTo>
+                  <a:pt x="5035623" y="3573691"/>
+                  <a:pt x="5250466" y="3786801"/>
+                  <a:pt x="5525656" y="3845480"/>
+                </a:cubicBezTo>
+                <a:cubicBezTo>
+                  <a:pt x="5472381" y="3576701"/>
+                  <a:pt x="5257537" y="3363591"/>
+                  <a:pt x="4982347" y="3304913"/>
+                </a:cubicBezTo>
+                <a:close/>
+                <a:moveTo>
+                  <a:pt x="4684061" y="3304913"/>
+                </a:moveTo>
+                <a:cubicBezTo>
+                  <a:pt x="4408871" y="3363591"/>
+                  <a:pt x="4194027" y="3576701"/>
+                  <a:pt x="4140752" y="3845480"/>
+                </a:cubicBezTo>
+                <a:cubicBezTo>
+                  <a:pt x="4415942" y="3786801"/>
+                  <a:pt x="4630785" y="3573691"/>
+                  <a:pt x="4684061" y="3304913"/>
+                </a:cubicBezTo>
+                <a:close/>
+                <a:moveTo>
+                  <a:pt x="3290196" y="3304913"/>
+                </a:moveTo>
+                <a:cubicBezTo>
+                  <a:pt x="3343472" y="3573691"/>
+                  <a:pt x="3558315" y="3786801"/>
+                  <a:pt x="3833505" y="3845480"/>
+                </a:cubicBezTo>
+                <a:cubicBezTo>
+                  <a:pt x="3780230" y="3576701"/>
+                  <a:pt x="3565386" y="3363591"/>
+                  <a:pt x="3290196" y="3304913"/>
+                </a:cubicBezTo>
+                <a:close/>
+                <a:moveTo>
+                  <a:pt x="2991910" y="3304913"/>
+                </a:moveTo>
+                <a:cubicBezTo>
+                  <a:pt x="2716720" y="3363591"/>
+                  <a:pt x="2501876" y="3576701"/>
+                  <a:pt x="2448601" y="3845480"/>
+                </a:cubicBezTo>
+                <a:cubicBezTo>
+                  <a:pt x="2723791" y="3786801"/>
+                  <a:pt x="2938634" y="3573691"/>
+                  <a:pt x="2991910" y="3304913"/>
+                </a:cubicBezTo>
+                <a:close/>
+                <a:moveTo>
+                  <a:pt x="1598045" y="3304913"/>
+                </a:moveTo>
+                <a:cubicBezTo>
+                  <a:pt x="1651321" y="3573691"/>
+                  <a:pt x="1866164" y="3786801"/>
+                  <a:pt x="2141354" y="3845480"/>
+                </a:cubicBezTo>
+                <a:cubicBezTo>
+                  <a:pt x="2088079" y="3576701"/>
+                  <a:pt x="1873235" y="3363591"/>
+                  <a:pt x="1598045" y="3304913"/>
+                </a:cubicBezTo>
+                <a:close/>
+                <a:moveTo>
+                  <a:pt x="1299759" y="3304913"/>
+                </a:moveTo>
+                <a:cubicBezTo>
+                  <a:pt x="1024569" y="3363591"/>
+                  <a:pt x="809725" y="3576701"/>
+                  <a:pt x="756450" y="3845480"/>
+                </a:cubicBezTo>
+                <a:cubicBezTo>
+                  <a:pt x="1031640" y="3786801"/>
+                  <a:pt x="1246483" y="3573691"/>
+                  <a:pt x="1299759" y="3304913"/>
+                </a:cubicBezTo>
+                <a:close/>
+                <a:moveTo>
+                  <a:pt x="0" y="3200906"/>
+                </a:moveTo>
+                <a:cubicBezTo>
+                  <a:pt x="306658" y="3291386"/>
+                  <a:pt x="537576" y="3547942"/>
+                  <a:pt x="582690" y="3862087"/>
+                </a:cubicBezTo>
+                <a:cubicBezTo>
+                  <a:pt x="582857" y="3862140"/>
+                  <a:pt x="583026" y="3862145"/>
+                  <a:pt x="583195" y="3862150"/>
+                </a:cubicBezTo>
+                <a:lnTo>
+                  <a:pt x="583735" y="3868787"/>
+                </a:lnTo>
+                <a:cubicBezTo>
+                  <a:pt x="588792" y="3898794"/>
+                  <a:pt x="591242" y="3929436"/>
+                  <a:pt x="591199" y="3960518"/>
+                </a:cubicBezTo>
+                <a:cubicBezTo>
+                  <a:pt x="592511" y="3966104"/>
+                  <a:pt x="592570" y="3971728"/>
+                  <a:pt x="592570" y="3977366"/>
+                </a:cubicBezTo>
+                <a:cubicBezTo>
+                  <a:pt x="592570" y="3981158"/>
+                  <a:pt x="592543" y="3984944"/>
+                  <a:pt x="591977" y="3988716"/>
+                </a:cubicBezTo>
+                <a:lnTo>
+                  <a:pt x="591478" y="3988683"/>
+                </a:lnTo>
+                <a:lnTo>
+                  <a:pt x="591452" y="3989174"/>
+                </a:lnTo>
+                <a:lnTo>
+                  <a:pt x="574334" y="3987561"/>
+                </a:lnTo>
+                <a:cubicBezTo>
+                  <a:pt x="541959" y="3987038"/>
+                  <a:pt x="510079" y="3984080"/>
+                  <a:pt x="478907" y="3978570"/>
+                </a:cubicBezTo>
+                <a:cubicBezTo>
+                  <a:pt x="473330" y="3978986"/>
+                  <a:pt x="468001" y="3978045"/>
+                  <a:pt x="462690" y="3977042"/>
+                </a:cubicBezTo>
+                <a:lnTo>
+                  <a:pt x="462574" y="3975903"/>
+                </a:lnTo>
+                <a:cubicBezTo>
+                  <a:pt x="282200" y="3946281"/>
+                  <a:pt x="121485" y="3861168"/>
+                  <a:pt x="0" y="3739225"/>
+                </a:cubicBezTo>
+                <a:lnTo>
+                  <a:pt x="0" y="3534056"/>
+                </a:lnTo>
+                <a:cubicBezTo>
+                  <a:pt x="97584" y="3690562"/>
+                  <a:pt x="258975" y="3804918"/>
+                  <a:pt x="449203" y="3845480"/>
+                </a:cubicBezTo>
+                <a:cubicBezTo>
+                  <a:pt x="402182" y="3608252"/>
+                  <a:pt x="229297" y="3414390"/>
+                  <a:pt x="0" y="3332205"/>
+                </a:cubicBezTo>
+                <a:close/>
+                <a:moveTo>
+                  <a:pt x="11608704" y="3161219"/>
+                </a:moveTo>
+                <a:lnTo>
+                  <a:pt x="11625791" y="3162829"/>
+                </a:lnTo>
+                <a:cubicBezTo>
+                  <a:pt x="11658177" y="3163352"/>
+                  <a:pt x="11690070" y="3166310"/>
+                  <a:pt x="11721253" y="3171823"/>
+                </a:cubicBezTo>
+                <a:cubicBezTo>
+                  <a:pt x="11726829" y="3171407"/>
+                  <a:pt x="11732157" y="3172348"/>
+                  <a:pt x="11737466" y="3173350"/>
+                </a:cubicBezTo>
+                <a:lnTo>
+                  <a:pt x="11737583" y="3174489"/>
+                </a:lnTo>
+                <a:cubicBezTo>
+                  <a:pt x="11914088" y="3203476"/>
+                  <a:pt x="12071767" y="3285599"/>
+                  <a:pt x="12192000" y="3403667"/>
+                </a:cubicBezTo>
+                <a:lnTo>
+                  <a:pt x="12192000" y="3603658"/>
+                </a:lnTo>
+                <a:cubicBezTo>
+                  <a:pt x="12093732" y="3453636"/>
+                  <a:pt x="11935983" y="3344367"/>
+                  <a:pt x="11750953" y="3304913"/>
+                </a:cubicBezTo>
+                <a:cubicBezTo>
+                  <a:pt x="11797422" y="3539349"/>
+                  <a:pt x="11966808" y="3731433"/>
+                  <a:pt x="12192000" y="3815480"/>
+                </a:cubicBezTo>
+                <a:lnTo>
+                  <a:pt x="12192000" y="3947482"/>
+                </a:lnTo>
+                <a:cubicBezTo>
+                  <a:pt x="11889465" y="3854506"/>
+                  <a:pt x="11662185" y="3599697"/>
+                  <a:pt x="11617468" y="3288305"/>
+                </a:cubicBezTo>
+                <a:cubicBezTo>
+                  <a:pt x="11617300" y="3288253"/>
+                  <a:pt x="11617132" y="3288248"/>
+                  <a:pt x="11616962" y="3288243"/>
+                </a:cubicBezTo>
+                <a:lnTo>
+                  <a:pt x="11616424" y="3281619"/>
+                </a:lnTo>
+                <a:cubicBezTo>
+                  <a:pt x="11611365" y="3251607"/>
+                  <a:pt x="11608914" y="3220958"/>
+                  <a:pt x="11608957" y="3189869"/>
+                </a:cubicBezTo>
+                <a:cubicBezTo>
+                  <a:pt x="11607645" y="3184286"/>
+                  <a:pt x="11607586" y="3178663"/>
+                  <a:pt x="11607586" y="3173027"/>
+                </a:cubicBezTo>
+                <a:lnTo>
+                  <a:pt x="11608180" y="3161677"/>
+                </a:lnTo>
+                <a:lnTo>
+                  <a:pt x="11608678" y="3161709"/>
+                </a:lnTo>
+                <a:close/>
+                <a:moveTo>
+                  <a:pt x="11594916" y="3161219"/>
+                </a:moveTo>
+                <a:lnTo>
+                  <a:pt x="11594942" y="3161709"/>
+                </a:lnTo>
+                <a:lnTo>
+                  <a:pt x="11595440" y="3161677"/>
+                </a:lnTo>
+                <a:lnTo>
+                  <a:pt x="11596034" y="3173027"/>
+                </a:lnTo>
+                <a:cubicBezTo>
+                  <a:pt x="11596034" y="3178663"/>
+                  <a:pt x="11595975" y="3184286"/>
+                  <a:pt x="11594663" y="3189869"/>
+                </a:cubicBezTo>
+                <a:cubicBezTo>
+                  <a:pt x="11594706" y="3220958"/>
+                  <a:pt x="11592255" y="3251607"/>
+                  <a:pt x="11587196" y="3281619"/>
+                </a:cubicBezTo>
+                <a:lnTo>
+                  <a:pt x="11586658" y="3288243"/>
+                </a:lnTo>
+                <a:cubicBezTo>
+                  <a:pt x="11586488" y="3288248"/>
+                  <a:pt x="11586320" y="3288253"/>
+                  <a:pt x="11586152" y="3288305"/>
+                </a:cubicBezTo>
+                <a:cubicBezTo>
+                  <a:pt x="11535877" y="3638399"/>
+                  <a:pt x="11254838" y="3916971"/>
+                  <a:pt x="10895987" y="3975903"/>
+                </a:cubicBezTo>
+                <a:lnTo>
+                  <a:pt x="10895871" y="3977042"/>
+                </a:lnTo>
+                <a:cubicBezTo>
+                  <a:pt x="10890560" y="3978045"/>
+                  <a:pt x="10885231" y="3978986"/>
+                  <a:pt x="10879654" y="3978570"/>
+                </a:cubicBezTo>
+                <a:cubicBezTo>
+                  <a:pt x="10848482" y="3984080"/>
+                  <a:pt x="10816602" y="3987038"/>
+                  <a:pt x="10784227" y="3987561"/>
+                </a:cubicBezTo>
+                <a:lnTo>
+                  <a:pt x="10767109" y="3989174"/>
+                </a:lnTo>
+                <a:lnTo>
+                  <a:pt x="10767083" y="3988683"/>
+                </a:lnTo>
+                <a:lnTo>
+                  <a:pt x="10766584" y="3988716"/>
+                </a:lnTo>
+                <a:cubicBezTo>
+                  <a:pt x="10766018" y="3984944"/>
+                  <a:pt x="10765991" y="3981158"/>
+                  <a:pt x="10765991" y="3977366"/>
+                </a:cubicBezTo>
+                <a:cubicBezTo>
+                  <a:pt x="10765991" y="3971728"/>
+                  <a:pt x="10766050" y="3966104"/>
+                  <a:pt x="10767362" y="3960518"/>
+                </a:cubicBezTo>
+                <a:cubicBezTo>
+                  <a:pt x="10767319" y="3929436"/>
+                  <a:pt x="10769769" y="3898794"/>
+                  <a:pt x="10774826" y="3868787"/>
+                </a:cubicBezTo>
+                <a:lnTo>
+                  <a:pt x="10775366" y="3862150"/>
+                </a:lnTo>
+                <a:cubicBezTo>
+                  <a:pt x="10775535" y="3862145"/>
+                  <a:pt x="10775704" y="3862140"/>
+                  <a:pt x="10775872" y="3862087"/>
+                </a:cubicBezTo>
+                <a:cubicBezTo>
+                  <a:pt x="10826148" y="3511992"/>
+                  <a:pt x="11107187" y="3233421"/>
+                  <a:pt x="11466037" y="3174489"/>
+                </a:cubicBezTo>
+                <a:lnTo>
+                  <a:pt x="11466154" y="3173350"/>
+                </a:lnTo>
+                <a:cubicBezTo>
+                  <a:pt x="11471463" y="3172348"/>
+                  <a:pt x="11476791" y="3171407"/>
+                  <a:pt x="11482367" y="3171823"/>
+                </a:cubicBezTo>
+                <a:cubicBezTo>
+                  <a:pt x="11513550" y="3166310"/>
+                  <a:pt x="11545443" y="3163352"/>
+                  <a:pt x="11577829" y="3162829"/>
+                </a:cubicBezTo>
+                <a:close/>
+                <a:moveTo>
+                  <a:pt x="9916551" y="3161219"/>
+                </a:moveTo>
+                <a:lnTo>
+                  <a:pt x="9933638" y="3162829"/>
+                </a:lnTo>
+                <a:cubicBezTo>
+                  <a:pt x="9966024" y="3163352"/>
+                  <a:pt x="9997917" y="3166310"/>
+                  <a:pt x="10029100" y="3171823"/>
+                </a:cubicBezTo>
+                <a:cubicBezTo>
+                  <a:pt x="10034676" y="3171407"/>
+                  <a:pt x="10040004" y="3172348"/>
+                  <a:pt x="10045313" y="3173350"/>
+                </a:cubicBezTo>
+                <a:lnTo>
+                  <a:pt x="10045430" y="3174489"/>
+                </a:lnTo>
+                <a:cubicBezTo>
+                  <a:pt x="10404280" y="3233421"/>
+                  <a:pt x="10685319" y="3511992"/>
+                  <a:pt x="10735596" y="3862087"/>
+                </a:cubicBezTo>
+                <a:cubicBezTo>
+                  <a:pt x="10735763" y="3862140"/>
+                  <a:pt x="10735932" y="3862145"/>
+                  <a:pt x="10736101" y="3862150"/>
+                </a:cubicBezTo>
+                <a:lnTo>
+                  <a:pt x="10736641" y="3868787"/>
+                </a:lnTo>
+                <a:cubicBezTo>
+                  <a:pt x="10741698" y="3898794"/>
+                  <a:pt x="10744148" y="3929436"/>
+                  <a:pt x="10744105" y="3960518"/>
+                </a:cubicBezTo>
+                <a:cubicBezTo>
+                  <a:pt x="10745417" y="3966104"/>
+                  <a:pt x="10745476" y="3971728"/>
+                  <a:pt x="10745476" y="3977366"/>
+                </a:cubicBezTo>
+                <a:cubicBezTo>
+                  <a:pt x="10745476" y="3981158"/>
+                  <a:pt x="10745449" y="3984944"/>
+                  <a:pt x="10744883" y="3988716"/>
+                </a:cubicBezTo>
+                <a:lnTo>
+                  <a:pt x="10744384" y="3988683"/>
+                </a:lnTo>
+                <a:lnTo>
+                  <a:pt x="10744358" y="3989174"/>
+                </a:lnTo>
+                <a:lnTo>
+                  <a:pt x="10727240" y="3987561"/>
+                </a:lnTo>
+                <a:cubicBezTo>
+                  <a:pt x="10694865" y="3987038"/>
+                  <a:pt x="10662985" y="3984080"/>
+                  <a:pt x="10631813" y="3978570"/>
+                </a:cubicBezTo>
+                <a:cubicBezTo>
+                  <a:pt x="10626236" y="3978986"/>
+                  <a:pt x="10620907" y="3978045"/>
+                  <a:pt x="10615596" y="3977042"/>
+                </a:cubicBezTo>
+                <a:lnTo>
+                  <a:pt x="10615480" y="3975903"/>
+                </a:lnTo>
+                <a:cubicBezTo>
+                  <a:pt x="10256629" y="3916971"/>
+                  <a:pt x="9975590" y="3638399"/>
+                  <a:pt x="9925315" y="3288305"/>
+                </a:cubicBezTo>
+                <a:cubicBezTo>
+                  <a:pt x="9925147" y="3288253"/>
+                  <a:pt x="9924979" y="3288248"/>
+                  <a:pt x="9924809" y="3288243"/>
+                </a:cubicBezTo>
+                <a:lnTo>
+                  <a:pt x="9924271" y="3281619"/>
+                </a:lnTo>
+                <a:cubicBezTo>
+                  <a:pt x="9919212" y="3251607"/>
+                  <a:pt x="9916761" y="3220958"/>
+                  <a:pt x="9916804" y="3189869"/>
+                </a:cubicBezTo>
+                <a:cubicBezTo>
+                  <a:pt x="9915492" y="3184286"/>
+                  <a:pt x="9915433" y="3178663"/>
+                  <a:pt x="9915433" y="3173027"/>
+                </a:cubicBezTo>
+                <a:lnTo>
+                  <a:pt x="9916027" y="3161677"/>
+                </a:lnTo>
+                <a:lnTo>
+                  <a:pt x="9916525" y="3161709"/>
+                </a:lnTo>
+                <a:close/>
+                <a:moveTo>
+                  <a:pt x="9902763" y="3161219"/>
+                </a:moveTo>
+                <a:lnTo>
+                  <a:pt x="9902789" y="3161709"/>
+                </a:lnTo>
+                <a:lnTo>
+                  <a:pt x="9903287" y="3161677"/>
+                </a:lnTo>
+                <a:lnTo>
+                  <a:pt x="9903881" y="3173027"/>
+                </a:lnTo>
+                <a:cubicBezTo>
+                  <a:pt x="9903881" y="3178663"/>
+                  <a:pt x="9903822" y="3184286"/>
+                  <a:pt x="9902510" y="3189869"/>
+                </a:cubicBezTo>
+                <a:cubicBezTo>
+                  <a:pt x="9902553" y="3220958"/>
+                  <a:pt x="9900102" y="3251607"/>
+                  <a:pt x="9895043" y="3281619"/>
+                </a:cubicBezTo>
+                <a:lnTo>
+                  <a:pt x="9894505" y="3288243"/>
+                </a:lnTo>
+                <a:cubicBezTo>
+                  <a:pt x="9894335" y="3288248"/>
+                  <a:pt x="9894167" y="3288253"/>
+                  <a:pt x="9893999" y="3288305"/>
+                </a:cubicBezTo>
+                <a:cubicBezTo>
+                  <a:pt x="9843724" y="3638399"/>
+                  <a:pt x="9562685" y="3916971"/>
+                  <a:pt x="9203834" y="3975903"/>
+                </a:cubicBezTo>
+                <a:lnTo>
+                  <a:pt x="9203718" y="3977042"/>
+                </a:lnTo>
+                <a:cubicBezTo>
+                  <a:pt x="9198407" y="3978045"/>
+                  <a:pt x="9193078" y="3978986"/>
+                  <a:pt x="9187501" y="3978570"/>
+                </a:cubicBezTo>
+                <a:cubicBezTo>
+                  <a:pt x="9156329" y="3984080"/>
+                  <a:pt x="9124449" y="3987038"/>
+                  <a:pt x="9092074" y="3987561"/>
+                </a:cubicBezTo>
+                <a:lnTo>
+                  <a:pt x="9074956" y="3989174"/>
+                </a:lnTo>
+                <a:lnTo>
+                  <a:pt x="9074930" y="3988683"/>
+                </a:lnTo>
+                <a:lnTo>
+                  <a:pt x="9074431" y="3988716"/>
+                </a:lnTo>
+                <a:cubicBezTo>
+                  <a:pt x="9073865" y="3984944"/>
+                  <a:pt x="9073838" y="3981158"/>
+                  <a:pt x="9073838" y="3977366"/>
+                </a:cubicBezTo>
+                <a:cubicBezTo>
+                  <a:pt x="9073838" y="3971728"/>
+                  <a:pt x="9073897" y="3966104"/>
+                  <a:pt x="9075209" y="3960518"/>
+                </a:cubicBezTo>
+                <a:cubicBezTo>
+                  <a:pt x="9075166" y="3929436"/>
+                  <a:pt x="9077616" y="3898794"/>
+                  <a:pt x="9082673" y="3868787"/>
+                </a:cubicBezTo>
+                <a:lnTo>
+                  <a:pt x="9083213" y="3862150"/>
+                </a:lnTo>
+                <a:cubicBezTo>
+                  <a:pt x="9083382" y="3862145"/>
+                  <a:pt x="9083551" y="3862140"/>
+                  <a:pt x="9083718" y="3862087"/>
+                </a:cubicBezTo>
+                <a:cubicBezTo>
+                  <a:pt x="9133995" y="3511992"/>
+                  <a:pt x="9415034" y="3233421"/>
+                  <a:pt x="9773884" y="3174489"/>
+                </a:cubicBezTo>
+                <a:lnTo>
+                  <a:pt x="9774001" y="3173350"/>
+                </a:lnTo>
+                <a:cubicBezTo>
+                  <a:pt x="9779310" y="3172348"/>
+                  <a:pt x="9784638" y="3171407"/>
+                  <a:pt x="9790214" y="3171823"/>
+                </a:cubicBezTo>
+                <a:cubicBezTo>
+                  <a:pt x="9821397" y="3166310"/>
+                  <a:pt x="9853290" y="3163352"/>
+                  <a:pt x="9885676" y="3162829"/>
+                </a:cubicBezTo>
+                <a:close/>
+                <a:moveTo>
+                  <a:pt x="8224400" y="3161219"/>
+                </a:moveTo>
+                <a:lnTo>
+                  <a:pt x="8241488" y="3162829"/>
+                </a:lnTo>
+                <a:cubicBezTo>
+                  <a:pt x="8273873" y="3163352"/>
+                  <a:pt x="8305766" y="3166310"/>
+                  <a:pt x="8336949" y="3171823"/>
+                </a:cubicBezTo>
+                <a:cubicBezTo>
+                  <a:pt x="8342525" y="3171407"/>
+                  <a:pt x="8347853" y="3172348"/>
+                  <a:pt x="8353162" y="3173350"/>
+                </a:cubicBezTo>
+                <a:lnTo>
+                  <a:pt x="8353279" y="3174489"/>
+                </a:lnTo>
+                <a:cubicBezTo>
+                  <a:pt x="8712129" y="3233421"/>
+                  <a:pt x="8993168" y="3511992"/>
+                  <a:pt x="9043444" y="3862087"/>
+                </a:cubicBezTo>
+                <a:cubicBezTo>
+                  <a:pt x="9043612" y="3862140"/>
+                  <a:pt x="9043781" y="3862145"/>
+                  <a:pt x="9043950" y="3862150"/>
+                </a:cubicBezTo>
+                <a:lnTo>
+                  <a:pt x="9044490" y="3868787"/>
+                </a:lnTo>
+                <a:cubicBezTo>
+                  <a:pt x="9049547" y="3898794"/>
+                  <a:pt x="9051997" y="3929436"/>
+                  <a:pt x="9051954" y="3960518"/>
+                </a:cubicBezTo>
+                <a:cubicBezTo>
+                  <a:pt x="9053266" y="3966104"/>
+                  <a:pt x="9053325" y="3971728"/>
+                  <a:pt x="9053325" y="3977366"/>
+                </a:cubicBezTo>
+                <a:cubicBezTo>
+                  <a:pt x="9053325" y="3981158"/>
+                  <a:pt x="9053298" y="3984944"/>
+                  <a:pt x="9052732" y="3988716"/>
+                </a:cubicBezTo>
+                <a:lnTo>
+                  <a:pt x="9052233" y="3988683"/>
+                </a:lnTo>
+                <a:lnTo>
+                  <a:pt x="9052207" y="3989174"/>
+                </a:lnTo>
+                <a:lnTo>
+                  <a:pt x="9035089" y="3987561"/>
+                </a:lnTo>
+                <a:cubicBezTo>
+                  <a:pt x="9002714" y="3987038"/>
+                  <a:pt x="8970834" y="3984080"/>
+                  <a:pt x="8939662" y="3978570"/>
+                </a:cubicBezTo>
+                <a:cubicBezTo>
+                  <a:pt x="8934085" y="3978986"/>
+                  <a:pt x="8928756" y="3978045"/>
+                  <a:pt x="8923445" y="3977042"/>
+                </a:cubicBezTo>
+                <a:lnTo>
+                  <a:pt x="8923329" y="3975903"/>
+                </a:lnTo>
+                <a:cubicBezTo>
+                  <a:pt x="8564478" y="3916971"/>
+                  <a:pt x="8283439" y="3638399"/>
+                  <a:pt x="8233164" y="3288305"/>
+                </a:cubicBezTo>
+                <a:cubicBezTo>
+                  <a:pt x="8232996" y="3288253"/>
+                  <a:pt x="8232828" y="3288248"/>
+                  <a:pt x="8232658" y="3288243"/>
+                </a:cubicBezTo>
+                <a:lnTo>
+                  <a:pt x="8232120" y="3281619"/>
+                </a:lnTo>
+                <a:cubicBezTo>
+                  <a:pt x="8227061" y="3251607"/>
+                  <a:pt x="8224611" y="3220958"/>
+                  <a:pt x="8224653" y="3189869"/>
+                </a:cubicBezTo>
+                <a:cubicBezTo>
+                  <a:pt x="8223341" y="3184286"/>
+                  <a:pt x="8223282" y="3178663"/>
+                  <a:pt x="8223282" y="3173027"/>
+                </a:cubicBezTo>
+                <a:lnTo>
+                  <a:pt x="8223876" y="3161677"/>
+                </a:lnTo>
+                <a:lnTo>
+                  <a:pt x="8224374" y="3161709"/>
+                </a:lnTo>
+                <a:close/>
+                <a:moveTo>
+                  <a:pt x="8210612" y="3161219"/>
+                </a:moveTo>
+                <a:lnTo>
+                  <a:pt x="8210638" y="3161709"/>
+                </a:lnTo>
+                <a:lnTo>
+                  <a:pt x="8211136" y="3161677"/>
+                </a:lnTo>
+                <a:lnTo>
+                  <a:pt x="8211730" y="3173027"/>
+                </a:lnTo>
+                <a:cubicBezTo>
+                  <a:pt x="8211730" y="3178663"/>
+                  <a:pt x="8211672" y="3184286"/>
+                  <a:pt x="8210360" y="3189869"/>
+                </a:cubicBezTo>
+                <a:cubicBezTo>
+                  <a:pt x="8210402" y="3220958"/>
+                  <a:pt x="8207951" y="3251607"/>
+                  <a:pt x="8202893" y="3281619"/>
+                </a:cubicBezTo>
+                <a:lnTo>
+                  <a:pt x="8202354" y="3288243"/>
+                </a:lnTo>
+                <a:cubicBezTo>
+                  <a:pt x="8202185" y="3288248"/>
+                  <a:pt x="8202016" y="3288253"/>
+                  <a:pt x="8201849" y="3288305"/>
+                </a:cubicBezTo>
+                <a:cubicBezTo>
+                  <a:pt x="8151573" y="3638399"/>
+                  <a:pt x="7870534" y="3916971"/>
+                  <a:pt x="7511683" y="3975903"/>
+                </a:cubicBezTo>
+                <a:lnTo>
+                  <a:pt x="7511567" y="3977042"/>
+                </a:lnTo>
+                <a:cubicBezTo>
+                  <a:pt x="7506256" y="3978045"/>
+                  <a:pt x="7500927" y="3978986"/>
+                  <a:pt x="7495350" y="3978570"/>
+                </a:cubicBezTo>
+                <a:cubicBezTo>
+                  <a:pt x="7464178" y="3984080"/>
+                  <a:pt x="7432298" y="3987038"/>
+                  <a:pt x="7399924" y="3987561"/>
+                </a:cubicBezTo>
+                <a:lnTo>
+                  <a:pt x="7382805" y="3989174"/>
+                </a:lnTo>
+                <a:lnTo>
+                  <a:pt x="7382779" y="3988683"/>
+                </a:lnTo>
+                <a:lnTo>
+                  <a:pt x="7382280" y="3988716"/>
+                </a:lnTo>
+                <a:cubicBezTo>
+                  <a:pt x="7381714" y="3984944"/>
+                  <a:pt x="7381687" y="3981158"/>
+                  <a:pt x="7381687" y="3977366"/>
+                </a:cubicBezTo>
+                <a:cubicBezTo>
+                  <a:pt x="7381687" y="3971728"/>
+                  <a:pt x="7381746" y="3966104"/>
+                  <a:pt x="7383058" y="3960518"/>
+                </a:cubicBezTo>
+                <a:cubicBezTo>
+                  <a:pt x="7383016" y="3929436"/>
+                  <a:pt x="7385465" y="3898794"/>
+                  <a:pt x="7390522" y="3868787"/>
+                </a:cubicBezTo>
+                <a:lnTo>
+                  <a:pt x="7391062" y="3862150"/>
+                </a:lnTo>
+                <a:cubicBezTo>
+                  <a:pt x="7391231" y="3862145"/>
+                  <a:pt x="7391400" y="3862140"/>
+                  <a:pt x="7391568" y="3862087"/>
+                </a:cubicBezTo>
+                <a:cubicBezTo>
+                  <a:pt x="7441844" y="3511992"/>
+                  <a:pt x="7722883" y="3233421"/>
+                  <a:pt x="8081734" y="3174489"/>
+                </a:cubicBezTo>
+                <a:lnTo>
+                  <a:pt x="8081851" y="3173350"/>
+                </a:lnTo>
+                <a:cubicBezTo>
+                  <a:pt x="8087159" y="3172348"/>
+                  <a:pt x="8092487" y="3171407"/>
+                  <a:pt x="8098063" y="3171823"/>
+                </a:cubicBezTo>
+                <a:cubicBezTo>
+                  <a:pt x="8129247" y="3166310"/>
+                  <a:pt x="8161139" y="3163352"/>
+                  <a:pt x="8193525" y="3162829"/>
+                </a:cubicBezTo>
+                <a:close/>
+                <a:moveTo>
+                  <a:pt x="6532249" y="3161219"/>
+                </a:moveTo>
+                <a:lnTo>
+                  <a:pt x="6549337" y="3162829"/>
+                </a:lnTo>
+                <a:cubicBezTo>
+                  <a:pt x="6581722" y="3163352"/>
+                  <a:pt x="6613615" y="3166310"/>
+                  <a:pt x="6644798" y="3171823"/>
+                </a:cubicBezTo>
+                <a:cubicBezTo>
+                  <a:pt x="6650374" y="3171407"/>
+                  <a:pt x="6655702" y="3172348"/>
+                  <a:pt x="6661011" y="3173350"/>
+                </a:cubicBezTo>
+                <a:lnTo>
+                  <a:pt x="6661128" y="3174489"/>
+                </a:lnTo>
+                <a:cubicBezTo>
+                  <a:pt x="7019978" y="3233421"/>
+                  <a:pt x="7301017" y="3511992"/>
+                  <a:pt x="7351294" y="3862087"/>
+                </a:cubicBezTo>
+                <a:cubicBezTo>
+                  <a:pt x="7351461" y="3862140"/>
+                  <a:pt x="7351631" y="3862145"/>
+                  <a:pt x="7351799" y="3862150"/>
+                </a:cubicBezTo>
+                <a:lnTo>
+                  <a:pt x="7352340" y="3868787"/>
+                </a:lnTo>
+                <a:cubicBezTo>
+                  <a:pt x="7357396" y="3898794"/>
+                  <a:pt x="7359846" y="3929436"/>
+                  <a:pt x="7359804" y="3960518"/>
+                </a:cubicBezTo>
+                <a:cubicBezTo>
+                  <a:pt x="7361116" y="3966104"/>
+                  <a:pt x="7361174" y="3971728"/>
+                  <a:pt x="7361174" y="3977366"/>
+                </a:cubicBezTo>
+                <a:cubicBezTo>
+                  <a:pt x="7361174" y="3981158"/>
+                  <a:pt x="7361147" y="3984944"/>
+                  <a:pt x="7360581" y="3988716"/>
+                </a:cubicBezTo>
+                <a:lnTo>
+                  <a:pt x="7360082" y="3988683"/>
+                </a:lnTo>
+                <a:lnTo>
+                  <a:pt x="7360056" y="3989174"/>
+                </a:lnTo>
+                <a:lnTo>
+                  <a:pt x="7342938" y="3987561"/>
+                </a:lnTo>
+                <a:cubicBezTo>
+                  <a:pt x="7310564" y="3987038"/>
+                  <a:pt x="7278683" y="3984080"/>
+                  <a:pt x="7247511" y="3978570"/>
+                </a:cubicBezTo>
+                <a:cubicBezTo>
+                  <a:pt x="7241934" y="3978986"/>
+                  <a:pt x="7236605" y="3978045"/>
+                  <a:pt x="7231295" y="3977042"/>
+                </a:cubicBezTo>
+                <a:lnTo>
+                  <a:pt x="7231179" y="3975903"/>
+                </a:lnTo>
+                <a:cubicBezTo>
+                  <a:pt x="6872327" y="3916971"/>
+                  <a:pt x="6591288" y="3638399"/>
+                  <a:pt x="6541013" y="3288305"/>
+                </a:cubicBezTo>
+                <a:cubicBezTo>
+                  <a:pt x="6540845" y="3288253"/>
+                  <a:pt x="6540677" y="3288248"/>
+                  <a:pt x="6540507" y="3288243"/>
+                </a:cubicBezTo>
+                <a:lnTo>
+                  <a:pt x="6539969" y="3281619"/>
+                </a:lnTo>
+                <a:cubicBezTo>
+                  <a:pt x="6534910" y="3251607"/>
+                  <a:pt x="6532460" y="3220958"/>
+                  <a:pt x="6532502" y="3189869"/>
+                </a:cubicBezTo>
+                <a:cubicBezTo>
+                  <a:pt x="6531190" y="3184286"/>
+                  <a:pt x="6531131" y="3178663"/>
+                  <a:pt x="6531131" y="3173027"/>
+                </a:cubicBezTo>
+                <a:lnTo>
+                  <a:pt x="6531725" y="3161677"/>
+                </a:lnTo>
+                <a:lnTo>
+                  <a:pt x="6532223" y="3161709"/>
+                </a:lnTo>
+                <a:close/>
+                <a:moveTo>
+                  <a:pt x="6518461" y="3161219"/>
+                </a:moveTo>
+                <a:lnTo>
+                  <a:pt x="6518487" y="3161709"/>
+                </a:lnTo>
+                <a:lnTo>
+                  <a:pt x="6518985" y="3161677"/>
+                </a:lnTo>
+                <a:lnTo>
+                  <a:pt x="6519579" y="3173027"/>
+                </a:lnTo>
+                <a:cubicBezTo>
+                  <a:pt x="6519579" y="3178663"/>
+                  <a:pt x="6519520" y="3184286"/>
+                  <a:pt x="6518208" y="3189869"/>
+                </a:cubicBezTo>
+                <a:cubicBezTo>
+                  <a:pt x="6518250" y="3220958"/>
+                  <a:pt x="6515800" y="3251607"/>
+                  <a:pt x="6510741" y="3281619"/>
+                </a:cubicBezTo>
+                <a:lnTo>
+                  <a:pt x="6510203" y="3288243"/>
+                </a:lnTo>
+                <a:cubicBezTo>
+                  <a:pt x="6510033" y="3288248"/>
+                  <a:pt x="6509865" y="3288253"/>
+                  <a:pt x="6509697" y="3288305"/>
+                </a:cubicBezTo>
+                <a:cubicBezTo>
+                  <a:pt x="6459422" y="3638399"/>
+                  <a:pt x="6178383" y="3916971"/>
+                  <a:pt x="5819531" y="3975903"/>
+                </a:cubicBezTo>
+                <a:lnTo>
+                  <a:pt x="5819415" y="3977042"/>
+                </a:lnTo>
+                <a:cubicBezTo>
+                  <a:pt x="5814105" y="3978045"/>
+                  <a:pt x="5808776" y="3978986"/>
+                  <a:pt x="5803199" y="3978570"/>
+                </a:cubicBezTo>
+                <a:cubicBezTo>
+                  <a:pt x="5772027" y="3984080"/>
+                  <a:pt x="5740146" y="3987038"/>
+                  <a:pt x="5707772" y="3987561"/>
+                </a:cubicBezTo>
+                <a:lnTo>
+                  <a:pt x="5690654" y="3989174"/>
+                </a:lnTo>
+                <a:lnTo>
+                  <a:pt x="5690628" y="3988683"/>
+                </a:lnTo>
+                <a:lnTo>
+                  <a:pt x="5690129" y="3988716"/>
+                </a:lnTo>
+                <a:cubicBezTo>
+                  <a:pt x="5689563" y="3984944"/>
+                  <a:pt x="5689536" y="3981158"/>
+                  <a:pt x="5689536" y="3977366"/>
+                </a:cubicBezTo>
+                <a:cubicBezTo>
+                  <a:pt x="5689536" y="3971728"/>
+                  <a:pt x="5689594" y="3966104"/>
+                  <a:pt x="5690906" y="3960518"/>
+                </a:cubicBezTo>
+                <a:cubicBezTo>
+                  <a:pt x="5690864" y="3929436"/>
+                  <a:pt x="5693314" y="3898794"/>
+                  <a:pt x="5698370" y="3868787"/>
+                </a:cubicBezTo>
+                <a:lnTo>
+                  <a:pt x="5698911" y="3862150"/>
+                </a:lnTo>
+                <a:cubicBezTo>
+                  <a:pt x="5699079" y="3862145"/>
+                  <a:pt x="5699249" y="3862140"/>
+                  <a:pt x="5699416" y="3862087"/>
+                </a:cubicBezTo>
+                <a:cubicBezTo>
+                  <a:pt x="5749693" y="3511992"/>
+                  <a:pt x="6030732" y="3233421"/>
+                  <a:pt x="6389582" y="3174489"/>
+                </a:cubicBezTo>
+                <a:lnTo>
+                  <a:pt x="6389699" y="3173350"/>
+                </a:lnTo>
+                <a:cubicBezTo>
+                  <a:pt x="6395008" y="3172348"/>
+                  <a:pt x="6400336" y="3171407"/>
+                  <a:pt x="6405912" y="3171823"/>
+                </a:cubicBezTo>
+                <a:cubicBezTo>
+                  <a:pt x="6437095" y="3166310"/>
+                  <a:pt x="6468988" y="3163352"/>
+                  <a:pt x="6501373" y="3162829"/>
+                </a:cubicBezTo>
+                <a:close/>
+                <a:moveTo>
+                  <a:pt x="4840098" y="3161219"/>
+                </a:moveTo>
+                <a:lnTo>
+                  <a:pt x="4857185" y="3162829"/>
+                </a:lnTo>
+                <a:cubicBezTo>
+                  <a:pt x="4889571" y="3163352"/>
+                  <a:pt x="4921463" y="3166310"/>
+                  <a:pt x="4952647" y="3171823"/>
+                </a:cubicBezTo>
+                <a:cubicBezTo>
+                  <a:pt x="4958223" y="3171407"/>
+                  <a:pt x="4963551" y="3172348"/>
+                  <a:pt x="4968859" y="3173350"/>
+                </a:cubicBezTo>
+                <a:lnTo>
+                  <a:pt x="4968976" y="3174489"/>
+                </a:lnTo>
+                <a:cubicBezTo>
+                  <a:pt x="5327827" y="3233421"/>
+                  <a:pt x="5608866" y="3511992"/>
+                  <a:pt x="5659142" y="3862087"/>
+                </a:cubicBezTo>
+                <a:cubicBezTo>
+                  <a:pt x="5659310" y="3862140"/>
+                  <a:pt x="5659479" y="3862145"/>
+                  <a:pt x="5659648" y="3862150"/>
+                </a:cubicBezTo>
+                <a:lnTo>
+                  <a:pt x="5660188" y="3868787"/>
+                </a:lnTo>
+                <a:cubicBezTo>
+                  <a:pt x="5665245" y="3898794"/>
+                  <a:pt x="5667694" y="3929436"/>
+                  <a:pt x="5667652" y="3960518"/>
+                </a:cubicBezTo>
+                <a:cubicBezTo>
+                  <a:pt x="5668964" y="3966104"/>
+                  <a:pt x="5669023" y="3971728"/>
+                  <a:pt x="5669023" y="3977366"/>
+                </a:cubicBezTo>
+                <a:cubicBezTo>
+                  <a:pt x="5669023" y="3981158"/>
+                  <a:pt x="5668996" y="3984944"/>
+                  <a:pt x="5668430" y="3988716"/>
+                </a:cubicBezTo>
+                <a:lnTo>
+                  <a:pt x="5667931" y="3988683"/>
+                </a:lnTo>
+                <a:lnTo>
+                  <a:pt x="5667905" y="3989174"/>
+                </a:lnTo>
+                <a:lnTo>
+                  <a:pt x="5650786" y="3987561"/>
+                </a:lnTo>
+                <a:cubicBezTo>
+                  <a:pt x="5618412" y="3987038"/>
+                  <a:pt x="5586532" y="3984080"/>
+                  <a:pt x="5555360" y="3978570"/>
+                </a:cubicBezTo>
+                <a:cubicBezTo>
+                  <a:pt x="5549783" y="3978986"/>
+                  <a:pt x="5544454" y="3978045"/>
+                  <a:pt x="5539143" y="3977042"/>
+                </a:cubicBezTo>
+                <a:lnTo>
+                  <a:pt x="5539027" y="3975903"/>
+                </a:lnTo>
+                <a:cubicBezTo>
+                  <a:pt x="5180176" y="3916971"/>
+                  <a:pt x="4899137" y="3638399"/>
+                  <a:pt x="4848861" y="3288305"/>
+                </a:cubicBezTo>
+                <a:cubicBezTo>
+                  <a:pt x="4848694" y="3288253"/>
+                  <a:pt x="4848525" y="3288248"/>
+                  <a:pt x="4848356" y="3288243"/>
+                </a:cubicBezTo>
+                <a:lnTo>
+                  <a:pt x="4847817" y="3281619"/>
+                </a:lnTo>
+                <a:cubicBezTo>
+                  <a:pt x="4842759" y="3251607"/>
+                  <a:pt x="4840308" y="3220958"/>
+                  <a:pt x="4840350" y="3189869"/>
+                </a:cubicBezTo>
+                <a:cubicBezTo>
+                  <a:pt x="4839038" y="3184286"/>
+                  <a:pt x="4838980" y="3178663"/>
+                  <a:pt x="4838980" y="3173027"/>
+                </a:cubicBezTo>
+                <a:lnTo>
+                  <a:pt x="4839574" y="3161677"/>
+                </a:lnTo>
+                <a:lnTo>
+                  <a:pt x="4840072" y="3161709"/>
+                </a:lnTo>
+                <a:close/>
+                <a:moveTo>
+                  <a:pt x="4826310" y="3161219"/>
+                </a:moveTo>
+                <a:lnTo>
+                  <a:pt x="4826336" y="3161709"/>
+                </a:lnTo>
+                <a:lnTo>
+                  <a:pt x="4826834" y="3161677"/>
+                </a:lnTo>
+                <a:lnTo>
+                  <a:pt x="4827428" y="3173027"/>
+                </a:lnTo>
+                <a:cubicBezTo>
+                  <a:pt x="4827428" y="3178663"/>
+                  <a:pt x="4827369" y="3184286"/>
+                  <a:pt x="4826057" y="3189869"/>
+                </a:cubicBezTo>
+                <a:cubicBezTo>
+                  <a:pt x="4826099" y="3220958"/>
+                  <a:pt x="4823649" y="3251607"/>
+                  <a:pt x="4818590" y="3281619"/>
+                </a:cubicBezTo>
+                <a:lnTo>
+                  <a:pt x="4818052" y="3288243"/>
+                </a:lnTo>
+                <a:cubicBezTo>
+                  <a:pt x="4817882" y="3288248"/>
+                  <a:pt x="4817714" y="3288253"/>
+                  <a:pt x="4817546" y="3288305"/>
+                </a:cubicBezTo>
+                <a:cubicBezTo>
+                  <a:pt x="4767271" y="3638399"/>
+                  <a:pt x="4486232" y="3916971"/>
+                  <a:pt x="4127381" y="3975903"/>
+                </a:cubicBezTo>
+                <a:lnTo>
+                  <a:pt x="4127264" y="3977042"/>
+                </a:lnTo>
+                <a:cubicBezTo>
+                  <a:pt x="4121954" y="3978045"/>
+                  <a:pt x="4116625" y="3978986"/>
+                  <a:pt x="4111048" y="3978570"/>
+                </a:cubicBezTo>
+                <a:cubicBezTo>
+                  <a:pt x="4079876" y="3984080"/>
+                  <a:pt x="4047996" y="3987038"/>
+                  <a:pt x="4015621" y="3987561"/>
+                </a:cubicBezTo>
+                <a:lnTo>
+                  <a:pt x="3998503" y="3989174"/>
+                </a:lnTo>
+                <a:lnTo>
+                  <a:pt x="3998477" y="3988683"/>
+                </a:lnTo>
+                <a:lnTo>
+                  <a:pt x="3997978" y="3988716"/>
+                </a:lnTo>
+                <a:cubicBezTo>
+                  <a:pt x="3997412" y="3984944"/>
+                  <a:pt x="3997385" y="3981158"/>
+                  <a:pt x="3997385" y="3977366"/>
+                </a:cubicBezTo>
+                <a:cubicBezTo>
+                  <a:pt x="3997385" y="3971728"/>
+                  <a:pt x="3997443" y="3966104"/>
+                  <a:pt x="3998755" y="3960518"/>
+                </a:cubicBezTo>
+                <a:cubicBezTo>
+                  <a:pt x="3998713" y="3929436"/>
+                  <a:pt x="4001163" y="3898794"/>
+                  <a:pt x="4006219" y="3868787"/>
+                </a:cubicBezTo>
+                <a:lnTo>
+                  <a:pt x="4006760" y="3862150"/>
+                </a:lnTo>
+                <a:cubicBezTo>
+                  <a:pt x="4006928" y="3862145"/>
+                  <a:pt x="4007098" y="3862140"/>
+                  <a:pt x="4007265" y="3862087"/>
+                </a:cubicBezTo>
+                <a:cubicBezTo>
+                  <a:pt x="4057542" y="3511992"/>
+                  <a:pt x="4338581" y="3233421"/>
+                  <a:pt x="4697431" y="3174489"/>
+                </a:cubicBezTo>
+                <a:lnTo>
+                  <a:pt x="4697548" y="3173350"/>
+                </a:lnTo>
+                <a:cubicBezTo>
+                  <a:pt x="4702857" y="3172348"/>
+                  <a:pt x="4708185" y="3171407"/>
+                  <a:pt x="4713761" y="3171823"/>
+                </a:cubicBezTo>
+                <a:cubicBezTo>
+                  <a:pt x="4744944" y="3166310"/>
+                  <a:pt x="4776837" y="3163352"/>
+                  <a:pt x="4809222" y="3162829"/>
+                </a:cubicBezTo>
+                <a:close/>
+                <a:moveTo>
+                  <a:pt x="3147947" y="3161219"/>
+                </a:moveTo>
+                <a:lnTo>
+                  <a:pt x="3165034" y="3162829"/>
+                </a:lnTo>
+                <a:cubicBezTo>
+                  <a:pt x="3197420" y="3163352"/>
+                  <a:pt x="3229312" y="3166310"/>
+                  <a:pt x="3260496" y="3171823"/>
+                </a:cubicBezTo>
+                <a:cubicBezTo>
+                  <a:pt x="3266072" y="3171407"/>
+                  <a:pt x="3271400" y="3172348"/>
+                  <a:pt x="3276708" y="3173350"/>
+                </a:cubicBezTo>
+                <a:lnTo>
+                  <a:pt x="3276826" y="3174489"/>
+                </a:lnTo>
+                <a:cubicBezTo>
+                  <a:pt x="3635676" y="3233421"/>
+                  <a:pt x="3916715" y="3511992"/>
+                  <a:pt x="3966991" y="3862087"/>
+                </a:cubicBezTo>
+                <a:cubicBezTo>
+                  <a:pt x="3967159" y="3862140"/>
+                  <a:pt x="3967328" y="3862145"/>
+                  <a:pt x="3967497" y="3862150"/>
+                </a:cubicBezTo>
+                <a:lnTo>
+                  <a:pt x="3968037" y="3868787"/>
+                </a:lnTo>
+                <a:cubicBezTo>
+                  <a:pt x="3973094" y="3898794"/>
+                  <a:pt x="3975543" y="3929436"/>
+                  <a:pt x="3975501" y="3960518"/>
+                </a:cubicBezTo>
+                <a:cubicBezTo>
+                  <a:pt x="3976813" y="3966104"/>
+                  <a:pt x="3976872" y="3971728"/>
+                  <a:pt x="3976872" y="3977366"/>
+                </a:cubicBezTo>
+                <a:cubicBezTo>
+                  <a:pt x="3976872" y="3981158"/>
+                  <a:pt x="3976845" y="3984944"/>
+                  <a:pt x="3976279" y="3988716"/>
+                </a:cubicBezTo>
+                <a:lnTo>
+                  <a:pt x="3975780" y="3988683"/>
+                </a:lnTo>
+                <a:lnTo>
+                  <a:pt x="3975754" y="3989174"/>
+                </a:lnTo>
+                <a:lnTo>
+                  <a:pt x="3958635" y="3987561"/>
+                </a:lnTo>
+                <a:cubicBezTo>
+                  <a:pt x="3926261" y="3987038"/>
+                  <a:pt x="3894381" y="3984080"/>
+                  <a:pt x="3863209" y="3978570"/>
+                </a:cubicBezTo>
+                <a:cubicBezTo>
+                  <a:pt x="3857632" y="3978986"/>
+                  <a:pt x="3852303" y="3978045"/>
+                  <a:pt x="3846992" y="3977042"/>
+                </a:cubicBezTo>
+                <a:lnTo>
+                  <a:pt x="3846876" y="3975903"/>
+                </a:lnTo>
+                <a:cubicBezTo>
+                  <a:pt x="3488025" y="3916971"/>
+                  <a:pt x="3206986" y="3638399"/>
+                  <a:pt x="3156710" y="3288305"/>
+                </a:cubicBezTo>
+                <a:cubicBezTo>
+                  <a:pt x="3156543" y="3288253"/>
+                  <a:pt x="3156374" y="3288248"/>
+                  <a:pt x="3156205" y="3288243"/>
+                </a:cubicBezTo>
+                <a:lnTo>
+                  <a:pt x="3155667" y="3281619"/>
+                </a:lnTo>
+                <a:cubicBezTo>
+                  <a:pt x="3150608" y="3251607"/>
+                  <a:pt x="3148157" y="3220958"/>
+                  <a:pt x="3148199" y="3189869"/>
+                </a:cubicBezTo>
+                <a:cubicBezTo>
+                  <a:pt x="3146887" y="3184286"/>
+                  <a:pt x="3146829" y="3178663"/>
+                  <a:pt x="3146829" y="3173027"/>
+                </a:cubicBezTo>
+                <a:lnTo>
+                  <a:pt x="3147423" y="3161677"/>
+                </a:lnTo>
+                <a:lnTo>
+                  <a:pt x="3147921" y="3161709"/>
+                </a:lnTo>
+                <a:close/>
+                <a:moveTo>
+                  <a:pt x="3134159" y="3161219"/>
+                </a:moveTo>
+                <a:lnTo>
+                  <a:pt x="3134185" y="3161709"/>
+                </a:lnTo>
+                <a:lnTo>
+                  <a:pt x="3134683" y="3161677"/>
+                </a:lnTo>
+                <a:lnTo>
+                  <a:pt x="3135277" y="3173027"/>
+                </a:lnTo>
+                <a:cubicBezTo>
+                  <a:pt x="3135277" y="3178663"/>
+                  <a:pt x="3135218" y="3184286"/>
+                  <a:pt x="3133906" y="3189869"/>
+                </a:cubicBezTo>
+                <a:cubicBezTo>
+                  <a:pt x="3133948" y="3220958"/>
+                  <a:pt x="3131498" y="3251607"/>
+                  <a:pt x="3126439" y="3281619"/>
+                </a:cubicBezTo>
+                <a:lnTo>
+                  <a:pt x="3125901" y="3288243"/>
+                </a:lnTo>
+                <a:cubicBezTo>
+                  <a:pt x="3125731" y="3288248"/>
+                  <a:pt x="3125563" y="3288253"/>
+                  <a:pt x="3125395" y="3288305"/>
+                </a:cubicBezTo>
+                <a:cubicBezTo>
+                  <a:pt x="3075120" y="3638399"/>
+                  <a:pt x="2794081" y="3916971"/>
+                  <a:pt x="2435230" y="3975903"/>
+                </a:cubicBezTo>
+                <a:lnTo>
+                  <a:pt x="2435113" y="3977042"/>
+                </a:lnTo>
+                <a:cubicBezTo>
+                  <a:pt x="2429803" y="3978045"/>
+                  <a:pt x="2424474" y="3978986"/>
+                  <a:pt x="2418897" y="3978570"/>
+                </a:cubicBezTo>
+                <a:cubicBezTo>
+                  <a:pt x="2387725" y="3984080"/>
+                  <a:pt x="2355845" y="3987038"/>
+                  <a:pt x="2323470" y="3987561"/>
+                </a:cubicBezTo>
+                <a:lnTo>
+                  <a:pt x="2306352" y="3989174"/>
+                </a:lnTo>
+                <a:lnTo>
+                  <a:pt x="2306326" y="3988683"/>
+                </a:lnTo>
+                <a:lnTo>
+                  <a:pt x="2305827" y="3988716"/>
+                </a:lnTo>
+                <a:cubicBezTo>
+                  <a:pt x="2305261" y="3984944"/>
+                  <a:pt x="2305234" y="3981158"/>
+                  <a:pt x="2305234" y="3977366"/>
+                </a:cubicBezTo>
+                <a:cubicBezTo>
+                  <a:pt x="2305234" y="3971728"/>
+                  <a:pt x="2305292" y="3966104"/>
+                  <a:pt x="2306604" y="3960518"/>
+                </a:cubicBezTo>
+                <a:cubicBezTo>
+                  <a:pt x="2306562" y="3929436"/>
+                  <a:pt x="2309012" y="3898794"/>
+                  <a:pt x="2314068" y="3868787"/>
+                </a:cubicBezTo>
+                <a:lnTo>
+                  <a:pt x="2314609" y="3862150"/>
+                </a:lnTo>
+                <a:cubicBezTo>
+                  <a:pt x="2314777" y="3862145"/>
+                  <a:pt x="2314947" y="3862140"/>
+                  <a:pt x="2315114" y="3862087"/>
+                </a:cubicBezTo>
+                <a:cubicBezTo>
+                  <a:pt x="2365391" y="3511992"/>
+                  <a:pt x="2646430" y="3233421"/>
+                  <a:pt x="3005280" y="3174489"/>
+                </a:cubicBezTo>
+                <a:lnTo>
+                  <a:pt x="3005397" y="3173350"/>
+                </a:lnTo>
+                <a:cubicBezTo>
+                  <a:pt x="3010706" y="3172348"/>
+                  <a:pt x="3016034" y="3171407"/>
+                  <a:pt x="3021610" y="3171823"/>
+                </a:cubicBezTo>
+                <a:cubicBezTo>
+                  <a:pt x="3052793" y="3166310"/>
+                  <a:pt x="3084686" y="3163352"/>
+                  <a:pt x="3117071" y="3162829"/>
+                </a:cubicBezTo>
+                <a:close/>
+                <a:moveTo>
+                  <a:pt x="1455796" y="3161219"/>
+                </a:moveTo>
+                <a:lnTo>
+                  <a:pt x="1472883" y="3162829"/>
+                </a:lnTo>
+                <a:cubicBezTo>
+                  <a:pt x="1505269" y="3163352"/>
+                  <a:pt x="1537161" y="3166310"/>
+                  <a:pt x="1568345" y="3171823"/>
+                </a:cubicBezTo>
+                <a:cubicBezTo>
+                  <a:pt x="1573921" y="3171407"/>
+                  <a:pt x="1579249" y="3172348"/>
+                  <a:pt x="1584557" y="3173350"/>
+                </a:cubicBezTo>
+                <a:lnTo>
+                  <a:pt x="1584675" y="3174489"/>
+                </a:lnTo>
+                <a:cubicBezTo>
+                  <a:pt x="1943525" y="3233421"/>
+                  <a:pt x="2224564" y="3511992"/>
+                  <a:pt x="2274840" y="3862087"/>
+                </a:cubicBezTo>
+                <a:cubicBezTo>
+                  <a:pt x="2275008" y="3862140"/>
+                  <a:pt x="2275177" y="3862145"/>
+                  <a:pt x="2275346" y="3862150"/>
+                </a:cubicBezTo>
+                <a:lnTo>
+                  <a:pt x="2275886" y="3868787"/>
+                </a:lnTo>
+                <a:cubicBezTo>
+                  <a:pt x="2280943" y="3898794"/>
+                  <a:pt x="2283392" y="3929436"/>
+                  <a:pt x="2283350" y="3960518"/>
+                </a:cubicBezTo>
+                <a:cubicBezTo>
+                  <a:pt x="2284662" y="3966104"/>
+                  <a:pt x="2284721" y="3971728"/>
+                  <a:pt x="2284721" y="3977366"/>
+                </a:cubicBezTo>
+                <a:cubicBezTo>
+                  <a:pt x="2284721" y="3981158"/>
+                  <a:pt x="2284694" y="3984944"/>
+                  <a:pt x="2284128" y="3988716"/>
+                </a:cubicBezTo>
+                <a:lnTo>
+                  <a:pt x="2283629" y="3988683"/>
+                </a:lnTo>
+                <a:lnTo>
+                  <a:pt x="2283603" y="3989174"/>
+                </a:lnTo>
+                <a:lnTo>
+                  <a:pt x="2266484" y="3987561"/>
+                </a:lnTo>
+                <a:cubicBezTo>
+                  <a:pt x="2234110" y="3987038"/>
+                  <a:pt x="2202230" y="3984080"/>
+                  <a:pt x="2171058" y="3978570"/>
+                </a:cubicBezTo>
+                <a:cubicBezTo>
+                  <a:pt x="2165481" y="3978986"/>
+                  <a:pt x="2160152" y="3978045"/>
+                  <a:pt x="2154841" y="3977042"/>
+                </a:cubicBezTo>
+                <a:lnTo>
+                  <a:pt x="2154725" y="3975903"/>
+                </a:lnTo>
+                <a:cubicBezTo>
+                  <a:pt x="1795874" y="3916971"/>
+                  <a:pt x="1514835" y="3638399"/>
+                  <a:pt x="1464559" y="3288305"/>
+                </a:cubicBezTo>
+                <a:cubicBezTo>
+                  <a:pt x="1464392" y="3288253"/>
+                  <a:pt x="1464223" y="3288248"/>
+                  <a:pt x="1464054" y="3288243"/>
+                </a:cubicBezTo>
+                <a:lnTo>
+                  <a:pt x="1463515" y="3281619"/>
+                </a:lnTo>
+                <a:cubicBezTo>
+                  <a:pt x="1458457" y="3251607"/>
+                  <a:pt x="1456006" y="3220958"/>
+                  <a:pt x="1456048" y="3189869"/>
+                </a:cubicBezTo>
+                <a:cubicBezTo>
+                  <a:pt x="1454736" y="3184286"/>
+                  <a:pt x="1454678" y="3178663"/>
+                  <a:pt x="1454678" y="3173027"/>
+                </a:cubicBezTo>
+                <a:lnTo>
+                  <a:pt x="1455272" y="3161677"/>
+                </a:lnTo>
+                <a:lnTo>
+                  <a:pt x="1455770" y="3161709"/>
+                </a:lnTo>
+                <a:close/>
+                <a:moveTo>
+                  <a:pt x="1442008" y="3161219"/>
+                </a:moveTo>
+                <a:lnTo>
+                  <a:pt x="1442034" y="3161709"/>
+                </a:lnTo>
+                <a:lnTo>
+                  <a:pt x="1442532" y="3161677"/>
+                </a:lnTo>
+                <a:lnTo>
+                  <a:pt x="1443126" y="3173027"/>
+                </a:lnTo>
+                <a:cubicBezTo>
+                  <a:pt x="1443126" y="3178663"/>
+                  <a:pt x="1443067" y="3184286"/>
+                  <a:pt x="1441755" y="3189869"/>
+                </a:cubicBezTo>
+                <a:cubicBezTo>
+                  <a:pt x="1441797" y="3220958"/>
+                  <a:pt x="1439347" y="3251607"/>
+                  <a:pt x="1434288" y="3281619"/>
+                </a:cubicBezTo>
+                <a:lnTo>
+                  <a:pt x="1433750" y="3288243"/>
+                </a:lnTo>
+                <a:cubicBezTo>
+                  <a:pt x="1433580" y="3288248"/>
+                  <a:pt x="1433412" y="3288253"/>
+                  <a:pt x="1433244" y="3288305"/>
+                </a:cubicBezTo>
+                <a:cubicBezTo>
+                  <a:pt x="1382969" y="3638399"/>
+                  <a:pt x="1101930" y="3916971"/>
+                  <a:pt x="743079" y="3975903"/>
+                </a:cubicBezTo>
+                <a:lnTo>
+                  <a:pt x="742962" y="3977042"/>
+                </a:lnTo>
+                <a:cubicBezTo>
+                  <a:pt x="737652" y="3978045"/>
+                  <a:pt x="732323" y="3978986"/>
+                  <a:pt x="726746" y="3978570"/>
+                </a:cubicBezTo>
+                <a:cubicBezTo>
+                  <a:pt x="695574" y="3984080"/>
+                  <a:pt x="663693" y="3987038"/>
+                  <a:pt x="631319" y="3987561"/>
+                </a:cubicBezTo>
+                <a:lnTo>
+                  <a:pt x="614201" y="3989174"/>
+                </a:lnTo>
+                <a:lnTo>
+                  <a:pt x="614175" y="3988683"/>
+                </a:lnTo>
+                <a:lnTo>
+                  <a:pt x="613676" y="3988716"/>
+                </a:lnTo>
+                <a:cubicBezTo>
+                  <a:pt x="613110" y="3984944"/>
+                  <a:pt x="613083" y="3981158"/>
+                  <a:pt x="613083" y="3977366"/>
+                </a:cubicBezTo>
+                <a:cubicBezTo>
+                  <a:pt x="613083" y="3971728"/>
+                  <a:pt x="613141" y="3966104"/>
+                  <a:pt x="614453" y="3960518"/>
+                </a:cubicBezTo>
+                <a:cubicBezTo>
+                  <a:pt x="614411" y="3929436"/>
+                  <a:pt x="616861" y="3898794"/>
+                  <a:pt x="621917" y="3868787"/>
+                </a:cubicBezTo>
+                <a:lnTo>
+                  <a:pt x="622458" y="3862150"/>
+                </a:lnTo>
+                <a:cubicBezTo>
+                  <a:pt x="622626" y="3862145"/>
+                  <a:pt x="622796" y="3862140"/>
+                  <a:pt x="622963" y="3862087"/>
+                </a:cubicBezTo>
+                <a:cubicBezTo>
+                  <a:pt x="673240" y="3511992"/>
+                  <a:pt x="954279" y="3233421"/>
+                  <a:pt x="1313129" y="3174489"/>
+                </a:cubicBezTo>
+                <a:lnTo>
+                  <a:pt x="1313246" y="3173350"/>
+                </a:lnTo>
+                <a:cubicBezTo>
+                  <a:pt x="1318555" y="3172348"/>
+                  <a:pt x="1323883" y="3171407"/>
+                  <a:pt x="1329459" y="3171823"/>
+                </a:cubicBezTo>
+                <a:cubicBezTo>
+                  <a:pt x="1360642" y="3166310"/>
+                  <a:pt x="1392535" y="3163352"/>
+                  <a:pt x="1424920" y="3162829"/>
+                </a:cubicBezTo>
+                <a:close/>
+                <a:moveTo>
+                  <a:pt x="10909360" y="2447425"/>
+                </a:moveTo>
+                <a:cubicBezTo>
+                  <a:pt x="10962636" y="2718331"/>
+                  <a:pt x="11177479" y="2933128"/>
+                  <a:pt x="11452669" y="2992271"/>
+                </a:cubicBezTo>
+                <a:cubicBezTo>
+                  <a:pt x="11399394" y="2721365"/>
+                  <a:pt x="11184550" y="2506568"/>
+                  <a:pt x="10909360" y="2447425"/>
+                </a:cubicBezTo>
+                <a:close/>
+                <a:moveTo>
+                  <a:pt x="10602109" y="2447425"/>
+                </a:moveTo>
+                <a:cubicBezTo>
+                  <a:pt x="10326919" y="2506568"/>
+                  <a:pt x="10112075" y="2721365"/>
+                  <a:pt x="10058800" y="2992271"/>
+                </a:cubicBezTo>
+                <a:cubicBezTo>
+                  <a:pt x="10333990" y="2933128"/>
+                  <a:pt x="10548833" y="2718331"/>
+                  <a:pt x="10602109" y="2447425"/>
+                </a:cubicBezTo>
+                <a:close/>
+                <a:moveTo>
+                  <a:pt x="9217207" y="2447425"/>
+                </a:moveTo>
+                <a:cubicBezTo>
+                  <a:pt x="9270483" y="2718331"/>
+                  <a:pt x="9485326" y="2933128"/>
+                  <a:pt x="9760516" y="2992271"/>
+                </a:cubicBezTo>
+                <a:cubicBezTo>
+                  <a:pt x="9707241" y="2721365"/>
+                  <a:pt x="9492397" y="2506568"/>
+                  <a:pt x="9217207" y="2447425"/>
+                </a:cubicBezTo>
+                <a:close/>
+                <a:moveTo>
+                  <a:pt x="8909958" y="2447425"/>
+                </a:moveTo>
+                <a:cubicBezTo>
+                  <a:pt x="8634768" y="2506568"/>
+                  <a:pt x="8419924" y="2721365"/>
+                  <a:pt x="8366649" y="2992271"/>
+                </a:cubicBezTo>
+                <a:cubicBezTo>
+                  <a:pt x="8641839" y="2933128"/>
+                  <a:pt x="8856682" y="2718331"/>
+                  <a:pt x="8909958" y="2447425"/>
+                </a:cubicBezTo>
+                <a:close/>
+                <a:moveTo>
+                  <a:pt x="7525056" y="2447425"/>
+                </a:moveTo>
+                <a:cubicBezTo>
+                  <a:pt x="7578332" y="2718331"/>
+                  <a:pt x="7793175" y="2933128"/>
+                  <a:pt x="8068365" y="2992271"/>
+                </a:cubicBezTo>
+                <a:cubicBezTo>
+                  <a:pt x="8015090" y="2721365"/>
+                  <a:pt x="7800246" y="2506568"/>
+                  <a:pt x="7525056" y="2447425"/>
+                </a:cubicBezTo>
+                <a:close/>
+                <a:moveTo>
+                  <a:pt x="7217807" y="2447425"/>
+                </a:moveTo>
+                <a:cubicBezTo>
+                  <a:pt x="6942617" y="2506568"/>
+                  <a:pt x="6727773" y="2721365"/>
+                  <a:pt x="6674498" y="2992271"/>
+                </a:cubicBezTo>
+                <a:cubicBezTo>
+                  <a:pt x="6949688" y="2933128"/>
+                  <a:pt x="7164531" y="2718331"/>
+                  <a:pt x="7217807" y="2447425"/>
+                </a:cubicBezTo>
+                <a:close/>
+                <a:moveTo>
+                  <a:pt x="5832905" y="2447425"/>
+                </a:moveTo>
+                <a:cubicBezTo>
+                  <a:pt x="5886181" y="2718331"/>
+                  <a:pt x="6101024" y="2933128"/>
+                  <a:pt x="6376214" y="2992271"/>
+                </a:cubicBezTo>
+                <a:cubicBezTo>
+                  <a:pt x="6322939" y="2721365"/>
+                  <a:pt x="6108095" y="2506568"/>
+                  <a:pt x="5832905" y="2447425"/>
+                </a:cubicBezTo>
+                <a:close/>
+                <a:moveTo>
+                  <a:pt x="5525656" y="2447425"/>
+                </a:moveTo>
+                <a:cubicBezTo>
+                  <a:pt x="5250466" y="2506568"/>
+                  <a:pt x="5035622" y="2721365"/>
+                  <a:pt x="4982347" y="2992271"/>
+                </a:cubicBezTo>
+                <a:cubicBezTo>
+                  <a:pt x="5257537" y="2933128"/>
+                  <a:pt x="5472380" y="2718331"/>
+                  <a:pt x="5525656" y="2447425"/>
+                </a:cubicBezTo>
+                <a:close/>
+                <a:moveTo>
+                  <a:pt x="4140754" y="2447425"/>
+                </a:moveTo>
+                <a:cubicBezTo>
+                  <a:pt x="4194030" y="2718331"/>
+                  <a:pt x="4408873" y="2933128"/>
+                  <a:pt x="4684063" y="2992271"/>
+                </a:cubicBezTo>
+                <a:cubicBezTo>
+                  <a:pt x="4630788" y="2721365"/>
+                  <a:pt x="4415944" y="2506568"/>
+                  <a:pt x="4140754" y="2447425"/>
+                </a:cubicBezTo>
+                <a:close/>
+                <a:moveTo>
+                  <a:pt x="3833505" y="2447425"/>
+                </a:moveTo>
+                <a:cubicBezTo>
+                  <a:pt x="3558315" y="2506568"/>
+                  <a:pt x="3343471" y="2721365"/>
+                  <a:pt x="3290196" y="2992271"/>
+                </a:cubicBezTo>
+                <a:cubicBezTo>
+                  <a:pt x="3565386" y="2933128"/>
+                  <a:pt x="3780229" y="2718331"/>
+                  <a:pt x="3833505" y="2447425"/>
+                </a:cubicBezTo>
+                <a:close/>
+                <a:moveTo>
+                  <a:pt x="2448603" y="2447425"/>
+                </a:moveTo>
+                <a:cubicBezTo>
+                  <a:pt x="2501879" y="2718331"/>
+                  <a:pt x="2716722" y="2933128"/>
+                  <a:pt x="2991912" y="2992271"/>
+                </a:cubicBezTo>
+                <a:cubicBezTo>
+                  <a:pt x="2938637" y="2721365"/>
+                  <a:pt x="2723793" y="2506568"/>
+                  <a:pt x="2448603" y="2447425"/>
+                </a:cubicBezTo>
+                <a:close/>
+                <a:moveTo>
+                  <a:pt x="2141354" y="2447425"/>
+                </a:moveTo>
+                <a:cubicBezTo>
+                  <a:pt x="1866164" y="2506568"/>
+                  <a:pt x="1651320" y="2721365"/>
+                  <a:pt x="1598045" y="2992271"/>
+                </a:cubicBezTo>
+                <a:cubicBezTo>
+                  <a:pt x="1873235" y="2933128"/>
+                  <a:pt x="2088078" y="2718331"/>
+                  <a:pt x="2141354" y="2447425"/>
+                </a:cubicBezTo>
+                <a:close/>
+                <a:moveTo>
+                  <a:pt x="756452" y="2447425"/>
+                </a:moveTo>
+                <a:cubicBezTo>
+                  <a:pt x="809728" y="2718331"/>
+                  <a:pt x="1024571" y="2933128"/>
+                  <a:pt x="1299761" y="2992271"/>
+                </a:cubicBezTo>
+                <a:cubicBezTo>
+                  <a:pt x="1246486" y="2721365"/>
+                  <a:pt x="1031642" y="2506568"/>
+                  <a:pt x="756452" y="2447425"/>
+                </a:cubicBezTo>
+                <a:close/>
+                <a:moveTo>
+                  <a:pt x="12192000" y="2344615"/>
+                </a:moveTo>
+                <a:lnTo>
+                  <a:pt x="12192000" y="2477663"/>
+                </a:lnTo>
+                <a:cubicBezTo>
+                  <a:pt x="11966807" y="2562375"/>
+                  <a:pt x="11797421" y="2755980"/>
+                  <a:pt x="11750953" y="2992271"/>
+                </a:cubicBezTo>
+                <a:cubicBezTo>
+                  <a:pt x="11935988" y="2952504"/>
+                  <a:pt x="12093739" y="2842365"/>
+                  <a:pt x="12192000" y="2691161"/>
+                </a:cubicBezTo>
+                <a:lnTo>
+                  <a:pt x="12192000" y="2892735"/>
+                </a:lnTo>
+                <a:cubicBezTo>
+                  <a:pt x="12071770" y="3011736"/>
+                  <a:pt x="11914089" y="3094511"/>
+                  <a:pt x="11737582" y="3123727"/>
+                </a:cubicBezTo>
+                <a:lnTo>
+                  <a:pt x="11737466" y="3124875"/>
+                </a:lnTo>
+                <a:cubicBezTo>
+                  <a:pt x="11732155" y="3125886"/>
+                  <a:pt x="11726826" y="3126834"/>
+                  <a:pt x="11721249" y="3126415"/>
+                </a:cubicBezTo>
+                <a:cubicBezTo>
+                  <a:pt x="11690077" y="3131969"/>
+                  <a:pt x="11658197" y="3134950"/>
+                  <a:pt x="11625822" y="3135477"/>
+                </a:cubicBezTo>
+                <a:lnTo>
+                  <a:pt x="11608704" y="3137103"/>
+                </a:lnTo>
+                <a:lnTo>
+                  <a:pt x="11608678" y="3136608"/>
+                </a:lnTo>
+                <a:lnTo>
+                  <a:pt x="11608179" y="3136641"/>
+                </a:lnTo>
+                <a:cubicBezTo>
+                  <a:pt x="11607613" y="3132839"/>
+                  <a:pt x="11607586" y="3129023"/>
+                  <a:pt x="11607586" y="3125201"/>
+                </a:cubicBezTo>
+                <a:cubicBezTo>
+                  <a:pt x="11607586" y="3119519"/>
+                  <a:pt x="11607645" y="3113850"/>
+                  <a:pt x="11608957" y="3108220"/>
+                </a:cubicBezTo>
+                <a:cubicBezTo>
+                  <a:pt x="11608914" y="3076892"/>
+                  <a:pt x="11611364" y="3046007"/>
+                  <a:pt x="11616421" y="3015763"/>
+                </a:cubicBezTo>
+                <a:lnTo>
+                  <a:pt x="11616961" y="3009073"/>
+                </a:lnTo>
+                <a:cubicBezTo>
+                  <a:pt x="11617130" y="3009068"/>
+                  <a:pt x="11617299" y="3009063"/>
+                  <a:pt x="11617466" y="3009010"/>
+                </a:cubicBezTo>
+                <a:cubicBezTo>
+                  <a:pt x="11662185" y="2695154"/>
+                  <a:pt x="11889463" y="2438329"/>
+                  <a:pt x="12192000" y="2344615"/>
+                </a:cubicBezTo>
+                <a:close/>
+                <a:moveTo>
+                  <a:pt x="10767111" y="2302594"/>
+                </a:moveTo>
+                <a:lnTo>
+                  <a:pt x="10784198" y="2304217"/>
+                </a:lnTo>
+                <a:cubicBezTo>
+                  <a:pt x="10816584" y="2304744"/>
+                  <a:pt x="10848477" y="2307725"/>
+                  <a:pt x="10879660" y="2313282"/>
+                </a:cubicBezTo>
+                <a:cubicBezTo>
+                  <a:pt x="10885236" y="2312863"/>
+                  <a:pt x="10890564" y="2313811"/>
+                  <a:pt x="10895873" y="2314821"/>
+                </a:cubicBezTo>
+                <a:lnTo>
+                  <a:pt x="10895990" y="2315969"/>
+                </a:lnTo>
+                <a:cubicBezTo>
+                  <a:pt x="11254840" y="2375367"/>
+                  <a:pt x="11535879" y="2656144"/>
+                  <a:pt x="11586156" y="3009010"/>
+                </a:cubicBezTo>
+                <a:cubicBezTo>
+                  <a:pt x="11586323" y="3009063"/>
+                  <a:pt x="11586492" y="3009068"/>
+                  <a:pt x="11586661" y="3009073"/>
+                </a:cubicBezTo>
+                <a:lnTo>
+                  <a:pt x="11587201" y="3015763"/>
+                </a:lnTo>
+                <a:cubicBezTo>
+                  <a:pt x="11592258" y="3046007"/>
+                  <a:pt x="11594708" y="3076892"/>
+                  <a:pt x="11594665" y="3108220"/>
+                </a:cubicBezTo>
+                <a:cubicBezTo>
+                  <a:pt x="11595977" y="3113850"/>
+                  <a:pt x="11596036" y="3119519"/>
+                  <a:pt x="11596036" y="3125201"/>
+                </a:cubicBezTo>
+                <a:cubicBezTo>
+                  <a:pt x="11596036" y="3129023"/>
+                  <a:pt x="11596009" y="3132839"/>
+                  <a:pt x="11595443" y="3136641"/>
+                </a:cubicBezTo>
+                <a:lnTo>
+                  <a:pt x="11594944" y="3136608"/>
+                </a:lnTo>
+                <a:lnTo>
+                  <a:pt x="11594918" y="3137103"/>
+                </a:lnTo>
+                <a:lnTo>
+                  <a:pt x="11577800" y="3135477"/>
+                </a:lnTo>
+                <a:cubicBezTo>
+                  <a:pt x="11545425" y="3134950"/>
+                  <a:pt x="11513545" y="3131969"/>
+                  <a:pt x="11482373" y="3126415"/>
+                </a:cubicBezTo>
+                <a:cubicBezTo>
+                  <a:pt x="11476796" y="3126834"/>
+                  <a:pt x="11471467" y="3125886"/>
+                  <a:pt x="11466156" y="3124875"/>
+                </a:cubicBezTo>
+                <a:lnTo>
+                  <a:pt x="11466040" y="3123727"/>
+                </a:lnTo>
+                <a:cubicBezTo>
+                  <a:pt x="11107189" y="3064328"/>
+                  <a:pt x="10826150" y="2783551"/>
+                  <a:pt x="10775875" y="2430686"/>
+                </a:cubicBezTo>
+                <a:cubicBezTo>
+                  <a:pt x="10775707" y="2430633"/>
+                  <a:pt x="10775539" y="2430628"/>
+                  <a:pt x="10775369" y="2430623"/>
+                </a:cubicBezTo>
+                <a:lnTo>
+                  <a:pt x="10774831" y="2423947"/>
+                </a:lnTo>
+                <a:cubicBezTo>
+                  <a:pt x="10769772" y="2393697"/>
+                  <a:pt x="10767321" y="2362806"/>
+                  <a:pt x="10767364" y="2331471"/>
+                </a:cubicBezTo>
+                <a:cubicBezTo>
+                  <a:pt x="10766052" y="2325843"/>
+                  <a:pt x="10765993" y="2320176"/>
+                  <a:pt x="10765993" y="2314495"/>
+                </a:cubicBezTo>
+                <a:lnTo>
+                  <a:pt x="10766587" y="2303055"/>
+                </a:lnTo>
+                <a:lnTo>
+                  <a:pt x="10767085" y="2303088"/>
+                </a:lnTo>
+                <a:close/>
+                <a:moveTo>
+                  <a:pt x="10744358" y="2302594"/>
+                </a:moveTo>
+                <a:lnTo>
+                  <a:pt x="10744384" y="2303088"/>
+                </a:lnTo>
+                <a:lnTo>
+                  <a:pt x="10744882" y="2303055"/>
+                </a:lnTo>
+                <a:lnTo>
+                  <a:pt x="10745476" y="2314495"/>
+                </a:lnTo>
+                <a:cubicBezTo>
+                  <a:pt x="10745476" y="2320176"/>
+                  <a:pt x="10745417" y="2325843"/>
+                  <a:pt x="10744105" y="2331471"/>
+                </a:cubicBezTo>
+                <a:cubicBezTo>
+                  <a:pt x="10744148" y="2362806"/>
+                  <a:pt x="10741697" y="2393697"/>
+                  <a:pt x="10736638" y="2423947"/>
+                </a:cubicBezTo>
+                <a:lnTo>
+                  <a:pt x="10736100" y="2430623"/>
+                </a:lnTo>
+                <a:cubicBezTo>
+                  <a:pt x="10735930" y="2430628"/>
+                  <a:pt x="10735762" y="2430633"/>
+                  <a:pt x="10735594" y="2430686"/>
+                </a:cubicBezTo>
+                <a:cubicBezTo>
+                  <a:pt x="10685319" y="2783551"/>
+                  <a:pt x="10404280" y="3064328"/>
+                  <a:pt x="10045429" y="3123727"/>
+                </a:cubicBezTo>
+                <a:lnTo>
+                  <a:pt x="10045313" y="3124875"/>
+                </a:lnTo>
+                <a:cubicBezTo>
+                  <a:pt x="10040002" y="3125886"/>
+                  <a:pt x="10034673" y="3126834"/>
+                  <a:pt x="10029096" y="3126415"/>
+                </a:cubicBezTo>
+                <a:cubicBezTo>
+                  <a:pt x="9997924" y="3131969"/>
+                  <a:pt x="9966044" y="3134950"/>
+                  <a:pt x="9933669" y="3135477"/>
+                </a:cubicBezTo>
+                <a:lnTo>
+                  <a:pt x="9916551" y="3137103"/>
+                </a:lnTo>
+                <a:lnTo>
+                  <a:pt x="9916525" y="3136608"/>
+                </a:lnTo>
+                <a:lnTo>
+                  <a:pt x="9916026" y="3136641"/>
+                </a:lnTo>
+                <a:cubicBezTo>
+                  <a:pt x="9915460" y="3132839"/>
+                  <a:pt x="9915433" y="3129023"/>
+                  <a:pt x="9915433" y="3125201"/>
+                </a:cubicBezTo>
+                <a:cubicBezTo>
+                  <a:pt x="9915433" y="3119519"/>
+                  <a:pt x="9915492" y="3113850"/>
+                  <a:pt x="9916804" y="3108220"/>
+                </a:cubicBezTo>
+                <a:cubicBezTo>
+                  <a:pt x="9916761" y="3076892"/>
+                  <a:pt x="9919211" y="3046007"/>
+                  <a:pt x="9924268" y="3015763"/>
+                </a:cubicBezTo>
+                <a:lnTo>
+                  <a:pt x="9924808" y="3009073"/>
+                </a:lnTo>
+                <a:cubicBezTo>
+                  <a:pt x="9924977" y="3009068"/>
+                  <a:pt x="9925146" y="3009063"/>
+                  <a:pt x="9925314" y="3009010"/>
+                </a:cubicBezTo>
+                <a:cubicBezTo>
+                  <a:pt x="9975590" y="2656144"/>
+                  <a:pt x="10256629" y="2375367"/>
+                  <a:pt x="10615479" y="2315969"/>
+                </a:cubicBezTo>
+                <a:lnTo>
+                  <a:pt x="10615596" y="2314821"/>
+                </a:lnTo>
+                <a:cubicBezTo>
+                  <a:pt x="10620905" y="2313811"/>
+                  <a:pt x="10626233" y="2312863"/>
+                  <a:pt x="10631809" y="2313282"/>
+                </a:cubicBezTo>
+                <a:cubicBezTo>
+                  <a:pt x="10662992" y="2307725"/>
+                  <a:pt x="10694885" y="2304744"/>
+                  <a:pt x="10727271" y="2304217"/>
+                </a:cubicBezTo>
+                <a:close/>
+                <a:moveTo>
+                  <a:pt x="9074958" y="2302594"/>
+                </a:moveTo>
+                <a:lnTo>
+                  <a:pt x="9092045" y="2304217"/>
+                </a:lnTo>
+                <a:cubicBezTo>
+                  <a:pt x="9124431" y="2304744"/>
+                  <a:pt x="9156324" y="2307725"/>
+                  <a:pt x="9187507" y="2313282"/>
+                </a:cubicBezTo>
+                <a:cubicBezTo>
+                  <a:pt x="9193083" y="2312863"/>
+                  <a:pt x="9198411" y="2313811"/>
+                  <a:pt x="9203720" y="2314821"/>
+                </a:cubicBezTo>
+                <a:lnTo>
+                  <a:pt x="9203837" y="2315969"/>
+                </a:lnTo>
+                <a:cubicBezTo>
+                  <a:pt x="9562687" y="2375367"/>
+                  <a:pt x="9843726" y="2656144"/>
+                  <a:pt x="9894002" y="3009010"/>
+                </a:cubicBezTo>
+                <a:cubicBezTo>
+                  <a:pt x="9894170" y="3009063"/>
+                  <a:pt x="9894339" y="3009068"/>
+                  <a:pt x="9894508" y="3009073"/>
+                </a:cubicBezTo>
+                <a:lnTo>
+                  <a:pt x="9895048" y="3015763"/>
+                </a:lnTo>
+                <a:cubicBezTo>
+                  <a:pt x="9900105" y="3046007"/>
+                  <a:pt x="9902555" y="3076892"/>
+                  <a:pt x="9902512" y="3108220"/>
+                </a:cubicBezTo>
+                <a:cubicBezTo>
+                  <a:pt x="9903824" y="3113850"/>
+                  <a:pt x="9903883" y="3119519"/>
+                  <a:pt x="9903883" y="3125201"/>
+                </a:cubicBezTo>
+                <a:cubicBezTo>
+                  <a:pt x="9903883" y="3129023"/>
+                  <a:pt x="9903856" y="3132839"/>
+                  <a:pt x="9903290" y="3136641"/>
+                </a:cubicBezTo>
+                <a:lnTo>
+                  <a:pt x="9902791" y="3136608"/>
+                </a:lnTo>
+                <a:lnTo>
+                  <a:pt x="9902765" y="3137103"/>
+                </a:lnTo>
+                <a:lnTo>
+                  <a:pt x="9885647" y="3135477"/>
+                </a:lnTo>
+                <a:cubicBezTo>
+                  <a:pt x="9853272" y="3134950"/>
+                  <a:pt x="9821392" y="3131969"/>
+                  <a:pt x="9790220" y="3126415"/>
+                </a:cubicBezTo>
+                <a:cubicBezTo>
+                  <a:pt x="9784643" y="3126834"/>
+                  <a:pt x="9779314" y="3125886"/>
+                  <a:pt x="9774003" y="3124875"/>
+                </a:cubicBezTo>
+                <a:lnTo>
+                  <a:pt x="9773887" y="3123727"/>
+                </a:lnTo>
+                <a:cubicBezTo>
+                  <a:pt x="9415036" y="3064328"/>
+                  <a:pt x="9133997" y="2783551"/>
+                  <a:pt x="9083722" y="2430686"/>
+                </a:cubicBezTo>
+                <a:cubicBezTo>
+                  <a:pt x="9083554" y="2430633"/>
+                  <a:pt x="9083386" y="2430628"/>
+                  <a:pt x="9083216" y="2430623"/>
+                </a:cubicBezTo>
+                <a:lnTo>
+                  <a:pt x="9082678" y="2423947"/>
+                </a:lnTo>
+                <a:cubicBezTo>
+                  <a:pt x="9077619" y="2393697"/>
+                  <a:pt x="9075168" y="2362806"/>
+                  <a:pt x="9075211" y="2331471"/>
+                </a:cubicBezTo>
+                <a:cubicBezTo>
+                  <a:pt x="9073899" y="2325843"/>
+                  <a:pt x="9073840" y="2320176"/>
+                  <a:pt x="9073840" y="2314495"/>
+                </a:cubicBezTo>
+                <a:lnTo>
+                  <a:pt x="9074434" y="2303055"/>
+                </a:lnTo>
+                <a:lnTo>
+                  <a:pt x="9074932" y="2303088"/>
+                </a:lnTo>
+                <a:close/>
+                <a:moveTo>
+                  <a:pt x="9052207" y="2302594"/>
+                </a:moveTo>
+                <a:lnTo>
+                  <a:pt x="9052233" y="2303088"/>
+                </a:lnTo>
+                <a:lnTo>
+                  <a:pt x="9052731" y="2303055"/>
+                </a:lnTo>
+                <a:lnTo>
+                  <a:pt x="9053325" y="2314495"/>
+                </a:lnTo>
+                <a:cubicBezTo>
+                  <a:pt x="9053325" y="2320176"/>
+                  <a:pt x="9053266" y="2325843"/>
+                  <a:pt x="9051954" y="2331471"/>
+                </a:cubicBezTo>
+                <a:cubicBezTo>
+                  <a:pt x="9051997" y="2362806"/>
+                  <a:pt x="9049546" y="2393697"/>
+                  <a:pt x="9044487" y="2423947"/>
+                </a:cubicBezTo>
+                <a:lnTo>
+                  <a:pt x="9043949" y="2430623"/>
+                </a:lnTo>
+                <a:cubicBezTo>
+                  <a:pt x="9043779" y="2430628"/>
+                  <a:pt x="9043611" y="2430633"/>
+                  <a:pt x="9043443" y="2430686"/>
+                </a:cubicBezTo>
+                <a:cubicBezTo>
+                  <a:pt x="8993168" y="2783551"/>
+                  <a:pt x="8712129" y="3064328"/>
+                  <a:pt x="8353278" y="3123727"/>
+                </a:cubicBezTo>
+                <a:lnTo>
+                  <a:pt x="8353162" y="3124875"/>
+                </a:lnTo>
+                <a:cubicBezTo>
+                  <a:pt x="8347851" y="3125886"/>
+                  <a:pt x="8342522" y="3126834"/>
+                  <a:pt x="8336945" y="3126415"/>
+                </a:cubicBezTo>
+                <a:cubicBezTo>
+                  <a:pt x="8305773" y="3131969"/>
+                  <a:pt x="8273893" y="3134950"/>
+                  <a:pt x="8241519" y="3135477"/>
+                </a:cubicBezTo>
+                <a:lnTo>
+                  <a:pt x="8224400" y="3137103"/>
+                </a:lnTo>
+                <a:lnTo>
+                  <a:pt x="8224374" y="3136608"/>
+                </a:lnTo>
+                <a:lnTo>
+                  <a:pt x="8223875" y="3136641"/>
+                </a:lnTo>
+                <a:cubicBezTo>
+                  <a:pt x="8223309" y="3132839"/>
+                  <a:pt x="8223282" y="3129023"/>
+                  <a:pt x="8223282" y="3125201"/>
+                </a:cubicBezTo>
+                <a:cubicBezTo>
+                  <a:pt x="8223282" y="3119519"/>
+                  <a:pt x="8223341" y="3113850"/>
+                  <a:pt x="8224653" y="3108220"/>
+                </a:cubicBezTo>
+                <a:cubicBezTo>
+                  <a:pt x="8224611" y="3076892"/>
+                  <a:pt x="8227060" y="3046007"/>
+                  <a:pt x="8232117" y="3015763"/>
+                </a:cubicBezTo>
+                <a:lnTo>
+                  <a:pt x="8232657" y="3009073"/>
+                </a:lnTo>
+                <a:cubicBezTo>
+                  <a:pt x="8232826" y="3009068"/>
+                  <a:pt x="8232995" y="3009063"/>
+                  <a:pt x="8233163" y="3009010"/>
+                </a:cubicBezTo>
+                <a:cubicBezTo>
+                  <a:pt x="8283439" y="2656144"/>
+                  <a:pt x="8564478" y="2375367"/>
+                  <a:pt x="8923328" y="2315969"/>
+                </a:cubicBezTo>
+                <a:lnTo>
+                  <a:pt x="8923445" y="2314821"/>
+                </a:lnTo>
+                <a:cubicBezTo>
+                  <a:pt x="8928754" y="2313811"/>
+                  <a:pt x="8934082" y="2312863"/>
+                  <a:pt x="8939658" y="2313282"/>
+                </a:cubicBezTo>
+                <a:cubicBezTo>
+                  <a:pt x="8970841" y="2307725"/>
+                  <a:pt x="9002734" y="2304744"/>
+                  <a:pt x="9035120" y="2304217"/>
+                </a:cubicBezTo>
+                <a:close/>
+                <a:moveTo>
+                  <a:pt x="7382807" y="2302594"/>
+                </a:moveTo>
+                <a:lnTo>
+                  <a:pt x="7399895" y="2304217"/>
+                </a:lnTo>
+                <a:cubicBezTo>
+                  <a:pt x="7432280" y="2304744"/>
+                  <a:pt x="7464173" y="2307725"/>
+                  <a:pt x="7495356" y="2313282"/>
+                </a:cubicBezTo>
+                <a:cubicBezTo>
+                  <a:pt x="7500932" y="2312863"/>
+                  <a:pt x="7506260" y="2313811"/>
+                  <a:pt x="7511569" y="2314821"/>
+                </a:cubicBezTo>
+                <a:lnTo>
+                  <a:pt x="7511686" y="2315969"/>
+                </a:lnTo>
+                <a:cubicBezTo>
+                  <a:pt x="7870536" y="2375367"/>
+                  <a:pt x="8151575" y="2656144"/>
+                  <a:pt x="8201852" y="3009010"/>
+                </a:cubicBezTo>
+                <a:cubicBezTo>
+                  <a:pt x="8202019" y="3009063"/>
+                  <a:pt x="8202189" y="3009068"/>
+                  <a:pt x="8202357" y="3009073"/>
+                </a:cubicBezTo>
+                <a:lnTo>
+                  <a:pt x="8202898" y="3015763"/>
+                </a:lnTo>
+                <a:cubicBezTo>
+                  <a:pt x="8207954" y="3046007"/>
+                  <a:pt x="8210404" y="3076892"/>
+                  <a:pt x="8210362" y="3108220"/>
+                </a:cubicBezTo>
+                <a:cubicBezTo>
+                  <a:pt x="8211674" y="3113850"/>
+                  <a:pt x="8211732" y="3119519"/>
+                  <a:pt x="8211732" y="3125201"/>
+                </a:cubicBezTo>
+                <a:cubicBezTo>
+                  <a:pt x="8211732" y="3129023"/>
+                  <a:pt x="8211705" y="3132839"/>
+                  <a:pt x="8211139" y="3136641"/>
+                </a:cubicBezTo>
+                <a:lnTo>
+                  <a:pt x="8210640" y="3136608"/>
+                </a:lnTo>
+                <a:lnTo>
+                  <a:pt x="8210614" y="3137103"/>
+                </a:lnTo>
+                <a:lnTo>
+                  <a:pt x="8193496" y="3135477"/>
+                </a:lnTo>
+                <a:cubicBezTo>
+                  <a:pt x="8161122" y="3134950"/>
+                  <a:pt x="8129241" y="3131969"/>
+                  <a:pt x="8098069" y="3126415"/>
+                </a:cubicBezTo>
+                <a:cubicBezTo>
+                  <a:pt x="8092492" y="3126834"/>
+                  <a:pt x="8087163" y="3125886"/>
+                  <a:pt x="8081853" y="3124875"/>
+                </a:cubicBezTo>
+                <a:lnTo>
+                  <a:pt x="8081737" y="3123727"/>
+                </a:lnTo>
+                <a:cubicBezTo>
+                  <a:pt x="7722885" y="3064328"/>
+                  <a:pt x="7441846" y="2783551"/>
+                  <a:pt x="7391571" y="2430686"/>
+                </a:cubicBezTo>
+                <a:cubicBezTo>
+                  <a:pt x="7391403" y="2430633"/>
+                  <a:pt x="7391235" y="2430628"/>
+                  <a:pt x="7391065" y="2430623"/>
+                </a:cubicBezTo>
+                <a:lnTo>
+                  <a:pt x="7390527" y="2423947"/>
+                </a:lnTo>
+                <a:cubicBezTo>
+                  <a:pt x="7385468" y="2393697"/>
+                  <a:pt x="7383018" y="2362806"/>
+                  <a:pt x="7383060" y="2331471"/>
+                </a:cubicBezTo>
+                <a:cubicBezTo>
+                  <a:pt x="7381748" y="2325843"/>
+                  <a:pt x="7381689" y="2320176"/>
+                  <a:pt x="7381689" y="2314495"/>
+                </a:cubicBezTo>
+                <a:lnTo>
+                  <a:pt x="7382283" y="2303055"/>
+                </a:lnTo>
+                <a:lnTo>
+                  <a:pt x="7382781" y="2303088"/>
+                </a:lnTo>
+                <a:close/>
+                <a:moveTo>
+                  <a:pt x="7360056" y="2302594"/>
+                </a:moveTo>
+                <a:lnTo>
+                  <a:pt x="7360082" y="2303088"/>
+                </a:lnTo>
+                <a:lnTo>
+                  <a:pt x="7360580" y="2303055"/>
+                </a:lnTo>
+                <a:lnTo>
+                  <a:pt x="7361174" y="2314495"/>
+                </a:lnTo>
+                <a:cubicBezTo>
+                  <a:pt x="7361174" y="2320176"/>
+                  <a:pt x="7361116" y="2325843"/>
+                  <a:pt x="7359804" y="2331471"/>
+                </a:cubicBezTo>
+                <a:cubicBezTo>
+                  <a:pt x="7359846" y="2362806"/>
+                  <a:pt x="7357395" y="2393697"/>
+                  <a:pt x="7352337" y="2423947"/>
+                </a:cubicBezTo>
+                <a:lnTo>
+                  <a:pt x="7351798" y="2430623"/>
+                </a:lnTo>
+                <a:cubicBezTo>
+                  <a:pt x="7351629" y="2430628"/>
+                  <a:pt x="7351460" y="2430633"/>
+                  <a:pt x="7351293" y="2430686"/>
+                </a:cubicBezTo>
+                <a:cubicBezTo>
+                  <a:pt x="7301017" y="2783551"/>
+                  <a:pt x="7019978" y="3064328"/>
+                  <a:pt x="6661127" y="3123727"/>
+                </a:cubicBezTo>
+                <a:lnTo>
+                  <a:pt x="6661011" y="3124875"/>
+                </a:lnTo>
+                <a:cubicBezTo>
+                  <a:pt x="6655700" y="3125886"/>
+                  <a:pt x="6650371" y="3126834"/>
+                  <a:pt x="6644794" y="3126415"/>
+                </a:cubicBezTo>
+                <a:cubicBezTo>
+                  <a:pt x="6613622" y="3131969"/>
+                  <a:pt x="6581742" y="3134950"/>
+                  <a:pt x="6549368" y="3135477"/>
+                </a:cubicBezTo>
+                <a:lnTo>
+                  <a:pt x="6532249" y="3137103"/>
+                </a:lnTo>
+                <a:lnTo>
+                  <a:pt x="6532223" y="3136608"/>
+                </a:lnTo>
+                <a:lnTo>
+                  <a:pt x="6531724" y="3136641"/>
+                </a:lnTo>
+                <a:cubicBezTo>
+                  <a:pt x="6531158" y="3132839"/>
+                  <a:pt x="6531131" y="3129023"/>
+                  <a:pt x="6531131" y="3125201"/>
+                </a:cubicBezTo>
+                <a:cubicBezTo>
+                  <a:pt x="6531131" y="3119519"/>
+                  <a:pt x="6531190" y="3113850"/>
+                  <a:pt x="6532502" y="3108220"/>
+                </a:cubicBezTo>
+                <a:cubicBezTo>
+                  <a:pt x="6532460" y="3076892"/>
+                  <a:pt x="6534909" y="3046007"/>
+                  <a:pt x="6539966" y="3015763"/>
+                </a:cubicBezTo>
+                <a:lnTo>
+                  <a:pt x="6540506" y="3009073"/>
+                </a:lnTo>
+                <a:cubicBezTo>
+                  <a:pt x="6540675" y="3009068"/>
+                  <a:pt x="6540844" y="3009063"/>
+                  <a:pt x="6541012" y="3009010"/>
+                </a:cubicBezTo>
+                <a:cubicBezTo>
+                  <a:pt x="6591288" y="2656144"/>
+                  <a:pt x="6872327" y="2375367"/>
+                  <a:pt x="7231178" y="2315969"/>
+                </a:cubicBezTo>
+                <a:lnTo>
+                  <a:pt x="7231295" y="2314821"/>
+                </a:lnTo>
+                <a:cubicBezTo>
+                  <a:pt x="7236603" y="2313811"/>
+                  <a:pt x="7241931" y="2312863"/>
+                  <a:pt x="7247507" y="2313282"/>
+                </a:cubicBezTo>
+                <a:cubicBezTo>
+                  <a:pt x="7278691" y="2307725"/>
+                  <a:pt x="7310583" y="2304744"/>
+                  <a:pt x="7342969" y="2304217"/>
+                </a:cubicBezTo>
+                <a:close/>
+                <a:moveTo>
+                  <a:pt x="5690656" y="2302594"/>
+                </a:moveTo>
+                <a:lnTo>
+                  <a:pt x="5707743" y="2304217"/>
+                </a:lnTo>
+                <a:cubicBezTo>
+                  <a:pt x="5740129" y="2304744"/>
+                  <a:pt x="5772021" y="2307725"/>
+                  <a:pt x="5803205" y="2313282"/>
+                </a:cubicBezTo>
+                <a:cubicBezTo>
+                  <a:pt x="5808781" y="2312863"/>
+                  <a:pt x="5814109" y="2313811"/>
+                  <a:pt x="5819417" y="2314821"/>
+                </a:cubicBezTo>
+                <a:lnTo>
+                  <a:pt x="5819534" y="2315969"/>
+                </a:lnTo>
+                <a:cubicBezTo>
+                  <a:pt x="6178385" y="2375367"/>
+                  <a:pt x="6459424" y="2656144"/>
+                  <a:pt x="6509700" y="3009010"/>
+                </a:cubicBezTo>
+                <a:cubicBezTo>
+                  <a:pt x="6509868" y="3009063"/>
+                  <a:pt x="6510037" y="3009068"/>
+                  <a:pt x="6510206" y="3009073"/>
+                </a:cubicBezTo>
+                <a:lnTo>
+                  <a:pt x="6510746" y="3015763"/>
+                </a:lnTo>
+                <a:cubicBezTo>
+                  <a:pt x="6515803" y="3046007"/>
+                  <a:pt x="6518252" y="3076892"/>
+                  <a:pt x="6518210" y="3108220"/>
+                </a:cubicBezTo>
+                <a:cubicBezTo>
+                  <a:pt x="6519522" y="3113850"/>
+                  <a:pt x="6519581" y="3119519"/>
+                  <a:pt x="6519581" y="3125201"/>
+                </a:cubicBezTo>
+                <a:cubicBezTo>
+                  <a:pt x="6519581" y="3129023"/>
+                  <a:pt x="6519554" y="3132839"/>
+                  <a:pt x="6518988" y="3136641"/>
+                </a:cubicBezTo>
+                <a:lnTo>
+                  <a:pt x="6518489" y="3136608"/>
+                </a:lnTo>
+                <a:lnTo>
+                  <a:pt x="6518463" y="3137103"/>
+                </a:lnTo>
+                <a:lnTo>
+                  <a:pt x="6501344" y="3135477"/>
+                </a:lnTo>
+                <a:cubicBezTo>
+                  <a:pt x="6468970" y="3134950"/>
+                  <a:pt x="6437090" y="3131969"/>
+                  <a:pt x="6405918" y="3126415"/>
+                </a:cubicBezTo>
+                <a:cubicBezTo>
+                  <a:pt x="6400341" y="3126834"/>
+                  <a:pt x="6395012" y="3125886"/>
+                  <a:pt x="6389701" y="3124875"/>
+                </a:cubicBezTo>
+                <a:lnTo>
+                  <a:pt x="6389585" y="3123727"/>
+                </a:lnTo>
+                <a:cubicBezTo>
+                  <a:pt x="6030734" y="3064328"/>
+                  <a:pt x="5749695" y="2783551"/>
+                  <a:pt x="5699419" y="2430686"/>
+                </a:cubicBezTo>
+                <a:cubicBezTo>
+                  <a:pt x="5699252" y="2430633"/>
+                  <a:pt x="5699083" y="2430628"/>
+                  <a:pt x="5698914" y="2430623"/>
+                </a:cubicBezTo>
+                <a:lnTo>
+                  <a:pt x="5698375" y="2423947"/>
+                </a:lnTo>
+                <a:cubicBezTo>
+                  <a:pt x="5693317" y="2393697"/>
+                  <a:pt x="5690866" y="2362806"/>
+                  <a:pt x="5690908" y="2331471"/>
+                </a:cubicBezTo>
+                <a:cubicBezTo>
+                  <a:pt x="5689596" y="2325843"/>
+                  <a:pt x="5689538" y="2320176"/>
+                  <a:pt x="5689538" y="2314495"/>
+                </a:cubicBezTo>
+                <a:lnTo>
+                  <a:pt x="5690132" y="2303055"/>
+                </a:lnTo>
+                <a:lnTo>
+                  <a:pt x="5690630" y="2303088"/>
+                </a:lnTo>
+                <a:close/>
+                <a:moveTo>
+                  <a:pt x="5667905" y="2302594"/>
+                </a:moveTo>
+                <a:lnTo>
+                  <a:pt x="5667931" y="2303088"/>
+                </a:lnTo>
+                <a:lnTo>
+                  <a:pt x="5668429" y="2303055"/>
+                </a:lnTo>
+                <a:lnTo>
+                  <a:pt x="5669023" y="2314495"/>
+                </a:lnTo>
+                <a:cubicBezTo>
+                  <a:pt x="5669023" y="2320176"/>
+                  <a:pt x="5668964" y="2325843"/>
+                  <a:pt x="5667652" y="2331471"/>
+                </a:cubicBezTo>
+                <a:cubicBezTo>
+                  <a:pt x="5667694" y="2362806"/>
+                  <a:pt x="5665244" y="2393697"/>
+                  <a:pt x="5660185" y="2423947"/>
+                </a:cubicBezTo>
+                <a:lnTo>
+                  <a:pt x="5659647" y="2430623"/>
+                </a:lnTo>
+                <a:cubicBezTo>
+                  <a:pt x="5659477" y="2430628"/>
+                  <a:pt x="5659309" y="2430633"/>
+                  <a:pt x="5659141" y="2430686"/>
+                </a:cubicBezTo>
+                <a:cubicBezTo>
+                  <a:pt x="5608866" y="2783551"/>
+                  <a:pt x="5327827" y="3064328"/>
+                  <a:pt x="4968975" y="3123727"/>
+                </a:cubicBezTo>
+                <a:lnTo>
+                  <a:pt x="4968859" y="3124875"/>
+                </a:lnTo>
+                <a:cubicBezTo>
+                  <a:pt x="4963549" y="3125886"/>
+                  <a:pt x="4958220" y="3126834"/>
+                  <a:pt x="4952643" y="3126415"/>
+                </a:cubicBezTo>
+                <a:cubicBezTo>
+                  <a:pt x="4921471" y="3131969"/>
+                  <a:pt x="4889590" y="3134950"/>
+                  <a:pt x="4857216" y="3135477"/>
+                </a:cubicBezTo>
+                <a:lnTo>
+                  <a:pt x="4840098" y="3137103"/>
+                </a:lnTo>
+                <a:lnTo>
+                  <a:pt x="4840072" y="3136608"/>
+                </a:lnTo>
+                <a:lnTo>
+                  <a:pt x="4839573" y="3136641"/>
+                </a:lnTo>
+                <a:cubicBezTo>
+                  <a:pt x="4839007" y="3132839"/>
+                  <a:pt x="4838980" y="3129023"/>
+                  <a:pt x="4838980" y="3125201"/>
+                </a:cubicBezTo>
+                <a:cubicBezTo>
+                  <a:pt x="4838980" y="3119519"/>
+                  <a:pt x="4839038" y="3113850"/>
+                  <a:pt x="4840350" y="3108220"/>
+                </a:cubicBezTo>
+                <a:cubicBezTo>
+                  <a:pt x="4840308" y="3076892"/>
+                  <a:pt x="4842758" y="3046007"/>
+                  <a:pt x="4847814" y="3015763"/>
+                </a:cubicBezTo>
+                <a:lnTo>
+                  <a:pt x="4848355" y="3009073"/>
+                </a:lnTo>
+                <a:cubicBezTo>
+                  <a:pt x="4848523" y="3009068"/>
+                  <a:pt x="4848693" y="3009063"/>
+                  <a:pt x="4848860" y="3009010"/>
+                </a:cubicBezTo>
+                <a:cubicBezTo>
+                  <a:pt x="4899137" y="2656144"/>
+                  <a:pt x="5180176" y="2375367"/>
+                  <a:pt x="5539026" y="2315969"/>
+                </a:cubicBezTo>
+                <a:lnTo>
+                  <a:pt x="5539143" y="2314821"/>
+                </a:lnTo>
+                <a:cubicBezTo>
+                  <a:pt x="5544452" y="2313811"/>
+                  <a:pt x="5549780" y="2312863"/>
+                  <a:pt x="5555356" y="2313282"/>
+                </a:cubicBezTo>
+                <a:cubicBezTo>
+                  <a:pt x="5586539" y="2307725"/>
+                  <a:pt x="5618432" y="2304744"/>
+                  <a:pt x="5650817" y="2304217"/>
+                </a:cubicBezTo>
+                <a:close/>
+                <a:moveTo>
+                  <a:pt x="3998505" y="2302594"/>
+                </a:moveTo>
+                <a:lnTo>
+                  <a:pt x="4015592" y="2304217"/>
+                </a:lnTo>
+                <a:cubicBezTo>
+                  <a:pt x="4047978" y="2304744"/>
+                  <a:pt x="4079870" y="2307725"/>
+                  <a:pt x="4111054" y="2313282"/>
+                </a:cubicBezTo>
+                <a:cubicBezTo>
+                  <a:pt x="4116630" y="2312863"/>
+                  <a:pt x="4121958" y="2313811"/>
+                  <a:pt x="4127266" y="2314821"/>
+                </a:cubicBezTo>
+                <a:lnTo>
+                  <a:pt x="4127384" y="2315969"/>
+                </a:lnTo>
+                <a:cubicBezTo>
+                  <a:pt x="4486234" y="2375367"/>
+                  <a:pt x="4767273" y="2656144"/>
+                  <a:pt x="4817549" y="3009010"/>
+                </a:cubicBezTo>
+                <a:cubicBezTo>
+                  <a:pt x="4817717" y="3009063"/>
+                  <a:pt x="4817886" y="3009068"/>
+                  <a:pt x="4818055" y="3009073"/>
+                </a:cubicBezTo>
+                <a:lnTo>
+                  <a:pt x="4818595" y="3015763"/>
+                </a:lnTo>
+                <a:cubicBezTo>
+                  <a:pt x="4823652" y="3046007"/>
+                  <a:pt x="4826101" y="3076892"/>
+                  <a:pt x="4826059" y="3108220"/>
+                </a:cubicBezTo>
+                <a:cubicBezTo>
+                  <a:pt x="4827371" y="3113850"/>
+                  <a:pt x="4827430" y="3119519"/>
+                  <a:pt x="4827430" y="3125201"/>
+                </a:cubicBezTo>
+                <a:cubicBezTo>
+                  <a:pt x="4827430" y="3129023"/>
+                  <a:pt x="4827403" y="3132839"/>
+                  <a:pt x="4826837" y="3136641"/>
+                </a:cubicBezTo>
+                <a:lnTo>
+                  <a:pt x="4826338" y="3136608"/>
+                </a:lnTo>
+                <a:lnTo>
+                  <a:pt x="4826312" y="3137103"/>
+                </a:lnTo>
+                <a:lnTo>
+                  <a:pt x="4809193" y="3135477"/>
+                </a:lnTo>
+                <a:cubicBezTo>
+                  <a:pt x="4776819" y="3134950"/>
+                  <a:pt x="4744939" y="3131969"/>
+                  <a:pt x="4713767" y="3126415"/>
+                </a:cubicBezTo>
+                <a:cubicBezTo>
+                  <a:pt x="4708190" y="3126834"/>
+                  <a:pt x="4702861" y="3125886"/>
+                  <a:pt x="4697550" y="3124875"/>
+                </a:cubicBezTo>
+                <a:lnTo>
+                  <a:pt x="4697434" y="3123727"/>
+                </a:lnTo>
+                <a:cubicBezTo>
+                  <a:pt x="4338583" y="3064328"/>
+                  <a:pt x="4057544" y="2783551"/>
+                  <a:pt x="4007268" y="2430686"/>
+                </a:cubicBezTo>
+                <a:cubicBezTo>
+                  <a:pt x="4007101" y="2430633"/>
+                  <a:pt x="4006932" y="2430628"/>
+                  <a:pt x="4006763" y="2430623"/>
+                </a:cubicBezTo>
+                <a:lnTo>
+                  <a:pt x="4006225" y="2423947"/>
+                </a:lnTo>
+                <a:cubicBezTo>
+                  <a:pt x="4001166" y="2393697"/>
+                  <a:pt x="3998715" y="2362806"/>
+                  <a:pt x="3998757" y="2331471"/>
+                </a:cubicBezTo>
+                <a:cubicBezTo>
+                  <a:pt x="3997445" y="2325843"/>
+                  <a:pt x="3997387" y="2320176"/>
+                  <a:pt x="3997387" y="2314495"/>
+                </a:cubicBezTo>
+                <a:lnTo>
+                  <a:pt x="3997981" y="2303055"/>
+                </a:lnTo>
+                <a:lnTo>
+                  <a:pt x="3998479" y="2303088"/>
+                </a:lnTo>
+                <a:close/>
+                <a:moveTo>
+                  <a:pt x="3975754" y="2302594"/>
+                </a:moveTo>
+                <a:lnTo>
+                  <a:pt x="3975780" y="2303088"/>
+                </a:lnTo>
+                <a:lnTo>
+                  <a:pt x="3976278" y="2303055"/>
+                </a:lnTo>
+                <a:lnTo>
+                  <a:pt x="3976872" y="2314495"/>
+                </a:lnTo>
+                <a:cubicBezTo>
+                  <a:pt x="3976872" y="2320176"/>
+                  <a:pt x="3976813" y="2325843"/>
+                  <a:pt x="3975501" y="2331471"/>
+                </a:cubicBezTo>
+                <a:cubicBezTo>
+                  <a:pt x="3975543" y="2362806"/>
+                  <a:pt x="3973093" y="2393697"/>
+                  <a:pt x="3968034" y="2423947"/>
+                </a:cubicBezTo>
+                <a:lnTo>
+                  <a:pt x="3967496" y="2430623"/>
+                </a:lnTo>
+                <a:cubicBezTo>
+                  <a:pt x="3967326" y="2430628"/>
+                  <a:pt x="3967158" y="2430633"/>
+                  <a:pt x="3966990" y="2430686"/>
+                </a:cubicBezTo>
+                <a:cubicBezTo>
+                  <a:pt x="3916715" y="2783551"/>
+                  <a:pt x="3635676" y="3064328"/>
+                  <a:pt x="3276825" y="3123727"/>
+                </a:cubicBezTo>
+                <a:lnTo>
+                  <a:pt x="3276708" y="3124875"/>
+                </a:lnTo>
+                <a:cubicBezTo>
+                  <a:pt x="3271398" y="3125886"/>
+                  <a:pt x="3266069" y="3126834"/>
+                  <a:pt x="3260492" y="3126415"/>
+                </a:cubicBezTo>
+                <a:cubicBezTo>
+                  <a:pt x="3229320" y="3131969"/>
+                  <a:pt x="3197440" y="3134950"/>
+                  <a:pt x="3165065" y="3135477"/>
+                </a:cubicBezTo>
+                <a:lnTo>
+                  <a:pt x="3147947" y="3137103"/>
+                </a:lnTo>
+                <a:lnTo>
+                  <a:pt x="3147921" y="3136608"/>
+                </a:lnTo>
+                <a:lnTo>
+                  <a:pt x="3147422" y="3136641"/>
+                </a:lnTo>
+                <a:cubicBezTo>
+                  <a:pt x="3146856" y="3132839"/>
+                  <a:pt x="3146829" y="3129023"/>
+                  <a:pt x="3146829" y="3125201"/>
+                </a:cubicBezTo>
+                <a:cubicBezTo>
+                  <a:pt x="3146829" y="3119519"/>
+                  <a:pt x="3146887" y="3113850"/>
+                  <a:pt x="3148199" y="3108220"/>
+                </a:cubicBezTo>
+                <a:cubicBezTo>
+                  <a:pt x="3148157" y="3076892"/>
+                  <a:pt x="3150607" y="3046007"/>
+                  <a:pt x="3155663" y="3015763"/>
+                </a:cubicBezTo>
+                <a:lnTo>
+                  <a:pt x="3156204" y="3009073"/>
+                </a:lnTo>
+                <a:cubicBezTo>
+                  <a:pt x="3156372" y="3009068"/>
+                  <a:pt x="3156542" y="3009063"/>
+                  <a:pt x="3156709" y="3009010"/>
+                </a:cubicBezTo>
+                <a:cubicBezTo>
+                  <a:pt x="3206986" y="2656144"/>
+                  <a:pt x="3488025" y="2375367"/>
+                  <a:pt x="3846875" y="2315969"/>
+                </a:cubicBezTo>
+                <a:lnTo>
+                  <a:pt x="3846992" y="2314821"/>
+                </a:lnTo>
+                <a:cubicBezTo>
+                  <a:pt x="3852301" y="2313811"/>
+                  <a:pt x="3857629" y="2312863"/>
+                  <a:pt x="3863205" y="2313282"/>
+                </a:cubicBezTo>
+                <a:cubicBezTo>
+                  <a:pt x="3894388" y="2307725"/>
+                  <a:pt x="3926281" y="2304744"/>
+                  <a:pt x="3958666" y="2304217"/>
+                </a:cubicBezTo>
+                <a:close/>
+                <a:moveTo>
+                  <a:pt x="2306354" y="2302594"/>
+                </a:moveTo>
+                <a:lnTo>
+                  <a:pt x="2323441" y="2304217"/>
+                </a:lnTo>
+                <a:cubicBezTo>
+                  <a:pt x="2355827" y="2304744"/>
+                  <a:pt x="2387719" y="2307725"/>
+                  <a:pt x="2418903" y="2313282"/>
+                </a:cubicBezTo>
+                <a:cubicBezTo>
+                  <a:pt x="2424479" y="2312863"/>
+                  <a:pt x="2429807" y="2313811"/>
+                  <a:pt x="2435115" y="2314821"/>
+                </a:cubicBezTo>
+                <a:lnTo>
+                  <a:pt x="2435233" y="2315969"/>
+                </a:lnTo>
+                <a:cubicBezTo>
+                  <a:pt x="2794083" y="2375367"/>
+                  <a:pt x="3075122" y="2656144"/>
+                  <a:pt x="3125398" y="3009010"/>
+                </a:cubicBezTo>
+                <a:cubicBezTo>
+                  <a:pt x="3125566" y="3009063"/>
+                  <a:pt x="3125735" y="3009068"/>
+                  <a:pt x="3125904" y="3009073"/>
+                </a:cubicBezTo>
+                <a:lnTo>
+                  <a:pt x="3126444" y="3015763"/>
+                </a:lnTo>
+                <a:cubicBezTo>
+                  <a:pt x="3131501" y="3046007"/>
+                  <a:pt x="3133950" y="3076892"/>
+                  <a:pt x="3133908" y="3108220"/>
+                </a:cubicBezTo>
+                <a:cubicBezTo>
+                  <a:pt x="3135220" y="3113850"/>
+                  <a:pt x="3135279" y="3119519"/>
+                  <a:pt x="3135279" y="3125201"/>
+                </a:cubicBezTo>
+                <a:cubicBezTo>
+                  <a:pt x="3135279" y="3129023"/>
+                  <a:pt x="3135252" y="3132839"/>
+                  <a:pt x="3134686" y="3136641"/>
+                </a:cubicBezTo>
+                <a:lnTo>
+                  <a:pt x="3134187" y="3136608"/>
+                </a:lnTo>
+                <a:lnTo>
+                  <a:pt x="3134161" y="3137103"/>
+                </a:lnTo>
+                <a:lnTo>
+                  <a:pt x="3117042" y="3135477"/>
+                </a:lnTo>
+                <a:cubicBezTo>
+                  <a:pt x="3084668" y="3134950"/>
+                  <a:pt x="3052788" y="3131969"/>
+                  <a:pt x="3021616" y="3126415"/>
+                </a:cubicBezTo>
+                <a:cubicBezTo>
+                  <a:pt x="3016039" y="3126834"/>
+                  <a:pt x="3010710" y="3125886"/>
+                  <a:pt x="3005399" y="3124875"/>
+                </a:cubicBezTo>
+                <a:lnTo>
+                  <a:pt x="3005283" y="3123727"/>
+                </a:lnTo>
+                <a:cubicBezTo>
+                  <a:pt x="2646432" y="3064328"/>
+                  <a:pt x="2365393" y="2783551"/>
+                  <a:pt x="2315117" y="2430686"/>
+                </a:cubicBezTo>
+                <a:cubicBezTo>
+                  <a:pt x="2314950" y="2430633"/>
+                  <a:pt x="2314781" y="2430628"/>
+                  <a:pt x="2314612" y="2430623"/>
+                </a:cubicBezTo>
+                <a:lnTo>
+                  <a:pt x="2314074" y="2423947"/>
+                </a:lnTo>
+                <a:cubicBezTo>
+                  <a:pt x="2309015" y="2393697"/>
+                  <a:pt x="2306564" y="2362806"/>
+                  <a:pt x="2306606" y="2331471"/>
+                </a:cubicBezTo>
+                <a:cubicBezTo>
+                  <a:pt x="2305294" y="2325843"/>
+                  <a:pt x="2305236" y="2320176"/>
+                  <a:pt x="2305236" y="2314495"/>
+                </a:cubicBezTo>
+                <a:lnTo>
+                  <a:pt x="2305830" y="2303055"/>
+                </a:lnTo>
+                <a:lnTo>
+                  <a:pt x="2306328" y="2303088"/>
+                </a:lnTo>
+                <a:close/>
+                <a:moveTo>
+                  <a:pt x="2283603" y="2302594"/>
+                </a:moveTo>
+                <a:lnTo>
+                  <a:pt x="2283629" y="2303088"/>
+                </a:lnTo>
+                <a:lnTo>
+                  <a:pt x="2284127" y="2303055"/>
+                </a:lnTo>
+                <a:lnTo>
+                  <a:pt x="2284721" y="2314495"/>
+                </a:lnTo>
+                <a:cubicBezTo>
+                  <a:pt x="2284721" y="2320176"/>
+                  <a:pt x="2284662" y="2325843"/>
+                  <a:pt x="2283350" y="2331471"/>
+                </a:cubicBezTo>
+                <a:cubicBezTo>
+                  <a:pt x="2283392" y="2362806"/>
+                  <a:pt x="2280942" y="2393697"/>
+                  <a:pt x="2275883" y="2423947"/>
+                </a:cubicBezTo>
+                <a:lnTo>
+                  <a:pt x="2275345" y="2430623"/>
+                </a:lnTo>
+                <a:cubicBezTo>
+                  <a:pt x="2275175" y="2430628"/>
+                  <a:pt x="2275007" y="2430633"/>
+                  <a:pt x="2274839" y="2430686"/>
+                </a:cubicBezTo>
+                <a:cubicBezTo>
+                  <a:pt x="2224564" y="2783551"/>
+                  <a:pt x="1943525" y="3064328"/>
+                  <a:pt x="1584673" y="3123727"/>
+                </a:cubicBezTo>
+                <a:lnTo>
+                  <a:pt x="1584557" y="3124875"/>
+                </a:lnTo>
+                <a:cubicBezTo>
+                  <a:pt x="1579247" y="3125886"/>
+                  <a:pt x="1573918" y="3126834"/>
+                  <a:pt x="1568341" y="3126415"/>
+                </a:cubicBezTo>
+                <a:cubicBezTo>
+                  <a:pt x="1537169" y="3131969"/>
+                  <a:pt x="1505289" y="3134950"/>
+                  <a:pt x="1472914" y="3135477"/>
+                </a:cubicBezTo>
+                <a:lnTo>
+                  <a:pt x="1455796" y="3137103"/>
+                </a:lnTo>
+                <a:lnTo>
+                  <a:pt x="1455770" y="3136608"/>
+                </a:lnTo>
+                <a:lnTo>
+                  <a:pt x="1455271" y="3136641"/>
+                </a:lnTo>
+                <a:cubicBezTo>
+                  <a:pt x="1454705" y="3132839"/>
+                  <a:pt x="1454678" y="3129023"/>
+                  <a:pt x="1454678" y="3125201"/>
+                </a:cubicBezTo>
+                <a:cubicBezTo>
+                  <a:pt x="1454678" y="3119519"/>
+                  <a:pt x="1454736" y="3113850"/>
+                  <a:pt x="1456048" y="3108220"/>
+                </a:cubicBezTo>
+                <a:cubicBezTo>
+                  <a:pt x="1456006" y="3076892"/>
+                  <a:pt x="1458456" y="3046007"/>
+                  <a:pt x="1463513" y="3015763"/>
+                </a:cubicBezTo>
+                <a:lnTo>
+                  <a:pt x="1464053" y="3009073"/>
+                </a:lnTo>
+                <a:cubicBezTo>
+                  <a:pt x="1464221" y="3009068"/>
+                  <a:pt x="1464391" y="3009063"/>
+                  <a:pt x="1464558" y="3009010"/>
+                </a:cubicBezTo>
+                <a:cubicBezTo>
+                  <a:pt x="1514835" y="2656144"/>
+                  <a:pt x="1795874" y="2375367"/>
+                  <a:pt x="2154724" y="2315969"/>
+                </a:cubicBezTo>
+                <a:lnTo>
+                  <a:pt x="2154841" y="2314821"/>
+                </a:lnTo>
+                <a:cubicBezTo>
+                  <a:pt x="2160150" y="2313811"/>
+                  <a:pt x="2165478" y="2312863"/>
+                  <a:pt x="2171054" y="2313282"/>
+                </a:cubicBezTo>
+                <a:cubicBezTo>
+                  <a:pt x="2202237" y="2307725"/>
+                  <a:pt x="2234130" y="2304744"/>
+                  <a:pt x="2266515" y="2304217"/>
+                </a:cubicBezTo>
+                <a:close/>
+                <a:moveTo>
+                  <a:pt x="614203" y="2302594"/>
+                </a:moveTo>
+                <a:lnTo>
+                  <a:pt x="631290" y="2304217"/>
+                </a:lnTo>
+                <a:cubicBezTo>
+                  <a:pt x="663676" y="2304744"/>
+                  <a:pt x="695568" y="2307725"/>
+                  <a:pt x="726752" y="2313282"/>
+                </a:cubicBezTo>
+                <a:cubicBezTo>
+                  <a:pt x="732328" y="2312863"/>
+                  <a:pt x="737656" y="2313811"/>
+                  <a:pt x="742964" y="2314821"/>
+                </a:cubicBezTo>
+                <a:lnTo>
+                  <a:pt x="743081" y="2315969"/>
+                </a:lnTo>
+                <a:cubicBezTo>
+                  <a:pt x="1101932" y="2375367"/>
+                  <a:pt x="1382971" y="2656144"/>
+                  <a:pt x="1433247" y="3009010"/>
+                </a:cubicBezTo>
+                <a:cubicBezTo>
+                  <a:pt x="1433415" y="3009063"/>
+                  <a:pt x="1433584" y="3009068"/>
+                  <a:pt x="1433753" y="3009073"/>
+                </a:cubicBezTo>
+                <a:lnTo>
+                  <a:pt x="1434293" y="3015763"/>
+                </a:lnTo>
+                <a:cubicBezTo>
+                  <a:pt x="1439350" y="3046007"/>
+                  <a:pt x="1441799" y="3076892"/>
+                  <a:pt x="1441757" y="3108220"/>
+                </a:cubicBezTo>
+                <a:cubicBezTo>
+                  <a:pt x="1443069" y="3113850"/>
+                  <a:pt x="1443128" y="3119519"/>
+                  <a:pt x="1443128" y="3125201"/>
+                </a:cubicBezTo>
+                <a:cubicBezTo>
+                  <a:pt x="1443128" y="3129023"/>
+                  <a:pt x="1443101" y="3132839"/>
+                  <a:pt x="1442535" y="3136641"/>
+                </a:cubicBezTo>
+                <a:lnTo>
+                  <a:pt x="1442036" y="3136608"/>
+                </a:lnTo>
+                <a:lnTo>
+                  <a:pt x="1442010" y="3137103"/>
+                </a:lnTo>
+                <a:lnTo>
+                  <a:pt x="1424891" y="3135477"/>
+                </a:lnTo>
+                <a:cubicBezTo>
+                  <a:pt x="1392517" y="3134950"/>
+                  <a:pt x="1360637" y="3131969"/>
+                  <a:pt x="1329465" y="3126415"/>
+                </a:cubicBezTo>
+                <a:cubicBezTo>
+                  <a:pt x="1323888" y="3126834"/>
+                  <a:pt x="1318559" y="3125886"/>
+                  <a:pt x="1313248" y="3124875"/>
+                </a:cubicBezTo>
+                <a:lnTo>
+                  <a:pt x="1313132" y="3123727"/>
+                </a:lnTo>
+                <a:cubicBezTo>
+                  <a:pt x="954281" y="3064328"/>
+                  <a:pt x="673242" y="2783551"/>
+                  <a:pt x="622966" y="2430686"/>
+                </a:cubicBezTo>
+                <a:cubicBezTo>
+                  <a:pt x="622799" y="2430633"/>
+                  <a:pt x="622630" y="2430628"/>
+                  <a:pt x="622461" y="2430623"/>
+                </a:cubicBezTo>
+                <a:lnTo>
+                  <a:pt x="621923" y="2423947"/>
+                </a:lnTo>
+                <a:cubicBezTo>
+                  <a:pt x="616864" y="2393697"/>
+                  <a:pt x="614413" y="2362806"/>
+                  <a:pt x="614455" y="2331471"/>
+                </a:cubicBezTo>
+                <a:cubicBezTo>
+                  <a:pt x="613143" y="2325843"/>
+                  <a:pt x="613085" y="2320176"/>
+                  <a:pt x="613085" y="2314495"/>
+                </a:cubicBezTo>
+                <a:lnTo>
+                  <a:pt x="613679" y="2303055"/>
+                </a:lnTo>
+                <a:lnTo>
+                  <a:pt x="614177" y="2303088"/>
+                </a:lnTo>
+                <a:close/>
+                <a:moveTo>
+                  <a:pt x="591452" y="2302594"/>
+                </a:moveTo>
+                <a:lnTo>
+                  <a:pt x="591478" y="2303088"/>
+                </a:lnTo>
+                <a:lnTo>
+                  <a:pt x="591976" y="2303055"/>
+                </a:lnTo>
+                <a:lnTo>
+                  <a:pt x="592570" y="2314495"/>
+                </a:lnTo>
+                <a:cubicBezTo>
+                  <a:pt x="592570" y="2320176"/>
+                  <a:pt x="592511" y="2325843"/>
+                  <a:pt x="591199" y="2331471"/>
+                </a:cubicBezTo>
+                <a:cubicBezTo>
+                  <a:pt x="591242" y="2362806"/>
+                  <a:pt x="588791" y="2393697"/>
+                  <a:pt x="583732" y="2423947"/>
+                </a:cubicBezTo>
+                <a:lnTo>
+                  <a:pt x="583194" y="2430623"/>
+                </a:lnTo>
+                <a:cubicBezTo>
+                  <a:pt x="583024" y="2430628"/>
+                  <a:pt x="582856" y="2430633"/>
+                  <a:pt x="582689" y="2430686"/>
+                </a:cubicBezTo>
+                <a:cubicBezTo>
+                  <a:pt x="537576" y="2747315"/>
+                  <a:pt x="306662" y="3005901"/>
+                  <a:pt x="0" y="3097101"/>
+                </a:cubicBezTo>
+                <a:lnTo>
+                  <a:pt x="0" y="2964763"/>
+                </a:lnTo>
+                <a:cubicBezTo>
+                  <a:pt x="229298" y="2881926"/>
+                  <a:pt x="402181" y="2686530"/>
+                  <a:pt x="449203" y="2447425"/>
+                </a:cubicBezTo>
+                <a:cubicBezTo>
+                  <a:pt x="258971" y="2488309"/>
+                  <a:pt x="97576" y="2603574"/>
+                  <a:pt x="0" y="2761314"/>
+                </a:cubicBezTo>
+                <a:lnTo>
+                  <a:pt x="0" y="2554520"/>
+                </a:lnTo>
+                <a:cubicBezTo>
+                  <a:pt x="121484" y="2431613"/>
+                  <a:pt x="282199" y="2345825"/>
+                  <a:pt x="462573" y="2315969"/>
+                </a:cubicBezTo>
+                <a:lnTo>
+                  <a:pt x="462690" y="2314821"/>
+                </a:lnTo>
+                <a:cubicBezTo>
+                  <a:pt x="467999" y="2313811"/>
+                  <a:pt x="473327" y="2312863"/>
+                  <a:pt x="478903" y="2313282"/>
+                </a:cubicBezTo>
+                <a:cubicBezTo>
+                  <a:pt x="510086" y="2307725"/>
+                  <a:pt x="541979" y="2304744"/>
+                  <a:pt x="574365" y="2304217"/>
+                </a:cubicBezTo>
+                <a:close/>
+                <a:moveTo>
+                  <a:pt x="11452667" y="1608087"/>
+                </a:moveTo>
+                <a:cubicBezTo>
+                  <a:pt x="11177477" y="1666766"/>
+                  <a:pt x="10962633" y="1879876"/>
+                  <a:pt x="10909358" y="2148655"/>
+                </a:cubicBezTo>
+                <a:cubicBezTo>
+                  <a:pt x="11184548" y="2089976"/>
+                  <a:pt x="11399391" y="1876866"/>
+                  <a:pt x="11452667" y="1608087"/>
+                </a:cubicBezTo>
+                <a:close/>
+                <a:moveTo>
+                  <a:pt x="10058800" y="1608087"/>
+                </a:moveTo>
+                <a:cubicBezTo>
+                  <a:pt x="10112076" y="1876866"/>
+                  <a:pt x="10326919" y="2089976"/>
+                  <a:pt x="10602109" y="2148655"/>
+                </a:cubicBezTo>
+                <a:cubicBezTo>
+                  <a:pt x="10548834" y="1879876"/>
+                  <a:pt x="10333990" y="1666766"/>
+                  <a:pt x="10058800" y="1608087"/>
+                </a:cubicBezTo>
+                <a:close/>
+                <a:moveTo>
+                  <a:pt x="9760514" y="1608087"/>
+                </a:moveTo>
+                <a:cubicBezTo>
+                  <a:pt x="9485324" y="1666766"/>
+                  <a:pt x="9270480" y="1879876"/>
+                  <a:pt x="9217205" y="2148655"/>
+                </a:cubicBezTo>
+                <a:cubicBezTo>
+                  <a:pt x="9492395" y="2089976"/>
+                  <a:pt x="9707238" y="1876866"/>
+                  <a:pt x="9760514" y="1608087"/>
+                </a:cubicBezTo>
+                <a:close/>
+                <a:moveTo>
+                  <a:pt x="8366649" y="1608087"/>
+                </a:moveTo>
+                <a:cubicBezTo>
+                  <a:pt x="8419925" y="1876866"/>
+                  <a:pt x="8634768" y="2089976"/>
+                  <a:pt x="8909958" y="2148655"/>
+                </a:cubicBezTo>
+                <a:cubicBezTo>
+                  <a:pt x="8856683" y="1879876"/>
+                  <a:pt x="8641839" y="1666766"/>
+                  <a:pt x="8366649" y="1608087"/>
+                </a:cubicBezTo>
+                <a:close/>
+                <a:moveTo>
+                  <a:pt x="8068363" y="1608087"/>
+                </a:moveTo>
+                <a:cubicBezTo>
+                  <a:pt x="7793173" y="1666766"/>
+                  <a:pt x="7578329" y="1879876"/>
+                  <a:pt x="7525054" y="2148655"/>
+                </a:cubicBezTo>
+                <a:cubicBezTo>
+                  <a:pt x="7800244" y="2089976"/>
+                  <a:pt x="8015087" y="1876866"/>
+                  <a:pt x="8068363" y="1608087"/>
+                </a:cubicBezTo>
+                <a:close/>
+                <a:moveTo>
+                  <a:pt x="6674498" y="1608087"/>
+                </a:moveTo>
+                <a:cubicBezTo>
+                  <a:pt x="6727774" y="1876866"/>
+                  <a:pt x="6942617" y="2089976"/>
+                  <a:pt x="7217807" y="2148655"/>
+                </a:cubicBezTo>
+                <a:cubicBezTo>
+                  <a:pt x="7164532" y="1879876"/>
+                  <a:pt x="6949688" y="1666766"/>
+                  <a:pt x="6674498" y="1608087"/>
+                </a:cubicBezTo>
+                <a:close/>
+                <a:moveTo>
+                  <a:pt x="6376212" y="1608087"/>
+                </a:moveTo>
+                <a:cubicBezTo>
+                  <a:pt x="6101022" y="1666766"/>
+                  <a:pt x="5886178" y="1879876"/>
+                  <a:pt x="5832903" y="2148655"/>
+                </a:cubicBezTo>
+                <a:cubicBezTo>
+                  <a:pt x="6108093" y="2089976"/>
+                  <a:pt x="6322936" y="1876866"/>
+                  <a:pt x="6376212" y="1608087"/>
+                </a:cubicBezTo>
+                <a:close/>
+                <a:moveTo>
+                  <a:pt x="4982347" y="1608087"/>
+                </a:moveTo>
+                <a:cubicBezTo>
+                  <a:pt x="5035623" y="1876866"/>
+                  <a:pt x="5250466" y="2089976"/>
+                  <a:pt x="5525656" y="2148655"/>
+                </a:cubicBezTo>
+                <a:cubicBezTo>
+                  <a:pt x="5472381" y="1879876"/>
+                  <a:pt x="5257537" y="1666766"/>
+                  <a:pt x="4982347" y="1608087"/>
+                </a:cubicBezTo>
+                <a:close/>
+                <a:moveTo>
+                  <a:pt x="4684061" y="1608087"/>
+                </a:moveTo>
+                <a:cubicBezTo>
+                  <a:pt x="4408871" y="1666766"/>
+                  <a:pt x="4194027" y="1879876"/>
+                  <a:pt x="4140752" y="2148655"/>
+                </a:cubicBezTo>
+                <a:cubicBezTo>
+                  <a:pt x="4415942" y="2089976"/>
+                  <a:pt x="4630785" y="1876866"/>
+                  <a:pt x="4684061" y="1608087"/>
+                </a:cubicBezTo>
+                <a:close/>
+                <a:moveTo>
+                  <a:pt x="3290196" y="1608087"/>
+                </a:moveTo>
+                <a:cubicBezTo>
+                  <a:pt x="3343472" y="1876866"/>
+                  <a:pt x="3558315" y="2089976"/>
+                  <a:pt x="3833505" y="2148655"/>
+                </a:cubicBezTo>
+                <a:cubicBezTo>
+                  <a:pt x="3780230" y="1879876"/>
+                  <a:pt x="3565386" y="1666766"/>
+                  <a:pt x="3290196" y="1608087"/>
+                </a:cubicBezTo>
+                <a:close/>
+                <a:moveTo>
+                  <a:pt x="2991910" y="1608087"/>
+                </a:moveTo>
+                <a:cubicBezTo>
+                  <a:pt x="2716720" y="1666766"/>
+                  <a:pt x="2501876" y="1879876"/>
+                  <a:pt x="2448601" y="2148655"/>
+                </a:cubicBezTo>
+                <a:cubicBezTo>
+                  <a:pt x="2723791" y="2089976"/>
+                  <a:pt x="2938634" y="1876866"/>
+                  <a:pt x="2991910" y="1608087"/>
+                </a:cubicBezTo>
+                <a:close/>
+                <a:moveTo>
+                  <a:pt x="1598045" y="1608087"/>
+                </a:moveTo>
+                <a:cubicBezTo>
+                  <a:pt x="1651321" y="1876866"/>
+                  <a:pt x="1866164" y="2089976"/>
+                  <a:pt x="2141354" y="2148655"/>
+                </a:cubicBezTo>
+                <a:cubicBezTo>
+                  <a:pt x="2088079" y="1879876"/>
+                  <a:pt x="1873235" y="1666766"/>
+                  <a:pt x="1598045" y="1608087"/>
+                </a:cubicBezTo>
+                <a:close/>
+                <a:moveTo>
+                  <a:pt x="1299759" y="1608087"/>
+                </a:moveTo>
+                <a:cubicBezTo>
+                  <a:pt x="1024569" y="1666766"/>
+                  <a:pt x="809725" y="1879876"/>
+                  <a:pt x="756450" y="2148655"/>
+                </a:cubicBezTo>
+                <a:cubicBezTo>
+                  <a:pt x="1031640" y="2089976"/>
+                  <a:pt x="1246483" y="1876866"/>
+                  <a:pt x="1299759" y="1608087"/>
+                </a:cubicBezTo>
+                <a:close/>
+                <a:moveTo>
+                  <a:pt x="0" y="1504081"/>
+                </a:moveTo>
+                <a:cubicBezTo>
+                  <a:pt x="306658" y="1594561"/>
+                  <a:pt x="537576" y="1851117"/>
+                  <a:pt x="582690" y="2165262"/>
+                </a:cubicBezTo>
+                <a:cubicBezTo>
+                  <a:pt x="582857" y="2165315"/>
+                  <a:pt x="583026" y="2165320"/>
+                  <a:pt x="583195" y="2165325"/>
+                </a:cubicBezTo>
+                <a:lnTo>
+                  <a:pt x="583735" y="2171962"/>
+                </a:lnTo>
+                <a:cubicBezTo>
+                  <a:pt x="588792" y="2201969"/>
+                  <a:pt x="591242" y="2232611"/>
+                  <a:pt x="591199" y="2263693"/>
+                </a:cubicBezTo>
+                <a:cubicBezTo>
+                  <a:pt x="592511" y="2269279"/>
+                  <a:pt x="592570" y="2274903"/>
+                  <a:pt x="592570" y="2280541"/>
+                </a:cubicBezTo>
+                <a:cubicBezTo>
+                  <a:pt x="592570" y="2284333"/>
+                  <a:pt x="592543" y="2288119"/>
+                  <a:pt x="591977" y="2291891"/>
+                </a:cubicBezTo>
+                <a:lnTo>
+                  <a:pt x="591478" y="2291858"/>
+                </a:lnTo>
+                <a:lnTo>
+                  <a:pt x="591452" y="2292349"/>
+                </a:lnTo>
+                <a:lnTo>
+                  <a:pt x="574334" y="2290736"/>
+                </a:lnTo>
+                <a:cubicBezTo>
+                  <a:pt x="541959" y="2290213"/>
+                  <a:pt x="510079" y="2287255"/>
+                  <a:pt x="478907" y="2281745"/>
+                </a:cubicBezTo>
+                <a:cubicBezTo>
+                  <a:pt x="473330" y="2282161"/>
+                  <a:pt x="468001" y="2281220"/>
+                  <a:pt x="462690" y="2280217"/>
+                </a:cubicBezTo>
+                <a:lnTo>
+                  <a:pt x="462574" y="2279078"/>
+                </a:lnTo>
+                <a:cubicBezTo>
+                  <a:pt x="282200" y="2249456"/>
+                  <a:pt x="121485" y="2164343"/>
+                  <a:pt x="0" y="2042401"/>
+                </a:cubicBezTo>
+                <a:lnTo>
+                  <a:pt x="0" y="1837231"/>
+                </a:lnTo>
+                <a:cubicBezTo>
+                  <a:pt x="97584" y="1993737"/>
+                  <a:pt x="258975" y="2108093"/>
+                  <a:pt x="449203" y="2148655"/>
+                </a:cubicBezTo>
+                <a:cubicBezTo>
+                  <a:pt x="402182" y="1911427"/>
+                  <a:pt x="229297" y="1717565"/>
+                  <a:pt x="0" y="1635380"/>
+                </a:cubicBezTo>
+                <a:close/>
+                <a:moveTo>
+                  <a:pt x="11608704" y="1464394"/>
+                </a:moveTo>
+                <a:lnTo>
+                  <a:pt x="11625791" y="1466004"/>
+                </a:lnTo>
+                <a:cubicBezTo>
+                  <a:pt x="11658177" y="1466527"/>
+                  <a:pt x="11690070" y="1469485"/>
+                  <a:pt x="11721253" y="1474998"/>
+                </a:cubicBezTo>
+                <a:cubicBezTo>
+                  <a:pt x="11726829" y="1474582"/>
+                  <a:pt x="11732157" y="1475523"/>
+                  <a:pt x="11737466" y="1476525"/>
+                </a:cubicBezTo>
+                <a:lnTo>
+                  <a:pt x="11737583" y="1477664"/>
+                </a:lnTo>
+                <a:cubicBezTo>
+                  <a:pt x="11914088" y="1506650"/>
+                  <a:pt x="12071767" y="1588774"/>
+                  <a:pt x="12192000" y="1706842"/>
+                </a:cubicBezTo>
+                <a:lnTo>
+                  <a:pt x="12192000" y="1906833"/>
+                </a:lnTo>
+                <a:cubicBezTo>
+                  <a:pt x="12093732" y="1756811"/>
+                  <a:pt x="11935983" y="1647542"/>
+                  <a:pt x="11750953" y="1608088"/>
+                </a:cubicBezTo>
+                <a:cubicBezTo>
+                  <a:pt x="11797422" y="1842524"/>
+                  <a:pt x="11966808" y="2034608"/>
+                  <a:pt x="12192000" y="2118654"/>
+                </a:cubicBezTo>
+                <a:lnTo>
+                  <a:pt x="12192000" y="2250657"/>
+                </a:lnTo>
+                <a:cubicBezTo>
+                  <a:pt x="11889465" y="2157681"/>
+                  <a:pt x="11662185" y="1902872"/>
+                  <a:pt x="11617468" y="1591480"/>
+                </a:cubicBezTo>
+                <a:cubicBezTo>
+                  <a:pt x="11617300" y="1591427"/>
+                  <a:pt x="11617132" y="1591423"/>
+                  <a:pt x="11616962" y="1591418"/>
+                </a:cubicBezTo>
+                <a:lnTo>
+                  <a:pt x="11616424" y="1584794"/>
+                </a:lnTo>
+                <a:cubicBezTo>
+                  <a:pt x="11611365" y="1554782"/>
+                  <a:pt x="11608914" y="1524133"/>
+                  <a:pt x="11608957" y="1493044"/>
+                </a:cubicBezTo>
+                <a:cubicBezTo>
+                  <a:pt x="11607645" y="1487460"/>
+                  <a:pt x="11607586" y="1481838"/>
+                  <a:pt x="11607586" y="1476202"/>
+                </a:cubicBezTo>
+                <a:lnTo>
+                  <a:pt x="11608180" y="1464851"/>
+                </a:lnTo>
+                <a:lnTo>
+                  <a:pt x="11608678" y="1464884"/>
+                </a:lnTo>
+                <a:close/>
+                <a:moveTo>
+                  <a:pt x="11594916" y="1464394"/>
+                </a:moveTo>
+                <a:lnTo>
+                  <a:pt x="11594942" y="1464884"/>
+                </a:lnTo>
+                <a:lnTo>
+                  <a:pt x="11595440" y="1464852"/>
+                </a:lnTo>
+                <a:lnTo>
+                  <a:pt x="11596034" y="1476202"/>
+                </a:lnTo>
+                <a:cubicBezTo>
+                  <a:pt x="11596034" y="1481838"/>
+                  <a:pt x="11595975" y="1487460"/>
+                  <a:pt x="11594663" y="1493044"/>
+                </a:cubicBezTo>
+                <a:cubicBezTo>
+                  <a:pt x="11594706" y="1524133"/>
+                  <a:pt x="11592255" y="1554782"/>
+                  <a:pt x="11587196" y="1584794"/>
+                </a:cubicBezTo>
+                <a:lnTo>
+                  <a:pt x="11586658" y="1591418"/>
+                </a:lnTo>
+                <a:cubicBezTo>
+                  <a:pt x="11586488" y="1591423"/>
+                  <a:pt x="11586320" y="1591427"/>
+                  <a:pt x="11586152" y="1591480"/>
+                </a:cubicBezTo>
+                <a:cubicBezTo>
+                  <a:pt x="11535877" y="1941574"/>
+                  <a:pt x="11254838" y="2220146"/>
+                  <a:pt x="10895987" y="2279078"/>
+                </a:cubicBezTo>
+                <a:lnTo>
+                  <a:pt x="10895871" y="2280217"/>
+                </a:lnTo>
+                <a:cubicBezTo>
+                  <a:pt x="10890560" y="2281220"/>
+                  <a:pt x="10885231" y="2282161"/>
+                  <a:pt x="10879654" y="2281745"/>
+                </a:cubicBezTo>
+                <a:cubicBezTo>
+                  <a:pt x="10848482" y="2287255"/>
+                  <a:pt x="10816602" y="2290213"/>
+                  <a:pt x="10784227" y="2290736"/>
+                </a:cubicBezTo>
+                <a:lnTo>
+                  <a:pt x="10767109" y="2292349"/>
+                </a:lnTo>
+                <a:lnTo>
+                  <a:pt x="10767083" y="2291858"/>
+                </a:lnTo>
+                <a:lnTo>
+                  <a:pt x="10766584" y="2291891"/>
+                </a:lnTo>
+                <a:cubicBezTo>
+                  <a:pt x="10766018" y="2288119"/>
+                  <a:pt x="10765991" y="2284333"/>
+                  <a:pt x="10765991" y="2280541"/>
+                </a:cubicBezTo>
+                <a:cubicBezTo>
+                  <a:pt x="10765991" y="2274903"/>
+                  <a:pt x="10766050" y="2269279"/>
+                  <a:pt x="10767362" y="2263693"/>
+                </a:cubicBezTo>
+                <a:cubicBezTo>
+                  <a:pt x="10767319" y="2232611"/>
+                  <a:pt x="10769769" y="2201969"/>
+                  <a:pt x="10774826" y="2171962"/>
+                </a:cubicBezTo>
+                <a:lnTo>
+                  <a:pt x="10775366" y="2165325"/>
+                </a:lnTo>
+                <a:cubicBezTo>
+                  <a:pt x="10775535" y="2165320"/>
+                  <a:pt x="10775704" y="2165315"/>
+                  <a:pt x="10775872" y="2165262"/>
+                </a:cubicBezTo>
+                <a:cubicBezTo>
+                  <a:pt x="10826148" y="1815167"/>
+                  <a:pt x="11107187" y="1536596"/>
+                  <a:pt x="11466037" y="1477664"/>
+                </a:cubicBezTo>
+                <a:lnTo>
+                  <a:pt x="11466154" y="1476525"/>
+                </a:lnTo>
+                <a:cubicBezTo>
+                  <a:pt x="11471463" y="1475523"/>
+                  <a:pt x="11476791" y="1474582"/>
+                  <a:pt x="11482367" y="1474998"/>
+                </a:cubicBezTo>
+                <a:cubicBezTo>
+                  <a:pt x="11513550" y="1469485"/>
+                  <a:pt x="11545443" y="1466527"/>
+                  <a:pt x="11577829" y="1466004"/>
+                </a:cubicBezTo>
+                <a:close/>
+                <a:moveTo>
+                  <a:pt x="9916551" y="1464394"/>
+                </a:moveTo>
+                <a:lnTo>
+                  <a:pt x="9933638" y="1466004"/>
+                </a:lnTo>
+                <a:cubicBezTo>
+                  <a:pt x="9966024" y="1466527"/>
+                  <a:pt x="9997917" y="1469485"/>
+                  <a:pt x="10029100" y="1474998"/>
+                </a:cubicBezTo>
+                <a:cubicBezTo>
+                  <a:pt x="10034676" y="1474582"/>
+                  <a:pt x="10040004" y="1475523"/>
+                  <a:pt x="10045313" y="1476525"/>
+                </a:cubicBezTo>
+                <a:lnTo>
+                  <a:pt x="10045430" y="1477664"/>
+                </a:lnTo>
+                <a:cubicBezTo>
+                  <a:pt x="10404280" y="1536596"/>
+                  <a:pt x="10685319" y="1815167"/>
+                  <a:pt x="10735596" y="2165262"/>
+                </a:cubicBezTo>
+                <a:cubicBezTo>
+                  <a:pt x="10735763" y="2165315"/>
+                  <a:pt x="10735932" y="2165320"/>
+                  <a:pt x="10736101" y="2165325"/>
+                </a:cubicBezTo>
+                <a:lnTo>
+                  <a:pt x="10736641" y="2171962"/>
+                </a:lnTo>
+                <a:cubicBezTo>
+                  <a:pt x="10741698" y="2201969"/>
+                  <a:pt x="10744148" y="2232611"/>
+                  <a:pt x="10744105" y="2263693"/>
+                </a:cubicBezTo>
+                <a:cubicBezTo>
+                  <a:pt x="10745417" y="2269279"/>
+                  <a:pt x="10745476" y="2274903"/>
+                  <a:pt x="10745476" y="2280541"/>
+                </a:cubicBezTo>
+                <a:cubicBezTo>
+                  <a:pt x="10745476" y="2284333"/>
+                  <a:pt x="10745449" y="2288119"/>
+                  <a:pt x="10744883" y="2291891"/>
+                </a:cubicBezTo>
+                <a:lnTo>
+                  <a:pt x="10744384" y="2291858"/>
+                </a:lnTo>
+                <a:lnTo>
+                  <a:pt x="10744358" y="2292349"/>
+                </a:lnTo>
+                <a:lnTo>
+                  <a:pt x="10727240" y="2290736"/>
+                </a:lnTo>
+                <a:cubicBezTo>
+                  <a:pt x="10694865" y="2290213"/>
+                  <a:pt x="10662985" y="2287255"/>
+                  <a:pt x="10631813" y="2281745"/>
+                </a:cubicBezTo>
+                <a:cubicBezTo>
+                  <a:pt x="10626236" y="2282161"/>
+                  <a:pt x="10620907" y="2281220"/>
+                  <a:pt x="10615596" y="2280217"/>
+                </a:cubicBezTo>
+                <a:lnTo>
+                  <a:pt x="10615480" y="2279078"/>
+                </a:lnTo>
+                <a:cubicBezTo>
+                  <a:pt x="10256629" y="2220146"/>
+                  <a:pt x="9975590" y="1941574"/>
+                  <a:pt x="9925315" y="1591480"/>
+                </a:cubicBezTo>
+                <a:cubicBezTo>
+                  <a:pt x="9925147" y="1591427"/>
+                  <a:pt x="9924979" y="1591423"/>
+                  <a:pt x="9924809" y="1591418"/>
+                </a:cubicBezTo>
+                <a:lnTo>
+                  <a:pt x="9924271" y="1584794"/>
+                </a:lnTo>
+                <a:cubicBezTo>
+                  <a:pt x="9919212" y="1554782"/>
+                  <a:pt x="9916761" y="1524133"/>
+                  <a:pt x="9916804" y="1493044"/>
+                </a:cubicBezTo>
+                <a:cubicBezTo>
+                  <a:pt x="9915492" y="1487460"/>
+                  <a:pt x="9915433" y="1481838"/>
+                  <a:pt x="9915433" y="1476202"/>
+                </a:cubicBezTo>
+                <a:lnTo>
+                  <a:pt x="9916027" y="1464852"/>
+                </a:lnTo>
+                <a:lnTo>
+                  <a:pt x="9916525" y="1464884"/>
+                </a:lnTo>
+                <a:close/>
+                <a:moveTo>
+                  <a:pt x="9902763" y="1464394"/>
+                </a:moveTo>
+                <a:lnTo>
+                  <a:pt x="9902789" y="1464884"/>
+                </a:lnTo>
+                <a:lnTo>
+                  <a:pt x="9903287" y="1464852"/>
+                </a:lnTo>
+                <a:lnTo>
+                  <a:pt x="9903881" y="1476202"/>
+                </a:lnTo>
+                <a:cubicBezTo>
+                  <a:pt x="9903881" y="1481838"/>
+                  <a:pt x="9903822" y="1487460"/>
+                  <a:pt x="9902510" y="1493044"/>
+                </a:cubicBezTo>
+                <a:cubicBezTo>
+                  <a:pt x="9902553" y="1524133"/>
+                  <a:pt x="9900102" y="1554782"/>
+                  <a:pt x="9895043" y="1584794"/>
+                </a:cubicBezTo>
+                <a:lnTo>
+                  <a:pt x="9894505" y="1591418"/>
+                </a:lnTo>
+                <a:cubicBezTo>
+                  <a:pt x="9894335" y="1591423"/>
+                  <a:pt x="9894167" y="1591427"/>
+                  <a:pt x="9893999" y="1591480"/>
+                </a:cubicBezTo>
+                <a:cubicBezTo>
+                  <a:pt x="9843724" y="1941574"/>
+                  <a:pt x="9562685" y="2220146"/>
+                  <a:pt x="9203834" y="2279078"/>
+                </a:cubicBezTo>
+                <a:lnTo>
+                  <a:pt x="9203718" y="2280217"/>
+                </a:lnTo>
+                <a:cubicBezTo>
+                  <a:pt x="9198407" y="2281220"/>
+                  <a:pt x="9193078" y="2282161"/>
+                  <a:pt x="9187501" y="2281745"/>
+                </a:cubicBezTo>
+                <a:cubicBezTo>
+                  <a:pt x="9156329" y="2287255"/>
+                  <a:pt x="9124449" y="2290213"/>
+                  <a:pt x="9092074" y="2290736"/>
+                </a:cubicBezTo>
+                <a:lnTo>
+                  <a:pt x="9074956" y="2292349"/>
+                </a:lnTo>
+                <a:lnTo>
+                  <a:pt x="9074930" y="2291858"/>
+                </a:lnTo>
+                <a:lnTo>
+                  <a:pt x="9074431" y="2291891"/>
+                </a:lnTo>
+                <a:cubicBezTo>
+                  <a:pt x="9073865" y="2288119"/>
+                  <a:pt x="9073838" y="2284333"/>
+                  <a:pt x="9073838" y="2280541"/>
+                </a:cubicBezTo>
+                <a:cubicBezTo>
+                  <a:pt x="9073838" y="2274903"/>
+                  <a:pt x="9073897" y="2269279"/>
+                  <a:pt x="9075209" y="2263693"/>
+                </a:cubicBezTo>
+                <a:cubicBezTo>
+                  <a:pt x="9075166" y="2232611"/>
+                  <a:pt x="9077616" y="2201969"/>
+                  <a:pt x="9082673" y="2171962"/>
+                </a:cubicBezTo>
+                <a:lnTo>
+                  <a:pt x="9083213" y="2165325"/>
+                </a:lnTo>
+                <a:cubicBezTo>
+                  <a:pt x="9083382" y="2165320"/>
+                  <a:pt x="9083551" y="2165315"/>
+                  <a:pt x="9083718" y="2165262"/>
+                </a:cubicBezTo>
+                <a:cubicBezTo>
+                  <a:pt x="9133995" y="1815167"/>
+                  <a:pt x="9415034" y="1536596"/>
+                  <a:pt x="9773884" y="1477664"/>
+                </a:cubicBezTo>
+                <a:lnTo>
+                  <a:pt x="9774001" y="1476525"/>
+                </a:lnTo>
+                <a:cubicBezTo>
+                  <a:pt x="9779310" y="1475523"/>
+                  <a:pt x="9784638" y="1474582"/>
+                  <a:pt x="9790214" y="1474998"/>
+                </a:cubicBezTo>
+                <a:cubicBezTo>
+                  <a:pt x="9821397" y="1469485"/>
+                  <a:pt x="9853290" y="1466527"/>
+                  <a:pt x="9885676" y="1466004"/>
+                </a:cubicBezTo>
+                <a:close/>
+                <a:moveTo>
+                  <a:pt x="8224400" y="1464394"/>
+                </a:moveTo>
+                <a:lnTo>
+                  <a:pt x="8241488" y="1466004"/>
+                </a:lnTo>
+                <a:cubicBezTo>
+                  <a:pt x="8273873" y="1466527"/>
+                  <a:pt x="8305766" y="1469485"/>
+                  <a:pt x="8336949" y="1474998"/>
+                </a:cubicBezTo>
+                <a:cubicBezTo>
+                  <a:pt x="8342525" y="1474582"/>
+                  <a:pt x="8347853" y="1475523"/>
+                  <a:pt x="8353162" y="1476525"/>
+                </a:cubicBezTo>
+                <a:lnTo>
+                  <a:pt x="8353279" y="1477664"/>
+                </a:lnTo>
+                <a:cubicBezTo>
+                  <a:pt x="8712129" y="1536596"/>
+                  <a:pt x="8993168" y="1815167"/>
+                  <a:pt x="9043444" y="2165262"/>
+                </a:cubicBezTo>
+                <a:cubicBezTo>
+                  <a:pt x="9043612" y="2165315"/>
+                  <a:pt x="9043781" y="2165320"/>
+                  <a:pt x="9043950" y="2165325"/>
+                </a:cubicBezTo>
+                <a:lnTo>
+                  <a:pt x="9044490" y="2171962"/>
+                </a:lnTo>
+                <a:cubicBezTo>
+                  <a:pt x="9049547" y="2201969"/>
+                  <a:pt x="9051997" y="2232611"/>
+                  <a:pt x="9051954" y="2263693"/>
+                </a:cubicBezTo>
+                <a:cubicBezTo>
+                  <a:pt x="9053266" y="2269279"/>
+                  <a:pt x="9053325" y="2274903"/>
+                  <a:pt x="9053325" y="2280541"/>
+                </a:cubicBezTo>
+                <a:cubicBezTo>
+                  <a:pt x="9053325" y="2284333"/>
+                  <a:pt x="9053298" y="2288119"/>
+                  <a:pt x="9052732" y="2291891"/>
+                </a:cubicBezTo>
+                <a:lnTo>
+                  <a:pt x="9052233" y="2291858"/>
+                </a:lnTo>
+                <a:lnTo>
+                  <a:pt x="9052207" y="2292349"/>
+                </a:lnTo>
+                <a:lnTo>
+                  <a:pt x="9035089" y="2290736"/>
+                </a:lnTo>
+                <a:cubicBezTo>
+                  <a:pt x="9002714" y="2290213"/>
+                  <a:pt x="8970834" y="2287255"/>
+                  <a:pt x="8939662" y="2281745"/>
+                </a:cubicBezTo>
+                <a:cubicBezTo>
+                  <a:pt x="8934085" y="2282161"/>
+                  <a:pt x="8928756" y="2281220"/>
+                  <a:pt x="8923445" y="2280217"/>
+                </a:cubicBezTo>
+                <a:lnTo>
+                  <a:pt x="8923329" y="2279078"/>
+                </a:lnTo>
+                <a:cubicBezTo>
+                  <a:pt x="8564478" y="2220146"/>
+                  <a:pt x="8283439" y="1941574"/>
+                  <a:pt x="8233164" y="1591480"/>
+                </a:cubicBezTo>
+                <a:cubicBezTo>
+                  <a:pt x="8232996" y="1591427"/>
+                  <a:pt x="8232828" y="1591423"/>
+                  <a:pt x="8232658" y="1591418"/>
+                </a:cubicBezTo>
+                <a:lnTo>
+                  <a:pt x="8232120" y="1584794"/>
+                </a:lnTo>
+                <a:cubicBezTo>
+                  <a:pt x="8227061" y="1554782"/>
+                  <a:pt x="8224611" y="1524133"/>
+                  <a:pt x="8224653" y="1493044"/>
+                </a:cubicBezTo>
+                <a:cubicBezTo>
+                  <a:pt x="8223341" y="1487460"/>
+                  <a:pt x="8223282" y="1481838"/>
+                  <a:pt x="8223282" y="1476202"/>
+                </a:cubicBezTo>
+                <a:lnTo>
+                  <a:pt x="8223876" y="1464852"/>
+                </a:lnTo>
+                <a:lnTo>
+                  <a:pt x="8224374" y="1464884"/>
+                </a:lnTo>
+                <a:close/>
+                <a:moveTo>
+                  <a:pt x="8210612" y="1464394"/>
+                </a:moveTo>
+                <a:lnTo>
+                  <a:pt x="8210638" y="1464884"/>
+                </a:lnTo>
+                <a:lnTo>
+                  <a:pt x="8211136" y="1464852"/>
+                </a:lnTo>
+                <a:lnTo>
+                  <a:pt x="8211730" y="1476202"/>
+                </a:lnTo>
+                <a:cubicBezTo>
+                  <a:pt x="8211730" y="1481838"/>
+                  <a:pt x="8211672" y="1487460"/>
+                  <a:pt x="8210360" y="1493044"/>
+                </a:cubicBezTo>
+                <a:cubicBezTo>
+                  <a:pt x="8210402" y="1524133"/>
+                  <a:pt x="8207951" y="1554782"/>
+                  <a:pt x="8202893" y="1584794"/>
+                </a:cubicBezTo>
+                <a:lnTo>
+                  <a:pt x="8202354" y="1591418"/>
+                </a:lnTo>
+                <a:cubicBezTo>
+                  <a:pt x="8202185" y="1591423"/>
+                  <a:pt x="8202016" y="1591427"/>
+                  <a:pt x="8201849" y="1591480"/>
+                </a:cubicBezTo>
+                <a:cubicBezTo>
+                  <a:pt x="8151573" y="1941574"/>
+                  <a:pt x="7870534" y="2220146"/>
+                  <a:pt x="7511683" y="2279078"/>
+                </a:cubicBezTo>
+                <a:lnTo>
+                  <a:pt x="7511567" y="2280217"/>
+                </a:lnTo>
+                <a:cubicBezTo>
+                  <a:pt x="7506256" y="2281220"/>
+                  <a:pt x="7500927" y="2282161"/>
+                  <a:pt x="7495350" y="2281745"/>
+                </a:cubicBezTo>
+                <a:cubicBezTo>
+                  <a:pt x="7464178" y="2287255"/>
+                  <a:pt x="7432298" y="2290213"/>
+                  <a:pt x="7399924" y="2290736"/>
+                </a:cubicBezTo>
+                <a:lnTo>
+                  <a:pt x="7382805" y="2292349"/>
+                </a:lnTo>
+                <a:lnTo>
+                  <a:pt x="7382779" y="2291858"/>
+                </a:lnTo>
+                <a:lnTo>
+                  <a:pt x="7382280" y="2291891"/>
+                </a:lnTo>
+                <a:cubicBezTo>
+                  <a:pt x="7381714" y="2288119"/>
+                  <a:pt x="7381687" y="2284333"/>
+                  <a:pt x="7381687" y="2280541"/>
+                </a:cubicBezTo>
+                <a:cubicBezTo>
+                  <a:pt x="7381687" y="2274903"/>
+                  <a:pt x="7381746" y="2269279"/>
+                  <a:pt x="7383058" y="2263693"/>
+                </a:cubicBezTo>
+                <a:cubicBezTo>
+                  <a:pt x="7383016" y="2232611"/>
+                  <a:pt x="7385465" y="2201969"/>
+                  <a:pt x="7390522" y="2171962"/>
+                </a:cubicBezTo>
+                <a:lnTo>
+                  <a:pt x="7391062" y="2165325"/>
+                </a:lnTo>
+                <a:cubicBezTo>
+                  <a:pt x="7391231" y="2165320"/>
+                  <a:pt x="7391400" y="2165315"/>
+                  <a:pt x="7391568" y="2165262"/>
+                </a:cubicBezTo>
+                <a:cubicBezTo>
+                  <a:pt x="7441844" y="1815167"/>
+                  <a:pt x="7722883" y="1536596"/>
+                  <a:pt x="8081734" y="1477664"/>
+                </a:cubicBezTo>
+                <a:lnTo>
+                  <a:pt x="8081851" y="1476525"/>
+                </a:lnTo>
+                <a:cubicBezTo>
+                  <a:pt x="8087159" y="1475523"/>
+                  <a:pt x="8092487" y="1474582"/>
+                  <a:pt x="8098063" y="1474998"/>
+                </a:cubicBezTo>
+                <a:cubicBezTo>
+                  <a:pt x="8129247" y="1469485"/>
+                  <a:pt x="8161139" y="1466527"/>
+                  <a:pt x="8193525" y="1466004"/>
+                </a:cubicBezTo>
+                <a:close/>
+                <a:moveTo>
+                  <a:pt x="6532249" y="1464394"/>
+                </a:moveTo>
+                <a:lnTo>
+                  <a:pt x="6549337" y="1466004"/>
+                </a:lnTo>
+                <a:cubicBezTo>
+                  <a:pt x="6581722" y="1466527"/>
+                  <a:pt x="6613615" y="1469485"/>
+                  <a:pt x="6644798" y="1474998"/>
+                </a:cubicBezTo>
+                <a:cubicBezTo>
+                  <a:pt x="6650374" y="1474582"/>
+                  <a:pt x="6655702" y="1475523"/>
+                  <a:pt x="6661011" y="1476525"/>
+                </a:cubicBezTo>
+                <a:lnTo>
+                  <a:pt x="6661128" y="1477664"/>
+                </a:lnTo>
+                <a:cubicBezTo>
+                  <a:pt x="7019978" y="1536596"/>
+                  <a:pt x="7301017" y="1815167"/>
+                  <a:pt x="7351294" y="2165262"/>
+                </a:cubicBezTo>
+                <a:cubicBezTo>
+                  <a:pt x="7351461" y="2165315"/>
+                  <a:pt x="7351631" y="2165320"/>
+                  <a:pt x="7351799" y="2165325"/>
+                </a:cubicBezTo>
+                <a:lnTo>
+                  <a:pt x="7352340" y="2171962"/>
+                </a:lnTo>
+                <a:cubicBezTo>
+                  <a:pt x="7357396" y="2201969"/>
+                  <a:pt x="7359846" y="2232611"/>
+                  <a:pt x="7359804" y="2263693"/>
+                </a:cubicBezTo>
+                <a:cubicBezTo>
+                  <a:pt x="7361116" y="2269279"/>
+                  <a:pt x="7361174" y="2274903"/>
+                  <a:pt x="7361174" y="2280541"/>
+                </a:cubicBezTo>
+                <a:cubicBezTo>
+                  <a:pt x="7361174" y="2284333"/>
+                  <a:pt x="7361147" y="2288119"/>
+                  <a:pt x="7360581" y="2291891"/>
+                </a:cubicBezTo>
+                <a:lnTo>
+                  <a:pt x="7360082" y="2291858"/>
+                </a:lnTo>
+                <a:lnTo>
+                  <a:pt x="7360056" y="2292349"/>
+                </a:lnTo>
+                <a:lnTo>
+                  <a:pt x="7342938" y="2290736"/>
+                </a:lnTo>
+                <a:cubicBezTo>
+                  <a:pt x="7310564" y="2290213"/>
+                  <a:pt x="7278683" y="2287255"/>
+                  <a:pt x="7247511" y="2281745"/>
+                </a:cubicBezTo>
+                <a:cubicBezTo>
+                  <a:pt x="7241934" y="2282161"/>
+                  <a:pt x="7236605" y="2281220"/>
+                  <a:pt x="7231295" y="2280217"/>
+                </a:cubicBezTo>
+                <a:lnTo>
+                  <a:pt x="7231179" y="2279078"/>
+                </a:lnTo>
+                <a:cubicBezTo>
+                  <a:pt x="6872327" y="2220146"/>
+                  <a:pt x="6591288" y="1941574"/>
+                  <a:pt x="6541013" y="1591480"/>
+                </a:cubicBezTo>
+                <a:cubicBezTo>
+                  <a:pt x="6540845" y="1591427"/>
+                  <a:pt x="6540677" y="1591423"/>
+                  <a:pt x="6540507" y="1591418"/>
+                </a:cubicBezTo>
+                <a:lnTo>
+                  <a:pt x="6539969" y="1584794"/>
+                </a:lnTo>
+                <a:cubicBezTo>
+                  <a:pt x="6534910" y="1554782"/>
+                  <a:pt x="6532460" y="1524133"/>
+                  <a:pt x="6532502" y="1493044"/>
+                </a:cubicBezTo>
+                <a:cubicBezTo>
+                  <a:pt x="6531190" y="1487460"/>
+                  <a:pt x="6531131" y="1481838"/>
+                  <a:pt x="6531131" y="1476202"/>
+                </a:cubicBezTo>
+                <a:lnTo>
+                  <a:pt x="6531725" y="1464852"/>
+                </a:lnTo>
+                <a:lnTo>
+                  <a:pt x="6532223" y="1464884"/>
+                </a:lnTo>
+                <a:close/>
+                <a:moveTo>
+                  <a:pt x="6518461" y="1464394"/>
+                </a:moveTo>
+                <a:lnTo>
+                  <a:pt x="6518487" y="1464884"/>
+                </a:lnTo>
+                <a:lnTo>
+                  <a:pt x="6518985" y="1464852"/>
+                </a:lnTo>
+                <a:lnTo>
+                  <a:pt x="6519579" y="1476202"/>
+                </a:lnTo>
+                <a:cubicBezTo>
+                  <a:pt x="6519579" y="1481838"/>
+                  <a:pt x="6519520" y="1487460"/>
+                  <a:pt x="6518208" y="1493044"/>
+                </a:cubicBezTo>
+                <a:cubicBezTo>
+                  <a:pt x="6518250" y="1524133"/>
+                  <a:pt x="6515800" y="1554782"/>
+                  <a:pt x="6510741" y="1584794"/>
+                </a:cubicBezTo>
+                <a:lnTo>
+                  <a:pt x="6510203" y="1591418"/>
+                </a:lnTo>
+                <a:cubicBezTo>
+                  <a:pt x="6510033" y="1591423"/>
+                  <a:pt x="6509865" y="1591427"/>
+                  <a:pt x="6509697" y="1591480"/>
+                </a:cubicBezTo>
+                <a:cubicBezTo>
+                  <a:pt x="6459422" y="1941574"/>
+                  <a:pt x="6178383" y="2220146"/>
+                  <a:pt x="5819531" y="2279078"/>
+                </a:cubicBezTo>
+                <a:lnTo>
+                  <a:pt x="5819415" y="2280217"/>
+                </a:lnTo>
+                <a:cubicBezTo>
+                  <a:pt x="5814105" y="2281220"/>
+                  <a:pt x="5808776" y="2282161"/>
+                  <a:pt x="5803199" y="2281745"/>
+                </a:cubicBezTo>
+                <a:cubicBezTo>
+                  <a:pt x="5772027" y="2287255"/>
+                  <a:pt x="5740146" y="2290213"/>
+                  <a:pt x="5707772" y="2290736"/>
+                </a:cubicBezTo>
+                <a:lnTo>
+                  <a:pt x="5690654" y="2292349"/>
+                </a:lnTo>
+                <a:lnTo>
+                  <a:pt x="5690628" y="2291858"/>
+                </a:lnTo>
+                <a:lnTo>
+                  <a:pt x="5690129" y="2291891"/>
+                </a:lnTo>
+                <a:cubicBezTo>
+                  <a:pt x="5689563" y="2288119"/>
+                  <a:pt x="5689536" y="2284333"/>
+                  <a:pt x="5689536" y="2280541"/>
+                </a:cubicBezTo>
+                <a:cubicBezTo>
+                  <a:pt x="5689536" y="2274903"/>
+                  <a:pt x="5689594" y="2269279"/>
+                  <a:pt x="5690906" y="2263693"/>
+                </a:cubicBezTo>
+                <a:cubicBezTo>
+                  <a:pt x="5690864" y="2232611"/>
+                  <a:pt x="5693314" y="2201969"/>
+                  <a:pt x="5698370" y="2171962"/>
+                </a:cubicBezTo>
+                <a:lnTo>
+                  <a:pt x="5698911" y="2165325"/>
+                </a:lnTo>
+                <a:cubicBezTo>
+                  <a:pt x="5699079" y="2165320"/>
+                  <a:pt x="5699249" y="2165315"/>
+                  <a:pt x="5699416" y="2165262"/>
+                </a:cubicBezTo>
+                <a:cubicBezTo>
+                  <a:pt x="5749693" y="1815167"/>
+                  <a:pt x="6030732" y="1536596"/>
+                  <a:pt x="6389582" y="1477664"/>
+                </a:cubicBezTo>
+                <a:lnTo>
+                  <a:pt x="6389699" y="1476525"/>
+                </a:lnTo>
+                <a:cubicBezTo>
+                  <a:pt x="6395008" y="1475523"/>
+                  <a:pt x="6400336" y="1474582"/>
+                  <a:pt x="6405912" y="1474998"/>
+                </a:cubicBezTo>
+                <a:cubicBezTo>
+                  <a:pt x="6437095" y="1469485"/>
+                  <a:pt x="6468988" y="1466527"/>
+                  <a:pt x="6501373" y="1466004"/>
+                </a:cubicBezTo>
+                <a:close/>
+                <a:moveTo>
+                  <a:pt x="4840098" y="1464394"/>
+                </a:moveTo>
+                <a:lnTo>
+                  <a:pt x="4857185" y="1466004"/>
+                </a:lnTo>
+                <a:cubicBezTo>
+                  <a:pt x="4889571" y="1466527"/>
+                  <a:pt x="4921463" y="1469485"/>
+                  <a:pt x="4952647" y="1474998"/>
+                </a:cubicBezTo>
+                <a:cubicBezTo>
+                  <a:pt x="4958223" y="1474582"/>
+                  <a:pt x="4963551" y="1475523"/>
+                  <a:pt x="4968859" y="1476525"/>
+                </a:cubicBezTo>
+                <a:lnTo>
+                  <a:pt x="4968976" y="1477664"/>
+                </a:lnTo>
+                <a:cubicBezTo>
+                  <a:pt x="5327827" y="1536596"/>
+                  <a:pt x="5608866" y="1815167"/>
+                  <a:pt x="5659142" y="2165262"/>
+                </a:cubicBezTo>
+                <a:cubicBezTo>
+                  <a:pt x="5659310" y="2165315"/>
+                  <a:pt x="5659479" y="2165320"/>
+                  <a:pt x="5659648" y="2165325"/>
+                </a:cubicBezTo>
+                <a:lnTo>
+                  <a:pt x="5660188" y="2171962"/>
+                </a:lnTo>
+                <a:cubicBezTo>
+                  <a:pt x="5665245" y="2201969"/>
+                  <a:pt x="5667694" y="2232611"/>
+                  <a:pt x="5667652" y="2263693"/>
+                </a:cubicBezTo>
+                <a:cubicBezTo>
+                  <a:pt x="5668964" y="2269279"/>
+                  <a:pt x="5669023" y="2274903"/>
+                  <a:pt x="5669023" y="2280541"/>
+                </a:cubicBezTo>
+                <a:cubicBezTo>
+                  <a:pt x="5669023" y="2284333"/>
+                  <a:pt x="5668996" y="2288119"/>
+                  <a:pt x="5668430" y="2291891"/>
+                </a:cubicBezTo>
+                <a:lnTo>
+                  <a:pt x="5667931" y="2291858"/>
+                </a:lnTo>
+                <a:lnTo>
+                  <a:pt x="5667905" y="2292349"/>
+                </a:lnTo>
+                <a:lnTo>
+                  <a:pt x="5650786" y="2290736"/>
+                </a:lnTo>
+                <a:cubicBezTo>
+                  <a:pt x="5618412" y="2290213"/>
+                  <a:pt x="5586532" y="2287255"/>
+                  <a:pt x="5555360" y="2281745"/>
+                </a:cubicBezTo>
+                <a:cubicBezTo>
+                  <a:pt x="5549783" y="2282161"/>
+                  <a:pt x="5544454" y="2281220"/>
+                  <a:pt x="5539143" y="2280217"/>
+                </a:cubicBezTo>
+                <a:lnTo>
+                  <a:pt x="5539027" y="2279078"/>
+                </a:lnTo>
+                <a:cubicBezTo>
+                  <a:pt x="5180176" y="2220146"/>
+                  <a:pt x="4899137" y="1941574"/>
+                  <a:pt x="4848861" y="1591480"/>
+                </a:cubicBezTo>
+                <a:cubicBezTo>
+                  <a:pt x="4848694" y="1591427"/>
+                  <a:pt x="4848525" y="1591423"/>
+                  <a:pt x="4848356" y="1591418"/>
+                </a:cubicBezTo>
+                <a:lnTo>
+                  <a:pt x="4847817" y="1584794"/>
+                </a:lnTo>
+                <a:cubicBezTo>
+                  <a:pt x="4842759" y="1554782"/>
+                  <a:pt x="4840308" y="1524133"/>
+                  <a:pt x="4840350" y="1493044"/>
+                </a:cubicBezTo>
+                <a:cubicBezTo>
+                  <a:pt x="4839038" y="1487460"/>
+                  <a:pt x="4838980" y="1481838"/>
+                  <a:pt x="4838980" y="1476202"/>
+                </a:cubicBezTo>
+                <a:lnTo>
+                  <a:pt x="4839574" y="1464852"/>
+                </a:lnTo>
+                <a:lnTo>
+                  <a:pt x="4840072" y="1464884"/>
+                </a:lnTo>
+                <a:close/>
+                <a:moveTo>
+                  <a:pt x="4826310" y="1464394"/>
+                </a:moveTo>
+                <a:lnTo>
+                  <a:pt x="4826336" y="1464884"/>
+                </a:lnTo>
+                <a:lnTo>
+                  <a:pt x="4826834" y="1464852"/>
+                </a:lnTo>
+                <a:lnTo>
+                  <a:pt x="4827428" y="1476202"/>
+                </a:lnTo>
+                <a:cubicBezTo>
+                  <a:pt x="4827428" y="1481838"/>
+                  <a:pt x="4827369" y="1487460"/>
+                  <a:pt x="4826057" y="1493044"/>
+                </a:cubicBezTo>
+                <a:cubicBezTo>
+                  <a:pt x="4826099" y="1524133"/>
+                  <a:pt x="4823649" y="1554782"/>
+                  <a:pt x="4818590" y="1584794"/>
+                </a:cubicBezTo>
+                <a:lnTo>
+                  <a:pt x="4818052" y="1591418"/>
+                </a:lnTo>
+                <a:cubicBezTo>
+                  <a:pt x="4817882" y="1591423"/>
+                  <a:pt x="4817714" y="1591427"/>
+                  <a:pt x="4817546" y="1591480"/>
+                </a:cubicBezTo>
+                <a:cubicBezTo>
+                  <a:pt x="4767271" y="1941574"/>
+                  <a:pt x="4486232" y="2220146"/>
+                  <a:pt x="4127381" y="2279078"/>
+                </a:cubicBezTo>
+                <a:lnTo>
+                  <a:pt x="4127264" y="2280217"/>
+                </a:lnTo>
+                <a:cubicBezTo>
+                  <a:pt x="4121954" y="2281220"/>
+                  <a:pt x="4116625" y="2282161"/>
+                  <a:pt x="4111048" y="2281745"/>
+                </a:cubicBezTo>
+                <a:cubicBezTo>
+                  <a:pt x="4079876" y="2287255"/>
+                  <a:pt x="4047996" y="2290213"/>
+                  <a:pt x="4015621" y="2290736"/>
+                </a:cubicBezTo>
+                <a:lnTo>
+                  <a:pt x="3998503" y="2292349"/>
+                </a:lnTo>
+                <a:lnTo>
+                  <a:pt x="3998477" y="2291858"/>
+                </a:lnTo>
+                <a:lnTo>
+                  <a:pt x="3997978" y="2291891"/>
+                </a:lnTo>
+                <a:cubicBezTo>
+                  <a:pt x="3997412" y="2288119"/>
+                  <a:pt x="3997385" y="2284333"/>
+                  <a:pt x="3997385" y="2280541"/>
+                </a:cubicBezTo>
+                <a:cubicBezTo>
+                  <a:pt x="3997385" y="2274903"/>
+                  <a:pt x="3997443" y="2269279"/>
+                  <a:pt x="3998755" y="2263693"/>
+                </a:cubicBezTo>
+                <a:cubicBezTo>
+                  <a:pt x="3998713" y="2232611"/>
+                  <a:pt x="4001163" y="2201969"/>
+                  <a:pt x="4006219" y="2171962"/>
+                </a:cubicBezTo>
+                <a:lnTo>
+                  <a:pt x="4006760" y="2165325"/>
+                </a:lnTo>
+                <a:cubicBezTo>
+                  <a:pt x="4006928" y="2165320"/>
+                  <a:pt x="4007098" y="2165315"/>
+                  <a:pt x="4007265" y="2165262"/>
+                </a:cubicBezTo>
+                <a:cubicBezTo>
+                  <a:pt x="4057542" y="1815167"/>
+                  <a:pt x="4338581" y="1536596"/>
+                  <a:pt x="4697431" y="1477664"/>
+                </a:cubicBezTo>
+                <a:lnTo>
+                  <a:pt x="4697548" y="1476525"/>
+                </a:lnTo>
+                <a:cubicBezTo>
+                  <a:pt x="4702857" y="1475523"/>
+                  <a:pt x="4708185" y="1474582"/>
+                  <a:pt x="4713761" y="1474998"/>
+                </a:cubicBezTo>
+                <a:cubicBezTo>
+                  <a:pt x="4744944" y="1469485"/>
+                  <a:pt x="4776837" y="1466527"/>
+                  <a:pt x="4809222" y="1466004"/>
+                </a:cubicBezTo>
+                <a:close/>
+                <a:moveTo>
+                  <a:pt x="3147947" y="1464394"/>
+                </a:moveTo>
+                <a:lnTo>
+                  <a:pt x="3165034" y="1466004"/>
+                </a:lnTo>
+                <a:cubicBezTo>
+                  <a:pt x="3197420" y="1466527"/>
+                  <a:pt x="3229312" y="1469485"/>
+                  <a:pt x="3260496" y="1474998"/>
+                </a:cubicBezTo>
+                <a:cubicBezTo>
+                  <a:pt x="3266072" y="1474582"/>
+                  <a:pt x="3271400" y="1475523"/>
+                  <a:pt x="3276708" y="1476525"/>
+                </a:cubicBezTo>
+                <a:lnTo>
+                  <a:pt x="3276826" y="1477664"/>
+                </a:lnTo>
+                <a:cubicBezTo>
+                  <a:pt x="3635676" y="1536596"/>
+                  <a:pt x="3916715" y="1815167"/>
+                  <a:pt x="3966991" y="2165262"/>
+                </a:cubicBezTo>
+                <a:cubicBezTo>
+                  <a:pt x="3967159" y="2165315"/>
+                  <a:pt x="3967328" y="2165320"/>
+                  <a:pt x="3967497" y="2165325"/>
+                </a:cubicBezTo>
+                <a:lnTo>
+                  <a:pt x="3968037" y="2171962"/>
+                </a:lnTo>
+                <a:cubicBezTo>
+                  <a:pt x="3973094" y="2201969"/>
+                  <a:pt x="3975543" y="2232611"/>
+                  <a:pt x="3975501" y="2263693"/>
+                </a:cubicBezTo>
+                <a:cubicBezTo>
+                  <a:pt x="3976813" y="2269279"/>
+                  <a:pt x="3976872" y="2274903"/>
+                  <a:pt x="3976872" y="2280541"/>
+                </a:cubicBezTo>
+                <a:cubicBezTo>
+                  <a:pt x="3976872" y="2284333"/>
+                  <a:pt x="3976845" y="2288119"/>
+                  <a:pt x="3976279" y="2291891"/>
+                </a:cubicBezTo>
+                <a:lnTo>
+                  <a:pt x="3975780" y="2291858"/>
+                </a:lnTo>
+                <a:lnTo>
+                  <a:pt x="3975754" y="2292349"/>
+                </a:lnTo>
+                <a:lnTo>
+                  <a:pt x="3958635" y="2290736"/>
+                </a:lnTo>
+                <a:cubicBezTo>
+                  <a:pt x="3926261" y="2290213"/>
+                  <a:pt x="3894381" y="2287255"/>
+                  <a:pt x="3863209" y="2281745"/>
+                </a:cubicBezTo>
+                <a:cubicBezTo>
+                  <a:pt x="3857632" y="2282161"/>
+                  <a:pt x="3852303" y="2281220"/>
+                  <a:pt x="3846992" y="2280217"/>
+                </a:cubicBezTo>
+                <a:lnTo>
+                  <a:pt x="3846876" y="2279078"/>
+                </a:lnTo>
+                <a:cubicBezTo>
+                  <a:pt x="3488025" y="2220146"/>
+                  <a:pt x="3206986" y="1941574"/>
+                  <a:pt x="3156710" y="1591480"/>
+                </a:cubicBezTo>
+                <a:cubicBezTo>
+                  <a:pt x="3156543" y="1591427"/>
+                  <a:pt x="3156374" y="1591423"/>
+                  <a:pt x="3156205" y="1591418"/>
+                </a:cubicBezTo>
+                <a:lnTo>
+                  <a:pt x="3155667" y="1584794"/>
+                </a:lnTo>
+                <a:cubicBezTo>
+                  <a:pt x="3150608" y="1554782"/>
+                  <a:pt x="3148157" y="1524133"/>
+                  <a:pt x="3148199" y="1493044"/>
+                </a:cubicBezTo>
+                <a:cubicBezTo>
+                  <a:pt x="3146887" y="1487460"/>
+                  <a:pt x="3146829" y="1481838"/>
+                  <a:pt x="3146829" y="1476202"/>
+                </a:cubicBezTo>
+                <a:lnTo>
+                  <a:pt x="3147423" y="1464852"/>
+                </a:lnTo>
+                <a:lnTo>
+                  <a:pt x="3147921" y="1464884"/>
+                </a:lnTo>
+                <a:close/>
+                <a:moveTo>
+                  <a:pt x="3134159" y="1464394"/>
+                </a:moveTo>
+                <a:lnTo>
+                  <a:pt x="3134185" y="1464884"/>
+                </a:lnTo>
+                <a:lnTo>
+                  <a:pt x="3134683" y="1464852"/>
+                </a:lnTo>
+                <a:lnTo>
+                  <a:pt x="3135277" y="1476202"/>
+                </a:lnTo>
+                <a:cubicBezTo>
+                  <a:pt x="3135277" y="1481838"/>
+                  <a:pt x="3135218" y="1487460"/>
+                  <a:pt x="3133906" y="1493044"/>
+                </a:cubicBezTo>
+                <a:cubicBezTo>
+                  <a:pt x="3133948" y="1524133"/>
+                  <a:pt x="3131498" y="1554782"/>
+                  <a:pt x="3126439" y="1584794"/>
+                </a:cubicBezTo>
+                <a:lnTo>
+                  <a:pt x="3125901" y="1591418"/>
+                </a:lnTo>
+                <a:cubicBezTo>
+                  <a:pt x="3125731" y="1591423"/>
+                  <a:pt x="3125563" y="1591427"/>
+                  <a:pt x="3125395" y="1591480"/>
+                </a:cubicBezTo>
+                <a:cubicBezTo>
+                  <a:pt x="3075120" y="1941574"/>
+                  <a:pt x="2794081" y="2220146"/>
+                  <a:pt x="2435230" y="2279078"/>
+                </a:cubicBezTo>
+                <a:lnTo>
+                  <a:pt x="2435113" y="2280217"/>
+                </a:lnTo>
+                <a:cubicBezTo>
+                  <a:pt x="2429803" y="2281220"/>
+                  <a:pt x="2424474" y="2282161"/>
+                  <a:pt x="2418897" y="2281745"/>
+                </a:cubicBezTo>
+                <a:cubicBezTo>
+                  <a:pt x="2387725" y="2287255"/>
+                  <a:pt x="2355845" y="2290213"/>
+                  <a:pt x="2323470" y="2290736"/>
+                </a:cubicBezTo>
+                <a:lnTo>
+                  <a:pt x="2306352" y="2292349"/>
+                </a:lnTo>
+                <a:lnTo>
+                  <a:pt x="2306326" y="2291858"/>
+                </a:lnTo>
+                <a:lnTo>
+                  <a:pt x="2305827" y="2291891"/>
+                </a:lnTo>
+                <a:cubicBezTo>
+                  <a:pt x="2305261" y="2288119"/>
+                  <a:pt x="2305234" y="2284333"/>
+                  <a:pt x="2305234" y="2280541"/>
+                </a:cubicBezTo>
+                <a:cubicBezTo>
+                  <a:pt x="2305234" y="2274903"/>
+                  <a:pt x="2305292" y="2269279"/>
+                  <a:pt x="2306604" y="2263693"/>
+                </a:cubicBezTo>
+                <a:cubicBezTo>
+                  <a:pt x="2306562" y="2232611"/>
+                  <a:pt x="2309012" y="2201969"/>
+                  <a:pt x="2314068" y="2171962"/>
+                </a:cubicBezTo>
+                <a:lnTo>
+                  <a:pt x="2314609" y="2165325"/>
+                </a:lnTo>
+                <a:cubicBezTo>
+                  <a:pt x="2314777" y="2165320"/>
+                  <a:pt x="2314947" y="2165315"/>
+                  <a:pt x="2315114" y="2165262"/>
+                </a:cubicBezTo>
+                <a:cubicBezTo>
+                  <a:pt x="2365391" y="1815167"/>
+                  <a:pt x="2646430" y="1536596"/>
+                  <a:pt x="3005280" y="1477664"/>
+                </a:cubicBezTo>
+                <a:lnTo>
+                  <a:pt x="3005397" y="1476525"/>
+                </a:lnTo>
+                <a:cubicBezTo>
+                  <a:pt x="3010706" y="1475523"/>
+                  <a:pt x="3016034" y="1474582"/>
+                  <a:pt x="3021610" y="1474998"/>
+                </a:cubicBezTo>
+                <a:cubicBezTo>
+                  <a:pt x="3052793" y="1469485"/>
+                  <a:pt x="3084686" y="1466527"/>
+                  <a:pt x="3117071" y="1466004"/>
+                </a:cubicBezTo>
+                <a:close/>
+                <a:moveTo>
+                  <a:pt x="1455796" y="1464394"/>
+                </a:moveTo>
+                <a:lnTo>
+                  <a:pt x="1472883" y="1466004"/>
+                </a:lnTo>
+                <a:cubicBezTo>
+                  <a:pt x="1505269" y="1466527"/>
+                  <a:pt x="1537161" y="1469485"/>
+                  <a:pt x="1568345" y="1474998"/>
+                </a:cubicBezTo>
+                <a:cubicBezTo>
+                  <a:pt x="1573921" y="1474582"/>
+                  <a:pt x="1579249" y="1475523"/>
+                  <a:pt x="1584557" y="1476525"/>
+                </a:cubicBezTo>
+                <a:lnTo>
+                  <a:pt x="1584675" y="1477664"/>
+                </a:lnTo>
+                <a:cubicBezTo>
+                  <a:pt x="1943525" y="1536596"/>
+                  <a:pt x="2224564" y="1815167"/>
+                  <a:pt x="2274840" y="2165262"/>
+                </a:cubicBezTo>
+                <a:cubicBezTo>
+                  <a:pt x="2275008" y="2165315"/>
+                  <a:pt x="2275177" y="2165320"/>
+                  <a:pt x="2275346" y="2165325"/>
+                </a:cubicBezTo>
+                <a:lnTo>
+                  <a:pt x="2275886" y="2171962"/>
+                </a:lnTo>
+                <a:cubicBezTo>
+                  <a:pt x="2280943" y="2201969"/>
+                  <a:pt x="2283392" y="2232611"/>
+                  <a:pt x="2283350" y="2263693"/>
+                </a:cubicBezTo>
+                <a:cubicBezTo>
+                  <a:pt x="2284662" y="2269279"/>
+                  <a:pt x="2284721" y="2274903"/>
+                  <a:pt x="2284721" y="2280541"/>
+                </a:cubicBezTo>
+                <a:cubicBezTo>
+                  <a:pt x="2284721" y="2284333"/>
+                  <a:pt x="2284694" y="2288119"/>
+                  <a:pt x="2284128" y="2291891"/>
+                </a:cubicBezTo>
+                <a:lnTo>
+                  <a:pt x="2283629" y="2291858"/>
+                </a:lnTo>
+                <a:lnTo>
+                  <a:pt x="2283603" y="2292349"/>
+                </a:lnTo>
+                <a:lnTo>
+                  <a:pt x="2266484" y="2290736"/>
+                </a:lnTo>
+                <a:cubicBezTo>
+                  <a:pt x="2234110" y="2290213"/>
+                  <a:pt x="2202230" y="2287255"/>
+                  <a:pt x="2171058" y="2281745"/>
+                </a:cubicBezTo>
+                <a:cubicBezTo>
+                  <a:pt x="2165481" y="2282161"/>
+                  <a:pt x="2160152" y="2281220"/>
+                  <a:pt x="2154841" y="2280217"/>
+                </a:cubicBezTo>
+                <a:lnTo>
+                  <a:pt x="2154725" y="2279078"/>
+                </a:lnTo>
+                <a:cubicBezTo>
+                  <a:pt x="1795874" y="2220146"/>
+                  <a:pt x="1514835" y="1941574"/>
+                  <a:pt x="1464559" y="1591480"/>
+                </a:cubicBezTo>
+                <a:cubicBezTo>
+                  <a:pt x="1464392" y="1591427"/>
+                  <a:pt x="1464223" y="1591423"/>
+                  <a:pt x="1464054" y="1591418"/>
+                </a:cubicBezTo>
+                <a:lnTo>
+                  <a:pt x="1463515" y="1584794"/>
+                </a:lnTo>
+                <a:cubicBezTo>
+                  <a:pt x="1458457" y="1554782"/>
+                  <a:pt x="1456006" y="1524133"/>
+                  <a:pt x="1456048" y="1493044"/>
+                </a:cubicBezTo>
+                <a:cubicBezTo>
+                  <a:pt x="1454736" y="1487460"/>
+                  <a:pt x="1454678" y="1481838"/>
+                  <a:pt x="1454678" y="1476202"/>
+                </a:cubicBezTo>
+                <a:lnTo>
+                  <a:pt x="1455272" y="1464852"/>
+                </a:lnTo>
+                <a:lnTo>
+                  <a:pt x="1455770" y="1464884"/>
+                </a:lnTo>
+                <a:close/>
+                <a:moveTo>
+                  <a:pt x="1442008" y="1464394"/>
+                </a:moveTo>
+                <a:lnTo>
+                  <a:pt x="1442034" y="1464884"/>
+                </a:lnTo>
+                <a:lnTo>
+                  <a:pt x="1442532" y="1464852"/>
+                </a:lnTo>
+                <a:lnTo>
+                  <a:pt x="1443126" y="1476202"/>
+                </a:lnTo>
+                <a:cubicBezTo>
+                  <a:pt x="1443126" y="1481838"/>
+                  <a:pt x="1443067" y="1487460"/>
+                  <a:pt x="1441755" y="1493044"/>
+                </a:cubicBezTo>
+                <a:cubicBezTo>
+                  <a:pt x="1441797" y="1524133"/>
+                  <a:pt x="1439347" y="1554782"/>
+                  <a:pt x="1434288" y="1584794"/>
+                </a:cubicBezTo>
+                <a:lnTo>
+                  <a:pt x="1433750" y="1591418"/>
+                </a:lnTo>
+                <a:cubicBezTo>
+                  <a:pt x="1433580" y="1591423"/>
+                  <a:pt x="1433412" y="1591427"/>
+                  <a:pt x="1433244" y="1591480"/>
+                </a:cubicBezTo>
+                <a:cubicBezTo>
+                  <a:pt x="1382969" y="1941574"/>
+                  <a:pt x="1101930" y="2220146"/>
+                  <a:pt x="743079" y="2279078"/>
+                </a:cubicBezTo>
+                <a:lnTo>
+                  <a:pt x="742962" y="2280217"/>
+                </a:lnTo>
+                <a:cubicBezTo>
+                  <a:pt x="737652" y="2281220"/>
+                  <a:pt x="732323" y="2282161"/>
+                  <a:pt x="726746" y="2281745"/>
+                </a:cubicBezTo>
+                <a:cubicBezTo>
+                  <a:pt x="695574" y="2287255"/>
+                  <a:pt x="663693" y="2290213"/>
+                  <a:pt x="631319" y="2290736"/>
+                </a:cubicBezTo>
+                <a:lnTo>
+                  <a:pt x="614201" y="2292349"/>
+                </a:lnTo>
+                <a:lnTo>
+                  <a:pt x="614175" y="2291858"/>
+                </a:lnTo>
+                <a:lnTo>
+                  <a:pt x="613676" y="2291891"/>
+                </a:lnTo>
+                <a:cubicBezTo>
+                  <a:pt x="613110" y="2288119"/>
+                  <a:pt x="613083" y="2284333"/>
+                  <a:pt x="613083" y="2280541"/>
+                </a:cubicBezTo>
+                <a:cubicBezTo>
+                  <a:pt x="613083" y="2274903"/>
+                  <a:pt x="613141" y="2269279"/>
+                  <a:pt x="614453" y="2263693"/>
+                </a:cubicBezTo>
+                <a:cubicBezTo>
+                  <a:pt x="614411" y="2232611"/>
+                  <a:pt x="616861" y="2201969"/>
+                  <a:pt x="621917" y="2171962"/>
+                </a:cubicBezTo>
+                <a:lnTo>
+                  <a:pt x="622458" y="2165325"/>
+                </a:lnTo>
+                <a:cubicBezTo>
+                  <a:pt x="622626" y="2165320"/>
+                  <a:pt x="622796" y="2165315"/>
+                  <a:pt x="622963" y="2165262"/>
+                </a:cubicBezTo>
+                <a:cubicBezTo>
+                  <a:pt x="673240" y="1815167"/>
+                  <a:pt x="954279" y="1536596"/>
+                  <a:pt x="1313129" y="1477664"/>
+                </a:cubicBezTo>
+                <a:lnTo>
+                  <a:pt x="1313246" y="1476525"/>
+                </a:lnTo>
+                <a:cubicBezTo>
+                  <a:pt x="1318555" y="1475523"/>
+                  <a:pt x="1323883" y="1474582"/>
+                  <a:pt x="1329459" y="1474998"/>
+                </a:cubicBezTo>
+                <a:cubicBezTo>
+                  <a:pt x="1360642" y="1469485"/>
+                  <a:pt x="1392535" y="1466527"/>
+                  <a:pt x="1424920" y="1466004"/>
+                </a:cubicBezTo>
+                <a:close/>
+                <a:moveTo>
+                  <a:pt x="10909360" y="750600"/>
+                </a:moveTo>
+                <a:cubicBezTo>
+                  <a:pt x="10962636" y="1021506"/>
+                  <a:pt x="11177479" y="1236303"/>
+                  <a:pt x="11452669" y="1295446"/>
+                </a:cubicBezTo>
+                <a:cubicBezTo>
+                  <a:pt x="11399394" y="1024540"/>
+                  <a:pt x="11184550" y="809743"/>
+                  <a:pt x="10909360" y="750600"/>
+                </a:cubicBezTo>
+                <a:close/>
+                <a:moveTo>
+                  <a:pt x="10602109" y="750600"/>
+                </a:moveTo>
+                <a:cubicBezTo>
+                  <a:pt x="10326919" y="809743"/>
+                  <a:pt x="10112075" y="1024540"/>
+                  <a:pt x="10058800" y="1295446"/>
+                </a:cubicBezTo>
+                <a:cubicBezTo>
+                  <a:pt x="10333990" y="1236303"/>
+                  <a:pt x="10548833" y="1021506"/>
+                  <a:pt x="10602109" y="750600"/>
+                </a:cubicBezTo>
+                <a:close/>
+                <a:moveTo>
+                  <a:pt x="9217207" y="750600"/>
+                </a:moveTo>
+                <a:cubicBezTo>
+                  <a:pt x="9270483" y="1021506"/>
+                  <a:pt x="9485326" y="1236303"/>
+                  <a:pt x="9760516" y="1295446"/>
+                </a:cubicBezTo>
+                <a:cubicBezTo>
+                  <a:pt x="9707241" y="1024540"/>
+                  <a:pt x="9492397" y="809743"/>
+                  <a:pt x="9217207" y="750600"/>
+                </a:cubicBezTo>
+                <a:close/>
+                <a:moveTo>
+                  <a:pt x="8909958" y="750600"/>
+                </a:moveTo>
+                <a:cubicBezTo>
+                  <a:pt x="8634768" y="809743"/>
+                  <a:pt x="8419924" y="1024540"/>
+                  <a:pt x="8366649" y="1295446"/>
+                </a:cubicBezTo>
+                <a:cubicBezTo>
+                  <a:pt x="8641839" y="1236303"/>
+                  <a:pt x="8856682" y="1021506"/>
+                  <a:pt x="8909958" y="750600"/>
+                </a:cubicBezTo>
+                <a:close/>
+                <a:moveTo>
+                  <a:pt x="7525056" y="750600"/>
+                </a:moveTo>
+                <a:cubicBezTo>
+                  <a:pt x="7578332" y="1021506"/>
+                  <a:pt x="7793175" y="1236303"/>
+                  <a:pt x="8068365" y="1295446"/>
+                </a:cubicBezTo>
+                <a:cubicBezTo>
+                  <a:pt x="8015090" y="1024540"/>
+                  <a:pt x="7800246" y="809743"/>
+                  <a:pt x="7525056" y="750600"/>
+                </a:cubicBezTo>
+                <a:close/>
+                <a:moveTo>
+                  <a:pt x="7217807" y="750600"/>
+                </a:moveTo>
+                <a:cubicBezTo>
+                  <a:pt x="6942617" y="809743"/>
+                  <a:pt x="6727773" y="1024540"/>
+                  <a:pt x="6674498" y="1295446"/>
+                </a:cubicBezTo>
+                <a:cubicBezTo>
+                  <a:pt x="6949688" y="1236303"/>
+                  <a:pt x="7164531" y="1021506"/>
+                  <a:pt x="7217807" y="750600"/>
+                </a:cubicBezTo>
+                <a:close/>
+                <a:moveTo>
+                  <a:pt x="5832905" y="750600"/>
+                </a:moveTo>
+                <a:cubicBezTo>
+                  <a:pt x="5886181" y="1021506"/>
+                  <a:pt x="6101024" y="1236303"/>
+                  <a:pt x="6376214" y="1295446"/>
+                </a:cubicBezTo>
+                <a:cubicBezTo>
+                  <a:pt x="6322939" y="1024540"/>
+                  <a:pt x="6108095" y="809743"/>
+                  <a:pt x="5832905" y="750600"/>
+                </a:cubicBezTo>
+                <a:close/>
+                <a:moveTo>
+                  <a:pt x="5525656" y="750600"/>
+                </a:moveTo>
+                <a:cubicBezTo>
+                  <a:pt x="5250466" y="809743"/>
+                  <a:pt x="5035622" y="1024540"/>
+                  <a:pt x="4982347" y="1295446"/>
+                </a:cubicBezTo>
+                <a:cubicBezTo>
+                  <a:pt x="5257537" y="1236303"/>
+                  <a:pt x="5472380" y="1021506"/>
+                  <a:pt x="5525656" y="750600"/>
+                </a:cubicBezTo>
+                <a:close/>
+                <a:moveTo>
+                  <a:pt x="4140754" y="750600"/>
+                </a:moveTo>
+                <a:cubicBezTo>
+                  <a:pt x="4194030" y="1021506"/>
+                  <a:pt x="4408873" y="1236303"/>
+                  <a:pt x="4684063" y="1295446"/>
+                </a:cubicBezTo>
+                <a:cubicBezTo>
+                  <a:pt x="4630788" y="1024540"/>
+                  <a:pt x="4415944" y="809743"/>
+                  <a:pt x="4140754" y="750600"/>
+                </a:cubicBezTo>
+                <a:close/>
+                <a:moveTo>
+                  <a:pt x="3833505" y="750600"/>
+                </a:moveTo>
+                <a:cubicBezTo>
+                  <a:pt x="3558315" y="809743"/>
+                  <a:pt x="3343471" y="1024540"/>
+                  <a:pt x="3290196" y="1295446"/>
+                </a:cubicBezTo>
+                <a:cubicBezTo>
+                  <a:pt x="3565386" y="1236303"/>
+                  <a:pt x="3780229" y="1021506"/>
+                  <a:pt x="3833505" y="750600"/>
+                </a:cubicBezTo>
+                <a:close/>
+                <a:moveTo>
+                  <a:pt x="2448603" y="750600"/>
+                </a:moveTo>
+                <a:cubicBezTo>
+                  <a:pt x="2501879" y="1021506"/>
+                  <a:pt x="2716722" y="1236303"/>
+                  <a:pt x="2991912" y="1295446"/>
+                </a:cubicBezTo>
+                <a:cubicBezTo>
+                  <a:pt x="2938637" y="1024540"/>
+                  <a:pt x="2723793" y="809743"/>
+                  <a:pt x="2448603" y="750600"/>
+                </a:cubicBezTo>
+                <a:close/>
+                <a:moveTo>
+                  <a:pt x="2141354" y="750600"/>
+                </a:moveTo>
+                <a:cubicBezTo>
+                  <a:pt x="1866164" y="809743"/>
+                  <a:pt x="1651320" y="1024540"/>
+                  <a:pt x="1598045" y="1295446"/>
+                </a:cubicBezTo>
+                <a:cubicBezTo>
+                  <a:pt x="1873235" y="1236303"/>
+                  <a:pt x="2088078" y="1021506"/>
+                  <a:pt x="2141354" y="750600"/>
+                </a:cubicBezTo>
+                <a:close/>
+                <a:moveTo>
+                  <a:pt x="756452" y="750600"/>
+                </a:moveTo>
+                <a:cubicBezTo>
+                  <a:pt x="809728" y="1021506"/>
+                  <a:pt x="1024571" y="1236303"/>
+                  <a:pt x="1299761" y="1295446"/>
+                </a:cubicBezTo>
+                <a:cubicBezTo>
+                  <a:pt x="1246486" y="1024540"/>
+                  <a:pt x="1031642" y="809743"/>
+                  <a:pt x="756452" y="750600"/>
+                </a:cubicBezTo>
+                <a:close/>
+                <a:moveTo>
+                  <a:pt x="12192000" y="647790"/>
+                </a:moveTo>
+                <a:lnTo>
+                  <a:pt x="12192000" y="780838"/>
+                </a:lnTo>
+                <a:cubicBezTo>
+                  <a:pt x="11966807" y="865550"/>
+                  <a:pt x="11797421" y="1059155"/>
+                  <a:pt x="11750953" y="1295446"/>
+                </a:cubicBezTo>
+                <a:cubicBezTo>
+                  <a:pt x="11935988" y="1255679"/>
+                  <a:pt x="12093739" y="1145540"/>
+                  <a:pt x="12192000" y="994335"/>
+                </a:cubicBezTo>
+                <a:lnTo>
+                  <a:pt x="12192000" y="1195909"/>
+                </a:lnTo>
+                <a:cubicBezTo>
+                  <a:pt x="12071770" y="1314911"/>
+                  <a:pt x="11914089" y="1397686"/>
+                  <a:pt x="11737582" y="1426902"/>
+                </a:cubicBezTo>
+                <a:lnTo>
+                  <a:pt x="11737466" y="1428050"/>
+                </a:lnTo>
+                <a:cubicBezTo>
+                  <a:pt x="11732155" y="1429061"/>
+                  <a:pt x="11726826" y="1430009"/>
+                  <a:pt x="11721249" y="1429590"/>
+                </a:cubicBezTo>
+                <a:cubicBezTo>
+                  <a:pt x="11690077" y="1435144"/>
+                  <a:pt x="11658197" y="1438125"/>
+                  <a:pt x="11625822" y="1438652"/>
+                </a:cubicBezTo>
+                <a:lnTo>
+                  <a:pt x="11608704" y="1440278"/>
+                </a:lnTo>
+                <a:lnTo>
+                  <a:pt x="11608678" y="1439783"/>
+                </a:lnTo>
+                <a:lnTo>
+                  <a:pt x="11608179" y="1439816"/>
+                </a:lnTo>
+                <a:cubicBezTo>
+                  <a:pt x="11607613" y="1436014"/>
+                  <a:pt x="11607586" y="1432198"/>
+                  <a:pt x="11607586" y="1428376"/>
+                </a:cubicBezTo>
+                <a:cubicBezTo>
+                  <a:pt x="11607586" y="1422694"/>
+                  <a:pt x="11607645" y="1417025"/>
+                  <a:pt x="11608957" y="1411395"/>
+                </a:cubicBezTo>
+                <a:cubicBezTo>
+                  <a:pt x="11608914" y="1380067"/>
+                  <a:pt x="11611364" y="1349182"/>
+                  <a:pt x="11616421" y="1318938"/>
+                </a:cubicBezTo>
+                <a:lnTo>
+                  <a:pt x="11616961" y="1312248"/>
+                </a:lnTo>
+                <a:cubicBezTo>
+                  <a:pt x="11617130" y="1312243"/>
+                  <a:pt x="11617299" y="1312238"/>
+                  <a:pt x="11617466" y="1312185"/>
+                </a:cubicBezTo>
+                <a:cubicBezTo>
+                  <a:pt x="11662185" y="998329"/>
+                  <a:pt x="11889463" y="741504"/>
+                  <a:pt x="12192000" y="647790"/>
+                </a:cubicBezTo>
+                <a:close/>
+                <a:moveTo>
+                  <a:pt x="10767111" y="605769"/>
+                </a:moveTo>
+                <a:lnTo>
+                  <a:pt x="10784198" y="607392"/>
+                </a:lnTo>
+                <a:cubicBezTo>
+                  <a:pt x="10816584" y="607919"/>
+                  <a:pt x="10848477" y="610900"/>
+                  <a:pt x="10879660" y="616457"/>
+                </a:cubicBezTo>
+                <a:cubicBezTo>
+                  <a:pt x="10885236" y="616038"/>
+                  <a:pt x="10890564" y="616986"/>
+                  <a:pt x="10895873" y="617996"/>
+                </a:cubicBezTo>
+                <a:lnTo>
+                  <a:pt x="10895990" y="619144"/>
+                </a:lnTo>
+                <a:cubicBezTo>
+                  <a:pt x="11254840" y="678542"/>
+                  <a:pt x="11535879" y="959319"/>
+                  <a:pt x="11586156" y="1312185"/>
+                </a:cubicBezTo>
+                <a:cubicBezTo>
+                  <a:pt x="11586323" y="1312238"/>
+                  <a:pt x="11586492" y="1312243"/>
+                  <a:pt x="11586661" y="1312248"/>
+                </a:cubicBezTo>
+                <a:lnTo>
+                  <a:pt x="11587201" y="1318938"/>
+                </a:lnTo>
+                <a:cubicBezTo>
+                  <a:pt x="11592258" y="1349182"/>
+                  <a:pt x="11594708" y="1380067"/>
+                  <a:pt x="11594665" y="1411395"/>
+                </a:cubicBezTo>
+                <a:cubicBezTo>
+                  <a:pt x="11595977" y="1417025"/>
+                  <a:pt x="11596036" y="1422694"/>
+                  <a:pt x="11596036" y="1428376"/>
+                </a:cubicBezTo>
+                <a:cubicBezTo>
+                  <a:pt x="11596036" y="1432198"/>
+                  <a:pt x="11596009" y="1436014"/>
+                  <a:pt x="11595443" y="1439816"/>
+                </a:cubicBezTo>
+                <a:lnTo>
+                  <a:pt x="11594944" y="1439783"/>
+                </a:lnTo>
+                <a:lnTo>
+                  <a:pt x="11594918" y="1440278"/>
+                </a:lnTo>
+                <a:lnTo>
+                  <a:pt x="11577800" y="1438652"/>
+                </a:lnTo>
+                <a:cubicBezTo>
+                  <a:pt x="11545425" y="1438125"/>
+                  <a:pt x="11513545" y="1435144"/>
+                  <a:pt x="11482373" y="1429590"/>
+                </a:cubicBezTo>
+                <a:cubicBezTo>
+                  <a:pt x="11476796" y="1430009"/>
+                  <a:pt x="11471467" y="1429061"/>
+                  <a:pt x="11466156" y="1428050"/>
+                </a:cubicBezTo>
+                <a:lnTo>
+                  <a:pt x="11466040" y="1426902"/>
+                </a:lnTo>
+                <a:cubicBezTo>
+                  <a:pt x="11107189" y="1367503"/>
+                  <a:pt x="10826150" y="1086726"/>
+                  <a:pt x="10775875" y="733861"/>
+                </a:cubicBezTo>
+                <a:cubicBezTo>
+                  <a:pt x="10775707" y="733808"/>
+                  <a:pt x="10775539" y="733803"/>
+                  <a:pt x="10775369" y="733798"/>
+                </a:cubicBezTo>
+                <a:lnTo>
+                  <a:pt x="10774831" y="727122"/>
+                </a:lnTo>
+                <a:cubicBezTo>
+                  <a:pt x="10769772" y="696872"/>
+                  <a:pt x="10767321" y="665981"/>
+                  <a:pt x="10767364" y="634646"/>
+                </a:cubicBezTo>
+                <a:cubicBezTo>
+                  <a:pt x="10766052" y="629018"/>
+                  <a:pt x="10765993" y="623351"/>
+                  <a:pt x="10765993" y="617670"/>
+                </a:cubicBezTo>
+                <a:lnTo>
+                  <a:pt x="10766587" y="606230"/>
+                </a:lnTo>
+                <a:lnTo>
+                  <a:pt x="10767085" y="606263"/>
+                </a:lnTo>
+                <a:close/>
+                <a:moveTo>
+                  <a:pt x="10744358" y="605769"/>
+                </a:moveTo>
+                <a:lnTo>
+                  <a:pt x="10744384" y="606263"/>
+                </a:lnTo>
+                <a:lnTo>
+                  <a:pt x="10744882" y="606230"/>
+                </a:lnTo>
+                <a:lnTo>
+                  <a:pt x="10745476" y="617670"/>
+                </a:lnTo>
+                <a:cubicBezTo>
+                  <a:pt x="10745476" y="623351"/>
+                  <a:pt x="10745417" y="629018"/>
+                  <a:pt x="10744105" y="634646"/>
+                </a:cubicBezTo>
+                <a:cubicBezTo>
+                  <a:pt x="10744148" y="665981"/>
+                  <a:pt x="10741697" y="696872"/>
+                  <a:pt x="10736638" y="727122"/>
+                </a:cubicBezTo>
+                <a:lnTo>
+                  <a:pt x="10736100" y="733798"/>
+                </a:lnTo>
+                <a:cubicBezTo>
+                  <a:pt x="10735930" y="733803"/>
+                  <a:pt x="10735762" y="733808"/>
+                  <a:pt x="10735594" y="733861"/>
+                </a:cubicBezTo>
+                <a:cubicBezTo>
+                  <a:pt x="10685319" y="1086726"/>
+                  <a:pt x="10404280" y="1367503"/>
+                  <a:pt x="10045429" y="1426902"/>
+                </a:cubicBezTo>
+                <a:lnTo>
+                  <a:pt x="10045313" y="1428050"/>
+                </a:lnTo>
+                <a:cubicBezTo>
+                  <a:pt x="10040002" y="1429061"/>
+                  <a:pt x="10034673" y="1430009"/>
+                  <a:pt x="10029096" y="1429590"/>
+                </a:cubicBezTo>
+                <a:cubicBezTo>
+                  <a:pt x="9997924" y="1435144"/>
+                  <a:pt x="9966044" y="1438125"/>
+                  <a:pt x="9933669" y="1438652"/>
+                </a:cubicBezTo>
+                <a:lnTo>
+                  <a:pt x="9916551" y="1440278"/>
+                </a:lnTo>
+                <a:lnTo>
+                  <a:pt x="9916525" y="1439783"/>
+                </a:lnTo>
+                <a:lnTo>
+                  <a:pt x="9916026" y="1439816"/>
+                </a:lnTo>
+                <a:cubicBezTo>
+                  <a:pt x="9915460" y="1436014"/>
+                  <a:pt x="9915433" y="1432198"/>
+                  <a:pt x="9915433" y="1428376"/>
+                </a:cubicBezTo>
+                <a:cubicBezTo>
+                  <a:pt x="9915433" y="1422694"/>
+                  <a:pt x="9915492" y="1417025"/>
+                  <a:pt x="9916804" y="1411395"/>
+                </a:cubicBezTo>
+                <a:cubicBezTo>
+                  <a:pt x="9916761" y="1380067"/>
+                  <a:pt x="9919211" y="1349182"/>
+                  <a:pt x="9924268" y="1318938"/>
+                </a:cubicBezTo>
+                <a:lnTo>
+                  <a:pt x="9924808" y="1312248"/>
+                </a:lnTo>
+                <a:cubicBezTo>
+                  <a:pt x="9924977" y="1312243"/>
+                  <a:pt x="9925146" y="1312238"/>
+                  <a:pt x="9925314" y="1312185"/>
+                </a:cubicBezTo>
+                <a:cubicBezTo>
+                  <a:pt x="9975590" y="959319"/>
+                  <a:pt x="10256629" y="678542"/>
+                  <a:pt x="10615479" y="619144"/>
+                </a:cubicBezTo>
+                <a:lnTo>
+                  <a:pt x="10615596" y="617996"/>
+                </a:lnTo>
+                <a:cubicBezTo>
+                  <a:pt x="10620905" y="616986"/>
+                  <a:pt x="10626233" y="616038"/>
+                  <a:pt x="10631809" y="616457"/>
+                </a:cubicBezTo>
+                <a:cubicBezTo>
+                  <a:pt x="10662992" y="610900"/>
+                  <a:pt x="10694885" y="607919"/>
+                  <a:pt x="10727271" y="607392"/>
+                </a:cubicBezTo>
+                <a:close/>
+                <a:moveTo>
+                  <a:pt x="9074958" y="605769"/>
+                </a:moveTo>
+                <a:lnTo>
+                  <a:pt x="9092045" y="607392"/>
+                </a:lnTo>
+                <a:cubicBezTo>
+                  <a:pt x="9124431" y="607919"/>
+                  <a:pt x="9156324" y="610900"/>
+                  <a:pt x="9187507" y="616457"/>
+                </a:cubicBezTo>
+                <a:cubicBezTo>
+                  <a:pt x="9193083" y="616038"/>
+                  <a:pt x="9198411" y="616986"/>
+                  <a:pt x="9203720" y="617996"/>
+                </a:cubicBezTo>
+                <a:lnTo>
+                  <a:pt x="9203837" y="619144"/>
+                </a:lnTo>
+                <a:cubicBezTo>
+                  <a:pt x="9562687" y="678542"/>
+                  <a:pt x="9843726" y="959319"/>
+                  <a:pt x="9894002" y="1312185"/>
+                </a:cubicBezTo>
+                <a:cubicBezTo>
+                  <a:pt x="9894170" y="1312238"/>
+                  <a:pt x="9894339" y="1312243"/>
+                  <a:pt x="9894508" y="1312248"/>
+                </a:cubicBezTo>
+                <a:lnTo>
+                  <a:pt x="9895048" y="1318938"/>
+                </a:lnTo>
+                <a:cubicBezTo>
+                  <a:pt x="9900105" y="1349182"/>
+                  <a:pt x="9902555" y="1380067"/>
+                  <a:pt x="9902512" y="1411395"/>
+                </a:cubicBezTo>
+                <a:cubicBezTo>
+                  <a:pt x="9903824" y="1417025"/>
+                  <a:pt x="9903883" y="1422694"/>
+                  <a:pt x="9903883" y="1428376"/>
+                </a:cubicBezTo>
+                <a:cubicBezTo>
+                  <a:pt x="9903883" y="1432198"/>
+                  <a:pt x="9903856" y="1436014"/>
+                  <a:pt x="9903290" y="1439816"/>
+                </a:cubicBezTo>
+                <a:lnTo>
+                  <a:pt x="9902791" y="1439783"/>
+                </a:lnTo>
+                <a:lnTo>
+                  <a:pt x="9902765" y="1440278"/>
+                </a:lnTo>
+                <a:lnTo>
+                  <a:pt x="9885647" y="1438652"/>
+                </a:lnTo>
+                <a:cubicBezTo>
+                  <a:pt x="9853272" y="1438125"/>
+                  <a:pt x="9821392" y="1435144"/>
+                  <a:pt x="9790220" y="1429590"/>
+                </a:cubicBezTo>
+                <a:cubicBezTo>
+                  <a:pt x="9784643" y="1430009"/>
+                  <a:pt x="9779314" y="1429061"/>
+                  <a:pt x="9774003" y="1428050"/>
+                </a:cubicBezTo>
+                <a:lnTo>
+                  <a:pt x="9773887" y="1426902"/>
+                </a:lnTo>
+                <a:cubicBezTo>
+                  <a:pt x="9415036" y="1367503"/>
+                  <a:pt x="9133997" y="1086726"/>
+                  <a:pt x="9083722" y="733861"/>
+                </a:cubicBezTo>
+                <a:cubicBezTo>
+                  <a:pt x="9083554" y="733808"/>
+                  <a:pt x="9083386" y="733803"/>
+                  <a:pt x="9083216" y="733798"/>
+                </a:cubicBezTo>
+                <a:lnTo>
+                  <a:pt x="9082678" y="727122"/>
+                </a:lnTo>
+                <a:cubicBezTo>
+                  <a:pt x="9077619" y="696872"/>
+                  <a:pt x="9075168" y="665981"/>
+                  <a:pt x="9075211" y="634646"/>
+                </a:cubicBezTo>
+                <a:cubicBezTo>
+                  <a:pt x="9073899" y="629018"/>
+                  <a:pt x="9073840" y="623351"/>
+                  <a:pt x="9073840" y="617670"/>
+                </a:cubicBezTo>
+                <a:lnTo>
+                  <a:pt x="9074434" y="606230"/>
+                </a:lnTo>
+                <a:lnTo>
+                  <a:pt x="9074932" y="606263"/>
+                </a:lnTo>
+                <a:close/>
+                <a:moveTo>
+                  <a:pt x="9052207" y="605769"/>
+                </a:moveTo>
+                <a:lnTo>
+                  <a:pt x="9052233" y="606263"/>
+                </a:lnTo>
+                <a:lnTo>
+                  <a:pt x="9052731" y="606230"/>
+                </a:lnTo>
+                <a:lnTo>
+                  <a:pt x="9053325" y="617670"/>
+                </a:lnTo>
+                <a:cubicBezTo>
+                  <a:pt x="9053325" y="623351"/>
+                  <a:pt x="9053266" y="629018"/>
+                  <a:pt x="9051954" y="634646"/>
+                </a:cubicBezTo>
+                <a:cubicBezTo>
+                  <a:pt x="9051997" y="665981"/>
+                  <a:pt x="9049546" y="696872"/>
+                  <a:pt x="9044487" y="727122"/>
+                </a:cubicBezTo>
+                <a:lnTo>
+                  <a:pt x="9043949" y="733798"/>
+                </a:lnTo>
+                <a:cubicBezTo>
+                  <a:pt x="9043779" y="733803"/>
+                  <a:pt x="9043611" y="733808"/>
+                  <a:pt x="9043443" y="733861"/>
+                </a:cubicBezTo>
+                <a:cubicBezTo>
+                  <a:pt x="8993168" y="1086726"/>
+                  <a:pt x="8712129" y="1367503"/>
+                  <a:pt x="8353278" y="1426902"/>
+                </a:cubicBezTo>
+                <a:lnTo>
+                  <a:pt x="8353162" y="1428050"/>
+                </a:lnTo>
+                <a:cubicBezTo>
+                  <a:pt x="8347851" y="1429061"/>
+                  <a:pt x="8342522" y="1430009"/>
+                  <a:pt x="8336945" y="1429590"/>
+                </a:cubicBezTo>
+                <a:cubicBezTo>
+                  <a:pt x="8305773" y="1435144"/>
+                  <a:pt x="8273893" y="1438125"/>
+                  <a:pt x="8241519" y="1438652"/>
+                </a:cubicBezTo>
+                <a:lnTo>
+                  <a:pt x="8224400" y="1440278"/>
+                </a:lnTo>
+                <a:lnTo>
+                  <a:pt x="8224374" y="1439783"/>
+                </a:lnTo>
+                <a:lnTo>
+                  <a:pt x="8223875" y="1439816"/>
+                </a:lnTo>
+                <a:cubicBezTo>
+                  <a:pt x="8223309" y="1436014"/>
+                  <a:pt x="8223282" y="1432198"/>
+                  <a:pt x="8223282" y="1428376"/>
+                </a:cubicBezTo>
+                <a:cubicBezTo>
+                  <a:pt x="8223282" y="1422694"/>
+                  <a:pt x="8223341" y="1417025"/>
+                  <a:pt x="8224653" y="1411395"/>
+                </a:cubicBezTo>
+                <a:cubicBezTo>
+                  <a:pt x="8224611" y="1380067"/>
+                  <a:pt x="8227060" y="1349182"/>
+                  <a:pt x="8232117" y="1318938"/>
+                </a:cubicBezTo>
+                <a:lnTo>
+                  <a:pt x="8232657" y="1312248"/>
+                </a:lnTo>
+                <a:cubicBezTo>
+                  <a:pt x="8232826" y="1312243"/>
+                  <a:pt x="8232995" y="1312238"/>
+                  <a:pt x="8233163" y="1312185"/>
+                </a:cubicBezTo>
+                <a:cubicBezTo>
+                  <a:pt x="8283439" y="959319"/>
+                  <a:pt x="8564478" y="678542"/>
+                  <a:pt x="8923328" y="619144"/>
+                </a:cubicBezTo>
+                <a:lnTo>
+                  <a:pt x="8923445" y="617996"/>
+                </a:lnTo>
+                <a:cubicBezTo>
+                  <a:pt x="8928754" y="616986"/>
+                  <a:pt x="8934082" y="616038"/>
+                  <a:pt x="8939658" y="616457"/>
+                </a:cubicBezTo>
+                <a:cubicBezTo>
+                  <a:pt x="8970841" y="610900"/>
+                  <a:pt x="9002734" y="607919"/>
+                  <a:pt x="9035120" y="607392"/>
+                </a:cubicBezTo>
+                <a:close/>
+                <a:moveTo>
+                  <a:pt x="7382807" y="605769"/>
+                </a:moveTo>
+                <a:lnTo>
+                  <a:pt x="7399895" y="607392"/>
+                </a:lnTo>
+                <a:cubicBezTo>
+                  <a:pt x="7432280" y="607919"/>
+                  <a:pt x="7464173" y="610900"/>
+                  <a:pt x="7495356" y="616457"/>
+                </a:cubicBezTo>
+                <a:cubicBezTo>
+                  <a:pt x="7500932" y="616038"/>
+                  <a:pt x="7506260" y="616986"/>
+                  <a:pt x="7511569" y="617996"/>
+                </a:cubicBezTo>
+                <a:lnTo>
+                  <a:pt x="7511686" y="619144"/>
+                </a:lnTo>
+                <a:cubicBezTo>
+                  <a:pt x="7870536" y="678542"/>
+                  <a:pt x="8151575" y="959319"/>
+                  <a:pt x="8201852" y="1312185"/>
+                </a:cubicBezTo>
+                <a:cubicBezTo>
+                  <a:pt x="8202019" y="1312238"/>
+                  <a:pt x="8202189" y="1312243"/>
+                  <a:pt x="8202357" y="1312248"/>
+                </a:cubicBezTo>
+                <a:lnTo>
+                  <a:pt x="8202898" y="1318938"/>
+                </a:lnTo>
+                <a:cubicBezTo>
+                  <a:pt x="8207954" y="1349182"/>
+                  <a:pt x="8210404" y="1380067"/>
+                  <a:pt x="8210362" y="1411395"/>
+                </a:cubicBezTo>
+                <a:cubicBezTo>
+                  <a:pt x="8211674" y="1417025"/>
+                  <a:pt x="8211732" y="1422694"/>
+                  <a:pt x="8211732" y="1428376"/>
+                </a:cubicBezTo>
+                <a:cubicBezTo>
+                  <a:pt x="8211732" y="1432198"/>
+                  <a:pt x="8211705" y="1436014"/>
+                  <a:pt x="8211139" y="1439816"/>
+                </a:cubicBezTo>
+                <a:lnTo>
+                  <a:pt x="8210640" y="1439783"/>
+                </a:lnTo>
+                <a:lnTo>
+                  <a:pt x="8210614" y="1440278"/>
+                </a:lnTo>
+                <a:lnTo>
+                  <a:pt x="8193496" y="1438652"/>
+                </a:lnTo>
+                <a:cubicBezTo>
+                  <a:pt x="8161122" y="1438125"/>
+                  <a:pt x="8129241" y="1435144"/>
+                  <a:pt x="8098069" y="1429590"/>
+                </a:cubicBezTo>
+                <a:cubicBezTo>
+                  <a:pt x="8092492" y="1430009"/>
+                  <a:pt x="8087163" y="1429061"/>
+                  <a:pt x="8081853" y="1428050"/>
+                </a:cubicBezTo>
+                <a:lnTo>
+                  <a:pt x="8081737" y="1426902"/>
+                </a:lnTo>
+                <a:cubicBezTo>
+                  <a:pt x="7722885" y="1367503"/>
+                  <a:pt x="7441846" y="1086726"/>
+                  <a:pt x="7391571" y="733861"/>
+                </a:cubicBezTo>
+                <a:cubicBezTo>
+                  <a:pt x="7391403" y="733808"/>
+                  <a:pt x="7391235" y="733803"/>
+                  <a:pt x="7391065" y="733798"/>
+                </a:cubicBezTo>
+                <a:lnTo>
+                  <a:pt x="7390527" y="727122"/>
+                </a:lnTo>
+                <a:cubicBezTo>
+                  <a:pt x="7385468" y="696872"/>
+                  <a:pt x="7383018" y="665981"/>
+                  <a:pt x="7383060" y="634646"/>
+                </a:cubicBezTo>
+                <a:cubicBezTo>
+                  <a:pt x="7381748" y="629018"/>
+                  <a:pt x="7381689" y="623351"/>
+                  <a:pt x="7381689" y="617670"/>
+                </a:cubicBezTo>
+                <a:lnTo>
+                  <a:pt x="7382283" y="606230"/>
+                </a:lnTo>
+                <a:lnTo>
+                  <a:pt x="7382781" y="606263"/>
+                </a:lnTo>
+                <a:close/>
+                <a:moveTo>
+                  <a:pt x="5690656" y="605769"/>
+                </a:moveTo>
+                <a:lnTo>
+                  <a:pt x="5707743" y="607392"/>
+                </a:lnTo>
+                <a:cubicBezTo>
+                  <a:pt x="5740129" y="607919"/>
+                  <a:pt x="5772021" y="610900"/>
+                  <a:pt x="5803205" y="616457"/>
+                </a:cubicBezTo>
+                <a:cubicBezTo>
+                  <a:pt x="5808781" y="616038"/>
+                  <a:pt x="5814109" y="616986"/>
+                  <a:pt x="5819417" y="617996"/>
+                </a:cubicBezTo>
+                <a:lnTo>
+                  <a:pt x="5819534" y="619144"/>
+                </a:lnTo>
+                <a:cubicBezTo>
+                  <a:pt x="6178385" y="678542"/>
+                  <a:pt x="6459424" y="959319"/>
+                  <a:pt x="6509700" y="1312185"/>
+                </a:cubicBezTo>
+                <a:cubicBezTo>
+                  <a:pt x="6509868" y="1312238"/>
+                  <a:pt x="6510037" y="1312243"/>
+                  <a:pt x="6510206" y="1312248"/>
+                </a:cubicBezTo>
+                <a:lnTo>
+                  <a:pt x="6510746" y="1318938"/>
+                </a:lnTo>
+                <a:cubicBezTo>
+                  <a:pt x="6515803" y="1349182"/>
+                  <a:pt x="6518252" y="1380067"/>
+                  <a:pt x="6518210" y="1411395"/>
+                </a:cubicBezTo>
+                <a:cubicBezTo>
+                  <a:pt x="6519522" y="1417025"/>
+                  <a:pt x="6519581" y="1422694"/>
+                  <a:pt x="6519581" y="1428376"/>
+                </a:cubicBezTo>
+                <a:cubicBezTo>
+                  <a:pt x="6519581" y="1432198"/>
+                  <a:pt x="6519554" y="1436014"/>
+                  <a:pt x="6518988" y="1439816"/>
+                </a:cubicBezTo>
+                <a:lnTo>
+                  <a:pt x="6518489" y="1439783"/>
+                </a:lnTo>
+                <a:lnTo>
+                  <a:pt x="6518463" y="1440278"/>
+                </a:lnTo>
+                <a:lnTo>
+                  <a:pt x="6501344" y="1438652"/>
+                </a:lnTo>
+                <a:cubicBezTo>
+                  <a:pt x="6468970" y="1438125"/>
+                  <a:pt x="6437090" y="1435144"/>
+                  <a:pt x="6405918" y="1429590"/>
+                </a:cubicBezTo>
+                <a:cubicBezTo>
+                  <a:pt x="6400341" y="1430009"/>
+                  <a:pt x="6395012" y="1429061"/>
+                  <a:pt x="6389701" y="1428050"/>
+                </a:cubicBezTo>
+                <a:lnTo>
+                  <a:pt x="6389585" y="1426902"/>
+                </a:lnTo>
+                <a:cubicBezTo>
+                  <a:pt x="6030734" y="1367503"/>
+                  <a:pt x="5749695" y="1086726"/>
+                  <a:pt x="5699419" y="733861"/>
+                </a:cubicBezTo>
+                <a:cubicBezTo>
+                  <a:pt x="5699252" y="733808"/>
+                  <a:pt x="5699083" y="733803"/>
+                  <a:pt x="5698914" y="733798"/>
+                </a:cubicBezTo>
+                <a:lnTo>
+                  <a:pt x="5698375" y="727122"/>
+                </a:lnTo>
+                <a:cubicBezTo>
+                  <a:pt x="5693317" y="696872"/>
+                  <a:pt x="5690866" y="665981"/>
+                  <a:pt x="5690908" y="634646"/>
+                </a:cubicBezTo>
+                <a:cubicBezTo>
+                  <a:pt x="5689596" y="629018"/>
+                  <a:pt x="5689538" y="623351"/>
+                  <a:pt x="5689538" y="617670"/>
+                </a:cubicBezTo>
+                <a:lnTo>
+                  <a:pt x="5690132" y="606230"/>
+                </a:lnTo>
+                <a:lnTo>
+                  <a:pt x="5690630" y="606263"/>
+                </a:lnTo>
+                <a:close/>
+                <a:moveTo>
+                  <a:pt x="5667905" y="605769"/>
+                </a:moveTo>
+                <a:lnTo>
+                  <a:pt x="5667931" y="606263"/>
+                </a:lnTo>
+                <a:lnTo>
+                  <a:pt x="5668429" y="606230"/>
+                </a:lnTo>
+                <a:lnTo>
+                  <a:pt x="5669023" y="617670"/>
+                </a:lnTo>
+                <a:cubicBezTo>
+                  <a:pt x="5669023" y="623351"/>
+                  <a:pt x="5668964" y="629018"/>
+                  <a:pt x="5667652" y="634646"/>
+                </a:cubicBezTo>
+                <a:cubicBezTo>
+                  <a:pt x="5667694" y="665981"/>
+                  <a:pt x="5665244" y="696872"/>
+                  <a:pt x="5660185" y="727122"/>
+                </a:cubicBezTo>
+                <a:lnTo>
+                  <a:pt x="5659647" y="733798"/>
+                </a:lnTo>
+                <a:cubicBezTo>
+                  <a:pt x="5659477" y="733803"/>
+                  <a:pt x="5659309" y="733808"/>
+                  <a:pt x="5659141" y="733861"/>
+                </a:cubicBezTo>
+                <a:cubicBezTo>
+                  <a:pt x="5608866" y="1086726"/>
+                  <a:pt x="5327827" y="1367503"/>
+                  <a:pt x="4968975" y="1426902"/>
+                </a:cubicBezTo>
+                <a:lnTo>
+                  <a:pt x="4968859" y="1428050"/>
+                </a:lnTo>
+                <a:cubicBezTo>
+                  <a:pt x="4963549" y="1429061"/>
+                  <a:pt x="4958220" y="1430009"/>
+                  <a:pt x="4952643" y="1429590"/>
+                </a:cubicBezTo>
+                <a:cubicBezTo>
+                  <a:pt x="4921471" y="1435144"/>
+                  <a:pt x="4889590" y="1438125"/>
+                  <a:pt x="4857216" y="1438652"/>
+                </a:cubicBezTo>
+                <a:lnTo>
+                  <a:pt x="4840098" y="1440278"/>
+                </a:lnTo>
+                <a:lnTo>
+                  <a:pt x="4840072" y="1439783"/>
+                </a:lnTo>
+                <a:lnTo>
+                  <a:pt x="4839573" y="1439816"/>
+                </a:lnTo>
+                <a:cubicBezTo>
+                  <a:pt x="4839007" y="1436014"/>
+                  <a:pt x="4838980" y="1432198"/>
+                  <a:pt x="4838980" y="1428376"/>
+                </a:cubicBezTo>
+                <a:cubicBezTo>
+                  <a:pt x="4838980" y="1422694"/>
+                  <a:pt x="4839038" y="1417025"/>
+                  <a:pt x="4840350" y="1411395"/>
+                </a:cubicBezTo>
+                <a:cubicBezTo>
+                  <a:pt x="4840308" y="1380067"/>
+                  <a:pt x="4842758" y="1349182"/>
+                  <a:pt x="4847814" y="1318938"/>
+                </a:cubicBezTo>
+                <a:lnTo>
+                  <a:pt x="4848355" y="1312248"/>
+                </a:lnTo>
+                <a:cubicBezTo>
+                  <a:pt x="4848523" y="1312243"/>
+                  <a:pt x="4848693" y="1312238"/>
+                  <a:pt x="4848860" y="1312185"/>
+                </a:cubicBezTo>
+                <a:cubicBezTo>
+                  <a:pt x="4899137" y="959319"/>
+                  <a:pt x="5180176" y="678542"/>
+                  <a:pt x="5539026" y="619144"/>
+                </a:cubicBezTo>
+                <a:lnTo>
+                  <a:pt x="5539143" y="617996"/>
+                </a:lnTo>
+                <a:cubicBezTo>
+                  <a:pt x="5544452" y="616986"/>
+                  <a:pt x="5549780" y="616038"/>
+                  <a:pt x="5555356" y="616457"/>
+                </a:cubicBezTo>
+                <a:cubicBezTo>
+                  <a:pt x="5586539" y="610900"/>
+                  <a:pt x="5618432" y="607919"/>
+                  <a:pt x="5650817" y="607392"/>
+                </a:cubicBezTo>
+                <a:close/>
+                <a:moveTo>
+                  <a:pt x="3998505" y="605769"/>
+                </a:moveTo>
+                <a:lnTo>
+                  <a:pt x="4015592" y="607392"/>
+                </a:lnTo>
+                <a:cubicBezTo>
+                  <a:pt x="4047978" y="607919"/>
+                  <a:pt x="4079870" y="610900"/>
+                  <a:pt x="4111054" y="616457"/>
+                </a:cubicBezTo>
+                <a:cubicBezTo>
+                  <a:pt x="4116630" y="616038"/>
+                  <a:pt x="4121958" y="616986"/>
+                  <a:pt x="4127266" y="617996"/>
+                </a:cubicBezTo>
+                <a:lnTo>
+                  <a:pt x="4127384" y="619144"/>
+                </a:lnTo>
+                <a:cubicBezTo>
+                  <a:pt x="4486234" y="678542"/>
+                  <a:pt x="4767273" y="959319"/>
+                  <a:pt x="4817549" y="1312185"/>
+                </a:cubicBezTo>
+                <a:cubicBezTo>
+                  <a:pt x="4817717" y="1312238"/>
+                  <a:pt x="4817886" y="1312243"/>
+                  <a:pt x="4818055" y="1312248"/>
+                </a:cubicBezTo>
+                <a:lnTo>
+                  <a:pt x="4818595" y="1318938"/>
+                </a:lnTo>
+                <a:cubicBezTo>
+                  <a:pt x="4823652" y="1349182"/>
+                  <a:pt x="4826101" y="1380067"/>
+                  <a:pt x="4826059" y="1411395"/>
+                </a:cubicBezTo>
+                <a:cubicBezTo>
+                  <a:pt x="4827371" y="1417025"/>
+                  <a:pt x="4827430" y="1422694"/>
+                  <a:pt x="4827430" y="1428376"/>
+                </a:cubicBezTo>
+                <a:cubicBezTo>
+                  <a:pt x="4827430" y="1432198"/>
+                  <a:pt x="4827403" y="1436014"/>
+                  <a:pt x="4826837" y="1439816"/>
+                </a:cubicBezTo>
+                <a:lnTo>
+                  <a:pt x="4826338" y="1439783"/>
+                </a:lnTo>
+                <a:lnTo>
+                  <a:pt x="4826312" y="1440278"/>
+                </a:lnTo>
+                <a:lnTo>
+                  <a:pt x="4809193" y="1438652"/>
+                </a:lnTo>
+                <a:cubicBezTo>
+                  <a:pt x="4776819" y="1438125"/>
+                  <a:pt x="4744939" y="1435144"/>
+                  <a:pt x="4713767" y="1429590"/>
+                </a:cubicBezTo>
+                <a:cubicBezTo>
+                  <a:pt x="4708190" y="1430009"/>
+                  <a:pt x="4702861" y="1429061"/>
+                  <a:pt x="4697550" y="1428050"/>
+                </a:cubicBezTo>
+                <a:lnTo>
+                  <a:pt x="4697434" y="1426902"/>
+                </a:lnTo>
+                <a:cubicBezTo>
+                  <a:pt x="4338583" y="1367503"/>
+                  <a:pt x="4057544" y="1086726"/>
+                  <a:pt x="4007268" y="733861"/>
+                </a:cubicBezTo>
+                <a:cubicBezTo>
+                  <a:pt x="4007101" y="733808"/>
+                  <a:pt x="4006932" y="733803"/>
+                  <a:pt x="4006763" y="733798"/>
+                </a:cubicBezTo>
+                <a:lnTo>
+                  <a:pt x="4006225" y="727122"/>
+                </a:lnTo>
+                <a:cubicBezTo>
+                  <a:pt x="4001166" y="696872"/>
+                  <a:pt x="3998715" y="665981"/>
+                  <a:pt x="3998757" y="634646"/>
+                </a:cubicBezTo>
+                <a:cubicBezTo>
+                  <a:pt x="3997445" y="629018"/>
+                  <a:pt x="3997387" y="623351"/>
+                  <a:pt x="3997387" y="617670"/>
+                </a:cubicBezTo>
+                <a:lnTo>
+                  <a:pt x="3997981" y="606230"/>
+                </a:lnTo>
+                <a:lnTo>
+                  <a:pt x="3998479" y="606263"/>
+                </a:lnTo>
+                <a:close/>
+                <a:moveTo>
+                  <a:pt x="3975754" y="605769"/>
+                </a:moveTo>
+                <a:lnTo>
+                  <a:pt x="3975780" y="606263"/>
+                </a:lnTo>
+                <a:lnTo>
+                  <a:pt x="3976278" y="606230"/>
+                </a:lnTo>
+                <a:lnTo>
+                  <a:pt x="3976872" y="617670"/>
+                </a:lnTo>
+                <a:cubicBezTo>
+                  <a:pt x="3976872" y="623351"/>
+                  <a:pt x="3976813" y="629018"/>
+                  <a:pt x="3975501" y="634646"/>
+                </a:cubicBezTo>
+                <a:cubicBezTo>
+                  <a:pt x="3975543" y="665981"/>
+                  <a:pt x="3973093" y="696872"/>
+                  <a:pt x="3968034" y="727122"/>
+                </a:cubicBezTo>
+                <a:lnTo>
+                  <a:pt x="3967496" y="733798"/>
+                </a:lnTo>
+                <a:cubicBezTo>
+                  <a:pt x="3967326" y="733803"/>
+                  <a:pt x="3967158" y="733808"/>
+                  <a:pt x="3966990" y="733861"/>
+                </a:cubicBezTo>
+                <a:cubicBezTo>
+                  <a:pt x="3916715" y="1086726"/>
+                  <a:pt x="3635676" y="1367503"/>
+                  <a:pt x="3276825" y="1426902"/>
+                </a:cubicBezTo>
+                <a:lnTo>
+                  <a:pt x="3276708" y="1428050"/>
+                </a:lnTo>
+                <a:cubicBezTo>
+                  <a:pt x="3271398" y="1429061"/>
+                  <a:pt x="3266069" y="1430009"/>
+                  <a:pt x="3260492" y="1429590"/>
+                </a:cubicBezTo>
+                <a:cubicBezTo>
+                  <a:pt x="3229320" y="1435144"/>
+                  <a:pt x="3197440" y="1438125"/>
+                  <a:pt x="3165065" y="1438652"/>
+                </a:cubicBezTo>
+                <a:lnTo>
+                  <a:pt x="3147947" y="1440278"/>
+                </a:lnTo>
+                <a:lnTo>
+                  <a:pt x="3147921" y="1439783"/>
+                </a:lnTo>
+                <a:lnTo>
+                  <a:pt x="3147422" y="1439816"/>
+                </a:lnTo>
+                <a:cubicBezTo>
+                  <a:pt x="3146856" y="1436014"/>
+                  <a:pt x="3146829" y="1432198"/>
+                  <a:pt x="3146829" y="1428376"/>
+                </a:cubicBezTo>
+                <a:cubicBezTo>
+                  <a:pt x="3146829" y="1422694"/>
+                  <a:pt x="3146887" y="1417025"/>
+                  <a:pt x="3148199" y="1411395"/>
+                </a:cubicBezTo>
+                <a:cubicBezTo>
+                  <a:pt x="3148157" y="1380067"/>
+                  <a:pt x="3150607" y="1349182"/>
+                  <a:pt x="3155663" y="1318938"/>
+                </a:cubicBezTo>
+                <a:lnTo>
+                  <a:pt x="3156204" y="1312248"/>
+                </a:lnTo>
+                <a:cubicBezTo>
+                  <a:pt x="3156372" y="1312243"/>
+                  <a:pt x="3156542" y="1312238"/>
+                  <a:pt x="3156709" y="1312185"/>
+                </a:cubicBezTo>
+                <a:cubicBezTo>
+                  <a:pt x="3206986" y="959319"/>
+                  <a:pt x="3488025" y="678542"/>
+                  <a:pt x="3846875" y="619144"/>
+                </a:cubicBezTo>
+                <a:lnTo>
+                  <a:pt x="3846992" y="617996"/>
+                </a:lnTo>
+                <a:cubicBezTo>
+                  <a:pt x="3852301" y="616986"/>
+                  <a:pt x="3857629" y="616038"/>
+                  <a:pt x="3863205" y="616457"/>
+                </a:cubicBezTo>
+                <a:cubicBezTo>
+                  <a:pt x="3894388" y="610900"/>
+                  <a:pt x="3926281" y="607919"/>
+                  <a:pt x="3958666" y="607392"/>
+                </a:cubicBezTo>
+                <a:close/>
+                <a:moveTo>
+                  <a:pt x="2306354" y="605769"/>
+                </a:moveTo>
+                <a:lnTo>
+                  <a:pt x="2323441" y="607392"/>
+                </a:lnTo>
+                <a:cubicBezTo>
+                  <a:pt x="2355827" y="607919"/>
+                  <a:pt x="2387719" y="610900"/>
+                  <a:pt x="2418903" y="616457"/>
+                </a:cubicBezTo>
+                <a:cubicBezTo>
+                  <a:pt x="2424479" y="616038"/>
+                  <a:pt x="2429807" y="616986"/>
+                  <a:pt x="2435115" y="617996"/>
+                </a:cubicBezTo>
+                <a:lnTo>
+                  <a:pt x="2435233" y="619144"/>
+                </a:lnTo>
+                <a:cubicBezTo>
+                  <a:pt x="2794083" y="678542"/>
+                  <a:pt x="3075122" y="959319"/>
+                  <a:pt x="3125398" y="1312185"/>
+                </a:cubicBezTo>
+                <a:cubicBezTo>
+                  <a:pt x="3125566" y="1312238"/>
+                  <a:pt x="3125735" y="1312243"/>
+                  <a:pt x="3125904" y="1312248"/>
+                </a:cubicBezTo>
+                <a:lnTo>
+                  <a:pt x="3126444" y="1318938"/>
+                </a:lnTo>
+                <a:cubicBezTo>
+                  <a:pt x="3131501" y="1349182"/>
+                  <a:pt x="3133950" y="1380067"/>
+                  <a:pt x="3133908" y="1411395"/>
+                </a:cubicBezTo>
+                <a:cubicBezTo>
+                  <a:pt x="3135220" y="1417025"/>
+                  <a:pt x="3135279" y="1422694"/>
+                  <a:pt x="3135279" y="1428376"/>
+                </a:cubicBezTo>
+                <a:cubicBezTo>
+                  <a:pt x="3135279" y="1432198"/>
+                  <a:pt x="3135252" y="1436014"/>
+                  <a:pt x="3134686" y="1439816"/>
+                </a:cubicBezTo>
+                <a:lnTo>
+                  <a:pt x="3134187" y="1439783"/>
+                </a:lnTo>
+                <a:lnTo>
+                  <a:pt x="3134161" y="1440278"/>
+                </a:lnTo>
+                <a:lnTo>
+                  <a:pt x="3117042" y="1438652"/>
+                </a:lnTo>
+                <a:cubicBezTo>
+                  <a:pt x="3084668" y="1438125"/>
+                  <a:pt x="3052788" y="1435144"/>
+                  <a:pt x="3021616" y="1429590"/>
+                </a:cubicBezTo>
+                <a:cubicBezTo>
+                  <a:pt x="3016039" y="1430009"/>
+                  <a:pt x="3010710" y="1429061"/>
+                  <a:pt x="3005399" y="1428050"/>
+                </a:cubicBezTo>
+                <a:lnTo>
+                  <a:pt x="3005283" y="1426902"/>
+                </a:lnTo>
+                <a:cubicBezTo>
+                  <a:pt x="2646432" y="1367503"/>
+                  <a:pt x="2365393" y="1086726"/>
+                  <a:pt x="2315117" y="733861"/>
+                </a:cubicBezTo>
+                <a:cubicBezTo>
+                  <a:pt x="2314950" y="733808"/>
+                  <a:pt x="2314781" y="733803"/>
+                  <a:pt x="2314612" y="733798"/>
+                </a:cubicBezTo>
+                <a:lnTo>
+                  <a:pt x="2314074" y="727122"/>
+                </a:lnTo>
+                <a:cubicBezTo>
+                  <a:pt x="2309015" y="696872"/>
+                  <a:pt x="2306564" y="665981"/>
+                  <a:pt x="2306606" y="634646"/>
+                </a:cubicBezTo>
+                <a:cubicBezTo>
+                  <a:pt x="2305294" y="629018"/>
+                  <a:pt x="2305236" y="623351"/>
+                  <a:pt x="2305236" y="617670"/>
+                </a:cubicBezTo>
+                <a:lnTo>
+                  <a:pt x="2305830" y="606230"/>
+                </a:lnTo>
+                <a:lnTo>
+                  <a:pt x="2306328" y="606263"/>
+                </a:lnTo>
+                <a:close/>
+                <a:moveTo>
+                  <a:pt x="2283603" y="605769"/>
+                </a:moveTo>
+                <a:lnTo>
+                  <a:pt x="2283629" y="606263"/>
+                </a:lnTo>
+                <a:lnTo>
+                  <a:pt x="2284127" y="606230"/>
+                </a:lnTo>
+                <a:lnTo>
+                  <a:pt x="2284721" y="617670"/>
+                </a:lnTo>
+                <a:cubicBezTo>
+                  <a:pt x="2284721" y="623351"/>
+                  <a:pt x="2284662" y="629018"/>
+                  <a:pt x="2283350" y="634646"/>
+                </a:cubicBezTo>
+                <a:cubicBezTo>
+                  <a:pt x="2283392" y="665981"/>
+                  <a:pt x="2280942" y="696872"/>
+                  <a:pt x="2275883" y="727122"/>
+                </a:cubicBezTo>
+                <a:lnTo>
+                  <a:pt x="2275345" y="733798"/>
+                </a:lnTo>
+                <a:cubicBezTo>
+                  <a:pt x="2275175" y="733803"/>
+                  <a:pt x="2275007" y="733808"/>
+                  <a:pt x="2274839" y="733861"/>
+                </a:cubicBezTo>
+                <a:cubicBezTo>
+                  <a:pt x="2224564" y="1086726"/>
+                  <a:pt x="1943525" y="1367503"/>
+                  <a:pt x="1584673" y="1426902"/>
+                </a:cubicBezTo>
+                <a:lnTo>
+                  <a:pt x="1584557" y="1428050"/>
+                </a:lnTo>
+                <a:cubicBezTo>
+                  <a:pt x="1579247" y="1429061"/>
+                  <a:pt x="1573918" y="1430009"/>
+                  <a:pt x="1568341" y="1429590"/>
+                </a:cubicBezTo>
+                <a:cubicBezTo>
+                  <a:pt x="1537169" y="1435144"/>
+                  <a:pt x="1505289" y="1438125"/>
+                  <a:pt x="1472914" y="1438652"/>
+                </a:cubicBezTo>
+                <a:lnTo>
+                  <a:pt x="1455796" y="1440278"/>
+                </a:lnTo>
+                <a:lnTo>
+                  <a:pt x="1455770" y="1439783"/>
+                </a:lnTo>
+                <a:lnTo>
+                  <a:pt x="1455271" y="1439816"/>
+                </a:lnTo>
+                <a:cubicBezTo>
+                  <a:pt x="1454705" y="1436014"/>
+                  <a:pt x="1454678" y="1432198"/>
+                  <a:pt x="1454678" y="1428376"/>
+                </a:cubicBezTo>
+                <a:cubicBezTo>
+                  <a:pt x="1454678" y="1422694"/>
+                  <a:pt x="1454736" y="1417025"/>
+                  <a:pt x="1456048" y="1411395"/>
+                </a:cubicBezTo>
+                <a:cubicBezTo>
+                  <a:pt x="1456006" y="1380067"/>
+                  <a:pt x="1458456" y="1349182"/>
+                  <a:pt x="1463513" y="1318938"/>
+                </a:cubicBezTo>
+                <a:lnTo>
+                  <a:pt x="1464053" y="1312248"/>
+                </a:lnTo>
+                <a:cubicBezTo>
+                  <a:pt x="1464221" y="1312243"/>
+                  <a:pt x="1464391" y="1312238"/>
+                  <a:pt x="1464558" y="1312185"/>
+                </a:cubicBezTo>
+                <a:cubicBezTo>
+                  <a:pt x="1514835" y="959319"/>
+                  <a:pt x="1795874" y="678542"/>
+                  <a:pt x="2154724" y="619144"/>
+                </a:cubicBezTo>
+                <a:lnTo>
+                  <a:pt x="2154841" y="617996"/>
+                </a:lnTo>
+                <a:cubicBezTo>
+                  <a:pt x="2160150" y="616986"/>
+                  <a:pt x="2165478" y="616038"/>
+                  <a:pt x="2171054" y="616457"/>
+                </a:cubicBezTo>
+                <a:cubicBezTo>
+                  <a:pt x="2202237" y="610900"/>
+                  <a:pt x="2234130" y="607919"/>
+                  <a:pt x="2266515" y="607392"/>
+                </a:cubicBezTo>
+                <a:close/>
+                <a:moveTo>
+                  <a:pt x="614203" y="605769"/>
+                </a:moveTo>
+                <a:lnTo>
+                  <a:pt x="631290" y="607392"/>
+                </a:lnTo>
+                <a:cubicBezTo>
+                  <a:pt x="663676" y="607919"/>
+                  <a:pt x="695568" y="610900"/>
+                  <a:pt x="726752" y="616457"/>
+                </a:cubicBezTo>
+                <a:cubicBezTo>
+                  <a:pt x="732328" y="616038"/>
+                  <a:pt x="737656" y="616986"/>
+                  <a:pt x="742964" y="617996"/>
+                </a:cubicBezTo>
+                <a:lnTo>
+                  <a:pt x="743081" y="619144"/>
+                </a:lnTo>
+                <a:cubicBezTo>
+                  <a:pt x="1101932" y="678542"/>
+                  <a:pt x="1382971" y="959319"/>
+                  <a:pt x="1433247" y="1312185"/>
+                </a:cubicBezTo>
+                <a:cubicBezTo>
+                  <a:pt x="1433415" y="1312238"/>
+                  <a:pt x="1433584" y="1312243"/>
+                  <a:pt x="1433753" y="1312248"/>
+                </a:cubicBezTo>
+                <a:lnTo>
+                  <a:pt x="1434293" y="1318938"/>
+                </a:lnTo>
+                <a:cubicBezTo>
+                  <a:pt x="1439350" y="1349182"/>
+                  <a:pt x="1441799" y="1380067"/>
+                  <a:pt x="1441757" y="1411395"/>
+                </a:cubicBezTo>
+                <a:cubicBezTo>
+                  <a:pt x="1443069" y="1417025"/>
+                  <a:pt x="1443128" y="1422694"/>
+                  <a:pt x="1443128" y="1428376"/>
+                </a:cubicBezTo>
+                <a:cubicBezTo>
+                  <a:pt x="1443128" y="1432198"/>
+                  <a:pt x="1443101" y="1436014"/>
+                  <a:pt x="1442535" y="1439816"/>
+                </a:cubicBezTo>
+                <a:lnTo>
+                  <a:pt x="1442036" y="1439783"/>
+                </a:lnTo>
+                <a:lnTo>
+                  <a:pt x="1442010" y="1440278"/>
+                </a:lnTo>
+                <a:lnTo>
+                  <a:pt x="1424891" y="1438652"/>
+                </a:lnTo>
+                <a:cubicBezTo>
+                  <a:pt x="1392517" y="1438125"/>
+                  <a:pt x="1360637" y="1435144"/>
+                  <a:pt x="1329465" y="1429590"/>
+                </a:cubicBezTo>
+                <a:cubicBezTo>
+                  <a:pt x="1323888" y="1430009"/>
+                  <a:pt x="1318559" y="1429061"/>
+                  <a:pt x="1313248" y="1428050"/>
+                </a:cubicBezTo>
+                <a:lnTo>
+                  <a:pt x="1313132" y="1426902"/>
+                </a:lnTo>
+                <a:cubicBezTo>
+                  <a:pt x="954281" y="1367503"/>
+                  <a:pt x="673242" y="1086726"/>
+                  <a:pt x="622966" y="733861"/>
+                </a:cubicBezTo>
+                <a:cubicBezTo>
+                  <a:pt x="622799" y="733808"/>
+                  <a:pt x="622630" y="733803"/>
+                  <a:pt x="622461" y="733798"/>
+                </a:cubicBezTo>
+                <a:lnTo>
+                  <a:pt x="621923" y="727122"/>
+                </a:lnTo>
+                <a:cubicBezTo>
+                  <a:pt x="616864" y="696872"/>
+                  <a:pt x="614413" y="665981"/>
+                  <a:pt x="614455" y="634646"/>
+                </a:cubicBezTo>
+                <a:cubicBezTo>
+                  <a:pt x="613143" y="629018"/>
+                  <a:pt x="613085" y="623351"/>
+                  <a:pt x="613085" y="617670"/>
+                </a:cubicBezTo>
+                <a:lnTo>
+                  <a:pt x="613679" y="606230"/>
+                </a:lnTo>
+                <a:lnTo>
+                  <a:pt x="614177" y="606263"/>
+                </a:lnTo>
+                <a:close/>
+                <a:moveTo>
+                  <a:pt x="7360056" y="605769"/>
+                </a:moveTo>
+                <a:lnTo>
+                  <a:pt x="7360082" y="606263"/>
+                </a:lnTo>
+                <a:lnTo>
+                  <a:pt x="7360580" y="606230"/>
+                </a:lnTo>
+                <a:lnTo>
+                  <a:pt x="7361174" y="617670"/>
+                </a:lnTo>
+                <a:cubicBezTo>
+                  <a:pt x="7361174" y="623351"/>
+                  <a:pt x="7361116" y="629018"/>
+                  <a:pt x="7359804" y="634646"/>
+                </a:cubicBezTo>
+                <a:cubicBezTo>
+                  <a:pt x="7359846" y="665981"/>
+                  <a:pt x="7357395" y="696872"/>
+                  <a:pt x="7352337" y="727122"/>
+                </a:cubicBezTo>
+                <a:lnTo>
+                  <a:pt x="7351798" y="733798"/>
+                </a:lnTo>
+                <a:cubicBezTo>
+                  <a:pt x="7351629" y="733803"/>
+                  <a:pt x="7351460" y="733808"/>
+                  <a:pt x="7351293" y="733861"/>
+                </a:cubicBezTo>
+                <a:cubicBezTo>
+                  <a:pt x="7301017" y="1086726"/>
+                  <a:pt x="7019978" y="1367503"/>
+                  <a:pt x="6661127" y="1426902"/>
+                </a:cubicBezTo>
+                <a:lnTo>
+                  <a:pt x="6661011" y="1428050"/>
+                </a:lnTo>
+                <a:cubicBezTo>
+                  <a:pt x="6655700" y="1429061"/>
+                  <a:pt x="6650371" y="1430009"/>
+                  <a:pt x="6644794" y="1429590"/>
+                </a:cubicBezTo>
+                <a:cubicBezTo>
+                  <a:pt x="6613622" y="1435144"/>
+                  <a:pt x="6581742" y="1438125"/>
+                  <a:pt x="6549368" y="1438652"/>
+                </a:cubicBezTo>
+                <a:lnTo>
+                  <a:pt x="6532249" y="1440278"/>
+                </a:lnTo>
+                <a:lnTo>
+                  <a:pt x="6532223" y="1439783"/>
+                </a:lnTo>
+                <a:lnTo>
+                  <a:pt x="6531724" y="1439816"/>
+                </a:lnTo>
+                <a:cubicBezTo>
+                  <a:pt x="6531158" y="1436014"/>
+                  <a:pt x="6531131" y="1432198"/>
+                  <a:pt x="6531131" y="1428376"/>
+                </a:cubicBezTo>
+                <a:cubicBezTo>
+                  <a:pt x="6531131" y="1422694"/>
+                  <a:pt x="6531190" y="1417025"/>
+                  <a:pt x="6532502" y="1411395"/>
+                </a:cubicBezTo>
+                <a:cubicBezTo>
+                  <a:pt x="6532460" y="1380067"/>
+                  <a:pt x="6534909" y="1349182"/>
+                  <a:pt x="6539966" y="1318938"/>
+                </a:cubicBezTo>
+                <a:lnTo>
+                  <a:pt x="6540506" y="1312248"/>
+                </a:lnTo>
+                <a:cubicBezTo>
+                  <a:pt x="6540675" y="1312243"/>
+                  <a:pt x="6540844" y="1312238"/>
+                  <a:pt x="6541012" y="1312185"/>
+                </a:cubicBezTo>
+                <a:cubicBezTo>
+                  <a:pt x="6591288" y="959319"/>
+                  <a:pt x="6872327" y="678542"/>
+                  <a:pt x="7231178" y="619144"/>
+                </a:cubicBezTo>
+                <a:lnTo>
+                  <a:pt x="7231295" y="617996"/>
+                </a:lnTo>
+                <a:cubicBezTo>
+                  <a:pt x="7236603" y="616986"/>
+                  <a:pt x="7241931" y="616038"/>
+                  <a:pt x="7247507" y="616457"/>
+                </a:cubicBezTo>
+                <a:cubicBezTo>
+                  <a:pt x="7278691" y="610900"/>
+                  <a:pt x="7310583" y="607919"/>
+                  <a:pt x="7342969" y="607392"/>
+                </a:cubicBezTo>
+                <a:close/>
+                <a:moveTo>
+                  <a:pt x="591452" y="605769"/>
+                </a:moveTo>
+                <a:lnTo>
+                  <a:pt x="591478" y="606263"/>
+                </a:lnTo>
+                <a:lnTo>
+                  <a:pt x="591976" y="606230"/>
+                </a:lnTo>
+                <a:lnTo>
+                  <a:pt x="592570" y="617670"/>
+                </a:lnTo>
+                <a:cubicBezTo>
+                  <a:pt x="592570" y="623351"/>
+                  <a:pt x="592511" y="629018"/>
+                  <a:pt x="591199" y="634646"/>
+                </a:cubicBezTo>
+                <a:cubicBezTo>
+                  <a:pt x="591242" y="665981"/>
+                  <a:pt x="588791" y="696872"/>
+                  <a:pt x="583732" y="727122"/>
+                </a:cubicBezTo>
+                <a:lnTo>
+                  <a:pt x="583194" y="733798"/>
+                </a:lnTo>
+                <a:cubicBezTo>
+                  <a:pt x="583024" y="733803"/>
+                  <a:pt x="582856" y="733808"/>
+                  <a:pt x="582689" y="733861"/>
+                </a:cubicBezTo>
+                <a:cubicBezTo>
+                  <a:pt x="537576" y="1050490"/>
+                  <a:pt x="306662" y="1309076"/>
+                  <a:pt x="0" y="1400276"/>
+                </a:cubicBezTo>
+                <a:lnTo>
+                  <a:pt x="0" y="1267938"/>
+                </a:lnTo>
+                <a:cubicBezTo>
+                  <a:pt x="229298" y="1185101"/>
+                  <a:pt x="402181" y="989705"/>
+                  <a:pt x="449203" y="750600"/>
+                </a:cubicBezTo>
+                <a:cubicBezTo>
+                  <a:pt x="258971" y="791484"/>
+                  <a:pt x="97576" y="906749"/>
+                  <a:pt x="0" y="1064489"/>
+                </a:cubicBezTo>
+                <a:lnTo>
+                  <a:pt x="0" y="857695"/>
+                </a:lnTo>
+                <a:cubicBezTo>
+                  <a:pt x="121484" y="734788"/>
+                  <a:pt x="282199" y="649000"/>
+                  <a:pt x="462573" y="619144"/>
+                </a:cubicBezTo>
+                <a:lnTo>
+                  <a:pt x="462690" y="617996"/>
+                </a:lnTo>
+                <a:cubicBezTo>
+                  <a:pt x="467999" y="616986"/>
+                  <a:pt x="473327" y="616038"/>
+                  <a:pt x="478903" y="616457"/>
+                </a:cubicBezTo>
+                <a:cubicBezTo>
+                  <a:pt x="510086" y="610900"/>
+                  <a:pt x="541979" y="607919"/>
+                  <a:pt x="574365" y="607392"/>
+                </a:cubicBezTo>
+                <a:close/>
+                <a:moveTo>
+                  <a:pt x="11969013" y="0"/>
+                </a:moveTo>
+                <a:lnTo>
+                  <a:pt x="12180097" y="0"/>
+                </a:lnTo>
+                <a:cubicBezTo>
+                  <a:pt x="12184579" y="2797"/>
+                  <a:pt x="12188307" y="6390"/>
+                  <a:pt x="12192000" y="10016"/>
+                </a:cubicBezTo>
+                <a:lnTo>
+                  <a:pt x="12192000" y="210008"/>
+                </a:lnTo>
+                <a:cubicBezTo>
+                  <a:pt x="12135666" y="124006"/>
+                  <a:pt x="12059786" y="51396"/>
+                  <a:pt x="11969013" y="0"/>
+                </a:cubicBezTo>
+                <a:close/>
+                <a:moveTo>
+                  <a:pt x="11640695" y="0"/>
+                </a:moveTo>
+                <a:lnTo>
+                  <a:pt x="11775234" y="0"/>
+                </a:lnTo>
+                <a:cubicBezTo>
+                  <a:pt x="11842228" y="193636"/>
+                  <a:pt x="11995970" y="348667"/>
+                  <a:pt x="12192000" y="421829"/>
+                </a:cubicBezTo>
+                <a:lnTo>
+                  <a:pt x="12192000" y="553832"/>
+                </a:lnTo>
+                <a:cubicBezTo>
+                  <a:pt x="11924422" y="471599"/>
+                  <a:pt x="11715712" y="262771"/>
+                  <a:pt x="11640695" y="0"/>
+                </a:cubicBezTo>
+                <a:close/>
+                <a:moveTo>
+                  <a:pt x="11023379" y="0"/>
+                </a:moveTo>
+                <a:lnTo>
+                  <a:pt x="11232088" y="0"/>
+                </a:lnTo>
+                <a:cubicBezTo>
+                  <a:pt x="11066618" y="98005"/>
+                  <a:pt x="10947209" y="260867"/>
+                  <a:pt x="10909358" y="451830"/>
+                </a:cubicBezTo>
+                <a:cubicBezTo>
+                  <a:pt x="11153410" y="399791"/>
+                  <a:pt x="11350000" y="226290"/>
+                  <a:pt x="11427896" y="0"/>
+                </a:cubicBezTo>
+                <a:lnTo>
+                  <a:pt x="11561912" y="0"/>
+                </a:lnTo>
+                <a:cubicBezTo>
+                  <a:pt x="11477134" y="299826"/>
+                  <a:pt x="11217862" y="529393"/>
+                  <a:pt x="10895987" y="582253"/>
+                </a:cubicBezTo>
+                <a:lnTo>
+                  <a:pt x="10895871" y="583392"/>
+                </a:lnTo>
+                <a:cubicBezTo>
+                  <a:pt x="10890560" y="584395"/>
+                  <a:pt x="10885231" y="585336"/>
+                  <a:pt x="10879654" y="584920"/>
+                </a:cubicBezTo>
+                <a:cubicBezTo>
+                  <a:pt x="10848482" y="590430"/>
+                  <a:pt x="10816602" y="593388"/>
+                  <a:pt x="10784227" y="593911"/>
+                </a:cubicBezTo>
+                <a:lnTo>
+                  <a:pt x="10767109" y="595524"/>
+                </a:lnTo>
+                <a:lnTo>
+                  <a:pt x="10767083" y="595033"/>
+                </a:lnTo>
+                <a:lnTo>
+                  <a:pt x="10766584" y="595066"/>
+                </a:lnTo>
+                <a:cubicBezTo>
+                  <a:pt x="10766018" y="591293"/>
+                  <a:pt x="10765991" y="587507"/>
+                  <a:pt x="10765991" y="583715"/>
+                </a:cubicBezTo>
+                <a:cubicBezTo>
+                  <a:pt x="10765991" y="578078"/>
+                  <a:pt x="10766050" y="572454"/>
+                  <a:pt x="10767362" y="566868"/>
+                </a:cubicBezTo>
+                <a:cubicBezTo>
+                  <a:pt x="10767319" y="535786"/>
+                  <a:pt x="10769769" y="505143"/>
+                  <a:pt x="10774826" y="475137"/>
+                </a:cubicBezTo>
+                <a:lnTo>
+                  <a:pt x="10775366" y="468500"/>
+                </a:lnTo>
+                <a:cubicBezTo>
+                  <a:pt x="10775535" y="468495"/>
+                  <a:pt x="10775704" y="468490"/>
+                  <a:pt x="10775872" y="468437"/>
+                </a:cubicBezTo>
+                <a:cubicBezTo>
+                  <a:pt x="10802174" y="285283"/>
+                  <a:pt x="10891635" y="121704"/>
+                  <a:pt x="11023379" y="0"/>
+                </a:cubicBezTo>
+                <a:close/>
+                <a:moveTo>
+                  <a:pt x="9949555" y="0"/>
+                </a:moveTo>
+                <a:lnTo>
+                  <a:pt x="10083571" y="0"/>
+                </a:lnTo>
+                <a:cubicBezTo>
+                  <a:pt x="10161467" y="226290"/>
+                  <a:pt x="10358057" y="399791"/>
+                  <a:pt x="10602109" y="451830"/>
+                </a:cubicBezTo>
+                <a:cubicBezTo>
+                  <a:pt x="10564258" y="260867"/>
+                  <a:pt x="10444849" y="98005"/>
+                  <a:pt x="10279379" y="0"/>
+                </a:cubicBezTo>
+                <a:lnTo>
+                  <a:pt x="10488089" y="0"/>
+                </a:lnTo>
+                <a:cubicBezTo>
+                  <a:pt x="10619833" y="121704"/>
+                  <a:pt x="10709293" y="285283"/>
+                  <a:pt x="10735596" y="468437"/>
+                </a:cubicBezTo>
+                <a:cubicBezTo>
+                  <a:pt x="10735763" y="468490"/>
+                  <a:pt x="10735932" y="468495"/>
+                  <a:pt x="10736101" y="468500"/>
+                </a:cubicBezTo>
+                <a:lnTo>
+                  <a:pt x="10736641" y="475137"/>
+                </a:lnTo>
+                <a:cubicBezTo>
+                  <a:pt x="10741698" y="505143"/>
+                  <a:pt x="10744148" y="535786"/>
+                  <a:pt x="10744105" y="566868"/>
+                </a:cubicBezTo>
+                <a:cubicBezTo>
+                  <a:pt x="10745417" y="572454"/>
+                  <a:pt x="10745476" y="578078"/>
+                  <a:pt x="10745476" y="583715"/>
+                </a:cubicBezTo>
+                <a:cubicBezTo>
+                  <a:pt x="10745476" y="587507"/>
+                  <a:pt x="10745449" y="591293"/>
+                  <a:pt x="10744883" y="595066"/>
+                </a:cubicBezTo>
+                <a:lnTo>
+                  <a:pt x="10744384" y="595033"/>
+                </a:lnTo>
+                <a:lnTo>
+                  <a:pt x="10744358" y="595524"/>
+                </a:lnTo>
+                <a:lnTo>
+                  <a:pt x="10727240" y="593911"/>
+                </a:lnTo>
+                <a:cubicBezTo>
+                  <a:pt x="10694865" y="593388"/>
+                  <a:pt x="10662985" y="590430"/>
+                  <a:pt x="10631813" y="584920"/>
+                </a:cubicBezTo>
+                <a:cubicBezTo>
+                  <a:pt x="10626236" y="585336"/>
+                  <a:pt x="10620907" y="584395"/>
+                  <a:pt x="10615596" y="583392"/>
+                </a:cubicBezTo>
+                <a:lnTo>
+                  <a:pt x="10615480" y="582253"/>
+                </a:lnTo>
+                <a:cubicBezTo>
+                  <a:pt x="10293605" y="529393"/>
+                  <a:pt x="10034333" y="299826"/>
+                  <a:pt x="9949555" y="0"/>
+                </a:cubicBezTo>
+                <a:close/>
+                <a:moveTo>
+                  <a:pt x="9331225" y="0"/>
+                </a:moveTo>
+                <a:lnTo>
+                  <a:pt x="9539935" y="0"/>
+                </a:lnTo>
+                <a:cubicBezTo>
+                  <a:pt x="9374465" y="98005"/>
+                  <a:pt x="9255056" y="260867"/>
+                  <a:pt x="9217205" y="451830"/>
+                </a:cubicBezTo>
+                <a:cubicBezTo>
+                  <a:pt x="9461257" y="399791"/>
+                  <a:pt x="9657847" y="226290"/>
+                  <a:pt x="9735743" y="0"/>
+                </a:cubicBezTo>
+                <a:lnTo>
+                  <a:pt x="9869759" y="0"/>
+                </a:lnTo>
+                <a:cubicBezTo>
+                  <a:pt x="9784981" y="299826"/>
+                  <a:pt x="9525709" y="529393"/>
+                  <a:pt x="9203834" y="582253"/>
+                </a:cubicBezTo>
+                <a:lnTo>
+                  <a:pt x="9203718" y="583392"/>
+                </a:lnTo>
+                <a:cubicBezTo>
+                  <a:pt x="9198407" y="584395"/>
+                  <a:pt x="9193078" y="585336"/>
+                  <a:pt x="9187501" y="584920"/>
+                </a:cubicBezTo>
+                <a:cubicBezTo>
+                  <a:pt x="9156329" y="590430"/>
+                  <a:pt x="9124449" y="593388"/>
+                  <a:pt x="9092074" y="593911"/>
+                </a:cubicBezTo>
+                <a:lnTo>
+                  <a:pt x="9074956" y="595524"/>
+                </a:lnTo>
+                <a:lnTo>
+                  <a:pt x="9074930" y="595033"/>
+                </a:lnTo>
+                <a:lnTo>
+                  <a:pt x="9074431" y="595066"/>
+                </a:lnTo>
+                <a:cubicBezTo>
+                  <a:pt x="9073865" y="591293"/>
+                  <a:pt x="9073838" y="587507"/>
+                  <a:pt x="9073838" y="583715"/>
+                </a:cubicBezTo>
+                <a:cubicBezTo>
+                  <a:pt x="9073838" y="578078"/>
+                  <a:pt x="9073897" y="572454"/>
+                  <a:pt x="9075209" y="566868"/>
+                </a:cubicBezTo>
+                <a:cubicBezTo>
+                  <a:pt x="9075166" y="535786"/>
+                  <a:pt x="9077616" y="505143"/>
+                  <a:pt x="9082673" y="475137"/>
+                </a:cubicBezTo>
+                <a:lnTo>
+                  <a:pt x="9083213" y="468500"/>
+                </a:lnTo>
+                <a:cubicBezTo>
+                  <a:pt x="9083382" y="468495"/>
+                  <a:pt x="9083551" y="468490"/>
+                  <a:pt x="9083718" y="468437"/>
+                </a:cubicBezTo>
+                <a:cubicBezTo>
+                  <a:pt x="9110021" y="285283"/>
+                  <a:pt x="9199481" y="121704"/>
+                  <a:pt x="9331225" y="0"/>
+                </a:cubicBezTo>
+                <a:close/>
+                <a:moveTo>
+                  <a:pt x="8257405" y="0"/>
+                </a:moveTo>
+                <a:lnTo>
+                  <a:pt x="8391420" y="0"/>
+                </a:lnTo>
+                <a:cubicBezTo>
+                  <a:pt x="8469316" y="226290"/>
+                  <a:pt x="8665906" y="399791"/>
+                  <a:pt x="8909958" y="451830"/>
+                </a:cubicBezTo>
+                <a:cubicBezTo>
+                  <a:pt x="8872107" y="260867"/>
+                  <a:pt x="8752698" y="98005"/>
+                  <a:pt x="8587228" y="0"/>
+                </a:cubicBezTo>
+                <a:lnTo>
+                  <a:pt x="8795937" y="0"/>
+                </a:lnTo>
+                <a:cubicBezTo>
+                  <a:pt x="8927681" y="121704"/>
+                  <a:pt x="9017142" y="285283"/>
+                  <a:pt x="9043444" y="468437"/>
+                </a:cubicBezTo>
+                <a:cubicBezTo>
+                  <a:pt x="9043612" y="468490"/>
+                  <a:pt x="9043781" y="468495"/>
+                  <a:pt x="9043950" y="468500"/>
+                </a:cubicBezTo>
+                <a:lnTo>
+                  <a:pt x="9044490" y="475137"/>
+                </a:lnTo>
+                <a:cubicBezTo>
+                  <a:pt x="9049547" y="505143"/>
+                  <a:pt x="9051997" y="535786"/>
+                  <a:pt x="9051954" y="566868"/>
+                </a:cubicBezTo>
+                <a:cubicBezTo>
+                  <a:pt x="9053266" y="572454"/>
+                  <a:pt x="9053325" y="578078"/>
+                  <a:pt x="9053325" y="583715"/>
+                </a:cubicBezTo>
+                <a:cubicBezTo>
+                  <a:pt x="9053325" y="587507"/>
+                  <a:pt x="9053298" y="591293"/>
+                  <a:pt x="9052732" y="595066"/>
+                </a:cubicBezTo>
+                <a:lnTo>
+                  <a:pt x="9052233" y="595033"/>
+                </a:lnTo>
+                <a:lnTo>
+                  <a:pt x="9052207" y="595524"/>
+                </a:lnTo>
+                <a:lnTo>
+                  <a:pt x="9035089" y="593911"/>
+                </a:lnTo>
+                <a:cubicBezTo>
+                  <a:pt x="9002714" y="593388"/>
+                  <a:pt x="8970834" y="590430"/>
+                  <a:pt x="8939662" y="584920"/>
+                </a:cubicBezTo>
+                <a:cubicBezTo>
+                  <a:pt x="8934085" y="585336"/>
+                  <a:pt x="8928756" y="584395"/>
+                  <a:pt x="8923445" y="583392"/>
+                </a:cubicBezTo>
+                <a:lnTo>
+                  <a:pt x="8923329" y="582253"/>
+                </a:lnTo>
+                <a:cubicBezTo>
+                  <a:pt x="8601454" y="529393"/>
+                  <a:pt x="8342182" y="299826"/>
+                  <a:pt x="8257405" y="0"/>
+                </a:cubicBezTo>
+                <a:close/>
+                <a:moveTo>
+                  <a:pt x="7639075" y="0"/>
+                </a:moveTo>
+                <a:lnTo>
+                  <a:pt x="7847784" y="0"/>
+                </a:lnTo>
+                <a:cubicBezTo>
+                  <a:pt x="7682314" y="98005"/>
+                  <a:pt x="7562905" y="260867"/>
+                  <a:pt x="7525054" y="451830"/>
+                </a:cubicBezTo>
+                <a:cubicBezTo>
+                  <a:pt x="7769107" y="399791"/>
+                  <a:pt x="7965696" y="226290"/>
+                  <a:pt x="8043592" y="0"/>
+                </a:cubicBezTo>
+                <a:lnTo>
+                  <a:pt x="8177609" y="0"/>
+                </a:lnTo>
+                <a:cubicBezTo>
+                  <a:pt x="8092830" y="299826"/>
+                  <a:pt x="7833558" y="529393"/>
+                  <a:pt x="7511683" y="582253"/>
+                </a:cubicBezTo>
+                <a:lnTo>
+                  <a:pt x="7511567" y="583392"/>
+                </a:lnTo>
+                <a:cubicBezTo>
+                  <a:pt x="7506256" y="584395"/>
+                  <a:pt x="7500927" y="585336"/>
+                  <a:pt x="7495350" y="584920"/>
+                </a:cubicBezTo>
+                <a:cubicBezTo>
+                  <a:pt x="7464178" y="590430"/>
+                  <a:pt x="7432298" y="593388"/>
+                  <a:pt x="7399924" y="593911"/>
+                </a:cubicBezTo>
+                <a:lnTo>
+                  <a:pt x="7382805" y="595524"/>
+                </a:lnTo>
+                <a:lnTo>
+                  <a:pt x="7382779" y="595033"/>
+                </a:lnTo>
+                <a:lnTo>
+                  <a:pt x="7382280" y="595066"/>
+                </a:lnTo>
+                <a:cubicBezTo>
+                  <a:pt x="7381714" y="591293"/>
+                  <a:pt x="7381687" y="587507"/>
+                  <a:pt x="7381687" y="583715"/>
+                </a:cubicBezTo>
+                <a:cubicBezTo>
+                  <a:pt x="7381687" y="578078"/>
+                  <a:pt x="7381746" y="572454"/>
+                  <a:pt x="7383058" y="566868"/>
+                </a:cubicBezTo>
+                <a:cubicBezTo>
+                  <a:pt x="7383016" y="535786"/>
+                  <a:pt x="7385465" y="505143"/>
+                  <a:pt x="7390522" y="475137"/>
+                </a:cubicBezTo>
+                <a:lnTo>
+                  <a:pt x="7391062" y="468500"/>
+                </a:lnTo>
+                <a:cubicBezTo>
+                  <a:pt x="7391231" y="468495"/>
+                  <a:pt x="7391400" y="468490"/>
+                  <a:pt x="7391568" y="468437"/>
+                </a:cubicBezTo>
+                <a:cubicBezTo>
+                  <a:pt x="7417870" y="285283"/>
+                  <a:pt x="7507331" y="121703"/>
+                  <a:pt x="7639075" y="0"/>
+                </a:cubicBezTo>
+                <a:close/>
+                <a:moveTo>
+                  <a:pt x="6565254" y="0"/>
+                </a:moveTo>
+                <a:lnTo>
+                  <a:pt x="6699270" y="0"/>
+                </a:lnTo>
+                <a:cubicBezTo>
+                  <a:pt x="6777166" y="226290"/>
+                  <a:pt x="6973755" y="399791"/>
+                  <a:pt x="7217807" y="451830"/>
+                </a:cubicBezTo>
+                <a:cubicBezTo>
+                  <a:pt x="7179956" y="260867"/>
+                  <a:pt x="7060547" y="98005"/>
+                  <a:pt x="6895077" y="0"/>
+                </a:cubicBezTo>
+                <a:lnTo>
+                  <a:pt x="7103787" y="0"/>
+                </a:lnTo>
+                <a:cubicBezTo>
+                  <a:pt x="7235531" y="121704"/>
+                  <a:pt x="7324992" y="285283"/>
+                  <a:pt x="7351294" y="468437"/>
+                </a:cubicBezTo>
+                <a:cubicBezTo>
+                  <a:pt x="7351461" y="468490"/>
+                  <a:pt x="7351631" y="468495"/>
+                  <a:pt x="7351799" y="468500"/>
+                </a:cubicBezTo>
+                <a:lnTo>
+                  <a:pt x="7352340" y="475137"/>
+                </a:lnTo>
+                <a:cubicBezTo>
+                  <a:pt x="7357396" y="505143"/>
+                  <a:pt x="7359846" y="535786"/>
+                  <a:pt x="7359804" y="566868"/>
+                </a:cubicBezTo>
+                <a:cubicBezTo>
+                  <a:pt x="7361116" y="572454"/>
+                  <a:pt x="7361174" y="578078"/>
+                  <a:pt x="7361174" y="583715"/>
+                </a:cubicBezTo>
+                <a:cubicBezTo>
+                  <a:pt x="7361174" y="587507"/>
+                  <a:pt x="7361147" y="591293"/>
+                  <a:pt x="7360581" y="595066"/>
+                </a:cubicBezTo>
+                <a:lnTo>
+                  <a:pt x="7360082" y="595033"/>
+                </a:lnTo>
+                <a:lnTo>
+                  <a:pt x="7360056" y="595524"/>
+                </a:lnTo>
+                <a:lnTo>
+                  <a:pt x="7342938" y="593911"/>
+                </a:lnTo>
+                <a:cubicBezTo>
+                  <a:pt x="7310564" y="593388"/>
+                  <a:pt x="7278683" y="590430"/>
+                  <a:pt x="7247511" y="584920"/>
+                </a:cubicBezTo>
+                <a:cubicBezTo>
+                  <a:pt x="7241934" y="585336"/>
+                  <a:pt x="7236605" y="584395"/>
+                  <a:pt x="7231295" y="583392"/>
+                </a:cubicBezTo>
+                <a:lnTo>
+                  <a:pt x="7231179" y="582253"/>
+                </a:lnTo>
+                <a:cubicBezTo>
+                  <a:pt x="6909304" y="529393"/>
+                  <a:pt x="6650032" y="299826"/>
+                  <a:pt x="6565254" y="0"/>
+                </a:cubicBezTo>
+                <a:close/>
+                <a:moveTo>
+                  <a:pt x="5946924" y="0"/>
+                </a:moveTo>
+                <a:lnTo>
+                  <a:pt x="6155633" y="0"/>
+                </a:lnTo>
+                <a:cubicBezTo>
+                  <a:pt x="5990163" y="98005"/>
+                  <a:pt x="5870754" y="260867"/>
+                  <a:pt x="5832903" y="451830"/>
+                </a:cubicBezTo>
+                <a:cubicBezTo>
+                  <a:pt x="6076956" y="399791"/>
+                  <a:pt x="6273545" y="226290"/>
+                  <a:pt x="6351441" y="0"/>
+                </a:cubicBezTo>
+                <a:lnTo>
+                  <a:pt x="6485457" y="0"/>
+                </a:lnTo>
+                <a:cubicBezTo>
+                  <a:pt x="6400679" y="299826"/>
+                  <a:pt x="6141407" y="529393"/>
+                  <a:pt x="5819531" y="582253"/>
+                </a:cubicBezTo>
+                <a:lnTo>
+                  <a:pt x="5819415" y="583392"/>
+                </a:lnTo>
+                <a:cubicBezTo>
+                  <a:pt x="5814105" y="584395"/>
+                  <a:pt x="5808776" y="585336"/>
+                  <a:pt x="5803199" y="584920"/>
+                </a:cubicBezTo>
+                <a:cubicBezTo>
+                  <a:pt x="5772027" y="590430"/>
+                  <a:pt x="5740146" y="593388"/>
+                  <a:pt x="5707772" y="593911"/>
+                </a:cubicBezTo>
+                <a:lnTo>
+                  <a:pt x="5690654" y="595524"/>
+                </a:lnTo>
+                <a:lnTo>
+                  <a:pt x="5690628" y="595033"/>
+                </a:lnTo>
+                <a:lnTo>
+                  <a:pt x="5690129" y="595066"/>
+                </a:lnTo>
+                <a:cubicBezTo>
+                  <a:pt x="5689563" y="591293"/>
+                  <a:pt x="5689536" y="587507"/>
+                  <a:pt x="5689536" y="583715"/>
+                </a:cubicBezTo>
+                <a:cubicBezTo>
+                  <a:pt x="5689536" y="578078"/>
+                  <a:pt x="5689594" y="572454"/>
+                  <a:pt x="5690906" y="566868"/>
+                </a:cubicBezTo>
+                <a:cubicBezTo>
+                  <a:pt x="5690864" y="535786"/>
+                  <a:pt x="5693314" y="505143"/>
+                  <a:pt x="5698370" y="475137"/>
+                </a:cubicBezTo>
+                <a:lnTo>
+                  <a:pt x="5698911" y="468500"/>
+                </a:lnTo>
+                <a:cubicBezTo>
+                  <a:pt x="5699079" y="468495"/>
+                  <a:pt x="5699249" y="468490"/>
+                  <a:pt x="5699416" y="468437"/>
+                </a:cubicBezTo>
+                <a:cubicBezTo>
+                  <a:pt x="5725719" y="285283"/>
+                  <a:pt x="5815180" y="121704"/>
+                  <a:pt x="5946924" y="0"/>
+                </a:cubicBezTo>
+                <a:close/>
+                <a:moveTo>
+                  <a:pt x="4873102" y="0"/>
+                </a:moveTo>
+                <a:lnTo>
+                  <a:pt x="5007119" y="0"/>
+                </a:lnTo>
+                <a:cubicBezTo>
+                  <a:pt x="5085015" y="226291"/>
+                  <a:pt x="5281604" y="399791"/>
+                  <a:pt x="5525656" y="451830"/>
+                </a:cubicBezTo>
+                <a:cubicBezTo>
+                  <a:pt x="5487805" y="260867"/>
+                  <a:pt x="5368397" y="98005"/>
+                  <a:pt x="5202927" y="0"/>
+                </a:cubicBezTo>
+                <a:lnTo>
+                  <a:pt x="5411635" y="0"/>
+                </a:lnTo>
+                <a:cubicBezTo>
+                  <a:pt x="5543380" y="121703"/>
+                  <a:pt x="5632840" y="285283"/>
+                  <a:pt x="5659142" y="468437"/>
+                </a:cubicBezTo>
+                <a:cubicBezTo>
+                  <a:pt x="5659310" y="468490"/>
+                  <a:pt x="5659479" y="468495"/>
+                  <a:pt x="5659648" y="468499"/>
+                </a:cubicBezTo>
+                <a:lnTo>
+                  <a:pt x="5660188" y="475137"/>
+                </a:lnTo>
+                <a:cubicBezTo>
+                  <a:pt x="5665245" y="505143"/>
+                  <a:pt x="5667694" y="535786"/>
+                  <a:pt x="5667652" y="566868"/>
+                </a:cubicBezTo>
+                <a:cubicBezTo>
+                  <a:pt x="5668964" y="572454"/>
+                  <a:pt x="5669023" y="578078"/>
+                  <a:pt x="5669023" y="583715"/>
+                </a:cubicBezTo>
+                <a:cubicBezTo>
+                  <a:pt x="5669023" y="587508"/>
+                  <a:pt x="5668996" y="591293"/>
+                  <a:pt x="5668430" y="595066"/>
+                </a:cubicBezTo>
+                <a:lnTo>
+                  <a:pt x="5667931" y="595033"/>
+                </a:lnTo>
+                <a:lnTo>
+                  <a:pt x="5667905" y="595524"/>
+                </a:lnTo>
+                <a:lnTo>
+                  <a:pt x="5650786" y="593911"/>
+                </a:lnTo>
+                <a:cubicBezTo>
+                  <a:pt x="5618412" y="593388"/>
+                  <a:pt x="5586532" y="590430"/>
+                  <a:pt x="5555360" y="584920"/>
+                </a:cubicBezTo>
+                <a:cubicBezTo>
+                  <a:pt x="5549783" y="585336"/>
+                  <a:pt x="5544454" y="584395"/>
+                  <a:pt x="5539143" y="583392"/>
+                </a:cubicBezTo>
+                <a:lnTo>
+                  <a:pt x="5539027" y="582253"/>
+                </a:lnTo>
+                <a:cubicBezTo>
+                  <a:pt x="5217153" y="529393"/>
+                  <a:pt x="4957881" y="299826"/>
+                  <a:pt x="4873102" y="0"/>
+                </a:cubicBezTo>
+                <a:close/>
+                <a:moveTo>
+                  <a:pt x="4254773" y="0"/>
+                </a:moveTo>
+                <a:lnTo>
+                  <a:pt x="4463482" y="0"/>
+                </a:lnTo>
+                <a:cubicBezTo>
+                  <a:pt x="4298012" y="98005"/>
+                  <a:pt x="4178603" y="260867"/>
+                  <a:pt x="4140752" y="451830"/>
+                </a:cubicBezTo>
+                <a:cubicBezTo>
+                  <a:pt x="4384804" y="399791"/>
+                  <a:pt x="4581394" y="226291"/>
+                  <a:pt x="4659290" y="0"/>
+                </a:cubicBezTo>
+                <a:lnTo>
+                  <a:pt x="4793306" y="0"/>
+                </a:lnTo>
+                <a:cubicBezTo>
+                  <a:pt x="4708528" y="299826"/>
+                  <a:pt x="4449256" y="529393"/>
+                  <a:pt x="4127381" y="582253"/>
+                </a:cubicBezTo>
+                <a:lnTo>
+                  <a:pt x="4127264" y="583392"/>
+                </a:lnTo>
+                <a:cubicBezTo>
+                  <a:pt x="4121954" y="584395"/>
+                  <a:pt x="4116625" y="585336"/>
+                  <a:pt x="4111048" y="584920"/>
+                </a:cubicBezTo>
+                <a:cubicBezTo>
+                  <a:pt x="4079876" y="590430"/>
+                  <a:pt x="4047996" y="593388"/>
+                  <a:pt x="4015621" y="593911"/>
+                </a:cubicBezTo>
+                <a:lnTo>
+                  <a:pt x="3998503" y="595524"/>
+                </a:lnTo>
+                <a:lnTo>
+                  <a:pt x="3998477" y="595033"/>
+                </a:lnTo>
+                <a:lnTo>
+                  <a:pt x="3997978" y="595066"/>
+                </a:lnTo>
+                <a:cubicBezTo>
+                  <a:pt x="3997412" y="591293"/>
+                  <a:pt x="3997385" y="587507"/>
+                  <a:pt x="3997385" y="583715"/>
+                </a:cubicBezTo>
+                <a:cubicBezTo>
+                  <a:pt x="3997385" y="578078"/>
+                  <a:pt x="3997443" y="572454"/>
+                  <a:pt x="3998755" y="566868"/>
+                </a:cubicBezTo>
+                <a:cubicBezTo>
+                  <a:pt x="3998713" y="535786"/>
+                  <a:pt x="4001163" y="505143"/>
+                  <a:pt x="4006219" y="475137"/>
+                </a:cubicBezTo>
+                <a:lnTo>
+                  <a:pt x="4006760" y="468499"/>
+                </a:lnTo>
+                <a:cubicBezTo>
+                  <a:pt x="4006928" y="468495"/>
+                  <a:pt x="4007098" y="468490"/>
+                  <a:pt x="4007265" y="468437"/>
+                </a:cubicBezTo>
+                <a:cubicBezTo>
+                  <a:pt x="4033568" y="285283"/>
+                  <a:pt x="4123028" y="121703"/>
+                  <a:pt x="4254773" y="0"/>
+                </a:cubicBezTo>
+                <a:close/>
+                <a:moveTo>
+                  <a:pt x="3180951" y="0"/>
+                </a:moveTo>
+                <a:lnTo>
+                  <a:pt x="3314968" y="0"/>
+                </a:lnTo>
+                <a:cubicBezTo>
+                  <a:pt x="3392864" y="226291"/>
+                  <a:pt x="3589453" y="399791"/>
+                  <a:pt x="3833505" y="451830"/>
+                </a:cubicBezTo>
+                <a:cubicBezTo>
+                  <a:pt x="3795654" y="260867"/>
+                  <a:pt x="3676245" y="98005"/>
+                  <a:pt x="3510776" y="0"/>
+                </a:cubicBezTo>
+                <a:lnTo>
+                  <a:pt x="3719484" y="0"/>
+                </a:lnTo>
+                <a:cubicBezTo>
+                  <a:pt x="3851229" y="121703"/>
+                  <a:pt x="3940689" y="285283"/>
+                  <a:pt x="3966991" y="468437"/>
+                </a:cubicBezTo>
+                <a:cubicBezTo>
+                  <a:pt x="3967159" y="468490"/>
+                  <a:pt x="3967328" y="468495"/>
+                  <a:pt x="3967497" y="468499"/>
+                </a:cubicBezTo>
+                <a:lnTo>
+                  <a:pt x="3968037" y="475137"/>
+                </a:lnTo>
+                <a:cubicBezTo>
+                  <a:pt x="3973094" y="505143"/>
+                  <a:pt x="3975543" y="535786"/>
+                  <a:pt x="3975501" y="566868"/>
+                </a:cubicBezTo>
+                <a:cubicBezTo>
+                  <a:pt x="3976813" y="572454"/>
+                  <a:pt x="3976872" y="578078"/>
+                  <a:pt x="3976872" y="583715"/>
+                </a:cubicBezTo>
+                <a:cubicBezTo>
+                  <a:pt x="3976872" y="587508"/>
+                  <a:pt x="3976845" y="591293"/>
+                  <a:pt x="3976279" y="595066"/>
+                </a:cubicBezTo>
+                <a:lnTo>
+                  <a:pt x="3975780" y="595033"/>
+                </a:lnTo>
+                <a:lnTo>
+                  <a:pt x="3975754" y="595524"/>
+                </a:lnTo>
+                <a:lnTo>
+                  <a:pt x="3958635" y="593911"/>
+                </a:lnTo>
+                <a:cubicBezTo>
+                  <a:pt x="3926261" y="593388"/>
+                  <a:pt x="3894381" y="590430"/>
+                  <a:pt x="3863209" y="584920"/>
+                </a:cubicBezTo>
+                <a:cubicBezTo>
+                  <a:pt x="3857632" y="585336"/>
+                  <a:pt x="3852303" y="584395"/>
+                  <a:pt x="3846992" y="583392"/>
+                </a:cubicBezTo>
+                <a:lnTo>
+                  <a:pt x="3846876" y="582253"/>
+                </a:lnTo>
+                <a:cubicBezTo>
+                  <a:pt x="3525002" y="529393"/>
+                  <a:pt x="3265729" y="299826"/>
+                  <a:pt x="3180951" y="0"/>
+                </a:cubicBezTo>
+                <a:close/>
+                <a:moveTo>
+                  <a:pt x="2562622" y="0"/>
+                </a:moveTo>
+                <a:lnTo>
+                  <a:pt x="2771330" y="0"/>
+                </a:lnTo>
+                <a:cubicBezTo>
+                  <a:pt x="2605861" y="98005"/>
+                  <a:pt x="2486452" y="260867"/>
+                  <a:pt x="2448601" y="451830"/>
+                </a:cubicBezTo>
+                <a:cubicBezTo>
+                  <a:pt x="2692653" y="399791"/>
+                  <a:pt x="2889242" y="226291"/>
+                  <a:pt x="2967139" y="0"/>
+                </a:cubicBezTo>
+                <a:lnTo>
+                  <a:pt x="3101155" y="0"/>
+                </a:lnTo>
+                <a:cubicBezTo>
+                  <a:pt x="3016377" y="299826"/>
+                  <a:pt x="2757105" y="529393"/>
+                  <a:pt x="2435230" y="582253"/>
+                </a:cubicBezTo>
+                <a:lnTo>
+                  <a:pt x="2435113" y="583392"/>
+                </a:lnTo>
+                <a:cubicBezTo>
+                  <a:pt x="2429803" y="584395"/>
+                  <a:pt x="2424474" y="585336"/>
+                  <a:pt x="2418897" y="584920"/>
+                </a:cubicBezTo>
+                <a:cubicBezTo>
+                  <a:pt x="2387725" y="590430"/>
+                  <a:pt x="2355845" y="593388"/>
+                  <a:pt x="2323470" y="593911"/>
+                </a:cubicBezTo>
+                <a:lnTo>
+                  <a:pt x="2306352" y="595524"/>
+                </a:lnTo>
+                <a:lnTo>
+                  <a:pt x="2306326" y="595033"/>
+                </a:lnTo>
+                <a:lnTo>
+                  <a:pt x="2305827" y="595066"/>
+                </a:lnTo>
+                <a:cubicBezTo>
+                  <a:pt x="2305261" y="591293"/>
+                  <a:pt x="2305234" y="587507"/>
+                  <a:pt x="2305234" y="583715"/>
+                </a:cubicBezTo>
+                <a:cubicBezTo>
+                  <a:pt x="2305234" y="578078"/>
+                  <a:pt x="2305292" y="572454"/>
+                  <a:pt x="2306604" y="566868"/>
+                </a:cubicBezTo>
+                <a:cubicBezTo>
+                  <a:pt x="2306562" y="535786"/>
+                  <a:pt x="2309012" y="505143"/>
+                  <a:pt x="2314068" y="475137"/>
+                </a:cubicBezTo>
+                <a:lnTo>
+                  <a:pt x="2314609" y="468499"/>
+                </a:lnTo>
+                <a:cubicBezTo>
+                  <a:pt x="2314777" y="468495"/>
+                  <a:pt x="2314947" y="468490"/>
+                  <a:pt x="2315114" y="468437"/>
+                </a:cubicBezTo>
+                <a:cubicBezTo>
+                  <a:pt x="2341417" y="285283"/>
+                  <a:pt x="2430877" y="121704"/>
+                  <a:pt x="2562622" y="0"/>
+                </a:cubicBezTo>
+                <a:close/>
+                <a:moveTo>
+                  <a:pt x="1488800" y="0"/>
+                </a:moveTo>
+                <a:lnTo>
+                  <a:pt x="1622816" y="0"/>
+                </a:lnTo>
+                <a:cubicBezTo>
+                  <a:pt x="1700712" y="226290"/>
+                  <a:pt x="1897302" y="399791"/>
+                  <a:pt x="2141354" y="451830"/>
+                </a:cubicBezTo>
+                <a:cubicBezTo>
+                  <a:pt x="2103503" y="260867"/>
+                  <a:pt x="1984094" y="98005"/>
+                  <a:pt x="1818624" y="0"/>
+                </a:cubicBezTo>
+                <a:lnTo>
+                  <a:pt x="2027333" y="0"/>
+                </a:lnTo>
+                <a:cubicBezTo>
+                  <a:pt x="2159078" y="121703"/>
+                  <a:pt x="2248538" y="285283"/>
+                  <a:pt x="2274840" y="468437"/>
+                </a:cubicBezTo>
+                <a:cubicBezTo>
+                  <a:pt x="2275008" y="468490"/>
+                  <a:pt x="2275177" y="468495"/>
+                  <a:pt x="2275346" y="468500"/>
+                </a:cubicBezTo>
+                <a:lnTo>
+                  <a:pt x="2275886" y="475137"/>
+                </a:lnTo>
+                <a:cubicBezTo>
+                  <a:pt x="2280943" y="505143"/>
+                  <a:pt x="2283392" y="535786"/>
+                  <a:pt x="2283350" y="566868"/>
+                </a:cubicBezTo>
+                <a:cubicBezTo>
+                  <a:pt x="2284662" y="572454"/>
+                  <a:pt x="2284721" y="578078"/>
+                  <a:pt x="2284721" y="583715"/>
+                </a:cubicBezTo>
+                <a:cubicBezTo>
+                  <a:pt x="2284721" y="587508"/>
+                  <a:pt x="2284694" y="591293"/>
+                  <a:pt x="2284128" y="595066"/>
+                </a:cubicBezTo>
+                <a:lnTo>
+                  <a:pt x="2283629" y="595033"/>
+                </a:lnTo>
+                <a:lnTo>
+                  <a:pt x="2283603" y="595524"/>
+                </a:lnTo>
+                <a:lnTo>
+                  <a:pt x="2266484" y="593911"/>
+                </a:lnTo>
+                <a:cubicBezTo>
+                  <a:pt x="2234110" y="593388"/>
+                  <a:pt x="2202230" y="590430"/>
+                  <a:pt x="2171058" y="584920"/>
+                </a:cubicBezTo>
+                <a:cubicBezTo>
+                  <a:pt x="2165481" y="585336"/>
+                  <a:pt x="2160152" y="584395"/>
+                  <a:pt x="2154841" y="583392"/>
+                </a:cubicBezTo>
+                <a:lnTo>
+                  <a:pt x="2154725" y="582253"/>
+                </a:lnTo>
+                <a:cubicBezTo>
+                  <a:pt x="1832850" y="529393"/>
+                  <a:pt x="1573578" y="299826"/>
+                  <a:pt x="1488800" y="0"/>
+                </a:cubicBezTo>
+                <a:close/>
+                <a:moveTo>
+                  <a:pt x="870471" y="0"/>
+                </a:moveTo>
+                <a:lnTo>
+                  <a:pt x="1079179" y="0"/>
+                </a:lnTo>
+                <a:cubicBezTo>
+                  <a:pt x="913710" y="98005"/>
+                  <a:pt x="794301" y="260867"/>
+                  <a:pt x="756450" y="451830"/>
+                </a:cubicBezTo>
+                <a:cubicBezTo>
+                  <a:pt x="1000502" y="399791"/>
+                  <a:pt x="1197091" y="226291"/>
+                  <a:pt x="1274988" y="0"/>
+                </a:cubicBezTo>
+                <a:lnTo>
+                  <a:pt x="1409004" y="0"/>
+                </a:lnTo>
+                <a:cubicBezTo>
+                  <a:pt x="1324226" y="299826"/>
+                  <a:pt x="1064954" y="529393"/>
+                  <a:pt x="743078" y="582253"/>
+                </a:cubicBezTo>
+                <a:lnTo>
+                  <a:pt x="742962" y="583392"/>
+                </a:lnTo>
+                <a:cubicBezTo>
+                  <a:pt x="737652" y="584395"/>
+                  <a:pt x="732323" y="585336"/>
+                  <a:pt x="726746" y="584920"/>
+                </a:cubicBezTo>
+                <a:cubicBezTo>
+                  <a:pt x="695574" y="590430"/>
+                  <a:pt x="663693" y="593388"/>
+                  <a:pt x="631319" y="593911"/>
+                </a:cubicBezTo>
+                <a:lnTo>
+                  <a:pt x="614201" y="595524"/>
+                </a:lnTo>
+                <a:lnTo>
+                  <a:pt x="614175" y="595033"/>
+                </a:lnTo>
+                <a:lnTo>
+                  <a:pt x="613676" y="595066"/>
+                </a:lnTo>
+                <a:cubicBezTo>
+                  <a:pt x="613110" y="591293"/>
+                  <a:pt x="613083" y="587507"/>
+                  <a:pt x="613083" y="583715"/>
+                </a:cubicBezTo>
+                <a:cubicBezTo>
+                  <a:pt x="613083" y="578078"/>
+                  <a:pt x="613141" y="572454"/>
+                  <a:pt x="614453" y="566868"/>
+                </a:cubicBezTo>
+                <a:cubicBezTo>
+                  <a:pt x="614411" y="535786"/>
+                  <a:pt x="616861" y="505143"/>
+                  <a:pt x="621918" y="475137"/>
+                </a:cubicBezTo>
+                <a:lnTo>
+                  <a:pt x="622458" y="468499"/>
+                </a:lnTo>
+                <a:cubicBezTo>
+                  <a:pt x="622626" y="468495"/>
+                  <a:pt x="622796" y="468490"/>
+                  <a:pt x="622963" y="468437"/>
+                </a:cubicBezTo>
+                <a:cubicBezTo>
+                  <a:pt x="649266" y="285283"/>
+                  <a:pt x="738726" y="121703"/>
+                  <a:pt x="870471" y="0"/>
+                </a:cubicBezTo>
+                <a:close/>
+                <a:moveTo>
+                  <a:pt x="126374" y="0"/>
+                </a:moveTo>
+                <a:lnTo>
+                  <a:pt x="334376" y="0"/>
+                </a:lnTo>
+                <a:cubicBezTo>
+                  <a:pt x="466684" y="121261"/>
+                  <a:pt x="556352" y="285035"/>
+                  <a:pt x="582690" y="468437"/>
+                </a:cubicBezTo>
+                <a:cubicBezTo>
+                  <a:pt x="582857" y="468490"/>
+                  <a:pt x="583026" y="468495"/>
+                  <a:pt x="583195" y="468499"/>
+                </a:cubicBezTo>
+                <a:lnTo>
+                  <a:pt x="583735" y="475137"/>
+                </a:lnTo>
+                <a:cubicBezTo>
+                  <a:pt x="588792" y="505143"/>
+                  <a:pt x="591242" y="535786"/>
+                  <a:pt x="591199" y="566868"/>
+                </a:cubicBezTo>
+                <a:cubicBezTo>
+                  <a:pt x="592511" y="572454"/>
+                  <a:pt x="592570" y="578078"/>
+                  <a:pt x="592570" y="583715"/>
+                </a:cubicBezTo>
+                <a:cubicBezTo>
+                  <a:pt x="592570" y="587507"/>
+                  <a:pt x="592543" y="591293"/>
+                  <a:pt x="591977" y="595066"/>
+                </a:cubicBezTo>
+                <a:lnTo>
+                  <a:pt x="591478" y="595033"/>
+                </a:lnTo>
+                <a:lnTo>
+                  <a:pt x="591452" y="595524"/>
+                </a:lnTo>
+                <a:lnTo>
+                  <a:pt x="574334" y="593911"/>
+                </a:lnTo>
+                <a:cubicBezTo>
+                  <a:pt x="541959" y="593388"/>
+                  <a:pt x="510079" y="590430"/>
+                  <a:pt x="478907" y="584920"/>
+                </a:cubicBezTo>
+                <a:cubicBezTo>
+                  <a:pt x="473330" y="585336"/>
+                  <a:pt x="468001" y="584395"/>
+                  <a:pt x="462690" y="583392"/>
+                </a:cubicBezTo>
+                <a:lnTo>
+                  <a:pt x="462574" y="582253"/>
+                </a:lnTo>
+                <a:cubicBezTo>
+                  <a:pt x="282200" y="552631"/>
+                  <a:pt x="121485" y="467518"/>
+                  <a:pt x="0" y="345575"/>
+                </a:cubicBezTo>
+                <a:lnTo>
+                  <a:pt x="0" y="140406"/>
+                </a:lnTo>
+                <a:cubicBezTo>
+                  <a:pt x="97584" y="296912"/>
+                  <a:pt x="258975" y="411268"/>
+                  <a:pt x="449203" y="451830"/>
+                </a:cubicBezTo>
+                <a:cubicBezTo>
+                  <a:pt x="411344" y="260824"/>
+                  <a:pt x="291889" y="97931"/>
+                  <a:pt x="126374" y="0"/>
+                </a:cubicBezTo>
+                <a:close/>
+              </a:path>
+            </a:pathLst>
+          </a:custGeom>
+          <a:solidFill>
+            <a:schemeClr val="bg1"/>
+          </a:solidFill>
+          <a:ln>
+            <a:noFill/>
+          </a:ln>
+        </p:spPr>
+        <p:style>
+          <a:lnRef idx="2">
+            <a:schemeClr val="accent1">
+              <a:shade val="50000"/>
+            </a:schemeClr>
+          </a:lnRef>
+          <a:fillRef idx="1">
+            <a:schemeClr val="accent1"/>
+          </a:fillRef>
+          <a:effectRef idx="0">
+            <a:schemeClr val="accent1"/>
+          </a:effectRef>
+          <a:fontRef idx="minor">
+            <a:schemeClr val="lt1"/>
+          </a:fontRef>
+        </p:style>
+      </p:sp>
+      <p:cxnSp>
+        <p:nvCxnSpPr>
+          <p:cNvPr id="15" name="Straight Connector 14">
+            <a:extLst>
+              <a:ext uri="{FF2B5EF4-FFF2-40B4-BE49-F238E27FC236}">
+                <a16:creationId xmlns:a16="http://schemas.microsoft.com/office/drawing/2014/main" id="{15E01FA5-D766-43CA-A83D-E7CF3F04E96F}"/>
+              </a:ext>
+              <a:ext uri="{C183D7F6-B498-43B3-948B-1728B52AA6E4}">
+                <adec:decorative xmlns:adec="http://schemas.microsoft.com/office/drawing/2017/decorative" val="1"/>
+              </a:ext>
+            </a:extLst>
+          </p:cNvPr>
+          <p:cNvCxnSpPr>
+            <a:cxnSpLocks noGrp="1" noRot="1" noChangeAspect="1" noMove="1" noResize="1" noEditPoints="1" noAdjustHandles="1" noChangeArrowheads="1" noChangeShapeType="1"/>
+          </p:cNvCxnSpPr>
+          <p:nvPr>
+            <p:extLst>
+              <p:ext uri="{386F3935-93C4-4BCD-93E2-E3B085C9AB24}">
+                <p16:designElem xmlns:p16="http://schemas.microsoft.com/office/powerpoint/2015/main" val="1"/>
+              </p:ext>
+            </p:extLst>
+          </p:nvPr>
+        </p:nvCxnSpPr>
+        <p:spPr>
+          <a:xfrm flipV="1">
+            <a:off x="8386843" y="5264106"/>
+            <a:ext cx="0" cy="914400"/>
+          </a:xfrm>
+          <a:prstGeom prst="line">
+            <a:avLst/>
+          </a:prstGeom>
+          <a:ln w="19050">
+            <a:solidFill>
+              <a:schemeClr val="accent1">
+                <a:lumMod val="75000"/>
+              </a:schemeClr>
+            </a:solidFill>
+          </a:ln>
+        </p:spPr>
+        <p:style>
+          <a:lnRef idx="1">
+            <a:schemeClr val="accent1"/>
+          </a:lnRef>
+          <a:fillRef idx="0">
+            <a:schemeClr val="accent1"/>
+          </a:fillRef>
+          <a:effectRef idx="0">
+            <a:schemeClr val="accent1"/>
+          </a:effectRef>
+          <a:fontRef idx="minor">
+            <a:schemeClr val="tx1"/>
+          </a:fontRef>
+        </p:style>
+      </p:cxnSp>
+      <p:sp useBgFill="1">
+        <p:nvSpPr>
+          <p:cNvPr id="17" name="Rectangle 16">
+            <a:extLst>
+              <a:ext uri="{FF2B5EF4-FFF2-40B4-BE49-F238E27FC236}">
+                <a16:creationId xmlns:a16="http://schemas.microsoft.com/office/drawing/2014/main" id="{42DD0C21-8FEE-4C18-8789-CC8ABE206FE6}"/>
+              </a:ext>
+              <a:ext uri="{C183D7F6-B498-43B3-948B-1728B52AA6E4}">
+                <adec:decorative xmlns:adec="http://schemas.microsoft.com/office/drawing/2017/decorative" val="1"/>
+              </a:ext>
+            </a:extLst>
+          </p:cNvPr>
+          <p:cNvSpPr>
+            <a:spLocks noGrp="1" noRot="1" noChangeAspect="1" noMove="1" noResize="1" noEditPoints="1" noAdjustHandles="1" noChangeArrowheads="1" noChangeShapeType="1" noTextEdit="1"/>
+          </p:cNvSpPr>
+          <p:nvPr>
+            <p:extLst>
+              <p:ext uri="{386F3935-93C4-4BCD-93E2-E3B085C9AB24}">
+                <p16:designElem xmlns:p16="http://schemas.microsoft.com/office/powerpoint/2015/main" val="1"/>
+              </p:ext>
+            </p:extLst>
+          </p:nvPr>
+        </p:nvSpPr>
+        <p:spPr>
+          <a:xfrm>
+            <a:off x="0" y="0"/>
+            <a:ext cx="12188952" cy="4572000"/>
+          </a:xfrm>
+          <a:prstGeom prst="rect">
+            <a:avLst/>
+          </a:prstGeom>
+          <a:ln>
+            <a:noFill/>
+          </a:ln>
+        </p:spPr>
+        <p:style>
+          <a:lnRef idx="2">
+            <a:schemeClr val="accent1">
+              <a:shade val="50000"/>
+            </a:schemeClr>
+          </a:lnRef>
+          <a:fillRef idx="1">
+            <a:schemeClr val="accent1"/>
+          </a:fillRef>
+          <a:effectRef idx="0">
+            <a:schemeClr val="accent1"/>
+          </a:effectRef>
+          <a:fontRef idx="minor">
+            <a:schemeClr val="lt1"/>
+          </a:fontRef>
+        </p:style>
+        <p:txBody>
+          <a:bodyPr rtlCol="0" anchor="ctr"/>
+          <a:lstStyle/>
+          <a:p>
+            <a:pPr algn="ctr"/>
+            <a:endParaRPr lang="en-US"/>
+          </a:p>
+        </p:txBody>
+      </p:sp>
+      <p:sp>
+        <p:nvSpPr>
+          <p:cNvPr id="19" name="Rectangle 18">
+            <a:extLst>
+              <a:ext uri="{FF2B5EF4-FFF2-40B4-BE49-F238E27FC236}">
+                <a16:creationId xmlns:a16="http://schemas.microsoft.com/office/drawing/2014/main" id="{A4B51757-7607-4CEA-A0EE-3C5BDC2C1CFB}"/>
+              </a:ext>
+              <a:ext uri="{C183D7F6-B498-43B3-948B-1728B52AA6E4}">
+                <adec:decorative xmlns:adec="http://schemas.microsoft.com/office/drawing/2017/decorative" val="1"/>
+              </a:ext>
+            </a:extLst>
+          </p:cNvPr>
+          <p:cNvSpPr>
+            <a:spLocks noGrp="1" noRot="1" noChangeAspect="1" noMove="1" noResize="1" noEditPoints="1" noAdjustHandles="1" noChangeArrowheads="1" noChangeShapeType="1" noTextEdit="1"/>
+          </p:cNvSpPr>
+          <p:nvPr>
+            <p:extLst>
+              <p:ext uri="{386F3935-93C4-4BCD-93E2-E3B085C9AB24}">
+                <p16:designElem xmlns:p16="http://schemas.microsoft.com/office/powerpoint/2015/main" val="1"/>
+              </p:ext>
+            </p:extLst>
+          </p:nvPr>
+        </p:nvSpPr>
+        <p:spPr>
+          <a:xfrm>
+            <a:off x="0" y="4571998"/>
+            <a:ext cx="12188952" cy="2285543"/>
+          </a:xfrm>
+          <a:prstGeom prst="rect">
+            <a:avLst/>
+          </a:prstGeom>
+          <a:solidFill>
+            <a:schemeClr val="accent1"/>
+          </a:solidFill>
+          <a:ln>
+            <a:noFill/>
+          </a:ln>
+        </p:spPr>
+        <p:style>
+          <a:lnRef idx="2">
+            <a:schemeClr val="accent1">
+              <a:shade val="50000"/>
+            </a:schemeClr>
+          </a:lnRef>
+          <a:fillRef idx="1">
+            <a:schemeClr val="accent1"/>
+          </a:fillRef>
+          <a:effectRef idx="0">
+            <a:schemeClr val="accent1"/>
+          </a:effectRef>
+          <a:fontRef idx="minor">
+            <a:schemeClr val="lt1"/>
+          </a:fontRef>
+        </p:style>
+        <p:txBody>
+          <a:bodyPr rtlCol="0" anchor="ctr"/>
+          <a:lstStyle/>
+          <a:p>
+            <a:pPr algn="ctr"/>
+            <a:endParaRPr lang="en-US"/>
+          </a:p>
+        </p:txBody>
+      </p:sp>
+      <p:sp>
+        <p:nvSpPr>
+          <p:cNvPr id="2" name="Title 1">
+            <a:extLst>
+              <a:ext uri="{FF2B5EF4-FFF2-40B4-BE49-F238E27FC236}">
+                <a16:creationId xmlns:a16="http://schemas.microsoft.com/office/drawing/2014/main" id="{AA0C899A-6747-4963-9686-7E37C7301573}"/>
+              </a:ext>
+            </a:extLst>
+          </p:cNvPr>
+          <p:cNvSpPr>
+            <a:spLocks noGrp="1"/>
+          </p:cNvSpPr>
+          <p:nvPr>
+            <p:ph type="title"/>
+          </p:nvPr>
+        </p:nvSpPr>
+        <p:spPr>
+          <a:xfrm>
+            <a:off x="-3048" y="4960137"/>
+            <a:ext cx="12192000" cy="1463040"/>
+          </a:xfrm>
+        </p:spPr>
+        <p:txBody>
+          <a:bodyPr vert="horz" lIns="91440" tIns="45720" rIns="91440" bIns="45720" rtlCol="0" anchor="ctr">
+            <a:normAutofit/>
+          </a:bodyPr>
+          <a:lstStyle/>
+          <a:p>
+            <a:pPr algn="ctr"/>
+            <a:r>
+              <a:rPr lang="en-US" kern="1200" cap="all" spc="200" baseline="0" dirty="0">
+                <a:solidFill>
+                  <a:srgbClr val="FFFFFF"/>
+                </a:solidFill>
+                <a:latin typeface="+mj-lt"/>
+                <a:ea typeface="+mj-ea"/>
+                <a:cs typeface="+mj-cs"/>
+              </a:rPr>
+              <a:t>Obrigado!</a:t>
+            </a:r>
+          </a:p>
+        </p:txBody>
+      </p:sp>
+      <p:pic>
+        <p:nvPicPr>
+          <p:cNvPr id="6" name="Picture 5">
+            <a:extLst>
+              <a:ext uri="{FF2B5EF4-FFF2-40B4-BE49-F238E27FC236}">
+                <a16:creationId xmlns:a16="http://schemas.microsoft.com/office/drawing/2014/main" id="{C24360E5-70ED-46A1-AE5B-5762527D3317}"/>
+              </a:ext>
+            </a:extLst>
+          </p:cNvPr>
+          <p:cNvPicPr>
+            <a:picLocks noChangeAspect="1"/>
+          </p:cNvPicPr>
+          <p:nvPr/>
+        </p:nvPicPr>
+        <p:blipFill>
+          <a:blip r:embed="rId2">
+            <a:extLst>
+              <a:ext uri="{BEBA8EAE-BF5A-486C-A8C5-ECC9F3942E4B}">
+                <a14:imgProps xmlns:a14="http://schemas.microsoft.com/office/drawing/2010/main">
+                  <a14:imgLayer r:embed="rId3">
+                    <a14:imgEffect>
+                      <a14:brightnessContrast bright="-40000" contrast="40000"/>
+                    </a14:imgEffect>
+                  </a14:imgLayer>
+                </a14:imgProps>
+              </a:ext>
+            </a:extLst>
+          </a:blip>
+          <a:stretch>
+            <a:fillRect/>
+          </a:stretch>
+        </p:blipFill>
+        <p:spPr>
+          <a:xfrm>
+            <a:off x="4198086" y="434823"/>
+            <a:ext cx="3789731" cy="3789731"/>
+          </a:xfrm>
+          <a:prstGeom prst="rect">
+            <a:avLst/>
+          </a:prstGeom>
+        </p:spPr>
+      </p:pic>
+      <p:cxnSp>
+        <p:nvCxnSpPr>
+          <p:cNvPr id="21" name="Straight Connector 20">
+            <a:extLst>
+              <a:ext uri="{FF2B5EF4-FFF2-40B4-BE49-F238E27FC236}">
+                <a16:creationId xmlns:a16="http://schemas.microsoft.com/office/drawing/2014/main" id="{FEF39256-F095-41C8-8707-6C1A665E8F2F}"/>
+              </a:ext>
+              <a:ext uri="{C183D7F6-B498-43B3-948B-1728B52AA6E4}">
+                <adec:decorative xmlns:adec="http://schemas.microsoft.com/office/drawing/2017/decorative" val="1"/>
+              </a:ext>
+            </a:extLst>
+          </p:cNvPr>
+          <p:cNvCxnSpPr>
+            <a:cxnSpLocks noGrp="1" noRot="1" noChangeAspect="1" noMove="1" noResize="1" noEditPoints="1" noAdjustHandles="1" noChangeArrowheads="1" noChangeShapeType="1"/>
+          </p:cNvCxnSpPr>
+          <p:nvPr>
+            <p:extLst>
+              <p:ext uri="{386F3935-93C4-4BCD-93E2-E3B085C9AB24}">
+                <p16:designElem xmlns:p16="http://schemas.microsoft.com/office/powerpoint/2015/main" val="1"/>
+              </p:ext>
+            </p:extLst>
+          </p:nvPr>
+        </p:nvCxnSpPr>
+        <p:spPr>
+          <a:xfrm flipV="1">
+            <a:off x="8406507" y="5220212"/>
+            <a:ext cx="0" cy="914400"/>
+          </a:xfrm>
+          <a:prstGeom prst="line">
+            <a:avLst/>
+          </a:prstGeom>
+          <a:ln w="19050">
+            <a:solidFill>
+              <a:schemeClr val="accent1">
+                <a:lumMod val="20000"/>
+                <a:lumOff val="80000"/>
+              </a:schemeClr>
+            </a:solidFill>
+          </a:ln>
+        </p:spPr>
+        <p:style>
+          <a:lnRef idx="1">
+            <a:schemeClr val="accent1"/>
+          </a:lnRef>
+          <a:fillRef idx="0">
+            <a:schemeClr val="accent1"/>
+          </a:fillRef>
+          <a:effectRef idx="0">
+            <a:schemeClr val="accent1"/>
+          </a:effectRef>
+          <a:fontRef idx="minor">
+            <a:schemeClr val="tx1"/>
+          </a:fontRef>
+        </p:style>
+      </p:cxnSp>
+      <p:sp>
+        <p:nvSpPr>
+          <p:cNvPr id="5" name="Oval 4">
+            <a:extLst>
+              <a:ext uri="{FF2B5EF4-FFF2-40B4-BE49-F238E27FC236}">
+                <a16:creationId xmlns:a16="http://schemas.microsoft.com/office/drawing/2014/main" id="{B31E0575-F8F4-42E7-AE6E-5CED512192F3}"/>
+              </a:ext>
+            </a:extLst>
+          </p:cNvPr>
+          <p:cNvSpPr/>
+          <p:nvPr/>
+        </p:nvSpPr>
+        <p:spPr>
+          <a:xfrm>
+            <a:off x="8229600" y="5013147"/>
+            <a:ext cx="318052" cy="1268383"/>
+          </a:xfrm>
+          <a:prstGeom prst="ellipse">
+            <a:avLst/>
+          </a:prstGeom>
+          <a:solidFill>
+            <a:srgbClr val="1CADE4"/>
+          </a:solidFill>
+          <a:ln>
+            <a:solidFill>
+              <a:srgbClr val="1CADE4"/>
+            </a:solidFill>
+          </a:ln>
+        </p:spPr>
+        <p:style>
+          <a:lnRef idx="2">
+            <a:schemeClr val="accent1">
+              <a:shade val="50000"/>
+            </a:schemeClr>
+          </a:lnRef>
+          <a:fillRef idx="1">
+            <a:schemeClr val="accent1"/>
+          </a:fillRef>
+          <a:effectRef idx="0">
+            <a:schemeClr val="accent1"/>
+          </a:effectRef>
+          <a:fontRef idx="minor">
+            <a:schemeClr val="lt1"/>
+          </a:fontRef>
+        </p:style>
+        <p:txBody>
+          <a:bodyPr rtlCol="0" anchor="ctr"/>
+          <a:lstStyle/>
+          <a:p>
+            <a:pPr algn="ctr"/>
+            <a:endParaRPr lang="pt-BR"/>
+          </a:p>
+        </p:txBody>
+      </p:sp>
+    </p:spTree>
+    <p:extLst>
+      <p:ext uri="{BB962C8B-B14F-4D97-AF65-F5344CB8AC3E}">
+        <p14:creationId xmlns:p14="http://schemas.microsoft.com/office/powerpoint/2010/main" val="1623354941"/>
       </p:ext>
     </p:extLst>
   </p:cSld>
@@ -23916,12 +33103,11 @@
 </file>
 
 <file path=customXml/item1.xml><?xml version="1.0" encoding="utf-8"?>
-<?mso-contentType ?>
-<FormTemplates xmlns="http://schemas.microsoft.com/sharepoint/v3/contenttype/forms">
-  <Display>DocumentLibraryForm</Display>
-  <Edit>DocumentLibraryForm</Edit>
-  <New>DocumentLibraryForm</New>
-</FormTemplates>
+<p:properties xmlns:p="http://schemas.microsoft.com/office/2006/metadata/properties" xmlns:xsi="http://www.w3.org/2001/XMLSchema-instance" xmlns:pc="http://schemas.microsoft.com/office/infopath/2007/PartnerControls">
+  <documentManagement>
+    <MediaServiceKeyPoints xmlns="71af3243-3dd4-4a8d-8c0d-dd76da1f02a5" xsi:nil="true"/>
+  </documentManagement>
+</p:properties>
 </file>
 
 <file path=customXml/item2.xml><?xml version="1.0" encoding="utf-8"?>
@@ -24136,17 +33322,20 @@
 </file>
 
 <file path=customXml/item3.xml><?xml version="1.0" encoding="utf-8"?>
-<p:properties xmlns:p="http://schemas.microsoft.com/office/2006/metadata/properties" xmlns:xsi="http://www.w3.org/2001/XMLSchema-instance" xmlns:pc="http://schemas.microsoft.com/office/infopath/2007/PartnerControls">
-  <documentManagement>
-    <MediaServiceKeyPoints xmlns="71af3243-3dd4-4a8d-8c0d-dd76da1f02a5" xsi:nil="true"/>
-  </documentManagement>
-</p:properties>
+<?mso-contentType ?>
+<FormTemplates xmlns="http://schemas.microsoft.com/sharepoint/v3/contenttype/forms">
+  <Display>DocumentLibraryForm</Display>
+  <Edit>DocumentLibraryForm</Edit>
+  <New>DocumentLibraryForm</New>
+</FormTemplates>
 </file>
 
 <file path=customXml/itemProps1.xml><?xml version="1.0" encoding="utf-8"?>
-<ds:datastoreItem xmlns:ds="http://schemas.openxmlformats.org/officeDocument/2006/customXml" ds:itemID="{4F44C90D-2A62-4985-9618-3460247437B1}">
+<ds:datastoreItem xmlns:ds="http://schemas.openxmlformats.org/officeDocument/2006/customXml" ds:itemID="{788A2F88-55C5-4ED1-9541-807C65424763}">
   <ds:schemaRefs>
-    <ds:schemaRef ds:uri="http://schemas.microsoft.com/sharepoint/v3/contenttype/forms"/>
+    <ds:schemaRef ds:uri="http://schemas.microsoft.com/office/2006/metadata/properties"/>
+    <ds:schemaRef ds:uri="http://schemas.microsoft.com/office/infopath/2007/PartnerControls"/>
+    <ds:schemaRef ds:uri="71af3243-3dd4-4a8d-8c0d-dd76da1f02a5"/>
   </ds:schemaRefs>
 </ds:datastoreItem>
 </file>
@@ -24171,11 +33360,9 @@
 </file>
 
 <file path=customXml/itemProps3.xml><?xml version="1.0" encoding="utf-8"?>
-<ds:datastoreItem xmlns:ds="http://schemas.openxmlformats.org/officeDocument/2006/customXml" ds:itemID="{788A2F88-55C5-4ED1-9541-807C65424763}">
+<ds:datastoreItem xmlns:ds="http://schemas.openxmlformats.org/officeDocument/2006/customXml" ds:itemID="{4F44C90D-2A62-4985-9618-3460247437B1}">
   <ds:schemaRefs>
-    <ds:schemaRef ds:uri="http://schemas.microsoft.com/office/2006/metadata/properties"/>
-    <ds:schemaRef ds:uri="http://schemas.microsoft.com/office/infopath/2007/PartnerControls"/>
-    <ds:schemaRef ds:uri="71af3243-3dd4-4a8d-8c0d-dd76da1f02a5"/>
+    <ds:schemaRef ds:uri="http://schemas.microsoft.com/sharepoint/v3/contenttype/forms"/>
   </ds:schemaRefs>
 </ds:datastoreItem>
 </file>
--- a/documentacao/apresentacao/totem_Monitoring.pptx
+++ b/documentacao/apresentacao/totem_Monitoring.pptx
@@ -204,7 +204,7 @@
           <a:p>
             <a:fld id="{C452ADB1-275D-430A-89EE-5C7E6CFF6FF2}" type="datetimeFigureOut">
               <a:rPr lang="en-US" smtClean="0"/>
-              <a:t>9/10/2019</a:t>
+              <a:t>9/11/2019</a:t>
             </a:fld>
             <a:endParaRPr lang="en-US" dirty="0"/>
           </a:p>
@@ -362,7 +362,7 @@
           <a:p>
             <a:fld id="{4B725628-3A68-42F4-BA86-981817953149}" type="slidenum">
               <a:rPr lang="en-US" smtClean="0"/>
-              <a:t>‹#›</a:t>
+              <a:t>‹nº›</a:t>
             </a:fld>
             <a:endParaRPr lang="en-US" dirty="0"/>
           </a:p>
@@ -9264,7 +9264,7 @@
           <a:p>
             <a:fld id="{7005E26E-BCB2-4FD5-8FD5-81A5EAE94C21}" type="datetime1">
               <a:rPr lang="en-US" smtClean="0"/>
-              <a:t>9/10/2019</a:t>
+              <a:t>9/11/2019</a:t>
             </a:fld>
             <a:endParaRPr lang="en-US" dirty="0"/>
           </a:p>
@@ -9306,7 +9306,7 @@
           <a:p>
             <a:fld id="{4FAB73BC-B049-4115-A692-8D63A059BFB8}" type="slidenum">
               <a:rPr lang="en-US" dirty="0"/>
-              <a:t>‹#›</a:t>
+              <a:t>‹nº›</a:t>
             </a:fld>
             <a:endParaRPr lang="en-US" dirty="0"/>
           </a:p>
@@ -9466,7 +9466,7 @@
           <a:p>
             <a:fld id="{9CC2E9B8-0487-42E4-B571-744A3D775783}" type="datetime1">
               <a:rPr lang="en-US" smtClean="0"/>
-              <a:t>9/10/2019</a:t>
+              <a:t>9/11/2019</a:t>
             </a:fld>
             <a:endParaRPr lang="en-US" dirty="0"/>
           </a:p>
@@ -9508,7 +9508,7 @@
           <a:p>
             <a:fld id="{4FAB73BC-B049-4115-A692-8D63A059BFB8}" type="slidenum">
               <a:rPr lang="en-US" dirty="0"/>
-              <a:t>‹#›</a:t>
+              <a:t>‹nº›</a:t>
             </a:fld>
             <a:endParaRPr lang="en-US" dirty="0"/>
           </a:p>
@@ -9641,7 +9641,7 @@
           <a:p>
             <a:fld id="{9052E32D-1E84-43FD-8158-FFFE757EB0E8}" type="datetime1">
               <a:rPr lang="en-US" smtClean="0"/>
-              <a:t>9/10/2019</a:t>
+              <a:t>9/11/2019</a:t>
             </a:fld>
             <a:endParaRPr lang="en-US" dirty="0"/>
           </a:p>
@@ -9683,7 +9683,7 @@
           <a:p>
             <a:fld id="{4FAB73BC-B049-4115-A692-8D63A059BFB8}" type="slidenum">
               <a:rPr lang="en-US" dirty="0"/>
-              <a:t>‹#›</a:t>
+              <a:t>‹nº›</a:t>
             </a:fld>
             <a:endParaRPr lang="en-US" dirty="0"/>
           </a:p>
@@ -9841,7 +9841,7 @@
           <a:p>
             <a:fld id="{8585C470-CD19-455C-B830-6D252EAD7FE5}" type="datetime1">
               <a:rPr lang="en-US" smtClean="0"/>
-              <a:t>9/10/2019</a:t>
+              <a:t>9/11/2019</a:t>
             </a:fld>
             <a:endParaRPr lang="en-US" dirty="0"/>
           </a:p>
@@ -9883,7 +9883,7 @@
           <a:p>
             <a:fld id="{4FAB73BC-B049-4115-A692-8D63A059BFB8}" type="slidenum">
               <a:rPr lang="en-US" dirty="0"/>
-              <a:t>‹#›</a:t>
+              <a:t>‹nº›</a:t>
             </a:fld>
             <a:endParaRPr lang="en-US" dirty="0"/>
           </a:p>
@@ -18734,7 +18734,7 @@
           <a:p>
             <a:fld id="{7F85C43C-50D9-4F49-A136-0EFF292F93ED}" type="datetime1">
               <a:rPr lang="en-US" smtClean="0"/>
-              <a:t>9/10/2019</a:t>
+              <a:t>9/11/2019</a:t>
             </a:fld>
             <a:endParaRPr lang="en-US" dirty="0"/>
           </a:p>
@@ -18776,7 +18776,7 @@
           <a:p>
             <a:fld id="{4FAB73BC-B049-4115-A692-8D63A059BFB8}" type="slidenum">
               <a:rPr lang="en-US" dirty="0"/>
-              <a:t>‹#›</a:t>
+              <a:t>‹nº›</a:t>
             </a:fld>
             <a:endParaRPr lang="en-US" dirty="0"/>
           </a:p>
@@ -19003,7 +19003,7 @@
           <a:p>
             <a:fld id="{7B53B1A3-0AEF-4064-A724-D27D660C8653}" type="datetime1">
               <a:rPr lang="en-US" smtClean="0"/>
-              <a:t>9/10/2019</a:t>
+              <a:t>9/11/2019</a:t>
             </a:fld>
             <a:endParaRPr lang="en-US" dirty="0"/>
           </a:p>
@@ -19045,7 +19045,7 @@
           <a:p>
             <a:fld id="{4FAB73BC-B049-4115-A692-8D63A059BFB8}" type="slidenum">
               <a:rPr lang="en-US" dirty="0"/>
-              <a:t>‹#›</a:t>
+              <a:t>‹nº›</a:t>
             </a:fld>
             <a:endParaRPr lang="en-US" dirty="0"/>
           </a:p>
@@ -19396,7 +19396,7 @@
           <a:p>
             <a:fld id="{37D5D0F2-BF66-4A24-9384-A0129B196518}" type="datetime1">
               <a:rPr lang="en-US" smtClean="0"/>
-              <a:t>9/10/2019</a:t>
+              <a:t>9/11/2019</a:t>
             </a:fld>
             <a:endParaRPr lang="en-US" dirty="0"/>
           </a:p>
@@ -19438,7 +19438,7 @@
           <a:p>
             <a:fld id="{4FAB73BC-B049-4115-A692-8D63A059BFB8}" type="slidenum">
               <a:rPr lang="en-US" dirty="0"/>
-              <a:t>‹#›</a:t>
+              <a:t>‹nº›</a:t>
             </a:fld>
             <a:endParaRPr lang="en-US" dirty="0"/>
           </a:p>
@@ -19509,7 +19509,7 @@
           <a:p>
             <a:fld id="{8C318A6C-4F6B-48D2-BDB0-D7413B3FDB0A}" type="datetime1">
               <a:rPr lang="en-US" smtClean="0"/>
-              <a:t>9/10/2019</a:t>
+              <a:t>9/11/2019</a:t>
             </a:fld>
             <a:endParaRPr lang="en-US" dirty="0"/>
           </a:p>
@@ -19551,7 +19551,7 @@
           <a:p>
             <a:fld id="{4FAB73BC-B049-4115-A692-8D63A059BFB8}" type="slidenum">
               <a:rPr lang="en-US" dirty="0"/>
-              <a:t>‹#›</a:t>
+              <a:t>‹nº›</a:t>
             </a:fld>
             <a:endParaRPr lang="en-US" dirty="0"/>
           </a:p>
@@ -19599,7 +19599,7 @@
           <a:p>
             <a:fld id="{BF01ECED-6ECE-4989-B917-9D4D7E6D3C76}" type="datetime1">
               <a:rPr lang="en-US" smtClean="0"/>
-              <a:t>9/10/2019</a:t>
+              <a:t>9/11/2019</a:t>
             </a:fld>
             <a:endParaRPr lang="en-US" dirty="0"/>
           </a:p>
@@ -19641,7 +19641,7 @@
           <a:p>
             <a:fld id="{4FAB73BC-B049-4115-A692-8D63A059BFB8}" type="slidenum">
               <a:rPr lang="en-US" dirty="0"/>
-              <a:t>‹#›</a:t>
+              <a:t>‹nº›</a:t>
             </a:fld>
             <a:endParaRPr lang="en-US" dirty="0"/>
           </a:p>
@@ -19884,7 +19884,7 @@
           <a:p>
             <a:fld id="{E3B570E1-CB40-488E-8C6F-EF4211DFFCB0}" type="datetime1">
               <a:rPr lang="en-US" smtClean="0"/>
-              <a:t>9/10/2019</a:t>
+              <a:t>9/11/2019</a:t>
             </a:fld>
             <a:endParaRPr lang="en-US" dirty="0"/>
           </a:p>
@@ -19926,7 +19926,7 @@
           <a:p>
             <a:fld id="{4FAB73BC-B049-4115-A692-8D63A059BFB8}" type="slidenum">
               <a:rPr lang="en-US" dirty="0"/>
-              <a:t>‹#›</a:t>
+              <a:t>‹nº›</a:t>
             </a:fld>
             <a:endParaRPr lang="en-US" dirty="0"/>
           </a:p>
@@ -20159,7 +20159,7 @@
           <a:p>
             <a:fld id="{D1CEB6AF-9F5C-43BE-879E-CB9514111250}" type="datetime1">
               <a:rPr lang="en-US" smtClean="0"/>
-              <a:t>9/10/2019</a:t>
+              <a:t>9/11/2019</a:t>
             </a:fld>
             <a:endParaRPr lang="en-US" dirty="0"/>
           </a:p>
@@ -20201,7 +20201,7 @@
           <a:p>
             <a:fld id="{867E5644-1E61-4311-A31E-84CB9C7AA8A9}" type="slidenum">
               <a:rPr lang="en-US" dirty="0"/>
-              <a:t>‹#›</a:t>
+              <a:t>‹nº›</a:t>
             </a:fld>
             <a:endParaRPr lang="en-US" dirty="0"/>
           </a:p>
@@ -20404,7 +20404,7 @@
           <a:p>
             <a:fld id="{E7EE424C-FCA3-4EDD-B274-8E055D649B7D}" type="datetime1">
               <a:rPr lang="en-US" smtClean="0"/>
-              <a:t>9/10/2019</a:t>
+              <a:t>9/11/2019</a:t>
             </a:fld>
             <a:endParaRPr lang="en-US" dirty="0"/>
           </a:p>
@@ -20487,7 +20487,7 @@
             <a:fld id="{4FAB73BC-B049-4115-A692-8D63A059BFB8}" type="slidenum">
               <a:rPr lang="en-US" dirty="0"/>
               <a:pPr/>
-              <a:t>‹#›</a:t>
+              <a:t>‹nº›</a:t>
             </a:fld>
             <a:endParaRPr lang="en-US" dirty="0"/>
           </a:p>
@@ -21249,7 +21249,7 @@
         </p:spPr>
         <p:txBody>
           <a:bodyPr anchor="t">
-            <a:normAutofit/>
+            <a:normAutofit fontScale="92500" lnSpcReduction="10000"/>
           </a:bodyPr>
           <a:lstStyle/>
           <a:p>
@@ -21261,7 +21261,24 @@
             </a:pPr>
             <a:r>
               <a:rPr lang="en-US" sz="2000" dirty="0"/>
-              <a:t> Felipe Suetto</a:t>
+              <a:t> Felipe </a:t>
+            </a:r>
+            <a:r>
+              <a:rPr lang="en-US" sz="2000" dirty="0" err="1"/>
+              <a:t>Sueto</a:t>
+            </a:r>
+            <a:endParaRPr lang="en-US" sz="2000" dirty="0"/>
+          </a:p>
+          <a:p>
+            <a:pPr algn="ctr">
+              <a:buSzPct val="140000"/>
+              <a:buBlip>
+                <a:blip r:embed="rId2"/>
+              </a:buBlip>
+            </a:pPr>
+            <a:r>
+              <a:rPr lang="en-US" sz="2000" dirty="0"/>
+              <a:t>Henrique Lopes</a:t>
             </a:r>
           </a:p>
           <a:p>
@@ -23400,6 +23417,14 @@
 <file path=ppt/slides/slide7.xml><?xml version="1.0" encoding="utf-8"?>
 <p:sld xmlns:a="http://schemas.openxmlformats.org/drawingml/2006/main" xmlns:r="http://schemas.openxmlformats.org/officeDocument/2006/relationships" xmlns:p="http://schemas.openxmlformats.org/presentationml/2006/main">
   <p:cSld>
+    <p:bg>
+      <p:bgPr>
+        <a:solidFill>
+          <a:schemeClr val="bg1"/>
+        </a:solidFill>
+        <a:effectLst/>
+      </p:bgPr>
+    </p:bg>
     <p:spTree>
       <p:nvGrpSpPr>
         <p:cNvPr id="1" name=""/>
@@ -23416,6 +23441,8858 @@
       </p:grpSpPr>
       <p:sp>
         <p:nvSpPr>
+          <p:cNvPr id="8" name="Rectangle 7">
+            <a:extLst>
+              <a:ext uri="{FF2B5EF4-FFF2-40B4-BE49-F238E27FC236}">
+                <a16:creationId xmlns:a16="http://schemas.microsoft.com/office/drawing/2014/main" id="{3A8EC506-B1DA-46A1-B44D-774E68468E13}"/>
+              </a:ext>
+              <a:ext uri="{C183D7F6-B498-43B3-948B-1728B52AA6E4}">
+                <adec:decorative xmlns:adec="http://schemas.microsoft.com/office/drawing/2017/decorative" val="1"/>
+              </a:ext>
+            </a:extLst>
+          </p:cNvPr>
+          <p:cNvSpPr>
+            <a:spLocks noGrp="1" noRot="1" noChangeAspect="1" noMove="1" noResize="1" noEditPoints="1" noAdjustHandles="1" noChangeArrowheads="1" noChangeShapeType="1" noTextEdit="1"/>
+          </p:cNvSpPr>
+          <p:nvPr>
+            <p:extLst>
+              <p:ext uri="{386F3935-93C4-4BCD-93E2-E3B085C9AB24}">
+                <p16:designElem xmlns:p16="http://schemas.microsoft.com/office/powerpoint/2015/main" val="1"/>
+              </p:ext>
+            </p:extLst>
+          </p:nvPr>
+        </p:nvSpPr>
+        <p:spPr>
+          <a:xfrm>
+            <a:off x="0" y="0"/>
+            <a:ext cx="12192000" cy="4572001"/>
+          </a:xfrm>
+          <a:prstGeom prst="rect">
+            <a:avLst/>
+          </a:prstGeom>
+          <a:solidFill>
+            <a:schemeClr val="accent1">
+              <a:lumMod val="75000"/>
+            </a:schemeClr>
+          </a:solidFill>
+          <a:ln>
+            <a:noFill/>
+          </a:ln>
+        </p:spPr>
+        <p:style>
+          <a:lnRef idx="2">
+            <a:schemeClr val="accent1">
+              <a:shade val="50000"/>
+            </a:schemeClr>
+          </a:lnRef>
+          <a:fillRef idx="1">
+            <a:schemeClr val="accent1"/>
+          </a:fillRef>
+          <a:effectRef idx="0">
+            <a:schemeClr val="accent1"/>
+          </a:effectRef>
+          <a:fontRef idx="minor">
+            <a:schemeClr val="lt1"/>
+          </a:fontRef>
+        </p:style>
+      </p:sp>
+      <p:sp>
+        <p:nvSpPr>
+          <p:cNvPr id="10" name="Oval 5">
+            <a:extLst>
+              <a:ext uri="{FF2B5EF4-FFF2-40B4-BE49-F238E27FC236}">
+                <a16:creationId xmlns:a16="http://schemas.microsoft.com/office/drawing/2014/main" id="{BFF30785-305E-45D7-984F-5AA93D3CA561}"/>
+              </a:ext>
+              <a:ext uri="{C183D7F6-B498-43B3-948B-1728B52AA6E4}">
+                <adec:decorative xmlns:adec="http://schemas.microsoft.com/office/drawing/2017/decorative" val="1"/>
+              </a:ext>
+            </a:extLst>
+          </p:cNvPr>
+          <p:cNvSpPr>
+            <a:spLocks noGrp="1" noRot="1" noChangeAspect="1" noMove="1" noResize="1" noEditPoints="1" noAdjustHandles="1" noChangeArrowheads="1" noChangeShapeType="1" noTextEdit="1"/>
+          </p:cNvSpPr>
+          <p:nvPr>
+            <p:extLst>
+              <p:ext uri="{386F3935-93C4-4BCD-93E2-E3B085C9AB24}">
+                <p16:designElem xmlns:p16="http://schemas.microsoft.com/office/powerpoint/2015/main" val="1"/>
+              </p:ext>
+            </p:extLst>
+          </p:nvPr>
+        </p:nvSpPr>
+        <p:spPr>
+          <a:xfrm>
+            <a:off x="-1" y="0"/>
+            <a:ext cx="12192000" cy="4572001"/>
+          </a:xfrm>
+          <a:custGeom>
+            <a:avLst/>
+            <a:gdLst/>
+            <a:ahLst/>
+            <a:cxnLst/>
+            <a:rect l="l" t="t" r="r" b="b"/>
+            <a:pathLst>
+              <a:path w="12192000" h="4572001">
+                <a:moveTo>
+                  <a:pt x="12192000" y="4387986"/>
+                </a:moveTo>
+                <a:lnTo>
+                  <a:pt x="12192000" y="4572001"/>
+                </a:lnTo>
+                <a:lnTo>
+                  <a:pt x="12013927" y="4572001"/>
+                </a:lnTo>
+                <a:cubicBezTo>
+                  <a:pt x="12084901" y="4522707"/>
+                  <a:pt x="12145198" y="4460004"/>
+                  <a:pt x="12192000" y="4387986"/>
+                </a:cubicBezTo>
+                <a:close/>
+                <a:moveTo>
+                  <a:pt x="12192000" y="4041440"/>
+                </a:moveTo>
+                <a:lnTo>
+                  <a:pt x="12192000" y="4174488"/>
+                </a:lnTo>
+                <a:cubicBezTo>
+                  <a:pt x="12005469" y="4244657"/>
+                  <a:pt x="11857227" y="4389538"/>
+                  <a:pt x="11786673" y="4572001"/>
+                </a:cubicBezTo>
+                <a:lnTo>
+                  <a:pt x="11649784" y="4572001"/>
+                </a:lnTo>
+                <a:cubicBezTo>
+                  <a:pt x="11730542" y="4320085"/>
+                  <a:pt x="11933879" y="4121396"/>
+                  <a:pt x="12192000" y="4041440"/>
+                </a:cubicBezTo>
+                <a:close/>
+                <a:moveTo>
+                  <a:pt x="10767111" y="3999419"/>
+                </a:moveTo>
+                <a:lnTo>
+                  <a:pt x="10784198" y="4001042"/>
+                </a:lnTo>
+                <a:cubicBezTo>
+                  <a:pt x="10816584" y="4001569"/>
+                  <a:pt x="10848477" y="4004550"/>
+                  <a:pt x="10879660" y="4010107"/>
+                </a:cubicBezTo>
+                <a:cubicBezTo>
+                  <a:pt x="10885236" y="4009688"/>
+                  <a:pt x="10890564" y="4010636"/>
+                  <a:pt x="10895873" y="4011646"/>
+                </a:cubicBezTo>
+                <a:lnTo>
+                  <a:pt x="10895990" y="4012794"/>
+                </a:lnTo>
+                <a:cubicBezTo>
+                  <a:pt x="11208069" y="4064450"/>
+                  <a:pt x="11461298" y="4283539"/>
+                  <a:pt x="11554662" y="4572001"/>
+                </a:cubicBezTo>
+                <a:lnTo>
+                  <a:pt x="11417114" y="4572001"/>
+                </a:lnTo>
+                <a:cubicBezTo>
+                  <a:pt x="11333731" y="4357380"/>
+                  <a:pt x="11143362" y="4194541"/>
+                  <a:pt x="10909360" y="4144250"/>
+                </a:cubicBezTo>
+                <a:cubicBezTo>
+                  <a:pt x="10943854" y="4319651"/>
+                  <a:pt x="11046077" y="4471530"/>
+                  <a:pt x="11189175" y="4572001"/>
+                </a:cubicBezTo>
+                <a:lnTo>
+                  <a:pt x="10994934" y="4572001"/>
+                </a:lnTo>
+                <a:cubicBezTo>
+                  <a:pt x="10878802" y="4452596"/>
+                  <a:pt x="10800240" y="4298519"/>
+                  <a:pt x="10775875" y="4127511"/>
+                </a:cubicBezTo>
+                <a:cubicBezTo>
+                  <a:pt x="10775707" y="4127458"/>
+                  <a:pt x="10775539" y="4127453"/>
+                  <a:pt x="10775369" y="4127448"/>
+                </a:cubicBezTo>
+                <a:lnTo>
+                  <a:pt x="10774831" y="4120772"/>
+                </a:lnTo>
+                <a:cubicBezTo>
+                  <a:pt x="10769772" y="4090522"/>
+                  <a:pt x="10767321" y="4059631"/>
+                  <a:pt x="10767364" y="4028296"/>
+                </a:cubicBezTo>
+                <a:cubicBezTo>
+                  <a:pt x="10766052" y="4022668"/>
+                  <a:pt x="10765993" y="4017001"/>
+                  <a:pt x="10765993" y="4011320"/>
+                </a:cubicBezTo>
+                <a:lnTo>
+                  <a:pt x="10766587" y="3999880"/>
+                </a:lnTo>
+                <a:lnTo>
+                  <a:pt x="10767085" y="3999913"/>
+                </a:lnTo>
+                <a:close/>
+                <a:moveTo>
+                  <a:pt x="10744358" y="3999419"/>
+                </a:moveTo>
+                <a:lnTo>
+                  <a:pt x="10744384" y="3999913"/>
+                </a:lnTo>
+                <a:lnTo>
+                  <a:pt x="10744882" y="3999880"/>
+                </a:lnTo>
+                <a:lnTo>
+                  <a:pt x="10745476" y="4011320"/>
+                </a:lnTo>
+                <a:cubicBezTo>
+                  <a:pt x="10745476" y="4017001"/>
+                  <a:pt x="10745417" y="4022668"/>
+                  <a:pt x="10744105" y="4028296"/>
+                </a:cubicBezTo>
+                <a:cubicBezTo>
+                  <a:pt x="10744148" y="4059631"/>
+                  <a:pt x="10741697" y="4090522"/>
+                  <a:pt x="10736638" y="4120772"/>
+                </a:cubicBezTo>
+                <a:lnTo>
+                  <a:pt x="10736100" y="4127448"/>
+                </a:lnTo>
+                <a:cubicBezTo>
+                  <a:pt x="10735930" y="4127453"/>
+                  <a:pt x="10735762" y="4127458"/>
+                  <a:pt x="10735594" y="4127511"/>
+                </a:cubicBezTo>
+                <a:cubicBezTo>
+                  <a:pt x="10711229" y="4298519"/>
+                  <a:pt x="10632667" y="4452596"/>
+                  <a:pt x="10516535" y="4572001"/>
+                </a:cubicBezTo>
+                <a:lnTo>
+                  <a:pt x="10322294" y="4572001"/>
+                </a:lnTo>
+                <a:cubicBezTo>
+                  <a:pt x="10465392" y="4471530"/>
+                  <a:pt x="10567615" y="4319650"/>
+                  <a:pt x="10602109" y="4144250"/>
+                </a:cubicBezTo>
+                <a:cubicBezTo>
+                  <a:pt x="10368107" y="4194541"/>
+                  <a:pt x="10177738" y="4357380"/>
+                  <a:pt x="10094355" y="4572001"/>
+                </a:cubicBezTo>
+                <a:lnTo>
+                  <a:pt x="9956808" y="4572001"/>
+                </a:lnTo>
+                <a:cubicBezTo>
+                  <a:pt x="10050171" y="4283539"/>
+                  <a:pt x="10303400" y="4064450"/>
+                  <a:pt x="10615479" y="4012794"/>
+                </a:cubicBezTo>
+                <a:lnTo>
+                  <a:pt x="10615596" y="4011646"/>
+                </a:lnTo>
+                <a:cubicBezTo>
+                  <a:pt x="10620905" y="4010636"/>
+                  <a:pt x="10626233" y="4009688"/>
+                  <a:pt x="10631809" y="4010107"/>
+                </a:cubicBezTo>
+                <a:cubicBezTo>
+                  <a:pt x="10662992" y="4004550"/>
+                  <a:pt x="10694885" y="4001569"/>
+                  <a:pt x="10727271" y="4001042"/>
+                </a:cubicBezTo>
+                <a:close/>
+                <a:moveTo>
+                  <a:pt x="9074958" y="3999419"/>
+                </a:moveTo>
+                <a:lnTo>
+                  <a:pt x="9092045" y="4001042"/>
+                </a:lnTo>
+                <a:cubicBezTo>
+                  <a:pt x="9124431" y="4001569"/>
+                  <a:pt x="9156324" y="4004550"/>
+                  <a:pt x="9187507" y="4010107"/>
+                </a:cubicBezTo>
+                <a:cubicBezTo>
+                  <a:pt x="9193083" y="4009688"/>
+                  <a:pt x="9198411" y="4010636"/>
+                  <a:pt x="9203720" y="4011646"/>
+                </a:cubicBezTo>
+                <a:lnTo>
+                  <a:pt x="9203837" y="4012794"/>
+                </a:lnTo>
+                <a:cubicBezTo>
+                  <a:pt x="9515916" y="4064450"/>
+                  <a:pt x="9769145" y="4283539"/>
+                  <a:pt x="9862508" y="4572001"/>
+                </a:cubicBezTo>
+                <a:lnTo>
+                  <a:pt x="9724961" y="4572001"/>
+                </a:lnTo>
+                <a:cubicBezTo>
+                  <a:pt x="9641578" y="4357380"/>
+                  <a:pt x="9451209" y="4194541"/>
+                  <a:pt x="9217207" y="4144250"/>
+                </a:cubicBezTo>
+                <a:cubicBezTo>
+                  <a:pt x="9251701" y="4319651"/>
+                  <a:pt x="9353924" y="4471530"/>
+                  <a:pt x="9497022" y="4572001"/>
+                </a:cubicBezTo>
+                <a:lnTo>
+                  <a:pt x="9302781" y="4572001"/>
+                </a:lnTo>
+                <a:cubicBezTo>
+                  <a:pt x="9186649" y="4452596"/>
+                  <a:pt x="9108087" y="4298519"/>
+                  <a:pt x="9083722" y="4127511"/>
+                </a:cubicBezTo>
+                <a:cubicBezTo>
+                  <a:pt x="9083554" y="4127458"/>
+                  <a:pt x="9083386" y="4127453"/>
+                  <a:pt x="9083216" y="4127448"/>
+                </a:cubicBezTo>
+                <a:lnTo>
+                  <a:pt x="9082678" y="4120772"/>
+                </a:lnTo>
+                <a:cubicBezTo>
+                  <a:pt x="9077619" y="4090522"/>
+                  <a:pt x="9075168" y="4059631"/>
+                  <a:pt x="9075211" y="4028296"/>
+                </a:cubicBezTo>
+                <a:cubicBezTo>
+                  <a:pt x="9073899" y="4022668"/>
+                  <a:pt x="9073840" y="4017001"/>
+                  <a:pt x="9073840" y="4011320"/>
+                </a:cubicBezTo>
+                <a:lnTo>
+                  <a:pt x="9074434" y="3999880"/>
+                </a:lnTo>
+                <a:lnTo>
+                  <a:pt x="9074932" y="3999913"/>
+                </a:lnTo>
+                <a:close/>
+                <a:moveTo>
+                  <a:pt x="9052207" y="3999419"/>
+                </a:moveTo>
+                <a:lnTo>
+                  <a:pt x="9052233" y="3999913"/>
+                </a:lnTo>
+                <a:lnTo>
+                  <a:pt x="9052731" y="3999880"/>
+                </a:lnTo>
+                <a:lnTo>
+                  <a:pt x="9053325" y="4011320"/>
+                </a:lnTo>
+                <a:cubicBezTo>
+                  <a:pt x="9053325" y="4017001"/>
+                  <a:pt x="9053266" y="4022668"/>
+                  <a:pt x="9051954" y="4028296"/>
+                </a:cubicBezTo>
+                <a:cubicBezTo>
+                  <a:pt x="9051997" y="4059631"/>
+                  <a:pt x="9049546" y="4090522"/>
+                  <a:pt x="9044487" y="4120772"/>
+                </a:cubicBezTo>
+                <a:lnTo>
+                  <a:pt x="9043949" y="4127448"/>
+                </a:lnTo>
+                <a:cubicBezTo>
+                  <a:pt x="9043779" y="4127453"/>
+                  <a:pt x="9043611" y="4127458"/>
+                  <a:pt x="9043443" y="4127511"/>
+                </a:cubicBezTo>
+                <a:cubicBezTo>
+                  <a:pt x="9019078" y="4298519"/>
+                  <a:pt x="8940516" y="4452596"/>
+                  <a:pt x="8824384" y="4572001"/>
+                </a:cubicBezTo>
+                <a:lnTo>
+                  <a:pt x="8630143" y="4572001"/>
+                </a:lnTo>
+                <a:cubicBezTo>
+                  <a:pt x="8773241" y="4471530"/>
+                  <a:pt x="8875464" y="4319651"/>
+                  <a:pt x="8909958" y="4144250"/>
+                </a:cubicBezTo>
+                <a:cubicBezTo>
+                  <a:pt x="8675956" y="4194541"/>
+                  <a:pt x="8485587" y="4357380"/>
+                  <a:pt x="8402204" y="4572001"/>
+                </a:cubicBezTo>
+                <a:lnTo>
+                  <a:pt x="8264656" y="4572001"/>
+                </a:lnTo>
+                <a:cubicBezTo>
+                  <a:pt x="8358019" y="4283539"/>
+                  <a:pt x="8611249" y="4064450"/>
+                  <a:pt x="8923328" y="4012794"/>
+                </a:cubicBezTo>
+                <a:lnTo>
+                  <a:pt x="8923445" y="4011646"/>
+                </a:lnTo>
+                <a:cubicBezTo>
+                  <a:pt x="8928754" y="4010636"/>
+                  <a:pt x="8934082" y="4009688"/>
+                  <a:pt x="8939658" y="4010107"/>
+                </a:cubicBezTo>
+                <a:cubicBezTo>
+                  <a:pt x="8970841" y="4004550"/>
+                  <a:pt x="9002734" y="4001569"/>
+                  <a:pt x="9035120" y="4001042"/>
+                </a:cubicBezTo>
+                <a:close/>
+                <a:moveTo>
+                  <a:pt x="7382807" y="3999419"/>
+                </a:moveTo>
+                <a:lnTo>
+                  <a:pt x="7399895" y="4001042"/>
+                </a:lnTo>
+                <a:cubicBezTo>
+                  <a:pt x="7432280" y="4001569"/>
+                  <a:pt x="7464173" y="4004550"/>
+                  <a:pt x="7495356" y="4010107"/>
+                </a:cubicBezTo>
+                <a:cubicBezTo>
+                  <a:pt x="7500932" y="4009688"/>
+                  <a:pt x="7506260" y="4010636"/>
+                  <a:pt x="7511569" y="4011646"/>
+                </a:cubicBezTo>
+                <a:lnTo>
+                  <a:pt x="7511686" y="4012794"/>
+                </a:lnTo>
+                <a:cubicBezTo>
+                  <a:pt x="7823765" y="4064450"/>
+                  <a:pt x="8076994" y="4283539"/>
+                  <a:pt x="8170358" y="4572001"/>
+                </a:cubicBezTo>
+                <a:lnTo>
+                  <a:pt x="8032809" y="4572001"/>
+                </a:lnTo>
+                <a:cubicBezTo>
+                  <a:pt x="7949426" y="4357380"/>
+                  <a:pt x="7759058" y="4194541"/>
+                  <a:pt x="7525056" y="4144250"/>
+                </a:cubicBezTo>
+                <a:cubicBezTo>
+                  <a:pt x="7559550" y="4319650"/>
+                  <a:pt x="7661773" y="4471530"/>
+                  <a:pt x="7804870" y="4572001"/>
+                </a:cubicBezTo>
+                <a:lnTo>
+                  <a:pt x="7610630" y="4572001"/>
+                </a:lnTo>
+                <a:cubicBezTo>
+                  <a:pt x="7494498" y="4452596"/>
+                  <a:pt x="7415935" y="4298519"/>
+                  <a:pt x="7391571" y="4127511"/>
+                </a:cubicBezTo>
+                <a:cubicBezTo>
+                  <a:pt x="7391403" y="4127458"/>
+                  <a:pt x="7391235" y="4127453"/>
+                  <a:pt x="7391065" y="4127448"/>
+                </a:cubicBezTo>
+                <a:lnTo>
+                  <a:pt x="7390527" y="4120772"/>
+                </a:lnTo>
+                <a:cubicBezTo>
+                  <a:pt x="7385468" y="4090522"/>
+                  <a:pt x="7383018" y="4059631"/>
+                  <a:pt x="7383060" y="4028296"/>
+                </a:cubicBezTo>
+                <a:cubicBezTo>
+                  <a:pt x="7381748" y="4022668"/>
+                  <a:pt x="7381689" y="4017001"/>
+                  <a:pt x="7381689" y="4011320"/>
+                </a:cubicBezTo>
+                <a:lnTo>
+                  <a:pt x="7382283" y="3999880"/>
+                </a:lnTo>
+                <a:lnTo>
+                  <a:pt x="7382781" y="3999913"/>
+                </a:lnTo>
+                <a:close/>
+                <a:moveTo>
+                  <a:pt x="7360056" y="3999419"/>
+                </a:moveTo>
+                <a:lnTo>
+                  <a:pt x="7360082" y="3999913"/>
+                </a:lnTo>
+                <a:lnTo>
+                  <a:pt x="7360580" y="3999880"/>
+                </a:lnTo>
+                <a:lnTo>
+                  <a:pt x="7361174" y="4011320"/>
+                </a:lnTo>
+                <a:cubicBezTo>
+                  <a:pt x="7361174" y="4017001"/>
+                  <a:pt x="7361115" y="4022668"/>
+                  <a:pt x="7359803" y="4028296"/>
+                </a:cubicBezTo>
+                <a:cubicBezTo>
+                  <a:pt x="7359845" y="4059631"/>
+                  <a:pt x="7357395" y="4090522"/>
+                  <a:pt x="7352336" y="4120772"/>
+                </a:cubicBezTo>
+                <a:lnTo>
+                  <a:pt x="7351798" y="4127448"/>
+                </a:lnTo>
+                <a:cubicBezTo>
+                  <a:pt x="7351628" y="4127453"/>
+                  <a:pt x="7351460" y="4127458"/>
+                  <a:pt x="7351292" y="4127511"/>
+                </a:cubicBezTo>
+                <a:cubicBezTo>
+                  <a:pt x="7326927" y="4298519"/>
+                  <a:pt x="7248364" y="4452596"/>
+                  <a:pt x="7132233" y="4572001"/>
+                </a:cubicBezTo>
+                <a:lnTo>
+                  <a:pt x="6937992" y="4572001"/>
+                </a:lnTo>
+                <a:cubicBezTo>
+                  <a:pt x="7081090" y="4471530"/>
+                  <a:pt x="7183313" y="4319650"/>
+                  <a:pt x="7217807" y="4144250"/>
+                </a:cubicBezTo>
+                <a:cubicBezTo>
+                  <a:pt x="6983804" y="4194541"/>
+                  <a:pt x="6793436" y="4357380"/>
+                  <a:pt x="6710053" y="4572001"/>
+                </a:cubicBezTo>
+                <a:lnTo>
+                  <a:pt x="6572505" y="4572001"/>
+                </a:lnTo>
+                <a:cubicBezTo>
+                  <a:pt x="6665868" y="4283539"/>
+                  <a:pt x="6919098" y="4064450"/>
+                  <a:pt x="7231177" y="4012794"/>
+                </a:cubicBezTo>
+                <a:lnTo>
+                  <a:pt x="7231294" y="4011646"/>
+                </a:lnTo>
+                <a:cubicBezTo>
+                  <a:pt x="7236603" y="4010636"/>
+                  <a:pt x="7241931" y="4009688"/>
+                  <a:pt x="7247507" y="4010107"/>
+                </a:cubicBezTo>
+                <a:cubicBezTo>
+                  <a:pt x="7278690" y="4004550"/>
+                  <a:pt x="7310583" y="4001569"/>
+                  <a:pt x="7342968" y="4001042"/>
+                </a:cubicBezTo>
+                <a:close/>
+                <a:moveTo>
+                  <a:pt x="5690656" y="3999419"/>
+                </a:moveTo>
+                <a:lnTo>
+                  <a:pt x="5707743" y="4001042"/>
+                </a:lnTo>
+                <a:cubicBezTo>
+                  <a:pt x="5740129" y="4001569"/>
+                  <a:pt x="5772021" y="4004550"/>
+                  <a:pt x="5803205" y="4010107"/>
+                </a:cubicBezTo>
+                <a:cubicBezTo>
+                  <a:pt x="5808781" y="4009688"/>
+                  <a:pt x="5814109" y="4010636"/>
+                  <a:pt x="5819417" y="4011646"/>
+                </a:cubicBezTo>
+                <a:lnTo>
+                  <a:pt x="5819534" y="4012794"/>
+                </a:lnTo>
+                <a:cubicBezTo>
+                  <a:pt x="6131614" y="4064450"/>
+                  <a:pt x="6384843" y="4283539"/>
+                  <a:pt x="6478206" y="4572001"/>
+                </a:cubicBezTo>
+                <a:lnTo>
+                  <a:pt x="6340658" y="4572001"/>
+                </a:lnTo>
+                <a:cubicBezTo>
+                  <a:pt x="6257275" y="4357380"/>
+                  <a:pt x="6066907" y="4194541"/>
+                  <a:pt x="5832905" y="4144250"/>
+                </a:cubicBezTo>
+                <a:cubicBezTo>
+                  <a:pt x="5867399" y="4319651"/>
+                  <a:pt x="5969622" y="4471530"/>
+                  <a:pt x="6112719" y="4572001"/>
+                </a:cubicBezTo>
+                <a:lnTo>
+                  <a:pt x="5918478" y="4572001"/>
+                </a:lnTo>
+                <a:cubicBezTo>
+                  <a:pt x="5802347" y="4452596"/>
+                  <a:pt x="5723784" y="4298519"/>
+                  <a:pt x="5699419" y="4127511"/>
+                </a:cubicBezTo>
+                <a:cubicBezTo>
+                  <a:pt x="5699252" y="4127458"/>
+                  <a:pt x="5699083" y="4127453"/>
+                  <a:pt x="5698914" y="4127448"/>
+                </a:cubicBezTo>
+                <a:lnTo>
+                  <a:pt x="5698375" y="4120772"/>
+                </a:lnTo>
+                <a:cubicBezTo>
+                  <a:pt x="5693317" y="4090522"/>
+                  <a:pt x="5690866" y="4059631"/>
+                  <a:pt x="5690908" y="4028296"/>
+                </a:cubicBezTo>
+                <a:cubicBezTo>
+                  <a:pt x="5689596" y="4022668"/>
+                  <a:pt x="5689538" y="4017001"/>
+                  <a:pt x="5689538" y="4011320"/>
+                </a:cubicBezTo>
+                <a:lnTo>
+                  <a:pt x="5690132" y="3999880"/>
+                </a:lnTo>
+                <a:lnTo>
+                  <a:pt x="5690630" y="3999913"/>
+                </a:lnTo>
+                <a:close/>
+                <a:moveTo>
+                  <a:pt x="5667905" y="3999419"/>
+                </a:moveTo>
+                <a:lnTo>
+                  <a:pt x="5667931" y="3999913"/>
+                </a:lnTo>
+                <a:lnTo>
+                  <a:pt x="5668429" y="3999880"/>
+                </a:lnTo>
+                <a:lnTo>
+                  <a:pt x="5669023" y="4011320"/>
+                </a:lnTo>
+                <a:cubicBezTo>
+                  <a:pt x="5669023" y="4017001"/>
+                  <a:pt x="5668964" y="4022668"/>
+                  <a:pt x="5667652" y="4028296"/>
+                </a:cubicBezTo>
+                <a:cubicBezTo>
+                  <a:pt x="5667694" y="4059631"/>
+                  <a:pt x="5665244" y="4090522"/>
+                  <a:pt x="5660185" y="4120772"/>
+                </a:cubicBezTo>
+                <a:lnTo>
+                  <a:pt x="5659647" y="4127448"/>
+                </a:lnTo>
+                <a:cubicBezTo>
+                  <a:pt x="5659477" y="4127453"/>
+                  <a:pt x="5659309" y="4127458"/>
+                  <a:pt x="5659141" y="4127511"/>
+                </a:cubicBezTo>
+                <a:cubicBezTo>
+                  <a:pt x="5634776" y="4298519"/>
+                  <a:pt x="5556213" y="4452596"/>
+                  <a:pt x="5440082" y="4572001"/>
+                </a:cubicBezTo>
+                <a:lnTo>
+                  <a:pt x="5245841" y="4572001"/>
+                </a:lnTo>
+                <a:cubicBezTo>
+                  <a:pt x="5388939" y="4471530"/>
+                  <a:pt x="5491162" y="4319651"/>
+                  <a:pt x="5525656" y="4144250"/>
+                </a:cubicBezTo>
+                <a:cubicBezTo>
+                  <a:pt x="5291653" y="4194541"/>
+                  <a:pt x="5101285" y="4357380"/>
+                  <a:pt x="5017902" y="4572001"/>
+                </a:cubicBezTo>
+                <a:lnTo>
+                  <a:pt x="4880354" y="4572001"/>
+                </a:lnTo>
+                <a:cubicBezTo>
+                  <a:pt x="4973717" y="4283539"/>
+                  <a:pt x="5226947" y="4064450"/>
+                  <a:pt x="5539026" y="4012794"/>
+                </a:cubicBezTo>
+                <a:lnTo>
+                  <a:pt x="5539143" y="4011646"/>
+                </a:lnTo>
+                <a:cubicBezTo>
+                  <a:pt x="5544452" y="4010636"/>
+                  <a:pt x="5549780" y="4009688"/>
+                  <a:pt x="5555356" y="4010107"/>
+                </a:cubicBezTo>
+                <a:cubicBezTo>
+                  <a:pt x="5586539" y="4004550"/>
+                  <a:pt x="5618432" y="4001569"/>
+                  <a:pt x="5650817" y="4001042"/>
+                </a:cubicBezTo>
+                <a:close/>
+                <a:moveTo>
+                  <a:pt x="3998505" y="3999419"/>
+                </a:moveTo>
+                <a:lnTo>
+                  <a:pt x="4015592" y="4001042"/>
+                </a:lnTo>
+                <a:cubicBezTo>
+                  <a:pt x="4047978" y="4001569"/>
+                  <a:pt x="4079870" y="4004550"/>
+                  <a:pt x="4111054" y="4010107"/>
+                </a:cubicBezTo>
+                <a:cubicBezTo>
+                  <a:pt x="4116630" y="4009688"/>
+                  <a:pt x="4121958" y="4010636"/>
+                  <a:pt x="4127266" y="4011646"/>
+                </a:cubicBezTo>
+                <a:lnTo>
+                  <a:pt x="4127384" y="4012794"/>
+                </a:lnTo>
+                <a:cubicBezTo>
+                  <a:pt x="4439463" y="4064450"/>
+                  <a:pt x="4692692" y="4283539"/>
+                  <a:pt x="4786055" y="4572001"/>
+                </a:cubicBezTo>
+                <a:lnTo>
+                  <a:pt x="4648508" y="4572001"/>
+                </a:lnTo>
+                <a:cubicBezTo>
+                  <a:pt x="4565124" y="4357380"/>
+                  <a:pt x="4374756" y="4194541"/>
+                  <a:pt x="4140754" y="4144250"/>
+                </a:cubicBezTo>
+                <a:cubicBezTo>
+                  <a:pt x="4175248" y="4319650"/>
+                  <a:pt x="4277471" y="4471530"/>
+                  <a:pt x="4420568" y="4572001"/>
+                </a:cubicBezTo>
+                <a:lnTo>
+                  <a:pt x="4226327" y="4572001"/>
+                </a:lnTo>
+                <a:cubicBezTo>
+                  <a:pt x="4110196" y="4452596"/>
+                  <a:pt x="4031633" y="4298519"/>
+                  <a:pt x="4007268" y="4127511"/>
+                </a:cubicBezTo>
+                <a:cubicBezTo>
+                  <a:pt x="4007101" y="4127458"/>
+                  <a:pt x="4006932" y="4127453"/>
+                  <a:pt x="4006763" y="4127448"/>
+                </a:cubicBezTo>
+                <a:lnTo>
+                  <a:pt x="4006225" y="4120772"/>
+                </a:lnTo>
+                <a:cubicBezTo>
+                  <a:pt x="4001166" y="4090522"/>
+                  <a:pt x="3998715" y="4059631"/>
+                  <a:pt x="3998757" y="4028296"/>
+                </a:cubicBezTo>
+                <a:cubicBezTo>
+                  <a:pt x="3997445" y="4022668"/>
+                  <a:pt x="3997387" y="4017001"/>
+                  <a:pt x="3997387" y="4011320"/>
+                </a:cubicBezTo>
+                <a:lnTo>
+                  <a:pt x="3997981" y="3999880"/>
+                </a:lnTo>
+                <a:lnTo>
+                  <a:pt x="3998479" y="3999913"/>
+                </a:lnTo>
+                <a:close/>
+                <a:moveTo>
+                  <a:pt x="3975754" y="3999419"/>
+                </a:moveTo>
+                <a:lnTo>
+                  <a:pt x="3975780" y="3999913"/>
+                </a:lnTo>
+                <a:lnTo>
+                  <a:pt x="3976278" y="3999880"/>
+                </a:lnTo>
+                <a:lnTo>
+                  <a:pt x="3976872" y="4011320"/>
+                </a:lnTo>
+                <a:cubicBezTo>
+                  <a:pt x="3976872" y="4017001"/>
+                  <a:pt x="3976813" y="4022668"/>
+                  <a:pt x="3975501" y="4028296"/>
+                </a:cubicBezTo>
+                <a:cubicBezTo>
+                  <a:pt x="3975543" y="4059631"/>
+                  <a:pt x="3973093" y="4090522"/>
+                  <a:pt x="3968034" y="4120772"/>
+                </a:cubicBezTo>
+                <a:lnTo>
+                  <a:pt x="3967496" y="4127448"/>
+                </a:lnTo>
+                <a:cubicBezTo>
+                  <a:pt x="3967326" y="4127453"/>
+                  <a:pt x="3967158" y="4127458"/>
+                  <a:pt x="3966990" y="4127511"/>
+                </a:cubicBezTo>
+                <a:cubicBezTo>
+                  <a:pt x="3942625" y="4298519"/>
+                  <a:pt x="3864063" y="4452596"/>
+                  <a:pt x="3747931" y="4572001"/>
+                </a:cubicBezTo>
+                <a:lnTo>
+                  <a:pt x="3553690" y="4572001"/>
+                </a:lnTo>
+                <a:cubicBezTo>
+                  <a:pt x="3696788" y="4471530"/>
+                  <a:pt x="3799011" y="4319651"/>
+                  <a:pt x="3833505" y="4144250"/>
+                </a:cubicBezTo>
+                <a:cubicBezTo>
+                  <a:pt x="3599503" y="4194541"/>
+                  <a:pt x="3409134" y="4357380"/>
+                  <a:pt x="3325751" y="4572001"/>
+                </a:cubicBezTo>
+                <a:lnTo>
+                  <a:pt x="3188203" y="4572001"/>
+                </a:lnTo>
+                <a:cubicBezTo>
+                  <a:pt x="3281566" y="4283539"/>
+                  <a:pt x="3534796" y="4064450"/>
+                  <a:pt x="3846875" y="4012794"/>
+                </a:cubicBezTo>
+                <a:lnTo>
+                  <a:pt x="3846992" y="4011646"/>
+                </a:lnTo>
+                <a:cubicBezTo>
+                  <a:pt x="3852301" y="4010636"/>
+                  <a:pt x="3857629" y="4009688"/>
+                  <a:pt x="3863205" y="4010107"/>
+                </a:cubicBezTo>
+                <a:cubicBezTo>
+                  <a:pt x="3894388" y="4004550"/>
+                  <a:pt x="3926281" y="4001569"/>
+                  <a:pt x="3958666" y="4001042"/>
+                </a:cubicBezTo>
+                <a:close/>
+                <a:moveTo>
+                  <a:pt x="2306354" y="3999419"/>
+                </a:moveTo>
+                <a:lnTo>
+                  <a:pt x="2323441" y="4001042"/>
+                </a:lnTo>
+                <a:cubicBezTo>
+                  <a:pt x="2355827" y="4001569"/>
+                  <a:pt x="2387719" y="4004550"/>
+                  <a:pt x="2418903" y="4010107"/>
+                </a:cubicBezTo>
+                <a:cubicBezTo>
+                  <a:pt x="2424479" y="4009688"/>
+                  <a:pt x="2429807" y="4010636"/>
+                  <a:pt x="2435115" y="4011646"/>
+                </a:cubicBezTo>
+                <a:lnTo>
+                  <a:pt x="2435233" y="4012794"/>
+                </a:lnTo>
+                <a:cubicBezTo>
+                  <a:pt x="2747312" y="4064450"/>
+                  <a:pt x="3000542" y="4283539"/>
+                  <a:pt x="3093904" y="4572001"/>
+                </a:cubicBezTo>
+                <a:lnTo>
+                  <a:pt x="2956357" y="4572001"/>
+                </a:lnTo>
+                <a:cubicBezTo>
+                  <a:pt x="2872974" y="4357380"/>
+                  <a:pt x="2682605" y="4194541"/>
+                  <a:pt x="2448603" y="4144250"/>
+                </a:cubicBezTo>
+                <a:cubicBezTo>
+                  <a:pt x="2483097" y="4319651"/>
+                  <a:pt x="2585320" y="4471530"/>
+                  <a:pt x="2728418" y="4572001"/>
+                </a:cubicBezTo>
+                <a:lnTo>
+                  <a:pt x="2534177" y="4572001"/>
+                </a:lnTo>
+                <a:cubicBezTo>
+                  <a:pt x="2418045" y="4452596"/>
+                  <a:pt x="2339482" y="4298519"/>
+                  <a:pt x="2315117" y="4127511"/>
+                </a:cubicBezTo>
+                <a:cubicBezTo>
+                  <a:pt x="2314950" y="4127458"/>
+                  <a:pt x="2314781" y="4127453"/>
+                  <a:pt x="2314612" y="4127448"/>
+                </a:cubicBezTo>
+                <a:lnTo>
+                  <a:pt x="2314074" y="4120772"/>
+                </a:lnTo>
+                <a:cubicBezTo>
+                  <a:pt x="2309015" y="4090522"/>
+                  <a:pt x="2306564" y="4059631"/>
+                  <a:pt x="2306606" y="4028296"/>
+                </a:cubicBezTo>
+                <a:cubicBezTo>
+                  <a:pt x="2305294" y="4022668"/>
+                  <a:pt x="2305236" y="4017001"/>
+                  <a:pt x="2305236" y="4011320"/>
+                </a:cubicBezTo>
+                <a:lnTo>
+                  <a:pt x="2305830" y="3999880"/>
+                </a:lnTo>
+                <a:lnTo>
+                  <a:pt x="2306328" y="3999913"/>
+                </a:lnTo>
+                <a:close/>
+                <a:moveTo>
+                  <a:pt x="2283603" y="3999419"/>
+                </a:moveTo>
+                <a:lnTo>
+                  <a:pt x="2283629" y="3999913"/>
+                </a:lnTo>
+                <a:lnTo>
+                  <a:pt x="2284127" y="3999880"/>
+                </a:lnTo>
+                <a:lnTo>
+                  <a:pt x="2284721" y="4011320"/>
+                </a:lnTo>
+                <a:cubicBezTo>
+                  <a:pt x="2284721" y="4017001"/>
+                  <a:pt x="2284662" y="4022668"/>
+                  <a:pt x="2283350" y="4028296"/>
+                </a:cubicBezTo>
+                <a:cubicBezTo>
+                  <a:pt x="2283392" y="4059631"/>
+                  <a:pt x="2280942" y="4090522"/>
+                  <a:pt x="2275883" y="4120772"/>
+                </a:cubicBezTo>
+                <a:lnTo>
+                  <a:pt x="2275345" y="4127448"/>
+                </a:lnTo>
+                <a:cubicBezTo>
+                  <a:pt x="2275175" y="4127453"/>
+                  <a:pt x="2275007" y="4127458"/>
+                  <a:pt x="2274839" y="4127511"/>
+                </a:cubicBezTo>
+                <a:cubicBezTo>
+                  <a:pt x="2250474" y="4298519"/>
+                  <a:pt x="2171912" y="4452596"/>
+                  <a:pt x="2055780" y="4572001"/>
+                </a:cubicBezTo>
+                <a:lnTo>
+                  <a:pt x="1861539" y="4572001"/>
+                </a:lnTo>
+                <a:cubicBezTo>
+                  <a:pt x="2004637" y="4471530"/>
+                  <a:pt x="2106860" y="4319650"/>
+                  <a:pt x="2141354" y="4144250"/>
+                </a:cubicBezTo>
+                <a:cubicBezTo>
+                  <a:pt x="1907352" y="4194541"/>
+                  <a:pt x="1716983" y="4357380"/>
+                  <a:pt x="1633600" y="4572001"/>
+                </a:cubicBezTo>
+                <a:lnTo>
+                  <a:pt x="1496052" y="4572001"/>
+                </a:lnTo>
+                <a:cubicBezTo>
+                  <a:pt x="1589416" y="4283539"/>
+                  <a:pt x="1842645" y="4064450"/>
+                  <a:pt x="2154724" y="4012794"/>
+                </a:cubicBezTo>
+                <a:lnTo>
+                  <a:pt x="2154841" y="4011646"/>
+                </a:lnTo>
+                <a:cubicBezTo>
+                  <a:pt x="2160150" y="4010636"/>
+                  <a:pt x="2165478" y="4009688"/>
+                  <a:pt x="2171054" y="4010107"/>
+                </a:cubicBezTo>
+                <a:cubicBezTo>
+                  <a:pt x="2202237" y="4004550"/>
+                  <a:pt x="2234130" y="4001569"/>
+                  <a:pt x="2266515" y="4001042"/>
+                </a:cubicBezTo>
+                <a:close/>
+                <a:moveTo>
+                  <a:pt x="614203" y="3999419"/>
+                </a:moveTo>
+                <a:lnTo>
+                  <a:pt x="631290" y="4001042"/>
+                </a:lnTo>
+                <a:cubicBezTo>
+                  <a:pt x="663676" y="4001569"/>
+                  <a:pt x="695568" y="4004550"/>
+                  <a:pt x="726752" y="4010107"/>
+                </a:cubicBezTo>
+                <a:cubicBezTo>
+                  <a:pt x="732328" y="4009688"/>
+                  <a:pt x="737656" y="4010636"/>
+                  <a:pt x="742964" y="4011646"/>
+                </a:cubicBezTo>
+                <a:lnTo>
+                  <a:pt x="743081" y="4012794"/>
+                </a:lnTo>
+                <a:cubicBezTo>
+                  <a:pt x="1055161" y="4064450"/>
+                  <a:pt x="1308390" y="4283539"/>
+                  <a:pt x="1401754" y="4572001"/>
+                </a:cubicBezTo>
+                <a:lnTo>
+                  <a:pt x="1264205" y="4572001"/>
+                </a:lnTo>
+                <a:cubicBezTo>
+                  <a:pt x="1180823" y="4357380"/>
+                  <a:pt x="990454" y="4194541"/>
+                  <a:pt x="756452" y="4144250"/>
+                </a:cubicBezTo>
+                <a:cubicBezTo>
+                  <a:pt x="790946" y="4319651"/>
+                  <a:pt x="893169" y="4471530"/>
+                  <a:pt x="1036266" y="4572001"/>
+                </a:cubicBezTo>
+                <a:lnTo>
+                  <a:pt x="842026" y="4572001"/>
+                </a:lnTo>
+                <a:cubicBezTo>
+                  <a:pt x="725894" y="4452596"/>
+                  <a:pt x="647331" y="4298519"/>
+                  <a:pt x="622966" y="4127511"/>
+                </a:cubicBezTo>
+                <a:cubicBezTo>
+                  <a:pt x="622799" y="4127458"/>
+                  <a:pt x="622630" y="4127453"/>
+                  <a:pt x="622461" y="4127448"/>
+                </a:cubicBezTo>
+                <a:lnTo>
+                  <a:pt x="621923" y="4120772"/>
+                </a:lnTo>
+                <a:cubicBezTo>
+                  <a:pt x="616864" y="4090522"/>
+                  <a:pt x="614413" y="4059631"/>
+                  <a:pt x="614455" y="4028296"/>
+                </a:cubicBezTo>
+                <a:cubicBezTo>
+                  <a:pt x="613143" y="4022668"/>
+                  <a:pt x="613085" y="4017001"/>
+                  <a:pt x="613085" y="4011320"/>
+                </a:cubicBezTo>
+                <a:lnTo>
+                  <a:pt x="613679" y="3999880"/>
+                </a:lnTo>
+                <a:lnTo>
+                  <a:pt x="614177" y="3999913"/>
+                </a:lnTo>
+                <a:close/>
+                <a:moveTo>
+                  <a:pt x="591452" y="3999419"/>
+                </a:moveTo>
+                <a:lnTo>
+                  <a:pt x="591478" y="3999913"/>
+                </a:lnTo>
+                <a:lnTo>
+                  <a:pt x="591976" y="3999880"/>
+                </a:lnTo>
+                <a:lnTo>
+                  <a:pt x="592570" y="4011320"/>
+                </a:lnTo>
+                <a:cubicBezTo>
+                  <a:pt x="592570" y="4017001"/>
+                  <a:pt x="592511" y="4022668"/>
+                  <a:pt x="591199" y="4028296"/>
+                </a:cubicBezTo>
+                <a:cubicBezTo>
+                  <a:pt x="591242" y="4059631"/>
+                  <a:pt x="588791" y="4090522"/>
+                  <a:pt x="583732" y="4120772"/>
+                </a:cubicBezTo>
+                <a:lnTo>
+                  <a:pt x="583194" y="4127448"/>
+                </a:lnTo>
+                <a:cubicBezTo>
+                  <a:pt x="583024" y="4127453"/>
+                  <a:pt x="582856" y="4127458"/>
+                  <a:pt x="582689" y="4127511"/>
+                </a:cubicBezTo>
+                <a:cubicBezTo>
+                  <a:pt x="558275" y="4298863"/>
+                  <a:pt x="479445" y="4453216"/>
+                  <a:pt x="362360" y="4572001"/>
+                </a:cubicBezTo>
+                <a:lnTo>
+                  <a:pt x="169811" y="4572001"/>
+                </a:lnTo>
+                <a:cubicBezTo>
+                  <a:pt x="312603" y="4471357"/>
+                  <a:pt x="414729" y="4319551"/>
+                  <a:pt x="449203" y="4144250"/>
+                </a:cubicBezTo>
+                <a:cubicBezTo>
+                  <a:pt x="258971" y="4185134"/>
+                  <a:pt x="97576" y="4300399"/>
+                  <a:pt x="0" y="4458139"/>
+                </a:cubicBezTo>
+                <a:lnTo>
+                  <a:pt x="0" y="4251345"/>
+                </a:lnTo>
+                <a:cubicBezTo>
+                  <a:pt x="121484" y="4128438"/>
+                  <a:pt x="282199" y="4042650"/>
+                  <a:pt x="462573" y="4012794"/>
+                </a:cubicBezTo>
+                <a:lnTo>
+                  <a:pt x="462690" y="4011646"/>
+                </a:lnTo>
+                <a:cubicBezTo>
+                  <a:pt x="467999" y="4010636"/>
+                  <a:pt x="473327" y="4009688"/>
+                  <a:pt x="478903" y="4010107"/>
+                </a:cubicBezTo>
+                <a:cubicBezTo>
+                  <a:pt x="510086" y="4004550"/>
+                  <a:pt x="541979" y="4001569"/>
+                  <a:pt x="574365" y="4001042"/>
+                </a:cubicBezTo>
+                <a:close/>
+                <a:moveTo>
+                  <a:pt x="11452667" y="3304913"/>
+                </a:moveTo>
+                <a:cubicBezTo>
+                  <a:pt x="11177477" y="3363591"/>
+                  <a:pt x="10962633" y="3576701"/>
+                  <a:pt x="10909358" y="3845480"/>
+                </a:cubicBezTo>
+                <a:cubicBezTo>
+                  <a:pt x="11184548" y="3786801"/>
+                  <a:pt x="11399391" y="3573691"/>
+                  <a:pt x="11452667" y="3304913"/>
+                </a:cubicBezTo>
+                <a:close/>
+                <a:moveTo>
+                  <a:pt x="10058800" y="3304913"/>
+                </a:moveTo>
+                <a:cubicBezTo>
+                  <a:pt x="10112076" y="3573691"/>
+                  <a:pt x="10326919" y="3786801"/>
+                  <a:pt x="10602109" y="3845480"/>
+                </a:cubicBezTo>
+                <a:cubicBezTo>
+                  <a:pt x="10548834" y="3576701"/>
+                  <a:pt x="10333990" y="3363591"/>
+                  <a:pt x="10058800" y="3304913"/>
+                </a:cubicBezTo>
+                <a:close/>
+                <a:moveTo>
+                  <a:pt x="9760514" y="3304913"/>
+                </a:moveTo>
+                <a:cubicBezTo>
+                  <a:pt x="9485324" y="3363591"/>
+                  <a:pt x="9270480" y="3576701"/>
+                  <a:pt x="9217205" y="3845480"/>
+                </a:cubicBezTo>
+                <a:cubicBezTo>
+                  <a:pt x="9492395" y="3786801"/>
+                  <a:pt x="9707238" y="3573691"/>
+                  <a:pt x="9760514" y="3304913"/>
+                </a:cubicBezTo>
+                <a:close/>
+                <a:moveTo>
+                  <a:pt x="8366649" y="3304913"/>
+                </a:moveTo>
+                <a:cubicBezTo>
+                  <a:pt x="8419925" y="3573691"/>
+                  <a:pt x="8634768" y="3786801"/>
+                  <a:pt x="8909958" y="3845480"/>
+                </a:cubicBezTo>
+                <a:cubicBezTo>
+                  <a:pt x="8856683" y="3576701"/>
+                  <a:pt x="8641839" y="3363591"/>
+                  <a:pt x="8366649" y="3304913"/>
+                </a:cubicBezTo>
+                <a:close/>
+                <a:moveTo>
+                  <a:pt x="8068363" y="3304913"/>
+                </a:moveTo>
+                <a:cubicBezTo>
+                  <a:pt x="7793173" y="3363591"/>
+                  <a:pt x="7578329" y="3576701"/>
+                  <a:pt x="7525054" y="3845480"/>
+                </a:cubicBezTo>
+                <a:cubicBezTo>
+                  <a:pt x="7800244" y="3786801"/>
+                  <a:pt x="8015087" y="3573691"/>
+                  <a:pt x="8068363" y="3304913"/>
+                </a:cubicBezTo>
+                <a:close/>
+                <a:moveTo>
+                  <a:pt x="6674498" y="3304913"/>
+                </a:moveTo>
+                <a:cubicBezTo>
+                  <a:pt x="6727774" y="3573691"/>
+                  <a:pt x="6942617" y="3786801"/>
+                  <a:pt x="7217807" y="3845480"/>
+                </a:cubicBezTo>
+                <a:cubicBezTo>
+                  <a:pt x="7164532" y="3576701"/>
+                  <a:pt x="6949688" y="3363591"/>
+                  <a:pt x="6674498" y="3304913"/>
+                </a:cubicBezTo>
+                <a:close/>
+                <a:moveTo>
+                  <a:pt x="6376212" y="3304913"/>
+                </a:moveTo>
+                <a:cubicBezTo>
+                  <a:pt x="6101022" y="3363591"/>
+                  <a:pt x="5886178" y="3576701"/>
+                  <a:pt x="5832903" y="3845480"/>
+                </a:cubicBezTo>
+                <a:cubicBezTo>
+                  <a:pt x="6108093" y="3786801"/>
+                  <a:pt x="6322936" y="3573691"/>
+                  <a:pt x="6376212" y="3304913"/>
+                </a:cubicBezTo>
+                <a:close/>
+                <a:moveTo>
+                  <a:pt x="4982347" y="3304913"/>
+                </a:moveTo>
+                <a:cubicBezTo>
+                  <a:pt x="5035623" y="3573691"/>
+                  <a:pt x="5250466" y="3786801"/>
+                  <a:pt x="5525656" y="3845480"/>
+                </a:cubicBezTo>
+                <a:cubicBezTo>
+                  <a:pt x="5472381" y="3576701"/>
+                  <a:pt x="5257537" y="3363591"/>
+                  <a:pt x="4982347" y="3304913"/>
+                </a:cubicBezTo>
+                <a:close/>
+                <a:moveTo>
+                  <a:pt x="4684061" y="3304913"/>
+                </a:moveTo>
+                <a:cubicBezTo>
+                  <a:pt x="4408871" y="3363591"/>
+                  <a:pt x="4194027" y="3576701"/>
+                  <a:pt x="4140752" y="3845480"/>
+                </a:cubicBezTo>
+                <a:cubicBezTo>
+                  <a:pt x="4415942" y="3786801"/>
+                  <a:pt x="4630785" y="3573691"/>
+                  <a:pt x="4684061" y="3304913"/>
+                </a:cubicBezTo>
+                <a:close/>
+                <a:moveTo>
+                  <a:pt x="3290196" y="3304913"/>
+                </a:moveTo>
+                <a:cubicBezTo>
+                  <a:pt x="3343472" y="3573691"/>
+                  <a:pt x="3558315" y="3786801"/>
+                  <a:pt x="3833505" y="3845480"/>
+                </a:cubicBezTo>
+                <a:cubicBezTo>
+                  <a:pt x="3780230" y="3576701"/>
+                  <a:pt x="3565386" y="3363591"/>
+                  <a:pt x="3290196" y="3304913"/>
+                </a:cubicBezTo>
+                <a:close/>
+                <a:moveTo>
+                  <a:pt x="2991910" y="3304913"/>
+                </a:moveTo>
+                <a:cubicBezTo>
+                  <a:pt x="2716720" y="3363591"/>
+                  <a:pt x="2501876" y="3576701"/>
+                  <a:pt x="2448601" y="3845480"/>
+                </a:cubicBezTo>
+                <a:cubicBezTo>
+                  <a:pt x="2723791" y="3786801"/>
+                  <a:pt x="2938634" y="3573691"/>
+                  <a:pt x="2991910" y="3304913"/>
+                </a:cubicBezTo>
+                <a:close/>
+                <a:moveTo>
+                  <a:pt x="1598045" y="3304913"/>
+                </a:moveTo>
+                <a:cubicBezTo>
+                  <a:pt x="1651321" y="3573691"/>
+                  <a:pt x="1866164" y="3786801"/>
+                  <a:pt x="2141354" y="3845480"/>
+                </a:cubicBezTo>
+                <a:cubicBezTo>
+                  <a:pt x="2088079" y="3576701"/>
+                  <a:pt x="1873235" y="3363591"/>
+                  <a:pt x="1598045" y="3304913"/>
+                </a:cubicBezTo>
+                <a:close/>
+                <a:moveTo>
+                  <a:pt x="1299759" y="3304913"/>
+                </a:moveTo>
+                <a:cubicBezTo>
+                  <a:pt x="1024569" y="3363591"/>
+                  <a:pt x="809725" y="3576701"/>
+                  <a:pt x="756450" y="3845480"/>
+                </a:cubicBezTo>
+                <a:cubicBezTo>
+                  <a:pt x="1031640" y="3786801"/>
+                  <a:pt x="1246483" y="3573691"/>
+                  <a:pt x="1299759" y="3304913"/>
+                </a:cubicBezTo>
+                <a:close/>
+                <a:moveTo>
+                  <a:pt x="0" y="3200906"/>
+                </a:moveTo>
+                <a:cubicBezTo>
+                  <a:pt x="306658" y="3291386"/>
+                  <a:pt x="537576" y="3547942"/>
+                  <a:pt x="582690" y="3862087"/>
+                </a:cubicBezTo>
+                <a:cubicBezTo>
+                  <a:pt x="582857" y="3862140"/>
+                  <a:pt x="583026" y="3862145"/>
+                  <a:pt x="583195" y="3862150"/>
+                </a:cubicBezTo>
+                <a:lnTo>
+                  <a:pt x="583735" y="3868787"/>
+                </a:lnTo>
+                <a:cubicBezTo>
+                  <a:pt x="588792" y="3898794"/>
+                  <a:pt x="591242" y="3929436"/>
+                  <a:pt x="591199" y="3960518"/>
+                </a:cubicBezTo>
+                <a:cubicBezTo>
+                  <a:pt x="592511" y="3966104"/>
+                  <a:pt x="592570" y="3971728"/>
+                  <a:pt x="592570" y="3977366"/>
+                </a:cubicBezTo>
+                <a:cubicBezTo>
+                  <a:pt x="592570" y="3981158"/>
+                  <a:pt x="592543" y="3984944"/>
+                  <a:pt x="591977" y="3988716"/>
+                </a:cubicBezTo>
+                <a:lnTo>
+                  <a:pt x="591478" y="3988683"/>
+                </a:lnTo>
+                <a:lnTo>
+                  <a:pt x="591452" y="3989174"/>
+                </a:lnTo>
+                <a:lnTo>
+                  <a:pt x="574334" y="3987561"/>
+                </a:lnTo>
+                <a:cubicBezTo>
+                  <a:pt x="541959" y="3987038"/>
+                  <a:pt x="510079" y="3984080"/>
+                  <a:pt x="478907" y="3978570"/>
+                </a:cubicBezTo>
+                <a:cubicBezTo>
+                  <a:pt x="473330" y="3978986"/>
+                  <a:pt x="468001" y="3978045"/>
+                  <a:pt x="462690" y="3977042"/>
+                </a:cubicBezTo>
+                <a:lnTo>
+                  <a:pt x="462574" y="3975903"/>
+                </a:lnTo>
+                <a:cubicBezTo>
+                  <a:pt x="282200" y="3946281"/>
+                  <a:pt x="121485" y="3861168"/>
+                  <a:pt x="0" y="3739225"/>
+                </a:cubicBezTo>
+                <a:lnTo>
+                  <a:pt x="0" y="3534056"/>
+                </a:lnTo>
+                <a:cubicBezTo>
+                  <a:pt x="97584" y="3690562"/>
+                  <a:pt x="258975" y="3804918"/>
+                  <a:pt x="449203" y="3845480"/>
+                </a:cubicBezTo>
+                <a:cubicBezTo>
+                  <a:pt x="402182" y="3608252"/>
+                  <a:pt x="229297" y="3414390"/>
+                  <a:pt x="0" y="3332205"/>
+                </a:cubicBezTo>
+                <a:close/>
+                <a:moveTo>
+                  <a:pt x="11608704" y="3161219"/>
+                </a:moveTo>
+                <a:lnTo>
+                  <a:pt x="11625791" y="3162829"/>
+                </a:lnTo>
+                <a:cubicBezTo>
+                  <a:pt x="11658177" y="3163352"/>
+                  <a:pt x="11690070" y="3166310"/>
+                  <a:pt x="11721253" y="3171823"/>
+                </a:cubicBezTo>
+                <a:cubicBezTo>
+                  <a:pt x="11726829" y="3171407"/>
+                  <a:pt x="11732157" y="3172348"/>
+                  <a:pt x="11737466" y="3173350"/>
+                </a:cubicBezTo>
+                <a:lnTo>
+                  <a:pt x="11737583" y="3174489"/>
+                </a:lnTo>
+                <a:cubicBezTo>
+                  <a:pt x="11914088" y="3203476"/>
+                  <a:pt x="12071767" y="3285599"/>
+                  <a:pt x="12192000" y="3403667"/>
+                </a:cubicBezTo>
+                <a:lnTo>
+                  <a:pt x="12192000" y="3603658"/>
+                </a:lnTo>
+                <a:cubicBezTo>
+                  <a:pt x="12093732" y="3453636"/>
+                  <a:pt x="11935983" y="3344367"/>
+                  <a:pt x="11750953" y="3304913"/>
+                </a:cubicBezTo>
+                <a:cubicBezTo>
+                  <a:pt x="11797422" y="3539349"/>
+                  <a:pt x="11966808" y="3731433"/>
+                  <a:pt x="12192000" y="3815480"/>
+                </a:cubicBezTo>
+                <a:lnTo>
+                  <a:pt x="12192000" y="3947482"/>
+                </a:lnTo>
+                <a:cubicBezTo>
+                  <a:pt x="11889465" y="3854506"/>
+                  <a:pt x="11662185" y="3599697"/>
+                  <a:pt x="11617468" y="3288305"/>
+                </a:cubicBezTo>
+                <a:cubicBezTo>
+                  <a:pt x="11617300" y="3288253"/>
+                  <a:pt x="11617132" y="3288248"/>
+                  <a:pt x="11616962" y="3288243"/>
+                </a:cubicBezTo>
+                <a:lnTo>
+                  <a:pt x="11616424" y="3281619"/>
+                </a:lnTo>
+                <a:cubicBezTo>
+                  <a:pt x="11611365" y="3251607"/>
+                  <a:pt x="11608914" y="3220958"/>
+                  <a:pt x="11608957" y="3189869"/>
+                </a:cubicBezTo>
+                <a:cubicBezTo>
+                  <a:pt x="11607645" y="3184286"/>
+                  <a:pt x="11607586" y="3178663"/>
+                  <a:pt x="11607586" y="3173027"/>
+                </a:cubicBezTo>
+                <a:lnTo>
+                  <a:pt x="11608180" y="3161677"/>
+                </a:lnTo>
+                <a:lnTo>
+                  <a:pt x="11608678" y="3161709"/>
+                </a:lnTo>
+                <a:close/>
+                <a:moveTo>
+                  <a:pt x="11594916" y="3161219"/>
+                </a:moveTo>
+                <a:lnTo>
+                  <a:pt x="11594942" y="3161709"/>
+                </a:lnTo>
+                <a:lnTo>
+                  <a:pt x="11595440" y="3161677"/>
+                </a:lnTo>
+                <a:lnTo>
+                  <a:pt x="11596034" y="3173027"/>
+                </a:lnTo>
+                <a:cubicBezTo>
+                  <a:pt x="11596034" y="3178663"/>
+                  <a:pt x="11595975" y="3184286"/>
+                  <a:pt x="11594663" y="3189869"/>
+                </a:cubicBezTo>
+                <a:cubicBezTo>
+                  <a:pt x="11594706" y="3220958"/>
+                  <a:pt x="11592255" y="3251607"/>
+                  <a:pt x="11587196" y="3281619"/>
+                </a:cubicBezTo>
+                <a:lnTo>
+                  <a:pt x="11586658" y="3288243"/>
+                </a:lnTo>
+                <a:cubicBezTo>
+                  <a:pt x="11586488" y="3288248"/>
+                  <a:pt x="11586320" y="3288253"/>
+                  <a:pt x="11586152" y="3288305"/>
+                </a:cubicBezTo>
+                <a:cubicBezTo>
+                  <a:pt x="11535877" y="3638399"/>
+                  <a:pt x="11254838" y="3916971"/>
+                  <a:pt x="10895987" y="3975903"/>
+                </a:cubicBezTo>
+                <a:lnTo>
+                  <a:pt x="10895871" y="3977042"/>
+                </a:lnTo>
+                <a:cubicBezTo>
+                  <a:pt x="10890560" y="3978045"/>
+                  <a:pt x="10885231" y="3978986"/>
+                  <a:pt x="10879654" y="3978570"/>
+                </a:cubicBezTo>
+                <a:cubicBezTo>
+                  <a:pt x="10848482" y="3984080"/>
+                  <a:pt x="10816602" y="3987038"/>
+                  <a:pt x="10784227" y="3987561"/>
+                </a:cubicBezTo>
+                <a:lnTo>
+                  <a:pt x="10767109" y="3989174"/>
+                </a:lnTo>
+                <a:lnTo>
+                  <a:pt x="10767083" y="3988683"/>
+                </a:lnTo>
+                <a:lnTo>
+                  <a:pt x="10766584" y="3988716"/>
+                </a:lnTo>
+                <a:cubicBezTo>
+                  <a:pt x="10766018" y="3984944"/>
+                  <a:pt x="10765991" y="3981158"/>
+                  <a:pt x="10765991" y="3977366"/>
+                </a:cubicBezTo>
+                <a:cubicBezTo>
+                  <a:pt x="10765991" y="3971728"/>
+                  <a:pt x="10766050" y="3966104"/>
+                  <a:pt x="10767362" y="3960518"/>
+                </a:cubicBezTo>
+                <a:cubicBezTo>
+                  <a:pt x="10767319" y="3929436"/>
+                  <a:pt x="10769769" y="3898794"/>
+                  <a:pt x="10774826" y="3868787"/>
+                </a:cubicBezTo>
+                <a:lnTo>
+                  <a:pt x="10775366" y="3862150"/>
+                </a:lnTo>
+                <a:cubicBezTo>
+                  <a:pt x="10775535" y="3862145"/>
+                  <a:pt x="10775704" y="3862140"/>
+                  <a:pt x="10775872" y="3862087"/>
+                </a:cubicBezTo>
+                <a:cubicBezTo>
+                  <a:pt x="10826148" y="3511992"/>
+                  <a:pt x="11107187" y="3233421"/>
+                  <a:pt x="11466037" y="3174489"/>
+                </a:cubicBezTo>
+                <a:lnTo>
+                  <a:pt x="11466154" y="3173350"/>
+                </a:lnTo>
+                <a:cubicBezTo>
+                  <a:pt x="11471463" y="3172348"/>
+                  <a:pt x="11476791" y="3171407"/>
+                  <a:pt x="11482367" y="3171823"/>
+                </a:cubicBezTo>
+                <a:cubicBezTo>
+                  <a:pt x="11513550" y="3166310"/>
+                  <a:pt x="11545443" y="3163352"/>
+                  <a:pt x="11577829" y="3162829"/>
+                </a:cubicBezTo>
+                <a:close/>
+                <a:moveTo>
+                  <a:pt x="9916551" y="3161219"/>
+                </a:moveTo>
+                <a:lnTo>
+                  <a:pt x="9933638" y="3162829"/>
+                </a:lnTo>
+                <a:cubicBezTo>
+                  <a:pt x="9966024" y="3163352"/>
+                  <a:pt x="9997917" y="3166310"/>
+                  <a:pt x="10029100" y="3171823"/>
+                </a:cubicBezTo>
+                <a:cubicBezTo>
+                  <a:pt x="10034676" y="3171407"/>
+                  <a:pt x="10040004" y="3172348"/>
+                  <a:pt x="10045313" y="3173350"/>
+                </a:cubicBezTo>
+                <a:lnTo>
+                  <a:pt x="10045430" y="3174489"/>
+                </a:lnTo>
+                <a:cubicBezTo>
+                  <a:pt x="10404280" y="3233421"/>
+                  <a:pt x="10685319" y="3511992"/>
+                  <a:pt x="10735596" y="3862087"/>
+                </a:cubicBezTo>
+                <a:cubicBezTo>
+                  <a:pt x="10735763" y="3862140"/>
+                  <a:pt x="10735932" y="3862145"/>
+                  <a:pt x="10736101" y="3862150"/>
+                </a:cubicBezTo>
+                <a:lnTo>
+                  <a:pt x="10736641" y="3868787"/>
+                </a:lnTo>
+                <a:cubicBezTo>
+                  <a:pt x="10741698" y="3898794"/>
+                  <a:pt x="10744148" y="3929436"/>
+                  <a:pt x="10744105" y="3960518"/>
+                </a:cubicBezTo>
+                <a:cubicBezTo>
+                  <a:pt x="10745417" y="3966104"/>
+                  <a:pt x="10745476" y="3971728"/>
+                  <a:pt x="10745476" y="3977366"/>
+                </a:cubicBezTo>
+                <a:cubicBezTo>
+                  <a:pt x="10745476" y="3981158"/>
+                  <a:pt x="10745449" y="3984944"/>
+                  <a:pt x="10744883" y="3988716"/>
+                </a:cubicBezTo>
+                <a:lnTo>
+                  <a:pt x="10744384" y="3988683"/>
+                </a:lnTo>
+                <a:lnTo>
+                  <a:pt x="10744358" y="3989174"/>
+                </a:lnTo>
+                <a:lnTo>
+                  <a:pt x="10727240" y="3987561"/>
+                </a:lnTo>
+                <a:cubicBezTo>
+                  <a:pt x="10694865" y="3987038"/>
+                  <a:pt x="10662985" y="3984080"/>
+                  <a:pt x="10631813" y="3978570"/>
+                </a:cubicBezTo>
+                <a:cubicBezTo>
+                  <a:pt x="10626236" y="3978986"/>
+                  <a:pt x="10620907" y="3978045"/>
+                  <a:pt x="10615596" y="3977042"/>
+                </a:cubicBezTo>
+                <a:lnTo>
+                  <a:pt x="10615480" y="3975903"/>
+                </a:lnTo>
+                <a:cubicBezTo>
+                  <a:pt x="10256629" y="3916971"/>
+                  <a:pt x="9975590" y="3638399"/>
+                  <a:pt x="9925315" y="3288305"/>
+                </a:cubicBezTo>
+                <a:cubicBezTo>
+                  <a:pt x="9925147" y="3288253"/>
+                  <a:pt x="9924979" y="3288248"/>
+                  <a:pt x="9924809" y="3288243"/>
+                </a:cubicBezTo>
+                <a:lnTo>
+                  <a:pt x="9924271" y="3281619"/>
+                </a:lnTo>
+                <a:cubicBezTo>
+                  <a:pt x="9919212" y="3251607"/>
+                  <a:pt x="9916761" y="3220958"/>
+                  <a:pt x="9916804" y="3189869"/>
+                </a:cubicBezTo>
+                <a:cubicBezTo>
+                  <a:pt x="9915492" y="3184286"/>
+                  <a:pt x="9915433" y="3178663"/>
+                  <a:pt x="9915433" y="3173027"/>
+                </a:cubicBezTo>
+                <a:lnTo>
+                  <a:pt x="9916027" y="3161677"/>
+                </a:lnTo>
+                <a:lnTo>
+                  <a:pt x="9916525" y="3161709"/>
+                </a:lnTo>
+                <a:close/>
+                <a:moveTo>
+                  <a:pt x="9902763" y="3161219"/>
+                </a:moveTo>
+                <a:lnTo>
+                  <a:pt x="9902789" y="3161709"/>
+                </a:lnTo>
+                <a:lnTo>
+                  <a:pt x="9903287" y="3161677"/>
+                </a:lnTo>
+                <a:lnTo>
+                  <a:pt x="9903881" y="3173027"/>
+                </a:lnTo>
+                <a:cubicBezTo>
+                  <a:pt x="9903881" y="3178663"/>
+                  <a:pt x="9903822" y="3184286"/>
+                  <a:pt x="9902510" y="3189869"/>
+                </a:cubicBezTo>
+                <a:cubicBezTo>
+                  <a:pt x="9902553" y="3220958"/>
+                  <a:pt x="9900102" y="3251607"/>
+                  <a:pt x="9895043" y="3281619"/>
+                </a:cubicBezTo>
+                <a:lnTo>
+                  <a:pt x="9894505" y="3288243"/>
+                </a:lnTo>
+                <a:cubicBezTo>
+                  <a:pt x="9894335" y="3288248"/>
+                  <a:pt x="9894167" y="3288253"/>
+                  <a:pt x="9893999" y="3288305"/>
+                </a:cubicBezTo>
+                <a:cubicBezTo>
+                  <a:pt x="9843724" y="3638399"/>
+                  <a:pt x="9562685" y="3916971"/>
+                  <a:pt x="9203834" y="3975903"/>
+                </a:cubicBezTo>
+                <a:lnTo>
+                  <a:pt x="9203718" y="3977042"/>
+                </a:lnTo>
+                <a:cubicBezTo>
+                  <a:pt x="9198407" y="3978045"/>
+                  <a:pt x="9193078" y="3978986"/>
+                  <a:pt x="9187501" y="3978570"/>
+                </a:cubicBezTo>
+                <a:cubicBezTo>
+                  <a:pt x="9156329" y="3984080"/>
+                  <a:pt x="9124449" y="3987038"/>
+                  <a:pt x="9092074" y="3987561"/>
+                </a:cubicBezTo>
+                <a:lnTo>
+                  <a:pt x="9074956" y="3989174"/>
+                </a:lnTo>
+                <a:lnTo>
+                  <a:pt x="9074930" y="3988683"/>
+                </a:lnTo>
+                <a:lnTo>
+                  <a:pt x="9074431" y="3988716"/>
+                </a:lnTo>
+                <a:cubicBezTo>
+                  <a:pt x="9073865" y="3984944"/>
+                  <a:pt x="9073838" y="3981158"/>
+                  <a:pt x="9073838" y="3977366"/>
+                </a:cubicBezTo>
+                <a:cubicBezTo>
+                  <a:pt x="9073838" y="3971728"/>
+                  <a:pt x="9073897" y="3966104"/>
+                  <a:pt x="9075209" y="3960518"/>
+                </a:cubicBezTo>
+                <a:cubicBezTo>
+                  <a:pt x="9075166" y="3929436"/>
+                  <a:pt x="9077616" y="3898794"/>
+                  <a:pt x="9082673" y="3868787"/>
+                </a:cubicBezTo>
+                <a:lnTo>
+                  <a:pt x="9083213" y="3862150"/>
+                </a:lnTo>
+                <a:cubicBezTo>
+                  <a:pt x="9083382" y="3862145"/>
+                  <a:pt x="9083551" y="3862140"/>
+                  <a:pt x="9083718" y="3862087"/>
+                </a:cubicBezTo>
+                <a:cubicBezTo>
+                  <a:pt x="9133995" y="3511992"/>
+                  <a:pt x="9415034" y="3233421"/>
+                  <a:pt x="9773884" y="3174489"/>
+                </a:cubicBezTo>
+                <a:lnTo>
+                  <a:pt x="9774001" y="3173350"/>
+                </a:lnTo>
+                <a:cubicBezTo>
+                  <a:pt x="9779310" y="3172348"/>
+                  <a:pt x="9784638" y="3171407"/>
+                  <a:pt x="9790214" y="3171823"/>
+                </a:cubicBezTo>
+                <a:cubicBezTo>
+                  <a:pt x="9821397" y="3166310"/>
+                  <a:pt x="9853290" y="3163352"/>
+                  <a:pt x="9885676" y="3162829"/>
+                </a:cubicBezTo>
+                <a:close/>
+                <a:moveTo>
+                  <a:pt x="8224400" y="3161219"/>
+                </a:moveTo>
+                <a:lnTo>
+                  <a:pt x="8241488" y="3162829"/>
+                </a:lnTo>
+                <a:cubicBezTo>
+                  <a:pt x="8273873" y="3163352"/>
+                  <a:pt x="8305766" y="3166310"/>
+                  <a:pt x="8336949" y="3171823"/>
+                </a:cubicBezTo>
+                <a:cubicBezTo>
+                  <a:pt x="8342525" y="3171407"/>
+                  <a:pt x="8347853" y="3172348"/>
+                  <a:pt x="8353162" y="3173350"/>
+                </a:cubicBezTo>
+                <a:lnTo>
+                  <a:pt x="8353279" y="3174489"/>
+                </a:lnTo>
+                <a:cubicBezTo>
+                  <a:pt x="8712129" y="3233421"/>
+                  <a:pt x="8993168" y="3511992"/>
+                  <a:pt x="9043444" y="3862087"/>
+                </a:cubicBezTo>
+                <a:cubicBezTo>
+                  <a:pt x="9043612" y="3862140"/>
+                  <a:pt x="9043781" y="3862145"/>
+                  <a:pt x="9043950" y="3862150"/>
+                </a:cubicBezTo>
+                <a:lnTo>
+                  <a:pt x="9044490" y="3868787"/>
+                </a:lnTo>
+                <a:cubicBezTo>
+                  <a:pt x="9049547" y="3898794"/>
+                  <a:pt x="9051997" y="3929436"/>
+                  <a:pt x="9051954" y="3960518"/>
+                </a:cubicBezTo>
+                <a:cubicBezTo>
+                  <a:pt x="9053266" y="3966104"/>
+                  <a:pt x="9053325" y="3971728"/>
+                  <a:pt x="9053325" y="3977366"/>
+                </a:cubicBezTo>
+                <a:cubicBezTo>
+                  <a:pt x="9053325" y="3981158"/>
+                  <a:pt x="9053298" y="3984944"/>
+                  <a:pt x="9052732" y="3988716"/>
+                </a:cubicBezTo>
+                <a:lnTo>
+                  <a:pt x="9052233" y="3988683"/>
+                </a:lnTo>
+                <a:lnTo>
+                  <a:pt x="9052207" y="3989174"/>
+                </a:lnTo>
+                <a:lnTo>
+                  <a:pt x="9035089" y="3987561"/>
+                </a:lnTo>
+                <a:cubicBezTo>
+                  <a:pt x="9002714" y="3987038"/>
+                  <a:pt x="8970834" y="3984080"/>
+                  <a:pt x="8939662" y="3978570"/>
+                </a:cubicBezTo>
+                <a:cubicBezTo>
+                  <a:pt x="8934085" y="3978986"/>
+                  <a:pt x="8928756" y="3978045"/>
+                  <a:pt x="8923445" y="3977042"/>
+                </a:cubicBezTo>
+                <a:lnTo>
+                  <a:pt x="8923329" y="3975903"/>
+                </a:lnTo>
+                <a:cubicBezTo>
+                  <a:pt x="8564478" y="3916971"/>
+                  <a:pt x="8283439" y="3638399"/>
+                  <a:pt x="8233164" y="3288305"/>
+                </a:cubicBezTo>
+                <a:cubicBezTo>
+                  <a:pt x="8232996" y="3288253"/>
+                  <a:pt x="8232828" y="3288248"/>
+                  <a:pt x="8232658" y="3288243"/>
+                </a:cubicBezTo>
+                <a:lnTo>
+                  <a:pt x="8232120" y="3281619"/>
+                </a:lnTo>
+                <a:cubicBezTo>
+                  <a:pt x="8227061" y="3251607"/>
+                  <a:pt x="8224611" y="3220958"/>
+                  <a:pt x="8224653" y="3189869"/>
+                </a:cubicBezTo>
+                <a:cubicBezTo>
+                  <a:pt x="8223341" y="3184286"/>
+                  <a:pt x="8223282" y="3178663"/>
+                  <a:pt x="8223282" y="3173027"/>
+                </a:cubicBezTo>
+                <a:lnTo>
+                  <a:pt x="8223876" y="3161677"/>
+                </a:lnTo>
+                <a:lnTo>
+                  <a:pt x="8224374" y="3161709"/>
+                </a:lnTo>
+                <a:close/>
+                <a:moveTo>
+                  <a:pt x="8210612" y="3161219"/>
+                </a:moveTo>
+                <a:lnTo>
+                  <a:pt x="8210638" y="3161709"/>
+                </a:lnTo>
+                <a:lnTo>
+                  <a:pt x="8211136" y="3161677"/>
+                </a:lnTo>
+                <a:lnTo>
+                  <a:pt x="8211730" y="3173027"/>
+                </a:lnTo>
+                <a:cubicBezTo>
+                  <a:pt x="8211730" y="3178663"/>
+                  <a:pt x="8211672" y="3184286"/>
+                  <a:pt x="8210360" y="3189869"/>
+                </a:cubicBezTo>
+                <a:cubicBezTo>
+                  <a:pt x="8210402" y="3220958"/>
+                  <a:pt x="8207951" y="3251607"/>
+                  <a:pt x="8202893" y="3281619"/>
+                </a:cubicBezTo>
+                <a:lnTo>
+                  <a:pt x="8202354" y="3288243"/>
+                </a:lnTo>
+                <a:cubicBezTo>
+                  <a:pt x="8202185" y="3288248"/>
+                  <a:pt x="8202016" y="3288253"/>
+                  <a:pt x="8201849" y="3288305"/>
+                </a:cubicBezTo>
+                <a:cubicBezTo>
+                  <a:pt x="8151573" y="3638399"/>
+                  <a:pt x="7870534" y="3916971"/>
+                  <a:pt x="7511683" y="3975903"/>
+                </a:cubicBezTo>
+                <a:lnTo>
+                  <a:pt x="7511567" y="3977042"/>
+                </a:lnTo>
+                <a:cubicBezTo>
+                  <a:pt x="7506256" y="3978045"/>
+                  <a:pt x="7500927" y="3978986"/>
+                  <a:pt x="7495350" y="3978570"/>
+                </a:cubicBezTo>
+                <a:cubicBezTo>
+                  <a:pt x="7464178" y="3984080"/>
+                  <a:pt x="7432298" y="3987038"/>
+                  <a:pt x="7399924" y="3987561"/>
+                </a:cubicBezTo>
+                <a:lnTo>
+                  <a:pt x="7382805" y="3989174"/>
+                </a:lnTo>
+                <a:lnTo>
+                  <a:pt x="7382779" y="3988683"/>
+                </a:lnTo>
+                <a:lnTo>
+                  <a:pt x="7382280" y="3988716"/>
+                </a:lnTo>
+                <a:cubicBezTo>
+                  <a:pt x="7381714" y="3984944"/>
+                  <a:pt x="7381687" y="3981158"/>
+                  <a:pt x="7381687" y="3977366"/>
+                </a:cubicBezTo>
+                <a:cubicBezTo>
+                  <a:pt x="7381687" y="3971728"/>
+                  <a:pt x="7381746" y="3966104"/>
+                  <a:pt x="7383058" y="3960518"/>
+                </a:cubicBezTo>
+                <a:cubicBezTo>
+                  <a:pt x="7383016" y="3929436"/>
+                  <a:pt x="7385465" y="3898794"/>
+                  <a:pt x="7390522" y="3868787"/>
+                </a:cubicBezTo>
+                <a:lnTo>
+                  <a:pt x="7391062" y="3862150"/>
+                </a:lnTo>
+                <a:cubicBezTo>
+                  <a:pt x="7391231" y="3862145"/>
+                  <a:pt x="7391400" y="3862140"/>
+                  <a:pt x="7391568" y="3862087"/>
+                </a:cubicBezTo>
+                <a:cubicBezTo>
+                  <a:pt x="7441844" y="3511992"/>
+                  <a:pt x="7722883" y="3233421"/>
+                  <a:pt x="8081734" y="3174489"/>
+                </a:cubicBezTo>
+                <a:lnTo>
+                  <a:pt x="8081851" y="3173350"/>
+                </a:lnTo>
+                <a:cubicBezTo>
+                  <a:pt x="8087159" y="3172348"/>
+                  <a:pt x="8092487" y="3171407"/>
+                  <a:pt x="8098063" y="3171823"/>
+                </a:cubicBezTo>
+                <a:cubicBezTo>
+                  <a:pt x="8129247" y="3166310"/>
+                  <a:pt x="8161139" y="3163352"/>
+                  <a:pt x="8193525" y="3162829"/>
+                </a:cubicBezTo>
+                <a:close/>
+                <a:moveTo>
+                  <a:pt x="6532249" y="3161219"/>
+                </a:moveTo>
+                <a:lnTo>
+                  <a:pt x="6549337" y="3162829"/>
+                </a:lnTo>
+                <a:cubicBezTo>
+                  <a:pt x="6581722" y="3163352"/>
+                  <a:pt x="6613615" y="3166310"/>
+                  <a:pt x="6644798" y="3171823"/>
+                </a:cubicBezTo>
+                <a:cubicBezTo>
+                  <a:pt x="6650374" y="3171407"/>
+                  <a:pt x="6655702" y="3172348"/>
+                  <a:pt x="6661011" y="3173350"/>
+                </a:cubicBezTo>
+                <a:lnTo>
+                  <a:pt x="6661128" y="3174489"/>
+                </a:lnTo>
+                <a:cubicBezTo>
+                  <a:pt x="7019978" y="3233421"/>
+                  <a:pt x="7301017" y="3511992"/>
+                  <a:pt x="7351294" y="3862087"/>
+                </a:cubicBezTo>
+                <a:cubicBezTo>
+                  <a:pt x="7351461" y="3862140"/>
+                  <a:pt x="7351631" y="3862145"/>
+                  <a:pt x="7351799" y="3862150"/>
+                </a:cubicBezTo>
+                <a:lnTo>
+                  <a:pt x="7352340" y="3868787"/>
+                </a:lnTo>
+                <a:cubicBezTo>
+                  <a:pt x="7357396" y="3898794"/>
+                  <a:pt x="7359846" y="3929436"/>
+                  <a:pt x="7359804" y="3960518"/>
+                </a:cubicBezTo>
+                <a:cubicBezTo>
+                  <a:pt x="7361116" y="3966104"/>
+                  <a:pt x="7361174" y="3971728"/>
+                  <a:pt x="7361174" y="3977366"/>
+                </a:cubicBezTo>
+                <a:cubicBezTo>
+                  <a:pt x="7361174" y="3981158"/>
+                  <a:pt x="7361147" y="3984944"/>
+                  <a:pt x="7360581" y="3988716"/>
+                </a:cubicBezTo>
+                <a:lnTo>
+                  <a:pt x="7360082" y="3988683"/>
+                </a:lnTo>
+                <a:lnTo>
+                  <a:pt x="7360056" y="3989174"/>
+                </a:lnTo>
+                <a:lnTo>
+                  <a:pt x="7342938" y="3987561"/>
+                </a:lnTo>
+                <a:cubicBezTo>
+                  <a:pt x="7310564" y="3987038"/>
+                  <a:pt x="7278683" y="3984080"/>
+                  <a:pt x="7247511" y="3978570"/>
+                </a:cubicBezTo>
+                <a:cubicBezTo>
+                  <a:pt x="7241934" y="3978986"/>
+                  <a:pt x="7236605" y="3978045"/>
+                  <a:pt x="7231295" y="3977042"/>
+                </a:cubicBezTo>
+                <a:lnTo>
+                  <a:pt x="7231179" y="3975903"/>
+                </a:lnTo>
+                <a:cubicBezTo>
+                  <a:pt x="6872327" y="3916971"/>
+                  <a:pt x="6591288" y="3638399"/>
+                  <a:pt x="6541013" y="3288305"/>
+                </a:cubicBezTo>
+                <a:cubicBezTo>
+                  <a:pt x="6540845" y="3288253"/>
+                  <a:pt x="6540677" y="3288248"/>
+                  <a:pt x="6540507" y="3288243"/>
+                </a:cubicBezTo>
+                <a:lnTo>
+                  <a:pt x="6539969" y="3281619"/>
+                </a:lnTo>
+                <a:cubicBezTo>
+                  <a:pt x="6534910" y="3251607"/>
+                  <a:pt x="6532460" y="3220958"/>
+                  <a:pt x="6532502" y="3189869"/>
+                </a:cubicBezTo>
+                <a:cubicBezTo>
+                  <a:pt x="6531190" y="3184286"/>
+                  <a:pt x="6531131" y="3178663"/>
+                  <a:pt x="6531131" y="3173027"/>
+                </a:cubicBezTo>
+                <a:lnTo>
+                  <a:pt x="6531725" y="3161677"/>
+                </a:lnTo>
+                <a:lnTo>
+                  <a:pt x="6532223" y="3161709"/>
+                </a:lnTo>
+                <a:close/>
+                <a:moveTo>
+                  <a:pt x="6518461" y="3161219"/>
+                </a:moveTo>
+                <a:lnTo>
+                  <a:pt x="6518487" y="3161709"/>
+                </a:lnTo>
+                <a:lnTo>
+                  <a:pt x="6518985" y="3161677"/>
+                </a:lnTo>
+                <a:lnTo>
+                  <a:pt x="6519579" y="3173027"/>
+                </a:lnTo>
+                <a:cubicBezTo>
+                  <a:pt x="6519579" y="3178663"/>
+                  <a:pt x="6519520" y="3184286"/>
+                  <a:pt x="6518208" y="3189869"/>
+                </a:cubicBezTo>
+                <a:cubicBezTo>
+                  <a:pt x="6518250" y="3220958"/>
+                  <a:pt x="6515800" y="3251607"/>
+                  <a:pt x="6510741" y="3281619"/>
+                </a:cubicBezTo>
+                <a:lnTo>
+                  <a:pt x="6510203" y="3288243"/>
+                </a:lnTo>
+                <a:cubicBezTo>
+                  <a:pt x="6510033" y="3288248"/>
+                  <a:pt x="6509865" y="3288253"/>
+                  <a:pt x="6509697" y="3288305"/>
+                </a:cubicBezTo>
+                <a:cubicBezTo>
+                  <a:pt x="6459422" y="3638399"/>
+                  <a:pt x="6178383" y="3916971"/>
+                  <a:pt x="5819531" y="3975903"/>
+                </a:cubicBezTo>
+                <a:lnTo>
+                  <a:pt x="5819415" y="3977042"/>
+                </a:lnTo>
+                <a:cubicBezTo>
+                  <a:pt x="5814105" y="3978045"/>
+                  <a:pt x="5808776" y="3978986"/>
+                  <a:pt x="5803199" y="3978570"/>
+                </a:cubicBezTo>
+                <a:cubicBezTo>
+                  <a:pt x="5772027" y="3984080"/>
+                  <a:pt x="5740146" y="3987038"/>
+                  <a:pt x="5707772" y="3987561"/>
+                </a:cubicBezTo>
+                <a:lnTo>
+                  <a:pt x="5690654" y="3989174"/>
+                </a:lnTo>
+                <a:lnTo>
+                  <a:pt x="5690628" y="3988683"/>
+                </a:lnTo>
+                <a:lnTo>
+                  <a:pt x="5690129" y="3988716"/>
+                </a:lnTo>
+                <a:cubicBezTo>
+                  <a:pt x="5689563" y="3984944"/>
+                  <a:pt x="5689536" y="3981158"/>
+                  <a:pt x="5689536" y="3977366"/>
+                </a:cubicBezTo>
+                <a:cubicBezTo>
+                  <a:pt x="5689536" y="3971728"/>
+                  <a:pt x="5689594" y="3966104"/>
+                  <a:pt x="5690906" y="3960518"/>
+                </a:cubicBezTo>
+                <a:cubicBezTo>
+                  <a:pt x="5690864" y="3929436"/>
+                  <a:pt x="5693314" y="3898794"/>
+                  <a:pt x="5698370" y="3868787"/>
+                </a:cubicBezTo>
+                <a:lnTo>
+                  <a:pt x="5698911" y="3862150"/>
+                </a:lnTo>
+                <a:cubicBezTo>
+                  <a:pt x="5699079" y="3862145"/>
+                  <a:pt x="5699249" y="3862140"/>
+                  <a:pt x="5699416" y="3862087"/>
+                </a:cubicBezTo>
+                <a:cubicBezTo>
+                  <a:pt x="5749693" y="3511992"/>
+                  <a:pt x="6030732" y="3233421"/>
+                  <a:pt x="6389582" y="3174489"/>
+                </a:cubicBezTo>
+                <a:lnTo>
+                  <a:pt x="6389699" y="3173350"/>
+                </a:lnTo>
+                <a:cubicBezTo>
+                  <a:pt x="6395008" y="3172348"/>
+                  <a:pt x="6400336" y="3171407"/>
+                  <a:pt x="6405912" y="3171823"/>
+                </a:cubicBezTo>
+                <a:cubicBezTo>
+                  <a:pt x="6437095" y="3166310"/>
+                  <a:pt x="6468988" y="3163352"/>
+                  <a:pt x="6501373" y="3162829"/>
+                </a:cubicBezTo>
+                <a:close/>
+                <a:moveTo>
+                  <a:pt x="4840098" y="3161219"/>
+                </a:moveTo>
+                <a:lnTo>
+                  <a:pt x="4857185" y="3162829"/>
+                </a:lnTo>
+                <a:cubicBezTo>
+                  <a:pt x="4889571" y="3163352"/>
+                  <a:pt x="4921463" y="3166310"/>
+                  <a:pt x="4952647" y="3171823"/>
+                </a:cubicBezTo>
+                <a:cubicBezTo>
+                  <a:pt x="4958223" y="3171407"/>
+                  <a:pt x="4963551" y="3172348"/>
+                  <a:pt x="4968859" y="3173350"/>
+                </a:cubicBezTo>
+                <a:lnTo>
+                  <a:pt x="4968976" y="3174489"/>
+                </a:lnTo>
+                <a:cubicBezTo>
+                  <a:pt x="5327827" y="3233421"/>
+                  <a:pt x="5608866" y="3511992"/>
+                  <a:pt x="5659142" y="3862087"/>
+                </a:cubicBezTo>
+                <a:cubicBezTo>
+                  <a:pt x="5659310" y="3862140"/>
+                  <a:pt x="5659479" y="3862145"/>
+                  <a:pt x="5659648" y="3862150"/>
+                </a:cubicBezTo>
+                <a:lnTo>
+                  <a:pt x="5660188" y="3868787"/>
+                </a:lnTo>
+                <a:cubicBezTo>
+                  <a:pt x="5665245" y="3898794"/>
+                  <a:pt x="5667694" y="3929436"/>
+                  <a:pt x="5667652" y="3960518"/>
+                </a:cubicBezTo>
+                <a:cubicBezTo>
+                  <a:pt x="5668964" y="3966104"/>
+                  <a:pt x="5669023" y="3971728"/>
+                  <a:pt x="5669023" y="3977366"/>
+                </a:cubicBezTo>
+                <a:cubicBezTo>
+                  <a:pt x="5669023" y="3981158"/>
+                  <a:pt x="5668996" y="3984944"/>
+                  <a:pt x="5668430" y="3988716"/>
+                </a:cubicBezTo>
+                <a:lnTo>
+                  <a:pt x="5667931" y="3988683"/>
+                </a:lnTo>
+                <a:lnTo>
+                  <a:pt x="5667905" y="3989174"/>
+                </a:lnTo>
+                <a:lnTo>
+                  <a:pt x="5650786" y="3987561"/>
+                </a:lnTo>
+                <a:cubicBezTo>
+                  <a:pt x="5618412" y="3987038"/>
+                  <a:pt x="5586532" y="3984080"/>
+                  <a:pt x="5555360" y="3978570"/>
+                </a:cubicBezTo>
+                <a:cubicBezTo>
+                  <a:pt x="5549783" y="3978986"/>
+                  <a:pt x="5544454" y="3978045"/>
+                  <a:pt x="5539143" y="3977042"/>
+                </a:cubicBezTo>
+                <a:lnTo>
+                  <a:pt x="5539027" y="3975903"/>
+                </a:lnTo>
+                <a:cubicBezTo>
+                  <a:pt x="5180176" y="3916971"/>
+                  <a:pt x="4899137" y="3638399"/>
+                  <a:pt x="4848861" y="3288305"/>
+                </a:cubicBezTo>
+                <a:cubicBezTo>
+                  <a:pt x="4848694" y="3288253"/>
+                  <a:pt x="4848525" y="3288248"/>
+                  <a:pt x="4848356" y="3288243"/>
+                </a:cubicBezTo>
+                <a:lnTo>
+                  <a:pt x="4847817" y="3281619"/>
+                </a:lnTo>
+                <a:cubicBezTo>
+                  <a:pt x="4842759" y="3251607"/>
+                  <a:pt x="4840308" y="3220958"/>
+                  <a:pt x="4840350" y="3189869"/>
+                </a:cubicBezTo>
+                <a:cubicBezTo>
+                  <a:pt x="4839038" y="3184286"/>
+                  <a:pt x="4838980" y="3178663"/>
+                  <a:pt x="4838980" y="3173027"/>
+                </a:cubicBezTo>
+                <a:lnTo>
+                  <a:pt x="4839574" y="3161677"/>
+                </a:lnTo>
+                <a:lnTo>
+                  <a:pt x="4840072" y="3161709"/>
+                </a:lnTo>
+                <a:close/>
+                <a:moveTo>
+                  <a:pt x="4826310" y="3161219"/>
+                </a:moveTo>
+                <a:lnTo>
+                  <a:pt x="4826336" y="3161709"/>
+                </a:lnTo>
+                <a:lnTo>
+                  <a:pt x="4826834" y="3161677"/>
+                </a:lnTo>
+                <a:lnTo>
+                  <a:pt x="4827428" y="3173027"/>
+                </a:lnTo>
+                <a:cubicBezTo>
+                  <a:pt x="4827428" y="3178663"/>
+                  <a:pt x="4827369" y="3184286"/>
+                  <a:pt x="4826057" y="3189869"/>
+                </a:cubicBezTo>
+                <a:cubicBezTo>
+                  <a:pt x="4826099" y="3220958"/>
+                  <a:pt x="4823649" y="3251607"/>
+                  <a:pt x="4818590" y="3281619"/>
+                </a:cubicBezTo>
+                <a:lnTo>
+                  <a:pt x="4818052" y="3288243"/>
+                </a:lnTo>
+                <a:cubicBezTo>
+                  <a:pt x="4817882" y="3288248"/>
+                  <a:pt x="4817714" y="3288253"/>
+                  <a:pt x="4817546" y="3288305"/>
+                </a:cubicBezTo>
+                <a:cubicBezTo>
+                  <a:pt x="4767271" y="3638399"/>
+                  <a:pt x="4486232" y="3916971"/>
+                  <a:pt x="4127381" y="3975903"/>
+                </a:cubicBezTo>
+                <a:lnTo>
+                  <a:pt x="4127264" y="3977042"/>
+                </a:lnTo>
+                <a:cubicBezTo>
+                  <a:pt x="4121954" y="3978045"/>
+                  <a:pt x="4116625" y="3978986"/>
+                  <a:pt x="4111048" y="3978570"/>
+                </a:cubicBezTo>
+                <a:cubicBezTo>
+                  <a:pt x="4079876" y="3984080"/>
+                  <a:pt x="4047996" y="3987038"/>
+                  <a:pt x="4015621" y="3987561"/>
+                </a:cubicBezTo>
+                <a:lnTo>
+                  <a:pt x="3998503" y="3989174"/>
+                </a:lnTo>
+                <a:lnTo>
+                  <a:pt x="3998477" y="3988683"/>
+                </a:lnTo>
+                <a:lnTo>
+                  <a:pt x="3997978" y="3988716"/>
+                </a:lnTo>
+                <a:cubicBezTo>
+                  <a:pt x="3997412" y="3984944"/>
+                  <a:pt x="3997385" y="3981158"/>
+                  <a:pt x="3997385" y="3977366"/>
+                </a:cubicBezTo>
+                <a:cubicBezTo>
+                  <a:pt x="3997385" y="3971728"/>
+                  <a:pt x="3997443" y="3966104"/>
+                  <a:pt x="3998755" y="3960518"/>
+                </a:cubicBezTo>
+                <a:cubicBezTo>
+                  <a:pt x="3998713" y="3929436"/>
+                  <a:pt x="4001163" y="3898794"/>
+                  <a:pt x="4006219" y="3868787"/>
+                </a:cubicBezTo>
+                <a:lnTo>
+                  <a:pt x="4006760" y="3862150"/>
+                </a:lnTo>
+                <a:cubicBezTo>
+                  <a:pt x="4006928" y="3862145"/>
+                  <a:pt x="4007098" y="3862140"/>
+                  <a:pt x="4007265" y="3862087"/>
+                </a:cubicBezTo>
+                <a:cubicBezTo>
+                  <a:pt x="4057542" y="3511992"/>
+                  <a:pt x="4338581" y="3233421"/>
+                  <a:pt x="4697431" y="3174489"/>
+                </a:cubicBezTo>
+                <a:lnTo>
+                  <a:pt x="4697548" y="3173350"/>
+                </a:lnTo>
+                <a:cubicBezTo>
+                  <a:pt x="4702857" y="3172348"/>
+                  <a:pt x="4708185" y="3171407"/>
+                  <a:pt x="4713761" y="3171823"/>
+                </a:cubicBezTo>
+                <a:cubicBezTo>
+                  <a:pt x="4744944" y="3166310"/>
+                  <a:pt x="4776837" y="3163352"/>
+                  <a:pt x="4809222" y="3162829"/>
+                </a:cubicBezTo>
+                <a:close/>
+                <a:moveTo>
+                  <a:pt x="3147947" y="3161219"/>
+                </a:moveTo>
+                <a:lnTo>
+                  <a:pt x="3165034" y="3162829"/>
+                </a:lnTo>
+                <a:cubicBezTo>
+                  <a:pt x="3197420" y="3163352"/>
+                  <a:pt x="3229312" y="3166310"/>
+                  <a:pt x="3260496" y="3171823"/>
+                </a:cubicBezTo>
+                <a:cubicBezTo>
+                  <a:pt x="3266072" y="3171407"/>
+                  <a:pt x="3271400" y="3172348"/>
+                  <a:pt x="3276708" y="3173350"/>
+                </a:cubicBezTo>
+                <a:lnTo>
+                  <a:pt x="3276826" y="3174489"/>
+                </a:lnTo>
+                <a:cubicBezTo>
+                  <a:pt x="3635676" y="3233421"/>
+                  <a:pt x="3916715" y="3511992"/>
+                  <a:pt x="3966991" y="3862087"/>
+                </a:cubicBezTo>
+                <a:cubicBezTo>
+                  <a:pt x="3967159" y="3862140"/>
+                  <a:pt x="3967328" y="3862145"/>
+                  <a:pt x="3967497" y="3862150"/>
+                </a:cubicBezTo>
+                <a:lnTo>
+                  <a:pt x="3968037" y="3868787"/>
+                </a:lnTo>
+                <a:cubicBezTo>
+                  <a:pt x="3973094" y="3898794"/>
+                  <a:pt x="3975543" y="3929436"/>
+                  <a:pt x="3975501" y="3960518"/>
+                </a:cubicBezTo>
+                <a:cubicBezTo>
+                  <a:pt x="3976813" y="3966104"/>
+                  <a:pt x="3976872" y="3971728"/>
+                  <a:pt x="3976872" y="3977366"/>
+                </a:cubicBezTo>
+                <a:cubicBezTo>
+                  <a:pt x="3976872" y="3981158"/>
+                  <a:pt x="3976845" y="3984944"/>
+                  <a:pt x="3976279" y="3988716"/>
+                </a:cubicBezTo>
+                <a:lnTo>
+                  <a:pt x="3975780" y="3988683"/>
+                </a:lnTo>
+                <a:lnTo>
+                  <a:pt x="3975754" y="3989174"/>
+                </a:lnTo>
+                <a:lnTo>
+                  <a:pt x="3958635" y="3987561"/>
+                </a:lnTo>
+                <a:cubicBezTo>
+                  <a:pt x="3926261" y="3987038"/>
+                  <a:pt x="3894381" y="3984080"/>
+                  <a:pt x="3863209" y="3978570"/>
+                </a:cubicBezTo>
+                <a:cubicBezTo>
+                  <a:pt x="3857632" y="3978986"/>
+                  <a:pt x="3852303" y="3978045"/>
+                  <a:pt x="3846992" y="3977042"/>
+                </a:cubicBezTo>
+                <a:lnTo>
+                  <a:pt x="3846876" y="3975903"/>
+                </a:lnTo>
+                <a:cubicBezTo>
+                  <a:pt x="3488025" y="3916971"/>
+                  <a:pt x="3206986" y="3638399"/>
+                  <a:pt x="3156710" y="3288305"/>
+                </a:cubicBezTo>
+                <a:cubicBezTo>
+                  <a:pt x="3156543" y="3288253"/>
+                  <a:pt x="3156374" y="3288248"/>
+                  <a:pt x="3156205" y="3288243"/>
+                </a:cubicBezTo>
+                <a:lnTo>
+                  <a:pt x="3155667" y="3281619"/>
+                </a:lnTo>
+                <a:cubicBezTo>
+                  <a:pt x="3150608" y="3251607"/>
+                  <a:pt x="3148157" y="3220958"/>
+                  <a:pt x="3148199" y="3189869"/>
+                </a:cubicBezTo>
+                <a:cubicBezTo>
+                  <a:pt x="3146887" y="3184286"/>
+                  <a:pt x="3146829" y="3178663"/>
+                  <a:pt x="3146829" y="3173027"/>
+                </a:cubicBezTo>
+                <a:lnTo>
+                  <a:pt x="3147423" y="3161677"/>
+                </a:lnTo>
+                <a:lnTo>
+                  <a:pt x="3147921" y="3161709"/>
+                </a:lnTo>
+                <a:close/>
+                <a:moveTo>
+                  <a:pt x="3134159" y="3161219"/>
+                </a:moveTo>
+                <a:lnTo>
+                  <a:pt x="3134185" y="3161709"/>
+                </a:lnTo>
+                <a:lnTo>
+                  <a:pt x="3134683" y="3161677"/>
+                </a:lnTo>
+                <a:lnTo>
+                  <a:pt x="3135277" y="3173027"/>
+                </a:lnTo>
+                <a:cubicBezTo>
+                  <a:pt x="3135277" y="3178663"/>
+                  <a:pt x="3135218" y="3184286"/>
+                  <a:pt x="3133906" y="3189869"/>
+                </a:cubicBezTo>
+                <a:cubicBezTo>
+                  <a:pt x="3133948" y="3220958"/>
+                  <a:pt x="3131498" y="3251607"/>
+                  <a:pt x="3126439" y="3281619"/>
+                </a:cubicBezTo>
+                <a:lnTo>
+                  <a:pt x="3125901" y="3288243"/>
+                </a:lnTo>
+                <a:cubicBezTo>
+                  <a:pt x="3125731" y="3288248"/>
+                  <a:pt x="3125563" y="3288253"/>
+                  <a:pt x="3125395" y="3288305"/>
+                </a:cubicBezTo>
+                <a:cubicBezTo>
+                  <a:pt x="3075120" y="3638399"/>
+                  <a:pt x="2794081" y="3916971"/>
+                  <a:pt x="2435230" y="3975903"/>
+                </a:cubicBezTo>
+                <a:lnTo>
+                  <a:pt x="2435113" y="3977042"/>
+                </a:lnTo>
+                <a:cubicBezTo>
+                  <a:pt x="2429803" y="3978045"/>
+                  <a:pt x="2424474" y="3978986"/>
+                  <a:pt x="2418897" y="3978570"/>
+                </a:cubicBezTo>
+                <a:cubicBezTo>
+                  <a:pt x="2387725" y="3984080"/>
+                  <a:pt x="2355845" y="3987038"/>
+                  <a:pt x="2323470" y="3987561"/>
+                </a:cubicBezTo>
+                <a:lnTo>
+                  <a:pt x="2306352" y="3989174"/>
+                </a:lnTo>
+                <a:lnTo>
+                  <a:pt x="2306326" y="3988683"/>
+                </a:lnTo>
+                <a:lnTo>
+                  <a:pt x="2305827" y="3988716"/>
+                </a:lnTo>
+                <a:cubicBezTo>
+                  <a:pt x="2305261" y="3984944"/>
+                  <a:pt x="2305234" y="3981158"/>
+                  <a:pt x="2305234" y="3977366"/>
+                </a:cubicBezTo>
+                <a:cubicBezTo>
+                  <a:pt x="2305234" y="3971728"/>
+                  <a:pt x="2305292" y="3966104"/>
+                  <a:pt x="2306604" y="3960518"/>
+                </a:cubicBezTo>
+                <a:cubicBezTo>
+                  <a:pt x="2306562" y="3929436"/>
+                  <a:pt x="2309012" y="3898794"/>
+                  <a:pt x="2314068" y="3868787"/>
+                </a:cubicBezTo>
+                <a:lnTo>
+                  <a:pt x="2314609" y="3862150"/>
+                </a:lnTo>
+                <a:cubicBezTo>
+                  <a:pt x="2314777" y="3862145"/>
+                  <a:pt x="2314947" y="3862140"/>
+                  <a:pt x="2315114" y="3862087"/>
+                </a:cubicBezTo>
+                <a:cubicBezTo>
+                  <a:pt x="2365391" y="3511992"/>
+                  <a:pt x="2646430" y="3233421"/>
+                  <a:pt x="3005280" y="3174489"/>
+                </a:cubicBezTo>
+                <a:lnTo>
+                  <a:pt x="3005397" y="3173350"/>
+                </a:lnTo>
+                <a:cubicBezTo>
+                  <a:pt x="3010706" y="3172348"/>
+                  <a:pt x="3016034" y="3171407"/>
+                  <a:pt x="3021610" y="3171823"/>
+                </a:cubicBezTo>
+                <a:cubicBezTo>
+                  <a:pt x="3052793" y="3166310"/>
+                  <a:pt x="3084686" y="3163352"/>
+                  <a:pt x="3117071" y="3162829"/>
+                </a:cubicBezTo>
+                <a:close/>
+                <a:moveTo>
+                  <a:pt x="1455796" y="3161219"/>
+                </a:moveTo>
+                <a:lnTo>
+                  <a:pt x="1472883" y="3162829"/>
+                </a:lnTo>
+                <a:cubicBezTo>
+                  <a:pt x="1505269" y="3163352"/>
+                  <a:pt x="1537161" y="3166310"/>
+                  <a:pt x="1568345" y="3171823"/>
+                </a:cubicBezTo>
+                <a:cubicBezTo>
+                  <a:pt x="1573921" y="3171407"/>
+                  <a:pt x="1579249" y="3172348"/>
+                  <a:pt x="1584557" y="3173350"/>
+                </a:cubicBezTo>
+                <a:lnTo>
+                  <a:pt x="1584675" y="3174489"/>
+                </a:lnTo>
+                <a:cubicBezTo>
+                  <a:pt x="1943525" y="3233421"/>
+                  <a:pt x="2224564" y="3511992"/>
+                  <a:pt x="2274840" y="3862087"/>
+                </a:cubicBezTo>
+                <a:cubicBezTo>
+                  <a:pt x="2275008" y="3862140"/>
+                  <a:pt x="2275177" y="3862145"/>
+                  <a:pt x="2275346" y="3862150"/>
+                </a:cubicBezTo>
+                <a:lnTo>
+                  <a:pt x="2275886" y="3868787"/>
+                </a:lnTo>
+                <a:cubicBezTo>
+                  <a:pt x="2280943" y="3898794"/>
+                  <a:pt x="2283392" y="3929436"/>
+                  <a:pt x="2283350" y="3960518"/>
+                </a:cubicBezTo>
+                <a:cubicBezTo>
+                  <a:pt x="2284662" y="3966104"/>
+                  <a:pt x="2284721" y="3971728"/>
+                  <a:pt x="2284721" y="3977366"/>
+                </a:cubicBezTo>
+                <a:cubicBezTo>
+                  <a:pt x="2284721" y="3981158"/>
+                  <a:pt x="2284694" y="3984944"/>
+                  <a:pt x="2284128" y="3988716"/>
+                </a:cubicBezTo>
+                <a:lnTo>
+                  <a:pt x="2283629" y="3988683"/>
+                </a:lnTo>
+                <a:lnTo>
+                  <a:pt x="2283603" y="3989174"/>
+                </a:lnTo>
+                <a:lnTo>
+                  <a:pt x="2266484" y="3987561"/>
+                </a:lnTo>
+                <a:cubicBezTo>
+                  <a:pt x="2234110" y="3987038"/>
+                  <a:pt x="2202230" y="3984080"/>
+                  <a:pt x="2171058" y="3978570"/>
+                </a:cubicBezTo>
+                <a:cubicBezTo>
+                  <a:pt x="2165481" y="3978986"/>
+                  <a:pt x="2160152" y="3978045"/>
+                  <a:pt x="2154841" y="3977042"/>
+                </a:cubicBezTo>
+                <a:lnTo>
+                  <a:pt x="2154725" y="3975903"/>
+                </a:lnTo>
+                <a:cubicBezTo>
+                  <a:pt x="1795874" y="3916971"/>
+                  <a:pt x="1514835" y="3638399"/>
+                  <a:pt x="1464559" y="3288305"/>
+                </a:cubicBezTo>
+                <a:cubicBezTo>
+                  <a:pt x="1464392" y="3288253"/>
+                  <a:pt x="1464223" y="3288248"/>
+                  <a:pt x="1464054" y="3288243"/>
+                </a:cubicBezTo>
+                <a:lnTo>
+                  <a:pt x="1463515" y="3281619"/>
+                </a:lnTo>
+                <a:cubicBezTo>
+                  <a:pt x="1458457" y="3251607"/>
+                  <a:pt x="1456006" y="3220958"/>
+                  <a:pt x="1456048" y="3189869"/>
+                </a:cubicBezTo>
+                <a:cubicBezTo>
+                  <a:pt x="1454736" y="3184286"/>
+                  <a:pt x="1454678" y="3178663"/>
+                  <a:pt x="1454678" y="3173027"/>
+                </a:cubicBezTo>
+                <a:lnTo>
+                  <a:pt x="1455272" y="3161677"/>
+                </a:lnTo>
+                <a:lnTo>
+                  <a:pt x="1455770" y="3161709"/>
+                </a:lnTo>
+                <a:close/>
+                <a:moveTo>
+                  <a:pt x="1442008" y="3161219"/>
+                </a:moveTo>
+                <a:lnTo>
+                  <a:pt x="1442034" y="3161709"/>
+                </a:lnTo>
+                <a:lnTo>
+                  <a:pt x="1442532" y="3161677"/>
+                </a:lnTo>
+                <a:lnTo>
+                  <a:pt x="1443126" y="3173027"/>
+                </a:lnTo>
+                <a:cubicBezTo>
+                  <a:pt x="1443126" y="3178663"/>
+                  <a:pt x="1443067" y="3184286"/>
+                  <a:pt x="1441755" y="3189869"/>
+                </a:cubicBezTo>
+                <a:cubicBezTo>
+                  <a:pt x="1441797" y="3220958"/>
+                  <a:pt x="1439347" y="3251607"/>
+                  <a:pt x="1434288" y="3281619"/>
+                </a:cubicBezTo>
+                <a:lnTo>
+                  <a:pt x="1433750" y="3288243"/>
+                </a:lnTo>
+                <a:cubicBezTo>
+                  <a:pt x="1433580" y="3288248"/>
+                  <a:pt x="1433412" y="3288253"/>
+                  <a:pt x="1433244" y="3288305"/>
+                </a:cubicBezTo>
+                <a:cubicBezTo>
+                  <a:pt x="1382969" y="3638399"/>
+                  <a:pt x="1101930" y="3916971"/>
+                  <a:pt x="743079" y="3975903"/>
+                </a:cubicBezTo>
+                <a:lnTo>
+                  <a:pt x="742962" y="3977042"/>
+                </a:lnTo>
+                <a:cubicBezTo>
+                  <a:pt x="737652" y="3978045"/>
+                  <a:pt x="732323" y="3978986"/>
+                  <a:pt x="726746" y="3978570"/>
+                </a:cubicBezTo>
+                <a:cubicBezTo>
+                  <a:pt x="695574" y="3984080"/>
+                  <a:pt x="663693" y="3987038"/>
+                  <a:pt x="631319" y="3987561"/>
+                </a:cubicBezTo>
+                <a:lnTo>
+                  <a:pt x="614201" y="3989174"/>
+                </a:lnTo>
+                <a:lnTo>
+                  <a:pt x="614175" y="3988683"/>
+                </a:lnTo>
+                <a:lnTo>
+                  <a:pt x="613676" y="3988716"/>
+                </a:lnTo>
+                <a:cubicBezTo>
+                  <a:pt x="613110" y="3984944"/>
+                  <a:pt x="613083" y="3981158"/>
+                  <a:pt x="613083" y="3977366"/>
+                </a:cubicBezTo>
+                <a:cubicBezTo>
+                  <a:pt x="613083" y="3971728"/>
+                  <a:pt x="613141" y="3966104"/>
+                  <a:pt x="614453" y="3960518"/>
+                </a:cubicBezTo>
+                <a:cubicBezTo>
+                  <a:pt x="614411" y="3929436"/>
+                  <a:pt x="616861" y="3898794"/>
+                  <a:pt x="621917" y="3868787"/>
+                </a:cubicBezTo>
+                <a:lnTo>
+                  <a:pt x="622458" y="3862150"/>
+                </a:lnTo>
+                <a:cubicBezTo>
+                  <a:pt x="622626" y="3862145"/>
+                  <a:pt x="622796" y="3862140"/>
+                  <a:pt x="622963" y="3862087"/>
+                </a:cubicBezTo>
+                <a:cubicBezTo>
+                  <a:pt x="673240" y="3511992"/>
+                  <a:pt x="954279" y="3233421"/>
+                  <a:pt x="1313129" y="3174489"/>
+                </a:cubicBezTo>
+                <a:lnTo>
+                  <a:pt x="1313246" y="3173350"/>
+                </a:lnTo>
+                <a:cubicBezTo>
+                  <a:pt x="1318555" y="3172348"/>
+                  <a:pt x="1323883" y="3171407"/>
+                  <a:pt x="1329459" y="3171823"/>
+                </a:cubicBezTo>
+                <a:cubicBezTo>
+                  <a:pt x="1360642" y="3166310"/>
+                  <a:pt x="1392535" y="3163352"/>
+                  <a:pt x="1424920" y="3162829"/>
+                </a:cubicBezTo>
+                <a:close/>
+                <a:moveTo>
+                  <a:pt x="10909360" y="2447425"/>
+                </a:moveTo>
+                <a:cubicBezTo>
+                  <a:pt x="10962636" y="2718331"/>
+                  <a:pt x="11177479" y="2933128"/>
+                  <a:pt x="11452669" y="2992271"/>
+                </a:cubicBezTo>
+                <a:cubicBezTo>
+                  <a:pt x="11399394" y="2721365"/>
+                  <a:pt x="11184550" y="2506568"/>
+                  <a:pt x="10909360" y="2447425"/>
+                </a:cubicBezTo>
+                <a:close/>
+                <a:moveTo>
+                  <a:pt x="10602109" y="2447425"/>
+                </a:moveTo>
+                <a:cubicBezTo>
+                  <a:pt x="10326919" y="2506568"/>
+                  <a:pt x="10112075" y="2721365"/>
+                  <a:pt x="10058800" y="2992271"/>
+                </a:cubicBezTo>
+                <a:cubicBezTo>
+                  <a:pt x="10333990" y="2933128"/>
+                  <a:pt x="10548833" y="2718331"/>
+                  <a:pt x="10602109" y="2447425"/>
+                </a:cubicBezTo>
+                <a:close/>
+                <a:moveTo>
+                  <a:pt x="9217207" y="2447425"/>
+                </a:moveTo>
+                <a:cubicBezTo>
+                  <a:pt x="9270483" y="2718331"/>
+                  <a:pt x="9485326" y="2933128"/>
+                  <a:pt x="9760516" y="2992271"/>
+                </a:cubicBezTo>
+                <a:cubicBezTo>
+                  <a:pt x="9707241" y="2721365"/>
+                  <a:pt x="9492397" y="2506568"/>
+                  <a:pt x="9217207" y="2447425"/>
+                </a:cubicBezTo>
+                <a:close/>
+                <a:moveTo>
+                  <a:pt x="8909958" y="2447425"/>
+                </a:moveTo>
+                <a:cubicBezTo>
+                  <a:pt x="8634768" y="2506568"/>
+                  <a:pt x="8419924" y="2721365"/>
+                  <a:pt x="8366649" y="2992271"/>
+                </a:cubicBezTo>
+                <a:cubicBezTo>
+                  <a:pt x="8641839" y="2933128"/>
+                  <a:pt x="8856682" y="2718331"/>
+                  <a:pt x="8909958" y="2447425"/>
+                </a:cubicBezTo>
+                <a:close/>
+                <a:moveTo>
+                  <a:pt x="7525056" y="2447425"/>
+                </a:moveTo>
+                <a:cubicBezTo>
+                  <a:pt x="7578332" y="2718331"/>
+                  <a:pt x="7793175" y="2933128"/>
+                  <a:pt x="8068365" y="2992271"/>
+                </a:cubicBezTo>
+                <a:cubicBezTo>
+                  <a:pt x="8015090" y="2721365"/>
+                  <a:pt x="7800246" y="2506568"/>
+                  <a:pt x="7525056" y="2447425"/>
+                </a:cubicBezTo>
+                <a:close/>
+                <a:moveTo>
+                  <a:pt x="7217807" y="2447425"/>
+                </a:moveTo>
+                <a:cubicBezTo>
+                  <a:pt x="6942617" y="2506568"/>
+                  <a:pt x="6727773" y="2721365"/>
+                  <a:pt x="6674498" y="2992271"/>
+                </a:cubicBezTo>
+                <a:cubicBezTo>
+                  <a:pt x="6949688" y="2933128"/>
+                  <a:pt x="7164531" y="2718331"/>
+                  <a:pt x="7217807" y="2447425"/>
+                </a:cubicBezTo>
+                <a:close/>
+                <a:moveTo>
+                  <a:pt x="5832905" y="2447425"/>
+                </a:moveTo>
+                <a:cubicBezTo>
+                  <a:pt x="5886181" y="2718331"/>
+                  <a:pt x="6101024" y="2933128"/>
+                  <a:pt x="6376214" y="2992271"/>
+                </a:cubicBezTo>
+                <a:cubicBezTo>
+                  <a:pt x="6322939" y="2721365"/>
+                  <a:pt x="6108095" y="2506568"/>
+                  <a:pt x="5832905" y="2447425"/>
+                </a:cubicBezTo>
+                <a:close/>
+                <a:moveTo>
+                  <a:pt x="5525656" y="2447425"/>
+                </a:moveTo>
+                <a:cubicBezTo>
+                  <a:pt x="5250466" y="2506568"/>
+                  <a:pt x="5035622" y="2721365"/>
+                  <a:pt x="4982347" y="2992271"/>
+                </a:cubicBezTo>
+                <a:cubicBezTo>
+                  <a:pt x="5257537" y="2933128"/>
+                  <a:pt x="5472380" y="2718331"/>
+                  <a:pt x="5525656" y="2447425"/>
+                </a:cubicBezTo>
+                <a:close/>
+                <a:moveTo>
+                  <a:pt x="4140754" y="2447425"/>
+                </a:moveTo>
+                <a:cubicBezTo>
+                  <a:pt x="4194030" y="2718331"/>
+                  <a:pt x="4408873" y="2933128"/>
+                  <a:pt x="4684063" y="2992271"/>
+                </a:cubicBezTo>
+                <a:cubicBezTo>
+                  <a:pt x="4630788" y="2721365"/>
+                  <a:pt x="4415944" y="2506568"/>
+                  <a:pt x="4140754" y="2447425"/>
+                </a:cubicBezTo>
+                <a:close/>
+                <a:moveTo>
+                  <a:pt x="3833505" y="2447425"/>
+                </a:moveTo>
+                <a:cubicBezTo>
+                  <a:pt x="3558315" y="2506568"/>
+                  <a:pt x="3343471" y="2721365"/>
+                  <a:pt x="3290196" y="2992271"/>
+                </a:cubicBezTo>
+                <a:cubicBezTo>
+                  <a:pt x="3565386" y="2933128"/>
+                  <a:pt x="3780229" y="2718331"/>
+                  <a:pt x="3833505" y="2447425"/>
+                </a:cubicBezTo>
+                <a:close/>
+                <a:moveTo>
+                  <a:pt x="2448603" y="2447425"/>
+                </a:moveTo>
+                <a:cubicBezTo>
+                  <a:pt x="2501879" y="2718331"/>
+                  <a:pt x="2716722" y="2933128"/>
+                  <a:pt x="2991912" y="2992271"/>
+                </a:cubicBezTo>
+                <a:cubicBezTo>
+                  <a:pt x="2938637" y="2721365"/>
+                  <a:pt x="2723793" y="2506568"/>
+                  <a:pt x="2448603" y="2447425"/>
+                </a:cubicBezTo>
+                <a:close/>
+                <a:moveTo>
+                  <a:pt x="2141354" y="2447425"/>
+                </a:moveTo>
+                <a:cubicBezTo>
+                  <a:pt x="1866164" y="2506568"/>
+                  <a:pt x="1651320" y="2721365"/>
+                  <a:pt x="1598045" y="2992271"/>
+                </a:cubicBezTo>
+                <a:cubicBezTo>
+                  <a:pt x="1873235" y="2933128"/>
+                  <a:pt x="2088078" y="2718331"/>
+                  <a:pt x="2141354" y="2447425"/>
+                </a:cubicBezTo>
+                <a:close/>
+                <a:moveTo>
+                  <a:pt x="756452" y="2447425"/>
+                </a:moveTo>
+                <a:cubicBezTo>
+                  <a:pt x="809728" y="2718331"/>
+                  <a:pt x="1024571" y="2933128"/>
+                  <a:pt x="1299761" y="2992271"/>
+                </a:cubicBezTo>
+                <a:cubicBezTo>
+                  <a:pt x="1246486" y="2721365"/>
+                  <a:pt x="1031642" y="2506568"/>
+                  <a:pt x="756452" y="2447425"/>
+                </a:cubicBezTo>
+                <a:close/>
+                <a:moveTo>
+                  <a:pt x="12192000" y="2344615"/>
+                </a:moveTo>
+                <a:lnTo>
+                  <a:pt x="12192000" y="2477663"/>
+                </a:lnTo>
+                <a:cubicBezTo>
+                  <a:pt x="11966807" y="2562375"/>
+                  <a:pt x="11797421" y="2755980"/>
+                  <a:pt x="11750953" y="2992271"/>
+                </a:cubicBezTo>
+                <a:cubicBezTo>
+                  <a:pt x="11935988" y="2952504"/>
+                  <a:pt x="12093739" y="2842365"/>
+                  <a:pt x="12192000" y="2691161"/>
+                </a:cubicBezTo>
+                <a:lnTo>
+                  <a:pt x="12192000" y="2892735"/>
+                </a:lnTo>
+                <a:cubicBezTo>
+                  <a:pt x="12071770" y="3011736"/>
+                  <a:pt x="11914089" y="3094511"/>
+                  <a:pt x="11737582" y="3123727"/>
+                </a:cubicBezTo>
+                <a:lnTo>
+                  <a:pt x="11737466" y="3124875"/>
+                </a:lnTo>
+                <a:cubicBezTo>
+                  <a:pt x="11732155" y="3125886"/>
+                  <a:pt x="11726826" y="3126834"/>
+                  <a:pt x="11721249" y="3126415"/>
+                </a:cubicBezTo>
+                <a:cubicBezTo>
+                  <a:pt x="11690077" y="3131969"/>
+                  <a:pt x="11658197" y="3134950"/>
+                  <a:pt x="11625822" y="3135477"/>
+                </a:cubicBezTo>
+                <a:lnTo>
+                  <a:pt x="11608704" y="3137103"/>
+                </a:lnTo>
+                <a:lnTo>
+                  <a:pt x="11608678" y="3136608"/>
+                </a:lnTo>
+                <a:lnTo>
+                  <a:pt x="11608179" y="3136641"/>
+                </a:lnTo>
+                <a:cubicBezTo>
+                  <a:pt x="11607613" y="3132839"/>
+                  <a:pt x="11607586" y="3129023"/>
+                  <a:pt x="11607586" y="3125201"/>
+                </a:cubicBezTo>
+                <a:cubicBezTo>
+                  <a:pt x="11607586" y="3119519"/>
+                  <a:pt x="11607645" y="3113850"/>
+                  <a:pt x="11608957" y="3108220"/>
+                </a:cubicBezTo>
+                <a:cubicBezTo>
+                  <a:pt x="11608914" y="3076892"/>
+                  <a:pt x="11611364" y="3046007"/>
+                  <a:pt x="11616421" y="3015763"/>
+                </a:cubicBezTo>
+                <a:lnTo>
+                  <a:pt x="11616961" y="3009073"/>
+                </a:lnTo>
+                <a:cubicBezTo>
+                  <a:pt x="11617130" y="3009068"/>
+                  <a:pt x="11617299" y="3009063"/>
+                  <a:pt x="11617466" y="3009010"/>
+                </a:cubicBezTo>
+                <a:cubicBezTo>
+                  <a:pt x="11662185" y="2695154"/>
+                  <a:pt x="11889463" y="2438329"/>
+                  <a:pt x="12192000" y="2344615"/>
+                </a:cubicBezTo>
+                <a:close/>
+                <a:moveTo>
+                  <a:pt x="10767111" y="2302594"/>
+                </a:moveTo>
+                <a:lnTo>
+                  <a:pt x="10784198" y="2304217"/>
+                </a:lnTo>
+                <a:cubicBezTo>
+                  <a:pt x="10816584" y="2304744"/>
+                  <a:pt x="10848477" y="2307725"/>
+                  <a:pt x="10879660" y="2313282"/>
+                </a:cubicBezTo>
+                <a:cubicBezTo>
+                  <a:pt x="10885236" y="2312863"/>
+                  <a:pt x="10890564" y="2313811"/>
+                  <a:pt x="10895873" y="2314821"/>
+                </a:cubicBezTo>
+                <a:lnTo>
+                  <a:pt x="10895990" y="2315969"/>
+                </a:lnTo>
+                <a:cubicBezTo>
+                  <a:pt x="11254840" y="2375367"/>
+                  <a:pt x="11535879" y="2656144"/>
+                  <a:pt x="11586156" y="3009010"/>
+                </a:cubicBezTo>
+                <a:cubicBezTo>
+                  <a:pt x="11586323" y="3009063"/>
+                  <a:pt x="11586492" y="3009068"/>
+                  <a:pt x="11586661" y="3009073"/>
+                </a:cubicBezTo>
+                <a:lnTo>
+                  <a:pt x="11587201" y="3015763"/>
+                </a:lnTo>
+                <a:cubicBezTo>
+                  <a:pt x="11592258" y="3046007"/>
+                  <a:pt x="11594708" y="3076892"/>
+                  <a:pt x="11594665" y="3108220"/>
+                </a:cubicBezTo>
+                <a:cubicBezTo>
+                  <a:pt x="11595977" y="3113850"/>
+                  <a:pt x="11596036" y="3119519"/>
+                  <a:pt x="11596036" y="3125201"/>
+                </a:cubicBezTo>
+                <a:cubicBezTo>
+                  <a:pt x="11596036" y="3129023"/>
+                  <a:pt x="11596009" y="3132839"/>
+                  <a:pt x="11595443" y="3136641"/>
+                </a:cubicBezTo>
+                <a:lnTo>
+                  <a:pt x="11594944" y="3136608"/>
+                </a:lnTo>
+                <a:lnTo>
+                  <a:pt x="11594918" y="3137103"/>
+                </a:lnTo>
+                <a:lnTo>
+                  <a:pt x="11577800" y="3135477"/>
+                </a:lnTo>
+                <a:cubicBezTo>
+                  <a:pt x="11545425" y="3134950"/>
+                  <a:pt x="11513545" y="3131969"/>
+                  <a:pt x="11482373" y="3126415"/>
+                </a:cubicBezTo>
+                <a:cubicBezTo>
+                  <a:pt x="11476796" y="3126834"/>
+                  <a:pt x="11471467" y="3125886"/>
+                  <a:pt x="11466156" y="3124875"/>
+                </a:cubicBezTo>
+                <a:lnTo>
+                  <a:pt x="11466040" y="3123727"/>
+                </a:lnTo>
+                <a:cubicBezTo>
+                  <a:pt x="11107189" y="3064328"/>
+                  <a:pt x="10826150" y="2783551"/>
+                  <a:pt x="10775875" y="2430686"/>
+                </a:cubicBezTo>
+                <a:cubicBezTo>
+                  <a:pt x="10775707" y="2430633"/>
+                  <a:pt x="10775539" y="2430628"/>
+                  <a:pt x="10775369" y="2430623"/>
+                </a:cubicBezTo>
+                <a:lnTo>
+                  <a:pt x="10774831" y="2423947"/>
+                </a:lnTo>
+                <a:cubicBezTo>
+                  <a:pt x="10769772" y="2393697"/>
+                  <a:pt x="10767321" y="2362806"/>
+                  <a:pt x="10767364" y="2331471"/>
+                </a:cubicBezTo>
+                <a:cubicBezTo>
+                  <a:pt x="10766052" y="2325843"/>
+                  <a:pt x="10765993" y="2320176"/>
+                  <a:pt x="10765993" y="2314495"/>
+                </a:cubicBezTo>
+                <a:lnTo>
+                  <a:pt x="10766587" y="2303055"/>
+                </a:lnTo>
+                <a:lnTo>
+                  <a:pt x="10767085" y="2303088"/>
+                </a:lnTo>
+                <a:close/>
+                <a:moveTo>
+                  <a:pt x="10744358" y="2302594"/>
+                </a:moveTo>
+                <a:lnTo>
+                  <a:pt x="10744384" y="2303088"/>
+                </a:lnTo>
+                <a:lnTo>
+                  <a:pt x="10744882" y="2303055"/>
+                </a:lnTo>
+                <a:lnTo>
+                  <a:pt x="10745476" y="2314495"/>
+                </a:lnTo>
+                <a:cubicBezTo>
+                  <a:pt x="10745476" y="2320176"/>
+                  <a:pt x="10745417" y="2325843"/>
+                  <a:pt x="10744105" y="2331471"/>
+                </a:cubicBezTo>
+                <a:cubicBezTo>
+                  <a:pt x="10744148" y="2362806"/>
+                  <a:pt x="10741697" y="2393697"/>
+                  <a:pt x="10736638" y="2423947"/>
+                </a:cubicBezTo>
+                <a:lnTo>
+                  <a:pt x="10736100" y="2430623"/>
+                </a:lnTo>
+                <a:cubicBezTo>
+                  <a:pt x="10735930" y="2430628"/>
+                  <a:pt x="10735762" y="2430633"/>
+                  <a:pt x="10735594" y="2430686"/>
+                </a:cubicBezTo>
+                <a:cubicBezTo>
+                  <a:pt x="10685319" y="2783551"/>
+                  <a:pt x="10404280" y="3064328"/>
+                  <a:pt x="10045429" y="3123727"/>
+                </a:cubicBezTo>
+                <a:lnTo>
+                  <a:pt x="10045313" y="3124875"/>
+                </a:lnTo>
+                <a:cubicBezTo>
+                  <a:pt x="10040002" y="3125886"/>
+                  <a:pt x="10034673" y="3126834"/>
+                  <a:pt x="10029096" y="3126415"/>
+                </a:cubicBezTo>
+                <a:cubicBezTo>
+                  <a:pt x="9997924" y="3131969"/>
+                  <a:pt x="9966044" y="3134950"/>
+                  <a:pt x="9933669" y="3135477"/>
+                </a:cubicBezTo>
+                <a:lnTo>
+                  <a:pt x="9916551" y="3137103"/>
+                </a:lnTo>
+                <a:lnTo>
+                  <a:pt x="9916525" y="3136608"/>
+                </a:lnTo>
+                <a:lnTo>
+                  <a:pt x="9916026" y="3136641"/>
+                </a:lnTo>
+                <a:cubicBezTo>
+                  <a:pt x="9915460" y="3132839"/>
+                  <a:pt x="9915433" y="3129023"/>
+                  <a:pt x="9915433" y="3125201"/>
+                </a:cubicBezTo>
+                <a:cubicBezTo>
+                  <a:pt x="9915433" y="3119519"/>
+                  <a:pt x="9915492" y="3113850"/>
+                  <a:pt x="9916804" y="3108220"/>
+                </a:cubicBezTo>
+                <a:cubicBezTo>
+                  <a:pt x="9916761" y="3076892"/>
+                  <a:pt x="9919211" y="3046007"/>
+                  <a:pt x="9924268" y="3015763"/>
+                </a:cubicBezTo>
+                <a:lnTo>
+                  <a:pt x="9924808" y="3009073"/>
+                </a:lnTo>
+                <a:cubicBezTo>
+                  <a:pt x="9924977" y="3009068"/>
+                  <a:pt x="9925146" y="3009063"/>
+                  <a:pt x="9925314" y="3009010"/>
+                </a:cubicBezTo>
+                <a:cubicBezTo>
+                  <a:pt x="9975590" y="2656144"/>
+                  <a:pt x="10256629" y="2375367"/>
+                  <a:pt x="10615479" y="2315969"/>
+                </a:cubicBezTo>
+                <a:lnTo>
+                  <a:pt x="10615596" y="2314821"/>
+                </a:lnTo>
+                <a:cubicBezTo>
+                  <a:pt x="10620905" y="2313811"/>
+                  <a:pt x="10626233" y="2312863"/>
+                  <a:pt x="10631809" y="2313282"/>
+                </a:cubicBezTo>
+                <a:cubicBezTo>
+                  <a:pt x="10662992" y="2307725"/>
+                  <a:pt x="10694885" y="2304744"/>
+                  <a:pt x="10727271" y="2304217"/>
+                </a:cubicBezTo>
+                <a:close/>
+                <a:moveTo>
+                  <a:pt x="9074958" y="2302594"/>
+                </a:moveTo>
+                <a:lnTo>
+                  <a:pt x="9092045" y="2304217"/>
+                </a:lnTo>
+                <a:cubicBezTo>
+                  <a:pt x="9124431" y="2304744"/>
+                  <a:pt x="9156324" y="2307725"/>
+                  <a:pt x="9187507" y="2313282"/>
+                </a:cubicBezTo>
+                <a:cubicBezTo>
+                  <a:pt x="9193083" y="2312863"/>
+                  <a:pt x="9198411" y="2313811"/>
+                  <a:pt x="9203720" y="2314821"/>
+                </a:cubicBezTo>
+                <a:lnTo>
+                  <a:pt x="9203837" y="2315969"/>
+                </a:lnTo>
+                <a:cubicBezTo>
+                  <a:pt x="9562687" y="2375367"/>
+                  <a:pt x="9843726" y="2656144"/>
+                  <a:pt x="9894002" y="3009010"/>
+                </a:cubicBezTo>
+                <a:cubicBezTo>
+                  <a:pt x="9894170" y="3009063"/>
+                  <a:pt x="9894339" y="3009068"/>
+                  <a:pt x="9894508" y="3009073"/>
+                </a:cubicBezTo>
+                <a:lnTo>
+                  <a:pt x="9895048" y="3015763"/>
+                </a:lnTo>
+                <a:cubicBezTo>
+                  <a:pt x="9900105" y="3046007"/>
+                  <a:pt x="9902555" y="3076892"/>
+                  <a:pt x="9902512" y="3108220"/>
+                </a:cubicBezTo>
+                <a:cubicBezTo>
+                  <a:pt x="9903824" y="3113850"/>
+                  <a:pt x="9903883" y="3119519"/>
+                  <a:pt x="9903883" y="3125201"/>
+                </a:cubicBezTo>
+                <a:cubicBezTo>
+                  <a:pt x="9903883" y="3129023"/>
+                  <a:pt x="9903856" y="3132839"/>
+                  <a:pt x="9903290" y="3136641"/>
+                </a:cubicBezTo>
+                <a:lnTo>
+                  <a:pt x="9902791" y="3136608"/>
+                </a:lnTo>
+                <a:lnTo>
+                  <a:pt x="9902765" y="3137103"/>
+                </a:lnTo>
+                <a:lnTo>
+                  <a:pt x="9885647" y="3135477"/>
+                </a:lnTo>
+                <a:cubicBezTo>
+                  <a:pt x="9853272" y="3134950"/>
+                  <a:pt x="9821392" y="3131969"/>
+                  <a:pt x="9790220" y="3126415"/>
+                </a:cubicBezTo>
+                <a:cubicBezTo>
+                  <a:pt x="9784643" y="3126834"/>
+                  <a:pt x="9779314" y="3125886"/>
+                  <a:pt x="9774003" y="3124875"/>
+                </a:cubicBezTo>
+                <a:lnTo>
+                  <a:pt x="9773887" y="3123727"/>
+                </a:lnTo>
+                <a:cubicBezTo>
+                  <a:pt x="9415036" y="3064328"/>
+                  <a:pt x="9133997" y="2783551"/>
+                  <a:pt x="9083722" y="2430686"/>
+                </a:cubicBezTo>
+                <a:cubicBezTo>
+                  <a:pt x="9083554" y="2430633"/>
+                  <a:pt x="9083386" y="2430628"/>
+                  <a:pt x="9083216" y="2430623"/>
+                </a:cubicBezTo>
+                <a:lnTo>
+                  <a:pt x="9082678" y="2423947"/>
+                </a:lnTo>
+                <a:cubicBezTo>
+                  <a:pt x="9077619" y="2393697"/>
+                  <a:pt x="9075168" y="2362806"/>
+                  <a:pt x="9075211" y="2331471"/>
+                </a:cubicBezTo>
+                <a:cubicBezTo>
+                  <a:pt x="9073899" y="2325843"/>
+                  <a:pt x="9073840" y="2320176"/>
+                  <a:pt x="9073840" y="2314495"/>
+                </a:cubicBezTo>
+                <a:lnTo>
+                  <a:pt x="9074434" y="2303055"/>
+                </a:lnTo>
+                <a:lnTo>
+                  <a:pt x="9074932" y="2303088"/>
+                </a:lnTo>
+                <a:close/>
+                <a:moveTo>
+                  <a:pt x="9052207" y="2302594"/>
+                </a:moveTo>
+                <a:lnTo>
+                  <a:pt x="9052233" y="2303088"/>
+                </a:lnTo>
+                <a:lnTo>
+                  <a:pt x="9052731" y="2303055"/>
+                </a:lnTo>
+                <a:lnTo>
+                  <a:pt x="9053325" y="2314495"/>
+                </a:lnTo>
+                <a:cubicBezTo>
+                  <a:pt x="9053325" y="2320176"/>
+                  <a:pt x="9053266" y="2325843"/>
+                  <a:pt x="9051954" y="2331471"/>
+                </a:cubicBezTo>
+                <a:cubicBezTo>
+                  <a:pt x="9051997" y="2362806"/>
+                  <a:pt x="9049546" y="2393697"/>
+                  <a:pt x="9044487" y="2423947"/>
+                </a:cubicBezTo>
+                <a:lnTo>
+                  <a:pt x="9043949" y="2430623"/>
+                </a:lnTo>
+                <a:cubicBezTo>
+                  <a:pt x="9043779" y="2430628"/>
+                  <a:pt x="9043611" y="2430633"/>
+                  <a:pt x="9043443" y="2430686"/>
+                </a:cubicBezTo>
+                <a:cubicBezTo>
+                  <a:pt x="8993168" y="2783551"/>
+                  <a:pt x="8712129" y="3064328"/>
+                  <a:pt x="8353278" y="3123727"/>
+                </a:cubicBezTo>
+                <a:lnTo>
+                  <a:pt x="8353162" y="3124875"/>
+                </a:lnTo>
+                <a:cubicBezTo>
+                  <a:pt x="8347851" y="3125886"/>
+                  <a:pt x="8342522" y="3126834"/>
+                  <a:pt x="8336945" y="3126415"/>
+                </a:cubicBezTo>
+                <a:cubicBezTo>
+                  <a:pt x="8305773" y="3131969"/>
+                  <a:pt x="8273893" y="3134950"/>
+                  <a:pt x="8241519" y="3135477"/>
+                </a:cubicBezTo>
+                <a:lnTo>
+                  <a:pt x="8224400" y="3137103"/>
+                </a:lnTo>
+                <a:lnTo>
+                  <a:pt x="8224374" y="3136608"/>
+                </a:lnTo>
+                <a:lnTo>
+                  <a:pt x="8223875" y="3136641"/>
+                </a:lnTo>
+                <a:cubicBezTo>
+                  <a:pt x="8223309" y="3132839"/>
+                  <a:pt x="8223282" y="3129023"/>
+                  <a:pt x="8223282" y="3125201"/>
+                </a:cubicBezTo>
+                <a:cubicBezTo>
+                  <a:pt x="8223282" y="3119519"/>
+                  <a:pt x="8223341" y="3113850"/>
+                  <a:pt x="8224653" y="3108220"/>
+                </a:cubicBezTo>
+                <a:cubicBezTo>
+                  <a:pt x="8224611" y="3076892"/>
+                  <a:pt x="8227060" y="3046007"/>
+                  <a:pt x="8232117" y="3015763"/>
+                </a:cubicBezTo>
+                <a:lnTo>
+                  <a:pt x="8232657" y="3009073"/>
+                </a:lnTo>
+                <a:cubicBezTo>
+                  <a:pt x="8232826" y="3009068"/>
+                  <a:pt x="8232995" y="3009063"/>
+                  <a:pt x="8233163" y="3009010"/>
+                </a:cubicBezTo>
+                <a:cubicBezTo>
+                  <a:pt x="8283439" y="2656144"/>
+                  <a:pt x="8564478" y="2375367"/>
+                  <a:pt x="8923328" y="2315969"/>
+                </a:cubicBezTo>
+                <a:lnTo>
+                  <a:pt x="8923445" y="2314821"/>
+                </a:lnTo>
+                <a:cubicBezTo>
+                  <a:pt x="8928754" y="2313811"/>
+                  <a:pt x="8934082" y="2312863"/>
+                  <a:pt x="8939658" y="2313282"/>
+                </a:cubicBezTo>
+                <a:cubicBezTo>
+                  <a:pt x="8970841" y="2307725"/>
+                  <a:pt x="9002734" y="2304744"/>
+                  <a:pt x="9035120" y="2304217"/>
+                </a:cubicBezTo>
+                <a:close/>
+                <a:moveTo>
+                  <a:pt x="7382807" y="2302594"/>
+                </a:moveTo>
+                <a:lnTo>
+                  <a:pt x="7399895" y="2304217"/>
+                </a:lnTo>
+                <a:cubicBezTo>
+                  <a:pt x="7432280" y="2304744"/>
+                  <a:pt x="7464173" y="2307725"/>
+                  <a:pt x="7495356" y="2313282"/>
+                </a:cubicBezTo>
+                <a:cubicBezTo>
+                  <a:pt x="7500932" y="2312863"/>
+                  <a:pt x="7506260" y="2313811"/>
+                  <a:pt x="7511569" y="2314821"/>
+                </a:cubicBezTo>
+                <a:lnTo>
+                  <a:pt x="7511686" y="2315969"/>
+                </a:lnTo>
+                <a:cubicBezTo>
+                  <a:pt x="7870536" y="2375367"/>
+                  <a:pt x="8151575" y="2656144"/>
+                  <a:pt x="8201852" y="3009010"/>
+                </a:cubicBezTo>
+                <a:cubicBezTo>
+                  <a:pt x="8202019" y="3009063"/>
+                  <a:pt x="8202189" y="3009068"/>
+                  <a:pt x="8202357" y="3009073"/>
+                </a:cubicBezTo>
+                <a:lnTo>
+                  <a:pt x="8202898" y="3015763"/>
+                </a:lnTo>
+                <a:cubicBezTo>
+                  <a:pt x="8207954" y="3046007"/>
+                  <a:pt x="8210404" y="3076892"/>
+                  <a:pt x="8210362" y="3108220"/>
+                </a:cubicBezTo>
+                <a:cubicBezTo>
+                  <a:pt x="8211674" y="3113850"/>
+                  <a:pt x="8211732" y="3119519"/>
+                  <a:pt x="8211732" y="3125201"/>
+                </a:cubicBezTo>
+                <a:cubicBezTo>
+                  <a:pt x="8211732" y="3129023"/>
+                  <a:pt x="8211705" y="3132839"/>
+                  <a:pt x="8211139" y="3136641"/>
+                </a:cubicBezTo>
+                <a:lnTo>
+                  <a:pt x="8210640" y="3136608"/>
+                </a:lnTo>
+                <a:lnTo>
+                  <a:pt x="8210614" y="3137103"/>
+                </a:lnTo>
+                <a:lnTo>
+                  <a:pt x="8193496" y="3135477"/>
+                </a:lnTo>
+                <a:cubicBezTo>
+                  <a:pt x="8161122" y="3134950"/>
+                  <a:pt x="8129241" y="3131969"/>
+                  <a:pt x="8098069" y="3126415"/>
+                </a:cubicBezTo>
+                <a:cubicBezTo>
+                  <a:pt x="8092492" y="3126834"/>
+                  <a:pt x="8087163" y="3125886"/>
+                  <a:pt x="8081853" y="3124875"/>
+                </a:cubicBezTo>
+                <a:lnTo>
+                  <a:pt x="8081737" y="3123727"/>
+                </a:lnTo>
+                <a:cubicBezTo>
+                  <a:pt x="7722885" y="3064328"/>
+                  <a:pt x="7441846" y="2783551"/>
+                  <a:pt x="7391571" y="2430686"/>
+                </a:cubicBezTo>
+                <a:cubicBezTo>
+                  <a:pt x="7391403" y="2430633"/>
+                  <a:pt x="7391235" y="2430628"/>
+                  <a:pt x="7391065" y="2430623"/>
+                </a:cubicBezTo>
+                <a:lnTo>
+                  <a:pt x="7390527" y="2423947"/>
+                </a:lnTo>
+                <a:cubicBezTo>
+                  <a:pt x="7385468" y="2393697"/>
+                  <a:pt x="7383018" y="2362806"/>
+                  <a:pt x="7383060" y="2331471"/>
+                </a:cubicBezTo>
+                <a:cubicBezTo>
+                  <a:pt x="7381748" y="2325843"/>
+                  <a:pt x="7381689" y="2320176"/>
+                  <a:pt x="7381689" y="2314495"/>
+                </a:cubicBezTo>
+                <a:lnTo>
+                  <a:pt x="7382283" y="2303055"/>
+                </a:lnTo>
+                <a:lnTo>
+                  <a:pt x="7382781" y="2303088"/>
+                </a:lnTo>
+                <a:close/>
+                <a:moveTo>
+                  <a:pt x="7360056" y="2302594"/>
+                </a:moveTo>
+                <a:lnTo>
+                  <a:pt x="7360082" y="2303088"/>
+                </a:lnTo>
+                <a:lnTo>
+                  <a:pt x="7360580" y="2303055"/>
+                </a:lnTo>
+                <a:lnTo>
+                  <a:pt x="7361174" y="2314495"/>
+                </a:lnTo>
+                <a:cubicBezTo>
+                  <a:pt x="7361174" y="2320176"/>
+                  <a:pt x="7361116" y="2325843"/>
+                  <a:pt x="7359804" y="2331471"/>
+                </a:cubicBezTo>
+                <a:cubicBezTo>
+                  <a:pt x="7359846" y="2362806"/>
+                  <a:pt x="7357395" y="2393697"/>
+                  <a:pt x="7352337" y="2423947"/>
+                </a:cubicBezTo>
+                <a:lnTo>
+                  <a:pt x="7351798" y="2430623"/>
+                </a:lnTo>
+                <a:cubicBezTo>
+                  <a:pt x="7351629" y="2430628"/>
+                  <a:pt x="7351460" y="2430633"/>
+                  <a:pt x="7351293" y="2430686"/>
+                </a:cubicBezTo>
+                <a:cubicBezTo>
+                  <a:pt x="7301017" y="2783551"/>
+                  <a:pt x="7019978" y="3064328"/>
+                  <a:pt x="6661127" y="3123727"/>
+                </a:cubicBezTo>
+                <a:lnTo>
+                  <a:pt x="6661011" y="3124875"/>
+                </a:lnTo>
+                <a:cubicBezTo>
+                  <a:pt x="6655700" y="3125886"/>
+                  <a:pt x="6650371" y="3126834"/>
+                  <a:pt x="6644794" y="3126415"/>
+                </a:cubicBezTo>
+                <a:cubicBezTo>
+                  <a:pt x="6613622" y="3131969"/>
+                  <a:pt x="6581742" y="3134950"/>
+                  <a:pt x="6549368" y="3135477"/>
+                </a:cubicBezTo>
+                <a:lnTo>
+                  <a:pt x="6532249" y="3137103"/>
+                </a:lnTo>
+                <a:lnTo>
+                  <a:pt x="6532223" y="3136608"/>
+                </a:lnTo>
+                <a:lnTo>
+                  <a:pt x="6531724" y="3136641"/>
+                </a:lnTo>
+                <a:cubicBezTo>
+                  <a:pt x="6531158" y="3132839"/>
+                  <a:pt x="6531131" y="3129023"/>
+                  <a:pt x="6531131" y="3125201"/>
+                </a:cubicBezTo>
+                <a:cubicBezTo>
+                  <a:pt x="6531131" y="3119519"/>
+                  <a:pt x="6531190" y="3113850"/>
+                  <a:pt x="6532502" y="3108220"/>
+                </a:cubicBezTo>
+                <a:cubicBezTo>
+                  <a:pt x="6532460" y="3076892"/>
+                  <a:pt x="6534909" y="3046007"/>
+                  <a:pt x="6539966" y="3015763"/>
+                </a:cubicBezTo>
+                <a:lnTo>
+                  <a:pt x="6540506" y="3009073"/>
+                </a:lnTo>
+                <a:cubicBezTo>
+                  <a:pt x="6540675" y="3009068"/>
+                  <a:pt x="6540844" y="3009063"/>
+                  <a:pt x="6541012" y="3009010"/>
+                </a:cubicBezTo>
+                <a:cubicBezTo>
+                  <a:pt x="6591288" y="2656144"/>
+                  <a:pt x="6872327" y="2375367"/>
+                  <a:pt x="7231178" y="2315969"/>
+                </a:cubicBezTo>
+                <a:lnTo>
+                  <a:pt x="7231295" y="2314821"/>
+                </a:lnTo>
+                <a:cubicBezTo>
+                  <a:pt x="7236603" y="2313811"/>
+                  <a:pt x="7241931" y="2312863"/>
+                  <a:pt x="7247507" y="2313282"/>
+                </a:cubicBezTo>
+                <a:cubicBezTo>
+                  <a:pt x="7278691" y="2307725"/>
+                  <a:pt x="7310583" y="2304744"/>
+                  <a:pt x="7342969" y="2304217"/>
+                </a:cubicBezTo>
+                <a:close/>
+                <a:moveTo>
+                  <a:pt x="5690656" y="2302594"/>
+                </a:moveTo>
+                <a:lnTo>
+                  <a:pt x="5707743" y="2304217"/>
+                </a:lnTo>
+                <a:cubicBezTo>
+                  <a:pt x="5740129" y="2304744"/>
+                  <a:pt x="5772021" y="2307725"/>
+                  <a:pt x="5803205" y="2313282"/>
+                </a:cubicBezTo>
+                <a:cubicBezTo>
+                  <a:pt x="5808781" y="2312863"/>
+                  <a:pt x="5814109" y="2313811"/>
+                  <a:pt x="5819417" y="2314821"/>
+                </a:cubicBezTo>
+                <a:lnTo>
+                  <a:pt x="5819534" y="2315969"/>
+                </a:lnTo>
+                <a:cubicBezTo>
+                  <a:pt x="6178385" y="2375367"/>
+                  <a:pt x="6459424" y="2656144"/>
+                  <a:pt x="6509700" y="3009010"/>
+                </a:cubicBezTo>
+                <a:cubicBezTo>
+                  <a:pt x="6509868" y="3009063"/>
+                  <a:pt x="6510037" y="3009068"/>
+                  <a:pt x="6510206" y="3009073"/>
+                </a:cubicBezTo>
+                <a:lnTo>
+                  <a:pt x="6510746" y="3015763"/>
+                </a:lnTo>
+                <a:cubicBezTo>
+                  <a:pt x="6515803" y="3046007"/>
+                  <a:pt x="6518252" y="3076892"/>
+                  <a:pt x="6518210" y="3108220"/>
+                </a:cubicBezTo>
+                <a:cubicBezTo>
+                  <a:pt x="6519522" y="3113850"/>
+                  <a:pt x="6519581" y="3119519"/>
+                  <a:pt x="6519581" y="3125201"/>
+                </a:cubicBezTo>
+                <a:cubicBezTo>
+                  <a:pt x="6519581" y="3129023"/>
+                  <a:pt x="6519554" y="3132839"/>
+                  <a:pt x="6518988" y="3136641"/>
+                </a:cubicBezTo>
+                <a:lnTo>
+                  <a:pt x="6518489" y="3136608"/>
+                </a:lnTo>
+                <a:lnTo>
+                  <a:pt x="6518463" y="3137103"/>
+                </a:lnTo>
+                <a:lnTo>
+                  <a:pt x="6501344" y="3135477"/>
+                </a:lnTo>
+                <a:cubicBezTo>
+                  <a:pt x="6468970" y="3134950"/>
+                  <a:pt x="6437090" y="3131969"/>
+                  <a:pt x="6405918" y="3126415"/>
+                </a:cubicBezTo>
+                <a:cubicBezTo>
+                  <a:pt x="6400341" y="3126834"/>
+                  <a:pt x="6395012" y="3125886"/>
+                  <a:pt x="6389701" y="3124875"/>
+                </a:cubicBezTo>
+                <a:lnTo>
+                  <a:pt x="6389585" y="3123727"/>
+                </a:lnTo>
+                <a:cubicBezTo>
+                  <a:pt x="6030734" y="3064328"/>
+                  <a:pt x="5749695" y="2783551"/>
+                  <a:pt x="5699419" y="2430686"/>
+                </a:cubicBezTo>
+                <a:cubicBezTo>
+                  <a:pt x="5699252" y="2430633"/>
+                  <a:pt x="5699083" y="2430628"/>
+                  <a:pt x="5698914" y="2430623"/>
+                </a:cubicBezTo>
+                <a:lnTo>
+                  <a:pt x="5698375" y="2423947"/>
+                </a:lnTo>
+                <a:cubicBezTo>
+                  <a:pt x="5693317" y="2393697"/>
+                  <a:pt x="5690866" y="2362806"/>
+                  <a:pt x="5690908" y="2331471"/>
+                </a:cubicBezTo>
+                <a:cubicBezTo>
+                  <a:pt x="5689596" y="2325843"/>
+                  <a:pt x="5689538" y="2320176"/>
+                  <a:pt x="5689538" y="2314495"/>
+                </a:cubicBezTo>
+                <a:lnTo>
+                  <a:pt x="5690132" y="2303055"/>
+                </a:lnTo>
+                <a:lnTo>
+                  <a:pt x="5690630" y="2303088"/>
+                </a:lnTo>
+                <a:close/>
+                <a:moveTo>
+                  <a:pt x="5667905" y="2302594"/>
+                </a:moveTo>
+                <a:lnTo>
+                  <a:pt x="5667931" y="2303088"/>
+                </a:lnTo>
+                <a:lnTo>
+                  <a:pt x="5668429" y="2303055"/>
+                </a:lnTo>
+                <a:lnTo>
+                  <a:pt x="5669023" y="2314495"/>
+                </a:lnTo>
+                <a:cubicBezTo>
+                  <a:pt x="5669023" y="2320176"/>
+                  <a:pt x="5668964" y="2325843"/>
+                  <a:pt x="5667652" y="2331471"/>
+                </a:cubicBezTo>
+                <a:cubicBezTo>
+                  <a:pt x="5667694" y="2362806"/>
+                  <a:pt x="5665244" y="2393697"/>
+                  <a:pt x="5660185" y="2423947"/>
+                </a:cubicBezTo>
+                <a:lnTo>
+                  <a:pt x="5659647" y="2430623"/>
+                </a:lnTo>
+                <a:cubicBezTo>
+                  <a:pt x="5659477" y="2430628"/>
+                  <a:pt x="5659309" y="2430633"/>
+                  <a:pt x="5659141" y="2430686"/>
+                </a:cubicBezTo>
+                <a:cubicBezTo>
+                  <a:pt x="5608866" y="2783551"/>
+                  <a:pt x="5327827" y="3064328"/>
+                  <a:pt x="4968975" y="3123727"/>
+                </a:cubicBezTo>
+                <a:lnTo>
+                  <a:pt x="4968859" y="3124875"/>
+                </a:lnTo>
+                <a:cubicBezTo>
+                  <a:pt x="4963549" y="3125886"/>
+                  <a:pt x="4958220" y="3126834"/>
+                  <a:pt x="4952643" y="3126415"/>
+                </a:cubicBezTo>
+                <a:cubicBezTo>
+                  <a:pt x="4921471" y="3131969"/>
+                  <a:pt x="4889590" y="3134950"/>
+                  <a:pt x="4857216" y="3135477"/>
+                </a:cubicBezTo>
+                <a:lnTo>
+                  <a:pt x="4840098" y="3137103"/>
+                </a:lnTo>
+                <a:lnTo>
+                  <a:pt x="4840072" y="3136608"/>
+                </a:lnTo>
+                <a:lnTo>
+                  <a:pt x="4839573" y="3136641"/>
+                </a:lnTo>
+                <a:cubicBezTo>
+                  <a:pt x="4839007" y="3132839"/>
+                  <a:pt x="4838980" y="3129023"/>
+                  <a:pt x="4838980" y="3125201"/>
+                </a:cubicBezTo>
+                <a:cubicBezTo>
+                  <a:pt x="4838980" y="3119519"/>
+                  <a:pt x="4839038" y="3113850"/>
+                  <a:pt x="4840350" y="3108220"/>
+                </a:cubicBezTo>
+                <a:cubicBezTo>
+                  <a:pt x="4840308" y="3076892"/>
+                  <a:pt x="4842758" y="3046007"/>
+                  <a:pt x="4847814" y="3015763"/>
+                </a:cubicBezTo>
+                <a:lnTo>
+                  <a:pt x="4848355" y="3009073"/>
+                </a:lnTo>
+                <a:cubicBezTo>
+                  <a:pt x="4848523" y="3009068"/>
+                  <a:pt x="4848693" y="3009063"/>
+                  <a:pt x="4848860" y="3009010"/>
+                </a:cubicBezTo>
+                <a:cubicBezTo>
+                  <a:pt x="4899137" y="2656144"/>
+                  <a:pt x="5180176" y="2375367"/>
+                  <a:pt x="5539026" y="2315969"/>
+                </a:cubicBezTo>
+                <a:lnTo>
+                  <a:pt x="5539143" y="2314821"/>
+                </a:lnTo>
+                <a:cubicBezTo>
+                  <a:pt x="5544452" y="2313811"/>
+                  <a:pt x="5549780" y="2312863"/>
+                  <a:pt x="5555356" y="2313282"/>
+                </a:cubicBezTo>
+                <a:cubicBezTo>
+                  <a:pt x="5586539" y="2307725"/>
+                  <a:pt x="5618432" y="2304744"/>
+                  <a:pt x="5650817" y="2304217"/>
+                </a:cubicBezTo>
+                <a:close/>
+                <a:moveTo>
+                  <a:pt x="3998505" y="2302594"/>
+                </a:moveTo>
+                <a:lnTo>
+                  <a:pt x="4015592" y="2304217"/>
+                </a:lnTo>
+                <a:cubicBezTo>
+                  <a:pt x="4047978" y="2304744"/>
+                  <a:pt x="4079870" y="2307725"/>
+                  <a:pt x="4111054" y="2313282"/>
+                </a:cubicBezTo>
+                <a:cubicBezTo>
+                  <a:pt x="4116630" y="2312863"/>
+                  <a:pt x="4121958" y="2313811"/>
+                  <a:pt x="4127266" y="2314821"/>
+                </a:cubicBezTo>
+                <a:lnTo>
+                  <a:pt x="4127384" y="2315969"/>
+                </a:lnTo>
+                <a:cubicBezTo>
+                  <a:pt x="4486234" y="2375367"/>
+                  <a:pt x="4767273" y="2656144"/>
+                  <a:pt x="4817549" y="3009010"/>
+                </a:cubicBezTo>
+                <a:cubicBezTo>
+                  <a:pt x="4817717" y="3009063"/>
+                  <a:pt x="4817886" y="3009068"/>
+                  <a:pt x="4818055" y="3009073"/>
+                </a:cubicBezTo>
+                <a:lnTo>
+                  <a:pt x="4818595" y="3015763"/>
+                </a:lnTo>
+                <a:cubicBezTo>
+                  <a:pt x="4823652" y="3046007"/>
+                  <a:pt x="4826101" y="3076892"/>
+                  <a:pt x="4826059" y="3108220"/>
+                </a:cubicBezTo>
+                <a:cubicBezTo>
+                  <a:pt x="4827371" y="3113850"/>
+                  <a:pt x="4827430" y="3119519"/>
+                  <a:pt x="4827430" y="3125201"/>
+                </a:cubicBezTo>
+                <a:cubicBezTo>
+                  <a:pt x="4827430" y="3129023"/>
+                  <a:pt x="4827403" y="3132839"/>
+                  <a:pt x="4826837" y="3136641"/>
+                </a:cubicBezTo>
+                <a:lnTo>
+                  <a:pt x="4826338" y="3136608"/>
+                </a:lnTo>
+                <a:lnTo>
+                  <a:pt x="4826312" y="3137103"/>
+                </a:lnTo>
+                <a:lnTo>
+                  <a:pt x="4809193" y="3135477"/>
+                </a:lnTo>
+                <a:cubicBezTo>
+                  <a:pt x="4776819" y="3134950"/>
+                  <a:pt x="4744939" y="3131969"/>
+                  <a:pt x="4713767" y="3126415"/>
+                </a:cubicBezTo>
+                <a:cubicBezTo>
+                  <a:pt x="4708190" y="3126834"/>
+                  <a:pt x="4702861" y="3125886"/>
+                  <a:pt x="4697550" y="3124875"/>
+                </a:cubicBezTo>
+                <a:lnTo>
+                  <a:pt x="4697434" y="3123727"/>
+                </a:lnTo>
+                <a:cubicBezTo>
+                  <a:pt x="4338583" y="3064328"/>
+                  <a:pt x="4057544" y="2783551"/>
+                  <a:pt x="4007268" y="2430686"/>
+                </a:cubicBezTo>
+                <a:cubicBezTo>
+                  <a:pt x="4007101" y="2430633"/>
+                  <a:pt x="4006932" y="2430628"/>
+                  <a:pt x="4006763" y="2430623"/>
+                </a:cubicBezTo>
+                <a:lnTo>
+                  <a:pt x="4006225" y="2423947"/>
+                </a:lnTo>
+                <a:cubicBezTo>
+                  <a:pt x="4001166" y="2393697"/>
+                  <a:pt x="3998715" y="2362806"/>
+                  <a:pt x="3998757" y="2331471"/>
+                </a:cubicBezTo>
+                <a:cubicBezTo>
+                  <a:pt x="3997445" y="2325843"/>
+                  <a:pt x="3997387" y="2320176"/>
+                  <a:pt x="3997387" y="2314495"/>
+                </a:cubicBezTo>
+                <a:lnTo>
+                  <a:pt x="3997981" y="2303055"/>
+                </a:lnTo>
+                <a:lnTo>
+                  <a:pt x="3998479" y="2303088"/>
+                </a:lnTo>
+                <a:close/>
+                <a:moveTo>
+                  <a:pt x="3975754" y="2302594"/>
+                </a:moveTo>
+                <a:lnTo>
+                  <a:pt x="3975780" y="2303088"/>
+                </a:lnTo>
+                <a:lnTo>
+                  <a:pt x="3976278" y="2303055"/>
+                </a:lnTo>
+                <a:lnTo>
+                  <a:pt x="3976872" y="2314495"/>
+                </a:lnTo>
+                <a:cubicBezTo>
+                  <a:pt x="3976872" y="2320176"/>
+                  <a:pt x="3976813" y="2325843"/>
+                  <a:pt x="3975501" y="2331471"/>
+                </a:cubicBezTo>
+                <a:cubicBezTo>
+                  <a:pt x="3975543" y="2362806"/>
+                  <a:pt x="3973093" y="2393697"/>
+                  <a:pt x="3968034" y="2423947"/>
+                </a:cubicBezTo>
+                <a:lnTo>
+                  <a:pt x="3967496" y="2430623"/>
+                </a:lnTo>
+                <a:cubicBezTo>
+                  <a:pt x="3967326" y="2430628"/>
+                  <a:pt x="3967158" y="2430633"/>
+                  <a:pt x="3966990" y="2430686"/>
+                </a:cubicBezTo>
+                <a:cubicBezTo>
+                  <a:pt x="3916715" y="2783551"/>
+                  <a:pt x="3635676" y="3064328"/>
+                  <a:pt x="3276825" y="3123727"/>
+                </a:cubicBezTo>
+                <a:lnTo>
+                  <a:pt x="3276708" y="3124875"/>
+                </a:lnTo>
+                <a:cubicBezTo>
+                  <a:pt x="3271398" y="3125886"/>
+                  <a:pt x="3266069" y="3126834"/>
+                  <a:pt x="3260492" y="3126415"/>
+                </a:cubicBezTo>
+                <a:cubicBezTo>
+                  <a:pt x="3229320" y="3131969"/>
+                  <a:pt x="3197440" y="3134950"/>
+                  <a:pt x="3165065" y="3135477"/>
+                </a:cubicBezTo>
+                <a:lnTo>
+                  <a:pt x="3147947" y="3137103"/>
+                </a:lnTo>
+                <a:lnTo>
+                  <a:pt x="3147921" y="3136608"/>
+                </a:lnTo>
+                <a:lnTo>
+                  <a:pt x="3147422" y="3136641"/>
+                </a:lnTo>
+                <a:cubicBezTo>
+                  <a:pt x="3146856" y="3132839"/>
+                  <a:pt x="3146829" y="3129023"/>
+                  <a:pt x="3146829" y="3125201"/>
+                </a:cubicBezTo>
+                <a:cubicBezTo>
+                  <a:pt x="3146829" y="3119519"/>
+                  <a:pt x="3146887" y="3113850"/>
+                  <a:pt x="3148199" y="3108220"/>
+                </a:cubicBezTo>
+                <a:cubicBezTo>
+                  <a:pt x="3148157" y="3076892"/>
+                  <a:pt x="3150607" y="3046007"/>
+                  <a:pt x="3155663" y="3015763"/>
+                </a:cubicBezTo>
+                <a:lnTo>
+                  <a:pt x="3156204" y="3009073"/>
+                </a:lnTo>
+                <a:cubicBezTo>
+                  <a:pt x="3156372" y="3009068"/>
+                  <a:pt x="3156542" y="3009063"/>
+                  <a:pt x="3156709" y="3009010"/>
+                </a:cubicBezTo>
+                <a:cubicBezTo>
+                  <a:pt x="3206986" y="2656144"/>
+                  <a:pt x="3488025" y="2375367"/>
+                  <a:pt x="3846875" y="2315969"/>
+                </a:cubicBezTo>
+                <a:lnTo>
+                  <a:pt x="3846992" y="2314821"/>
+                </a:lnTo>
+                <a:cubicBezTo>
+                  <a:pt x="3852301" y="2313811"/>
+                  <a:pt x="3857629" y="2312863"/>
+                  <a:pt x="3863205" y="2313282"/>
+                </a:cubicBezTo>
+                <a:cubicBezTo>
+                  <a:pt x="3894388" y="2307725"/>
+                  <a:pt x="3926281" y="2304744"/>
+                  <a:pt x="3958666" y="2304217"/>
+                </a:cubicBezTo>
+                <a:close/>
+                <a:moveTo>
+                  <a:pt x="2306354" y="2302594"/>
+                </a:moveTo>
+                <a:lnTo>
+                  <a:pt x="2323441" y="2304217"/>
+                </a:lnTo>
+                <a:cubicBezTo>
+                  <a:pt x="2355827" y="2304744"/>
+                  <a:pt x="2387719" y="2307725"/>
+                  <a:pt x="2418903" y="2313282"/>
+                </a:cubicBezTo>
+                <a:cubicBezTo>
+                  <a:pt x="2424479" y="2312863"/>
+                  <a:pt x="2429807" y="2313811"/>
+                  <a:pt x="2435115" y="2314821"/>
+                </a:cubicBezTo>
+                <a:lnTo>
+                  <a:pt x="2435233" y="2315969"/>
+                </a:lnTo>
+                <a:cubicBezTo>
+                  <a:pt x="2794083" y="2375367"/>
+                  <a:pt x="3075122" y="2656144"/>
+                  <a:pt x="3125398" y="3009010"/>
+                </a:cubicBezTo>
+                <a:cubicBezTo>
+                  <a:pt x="3125566" y="3009063"/>
+                  <a:pt x="3125735" y="3009068"/>
+                  <a:pt x="3125904" y="3009073"/>
+                </a:cubicBezTo>
+                <a:lnTo>
+                  <a:pt x="3126444" y="3015763"/>
+                </a:lnTo>
+                <a:cubicBezTo>
+                  <a:pt x="3131501" y="3046007"/>
+                  <a:pt x="3133950" y="3076892"/>
+                  <a:pt x="3133908" y="3108220"/>
+                </a:cubicBezTo>
+                <a:cubicBezTo>
+                  <a:pt x="3135220" y="3113850"/>
+                  <a:pt x="3135279" y="3119519"/>
+                  <a:pt x="3135279" y="3125201"/>
+                </a:cubicBezTo>
+                <a:cubicBezTo>
+                  <a:pt x="3135279" y="3129023"/>
+                  <a:pt x="3135252" y="3132839"/>
+                  <a:pt x="3134686" y="3136641"/>
+                </a:cubicBezTo>
+                <a:lnTo>
+                  <a:pt x="3134187" y="3136608"/>
+                </a:lnTo>
+                <a:lnTo>
+                  <a:pt x="3134161" y="3137103"/>
+                </a:lnTo>
+                <a:lnTo>
+                  <a:pt x="3117042" y="3135477"/>
+                </a:lnTo>
+                <a:cubicBezTo>
+                  <a:pt x="3084668" y="3134950"/>
+                  <a:pt x="3052788" y="3131969"/>
+                  <a:pt x="3021616" y="3126415"/>
+                </a:cubicBezTo>
+                <a:cubicBezTo>
+                  <a:pt x="3016039" y="3126834"/>
+                  <a:pt x="3010710" y="3125886"/>
+                  <a:pt x="3005399" y="3124875"/>
+                </a:cubicBezTo>
+                <a:lnTo>
+                  <a:pt x="3005283" y="3123727"/>
+                </a:lnTo>
+                <a:cubicBezTo>
+                  <a:pt x="2646432" y="3064328"/>
+                  <a:pt x="2365393" y="2783551"/>
+                  <a:pt x="2315117" y="2430686"/>
+                </a:cubicBezTo>
+                <a:cubicBezTo>
+                  <a:pt x="2314950" y="2430633"/>
+                  <a:pt x="2314781" y="2430628"/>
+                  <a:pt x="2314612" y="2430623"/>
+                </a:cubicBezTo>
+                <a:lnTo>
+                  <a:pt x="2314074" y="2423947"/>
+                </a:lnTo>
+                <a:cubicBezTo>
+                  <a:pt x="2309015" y="2393697"/>
+                  <a:pt x="2306564" y="2362806"/>
+                  <a:pt x="2306606" y="2331471"/>
+                </a:cubicBezTo>
+                <a:cubicBezTo>
+                  <a:pt x="2305294" y="2325843"/>
+                  <a:pt x="2305236" y="2320176"/>
+                  <a:pt x="2305236" y="2314495"/>
+                </a:cubicBezTo>
+                <a:lnTo>
+                  <a:pt x="2305830" y="2303055"/>
+                </a:lnTo>
+                <a:lnTo>
+                  <a:pt x="2306328" y="2303088"/>
+                </a:lnTo>
+                <a:close/>
+                <a:moveTo>
+                  <a:pt x="2283603" y="2302594"/>
+                </a:moveTo>
+                <a:lnTo>
+                  <a:pt x="2283629" y="2303088"/>
+                </a:lnTo>
+                <a:lnTo>
+                  <a:pt x="2284127" y="2303055"/>
+                </a:lnTo>
+                <a:lnTo>
+                  <a:pt x="2284721" y="2314495"/>
+                </a:lnTo>
+                <a:cubicBezTo>
+                  <a:pt x="2284721" y="2320176"/>
+                  <a:pt x="2284662" y="2325843"/>
+                  <a:pt x="2283350" y="2331471"/>
+                </a:cubicBezTo>
+                <a:cubicBezTo>
+                  <a:pt x="2283392" y="2362806"/>
+                  <a:pt x="2280942" y="2393697"/>
+                  <a:pt x="2275883" y="2423947"/>
+                </a:cubicBezTo>
+                <a:lnTo>
+                  <a:pt x="2275345" y="2430623"/>
+                </a:lnTo>
+                <a:cubicBezTo>
+                  <a:pt x="2275175" y="2430628"/>
+                  <a:pt x="2275007" y="2430633"/>
+                  <a:pt x="2274839" y="2430686"/>
+                </a:cubicBezTo>
+                <a:cubicBezTo>
+                  <a:pt x="2224564" y="2783551"/>
+                  <a:pt x="1943525" y="3064328"/>
+                  <a:pt x="1584673" y="3123727"/>
+                </a:cubicBezTo>
+                <a:lnTo>
+                  <a:pt x="1584557" y="3124875"/>
+                </a:lnTo>
+                <a:cubicBezTo>
+                  <a:pt x="1579247" y="3125886"/>
+                  <a:pt x="1573918" y="3126834"/>
+                  <a:pt x="1568341" y="3126415"/>
+                </a:cubicBezTo>
+                <a:cubicBezTo>
+                  <a:pt x="1537169" y="3131969"/>
+                  <a:pt x="1505289" y="3134950"/>
+                  <a:pt x="1472914" y="3135477"/>
+                </a:cubicBezTo>
+                <a:lnTo>
+                  <a:pt x="1455796" y="3137103"/>
+                </a:lnTo>
+                <a:lnTo>
+                  <a:pt x="1455770" y="3136608"/>
+                </a:lnTo>
+                <a:lnTo>
+                  <a:pt x="1455271" y="3136641"/>
+                </a:lnTo>
+                <a:cubicBezTo>
+                  <a:pt x="1454705" y="3132839"/>
+                  <a:pt x="1454678" y="3129023"/>
+                  <a:pt x="1454678" y="3125201"/>
+                </a:cubicBezTo>
+                <a:cubicBezTo>
+                  <a:pt x="1454678" y="3119519"/>
+                  <a:pt x="1454736" y="3113850"/>
+                  <a:pt x="1456048" y="3108220"/>
+                </a:cubicBezTo>
+                <a:cubicBezTo>
+                  <a:pt x="1456006" y="3076892"/>
+                  <a:pt x="1458456" y="3046007"/>
+                  <a:pt x="1463513" y="3015763"/>
+                </a:cubicBezTo>
+                <a:lnTo>
+                  <a:pt x="1464053" y="3009073"/>
+                </a:lnTo>
+                <a:cubicBezTo>
+                  <a:pt x="1464221" y="3009068"/>
+                  <a:pt x="1464391" y="3009063"/>
+                  <a:pt x="1464558" y="3009010"/>
+                </a:cubicBezTo>
+                <a:cubicBezTo>
+                  <a:pt x="1514835" y="2656144"/>
+                  <a:pt x="1795874" y="2375367"/>
+                  <a:pt x="2154724" y="2315969"/>
+                </a:cubicBezTo>
+                <a:lnTo>
+                  <a:pt x="2154841" y="2314821"/>
+                </a:lnTo>
+                <a:cubicBezTo>
+                  <a:pt x="2160150" y="2313811"/>
+                  <a:pt x="2165478" y="2312863"/>
+                  <a:pt x="2171054" y="2313282"/>
+                </a:cubicBezTo>
+                <a:cubicBezTo>
+                  <a:pt x="2202237" y="2307725"/>
+                  <a:pt x="2234130" y="2304744"/>
+                  <a:pt x="2266515" y="2304217"/>
+                </a:cubicBezTo>
+                <a:close/>
+                <a:moveTo>
+                  <a:pt x="614203" y="2302594"/>
+                </a:moveTo>
+                <a:lnTo>
+                  <a:pt x="631290" y="2304217"/>
+                </a:lnTo>
+                <a:cubicBezTo>
+                  <a:pt x="663676" y="2304744"/>
+                  <a:pt x="695568" y="2307725"/>
+                  <a:pt x="726752" y="2313282"/>
+                </a:cubicBezTo>
+                <a:cubicBezTo>
+                  <a:pt x="732328" y="2312863"/>
+                  <a:pt x="737656" y="2313811"/>
+                  <a:pt x="742964" y="2314821"/>
+                </a:cubicBezTo>
+                <a:lnTo>
+                  <a:pt x="743081" y="2315969"/>
+                </a:lnTo>
+                <a:cubicBezTo>
+                  <a:pt x="1101932" y="2375367"/>
+                  <a:pt x="1382971" y="2656144"/>
+                  <a:pt x="1433247" y="3009010"/>
+                </a:cubicBezTo>
+                <a:cubicBezTo>
+                  <a:pt x="1433415" y="3009063"/>
+                  <a:pt x="1433584" y="3009068"/>
+                  <a:pt x="1433753" y="3009073"/>
+                </a:cubicBezTo>
+                <a:lnTo>
+                  <a:pt x="1434293" y="3015763"/>
+                </a:lnTo>
+                <a:cubicBezTo>
+                  <a:pt x="1439350" y="3046007"/>
+                  <a:pt x="1441799" y="3076892"/>
+                  <a:pt x="1441757" y="3108220"/>
+                </a:cubicBezTo>
+                <a:cubicBezTo>
+                  <a:pt x="1443069" y="3113850"/>
+                  <a:pt x="1443128" y="3119519"/>
+                  <a:pt x="1443128" y="3125201"/>
+                </a:cubicBezTo>
+                <a:cubicBezTo>
+                  <a:pt x="1443128" y="3129023"/>
+                  <a:pt x="1443101" y="3132839"/>
+                  <a:pt x="1442535" y="3136641"/>
+                </a:cubicBezTo>
+                <a:lnTo>
+                  <a:pt x="1442036" y="3136608"/>
+                </a:lnTo>
+                <a:lnTo>
+                  <a:pt x="1442010" y="3137103"/>
+                </a:lnTo>
+                <a:lnTo>
+                  <a:pt x="1424891" y="3135477"/>
+                </a:lnTo>
+                <a:cubicBezTo>
+                  <a:pt x="1392517" y="3134950"/>
+                  <a:pt x="1360637" y="3131969"/>
+                  <a:pt x="1329465" y="3126415"/>
+                </a:cubicBezTo>
+                <a:cubicBezTo>
+                  <a:pt x="1323888" y="3126834"/>
+                  <a:pt x="1318559" y="3125886"/>
+                  <a:pt x="1313248" y="3124875"/>
+                </a:cubicBezTo>
+                <a:lnTo>
+                  <a:pt x="1313132" y="3123727"/>
+                </a:lnTo>
+                <a:cubicBezTo>
+                  <a:pt x="954281" y="3064328"/>
+                  <a:pt x="673242" y="2783551"/>
+                  <a:pt x="622966" y="2430686"/>
+                </a:cubicBezTo>
+                <a:cubicBezTo>
+                  <a:pt x="622799" y="2430633"/>
+                  <a:pt x="622630" y="2430628"/>
+                  <a:pt x="622461" y="2430623"/>
+                </a:cubicBezTo>
+                <a:lnTo>
+                  <a:pt x="621923" y="2423947"/>
+                </a:lnTo>
+                <a:cubicBezTo>
+                  <a:pt x="616864" y="2393697"/>
+                  <a:pt x="614413" y="2362806"/>
+                  <a:pt x="614455" y="2331471"/>
+                </a:cubicBezTo>
+                <a:cubicBezTo>
+                  <a:pt x="613143" y="2325843"/>
+                  <a:pt x="613085" y="2320176"/>
+                  <a:pt x="613085" y="2314495"/>
+                </a:cubicBezTo>
+                <a:lnTo>
+                  <a:pt x="613679" y="2303055"/>
+                </a:lnTo>
+                <a:lnTo>
+                  <a:pt x="614177" y="2303088"/>
+                </a:lnTo>
+                <a:close/>
+                <a:moveTo>
+                  <a:pt x="591452" y="2302594"/>
+                </a:moveTo>
+                <a:lnTo>
+                  <a:pt x="591478" y="2303088"/>
+                </a:lnTo>
+                <a:lnTo>
+                  <a:pt x="591976" y="2303055"/>
+                </a:lnTo>
+                <a:lnTo>
+                  <a:pt x="592570" y="2314495"/>
+                </a:lnTo>
+                <a:cubicBezTo>
+                  <a:pt x="592570" y="2320176"/>
+                  <a:pt x="592511" y="2325843"/>
+                  <a:pt x="591199" y="2331471"/>
+                </a:cubicBezTo>
+                <a:cubicBezTo>
+                  <a:pt x="591242" y="2362806"/>
+                  <a:pt x="588791" y="2393697"/>
+                  <a:pt x="583732" y="2423947"/>
+                </a:cubicBezTo>
+                <a:lnTo>
+                  <a:pt x="583194" y="2430623"/>
+                </a:lnTo>
+                <a:cubicBezTo>
+                  <a:pt x="583024" y="2430628"/>
+                  <a:pt x="582856" y="2430633"/>
+                  <a:pt x="582689" y="2430686"/>
+                </a:cubicBezTo>
+                <a:cubicBezTo>
+                  <a:pt x="537576" y="2747315"/>
+                  <a:pt x="306662" y="3005901"/>
+                  <a:pt x="0" y="3097101"/>
+                </a:cubicBezTo>
+                <a:lnTo>
+                  <a:pt x="0" y="2964763"/>
+                </a:lnTo>
+                <a:cubicBezTo>
+                  <a:pt x="229298" y="2881926"/>
+                  <a:pt x="402181" y="2686530"/>
+                  <a:pt x="449203" y="2447425"/>
+                </a:cubicBezTo>
+                <a:cubicBezTo>
+                  <a:pt x="258971" y="2488309"/>
+                  <a:pt x="97576" y="2603574"/>
+                  <a:pt x="0" y="2761314"/>
+                </a:cubicBezTo>
+                <a:lnTo>
+                  <a:pt x="0" y="2554520"/>
+                </a:lnTo>
+                <a:cubicBezTo>
+                  <a:pt x="121484" y="2431613"/>
+                  <a:pt x="282199" y="2345825"/>
+                  <a:pt x="462573" y="2315969"/>
+                </a:cubicBezTo>
+                <a:lnTo>
+                  <a:pt x="462690" y="2314821"/>
+                </a:lnTo>
+                <a:cubicBezTo>
+                  <a:pt x="467999" y="2313811"/>
+                  <a:pt x="473327" y="2312863"/>
+                  <a:pt x="478903" y="2313282"/>
+                </a:cubicBezTo>
+                <a:cubicBezTo>
+                  <a:pt x="510086" y="2307725"/>
+                  <a:pt x="541979" y="2304744"/>
+                  <a:pt x="574365" y="2304217"/>
+                </a:cubicBezTo>
+                <a:close/>
+                <a:moveTo>
+                  <a:pt x="11452667" y="1608087"/>
+                </a:moveTo>
+                <a:cubicBezTo>
+                  <a:pt x="11177477" y="1666766"/>
+                  <a:pt x="10962633" y="1879876"/>
+                  <a:pt x="10909358" y="2148655"/>
+                </a:cubicBezTo>
+                <a:cubicBezTo>
+                  <a:pt x="11184548" y="2089976"/>
+                  <a:pt x="11399391" y="1876866"/>
+                  <a:pt x="11452667" y="1608087"/>
+                </a:cubicBezTo>
+                <a:close/>
+                <a:moveTo>
+                  <a:pt x="10058800" y="1608087"/>
+                </a:moveTo>
+                <a:cubicBezTo>
+                  <a:pt x="10112076" y="1876866"/>
+                  <a:pt x="10326919" y="2089976"/>
+                  <a:pt x="10602109" y="2148655"/>
+                </a:cubicBezTo>
+                <a:cubicBezTo>
+                  <a:pt x="10548834" y="1879876"/>
+                  <a:pt x="10333990" y="1666766"/>
+                  <a:pt x="10058800" y="1608087"/>
+                </a:cubicBezTo>
+                <a:close/>
+                <a:moveTo>
+                  <a:pt x="9760514" y="1608087"/>
+                </a:moveTo>
+                <a:cubicBezTo>
+                  <a:pt x="9485324" y="1666766"/>
+                  <a:pt x="9270480" y="1879876"/>
+                  <a:pt x="9217205" y="2148655"/>
+                </a:cubicBezTo>
+                <a:cubicBezTo>
+                  <a:pt x="9492395" y="2089976"/>
+                  <a:pt x="9707238" y="1876866"/>
+                  <a:pt x="9760514" y="1608087"/>
+                </a:cubicBezTo>
+                <a:close/>
+                <a:moveTo>
+                  <a:pt x="8366649" y="1608087"/>
+                </a:moveTo>
+                <a:cubicBezTo>
+                  <a:pt x="8419925" y="1876866"/>
+                  <a:pt x="8634768" y="2089976"/>
+                  <a:pt x="8909958" y="2148655"/>
+                </a:cubicBezTo>
+                <a:cubicBezTo>
+                  <a:pt x="8856683" y="1879876"/>
+                  <a:pt x="8641839" y="1666766"/>
+                  <a:pt x="8366649" y="1608087"/>
+                </a:cubicBezTo>
+                <a:close/>
+                <a:moveTo>
+                  <a:pt x="8068363" y="1608087"/>
+                </a:moveTo>
+                <a:cubicBezTo>
+                  <a:pt x="7793173" y="1666766"/>
+                  <a:pt x="7578329" y="1879876"/>
+                  <a:pt x="7525054" y="2148655"/>
+                </a:cubicBezTo>
+                <a:cubicBezTo>
+                  <a:pt x="7800244" y="2089976"/>
+                  <a:pt x="8015087" y="1876866"/>
+                  <a:pt x="8068363" y="1608087"/>
+                </a:cubicBezTo>
+                <a:close/>
+                <a:moveTo>
+                  <a:pt x="6674498" y="1608087"/>
+                </a:moveTo>
+                <a:cubicBezTo>
+                  <a:pt x="6727774" y="1876866"/>
+                  <a:pt x="6942617" y="2089976"/>
+                  <a:pt x="7217807" y="2148655"/>
+                </a:cubicBezTo>
+                <a:cubicBezTo>
+                  <a:pt x="7164532" y="1879876"/>
+                  <a:pt x="6949688" y="1666766"/>
+                  <a:pt x="6674498" y="1608087"/>
+                </a:cubicBezTo>
+                <a:close/>
+                <a:moveTo>
+                  <a:pt x="6376212" y="1608087"/>
+                </a:moveTo>
+                <a:cubicBezTo>
+                  <a:pt x="6101022" y="1666766"/>
+                  <a:pt x="5886178" y="1879876"/>
+                  <a:pt x="5832903" y="2148655"/>
+                </a:cubicBezTo>
+                <a:cubicBezTo>
+                  <a:pt x="6108093" y="2089976"/>
+                  <a:pt x="6322936" y="1876866"/>
+                  <a:pt x="6376212" y="1608087"/>
+                </a:cubicBezTo>
+                <a:close/>
+                <a:moveTo>
+                  <a:pt x="4982347" y="1608087"/>
+                </a:moveTo>
+                <a:cubicBezTo>
+                  <a:pt x="5035623" y="1876866"/>
+                  <a:pt x="5250466" y="2089976"/>
+                  <a:pt x="5525656" y="2148655"/>
+                </a:cubicBezTo>
+                <a:cubicBezTo>
+                  <a:pt x="5472381" y="1879876"/>
+                  <a:pt x="5257537" y="1666766"/>
+                  <a:pt x="4982347" y="1608087"/>
+                </a:cubicBezTo>
+                <a:close/>
+                <a:moveTo>
+                  <a:pt x="4684061" y="1608087"/>
+                </a:moveTo>
+                <a:cubicBezTo>
+                  <a:pt x="4408871" y="1666766"/>
+                  <a:pt x="4194027" y="1879876"/>
+                  <a:pt x="4140752" y="2148655"/>
+                </a:cubicBezTo>
+                <a:cubicBezTo>
+                  <a:pt x="4415942" y="2089976"/>
+                  <a:pt x="4630785" y="1876866"/>
+                  <a:pt x="4684061" y="1608087"/>
+                </a:cubicBezTo>
+                <a:close/>
+                <a:moveTo>
+                  <a:pt x="3290196" y="1608087"/>
+                </a:moveTo>
+                <a:cubicBezTo>
+                  <a:pt x="3343472" y="1876866"/>
+                  <a:pt x="3558315" y="2089976"/>
+                  <a:pt x="3833505" y="2148655"/>
+                </a:cubicBezTo>
+                <a:cubicBezTo>
+                  <a:pt x="3780230" y="1879876"/>
+                  <a:pt x="3565386" y="1666766"/>
+                  <a:pt x="3290196" y="1608087"/>
+                </a:cubicBezTo>
+                <a:close/>
+                <a:moveTo>
+                  <a:pt x="2991910" y="1608087"/>
+                </a:moveTo>
+                <a:cubicBezTo>
+                  <a:pt x="2716720" y="1666766"/>
+                  <a:pt x="2501876" y="1879876"/>
+                  <a:pt x="2448601" y="2148655"/>
+                </a:cubicBezTo>
+                <a:cubicBezTo>
+                  <a:pt x="2723791" y="2089976"/>
+                  <a:pt x="2938634" y="1876866"/>
+                  <a:pt x="2991910" y="1608087"/>
+                </a:cubicBezTo>
+                <a:close/>
+                <a:moveTo>
+                  <a:pt x="1598045" y="1608087"/>
+                </a:moveTo>
+                <a:cubicBezTo>
+                  <a:pt x="1651321" y="1876866"/>
+                  <a:pt x="1866164" y="2089976"/>
+                  <a:pt x="2141354" y="2148655"/>
+                </a:cubicBezTo>
+                <a:cubicBezTo>
+                  <a:pt x="2088079" y="1879876"/>
+                  <a:pt x="1873235" y="1666766"/>
+                  <a:pt x="1598045" y="1608087"/>
+                </a:cubicBezTo>
+                <a:close/>
+                <a:moveTo>
+                  <a:pt x="1299759" y="1608087"/>
+                </a:moveTo>
+                <a:cubicBezTo>
+                  <a:pt x="1024569" y="1666766"/>
+                  <a:pt x="809725" y="1879876"/>
+                  <a:pt x="756450" y="2148655"/>
+                </a:cubicBezTo>
+                <a:cubicBezTo>
+                  <a:pt x="1031640" y="2089976"/>
+                  <a:pt x="1246483" y="1876866"/>
+                  <a:pt x="1299759" y="1608087"/>
+                </a:cubicBezTo>
+                <a:close/>
+                <a:moveTo>
+                  <a:pt x="0" y="1504081"/>
+                </a:moveTo>
+                <a:cubicBezTo>
+                  <a:pt x="306658" y="1594561"/>
+                  <a:pt x="537576" y="1851117"/>
+                  <a:pt x="582690" y="2165262"/>
+                </a:cubicBezTo>
+                <a:cubicBezTo>
+                  <a:pt x="582857" y="2165315"/>
+                  <a:pt x="583026" y="2165320"/>
+                  <a:pt x="583195" y="2165325"/>
+                </a:cubicBezTo>
+                <a:lnTo>
+                  <a:pt x="583735" y="2171962"/>
+                </a:lnTo>
+                <a:cubicBezTo>
+                  <a:pt x="588792" y="2201969"/>
+                  <a:pt x="591242" y="2232611"/>
+                  <a:pt x="591199" y="2263693"/>
+                </a:cubicBezTo>
+                <a:cubicBezTo>
+                  <a:pt x="592511" y="2269279"/>
+                  <a:pt x="592570" y="2274903"/>
+                  <a:pt x="592570" y="2280541"/>
+                </a:cubicBezTo>
+                <a:cubicBezTo>
+                  <a:pt x="592570" y="2284333"/>
+                  <a:pt x="592543" y="2288119"/>
+                  <a:pt x="591977" y="2291891"/>
+                </a:cubicBezTo>
+                <a:lnTo>
+                  <a:pt x="591478" y="2291858"/>
+                </a:lnTo>
+                <a:lnTo>
+                  <a:pt x="591452" y="2292349"/>
+                </a:lnTo>
+                <a:lnTo>
+                  <a:pt x="574334" y="2290736"/>
+                </a:lnTo>
+                <a:cubicBezTo>
+                  <a:pt x="541959" y="2290213"/>
+                  <a:pt x="510079" y="2287255"/>
+                  <a:pt x="478907" y="2281745"/>
+                </a:cubicBezTo>
+                <a:cubicBezTo>
+                  <a:pt x="473330" y="2282161"/>
+                  <a:pt x="468001" y="2281220"/>
+                  <a:pt x="462690" y="2280217"/>
+                </a:cubicBezTo>
+                <a:lnTo>
+                  <a:pt x="462574" y="2279078"/>
+                </a:lnTo>
+                <a:cubicBezTo>
+                  <a:pt x="282200" y="2249456"/>
+                  <a:pt x="121485" y="2164343"/>
+                  <a:pt x="0" y="2042401"/>
+                </a:cubicBezTo>
+                <a:lnTo>
+                  <a:pt x="0" y="1837231"/>
+                </a:lnTo>
+                <a:cubicBezTo>
+                  <a:pt x="97584" y="1993737"/>
+                  <a:pt x="258975" y="2108093"/>
+                  <a:pt x="449203" y="2148655"/>
+                </a:cubicBezTo>
+                <a:cubicBezTo>
+                  <a:pt x="402182" y="1911427"/>
+                  <a:pt x="229297" y="1717565"/>
+                  <a:pt x="0" y="1635380"/>
+                </a:cubicBezTo>
+                <a:close/>
+                <a:moveTo>
+                  <a:pt x="11608704" y="1464394"/>
+                </a:moveTo>
+                <a:lnTo>
+                  <a:pt x="11625791" y="1466004"/>
+                </a:lnTo>
+                <a:cubicBezTo>
+                  <a:pt x="11658177" y="1466527"/>
+                  <a:pt x="11690070" y="1469485"/>
+                  <a:pt x="11721253" y="1474998"/>
+                </a:cubicBezTo>
+                <a:cubicBezTo>
+                  <a:pt x="11726829" y="1474582"/>
+                  <a:pt x="11732157" y="1475523"/>
+                  <a:pt x="11737466" y="1476525"/>
+                </a:cubicBezTo>
+                <a:lnTo>
+                  <a:pt x="11737583" y="1477664"/>
+                </a:lnTo>
+                <a:cubicBezTo>
+                  <a:pt x="11914088" y="1506650"/>
+                  <a:pt x="12071767" y="1588774"/>
+                  <a:pt x="12192000" y="1706842"/>
+                </a:cubicBezTo>
+                <a:lnTo>
+                  <a:pt x="12192000" y="1906833"/>
+                </a:lnTo>
+                <a:cubicBezTo>
+                  <a:pt x="12093732" y="1756811"/>
+                  <a:pt x="11935983" y="1647542"/>
+                  <a:pt x="11750953" y="1608088"/>
+                </a:cubicBezTo>
+                <a:cubicBezTo>
+                  <a:pt x="11797422" y="1842524"/>
+                  <a:pt x="11966808" y="2034608"/>
+                  <a:pt x="12192000" y="2118654"/>
+                </a:cubicBezTo>
+                <a:lnTo>
+                  <a:pt x="12192000" y="2250657"/>
+                </a:lnTo>
+                <a:cubicBezTo>
+                  <a:pt x="11889465" y="2157681"/>
+                  <a:pt x="11662185" y="1902872"/>
+                  <a:pt x="11617468" y="1591480"/>
+                </a:cubicBezTo>
+                <a:cubicBezTo>
+                  <a:pt x="11617300" y="1591427"/>
+                  <a:pt x="11617132" y="1591423"/>
+                  <a:pt x="11616962" y="1591418"/>
+                </a:cubicBezTo>
+                <a:lnTo>
+                  <a:pt x="11616424" y="1584794"/>
+                </a:lnTo>
+                <a:cubicBezTo>
+                  <a:pt x="11611365" y="1554782"/>
+                  <a:pt x="11608914" y="1524133"/>
+                  <a:pt x="11608957" y="1493044"/>
+                </a:cubicBezTo>
+                <a:cubicBezTo>
+                  <a:pt x="11607645" y="1487460"/>
+                  <a:pt x="11607586" y="1481838"/>
+                  <a:pt x="11607586" y="1476202"/>
+                </a:cubicBezTo>
+                <a:lnTo>
+                  <a:pt x="11608180" y="1464851"/>
+                </a:lnTo>
+                <a:lnTo>
+                  <a:pt x="11608678" y="1464884"/>
+                </a:lnTo>
+                <a:close/>
+                <a:moveTo>
+                  <a:pt x="11594916" y="1464394"/>
+                </a:moveTo>
+                <a:lnTo>
+                  <a:pt x="11594942" y="1464884"/>
+                </a:lnTo>
+                <a:lnTo>
+                  <a:pt x="11595440" y="1464852"/>
+                </a:lnTo>
+                <a:lnTo>
+                  <a:pt x="11596034" y="1476202"/>
+                </a:lnTo>
+                <a:cubicBezTo>
+                  <a:pt x="11596034" y="1481838"/>
+                  <a:pt x="11595975" y="1487460"/>
+                  <a:pt x="11594663" y="1493044"/>
+                </a:cubicBezTo>
+                <a:cubicBezTo>
+                  <a:pt x="11594706" y="1524133"/>
+                  <a:pt x="11592255" y="1554782"/>
+                  <a:pt x="11587196" y="1584794"/>
+                </a:cubicBezTo>
+                <a:lnTo>
+                  <a:pt x="11586658" y="1591418"/>
+                </a:lnTo>
+                <a:cubicBezTo>
+                  <a:pt x="11586488" y="1591423"/>
+                  <a:pt x="11586320" y="1591427"/>
+                  <a:pt x="11586152" y="1591480"/>
+                </a:cubicBezTo>
+                <a:cubicBezTo>
+                  <a:pt x="11535877" y="1941574"/>
+                  <a:pt x="11254838" y="2220146"/>
+                  <a:pt x="10895987" y="2279078"/>
+                </a:cubicBezTo>
+                <a:lnTo>
+                  <a:pt x="10895871" y="2280217"/>
+                </a:lnTo>
+                <a:cubicBezTo>
+                  <a:pt x="10890560" y="2281220"/>
+                  <a:pt x="10885231" y="2282161"/>
+                  <a:pt x="10879654" y="2281745"/>
+                </a:cubicBezTo>
+                <a:cubicBezTo>
+                  <a:pt x="10848482" y="2287255"/>
+                  <a:pt x="10816602" y="2290213"/>
+                  <a:pt x="10784227" y="2290736"/>
+                </a:cubicBezTo>
+                <a:lnTo>
+                  <a:pt x="10767109" y="2292349"/>
+                </a:lnTo>
+                <a:lnTo>
+                  <a:pt x="10767083" y="2291858"/>
+                </a:lnTo>
+                <a:lnTo>
+                  <a:pt x="10766584" y="2291891"/>
+                </a:lnTo>
+                <a:cubicBezTo>
+                  <a:pt x="10766018" y="2288119"/>
+                  <a:pt x="10765991" y="2284333"/>
+                  <a:pt x="10765991" y="2280541"/>
+                </a:cubicBezTo>
+                <a:cubicBezTo>
+                  <a:pt x="10765991" y="2274903"/>
+                  <a:pt x="10766050" y="2269279"/>
+                  <a:pt x="10767362" y="2263693"/>
+                </a:cubicBezTo>
+                <a:cubicBezTo>
+                  <a:pt x="10767319" y="2232611"/>
+                  <a:pt x="10769769" y="2201969"/>
+                  <a:pt x="10774826" y="2171962"/>
+                </a:cubicBezTo>
+                <a:lnTo>
+                  <a:pt x="10775366" y="2165325"/>
+                </a:lnTo>
+                <a:cubicBezTo>
+                  <a:pt x="10775535" y="2165320"/>
+                  <a:pt x="10775704" y="2165315"/>
+                  <a:pt x="10775872" y="2165262"/>
+                </a:cubicBezTo>
+                <a:cubicBezTo>
+                  <a:pt x="10826148" y="1815167"/>
+                  <a:pt x="11107187" y="1536596"/>
+                  <a:pt x="11466037" y="1477664"/>
+                </a:cubicBezTo>
+                <a:lnTo>
+                  <a:pt x="11466154" y="1476525"/>
+                </a:lnTo>
+                <a:cubicBezTo>
+                  <a:pt x="11471463" y="1475523"/>
+                  <a:pt x="11476791" y="1474582"/>
+                  <a:pt x="11482367" y="1474998"/>
+                </a:cubicBezTo>
+                <a:cubicBezTo>
+                  <a:pt x="11513550" y="1469485"/>
+                  <a:pt x="11545443" y="1466527"/>
+                  <a:pt x="11577829" y="1466004"/>
+                </a:cubicBezTo>
+                <a:close/>
+                <a:moveTo>
+                  <a:pt x="9916551" y="1464394"/>
+                </a:moveTo>
+                <a:lnTo>
+                  <a:pt x="9933638" y="1466004"/>
+                </a:lnTo>
+                <a:cubicBezTo>
+                  <a:pt x="9966024" y="1466527"/>
+                  <a:pt x="9997917" y="1469485"/>
+                  <a:pt x="10029100" y="1474998"/>
+                </a:cubicBezTo>
+                <a:cubicBezTo>
+                  <a:pt x="10034676" y="1474582"/>
+                  <a:pt x="10040004" y="1475523"/>
+                  <a:pt x="10045313" y="1476525"/>
+                </a:cubicBezTo>
+                <a:lnTo>
+                  <a:pt x="10045430" y="1477664"/>
+                </a:lnTo>
+                <a:cubicBezTo>
+                  <a:pt x="10404280" y="1536596"/>
+                  <a:pt x="10685319" y="1815167"/>
+                  <a:pt x="10735596" y="2165262"/>
+                </a:cubicBezTo>
+                <a:cubicBezTo>
+                  <a:pt x="10735763" y="2165315"/>
+                  <a:pt x="10735932" y="2165320"/>
+                  <a:pt x="10736101" y="2165325"/>
+                </a:cubicBezTo>
+                <a:lnTo>
+                  <a:pt x="10736641" y="2171962"/>
+                </a:lnTo>
+                <a:cubicBezTo>
+                  <a:pt x="10741698" y="2201969"/>
+                  <a:pt x="10744148" y="2232611"/>
+                  <a:pt x="10744105" y="2263693"/>
+                </a:cubicBezTo>
+                <a:cubicBezTo>
+                  <a:pt x="10745417" y="2269279"/>
+                  <a:pt x="10745476" y="2274903"/>
+                  <a:pt x="10745476" y="2280541"/>
+                </a:cubicBezTo>
+                <a:cubicBezTo>
+                  <a:pt x="10745476" y="2284333"/>
+                  <a:pt x="10745449" y="2288119"/>
+                  <a:pt x="10744883" y="2291891"/>
+                </a:cubicBezTo>
+                <a:lnTo>
+                  <a:pt x="10744384" y="2291858"/>
+                </a:lnTo>
+                <a:lnTo>
+                  <a:pt x="10744358" y="2292349"/>
+                </a:lnTo>
+                <a:lnTo>
+                  <a:pt x="10727240" y="2290736"/>
+                </a:lnTo>
+                <a:cubicBezTo>
+                  <a:pt x="10694865" y="2290213"/>
+                  <a:pt x="10662985" y="2287255"/>
+                  <a:pt x="10631813" y="2281745"/>
+                </a:cubicBezTo>
+                <a:cubicBezTo>
+                  <a:pt x="10626236" y="2282161"/>
+                  <a:pt x="10620907" y="2281220"/>
+                  <a:pt x="10615596" y="2280217"/>
+                </a:cubicBezTo>
+                <a:lnTo>
+                  <a:pt x="10615480" y="2279078"/>
+                </a:lnTo>
+                <a:cubicBezTo>
+                  <a:pt x="10256629" y="2220146"/>
+                  <a:pt x="9975590" y="1941574"/>
+                  <a:pt x="9925315" y="1591480"/>
+                </a:cubicBezTo>
+                <a:cubicBezTo>
+                  <a:pt x="9925147" y="1591427"/>
+                  <a:pt x="9924979" y="1591423"/>
+                  <a:pt x="9924809" y="1591418"/>
+                </a:cubicBezTo>
+                <a:lnTo>
+                  <a:pt x="9924271" y="1584794"/>
+                </a:lnTo>
+                <a:cubicBezTo>
+                  <a:pt x="9919212" y="1554782"/>
+                  <a:pt x="9916761" y="1524133"/>
+                  <a:pt x="9916804" y="1493044"/>
+                </a:cubicBezTo>
+                <a:cubicBezTo>
+                  <a:pt x="9915492" y="1487460"/>
+                  <a:pt x="9915433" y="1481838"/>
+                  <a:pt x="9915433" y="1476202"/>
+                </a:cubicBezTo>
+                <a:lnTo>
+                  <a:pt x="9916027" y="1464852"/>
+                </a:lnTo>
+                <a:lnTo>
+                  <a:pt x="9916525" y="1464884"/>
+                </a:lnTo>
+                <a:close/>
+                <a:moveTo>
+                  <a:pt x="9902763" y="1464394"/>
+                </a:moveTo>
+                <a:lnTo>
+                  <a:pt x="9902789" y="1464884"/>
+                </a:lnTo>
+                <a:lnTo>
+                  <a:pt x="9903287" y="1464852"/>
+                </a:lnTo>
+                <a:lnTo>
+                  <a:pt x="9903881" y="1476202"/>
+                </a:lnTo>
+                <a:cubicBezTo>
+                  <a:pt x="9903881" y="1481838"/>
+                  <a:pt x="9903822" y="1487460"/>
+                  <a:pt x="9902510" y="1493044"/>
+                </a:cubicBezTo>
+                <a:cubicBezTo>
+                  <a:pt x="9902553" y="1524133"/>
+                  <a:pt x="9900102" y="1554782"/>
+                  <a:pt x="9895043" y="1584794"/>
+                </a:cubicBezTo>
+                <a:lnTo>
+                  <a:pt x="9894505" y="1591418"/>
+                </a:lnTo>
+                <a:cubicBezTo>
+                  <a:pt x="9894335" y="1591423"/>
+                  <a:pt x="9894167" y="1591427"/>
+                  <a:pt x="9893999" y="1591480"/>
+                </a:cubicBezTo>
+                <a:cubicBezTo>
+                  <a:pt x="9843724" y="1941574"/>
+                  <a:pt x="9562685" y="2220146"/>
+                  <a:pt x="9203834" y="2279078"/>
+                </a:cubicBezTo>
+                <a:lnTo>
+                  <a:pt x="9203718" y="2280217"/>
+                </a:lnTo>
+                <a:cubicBezTo>
+                  <a:pt x="9198407" y="2281220"/>
+                  <a:pt x="9193078" y="2282161"/>
+                  <a:pt x="9187501" y="2281745"/>
+                </a:cubicBezTo>
+                <a:cubicBezTo>
+                  <a:pt x="9156329" y="2287255"/>
+                  <a:pt x="9124449" y="2290213"/>
+                  <a:pt x="9092074" y="2290736"/>
+                </a:cubicBezTo>
+                <a:lnTo>
+                  <a:pt x="9074956" y="2292349"/>
+                </a:lnTo>
+                <a:lnTo>
+                  <a:pt x="9074930" y="2291858"/>
+                </a:lnTo>
+                <a:lnTo>
+                  <a:pt x="9074431" y="2291891"/>
+                </a:lnTo>
+                <a:cubicBezTo>
+                  <a:pt x="9073865" y="2288119"/>
+                  <a:pt x="9073838" y="2284333"/>
+                  <a:pt x="9073838" y="2280541"/>
+                </a:cubicBezTo>
+                <a:cubicBezTo>
+                  <a:pt x="9073838" y="2274903"/>
+                  <a:pt x="9073897" y="2269279"/>
+                  <a:pt x="9075209" y="2263693"/>
+                </a:cubicBezTo>
+                <a:cubicBezTo>
+                  <a:pt x="9075166" y="2232611"/>
+                  <a:pt x="9077616" y="2201969"/>
+                  <a:pt x="9082673" y="2171962"/>
+                </a:cubicBezTo>
+                <a:lnTo>
+                  <a:pt x="9083213" y="2165325"/>
+                </a:lnTo>
+                <a:cubicBezTo>
+                  <a:pt x="9083382" y="2165320"/>
+                  <a:pt x="9083551" y="2165315"/>
+                  <a:pt x="9083718" y="2165262"/>
+                </a:cubicBezTo>
+                <a:cubicBezTo>
+                  <a:pt x="9133995" y="1815167"/>
+                  <a:pt x="9415034" y="1536596"/>
+                  <a:pt x="9773884" y="1477664"/>
+                </a:cubicBezTo>
+                <a:lnTo>
+                  <a:pt x="9774001" y="1476525"/>
+                </a:lnTo>
+                <a:cubicBezTo>
+                  <a:pt x="9779310" y="1475523"/>
+                  <a:pt x="9784638" y="1474582"/>
+                  <a:pt x="9790214" y="1474998"/>
+                </a:cubicBezTo>
+                <a:cubicBezTo>
+                  <a:pt x="9821397" y="1469485"/>
+                  <a:pt x="9853290" y="1466527"/>
+                  <a:pt x="9885676" y="1466004"/>
+                </a:cubicBezTo>
+                <a:close/>
+                <a:moveTo>
+                  <a:pt x="8224400" y="1464394"/>
+                </a:moveTo>
+                <a:lnTo>
+                  <a:pt x="8241488" y="1466004"/>
+                </a:lnTo>
+                <a:cubicBezTo>
+                  <a:pt x="8273873" y="1466527"/>
+                  <a:pt x="8305766" y="1469485"/>
+                  <a:pt x="8336949" y="1474998"/>
+                </a:cubicBezTo>
+                <a:cubicBezTo>
+                  <a:pt x="8342525" y="1474582"/>
+                  <a:pt x="8347853" y="1475523"/>
+                  <a:pt x="8353162" y="1476525"/>
+                </a:cubicBezTo>
+                <a:lnTo>
+                  <a:pt x="8353279" y="1477664"/>
+                </a:lnTo>
+                <a:cubicBezTo>
+                  <a:pt x="8712129" y="1536596"/>
+                  <a:pt x="8993168" y="1815167"/>
+                  <a:pt x="9043444" y="2165262"/>
+                </a:cubicBezTo>
+                <a:cubicBezTo>
+                  <a:pt x="9043612" y="2165315"/>
+                  <a:pt x="9043781" y="2165320"/>
+                  <a:pt x="9043950" y="2165325"/>
+                </a:cubicBezTo>
+                <a:lnTo>
+                  <a:pt x="9044490" y="2171962"/>
+                </a:lnTo>
+                <a:cubicBezTo>
+                  <a:pt x="9049547" y="2201969"/>
+                  <a:pt x="9051997" y="2232611"/>
+                  <a:pt x="9051954" y="2263693"/>
+                </a:cubicBezTo>
+                <a:cubicBezTo>
+                  <a:pt x="9053266" y="2269279"/>
+                  <a:pt x="9053325" y="2274903"/>
+                  <a:pt x="9053325" y="2280541"/>
+                </a:cubicBezTo>
+                <a:cubicBezTo>
+                  <a:pt x="9053325" y="2284333"/>
+                  <a:pt x="9053298" y="2288119"/>
+                  <a:pt x="9052732" y="2291891"/>
+                </a:cubicBezTo>
+                <a:lnTo>
+                  <a:pt x="9052233" y="2291858"/>
+                </a:lnTo>
+                <a:lnTo>
+                  <a:pt x="9052207" y="2292349"/>
+                </a:lnTo>
+                <a:lnTo>
+                  <a:pt x="9035089" y="2290736"/>
+                </a:lnTo>
+                <a:cubicBezTo>
+                  <a:pt x="9002714" y="2290213"/>
+                  <a:pt x="8970834" y="2287255"/>
+                  <a:pt x="8939662" y="2281745"/>
+                </a:cubicBezTo>
+                <a:cubicBezTo>
+                  <a:pt x="8934085" y="2282161"/>
+                  <a:pt x="8928756" y="2281220"/>
+                  <a:pt x="8923445" y="2280217"/>
+                </a:cubicBezTo>
+                <a:lnTo>
+                  <a:pt x="8923329" y="2279078"/>
+                </a:lnTo>
+                <a:cubicBezTo>
+                  <a:pt x="8564478" y="2220146"/>
+                  <a:pt x="8283439" y="1941574"/>
+                  <a:pt x="8233164" y="1591480"/>
+                </a:cubicBezTo>
+                <a:cubicBezTo>
+                  <a:pt x="8232996" y="1591427"/>
+                  <a:pt x="8232828" y="1591423"/>
+                  <a:pt x="8232658" y="1591418"/>
+                </a:cubicBezTo>
+                <a:lnTo>
+                  <a:pt x="8232120" y="1584794"/>
+                </a:lnTo>
+                <a:cubicBezTo>
+                  <a:pt x="8227061" y="1554782"/>
+                  <a:pt x="8224611" y="1524133"/>
+                  <a:pt x="8224653" y="1493044"/>
+                </a:cubicBezTo>
+                <a:cubicBezTo>
+                  <a:pt x="8223341" y="1487460"/>
+                  <a:pt x="8223282" y="1481838"/>
+                  <a:pt x="8223282" y="1476202"/>
+                </a:cubicBezTo>
+                <a:lnTo>
+                  <a:pt x="8223876" y="1464852"/>
+                </a:lnTo>
+                <a:lnTo>
+                  <a:pt x="8224374" y="1464884"/>
+                </a:lnTo>
+                <a:close/>
+                <a:moveTo>
+                  <a:pt x="8210612" y="1464394"/>
+                </a:moveTo>
+                <a:lnTo>
+                  <a:pt x="8210638" y="1464884"/>
+                </a:lnTo>
+                <a:lnTo>
+                  <a:pt x="8211136" y="1464852"/>
+                </a:lnTo>
+                <a:lnTo>
+                  <a:pt x="8211730" y="1476202"/>
+                </a:lnTo>
+                <a:cubicBezTo>
+                  <a:pt x="8211730" y="1481838"/>
+                  <a:pt x="8211672" y="1487460"/>
+                  <a:pt x="8210360" y="1493044"/>
+                </a:cubicBezTo>
+                <a:cubicBezTo>
+                  <a:pt x="8210402" y="1524133"/>
+                  <a:pt x="8207951" y="1554782"/>
+                  <a:pt x="8202893" y="1584794"/>
+                </a:cubicBezTo>
+                <a:lnTo>
+                  <a:pt x="8202354" y="1591418"/>
+                </a:lnTo>
+                <a:cubicBezTo>
+                  <a:pt x="8202185" y="1591423"/>
+                  <a:pt x="8202016" y="1591427"/>
+                  <a:pt x="8201849" y="1591480"/>
+                </a:cubicBezTo>
+                <a:cubicBezTo>
+                  <a:pt x="8151573" y="1941574"/>
+                  <a:pt x="7870534" y="2220146"/>
+                  <a:pt x="7511683" y="2279078"/>
+                </a:cubicBezTo>
+                <a:lnTo>
+                  <a:pt x="7511567" y="2280217"/>
+                </a:lnTo>
+                <a:cubicBezTo>
+                  <a:pt x="7506256" y="2281220"/>
+                  <a:pt x="7500927" y="2282161"/>
+                  <a:pt x="7495350" y="2281745"/>
+                </a:cubicBezTo>
+                <a:cubicBezTo>
+                  <a:pt x="7464178" y="2287255"/>
+                  <a:pt x="7432298" y="2290213"/>
+                  <a:pt x="7399924" y="2290736"/>
+                </a:cubicBezTo>
+                <a:lnTo>
+                  <a:pt x="7382805" y="2292349"/>
+                </a:lnTo>
+                <a:lnTo>
+                  <a:pt x="7382779" y="2291858"/>
+                </a:lnTo>
+                <a:lnTo>
+                  <a:pt x="7382280" y="2291891"/>
+                </a:lnTo>
+                <a:cubicBezTo>
+                  <a:pt x="7381714" y="2288119"/>
+                  <a:pt x="7381687" y="2284333"/>
+                  <a:pt x="7381687" y="2280541"/>
+                </a:cubicBezTo>
+                <a:cubicBezTo>
+                  <a:pt x="7381687" y="2274903"/>
+                  <a:pt x="7381746" y="2269279"/>
+                  <a:pt x="7383058" y="2263693"/>
+                </a:cubicBezTo>
+                <a:cubicBezTo>
+                  <a:pt x="7383016" y="2232611"/>
+                  <a:pt x="7385465" y="2201969"/>
+                  <a:pt x="7390522" y="2171962"/>
+                </a:cubicBezTo>
+                <a:lnTo>
+                  <a:pt x="7391062" y="2165325"/>
+                </a:lnTo>
+                <a:cubicBezTo>
+                  <a:pt x="7391231" y="2165320"/>
+                  <a:pt x="7391400" y="2165315"/>
+                  <a:pt x="7391568" y="2165262"/>
+                </a:cubicBezTo>
+                <a:cubicBezTo>
+                  <a:pt x="7441844" y="1815167"/>
+                  <a:pt x="7722883" y="1536596"/>
+                  <a:pt x="8081734" y="1477664"/>
+                </a:cubicBezTo>
+                <a:lnTo>
+                  <a:pt x="8081851" y="1476525"/>
+                </a:lnTo>
+                <a:cubicBezTo>
+                  <a:pt x="8087159" y="1475523"/>
+                  <a:pt x="8092487" y="1474582"/>
+                  <a:pt x="8098063" y="1474998"/>
+                </a:cubicBezTo>
+                <a:cubicBezTo>
+                  <a:pt x="8129247" y="1469485"/>
+                  <a:pt x="8161139" y="1466527"/>
+                  <a:pt x="8193525" y="1466004"/>
+                </a:cubicBezTo>
+                <a:close/>
+                <a:moveTo>
+                  <a:pt x="6532249" y="1464394"/>
+                </a:moveTo>
+                <a:lnTo>
+                  <a:pt x="6549337" y="1466004"/>
+                </a:lnTo>
+                <a:cubicBezTo>
+                  <a:pt x="6581722" y="1466527"/>
+                  <a:pt x="6613615" y="1469485"/>
+                  <a:pt x="6644798" y="1474998"/>
+                </a:cubicBezTo>
+                <a:cubicBezTo>
+                  <a:pt x="6650374" y="1474582"/>
+                  <a:pt x="6655702" y="1475523"/>
+                  <a:pt x="6661011" y="1476525"/>
+                </a:cubicBezTo>
+                <a:lnTo>
+                  <a:pt x="6661128" y="1477664"/>
+                </a:lnTo>
+                <a:cubicBezTo>
+                  <a:pt x="7019978" y="1536596"/>
+                  <a:pt x="7301017" y="1815167"/>
+                  <a:pt x="7351294" y="2165262"/>
+                </a:cubicBezTo>
+                <a:cubicBezTo>
+                  <a:pt x="7351461" y="2165315"/>
+                  <a:pt x="7351631" y="2165320"/>
+                  <a:pt x="7351799" y="2165325"/>
+                </a:cubicBezTo>
+                <a:lnTo>
+                  <a:pt x="7352340" y="2171962"/>
+                </a:lnTo>
+                <a:cubicBezTo>
+                  <a:pt x="7357396" y="2201969"/>
+                  <a:pt x="7359846" y="2232611"/>
+                  <a:pt x="7359804" y="2263693"/>
+                </a:cubicBezTo>
+                <a:cubicBezTo>
+                  <a:pt x="7361116" y="2269279"/>
+                  <a:pt x="7361174" y="2274903"/>
+                  <a:pt x="7361174" y="2280541"/>
+                </a:cubicBezTo>
+                <a:cubicBezTo>
+                  <a:pt x="7361174" y="2284333"/>
+                  <a:pt x="7361147" y="2288119"/>
+                  <a:pt x="7360581" y="2291891"/>
+                </a:cubicBezTo>
+                <a:lnTo>
+                  <a:pt x="7360082" y="2291858"/>
+                </a:lnTo>
+                <a:lnTo>
+                  <a:pt x="7360056" y="2292349"/>
+                </a:lnTo>
+                <a:lnTo>
+                  <a:pt x="7342938" y="2290736"/>
+                </a:lnTo>
+                <a:cubicBezTo>
+                  <a:pt x="7310564" y="2290213"/>
+                  <a:pt x="7278683" y="2287255"/>
+                  <a:pt x="7247511" y="2281745"/>
+                </a:cubicBezTo>
+                <a:cubicBezTo>
+                  <a:pt x="7241934" y="2282161"/>
+                  <a:pt x="7236605" y="2281220"/>
+                  <a:pt x="7231295" y="2280217"/>
+                </a:cubicBezTo>
+                <a:lnTo>
+                  <a:pt x="7231179" y="2279078"/>
+                </a:lnTo>
+                <a:cubicBezTo>
+                  <a:pt x="6872327" y="2220146"/>
+                  <a:pt x="6591288" y="1941574"/>
+                  <a:pt x="6541013" y="1591480"/>
+                </a:cubicBezTo>
+                <a:cubicBezTo>
+                  <a:pt x="6540845" y="1591427"/>
+                  <a:pt x="6540677" y="1591423"/>
+                  <a:pt x="6540507" y="1591418"/>
+                </a:cubicBezTo>
+                <a:lnTo>
+                  <a:pt x="6539969" y="1584794"/>
+                </a:lnTo>
+                <a:cubicBezTo>
+                  <a:pt x="6534910" y="1554782"/>
+                  <a:pt x="6532460" y="1524133"/>
+                  <a:pt x="6532502" y="1493044"/>
+                </a:cubicBezTo>
+                <a:cubicBezTo>
+                  <a:pt x="6531190" y="1487460"/>
+                  <a:pt x="6531131" y="1481838"/>
+                  <a:pt x="6531131" y="1476202"/>
+                </a:cubicBezTo>
+                <a:lnTo>
+                  <a:pt x="6531725" y="1464852"/>
+                </a:lnTo>
+                <a:lnTo>
+                  <a:pt x="6532223" y="1464884"/>
+                </a:lnTo>
+                <a:close/>
+                <a:moveTo>
+                  <a:pt x="6518461" y="1464394"/>
+                </a:moveTo>
+                <a:lnTo>
+                  <a:pt x="6518487" y="1464884"/>
+                </a:lnTo>
+                <a:lnTo>
+                  <a:pt x="6518985" y="1464852"/>
+                </a:lnTo>
+                <a:lnTo>
+                  <a:pt x="6519579" y="1476202"/>
+                </a:lnTo>
+                <a:cubicBezTo>
+                  <a:pt x="6519579" y="1481838"/>
+                  <a:pt x="6519520" y="1487460"/>
+                  <a:pt x="6518208" y="1493044"/>
+                </a:cubicBezTo>
+                <a:cubicBezTo>
+                  <a:pt x="6518250" y="1524133"/>
+                  <a:pt x="6515800" y="1554782"/>
+                  <a:pt x="6510741" y="1584794"/>
+                </a:cubicBezTo>
+                <a:lnTo>
+                  <a:pt x="6510203" y="1591418"/>
+                </a:lnTo>
+                <a:cubicBezTo>
+                  <a:pt x="6510033" y="1591423"/>
+                  <a:pt x="6509865" y="1591427"/>
+                  <a:pt x="6509697" y="1591480"/>
+                </a:cubicBezTo>
+                <a:cubicBezTo>
+                  <a:pt x="6459422" y="1941574"/>
+                  <a:pt x="6178383" y="2220146"/>
+                  <a:pt x="5819531" y="2279078"/>
+                </a:cubicBezTo>
+                <a:lnTo>
+                  <a:pt x="5819415" y="2280217"/>
+                </a:lnTo>
+                <a:cubicBezTo>
+                  <a:pt x="5814105" y="2281220"/>
+                  <a:pt x="5808776" y="2282161"/>
+                  <a:pt x="5803199" y="2281745"/>
+                </a:cubicBezTo>
+                <a:cubicBezTo>
+                  <a:pt x="5772027" y="2287255"/>
+                  <a:pt x="5740146" y="2290213"/>
+                  <a:pt x="5707772" y="2290736"/>
+                </a:cubicBezTo>
+                <a:lnTo>
+                  <a:pt x="5690654" y="2292349"/>
+                </a:lnTo>
+                <a:lnTo>
+                  <a:pt x="5690628" y="2291858"/>
+                </a:lnTo>
+                <a:lnTo>
+                  <a:pt x="5690129" y="2291891"/>
+                </a:lnTo>
+                <a:cubicBezTo>
+                  <a:pt x="5689563" y="2288119"/>
+                  <a:pt x="5689536" y="2284333"/>
+                  <a:pt x="5689536" y="2280541"/>
+                </a:cubicBezTo>
+                <a:cubicBezTo>
+                  <a:pt x="5689536" y="2274903"/>
+                  <a:pt x="5689594" y="2269279"/>
+                  <a:pt x="5690906" y="2263693"/>
+                </a:cubicBezTo>
+                <a:cubicBezTo>
+                  <a:pt x="5690864" y="2232611"/>
+                  <a:pt x="5693314" y="2201969"/>
+                  <a:pt x="5698370" y="2171962"/>
+                </a:cubicBezTo>
+                <a:lnTo>
+                  <a:pt x="5698911" y="2165325"/>
+                </a:lnTo>
+                <a:cubicBezTo>
+                  <a:pt x="5699079" y="2165320"/>
+                  <a:pt x="5699249" y="2165315"/>
+                  <a:pt x="5699416" y="2165262"/>
+                </a:cubicBezTo>
+                <a:cubicBezTo>
+                  <a:pt x="5749693" y="1815167"/>
+                  <a:pt x="6030732" y="1536596"/>
+                  <a:pt x="6389582" y="1477664"/>
+                </a:cubicBezTo>
+                <a:lnTo>
+                  <a:pt x="6389699" y="1476525"/>
+                </a:lnTo>
+                <a:cubicBezTo>
+                  <a:pt x="6395008" y="1475523"/>
+                  <a:pt x="6400336" y="1474582"/>
+                  <a:pt x="6405912" y="1474998"/>
+                </a:cubicBezTo>
+                <a:cubicBezTo>
+                  <a:pt x="6437095" y="1469485"/>
+                  <a:pt x="6468988" y="1466527"/>
+                  <a:pt x="6501373" y="1466004"/>
+                </a:cubicBezTo>
+                <a:close/>
+                <a:moveTo>
+                  <a:pt x="4840098" y="1464394"/>
+                </a:moveTo>
+                <a:lnTo>
+                  <a:pt x="4857185" y="1466004"/>
+                </a:lnTo>
+                <a:cubicBezTo>
+                  <a:pt x="4889571" y="1466527"/>
+                  <a:pt x="4921463" y="1469485"/>
+                  <a:pt x="4952647" y="1474998"/>
+                </a:cubicBezTo>
+                <a:cubicBezTo>
+                  <a:pt x="4958223" y="1474582"/>
+                  <a:pt x="4963551" y="1475523"/>
+                  <a:pt x="4968859" y="1476525"/>
+                </a:cubicBezTo>
+                <a:lnTo>
+                  <a:pt x="4968976" y="1477664"/>
+                </a:lnTo>
+                <a:cubicBezTo>
+                  <a:pt x="5327827" y="1536596"/>
+                  <a:pt x="5608866" y="1815167"/>
+                  <a:pt x="5659142" y="2165262"/>
+                </a:cubicBezTo>
+                <a:cubicBezTo>
+                  <a:pt x="5659310" y="2165315"/>
+                  <a:pt x="5659479" y="2165320"/>
+                  <a:pt x="5659648" y="2165325"/>
+                </a:cubicBezTo>
+                <a:lnTo>
+                  <a:pt x="5660188" y="2171962"/>
+                </a:lnTo>
+                <a:cubicBezTo>
+                  <a:pt x="5665245" y="2201969"/>
+                  <a:pt x="5667694" y="2232611"/>
+                  <a:pt x="5667652" y="2263693"/>
+                </a:cubicBezTo>
+                <a:cubicBezTo>
+                  <a:pt x="5668964" y="2269279"/>
+                  <a:pt x="5669023" y="2274903"/>
+                  <a:pt x="5669023" y="2280541"/>
+                </a:cubicBezTo>
+                <a:cubicBezTo>
+                  <a:pt x="5669023" y="2284333"/>
+                  <a:pt x="5668996" y="2288119"/>
+                  <a:pt x="5668430" y="2291891"/>
+                </a:cubicBezTo>
+                <a:lnTo>
+                  <a:pt x="5667931" y="2291858"/>
+                </a:lnTo>
+                <a:lnTo>
+                  <a:pt x="5667905" y="2292349"/>
+                </a:lnTo>
+                <a:lnTo>
+                  <a:pt x="5650786" y="2290736"/>
+                </a:lnTo>
+                <a:cubicBezTo>
+                  <a:pt x="5618412" y="2290213"/>
+                  <a:pt x="5586532" y="2287255"/>
+                  <a:pt x="5555360" y="2281745"/>
+                </a:cubicBezTo>
+                <a:cubicBezTo>
+                  <a:pt x="5549783" y="2282161"/>
+                  <a:pt x="5544454" y="2281220"/>
+                  <a:pt x="5539143" y="2280217"/>
+                </a:cubicBezTo>
+                <a:lnTo>
+                  <a:pt x="5539027" y="2279078"/>
+                </a:lnTo>
+                <a:cubicBezTo>
+                  <a:pt x="5180176" y="2220146"/>
+                  <a:pt x="4899137" y="1941574"/>
+                  <a:pt x="4848861" y="1591480"/>
+                </a:cubicBezTo>
+                <a:cubicBezTo>
+                  <a:pt x="4848694" y="1591427"/>
+                  <a:pt x="4848525" y="1591423"/>
+                  <a:pt x="4848356" y="1591418"/>
+                </a:cubicBezTo>
+                <a:lnTo>
+                  <a:pt x="4847817" y="1584794"/>
+                </a:lnTo>
+                <a:cubicBezTo>
+                  <a:pt x="4842759" y="1554782"/>
+                  <a:pt x="4840308" y="1524133"/>
+                  <a:pt x="4840350" y="1493044"/>
+                </a:cubicBezTo>
+                <a:cubicBezTo>
+                  <a:pt x="4839038" y="1487460"/>
+                  <a:pt x="4838980" y="1481838"/>
+                  <a:pt x="4838980" y="1476202"/>
+                </a:cubicBezTo>
+                <a:lnTo>
+                  <a:pt x="4839574" y="1464852"/>
+                </a:lnTo>
+                <a:lnTo>
+                  <a:pt x="4840072" y="1464884"/>
+                </a:lnTo>
+                <a:close/>
+                <a:moveTo>
+                  <a:pt x="4826310" y="1464394"/>
+                </a:moveTo>
+                <a:lnTo>
+                  <a:pt x="4826336" y="1464884"/>
+                </a:lnTo>
+                <a:lnTo>
+                  <a:pt x="4826834" y="1464852"/>
+                </a:lnTo>
+                <a:lnTo>
+                  <a:pt x="4827428" y="1476202"/>
+                </a:lnTo>
+                <a:cubicBezTo>
+                  <a:pt x="4827428" y="1481838"/>
+                  <a:pt x="4827369" y="1487460"/>
+                  <a:pt x="4826057" y="1493044"/>
+                </a:cubicBezTo>
+                <a:cubicBezTo>
+                  <a:pt x="4826099" y="1524133"/>
+                  <a:pt x="4823649" y="1554782"/>
+                  <a:pt x="4818590" y="1584794"/>
+                </a:cubicBezTo>
+                <a:lnTo>
+                  <a:pt x="4818052" y="1591418"/>
+                </a:lnTo>
+                <a:cubicBezTo>
+                  <a:pt x="4817882" y="1591423"/>
+                  <a:pt x="4817714" y="1591427"/>
+                  <a:pt x="4817546" y="1591480"/>
+                </a:cubicBezTo>
+                <a:cubicBezTo>
+                  <a:pt x="4767271" y="1941574"/>
+                  <a:pt x="4486232" y="2220146"/>
+                  <a:pt x="4127381" y="2279078"/>
+                </a:cubicBezTo>
+                <a:lnTo>
+                  <a:pt x="4127264" y="2280217"/>
+                </a:lnTo>
+                <a:cubicBezTo>
+                  <a:pt x="4121954" y="2281220"/>
+                  <a:pt x="4116625" y="2282161"/>
+                  <a:pt x="4111048" y="2281745"/>
+                </a:cubicBezTo>
+                <a:cubicBezTo>
+                  <a:pt x="4079876" y="2287255"/>
+                  <a:pt x="4047996" y="2290213"/>
+                  <a:pt x="4015621" y="2290736"/>
+                </a:cubicBezTo>
+                <a:lnTo>
+                  <a:pt x="3998503" y="2292349"/>
+                </a:lnTo>
+                <a:lnTo>
+                  <a:pt x="3998477" y="2291858"/>
+                </a:lnTo>
+                <a:lnTo>
+                  <a:pt x="3997978" y="2291891"/>
+                </a:lnTo>
+                <a:cubicBezTo>
+                  <a:pt x="3997412" y="2288119"/>
+                  <a:pt x="3997385" y="2284333"/>
+                  <a:pt x="3997385" y="2280541"/>
+                </a:cubicBezTo>
+                <a:cubicBezTo>
+                  <a:pt x="3997385" y="2274903"/>
+                  <a:pt x="3997443" y="2269279"/>
+                  <a:pt x="3998755" y="2263693"/>
+                </a:cubicBezTo>
+                <a:cubicBezTo>
+                  <a:pt x="3998713" y="2232611"/>
+                  <a:pt x="4001163" y="2201969"/>
+                  <a:pt x="4006219" y="2171962"/>
+                </a:cubicBezTo>
+                <a:lnTo>
+                  <a:pt x="4006760" y="2165325"/>
+                </a:lnTo>
+                <a:cubicBezTo>
+                  <a:pt x="4006928" y="2165320"/>
+                  <a:pt x="4007098" y="2165315"/>
+                  <a:pt x="4007265" y="2165262"/>
+                </a:cubicBezTo>
+                <a:cubicBezTo>
+                  <a:pt x="4057542" y="1815167"/>
+                  <a:pt x="4338581" y="1536596"/>
+                  <a:pt x="4697431" y="1477664"/>
+                </a:cubicBezTo>
+                <a:lnTo>
+                  <a:pt x="4697548" y="1476525"/>
+                </a:lnTo>
+                <a:cubicBezTo>
+                  <a:pt x="4702857" y="1475523"/>
+                  <a:pt x="4708185" y="1474582"/>
+                  <a:pt x="4713761" y="1474998"/>
+                </a:cubicBezTo>
+                <a:cubicBezTo>
+                  <a:pt x="4744944" y="1469485"/>
+                  <a:pt x="4776837" y="1466527"/>
+                  <a:pt x="4809222" y="1466004"/>
+                </a:cubicBezTo>
+                <a:close/>
+                <a:moveTo>
+                  <a:pt x="3147947" y="1464394"/>
+                </a:moveTo>
+                <a:lnTo>
+                  <a:pt x="3165034" y="1466004"/>
+                </a:lnTo>
+                <a:cubicBezTo>
+                  <a:pt x="3197420" y="1466527"/>
+                  <a:pt x="3229312" y="1469485"/>
+                  <a:pt x="3260496" y="1474998"/>
+                </a:cubicBezTo>
+                <a:cubicBezTo>
+                  <a:pt x="3266072" y="1474582"/>
+                  <a:pt x="3271400" y="1475523"/>
+                  <a:pt x="3276708" y="1476525"/>
+                </a:cubicBezTo>
+                <a:lnTo>
+                  <a:pt x="3276826" y="1477664"/>
+                </a:lnTo>
+                <a:cubicBezTo>
+                  <a:pt x="3635676" y="1536596"/>
+                  <a:pt x="3916715" y="1815167"/>
+                  <a:pt x="3966991" y="2165262"/>
+                </a:cubicBezTo>
+                <a:cubicBezTo>
+                  <a:pt x="3967159" y="2165315"/>
+                  <a:pt x="3967328" y="2165320"/>
+                  <a:pt x="3967497" y="2165325"/>
+                </a:cubicBezTo>
+                <a:lnTo>
+                  <a:pt x="3968037" y="2171962"/>
+                </a:lnTo>
+                <a:cubicBezTo>
+                  <a:pt x="3973094" y="2201969"/>
+                  <a:pt x="3975543" y="2232611"/>
+                  <a:pt x="3975501" y="2263693"/>
+                </a:cubicBezTo>
+                <a:cubicBezTo>
+                  <a:pt x="3976813" y="2269279"/>
+                  <a:pt x="3976872" y="2274903"/>
+                  <a:pt x="3976872" y="2280541"/>
+                </a:cubicBezTo>
+                <a:cubicBezTo>
+                  <a:pt x="3976872" y="2284333"/>
+                  <a:pt x="3976845" y="2288119"/>
+                  <a:pt x="3976279" y="2291891"/>
+                </a:cubicBezTo>
+                <a:lnTo>
+                  <a:pt x="3975780" y="2291858"/>
+                </a:lnTo>
+                <a:lnTo>
+                  <a:pt x="3975754" y="2292349"/>
+                </a:lnTo>
+                <a:lnTo>
+                  <a:pt x="3958635" y="2290736"/>
+                </a:lnTo>
+                <a:cubicBezTo>
+                  <a:pt x="3926261" y="2290213"/>
+                  <a:pt x="3894381" y="2287255"/>
+                  <a:pt x="3863209" y="2281745"/>
+                </a:cubicBezTo>
+                <a:cubicBezTo>
+                  <a:pt x="3857632" y="2282161"/>
+                  <a:pt x="3852303" y="2281220"/>
+                  <a:pt x="3846992" y="2280217"/>
+                </a:cubicBezTo>
+                <a:lnTo>
+                  <a:pt x="3846876" y="2279078"/>
+                </a:lnTo>
+                <a:cubicBezTo>
+                  <a:pt x="3488025" y="2220146"/>
+                  <a:pt x="3206986" y="1941574"/>
+                  <a:pt x="3156710" y="1591480"/>
+                </a:cubicBezTo>
+                <a:cubicBezTo>
+                  <a:pt x="3156543" y="1591427"/>
+                  <a:pt x="3156374" y="1591423"/>
+                  <a:pt x="3156205" y="1591418"/>
+                </a:cubicBezTo>
+                <a:lnTo>
+                  <a:pt x="3155667" y="1584794"/>
+                </a:lnTo>
+                <a:cubicBezTo>
+                  <a:pt x="3150608" y="1554782"/>
+                  <a:pt x="3148157" y="1524133"/>
+                  <a:pt x="3148199" y="1493044"/>
+                </a:cubicBezTo>
+                <a:cubicBezTo>
+                  <a:pt x="3146887" y="1487460"/>
+                  <a:pt x="3146829" y="1481838"/>
+                  <a:pt x="3146829" y="1476202"/>
+                </a:cubicBezTo>
+                <a:lnTo>
+                  <a:pt x="3147423" y="1464852"/>
+                </a:lnTo>
+                <a:lnTo>
+                  <a:pt x="3147921" y="1464884"/>
+                </a:lnTo>
+                <a:close/>
+                <a:moveTo>
+                  <a:pt x="3134159" y="1464394"/>
+                </a:moveTo>
+                <a:lnTo>
+                  <a:pt x="3134185" y="1464884"/>
+                </a:lnTo>
+                <a:lnTo>
+                  <a:pt x="3134683" y="1464852"/>
+                </a:lnTo>
+                <a:lnTo>
+                  <a:pt x="3135277" y="1476202"/>
+                </a:lnTo>
+                <a:cubicBezTo>
+                  <a:pt x="3135277" y="1481838"/>
+                  <a:pt x="3135218" y="1487460"/>
+                  <a:pt x="3133906" y="1493044"/>
+                </a:cubicBezTo>
+                <a:cubicBezTo>
+                  <a:pt x="3133948" y="1524133"/>
+                  <a:pt x="3131498" y="1554782"/>
+                  <a:pt x="3126439" y="1584794"/>
+                </a:cubicBezTo>
+                <a:lnTo>
+                  <a:pt x="3125901" y="1591418"/>
+                </a:lnTo>
+                <a:cubicBezTo>
+                  <a:pt x="3125731" y="1591423"/>
+                  <a:pt x="3125563" y="1591427"/>
+                  <a:pt x="3125395" y="1591480"/>
+                </a:cubicBezTo>
+                <a:cubicBezTo>
+                  <a:pt x="3075120" y="1941574"/>
+                  <a:pt x="2794081" y="2220146"/>
+                  <a:pt x="2435230" y="2279078"/>
+                </a:cubicBezTo>
+                <a:lnTo>
+                  <a:pt x="2435113" y="2280217"/>
+                </a:lnTo>
+                <a:cubicBezTo>
+                  <a:pt x="2429803" y="2281220"/>
+                  <a:pt x="2424474" y="2282161"/>
+                  <a:pt x="2418897" y="2281745"/>
+                </a:cubicBezTo>
+                <a:cubicBezTo>
+                  <a:pt x="2387725" y="2287255"/>
+                  <a:pt x="2355845" y="2290213"/>
+                  <a:pt x="2323470" y="2290736"/>
+                </a:cubicBezTo>
+                <a:lnTo>
+                  <a:pt x="2306352" y="2292349"/>
+                </a:lnTo>
+                <a:lnTo>
+                  <a:pt x="2306326" y="2291858"/>
+                </a:lnTo>
+                <a:lnTo>
+                  <a:pt x="2305827" y="2291891"/>
+                </a:lnTo>
+                <a:cubicBezTo>
+                  <a:pt x="2305261" y="2288119"/>
+                  <a:pt x="2305234" y="2284333"/>
+                  <a:pt x="2305234" y="2280541"/>
+                </a:cubicBezTo>
+                <a:cubicBezTo>
+                  <a:pt x="2305234" y="2274903"/>
+                  <a:pt x="2305292" y="2269279"/>
+                  <a:pt x="2306604" y="2263693"/>
+                </a:cubicBezTo>
+                <a:cubicBezTo>
+                  <a:pt x="2306562" y="2232611"/>
+                  <a:pt x="2309012" y="2201969"/>
+                  <a:pt x="2314068" y="2171962"/>
+                </a:cubicBezTo>
+                <a:lnTo>
+                  <a:pt x="2314609" y="2165325"/>
+                </a:lnTo>
+                <a:cubicBezTo>
+                  <a:pt x="2314777" y="2165320"/>
+                  <a:pt x="2314947" y="2165315"/>
+                  <a:pt x="2315114" y="2165262"/>
+                </a:cubicBezTo>
+                <a:cubicBezTo>
+                  <a:pt x="2365391" y="1815167"/>
+                  <a:pt x="2646430" y="1536596"/>
+                  <a:pt x="3005280" y="1477664"/>
+                </a:cubicBezTo>
+                <a:lnTo>
+                  <a:pt x="3005397" y="1476525"/>
+                </a:lnTo>
+                <a:cubicBezTo>
+                  <a:pt x="3010706" y="1475523"/>
+                  <a:pt x="3016034" y="1474582"/>
+                  <a:pt x="3021610" y="1474998"/>
+                </a:cubicBezTo>
+                <a:cubicBezTo>
+                  <a:pt x="3052793" y="1469485"/>
+                  <a:pt x="3084686" y="1466527"/>
+                  <a:pt x="3117071" y="1466004"/>
+                </a:cubicBezTo>
+                <a:close/>
+                <a:moveTo>
+                  <a:pt x="1455796" y="1464394"/>
+                </a:moveTo>
+                <a:lnTo>
+                  <a:pt x="1472883" y="1466004"/>
+                </a:lnTo>
+                <a:cubicBezTo>
+                  <a:pt x="1505269" y="1466527"/>
+                  <a:pt x="1537161" y="1469485"/>
+                  <a:pt x="1568345" y="1474998"/>
+                </a:cubicBezTo>
+                <a:cubicBezTo>
+                  <a:pt x="1573921" y="1474582"/>
+                  <a:pt x="1579249" y="1475523"/>
+                  <a:pt x="1584557" y="1476525"/>
+                </a:cubicBezTo>
+                <a:lnTo>
+                  <a:pt x="1584675" y="1477664"/>
+                </a:lnTo>
+                <a:cubicBezTo>
+                  <a:pt x="1943525" y="1536596"/>
+                  <a:pt x="2224564" y="1815167"/>
+                  <a:pt x="2274840" y="2165262"/>
+                </a:cubicBezTo>
+                <a:cubicBezTo>
+                  <a:pt x="2275008" y="2165315"/>
+                  <a:pt x="2275177" y="2165320"/>
+                  <a:pt x="2275346" y="2165325"/>
+                </a:cubicBezTo>
+                <a:lnTo>
+                  <a:pt x="2275886" y="2171962"/>
+                </a:lnTo>
+                <a:cubicBezTo>
+                  <a:pt x="2280943" y="2201969"/>
+                  <a:pt x="2283392" y="2232611"/>
+                  <a:pt x="2283350" y="2263693"/>
+                </a:cubicBezTo>
+                <a:cubicBezTo>
+                  <a:pt x="2284662" y="2269279"/>
+                  <a:pt x="2284721" y="2274903"/>
+                  <a:pt x="2284721" y="2280541"/>
+                </a:cubicBezTo>
+                <a:cubicBezTo>
+                  <a:pt x="2284721" y="2284333"/>
+                  <a:pt x="2284694" y="2288119"/>
+                  <a:pt x="2284128" y="2291891"/>
+                </a:cubicBezTo>
+                <a:lnTo>
+                  <a:pt x="2283629" y="2291858"/>
+                </a:lnTo>
+                <a:lnTo>
+                  <a:pt x="2283603" y="2292349"/>
+                </a:lnTo>
+                <a:lnTo>
+                  <a:pt x="2266484" y="2290736"/>
+                </a:lnTo>
+                <a:cubicBezTo>
+                  <a:pt x="2234110" y="2290213"/>
+                  <a:pt x="2202230" y="2287255"/>
+                  <a:pt x="2171058" y="2281745"/>
+                </a:cubicBezTo>
+                <a:cubicBezTo>
+                  <a:pt x="2165481" y="2282161"/>
+                  <a:pt x="2160152" y="2281220"/>
+                  <a:pt x="2154841" y="2280217"/>
+                </a:cubicBezTo>
+                <a:lnTo>
+                  <a:pt x="2154725" y="2279078"/>
+                </a:lnTo>
+                <a:cubicBezTo>
+                  <a:pt x="1795874" y="2220146"/>
+                  <a:pt x="1514835" y="1941574"/>
+                  <a:pt x="1464559" y="1591480"/>
+                </a:cubicBezTo>
+                <a:cubicBezTo>
+                  <a:pt x="1464392" y="1591427"/>
+                  <a:pt x="1464223" y="1591423"/>
+                  <a:pt x="1464054" y="1591418"/>
+                </a:cubicBezTo>
+                <a:lnTo>
+                  <a:pt x="1463515" y="1584794"/>
+                </a:lnTo>
+                <a:cubicBezTo>
+                  <a:pt x="1458457" y="1554782"/>
+                  <a:pt x="1456006" y="1524133"/>
+                  <a:pt x="1456048" y="1493044"/>
+                </a:cubicBezTo>
+                <a:cubicBezTo>
+                  <a:pt x="1454736" y="1487460"/>
+                  <a:pt x="1454678" y="1481838"/>
+                  <a:pt x="1454678" y="1476202"/>
+                </a:cubicBezTo>
+                <a:lnTo>
+                  <a:pt x="1455272" y="1464852"/>
+                </a:lnTo>
+                <a:lnTo>
+                  <a:pt x="1455770" y="1464884"/>
+                </a:lnTo>
+                <a:close/>
+                <a:moveTo>
+                  <a:pt x="1442008" y="1464394"/>
+                </a:moveTo>
+                <a:lnTo>
+                  <a:pt x="1442034" y="1464884"/>
+                </a:lnTo>
+                <a:lnTo>
+                  <a:pt x="1442532" y="1464852"/>
+                </a:lnTo>
+                <a:lnTo>
+                  <a:pt x="1443126" y="1476202"/>
+                </a:lnTo>
+                <a:cubicBezTo>
+                  <a:pt x="1443126" y="1481838"/>
+                  <a:pt x="1443067" y="1487460"/>
+                  <a:pt x="1441755" y="1493044"/>
+                </a:cubicBezTo>
+                <a:cubicBezTo>
+                  <a:pt x="1441797" y="1524133"/>
+                  <a:pt x="1439347" y="1554782"/>
+                  <a:pt x="1434288" y="1584794"/>
+                </a:cubicBezTo>
+                <a:lnTo>
+                  <a:pt x="1433750" y="1591418"/>
+                </a:lnTo>
+                <a:cubicBezTo>
+                  <a:pt x="1433580" y="1591423"/>
+                  <a:pt x="1433412" y="1591427"/>
+                  <a:pt x="1433244" y="1591480"/>
+                </a:cubicBezTo>
+                <a:cubicBezTo>
+                  <a:pt x="1382969" y="1941574"/>
+                  <a:pt x="1101930" y="2220146"/>
+                  <a:pt x="743079" y="2279078"/>
+                </a:cubicBezTo>
+                <a:lnTo>
+                  <a:pt x="742962" y="2280217"/>
+                </a:lnTo>
+                <a:cubicBezTo>
+                  <a:pt x="737652" y="2281220"/>
+                  <a:pt x="732323" y="2282161"/>
+                  <a:pt x="726746" y="2281745"/>
+                </a:cubicBezTo>
+                <a:cubicBezTo>
+                  <a:pt x="695574" y="2287255"/>
+                  <a:pt x="663693" y="2290213"/>
+                  <a:pt x="631319" y="2290736"/>
+                </a:cubicBezTo>
+                <a:lnTo>
+                  <a:pt x="614201" y="2292349"/>
+                </a:lnTo>
+                <a:lnTo>
+                  <a:pt x="614175" y="2291858"/>
+                </a:lnTo>
+                <a:lnTo>
+                  <a:pt x="613676" y="2291891"/>
+                </a:lnTo>
+                <a:cubicBezTo>
+                  <a:pt x="613110" y="2288119"/>
+                  <a:pt x="613083" y="2284333"/>
+                  <a:pt x="613083" y="2280541"/>
+                </a:cubicBezTo>
+                <a:cubicBezTo>
+                  <a:pt x="613083" y="2274903"/>
+                  <a:pt x="613141" y="2269279"/>
+                  <a:pt x="614453" y="2263693"/>
+                </a:cubicBezTo>
+                <a:cubicBezTo>
+                  <a:pt x="614411" y="2232611"/>
+                  <a:pt x="616861" y="2201969"/>
+                  <a:pt x="621917" y="2171962"/>
+                </a:cubicBezTo>
+                <a:lnTo>
+                  <a:pt x="622458" y="2165325"/>
+                </a:lnTo>
+                <a:cubicBezTo>
+                  <a:pt x="622626" y="2165320"/>
+                  <a:pt x="622796" y="2165315"/>
+                  <a:pt x="622963" y="2165262"/>
+                </a:cubicBezTo>
+                <a:cubicBezTo>
+                  <a:pt x="673240" y="1815167"/>
+                  <a:pt x="954279" y="1536596"/>
+                  <a:pt x="1313129" y="1477664"/>
+                </a:cubicBezTo>
+                <a:lnTo>
+                  <a:pt x="1313246" y="1476525"/>
+                </a:lnTo>
+                <a:cubicBezTo>
+                  <a:pt x="1318555" y="1475523"/>
+                  <a:pt x="1323883" y="1474582"/>
+                  <a:pt x="1329459" y="1474998"/>
+                </a:cubicBezTo>
+                <a:cubicBezTo>
+                  <a:pt x="1360642" y="1469485"/>
+                  <a:pt x="1392535" y="1466527"/>
+                  <a:pt x="1424920" y="1466004"/>
+                </a:cubicBezTo>
+                <a:close/>
+                <a:moveTo>
+                  <a:pt x="10909360" y="750600"/>
+                </a:moveTo>
+                <a:cubicBezTo>
+                  <a:pt x="10962636" y="1021506"/>
+                  <a:pt x="11177479" y="1236303"/>
+                  <a:pt x="11452669" y="1295446"/>
+                </a:cubicBezTo>
+                <a:cubicBezTo>
+                  <a:pt x="11399394" y="1024540"/>
+                  <a:pt x="11184550" y="809743"/>
+                  <a:pt x="10909360" y="750600"/>
+                </a:cubicBezTo>
+                <a:close/>
+                <a:moveTo>
+                  <a:pt x="10602109" y="750600"/>
+                </a:moveTo>
+                <a:cubicBezTo>
+                  <a:pt x="10326919" y="809743"/>
+                  <a:pt x="10112075" y="1024540"/>
+                  <a:pt x="10058800" y="1295446"/>
+                </a:cubicBezTo>
+                <a:cubicBezTo>
+                  <a:pt x="10333990" y="1236303"/>
+                  <a:pt x="10548833" y="1021506"/>
+                  <a:pt x="10602109" y="750600"/>
+                </a:cubicBezTo>
+                <a:close/>
+                <a:moveTo>
+                  <a:pt x="9217207" y="750600"/>
+                </a:moveTo>
+                <a:cubicBezTo>
+                  <a:pt x="9270483" y="1021506"/>
+                  <a:pt x="9485326" y="1236303"/>
+                  <a:pt x="9760516" y="1295446"/>
+                </a:cubicBezTo>
+                <a:cubicBezTo>
+                  <a:pt x="9707241" y="1024540"/>
+                  <a:pt x="9492397" y="809743"/>
+                  <a:pt x="9217207" y="750600"/>
+                </a:cubicBezTo>
+                <a:close/>
+                <a:moveTo>
+                  <a:pt x="8909958" y="750600"/>
+                </a:moveTo>
+                <a:cubicBezTo>
+                  <a:pt x="8634768" y="809743"/>
+                  <a:pt x="8419924" y="1024540"/>
+                  <a:pt x="8366649" y="1295446"/>
+                </a:cubicBezTo>
+                <a:cubicBezTo>
+                  <a:pt x="8641839" y="1236303"/>
+                  <a:pt x="8856682" y="1021506"/>
+                  <a:pt x="8909958" y="750600"/>
+                </a:cubicBezTo>
+                <a:close/>
+                <a:moveTo>
+                  <a:pt x="7525056" y="750600"/>
+                </a:moveTo>
+                <a:cubicBezTo>
+                  <a:pt x="7578332" y="1021506"/>
+                  <a:pt x="7793175" y="1236303"/>
+                  <a:pt x="8068365" y="1295446"/>
+                </a:cubicBezTo>
+                <a:cubicBezTo>
+                  <a:pt x="8015090" y="1024540"/>
+                  <a:pt x="7800246" y="809743"/>
+                  <a:pt x="7525056" y="750600"/>
+                </a:cubicBezTo>
+                <a:close/>
+                <a:moveTo>
+                  <a:pt x="7217807" y="750600"/>
+                </a:moveTo>
+                <a:cubicBezTo>
+                  <a:pt x="6942617" y="809743"/>
+                  <a:pt x="6727773" y="1024540"/>
+                  <a:pt x="6674498" y="1295446"/>
+                </a:cubicBezTo>
+                <a:cubicBezTo>
+                  <a:pt x="6949688" y="1236303"/>
+                  <a:pt x="7164531" y="1021506"/>
+                  <a:pt x="7217807" y="750600"/>
+                </a:cubicBezTo>
+                <a:close/>
+                <a:moveTo>
+                  <a:pt x="5832905" y="750600"/>
+                </a:moveTo>
+                <a:cubicBezTo>
+                  <a:pt x="5886181" y="1021506"/>
+                  <a:pt x="6101024" y="1236303"/>
+                  <a:pt x="6376214" y="1295446"/>
+                </a:cubicBezTo>
+                <a:cubicBezTo>
+                  <a:pt x="6322939" y="1024540"/>
+                  <a:pt x="6108095" y="809743"/>
+                  <a:pt x="5832905" y="750600"/>
+                </a:cubicBezTo>
+                <a:close/>
+                <a:moveTo>
+                  <a:pt x="5525656" y="750600"/>
+                </a:moveTo>
+                <a:cubicBezTo>
+                  <a:pt x="5250466" y="809743"/>
+                  <a:pt x="5035622" y="1024540"/>
+                  <a:pt x="4982347" y="1295446"/>
+                </a:cubicBezTo>
+                <a:cubicBezTo>
+                  <a:pt x="5257537" y="1236303"/>
+                  <a:pt x="5472380" y="1021506"/>
+                  <a:pt x="5525656" y="750600"/>
+                </a:cubicBezTo>
+                <a:close/>
+                <a:moveTo>
+                  <a:pt x="4140754" y="750600"/>
+                </a:moveTo>
+                <a:cubicBezTo>
+                  <a:pt x="4194030" y="1021506"/>
+                  <a:pt x="4408873" y="1236303"/>
+                  <a:pt x="4684063" y="1295446"/>
+                </a:cubicBezTo>
+                <a:cubicBezTo>
+                  <a:pt x="4630788" y="1024540"/>
+                  <a:pt x="4415944" y="809743"/>
+                  <a:pt x="4140754" y="750600"/>
+                </a:cubicBezTo>
+                <a:close/>
+                <a:moveTo>
+                  <a:pt x="3833505" y="750600"/>
+                </a:moveTo>
+                <a:cubicBezTo>
+                  <a:pt x="3558315" y="809743"/>
+                  <a:pt x="3343471" y="1024540"/>
+                  <a:pt x="3290196" y="1295446"/>
+                </a:cubicBezTo>
+                <a:cubicBezTo>
+                  <a:pt x="3565386" y="1236303"/>
+                  <a:pt x="3780229" y="1021506"/>
+                  <a:pt x="3833505" y="750600"/>
+                </a:cubicBezTo>
+                <a:close/>
+                <a:moveTo>
+                  <a:pt x="2448603" y="750600"/>
+                </a:moveTo>
+                <a:cubicBezTo>
+                  <a:pt x="2501879" y="1021506"/>
+                  <a:pt x="2716722" y="1236303"/>
+                  <a:pt x="2991912" y="1295446"/>
+                </a:cubicBezTo>
+                <a:cubicBezTo>
+                  <a:pt x="2938637" y="1024540"/>
+                  <a:pt x="2723793" y="809743"/>
+                  <a:pt x="2448603" y="750600"/>
+                </a:cubicBezTo>
+                <a:close/>
+                <a:moveTo>
+                  <a:pt x="2141354" y="750600"/>
+                </a:moveTo>
+                <a:cubicBezTo>
+                  <a:pt x="1866164" y="809743"/>
+                  <a:pt x="1651320" y="1024540"/>
+                  <a:pt x="1598045" y="1295446"/>
+                </a:cubicBezTo>
+                <a:cubicBezTo>
+                  <a:pt x="1873235" y="1236303"/>
+                  <a:pt x="2088078" y="1021506"/>
+                  <a:pt x="2141354" y="750600"/>
+                </a:cubicBezTo>
+                <a:close/>
+                <a:moveTo>
+                  <a:pt x="756452" y="750600"/>
+                </a:moveTo>
+                <a:cubicBezTo>
+                  <a:pt x="809728" y="1021506"/>
+                  <a:pt x="1024571" y="1236303"/>
+                  <a:pt x="1299761" y="1295446"/>
+                </a:cubicBezTo>
+                <a:cubicBezTo>
+                  <a:pt x="1246486" y="1024540"/>
+                  <a:pt x="1031642" y="809743"/>
+                  <a:pt x="756452" y="750600"/>
+                </a:cubicBezTo>
+                <a:close/>
+                <a:moveTo>
+                  <a:pt x="12192000" y="647790"/>
+                </a:moveTo>
+                <a:lnTo>
+                  <a:pt x="12192000" y="780838"/>
+                </a:lnTo>
+                <a:cubicBezTo>
+                  <a:pt x="11966807" y="865550"/>
+                  <a:pt x="11797421" y="1059155"/>
+                  <a:pt x="11750953" y="1295446"/>
+                </a:cubicBezTo>
+                <a:cubicBezTo>
+                  <a:pt x="11935988" y="1255679"/>
+                  <a:pt x="12093739" y="1145540"/>
+                  <a:pt x="12192000" y="994335"/>
+                </a:cubicBezTo>
+                <a:lnTo>
+                  <a:pt x="12192000" y="1195909"/>
+                </a:lnTo>
+                <a:cubicBezTo>
+                  <a:pt x="12071770" y="1314911"/>
+                  <a:pt x="11914089" y="1397686"/>
+                  <a:pt x="11737582" y="1426902"/>
+                </a:cubicBezTo>
+                <a:lnTo>
+                  <a:pt x="11737466" y="1428050"/>
+                </a:lnTo>
+                <a:cubicBezTo>
+                  <a:pt x="11732155" y="1429061"/>
+                  <a:pt x="11726826" y="1430009"/>
+                  <a:pt x="11721249" y="1429590"/>
+                </a:cubicBezTo>
+                <a:cubicBezTo>
+                  <a:pt x="11690077" y="1435144"/>
+                  <a:pt x="11658197" y="1438125"/>
+                  <a:pt x="11625822" y="1438652"/>
+                </a:cubicBezTo>
+                <a:lnTo>
+                  <a:pt x="11608704" y="1440278"/>
+                </a:lnTo>
+                <a:lnTo>
+                  <a:pt x="11608678" y="1439783"/>
+                </a:lnTo>
+                <a:lnTo>
+                  <a:pt x="11608179" y="1439816"/>
+                </a:lnTo>
+                <a:cubicBezTo>
+                  <a:pt x="11607613" y="1436014"/>
+                  <a:pt x="11607586" y="1432198"/>
+                  <a:pt x="11607586" y="1428376"/>
+                </a:cubicBezTo>
+                <a:cubicBezTo>
+                  <a:pt x="11607586" y="1422694"/>
+                  <a:pt x="11607645" y="1417025"/>
+                  <a:pt x="11608957" y="1411395"/>
+                </a:cubicBezTo>
+                <a:cubicBezTo>
+                  <a:pt x="11608914" y="1380067"/>
+                  <a:pt x="11611364" y="1349182"/>
+                  <a:pt x="11616421" y="1318938"/>
+                </a:cubicBezTo>
+                <a:lnTo>
+                  <a:pt x="11616961" y="1312248"/>
+                </a:lnTo>
+                <a:cubicBezTo>
+                  <a:pt x="11617130" y="1312243"/>
+                  <a:pt x="11617299" y="1312238"/>
+                  <a:pt x="11617466" y="1312185"/>
+                </a:cubicBezTo>
+                <a:cubicBezTo>
+                  <a:pt x="11662185" y="998329"/>
+                  <a:pt x="11889463" y="741504"/>
+                  <a:pt x="12192000" y="647790"/>
+                </a:cubicBezTo>
+                <a:close/>
+                <a:moveTo>
+                  <a:pt x="10767111" y="605769"/>
+                </a:moveTo>
+                <a:lnTo>
+                  <a:pt x="10784198" y="607392"/>
+                </a:lnTo>
+                <a:cubicBezTo>
+                  <a:pt x="10816584" y="607919"/>
+                  <a:pt x="10848477" y="610900"/>
+                  <a:pt x="10879660" y="616457"/>
+                </a:cubicBezTo>
+                <a:cubicBezTo>
+                  <a:pt x="10885236" y="616038"/>
+                  <a:pt x="10890564" y="616986"/>
+                  <a:pt x="10895873" y="617996"/>
+                </a:cubicBezTo>
+                <a:lnTo>
+                  <a:pt x="10895990" y="619144"/>
+                </a:lnTo>
+                <a:cubicBezTo>
+                  <a:pt x="11254840" y="678542"/>
+                  <a:pt x="11535879" y="959319"/>
+                  <a:pt x="11586156" y="1312185"/>
+                </a:cubicBezTo>
+                <a:cubicBezTo>
+                  <a:pt x="11586323" y="1312238"/>
+                  <a:pt x="11586492" y="1312243"/>
+                  <a:pt x="11586661" y="1312248"/>
+                </a:cubicBezTo>
+                <a:lnTo>
+                  <a:pt x="11587201" y="1318938"/>
+                </a:lnTo>
+                <a:cubicBezTo>
+                  <a:pt x="11592258" y="1349182"/>
+                  <a:pt x="11594708" y="1380067"/>
+                  <a:pt x="11594665" y="1411395"/>
+                </a:cubicBezTo>
+                <a:cubicBezTo>
+                  <a:pt x="11595977" y="1417025"/>
+                  <a:pt x="11596036" y="1422694"/>
+                  <a:pt x="11596036" y="1428376"/>
+                </a:cubicBezTo>
+                <a:cubicBezTo>
+                  <a:pt x="11596036" y="1432198"/>
+                  <a:pt x="11596009" y="1436014"/>
+                  <a:pt x="11595443" y="1439816"/>
+                </a:cubicBezTo>
+                <a:lnTo>
+                  <a:pt x="11594944" y="1439783"/>
+                </a:lnTo>
+                <a:lnTo>
+                  <a:pt x="11594918" y="1440278"/>
+                </a:lnTo>
+                <a:lnTo>
+                  <a:pt x="11577800" y="1438652"/>
+                </a:lnTo>
+                <a:cubicBezTo>
+                  <a:pt x="11545425" y="1438125"/>
+                  <a:pt x="11513545" y="1435144"/>
+                  <a:pt x="11482373" y="1429590"/>
+                </a:cubicBezTo>
+                <a:cubicBezTo>
+                  <a:pt x="11476796" y="1430009"/>
+                  <a:pt x="11471467" y="1429061"/>
+                  <a:pt x="11466156" y="1428050"/>
+                </a:cubicBezTo>
+                <a:lnTo>
+                  <a:pt x="11466040" y="1426902"/>
+                </a:lnTo>
+                <a:cubicBezTo>
+                  <a:pt x="11107189" y="1367503"/>
+                  <a:pt x="10826150" y="1086726"/>
+                  <a:pt x="10775875" y="733861"/>
+                </a:cubicBezTo>
+                <a:cubicBezTo>
+                  <a:pt x="10775707" y="733808"/>
+                  <a:pt x="10775539" y="733803"/>
+                  <a:pt x="10775369" y="733798"/>
+                </a:cubicBezTo>
+                <a:lnTo>
+                  <a:pt x="10774831" y="727122"/>
+                </a:lnTo>
+                <a:cubicBezTo>
+                  <a:pt x="10769772" y="696872"/>
+                  <a:pt x="10767321" y="665981"/>
+                  <a:pt x="10767364" y="634646"/>
+                </a:cubicBezTo>
+                <a:cubicBezTo>
+                  <a:pt x="10766052" y="629018"/>
+                  <a:pt x="10765993" y="623351"/>
+                  <a:pt x="10765993" y="617670"/>
+                </a:cubicBezTo>
+                <a:lnTo>
+                  <a:pt x="10766587" y="606230"/>
+                </a:lnTo>
+                <a:lnTo>
+                  <a:pt x="10767085" y="606263"/>
+                </a:lnTo>
+                <a:close/>
+                <a:moveTo>
+                  <a:pt x="10744358" y="605769"/>
+                </a:moveTo>
+                <a:lnTo>
+                  <a:pt x="10744384" y="606263"/>
+                </a:lnTo>
+                <a:lnTo>
+                  <a:pt x="10744882" y="606230"/>
+                </a:lnTo>
+                <a:lnTo>
+                  <a:pt x="10745476" y="617670"/>
+                </a:lnTo>
+                <a:cubicBezTo>
+                  <a:pt x="10745476" y="623351"/>
+                  <a:pt x="10745417" y="629018"/>
+                  <a:pt x="10744105" y="634646"/>
+                </a:cubicBezTo>
+                <a:cubicBezTo>
+                  <a:pt x="10744148" y="665981"/>
+                  <a:pt x="10741697" y="696872"/>
+                  <a:pt x="10736638" y="727122"/>
+                </a:cubicBezTo>
+                <a:lnTo>
+                  <a:pt x="10736100" y="733798"/>
+                </a:lnTo>
+                <a:cubicBezTo>
+                  <a:pt x="10735930" y="733803"/>
+                  <a:pt x="10735762" y="733808"/>
+                  <a:pt x="10735594" y="733861"/>
+                </a:cubicBezTo>
+                <a:cubicBezTo>
+                  <a:pt x="10685319" y="1086726"/>
+                  <a:pt x="10404280" y="1367503"/>
+                  <a:pt x="10045429" y="1426902"/>
+                </a:cubicBezTo>
+                <a:lnTo>
+                  <a:pt x="10045313" y="1428050"/>
+                </a:lnTo>
+                <a:cubicBezTo>
+                  <a:pt x="10040002" y="1429061"/>
+                  <a:pt x="10034673" y="1430009"/>
+                  <a:pt x="10029096" y="1429590"/>
+                </a:cubicBezTo>
+                <a:cubicBezTo>
+                  <a:pt x="9997924" y="1435144"/>
+                  <a:pt x="9966044" y="1438125"/>
+                  <a:pt x="9933669" y="1438652"/>
+                </a:cubicBezTo>
+                <a:lnTo>
+                  <a:pt x="9916551" y="1440278"/>
+                </a:lnTo>
+                <a:lnTo>
+                  <a:pt x="9916525" y="1439783"/>
+                </a:lnTo>
+                <a:lnTo>
+                  <a:pt x="9916026" y="1439816"/>
+                </a:lnTo>
+                <a:cubicBezTo>
+                  <a:pt x="9915460" y="1436014"/>
+                  <a:pt x="9915433" y="1432198"/>
+                  <a:pt x="9915433" y="1428376"/>
+                </a:cubicBezTo>
+                <a:cubicBezTo>
+                  <a:pt x="9915433" y="1422694"/>
+                  <a:pt x="9915492" y="1417025"/>
+                  <a:pt x="9916804" y="1411395"/>
+                </a:cubicBezTo>
+                <a:cubicBezTo>
+                  <a:pt x="9916761" y="1380067"/>
+                  <a:pt x="9919211" y="1349182"/>
+                  <a:pt x="9924268" y="1318938"/>
+                </a:cubicBezTo>
+                <a:lnTo>
+                  <a:pt x="9924808" y="1312248"/>
+                </a:lnTo>
+                <a:cubicBezTo>
+                  <a:pt x="9924977" y="1312243"/>
+                  <a:pt x="9925146" y="1312238"/>
+                  <a:pt x="9925314" y="1312185"/>
+                </a:cubicBezTo>
+                <a:cubicBezTo>
+                  <a:pt x="9975590" y="959319"/>
+                  <a:pt x="10256629" y="678542"/>
+                  <a:pt x="10615479" y="619144"/>
+                </a:cubicBezTo>
+                <a:lnTo>
+                  <a:pt x="10615596" y="617996"/>
+                </a:lnTo>
+                <a:cubicBezTo>
+                  <a:pt x="10620905" y="616986"/>
+                  <a:pt x="10626233" y="616038"/>
+                  <a:pt x="10631809" y="616457"/>
+                </a:cubicBezTo>
+                <a:cubicBezTo>
+                  <a:pt x="10662992" y="610900"/>
+                  <a:pt x="10694885" y="607919"/>
+                  <a:pt x="10727271" y="607392"/>
+                </a:cubicBezTo>
+                <a:close/>
+                <a:moveTo>
+                  <a:pt x="9074958" y="605769"/>
+                </a:moveTo>
+                <a:lnTo>
+                  <a:pt x="9092045" y="607392"/>
+                </a:lnTo>
+                <a:cubicBezTo>
+                  <a:pt x="9124431" y="607919"/>
+                  <a:pt x="9156324" y="610900"/>
+                  <a:pt x="9187507" y="616457"/>
+                </a:cubicBezTo>
+                <a:cubicBezTo>
+                  <a:pt x="9193083" y="616038"/>
+                  <a:pt x="9198411" y="616986"/>
+                  <a:pt x="9203720" y="617996"/>
+                </a:cubicBezTo>
+                <a:lnTo>
+                  <a:pt x="9203837" y="619144"/>
+                </a:lnTo>
+                <a:cubicBezTo>
+                  <a:pt x="9562687" y="678542"/>
+                  <a:pt x="9843726" y="959319"/>
+                  <a:pt x="9894002" y="1312185"/>
+                </a:cubicBezTo>
+                <a:cubicBezTo>
+                  <a:pt x="9894170" y="1312238"/>
+                  <a:pt x="9894339" y="1312243"/>
+                  <a:pt x="9894508" y="1312248"/>
+                </a:cubicBezTo>
+                <a:lnTo>
+                  <a:pt x="9895048" y="1318938"/>
+                </a:lnTo>
+                <a:cubicBezTo>
+                  <a:pt x="9900105" y="1349182"/>
+                  <a:pt x="9902555" y="1380067"/>
+                  <a:pt x="9902512" y="1411395"/>
+                </a:cubicBezTo>
+                <a:cubicBezTo>
+                  <a:pt x="9903824" y="1417025"/>
+                  <a:pt x="9903883" y="1422694"/>
+                  <a:pt x="9903883" y="1428376"/>
+                </a:cubicBezTo>
+                <a:cubicBezTo>
+                  <a:pt x="9903883" y="1432198"/>
+                  <a:pt x="9903856" y="1436014"/>
+                  <a:pt x="9903290" y="1439816"/>
+                </a:cubicBezTo>
+                <a:lnTo>
+                  <a:pt x="9902791" y="1439783"/>
+                </a:lnTo>
+                <a:lnTo>
+                  <a:pt x="9902765" y="1440278"/>
+                </a:lnTo>
+                <a:lnTo>
+                  <a:pt x="9885647" y="1438652"/>
+                </a:lnTo>
+                <a:cubicBezTo>
+                  <a:pt x="9853272" y="1438125"/>
+                  <a:pt x="9821392" y="1435144"/>
+                  <a:pt x="9790220" y="1429590"/>
+                </a:cubicBezTo>
+                <a:cubicBezTo>
+                  <a:pt x="9784643" y="1430009"/>
+                  <a:pt x="9779314" y="1429061"/>
+                  <a:pt x="9774003" y="1428050"/>
+                </a:cubicBezTo>
+                <a:lnTo>
+                  <a:pt x="9773887" y="1426902"/>
+                </a:lnTo>
+                <a:cubicBezTo>
+                  <a:pt x="9415036" y="1367503"/>
+                  <a:pt x="9133997" y="1086726"/>
+                  <a:pt x="9083722" y="733861"/>
+                </a:cubicBezTo>
+                <a:cubicBezTo>
+                  <a:pt x="9083554" y="733808"/>
+                  <a:pt x="9083386" y="733803"/>
+                  <a:pt x="9083216" y="733798"/>
+                </a:cubicBezTo>
+                <a:lnTo>
+                  <a:pt x="9082678" y="727122"/>
+                </a:lnTo>
+                <a:cubicBezTo>
+                  <a:pt x="9077619" y="696872"/>
+                  <a:pt x="9075168" y="665981"/>
+                  <a:pt x="9075211" y="634646"/>
+                </a:cubicBezTo>
+                <a:cubicBezTo>
+                  <a:pt x="9073899" y="629018"/>
+                  <a:pt x="9073840" y="623351"/>
+                  <a:pt x="9073840" y="617670"/>
+                </a:cubicBezTo>
+                <a:lnTo>
+                  <a:pt x="9074434" y="606230"/>
+                </a:lnTo>
+                <a:lnTo>
+                  <a:pt x="9074932" y="606263"/>
+                </a:lnTo>
+                <a:close/>
+                <a:moveTo>
+                  <a:pt x="9052207" y="605769"/>
+                </a:moveTo>
+                <a:lnTo>
+                  <a:pt x="9052233" y="606263"/>
+                </a:lnTo>
+                <a:lnTo>
+                  <a:pt x="9052731" y="606230"/>
+                </a:lnTo>
+                <a:lnTo>
+                  <a:pt x="9053325" y="617670"/>
+                </a:lnTo>
+                <a:cubicBezTo>
+                  <a:pt x="9053325" y="623351"/>
+                  <a:pt x="9053266" y="629018"/>
+                  <a:pt x="9051954" y="634646"/>
+                </a:cubicBezTo>
+                <a:cubicBezTo>
+                  <a:pt x="9051997" y="665981"/>
+                  <a:pt x="9049546" y="696872"/>
+                  <a:pt x="9044487" y="727122"/>
+                </a:cubicBezTo>
+                <a:lnTo>
+                  <a:pt x="9043949" y="733798"/>
+                </a:lnTo>
+                <a:cubicBezTo>
+                  <a:pt x="9043779" y="733803"/>
+                  <a:pt x="9043611" y="733808"/>
+                  <a:pt x="9043443" y="733861"/>
+                </a:cubicBezTo>
+                <a:cubicBezTo>
+                  <a:pt x="8993168" y="1086726"/>
+                  <a:pt x="8712129" y="1367503"/>
+                  <a:pt x="8353278" y="1426902"/>
+                </a:cubicBezTo>
+                <a:lnTo>
+                  <a:pt x="8353162" y="1428050"/>
+                </a:lnTo>
+                <a:cubicBezTo>
+                  <a:pt x="8347851" y="1429061"/>
+                  <a:pt x="8342522" y="1430009"/>
+                  <a:pt x="8336945" y="1429590"/>
+                </a:cubicBezTo>
+                <a:cubicBezTo>
+                  <a:pt x="8305773" y="1435144"/>
+                  <a:pt x="8273893" y="1438125"/>
+                  <a:pt x="8241519" y="1438652"/>
+                </a:cubicBezTo>
+                <a:lnTo>
+                  <a:pt x="8224400" y="1440278"/>
+                </a:lnTo>
+                <a:lnTo>
+                  <a:pt x="8224374" y="1439783"/>
+                </a:lnTo>
+                <a:lnTo>
+                  <a:pt x="8223875" y="1439816"/>
+                </a:lnTo>
+                <a:cubicBezTo>
+                  <a:pt x="8223309" y="1436014"/>
+                  <a:pt x="8223282" y="1432198"/>
+                  <a:pt x="8223282" y="1428376"/>
+                </a:cubicBezTo>
+                <a:cubicBezTo>
+                  <a:pt x="8223282" y="1422694"/>
+                  <a:pt x="8223341" y="1417025"/>
+                  <a:pt x="8224653" y="1411395"/>
+                </a:cubicBezTo>
+                <a:cubicBezTo>
+                  <a:pt x="8224611" y="1380067"/>
+                  <a:pt x="8227060" y="1349182"/>
+                  <a:pt x="8232117" y="1318938"/>
+                </a:cubicBezTo>
+                <a:lnTo>
+                  <a:pt x="8232657" y="1312248"/>
+                </a:lnTo>
+                <a:cubicBezTo>
+                  <a:pt x="8232826" y="1312243"/>
+                  <a:pt x="8232995" y="1312238"/>
+                  <a:pt x="8233163" y="1312185"/>
+                </a:cubicBezTo>
+                <a:cubicBezTo>
+                  <a:pt x="8283439" y="959319"/>
+                  <a:pt x="8564478" y="678542"/>
+                  <a:pt x="8923328" y="619144"/>
+                </a:cubicBezTo>
+                <a:lnTo>
+                  <a:pt x="8923445" y="617996"/>
+                </a:lnTo>
+                <a:cubicBezTo>
+                  <a:pt x="8928754" y="616986"/>
+                  <a:pt x="8934082" y="616038"/>
+                  <a:pt x="8939658" y="616457"/>
+                </a:cubicBezTo>
+                <a:cubicBezTo>
+                  <a:pt x="8970841" y="610900"/>
+                  <a:pt x="9002734" y="607919"/>
+                  <a:pt x="9035120" y="607392"/>
+                </a:cubicBezTo>
+                <a:close/>
+                <a:moveTo>
+                  <a:pt x="7382807" y="605769"/>
+                </a:moveTo>
+                <a:lnTo>
+                  <a:pt x="7399895" y="607392"/>
+                </a:lnTo>
+                <a:cubicBezTo>
+                  <a:pt x="7432280" y="607919"/>
+                  <a:pt x="7464173" y="610900"/>
+                  <a:pt x="7495356" y="616457"/>
+                </a:cubicBezTo>
+                <a:cubicBezTo>
+                  <a:pt x="7500932" y="616038"/>
+                  <a:pt x="7506260" y="616986"/>
+                  <a:pt x="7511569" y="617996"/>
+                </a:cubicBezTo>
+                <a:lnTo>
+                  <a:pt x="7511686" y="619144"/>
+                </a:lnTo>
+                <a:cubicBezTo>
+                  <a:pt x="7870536" y="678542"/>
+                  <a:pt x="8151575" y="959319"/>
+                  <a:pt x="8201852" y="1312185"/>
+                </a:cubicBezTo>
+                <a:cubicBezTo>
+                  <a:pt x="8202019" y="1312238"/>
+                  <a:pt x="8202189" y="1312243"/>
+                  <a:pt x="8202357" y="1312248"/>
+                </a:cubicBezTo>
+                <a:lnTo>
+                  <a:pt x="8202898" y="1318938"/>
+                </a:lnTo>
+                <a:cubicBezTo>
+                  <a:pt x="8207954" y="1349182"/>
+                  <a:pt x="8210404" y="1380067"/>
+                  <a:pt x="8210362" y="1411395"/>
+                </a:cubicBezTo>
+                <a:cubicBezTo>
+                  <a:pt x="8211674" y="1417025"/>
+                  <a:pt x="8211732" y="1422694"/>
+                  <a:pt x="8211732" y="1428376"/>
+                </a:cubicBezTo>
+                <a:cubicBezTo>
+                  <a:pt x="8211732" y="1432198"/>
+                  <a:pt x="8211705" y="1436014"/>
+                  <a:pt x="8211139" y="1439816"/>
+                </a:cubicBezTo>
+                <a:lnTo>
+                  <a:pt x="8210640" y="1439783"/>
+                </a:lnTo>
+                <a:lnTo>
+                  <a:pt x="8210614" y="1440278"/>
+                </a:lnTo>
+                <a:lnTo>
+                  <a:pt x="8193496" y="1438652"/>
+                </a:lnTo>
+                <a:cubicBezTo>
+                  <a:pt x="8161122" y="1438125"/>
+                  <a:pt x="8129241" y="1435144"/>
+                  <a:pt x="8098069" y="1429590"/>
+                </a:cubicBezTo>
+                <a:cubicBezTo>
+                  <a:pt x="8092492" y="1430009"/>
+                  <a:pt x="8087163" y="1429061"/>
+                  <a:pt x="8081853" y="1428050"/>
+                </a:cubicBezTo>
+                <a:lnTo>
+                  <a:pt x="8081737" y="1426902"/>
+                </a:lnTo>
+                <a:cubicBezTo>
+                  <a:pt x="7722885" y="1367503"/>
+                  <a:pt x="7441846" y="1086726"/>
+                  <a:pt x="7391571" y="733861"/>
+                </a:cubicBezTo>
+                <a:cubicBezTo>
+                  <a:pt x="7391403" y="733808"/>
+                  <a:pt x="7391235" y="733803"/>
+                  <a:pt x="7391065" y="733798"/>
+                </a:cubicBezTo>
+                <a:lnTo>
+                  <a:pt x="7390527" y="727122"/>
+                </a:lnTo>
+                <a:cubicBezTo>
+                  <a:pt x="7385468" y="696872"/>
+                  <a:pt x="7383018" y="665981"/>
+                  <a:pt x="7383060" y="634646"/>
+                </a:cubicBezTo>
+                <a:cubicBezTo>
+                  <a:pt x="7381748" y="629018"/>
+                  <a:pt x="7381689" y="623351"/>
+                  <a:pt x="7381689" y="617670"/>
+                </a:cubicBezTo>
+                <a:lnTo>
+                  <a:pt x="7382283" y="606230"/>
+                </a:lnTo>
+                <a:lnTo>
+                  <a:pt x="7382781" y="606263"/>
+                </a:lnTo>
+                <a:close/>
+                <a:moveTo>
+                  <a:pt x="5690656" y="605769"/>
+                </a:moveTo>
+                <a:lnTo>
+                  <a:pt x="5707743" y="607392"/>
+                </a:lnTo>
+                <a:cubicBezTo>
+                  <a:pt x="5740129" y="607919"/>
+                  <a:pt x="5772021" y="610900"/>
+                  <a:pt x="5803205" y="616457"/>
+                </a:cubicBezTo>
+                <a:cubicBezTo>
+                  <a:pt x="5808781" y="616038"/>
+                  <a:pt x="5814109" y="616986"/>
+                  <a:pt x="5819417" y="617996"/>
+                </a:cubicBezTo>
+                <a:lnTo>
+                  <a:pt x="5819534" y="619144"/>
+                </a:lnTo>
+                <a:cubicBezTo>
+                  <a:pt x="6178385" y="678542"/>
+                  <a:pt x="6459424" y="959319"/>
+                  <a:pt x="6509700" y="1312185"/>
+                </a:cubicBezTo>
+                <a:cubicBezTo>
+                  <a:pt x="6509868" y="1312238"/>
+                  <a:pt x="6510037" y="1312243"/>
+                  <a:pt x="6510206" y="1312248"/>
+                </a:cubicBezTo>
+                <a:lnTo>
+                  <a:pt x="6510746" y="1318938"/>
+                </a:lnTo>
+                <a:cubicBezTo>
+                  <a:pt x="6515803" y="1349182"/>
+                  <a:pt x="6518252" y="1380067"/>
+                  <a:pt x="6518210" y="1411395"/>
+                </a:cubicBezTo>
+                <a:cubicBezTo>
+                  <a:pt x="6519522" y="1417025"/>
+                  <a:pt x="6519581" y="1422694"/>
+                  <a:pt x="6519581" y="1428376"/>
+                </a:cubicBezTo>
+                <a:cubicBezTo>
+                  <a:pt x="6519581" y="1432198"/>
+                  <a:pt x="6519554" y="1436014"/>
+                  <a:pt x="6518988" y="1439816"/>
+                </a:cubicBezTo>
+                <a:lnTo>
+                  <a:pt x="6518489" y="1439783"/>
+                </a:lnTo>
+                <a:lnTo>
+                  <a:pt x="6518463" y="1440278"/>
+                </a:lnTo>
+                <a:lnTo>
+                  <a:pt x="6501344" y="1438652"/>
+                </a:lnTo>
+                <a:cubicBezTo>
+                  <a:pt x="6468970" y="1438125"/>
+                  <a:pt x="6437090" y="1435144"/>
+                  <a:pt x="6405918" y="1429590"/>
+                </a:cubicBezTo>
+                <a:cubicBezTo>
+                  <a:pt x="6400341" y="1430009"/>
+                  <a:pt x="6395012" y="1429061"/>
+                  <a:pt x="6389701" y="1428050"/>
+                </a:cubicBezTo>
+                <a:lnTo>
+                  <a:pt x="6389585" y="1426902"/>
+                </a:lnTo>
+                <a:cubicBezTo>
+                  <a:pt x="6030734" y="1367503"/>
+                  <a:pt x="5749695" y="1086726"/>
+                  <a:pt x="5699419" y="733861"/>
+                </a:cubicBezTo>
+                <a:cubicBezTo>
+                  <a:pt x="5699252" y="733808"/>
+                  <a:pt x="5699083" y="733803"/>
+                  <a:pt x="5698914" y="733798"/>
+                </a:cubicBezTo>
+                <a:lnTo>
+                  <a:pt x="5698375" y="727122"/>
+                </a:lnTo>
+                <a:cubicBezTo>
+                  <a:pt x="5693317" y="696872"/>
+                  <a:pt x="5690866" y="665981"/>
+                  <a:pt x="5690908" y="634646"/>
+                </a:cubicBezTo>
+                <a:cubicBezTo>
+                  <a:pt x="5689596" y="629018"/>
+                  <a:pt x="5689538" y="623351"/>
+                  <a:pt x="5689538" y="617670"/>
+                </a:cubicBezTo>
+                <a:lnTo>
+                  <a:pt x="5690132" y="606230"/>
+                </a:lnTo>
+                <a:lnTo>
+                  <a:pt x="5690630" y="606263"/>
+                </a:lnTo>
+                <a:close/>
+                <a:moveTo>
+                  <a:pt x="5667905" y="605769"/>
+                </a:moveTo>
+                <a:lnTo>
+                  <a:pt x="5667931" y="606263"/>
+                </a:lnTo>
+                <a:lnTo>
+                  <a:pt x="5668429" y="606230"/>
+                </a:lnTo>
+                <a:lnTo>
+                  <a:pt x="5669023" y="617670"/>
+                </a:lnTo>
+                <a:cubicBezTo>
+                  <a:pt x="5669023" y="623351"/>
+                  <a:pt x="5668964" y="629018"/>
+                  <a:pt x="5667652" y="634646"/>
+                </a:cubicBezTo>
+                <a:cubicBezTo>
+                  <a:pt x="5667694" y="665981"/>
+                  <a:pt x="5665244" y="696872"/>
+                  <a:pt x="5660185" y="727122"/>
+                </a:cubicBezTo>
+                <a:lnTo>
+                  <a:pt x="5659647" y="733798"/>
+                </a:lnTo>
+                <a:cubicBezTo>
+                  <a:pt x="5659477" y="733803"/>
+                  <a:pt x="5659309" y="733808"/>
+                  <a:pt x="5659141" y="733861"/>
+                </a:cubicBezTo>
+                <a:cubicBezTo>
+                  <a:pt x="5608866" y="1086726"/>
+                  <a:pt x="5327827" y="1367503"/>
+                  <a:pt x="4968975" y="1426902"/>
+                </a:cubicBezTo>
+                <a:lnTo>
+                  <a:pt x="4968859" y="1428050"/>
+                </a:lnTo>
+                <a:cubicBezTo>
+                  <a:pt x="4963549" y="1429061"/>
+                  <a:pt x="4958220" y="1430009"/>
+                  <a:pt x="4952643" y="1429590"/>
+                </a:cubicBezTo>
+                <a:cubicBezTo>
+                  <a:pt x="4921471" y="1435144"/>
+                  <a:pt x="4889590" y="1438125"/>
+                  <a:pt x="4857216" y="1438652"/>
+                </a:cubicBezTo>
+                <a:lnTo>
+                  <a:pt x="4840098" y="1440278"/>
+                </a:lnTo>
+                <a:lnTo>
+                  <a:pt x="4840072" y="1439783"/>
+                </a:lnTo>
+                <a:lnTo>
+                  <a:pt x="4839573" y="1439816"/>
+                </a:lnTo>
+                <a:cubicBezTo>
+                  <a:pt x="4839007" y="1436014"/>
+                  <a:pt x="4838980" y="1432198"/>
+                  <a:pt x="4838980" y="1428376"/>
+                </a:cubicBezTo>
+                <a:cubicBezTo>
+                  <a:pt x="4838980" y="1422694"/>
+                  <a:pt x="4839038" y="1417025"/>
+                  <a:pt x="4840350" y="1411395"/>
+                </a:cubicBezTo>
+                <a:cubicBezTo>
+                  <a:pt x="4840308" y="1380067"/>
+                  <a:pt x="4842758" y="1349182"/>
+                  <a:pt x="4847814" y="1318938"/>
+                </a:cubicBezTo>
+                <a:lnTo>
+                  <a:pt x="4848355" y="1312248"/>
+                </a:lnTo>
+                <a:cubicBezTo>
+                  <a:pt x="4848523" y="1312243"/>
+                  <a:pt x="4848693" y="1312238"/>
+                  <a:pt x="4848860" y="1312185"/>
+                </a:cubicBezTo>
+                <a:cubicBezTo>
+                  <a:pt x="4899137" y="959319"/>
+                  <a:pt x="5180176" y="678542"/>
+                  <a:pt x="5539026" y="619144"/>
+                </a:cubicBezTo>
+                <a:lnTo>
+                  <a:pt x="5539143" y="617996"/>
+                </a:lnTo>
+                <a:cubicBezTo>
+                  <a:pt x="5544452" y="616986"/>
+                  <a:pt x="5549780" y="616038"/>
+                  <a:pt x="5555356" y="616457"/>
+                </a:cubicBezTo>
+                <a:cubicBezTo>
+                  <a:pt x="5586539" y="610900"/>
+                  <a:pt x="5618432" y="607919"/>
+                  <a:pt x="5650817" y="607392"/>
+                </a:cubicBezTo>
+                <a:close/>
+                <a:moveTo>
+                  <a:pt x="3998505" y="605769"/>
+                </a:moveTo>
+                <a:lnTo>
+                  <a:pt x="4015592" y="607392"/>
+                </a:lnTo>
+                <a:cubicBezTo>
+                  <a:pt x="4047978" y="607919"/>
+                  <a:pt x="4079870" y="610900"/>
+                  <a:pt x="4111054" y="616457"/>
+                </a:cubicBezTo>
+                <a:cubicBezTo>
+                  <a:pt x="4116630" y="616038"/>
+                  <a:pt x="4121958" y="616986"/>
+                  <a:pt x="4127266" y="617996"/>
+                </a:cubicBezTo>
+                <a:lnTo>
+                  <a:pt x="4127384" y="619144"/>
+                </a:lnTo>
+                <a:cubicBezTo>
+                  <a:pt x="4486234" y="678542"/>
+                  <a:pt x="4767273" y="959319"/>
+                  <a:pt x="4817549" y="1312185"/>
+                </a:cubicBezTo>
+                <a:cubicBezTo>
+                  <a:pt x="4817717" y="1312238"/>
+                  <a:pt x="4817886" y="1312243"/>
+                  <a:pt x="4818055" y="1312248"/>
+                </a:cubicBezTo>
+                <a:lnTo>
+                  <a:pt x="4818595" y="1318938"/>
+                </a:lnTo>
+                <a:cubicBezTo>
+                  <a:pt x="4823652" y="1349182"/>
+                  <a:pt x="4826101" y="1380067"/>
+                  <a:pt x="4826059" y="1411395"/>
+                </a:cubicBezTo>
+                <a:cubicBezTo>
+                  <a:pt x="4827371" y="1417025"/>
+                  <a:pt x="4827430" y="1422694"/>
+                  <a:pt x="4827430" y="1428376"/>
+                </a:cubicBezTo>
+                <a:cubicBezTo>
+                  <a:pt x="4827430" y="1432198"/>
+                  <a:pt x="4827403" y="1436014"/>
+                  <a:pt x="4826837" y="1439816"/>
+                </a:cubicBezTo>
+                <a:lnTo>
+                  <a:pt x="4826338" y="1439783"/>
+                </a:lnTo>
+                <a:lnTo>
+                  <a:pt x="4826312" y="1440278"/>
+                </a:lnTo>
+                <a:lnTo>
+                  <a:pt x="4809193" y="1438652"/>
+                </a:lnTo>
+                <a:cubicBezTo>
+                  <a:pt x="4776819" y="1438125"/>
+                  <a:pt x="4744939" y="1435144"/>
+                  <a:pt x="4713767" y="1429590"/>
+                </a:cubicBezTo>
+                <a:cubicBezTo>
+                  <a:pt x="4708190" y="1430009"/>
+                  <a:pt x="4702861" y="1429061"/>
+                  <a:pt x="4697550" y="1428050"/>
+                </a:cubicBezTo>
+                <a:lnTo>
+                  <a:pt x="4697434" y="1426902"/>
+                </a:lnTo>
+                <a:cubicBezTo>
+                  <a:pt x="4338583" y="1367503"/>
+                  <a:pt x="4057544" y="1086726"/>
+                  <a:pt x="4007268" y="733861"/>
+                </a:cubicBezTo>
+                <a:cubicBezTo>
+                  <a:pt x="4007101" y="733808"/>
+                  <a:pt x="4006932" y="733803"/>
+                  <a:pt x="4006763" y="733798"/>
+                </a:cubicBezTo>
+                <a:lnTo>
+                  <a:pt x="4006225" y="727122"/>
+                </a:lnTo>
+                <a:cubicBezTo>
+                  <a:pt x="4001166" y="696872"/>
+                  <a:pt x="3998715" y="665981"/>
+                  <a:pt x="3998757" y="634646"/>
+                </a:cubicBezTo>
+                <a:cubicBezTo>
+                  <a:pt x="3997445" y="629018"/>
+                  <a:pt x="3997387" y="623351"/>
+                  <a:pt x="3997387" y="617670"/>
+                </a:cubicBezTo>
+                <a:lnTo>
+                  <a:pt x="3997981" y="606230"/>
+                </a:lnTo>
+                <a:lnTo>
+                  <a:pt x="3998479" y="606263"/>
+                </a:lnTo>
+                <a:close/>
+                <a:moveTo>
+                  <a:pt x="3975754" y="605769"/>
+                </a:moveTo>
+                <a:lnTo>
+                  <a:pt x="3975780" y="606263"/>
+                </a:lnTo>
+                <a:lnTo>
+                  <a:pt x="3976278" y="606230"/>
+                </a:lnTo>
+                <a:lnTo>
+                  <a:pt x="3976872" y="617670"/>
+                </a:lnTo>
+                <a:cubicBezTo>
+                  <a:pt x="3976872" y="623351"/>
+                  <a:pt x="3976813" y="629018"/>
+                  <a:pt x="3975501" y="634646"/>
+                </a:cubicBezTo>
+                <a:cubicBezTo>
+                  <a:pt x="3975543" y="665981"/>
+                  <a:pt x="3973093" y="696872"/>
+                  <a:pt x="3968034" y="727122"/>
+                </a:cubicBezTo>
+                <a:lnTo>
+                  <a:pt x="3967496" y="733798"/>
+                </a:lnTo>
+                <a:cubicBezTo>
+                  <a:pt x="3967326" y="733803"/>
+                  <a:pt x="3967158" y="733808"/>
+                  <a:pt x="3966990" y="733861"/>
+                </a:cubicBezTo>
+                <a:cubicBezTo>
+                  <a:pt x="3916715" y="1086726"/>
+                  <a:pt x="3635676" y="1367503"/>
+                  <a:pt x="3276825" y="1426902"/>
+                </a:cubicBezTo>
+                <a:lnTo>
+                  <a:pt x="3276708" y="1428050"/>
+                </a:lnTo>
+                <a:cubicBezTo>
+                  <a:pt x="3271398" y="1429061"/>
+                  <a:pt x="3266069" y="1430009"/>
+                  <a:pt x="3260492" y="1429590"/>
+                </a:cubicBezTo>
+                <a:cubicBezTo>
+                  <a:pt x="3229320" y="1435144"/>
+                  <a:pt x="3197440" y="1438125"/>
+                  <a:pt x="3165065" y="1438652"/>
+                </a:cubicBezTo>
+                <a:lnTo>
+                  <a:pt x="3147947" y="1440278"/>
+                </a:lnTo>
+                <a:lnTo>
+                  <a:pt x="3147921" y="1439783"/>
+                </a:lnTo>
+                <a:lnTo>
+                  <a:pt x="3147422" y="1439816"/>
+                </a:lnTo>
+                <a:cubicBezTo>
+                  <a:pt x="3146856" y="1436014"/>
+                  <a:pt x="3146829" y="1432198"/>
+                  <a:pt x="3146829" y="1428376"/>
+                </a:cubicBezTo>
+                <a:cubicBezTo>
+                  <a:pt x="3146829" y="1422694"/>
+                  <a:pt x="3146887" y="1417025"/>
+                  <a:pt x="3148199" y="1411395"/>
+                </a:cubicBezTo>
+                <a:cubicBezTo>
+                  <a:pt x="3148157" y="1380067"/>
+                  <a:pt x="3150607" y="1349182"/>
+                  <a:pt x="3155663" y="1318938"/>
+                </a:cubicBezTo>
+                <a:lnTo>
+                  <a:pt x="3156204" y="1312248"/>
+                </a:lnTo>
+                <a:cubicBezTo>
+                  <a:pt x="3156372" y="1312243"/>
+                  <a:pt x="3156542" y="1312238"/>
+                  <a:pt x="3156709" y="1312185"/>
+                </a:cubicBezTo>
+                <a:cubicBezTo>
+                  <a:pt x="3206986" y="959319"/>
+                  <a:pt x="3488025" y="678542"/>
+                  <a:pt x="3846875" y="619144"/>
+                </a:cubicBezTo>
+                <a:lnTo>
+                  <a:pt x="3846992" y="617996"/>
+                </a:lnTo>
+                <a:cubicBezTo>
+                  <a:pt x="3852301" y="616986"/>
+                  <a:pt x="3857629" y="616038"/>
+                  <a:pt x="3863205" y="616457"/>
+                </a:cubicBezTo>
+                <a:cubicBezTo>
+                  <a:pt x="3894388" y="610900"/>
+                  <a:pt x="3926281" y="607919"/>
+                  <a:pt x="3958666" y="607392"/>
+                </a:cubicBezTo>
+                <a:close/>
+                <a:moveTo>
+                  <a:pt x="2306354" y="605769"/>
+                </a:moveTo>
+                <a:lnTo>
+                  <a:pt x="2323441" y="607392"/>
+                </a:lnTo>
+                <a:cubicBezTo>
+                  <a:pt x="2355827" y="607919"/>
+                  <a:pt x="2387719" y="610900"/>
+                  <a:pt x="2418903" y="616457"/>
+                </a:cubicBezTo>
+                <a:cubicBezTo>
+                  <a:pt x="2424479" y="616038"/>
+                  <a:pt x="2429807" y="616986"/>
+                  <a:pt x="2435115" y="617996"/>
+                </a:cubicBezTo>
+                <a:lnTo>
+                  <a:pt x="2435233" y="619144"/>
+                </a:lnTo>
+                <a:cubicBezTo>
+                  <a:pt x="2794083" y="678542"/>
+                  <a:pt x="3075122" y="959319"/>
+                  <a:pt x="3125398" y="1312185"/>
+                </a:cubicBezTo>
+                <a:cubicBezTo>
+                  <a:pt x="3125566" y="1312238"/>
+                  <a:pt x="3125735" y="1312243"/>
+                  <a:pt x="3125904" y="1312248"/>
+                </a:cubicBezTo>
+                <a:lnTo>
+                  <a:pt x="3126444" y="1318938"/>
+                </a:lnTo>
+                <a:cubicBezTo>
+                  <a:pt x="3131501" y="1349182"/>
+                  <a:pt x="3133950" y="1380067"/>
+                  <a:pt x="3133908" y="1411395"/>
+                </a:cubicBezTo>
+                <a:cubicBezTo>
+                  <a:pt x="3135220" y="1417025"/>
+                  <a:pt x="3135279" y="1422694"/>
+                  <a:pt x="3135279" y="1428376"/>
+                </a:cubicBezTo>
+                <a:cubicBezTo>
+                  <a:pt x="3135279" y="1432198"/>
+                  <a:pt x="3135252" y="1436014"/>
+                  <a:pt x="3134686" y="1439816"/>
+                </a:cubicBezTo>
+                <a:lnTo>
+                  <a:pt x="3134187" y="1439783"/>
+                </a:lnTo>
+                <a:lnTo>
+                  <a:pt x="3134161" y="1440278"/>
+                </a:lnTo>
+                <a:lnTo>
+                  <a:pt x="3117042" y="1438652"/>
+                </a:lnTo>
+                <a:cubicBezTo>
+                  <a:pt x="3084668" y="1438125"/>
+                  <a:pt x="3052788" y="1435144"/>
+                  <a:pt x="3021616" y="1429590"/>
+                </a:cubicBezTo>
+                <a:cubicBezTo>
+                  <a:pt x="3016039" y="1430009"/>
+                  <a:pt x="3010710" y="1429061"/>
+                  <a:pt x="3005399" y="1428050"/>
+                </a:cubicBezTo>
+                <a:lnTo>
+                  <a:pt x="3005283" y="1426902"/>
+                </a:lnTo>
+                <a:cubicBezTo>
+                  <a:pt x="2646432" y="1367503"/>
+                  <a:pt x="2365393" y="1086726"/>
+                  <a:pt x="2315117" y="733861"/>
+                </a:cubicBezTo>
+                <a:cubicBezTo>
+                  <a:pt x="2314950" y="733808"/>
+                  <a:pt x="2314781" y="733803"/>
+                  <a:pt x="2314612" y="733798"/>
+                </a:cubicBezTo>
+                <a:lnTo>
+                  <a:pt x="2314074" y="727122"/>
+                </a:lnTo>
+                <a:cubicBezTo>
+                  <a:pt x="2309015" y="696872"/>
+                  <a:pt x="2306564" y="665981"/>
+                  <a:pt x="2306606" y="634646"/>
+                </a:cubicBezTo>
+                <a:cubicBezTo>
+                  <a:pt x="2305294" y="629018"/>
+                  <a:pt x="2305236" y="623351"/>
+                  <a:pt x="2305236" y="617670"/>
+                </a:cubicBezTo>
+                <a:lnTo>
+                  <a:pt x="2305830" y="606230"/>
+                </a:lnTo>
+                <a:lnTo>
+                  <a:pt x="2306328" y="606263"/>
+                </a:lnTo>
+                <a:close/>
+                <a:moveTo>
+                  <a:pt x="2283603" y="605769"/>
+                </a:moveTo>
+                <a:lnTo>
+                  <a:pt x="2283629" y="606263"/>
+                </a:lnTo>
+                <a:lnTo>
+                  <a:pt x="2284127" y="606230"/>
+                </a:lnTo>
+                <a:lnTo>
+                  <a:pt x="2284721" y="617670"/>
+                </a:lnTo>
+                <a:cubicBezTo>
+                  <a:pt x="2284721" y="623351"/>
+                  <a:pt x="2284662" y="629018"/>
+                  <a:pt x="2283350" y="634646"/>
+                </a:cubicBezTo>
+                <a:cubicBezTo>
+                  <a:pt x="2283392" y="665981"/>
+                  <a:pt x="2280942" y="696872"/>
+                  <a:pt x="2275883" y="727122"/>
+                </a:cubicBezTo>
+                <a:lnTo>
+                  <a:pt x="2275345" y="733798"/>
+                </a:lnTo>
+                <a:cubicBezTo>
+                  <a:pt x="2275175" y="733803"/>
+                  <a:pt x="2275007" y="733808"/>
+                  <a:pt x="2274839" y="733861"/>
+                </a:cubicBezTo>
+                <a:cubicBezTo>
+                  <a:pt x="2224564" y="1086726"/>
+                  <a:pt x="1943525" y="1367503"/>
+                  <a:pt x="1584673" y="1426902"/>
+                </a:cubicBezTo>
+                <a:lnTo>
+                  <a:pt x="1584557" y="1428050"/>
+                </a:lnTo>
+                <a:cubicBezTo>
+                  <a:pt x="1579247" y="1429061"/>
+                  <a:pt x="1573918" y="1430009"/>
+                  <a:pt x="1568341" y="1429590"/>
+                </a:cubicBezTo>
+                <a:cubicBezTo>
+                  <a:pt x="1537169" y="1435144"/>
+                  <a:pt x="1505289" y="1438125"/>
+                  <a:pt x="1472914" y="1438652"/>
+                </a:cubicBezTo>
+                <a:lnTo>
+                  <a:pt x="1455796" y="1440278"/>
+                </a:lnTo>
+                <a:lnTo>
+                  <a:pt x="1455770" y="1439783"/>
+                </a:lnTo>
+                <a:lnTo>
+                  <a:pt x="1455271" y="1439816"/>
+                </a:lnTo>
+                <a:cubicBezTo>
+                  <a:pt x="1454705" y="1436014"/>
+                  <a:pt x="1454678" y="1432198"/>
+                  <a:pt x="1454678" y="1428376"/>
+                </a:cubicBezTo>
+                <a:cubicBezTo>
+                  <a:pt x="1454678" y="1422694"/>
+                  <a:pt x="1454736" y="1417025"/>
+                  <a:pt x="1456048" y="1411395"/>
+                </a:cubicBezTo>
+                <a:cubicBezTo>
+                  <a:pt x="1456006" y="1380067"/>
+                  <a:pt x="1458456" y="1349182"/>
+                  <a:pt x="1463513" y="1318938"/>
+                </a:cubicBezTo>
+                <a:lnTo>
+                  <a:pt x="1464053" y="1312248"/>
+                </a:lnTo>
+                <a:cubicBezTo>
+                  <a:pt x="1464221" y="1312243"/>
+                  <a:pt x="1464391" y="1312238"/>
+                  <a:pt x="1464558" y="1312185"/>
+                </a:cubicBezTo>
+                <a:cubicBezTo>
+                  <a:pt x="1514835" y="959319"/>
+                  <a:pt x="1795874" y="678542"/>
+                  <a:pt x="2154724" y="619144"/>
+                </a:cubicBezTo>
+                <a:lnTo>
+                  <a:pt x="2154841" y="617996"/>
+                </a:lnTo>
+                <a:cubicBezTo>
+                  <a:pt x="2160150" y="616986"/>
+                  <a:pt x="2165478" y="616038"/>
+                  <a:pt x="2171054" y="616457"/>
+                </a:cubicBezTo>
+                <a:cubicBezTo>
+                  <a:pt x="2202237" y="610900"/>
+                  <a:pt x="2234130" y="607919"/>
+                  <a:pt x="2266515" y="607392"/>
+                </a:cubicBezTo>
+                <a:close/>
+                <a:moveTo>
+                  <a:pt x="614203" y="605769"/>
+                </a:moveTo>
+                <a:lnTo>
+                  <a:pt x="631290" y="607392"/>
+                </a:lnTo>
+                <a:cubicBezTo>
+                  <a:pt x="663676" y="607919"/>
+                  <a:pt x="695568" y="610900"/>
+                  <a:pt x="726752" y="616457"/>
+                </a:cubicBezTo>
+                <a:cubicBezTo>
+                  <a:pt x="732328" y="616038"/>
+                  <a:pt x="737656" y="616986"/>
+                  <a:pt x="742964" y="617996"/>
+                </a:cubicBezTo>
+                <a:lnTo>
+                  <a:pt x="743081" y="619144"/>
+                </a:lnTo>
+                <a:cubicBezTo>
+                  <a:pt x="1101932" y="678542"/>
+                  <a:pt x="1382971" y="959319"/>
+                  <a:pt x="1433247" y="1312185"/>
+                </a:cubicBezTo>
+                <a:cubicBezTo>
+                  <a:pt x="1433415" y="1312238"/>
+                  <a:pt x="1433584" y="1312243"/>
+                  <a:pt x="1433753" y="1312248"/>
+                </a:cubicBezTo>
+                <a:lnTo>
+                  <a:pt x="1434293" y="1318938"/>
+                </a:lnTo>
+                <a:cubicBezTo>
+                  <a:pt x="1439350" y="1349182"/>
+                  <a:pt x="1441799" y="1380067"/>
+                  <a:pt x="1441757" y="1411395"/>
+                </a:cubicBezTo>
+                <a:cubicBezTo>
+                  <a:pt x="1443069" y="1417025"/>
+                  <a:pt x="1443128" y="1422694"/>
+                  <a:pt x="1443128" y="1428376"/>
+                </a:cubicBezTo>
+                <a:cubicBezTo>
+                  <a:pt x="1443128" y="1432198"/>
+                  <a:pt x="1443101" y="1436014"/>
+                  <a:pt x="1442535" y="1439816"/>
+                </a:cubicBezTo>
+                <a:lnTo>
+                  <a:pt x="1442036" y="1439783"/>
+                </a:lnTo>
+                <a:lnTo>
+                  <a:pt x="1442010" y="1440278"/>
+                </a:lnTo>
+                <a:lnTo>
+                  <a:pt x="1424891" y="1438652"/>
+                </a:lnTo>
+                <a:cubicBezTo>
+                  <a:pt x="1392517" y="1438125"/>
+                  <a:pt x="1360637" y="1435144"/>
+                  <a:pt x="1329465" y="1429590"/>
+                </a:cubicBezTo>
+                <a:cubicBezTo>
+                  <a:pt x="1323888" y="1430009"/>
+                  <a:pt x="1318559" y="1429061"/>
+                  <a:pt x="1313248" y="1428050"/>
+                </a:cubicBezTo>
+                <a:lnTo>
+                  <a:pt x="1313132" y="1426902"/>
+                </a:lnTo>
+                <a:cubicBezTo>
+                  <a:pt x="954281" y="1367503"/>
+                  <a:pt x="673242" y="1086726"/>
+                  <a:pt x="622966" y="733861"/>
+                </a:cubicBezTo>
+                <a:cubicBezTo>
+                  <a:pt x="622799" y="733808"/>
+                  <a:pt x="622630" y="733803"/>
+                  <a:pt x="622461" y="733798"/>
+                </a:cubicBezTo>
+                <a:lnTo>
+                  <a:pt x="621923" y="727122"/>
+                </a:lnTo>
+                <a:cubicBezTo>
+                  <a:pt x="616864" y="696872"/>
+                  <a:pt x="614413" y="665981"/>
+                  <a:pt x="614455" y="634646"/>
+                </a:cubicBezTo>
+                <a:cubicBezTo>
+                  <a:pt x="613143" y="629018"/>
+                  <a:pt x="613085" y="623351"/>
+                  <a:pt x="613085" y="617670"/>
+                </a:cubicBezTo>
+                <a:lnTo>
+                  <a:pt x="613679" y="606230"/>
+                </a:lnTo>
+                <a:lnTo>
+                  <a:pt x="614177" y="606263"/>
+                </a:lnTo>
+                <a:close/>
+                <a:moveTo>
+                  <a:pt x="7360056" y="605769"/>
+                </a:moveTo>
+                <a:lnTo>
+                  <a:pt x="7360082" y="606263"/>
+                </a:lnTo>
+                <a:lnTo>
+                  <a:pt x="7360580" y="606230"/>
+                </a:lnTo>
+                <a:lnTo>
+                  <a:pt x="7361174" y="617670"/>
+                </a:lnTo>
+                <a:cubicBezTo>
+                  <a:pt x="7361174" y="623351"/>
+                  <a:pt x="7361116" y="629018"/>
+                  <a:pt x="7359804" y="634646"/>
+                </a:cubicBezTo>
+                <a:cubicBezTo>
+                  <a:pt x="7359846" y="665981"/>
+                  <a:pt x="7357395" y="696872"/>
+                  <a:pt x="7352337" y="727122"/>
+                </a:cubicBezTo>
+                <a:lnTo>
+                  <a:pt x="7351798" y="733798"/>
+                </a:lnTo>
+                <a:cubicBezTo>
+                  <a:pt x="7351629" y="733803"/>
+                  <a:pt x="7351460" y="733808"/>
+                  <a:pt x="7351293" y="733861"/>
+                </a:cubicBezTo>
+                <a:cubicBezTo>
+                  <a:pt x="7301017" y="1086726"/>
+                  <a:pt x="7019978" y="1367503"/>
+                  <a:pt x="6661127" y="1426902"/>
+                </a:cubicBezTo>
+                <a:lnTo>
+                  <a:pt x="6661011" y="1428050"/>
+                </a:lnTo>
+                <a:cubicBezTo>
+                  <a:pt x="6655700" y="1429061"/>
+                  <a:pt x="6650371" y="1430009"/>
+                  <a:pt x="6644794" y="1429590"/>
+                </a:cubicBezTo>
+                <a:cubicBezTo>
+                  <a:pt x="6613622" y="1435144"/>
+                  <a:pt x="6581742" y="1438125"/>
+                  <a:pt x="6549368" y="1438652"/>
+                </a:cubicBezTo>
+                <a:lnTo>
+                  <a:pt x="6532249" y="1440278"/>
+                </a:lnTo>
+                <a:lnTo>
+                  <a:pt x="6532223" y="1439783"/>
+                </a:lnTo>
+                <a:lnTo>
+                  <a:pt x="6531724" y="1439816"/>
+                </a:lnTo>
+                <a:cubicBezTo>
+                  <a:pt x="6531158" y="1436014"/>
+                  <a:pt x="6531131" y="1432198"/>
+                  <a:pt x="6531131" y="1428376"/>
+                </a:cubicBezTo>
+                <a:cubicBezTo>
+                  <a:pt x="6531131" y="1422694"/>
+                  <a:pt x="6531190" y="1417025"/>
+                  <a:pt x="6532502" y="1411395"/>
+                </a:cubicBezTo>
+                <a:cubicBezTo>
+                  <a:pt x="6532460" y="1380067"/>
+                  <a:pt x="6534909" y="1349182"/>
+                  <a:pt x="6539966" y="1318938"/>
+                </a:cubicBezTo>
+                <a:lnTo>
+                  <a:pt x="6540506" y="1312248"/>
+                </a:lnTo>
+                <a:cubicBezTo>
+                  <a:pt x="6540675" y="1312243"/>
+                  <a:pt x="6540844" y="1312238"/>
+                  <a:pt x="6541012" y="1312185"/>
+                </a:cubicBezTo>
+                <a:cubicBezTo>
+                  <a:pt x="6591288" y="959319"/>
+                  <a:pt x="6872327" y="678542"/>
+                  <a:pt x="7231178" y="619144"/>
+                </a:cubicBezTo>
+                <a:lnTo>
+                  <a:pt x="7231295" y="617996"/>
+                </a:lnTo>
+                <a:cubicBezTo>
+                  <a:pt x="7236603" y="616986"/>
+                  <a:pt x="7241931" y="616038"/>
+                  <a:pt x="7247507" y="616457"/>
+                </a:cubicBezTo>
+                <a:cubicBezTo>
+                  <a:pt x="7278691" y="610900"/>
+                  <a:pt x="7310583" y="607919"/>
+                  <a:pt x="7342969" y="607392"/>
+                </a:cubicBezTo>
+                <a:close/>
+                <a:moveTo>
+                  <a:pt x="591452" y="605769"/>
+                </a:moveTo>
+                <a:lnTo>
+                  <a:pt x="591478" y="606263"/>
+                </a:lnTo>
+                <a:lnTo>
+                  <a:pt x="591976" y="606230"/>
+                </a:lnTo>
+                <a:lnTo>
+                  <a:pt x="592570" y="617670"/>
+                </a:lnTo>
+                <a:cubicBezTo>
+                  <a:pt x="592570" y="623351"/>
+                  <a:pt x="592511" y="629018"/>
+                  <a:pt x="591199" y="634646"/>
+                </a:cubicBezTo>
+                <a:cubicBezTo>
+                  <a:pt x="591242" y="665981"/>
+                  <a:pt x="588791" y="696872"/>
+                  <a:pt x="583732" y="727122"/>
+                </a:cubicBezTo>
+                <a:lnTo>
+                  <a:pt x="583194" y="733798"/>
+                </a:lnTo>
+                <a:cubicBezTo>
+                  <a:pt x="583024" y="733803"/>
+                  <a:pt x="582856" y="733808"/>
+                  <a:pt x="582689" y="733861"/>
+                </a:cubicBezTo>
+                <a:cubicBezTo>
+                  <a:pt x="537576" y="1050490"/>
+                  <a:pt x="306662" y="1309076"/>
+                  <a:pt x="0" y="1400276"/>
+                </a:cubicBezTo>
+                <a:lnTo>
+                  <a:pt x="0" y="1267938"/>
+                </a:lnTo>
+                <a:cubicBezTo>
+                  <a:pt x="229298" y="1185101"/>
+                  <a:pt x="402181" y="989705"/>
+                  <a:pt x="449203" y="750600"/>
+                </a:cubicBezTo>
+                <a:cubicBezTo>
+                  <a:pt x="258971" y="791484"/>
+                  <a:pt x="97576" y="906749"/>
+                  <a:pt x="0" y="1064489"/>
+                </a:cubicBezTo>
+                <a:lnTo>
+                  <a:pt x="0" y="857695"/>
+                </a:lnTo>
+                <a:cubicBezTo>
+                  <a:pt x="121484" y="734788"/>
+                  <a:pt x="282199" y="649000"/>
+                  <a:pt x="462573" y="619144"/>
+                </a:cubicBezTo>
+                <a:lnTo>
+                  <a:pt x="462690" y="617996"/>
+                </a:lnTo>
+                <a:cubicBezTo>
+                  <a:pt x="467999" y="616986"/>
+                  <a:pt x="473327" y="616038"/>
+                  <a:pt x="478903" y="616457"/>
+                </a:cubicBezTo>
+                <a:cubicBezTo>
+                  <a:pt x="510086" y="610900"/>
+                  <a:pt x="541979" y="607919"/>
+                  <a:pt x="574365" y="607392"/>
+                </a:cubicBezTo>
+                <a:close/>
+                <a:moveTo>
+                  <a:pt x="11969013" y="0"/>
+                </a:moveTo>
+                <a:lnTo>
+                  <a:pt x="12180097" y="0"/>
+                </a:lnTo>
+                <a:cubicBezTo>
+                  <a:pt x="12184579" y="2797"/>
+                  <a:pt x="12188307" y="6390"/>
+                  <a:pt x="12192000" y="10016"/>
+                </a:cubicBezTo>
+                <a:lnTo>
+                  <a:pt x="12192000" y="210008"/>
+                </a:lnTo>
+                <a:cubicBezTo>
+                  <a:pt x="12135666" y="124006"/>
+                  <a:pt x="12059786" y="51396"/>
+                  <a:pt x="11969013" y="0"/>
+                </a:cubicBezTo>
+                <a:close/>
+                <a:moveTo>
+                  <a:pt x="11640695" y="0"/>
+                </a:moveTo>
+                <a:lnTo>
+                  <a:pt x="11775234" y="0"/>
+                </a:lnTo>
+                <a:cubicBezTo>
+                  <a:pt x="11842228" y="193636"/>
+                  <a:pt x="11995970" y="348667"/>
+                  <a:pt x="12192000" y="421829"/>
+                </a:cubicBezTo>
+                <a:lnTo>
+                  <a:pt x="12192000" y="553832"/>
+                </a:lnTo>
+                <a:cubicBezTo>
+                  <a:pt x="11924422" y="471599"/>
+                  <a:pt x="11715712" y="262771"/>
+                  <a:pt x="11640695" y="0"/>
+                </a:cubicBezTo>
+                <a:close/>
+                <a:moveTo>
+                  <a:pt x="11023379" y="0"/>
+                </a:moveTo>
+                <a:lnTo>
+                  <a:pt x="11232088" y="0"/>
+                </a:lnTo>
+                <a:cubicBezTo>
+                  <a:pt x="11066618" y="98005"/>
+                  <a:pt x="10947209" y="260867"/>
+                  <a:pt x="10909358" y="451830"/>
+                </a:cubicBezTo>
+                <a:cubicBezTo>
+                  <a:pt x="11153410" y="399791"/>
+                  <a:pt x="11350000" y="226290"/>
+                  <a:pt x="11427896" y="0"/>
+                </a:cubicBezTo>
+                <a:lnTo>
+                  <a:pt x="11561912" y="0"/>
+                </a:lnTo>
+                <a:cubicBezTo>
+                  <a:pt x="11477134" y="299826"/>
+                  <a:pt x="11217862" y="529393"/>
+                  <a:pt x="10895987" y="582253"/>
+                </a:cubicBezTo>
+                <a:lnTo>
+                  <a:pt x="10895871" y="583392"/>
+                </a:lnTo>
+                <a:cubicBezTo>
+                  <a:pt x="10890560" y="584395"/>
+                  <a:pt x="10885231" y="585336"/>
+                  <a:pt x="10879654" y="584920"/>
+                </a:cubicBezTo>
+                <a:cubicBezTo>
+                  <a:pt x="10848482" y="590430"/>
+                  <a:pt x="10816602" y="593388"/>
+                  <a:pt x="10784227" y="593911"/>
+                </a:cubicBezTo>
+                <a:lnTo>
+                  <a:pt x="10767109" y="595524"/>
+                </a:lnTo>
+                <a:lnTo>
+                  <a:pt x="10767083" y="595033"/>
+                </a:lnTo>
+                <a:lnTo>
+                  <a:pt x="10766584" y="595066"/>
+                </a:lnTo>
+                <a:cubicBezTo>
+                  <a:pt x="10766018" y="591293"/>
+                  <a:pt x="10765991" y="587507"/>
+                  <a:pt x="10765991" y="583715"/>
+                </a:cubicBezTo>
+                <a:cubicBezTo>
+                  <a:pt x="10765991" y="578078"/>
+                  <a:pt x="10766050" y="572454"/>
+                  <a:pt x="10767362" y="566868"/>
+                </a:cubicBezTo>
+                <a:cubicBezTo>
+                  <a:pt x="10767319" y="535786"/>
+                  <a:pt x="10769769" y="505143"/>
+                  <a:pt x="10774826" y="475137"/>
+                </a:cubicBezTo>
+                <a:lnTo>
+                  <a:pt x="10775366" y="468500"/>
+                </a:lnTo>
+                <a:cubicBezTo>
+                  <a:pt x="10775535" y="468495"/>
+                  <a:pt x="10775704" y="468490"/>
+                  <a:pt x="10775872" y="468437"/>
+                </a:cubicBezTo>
+                <a:cubicBezTo>
+                  <a:pt x="10802174" y="285283"/>
+                  <a:pt x="10891635" y="121704"/>
+                  <a:pt x="11023379" y="0"/>
+                </a:cubicBezTo>
+                <a:close/>
+                <a:moveTo>
+                  <a:pt x="9949555" y="0"/>
+                </a:moveTo>
+                <a:lnTo>
+                  <a:pt x="10083571" y="0"/>
+                </a:lnTo>
+                <a:cubicBezTo>
+                  <a:pt x="10161467" y="226290"/>
+                  <a:pt x="10358057" y="399791"/>
+                  <a:pt x="10602109" y="451830"/>
+                </a:cubicBezTo>
+                <a:cubicBezTo>
+                  <a:pt x="10564258" y="260867"/>
+                  <a:pt x="10444849" y="98005"/>
+                  <a:pt x="10279379" y="0"/>
+                </a:cubicBezTo>
+                <a:lnTo>
+                  <a:pt x="10488089" y="0"/>
+                </a:lnTo>
+                <a:cubicBezTo>
+                  <a:pt x="10619833" y="121704"/>
+                  <a:pt x="10709293" y="285283"/>
+                  <a:pt x="10735596" y="468437"/>
+                </a:cubicBezTo>
+                <a:cubicBezTo>
+                  <a:pt x="10735763" y="468490"/>
+                  <a:pt x="10735932" y="468495"/>
+                  <a:pt x="10736101" y="468500"/>
+                </a:cubicBezTo>
+                <a:lnTo>
+                  <a:pt x="10736641" y="475137"/>
+                </a:lnTo>
+                <a:cubicBezTo>
+                  <a:pt x="10741698" y="505143"/>
+                  <a:pt x="10744148" y="535786"/>
+                  <a:pt x="10744105" y="566868"/>
+                </a:cubicBezTo>
+                <a:cubicBezTo>
+                  <a:pt x="10745417" y="572454"/>
+                  <a:pt x="10745476" y="578078"/>
+                  <a:pt x="10745476" y="583715"/>
+                </a:cubicBezTo>
+                <a:cubicBezTo>
+                  <a:pt x="10745476" y="587507"/>
+                  <a:pt x="10745449" y="591293"/>
+                  <a:pt x="10744883" y="595066"/>
+                </a:cubicBezTo>
+                <a:lnTo>
+                  <a:pt x="10744384" y="595033"/>
+                </a:lnTo>
+                <a:lnTo>
+                  <a:pt x="10744358" y="595524"/>
+                </a:lnTo>
+                <a:lnTo>
+                  <a:pt x="10727240" y="593911"/>
+                </a:lnTo>
+                <a:cubicBezTo>
+                  <a:pt x="10694865" y="593388"/>
+                  <a:pt x="10662985" y="590430"/>
+                  <a:pt x="10631813" y="584920"/>
+                </a:cubicBezTo>
+                <a:cubicBezTo>
+                  <a:pt x="10626236" y="585336"/>
+                  <a:pt x="10620907" y="584395"/>
+                  <a:pt x="10615596" y="583392"/>
+                </a:cubicBezTo>
+                <a:lnTo>
+                  <a:pt x="10615480" y="582253"/>
+                </a:lnTo>
+                <a:cubicBezTo>
+                  <a:pt x="10293605" y="529393"/>
+                  <a:pt x="10034333" y="299826"/>
+                  <a:pt x="9949555" y="0"/>
+                </a:cubicBezTo>
+                <a:close/>
+                <a:moveTo>
+                  <a:pt x="9331225" y="0"/>
+                </a:moveTo>
+                <a:lnTo>
+                  <a:pt x="9539935" y="0"/>
+                </a:lnTo>
+                <a:cubicBezTo>
+                  <a:pt x="9374465" y="98005"/>
+                  <a:pt x="9255056" y="260867"/>
+                  <a:pt x="9217205" y="451830"/>
+                </a:cubicBezTo>
+                <a:cubicBezTo>
+                  <a:pt x="9461257" y="399791"/>
+                  <a:pt x="9657847" y="226290"/>
+                  <a:pt x="9735743" y="0"/>
+                </a:cubicBezTo>
+                <a:lnTo>
+                  <a:pt x="9869759" y="0"/>
+                </a:lnTo>
+                <a:cubicBezTo>
+                  <a:pt x="9784981" y="299826"/>
+                  <a:pt x="9525709" y="529393"/>
+                  <a:pt x="9203834" y="582253"/>
+                </a:cubicBezTo>
+                <a:lnTo>
+                  <a:pt x="9203718" y="583392"/>
+                </a:lnTo>
+                <a:cubicBezTo>
+                  <a:pt x="9198407" y="584395"/>
+                  <a:pt x="9193078" y="585336"/>
+                  <a:pt x="9187501" y="584920"/>
+                </a:cubicBezTo>
+                <a:cubicBezTo>
+                  <a:pt x="9156329" y="590430"/>
+                  <a:pt x="9124449" y="593388"/>
+                  <a:pt x="9092074" y="593911"/>
+                </a:cubicBezTo>
+                <a:lnTo>
+                  <a:pt x="9074956" y="595524"/>
+                </a:lnTo>
+                <a:lnTo>
+                  <a:pt x="9074930" y="595033"/>
+                </a:lnTo>
+                <a:lnTo>
+                  <a:pt x="9074431" y="595066"/>
+                </a:lnTo>
+                <a:cubicBezTo>
+                  <a:pt x="9073865" y="591293"/>
+                  <a:pt x="9073838" y="587507"/>
+                  <a:pt x="9073838" y="583715"/>
+                </a:cubicBezTo>
+                <a:cubicBezTo>
+                  <a:pt x="9073838" y="578078"/>
+                  <a:pt x="9073897" y="572454"/>
+                  <a:pt x="9075209" y="566868"/>
+                </a:cubicBezTo>
+                <a:cubicBezTo>
+                  <a:pt x="9075166" y="535786"/>
+                  <a:pt x="9077616" y="505143"/>
+                  <a:pt x="9082673" y="475137"/>
+                </a:cubicBezTo>
+                <a:lnTo>
+                  <a:pt x="9083213" y="468500"/>
+                </a:lnTo>
+                <a:cubicBezTo>
+                  <a:pt x="9083382" y="468495"/>
+                  <a:pt x="9083551" y="468490"/>
+                  <a:pt x="9083718" y="468437"/>
+                </a:cubicBezTo>
+                <a:cubicBezTo>
+                  <a:pt x="9110021" y="285283"/>
+                  <a:pt x="9199481" y="121704"/>
+                  <a:pt x="9331225" y="0"/>
+                </a:cubicBezTo>
+                <a:close/>
+                <a:moveTo>
+                  <a:pt x="8257405" y="0"/>
+                </a:moveTo>
+                <a:lnTo>
+                  <a:pt x="8391420" y="0"/>
+                </a:lnTo>
+                <a:cubicBezTo>
+                  <a:pt x="8469316" y="226290"/>
+                  <a:pt x="8665906" y="399791"/>
+                  <a:pt x="8909958" y="451830"/>
+                </a:cubicBezTo>
+                <a:cubicBezTo>
+                  <a:pt x="8872107" y="260867"/>
+                  <a:pt x="8752698" y="98005"/>
+                  <a:pt x="8587228" y="0"/>
+                </a:cubicBezTo>
+                <a:lnTo>
+                  <a:pt x="8795937" y="0"/>
+                </a:lnTo>
+                <a:cubicBezTo>
+                  <a:pt x="8927681" y="121704"/>
+                  <a:pt x="9017142" y="285283"/>
+                  <a:pt x="9043444" y="468437"/>
+                </a:cubicBezTo>
+                <a:cubicBezTo>
+                  <a:pt x="9043612" y="468490"/>
+                  <a:pt x="9043781" y="468495"/>
+                  <a:pt x="9043950" y="468500"/>
+                </a:cubicBezTo>
+                <a:lnTo>
+                  <a:pt x="9044490" y="475137"/>
+                </a:lnTo>
+                <a:cubicBezTo>
+                  <a:pt x="9049547" y="505143"/>
+                  <a:pt x="9051997" y="535786"/>
+                  <a:pt x="9051954" y="566868"/>
+                </a:cubicBezTo>
+                <a:cubicBezTo>
+                  <a:pt x="9053266" y="572454"/>
+                  <a:pt x="9053325" y="578078"/>
+                  <a:pt x="9053325" y="583715"/>
+                </a:cubicBezTo>
+                <a:cubicBezTo>
+                  <a:pt x="9053325" y="587507"/>
+                  <a:pt x="9053298" y="591293"/>
+                  <a:pt x="9052732" y="595066"/>
+                </a:cubicBezTo>
+                <a:lnTo>
+                  <a:pt x="9052233" y="595033"/>
+                </a:lnTo>
+                <a:lnTo>
+                  <a:pt x="9052207" y="595524"/>
+                </a:lnTo>
+                <a:lnTo>
+                  <a:pt x="9035089" y="593911"/>
+                </a:lnTo>
+                <a:cubicBezTo>
+                  <a:pt x="9002714" y="593388"/>
+                  <a:pt x="8970834" y="590430"/>
+                  <a:pt x="8939662" y="584920"/>
+                </a:cubicBezTo>
+                <a:cubicBezTo>
+                  <a:pt x="8934085" y="585336"/>
+                  <a:pt x="8928756" y="584395"/>
+                  <a:pt x="8923445" y="583392"/>
+                </a:cubicBezTo>
+                <a:lnTo>
+                  <a:pt x="8923329" y="582253"/>
+                </a:lnTo>
+                <a:cubicBezTo>
+                  <a:pt x="8601454" y="529393"/>
+                  <a:pt x="8342182" y="299826"/>
+                  <a:pt x="8257405" y="0"/>
+                </a:cubicBezTo>
+                <a:close/>
+                <a:moveTo>
+                  <a:pt x="7639075" y="0"/>
+                </a:moveTo>
+                <a:lnTo>
+                  <a:pt x="7847784" y="0"/>
+                </a:lnTo>
+                <a:cubicBezTo>
+                  <a:pt x="7682314" y="98005"/>
+                  <a:pt x="7562905" y="260867"/>
+                  <a:pt x="7525054" y="451830"/>
+                </a:cubicBezTo>
+                <a:cubicBezTo>
+                  <a:pt x="7769107" y="399791"/>
+                  <a:pt x="7965696" y="226290"/>
+                  <a:pt x="8043592" y="0"/>
+                </a:cubicBezTo>
+                <a:lnTo>
+                  <a:pt x="8177609" y="0"/>
+                </a:lnTo>
+                <a:cubicBezTo>
+                  <a:pt x="8092830" y="299826"/>
+                  <a:pt x="7833558" y="529393"/>
+                  <a:pt x="7511683" y="582253"/>
+                </a:cubicBezTo>
+                <a:lnTo>
+                  <a:pt x="7511567" y="583392"/>
+                </a:lnTo>
+                <a:cubicBezTo>
+                  <a:pt x="7506256" y="584395"/>
+                  <a:pt x="7500927" y="585336"/>
+                  <a:pt x="7495350" y="584920"/>
+                </a:cubicBezTo>
+                <a:cubicBezTo>
+                  <a:pt x="7464178" y="590430"/>
+                  <a:pt x="7432298" y="593388"/>
+                  <a:pt x="7399924" y="593911"/>
+                </a:cubicBezTo>
+                <a:lnTo>
+                  <a:pt x="7382805" y="595524"/>
+                </a:lnTo>
+                <a:lnTo>
+                  <a:pt x="7382779" y="595033"/>
+                </a:lnTo>
+                <a:lnTo>
+                  <a:pt x="7382280" y="595066"/>
+                </a:lnTo>
+                <a:cubicBezTo>
+                  <a:pt x="7381714" y="591293"/>
+                  <a:pt x="7381687" y="587507"/>
+                  <a:pt x="7381687" y="583715"/>
+                </a:cubicBezTo>
+                <a:cubicBezTo>
+                  <a:pt x="7381687" y="578078"/>
+                  <a:pt x="7381746" y="572454"/>
+                  <a:pt x="7383058" y="566868"/>
+                </a:cubicBezTo>
+                <a:cubicBezTo>
+                  <a:pt x="7383016" y="535786"/>
+                  <a:pt x="7385465" y="505143"/>
+                  <a:pt x="7390522" y="475137"/>
+                </a:cubicBezTo>
+                <a:lnTo>
+                  <a:pt x="7391062" y="468500"/>
+                </a:lnTo>
+                <a:cubicBezTo>
+                  <a:pt x="7391231" y="468495"/>
+                  <a:pt x="7391400" y="468490"/>
+                  <a:pt x="7391568" y="468437"/>
+                </a:cubicBezTo>
+                <a:cubicBezTo>
+                  <a:pt x="7417870" y="285283"/>
+                  <a:pt x="7507331" y="121703"/>
+                  <a:pt x="7639075" y="0"/>
+                </a:cubicBezTo>
+                <a:close/>
+                <a:moveTo>
+                  <a:pt x="6565254" y="0"/>
+                </a:moveTo>
+                <a:lnTo>
+                  <a:pt x="6699270" y="0"/>
+                </a:lnTo>
+                <a:cubicBezTo>
+                  <a:pt x="6777166" y="226290"/>
+                  <a:pt x="6973755" y="399791"/>
+                  <a:pt x="7217807" y="451830"/>
+                </a:cubicBezTo>
+                <a:cubicBezTo>
+                  <a:pt x="7179956" y="260867"/>
+                  <a:pt x="7060547" y="98005"/>
+                  <a:pt x="6895077" y="0"/>
+                </a:cubicBezTo>
+                <a:lnTo>
+                  <a:pt x="7103787" y="0"/>
+                </a:lnTo>
+                <a:cubicBezTo>
+                  <a:pt x="7235531" y="121704"/>
+                  <a:pt x="7324992" y="285283"/>
+                  <a:pt x="7351294" y="468437"/>
+                </a:cubicBezTo>
+                <a:cubicBezTo>
+                  <a:pt x="7351461" y="468490"/>
+                  <a:pt x="7351631" y="468495"/>
+                  <a:pt x="7351799" y="468500"/>
+                </a:cubicBezTo>
+                <a:lnTo>
+                  <a:pt x="7352340" y="475137"/>
+                </a:lnTo>
+                <a:cubicBezTo>
+                  <a:pt x="7357396" y="505143"/>
+                  <a:pt x="7359846" y="535786"/>
+                  <a:pt x="7359804" y="566868"/>
+                </a:cubicBezTo>
+                <a:cubicBezTo>
+                  <a:pt x="7361116" y="572454"/>
+                  <a:pt x="7361174" y="578078"/>
+                  <a:pt x="7361174" y="583715"/>
+                </a:cubicBezTo>
+                <a:cubicBezTo>
+                  <a:pt x="7361174" y="587507"/>
+                  <a:pt x="7361147" y="591293"/>
+                  <a:pt x="7360581" y="595066"/>
+                </a:cubicBezTo>
+                <a:lnTo>
+                  <a:pt x="7360082" y="595033"/>
+                </a:lnTo>
+                <a:lnTo>
+                  <a:pt x="7360056" y="595524"/>
+                </a:lnTo>
+                <a:lnTo>
+                  <a:pt x="7342938" y="593911"/>
+                </a:lnTo>
+                <a:cubicBezTo>
+                  <a:pt x="7310564" y="593388"/>
+                  <a:pt x="7278683" y="590430"/>
+                  <a:pt x="7247511" y="584920"/>
+                </a:cubicBezTo>
+                <a:cubicBezTo>
+                  <a:pt x="7241934" y="585336"/>
+                  <a:pt x="7236605" y="584395"/>
+                  <a:pt x="7231295" y="583392"/>
+                </a:cubicBezTo>
+                <a:lnTo>
+                  <a:pt x="7231179" y="582253"/>
+                </a:lnTo>
+                <a:cubicBezTo>
+                  <a:pt x="6909304" y="529393"/>
+                  <a:pt x="6650032" y="299826"/>
+                  <a:pt x="6565254" y="0"/>
+                </a:cubicBezTo>
+                <a:close/>
+                <a:moveTo>
+                  <a:pt x="5946924" y="0"/>
+                </a:moveTo>
+                <a:lnTo>
+                  <a:pt x="6155633" y="0"/>
+                </a:lnTo>
+                <a:cubicBezTo>
+                  <a:pt x="5990163" y="98005"/>
+                  <a:pt x="5870754" y="260867"/>
+                  <a:pt x="5832903" y="451830"/>
+                </a:cubicBezTo>
+                <a:cubicBezTo>
+                  <a:pt x="6076956" y="399791"/>
+                  <a:pt x="6273545" y="226290"/>
+                  <a:pt x="6351441" y="0"/>
+                </a:cubicBezTo>
+                <a:lnTo>
+                  <a:pt x="6485457" y="0"/>
+                </a:lnTo>
+                <a:cubicBezTo>
+                  <a:pt x="6400679" y="299826"/>
+                  <a:pt x="6141407" y="529393"/>
+                  <a:pt x="5819531" y="582253"/>
+                </a:cubicBezTo>
+                <a:lnTo>
+                  <a:pt x="5819415" y="583392"/>
+                </a:lnTo>
+                <a:cubicBezTo>
+                  <a:pt x="5814105" y="584395"/>
+                  <a:pt x="5808776" y="585336"/>
+                  <a:pt x="5803199" y="584920"/>
+                </a:cubicBezTo>
+                <a:cubicBezTo>
+                  <a:pt x="5772027" y="590430"/>
+                  <a:pt x="5740146" y="593388"/>
+                  <a:pt x="5707772" y="593911"/>
+                </a:cubicBezTo>
+                <a:lnTo>
+                  <a:pt x="5690654" y="595524"/>
+                </a:lnTo>
+                <a:lnTo>
+                  <a:pt x="5690628" y="595033"/>
+                </a:lnTo>
+                <a:lnTo>
+                  <a:pt x="5690129" y="595066"/>
+                </a:lnTo>
+                <a:cubicBezTo>
+                  <a:pt x="5689563" y="591293"/>
+                  <a:pt x="5689536" y="587507"/>
+                  <a:pt x="5689536" y="583715"/>
+                </a:cubicBezTo>
+                <a:cubicBezTo>
+                  <a:pt x="5689536" y="578078"/>
+                  <a:pt x="5689594" y="572454"/>
+                  <a:pt x="5690906" y="566868"/>
+                </a:cubicBezTo>
+                <a:cubicBezTo>
+                  <a:pt x="5690864" y="535786"/>
+                  <a:pt x="5693314" y="505143"/>
+                  <a:pt x="5698370" y="475137"/>
+                </a:cubicBezTo>
+                <a:lnTo>
+                  <a:pt x="5698911" y="468500"/>
+                </a:lnTo>
+                <a:cubicBezTo>
+                  <a:pt x="5699079" y="468495"/>
+                  <a:pt x="5699249" y="468490"/>
+                  <a:pt x="5699416" y="468437"/>
+                </a:cubicBezTo>
+                <a:cubicBezTo>
+                  <a:pt x="5725719" y="285283"/>
+                  <a:pt x="5815180" y="121704"/>
+                  <a:pt x="5946924" y="0"/>
+                </a:cubicBezTo>
+                <a:close/>
+                <a:moveTo>
+                  <a:pt x="4873102" y="0"/>
+                </a:moveTo>
+                <a:lnTo>
+                  <a:pt x="5007119" y="0"/>
+                </a:lnTo>
+                <a:cubicBezTo>
+                  <a:pt x="5085015" y="226291"/>
+                  <a:pt x="5281604" y="399791"/>
+                  <a:pt x="5525656" y="451830"/>
+                </a:cubicBezTo>
+                <a:cubicBezTo>
+                  <a:pt x="5487805" y="260867"/>
+                  <a:pt x="5368397" y="98005"/>
+                  <a:pt x="5202927" y="0"/>
+                </a:cubicBezTo>
+                <a:lnTo>
+                  <a:pt x="5411635" y="0"/>
+                </a:lnTo>
+                <a:cubicBezTo>
+                  <a:pt x="5543380" y="121703"/>
+                  <a:pt x="5632840" y="285283"/>
+                  <a:pt x="5659142" y="468437"/>
+                </a:cubicBezTo>
+                <a:cubicBezTo>
+                  <a:pt x="5659310" y="468490"/>
+                  <a:pt x="5659479" y="468495"/>
+                  <a:pt x="5659648" y="468499"/>
+                </a:cubicBezTo>
+                <a:lnTo>
+                  <a:pt x="5660188" y="475137"/>
+                </a:lnTo>
+                <a:cubicBezTo>
+                  <a:pt x="5665245" y="505143"/>
+                  <a:pt x="5667694" y="535786"/>
+                  <a:pt x="5667652" y="566868"/>
+                </a:cubicBezTo>
+                <a:cubicBezTo>
+                  <a:pt x="5668964" y="572454"/>
+                  <a:pt x="5669023" y="578078"/>
+                  <a:pt x="5669023" y="583715"/>
+                </a:cubicBezTo>
+                <a:cubicBezTo>
+                  <a:pt x="5669023" y="587508"/>
+                  <a:pt x="5668996" y="591293"/>
+                  <a:pt x="5668430" y="595066"/>
+                </a:cubicBezTo>
+                <a:lnTo>
+                  <a:pt x="5667931" y="595033"/>
+                </a:lnTo>
+                <a:lnTo>
+                  <a:pt x="5667905" y="595524"/>
+                </a:lnTo>
+                <a:lnTo>
+                  <a:pt x="5650786" y="593911"/>
+                </a:lnTo>
+                <a:cubicBezTo>
+                  <a:pt x="5618412" y="593388"/>
+                  <a:pt x="5586532" y="590430"/>
+                  <a:pt x="5555360" y="584920"/>
+                </a:cubicBezTo>
+                <a:cubicBezTo>
+                  <a:pt x="5549783" y="585336"/>
+                  <a:pt x="5544454" y="584395"/>
+                  <a:pt x="5539143" y="583392"/>
+                </a:cubicBezTo>
+                <a:lnTo>
+                  <a:pt x="5539027" y="582253"/>
+                </a:lnTo>
+                <a:cubicBezTo>
+                  <a:pt x="5217153" y="529393"/>
+                  <a:pt x="4957881" y="299826"/>
+                  <a:pt x="4873102" y="0"/>
+                </a:cubicBezTo>
+                <a:close/>
+                <a:moveTo>
+                  <a:pt x="4254773" y="0"/>
+                </a:moveTo>
+                <a:lnTo>
+                  <a:pt x="4463482" y="0"/>
+                </a:lnTo>
+                <a:cubicBezTo>
+                  <a:pt x="4298012" y="98005"/>
+                  <a:pt x="4178603" y="260867"/>
+                  <a:pt x="4140752" y="451830"/>
+                </a:cubicBezTo>
+                <a:cubicBezTo>
+                  <a:pt x="4384804" y="399791"/>
+                  <a:pt x="4581394" y="226291"/>
+                  <a:pt x="4659290" y="0"/>
+                </a:cubicBezTo>
+                <a:lnTo>
+                  <a:pt x="4793306" y="0"/>
+                </a:lnTo>
+                <a:cubicBezTo>
+                  <a:pt x="4708528" y="299826"/>
+                  <a:pt x="4449256" y="529393"/>
+                  <a:pt x="4127381" y="582253"/>
+                </a:cubicBezTo>
+                <a:lnTo>
+                  <a:pt x="4127264" y="583392"/>
+                </a:lnTo>
+                <a:cubicBezTo>
+                  <a:pt x="4121954" y="584395"/>
+                  <a:pt x="4116625" y="585336"/>
+                  <a:pt x="4111048" y="584920"/>
+                </a:cubicBezTo>
+                <a:cubicBezTo>
+                  <a:pt x="4079876" y="590430"/>
+                  <a:pt x="4047996" y="593388"/>
+                  <a:pt x="4015621" y="593911"/>
+                </a:cubicBezTo>
+                <a:lnTo>
+                  <a:pt x="3998503" y="595524"/>
+                </a:lnTo>
+                <a:lnTo>
+                  <a:pt x="3998477" y="595033"/>
+                </a:lnTo>
+                <a:lnTo>
+                  <a:pt x="3997978" y="595066"/>
+                </a:lnTo>
+                <a:cubicBezTo>
+                  <a:pt x="3997412" y="591293"/>
+                  <a:pt x="3997385" y="587507"/>
+                  <a:pt x="3997385" y="583715"/>
+                </a:cubicBezTo>
+                <a:cubicBezTo>
+                  <a:pt x="3997385" y="578078"/>
+                  <a:pt x="3997443" y="572454"/>
+                  <a:pt x="3998755" y="566868"/>
+                </a:cubicBezTo>
+                <a:cubicBezTo>
+                  <a:pt x="3998713" y="535786"/>
+                  <a:pt x="4001163" y="505143"/>
+                  <a:pt x="4006219" y="475137"/>
+                </a:cubicBezTo>
+                <a:lnTo>
+                  <a:pt x="4006760" y="468499"/>
+                </a:lnTo>
+                <a:cubicBezTo>
+                  <a:pt x="4006928" y="468495"/>
+                  <a:pt x="4007098" y="468490"/>
+                  <a:pt x="4007265" y="468437"/>
+                </a:cubicBezTo>
+                <a:cubicBezTo>
+                  <a:pt x="4033568" y="285283"/>
+                  <a:pt x="4123028" y="121703"/>
+                  <a:pt x="4254773" y="0"/>
+                </a:cubicBezTo>
+                <a:close/>
+                <a:moveTo>
+                  <a:pt x="3180951" y="0"/>
+                </a:moveTo>
+                <a:lnTo>
+                  <a:pt x="3314968" y="0"/>
+                </a:lnTo>
+                <a:cubicBezTo>
+                  <a:pt x="3392864" y="226291"/>
+                  <a:pt x="3589453" y="399791"/>
+                  <a:pt x="3833505" y="451830"/>
+                </a:cubicBezTo>
+                <a:cubicBezTo>
+                  <a:pt x="3795654" y="260867"/>
+                  <a:pt x="3676245" y="98005"/>
+                  <a:pt x="3510776" y="0"/>
+                </a:cubicBezTo>
+                <a:lnTo>
+                  <a:pt x="3719484" y="0"/>
+                </a:lnTo>
+                <a:cubicBezTo>
+                  <a:pt x="3851229" y="121703"/>
+                  <a:pt x="3940689" y="285283"/>
+                  <a:pt x="3966991" y="468437"/>
+                </a:cubicBezTo>
+                <a:cubicBezTo>
+                  <a:pt x="3967159" y="468490"/>
+                  <a:pt x="3967328" y="468495"/>
+                  <a:pt x="3967497" y="468499"/>
+                </a:cubicBezTo>
+                <a:lnTo>
+                  <a:pt x="3968037" y="475137"/>
+                </a:lnTo>
+                <a:cubicBezTo>
+                  <a:pt x="3973094" y="505143"/>
+                  <a:pt x="3975543" y="535786"/>
+                  <a:pt x="3975501" y="566868"/>
+                </a:cubicBezTo>
+                <a:cubicBezTo>
+                  <a:pt x="3976813" y="572454"/>
+                  <a:pt x="3976872" y="578078"/>
+                  <a:pt x="3976872" y="583715"/>
+                </a:cubicBezTo>
+                <a:cubicBezTo>
+                  <a:pt x="3976872" y="587508"/>
+                  <a:pt x="3976845" y="591293"/>
+                  <a:pt x="3976279" y="595066"/>
+                </a:cubicBezTo>
+                <a:lnTo>
+                  <a:pt x="3975780" y="595033"/>
+                </a:lnTo>
+                <a:lnTo>
+                  <a:pt x="3975754" y="595524"/>
+                </a:lnTo>
+                <a:lnTo>
+                  <a:pt x="3958635" y="593911"/>
+                </a:lnTo>
+                <a:cubicBezTo>
+                  <a:pt x="3926261" y="593388"/>
+                  <a:pt x="3894381" y="590430"/>
+                  <a:pt x="3863209" y="584920"/>
+                </a:cubicBezTo>
+                <a:cubicBezTo>
+                  <a:pt x="3857632" y="585336"/>
+                  <a:pt x="3852303" y="584395"/>
+                  <a:pt x="3846992" y="583392"/>
+                </a:cubicBezTo>
+                <a:lnTo>
+                  <a:pt x="3846876" y="582253"/>
+                </a:lnTo>
+                <a:cubicBezTo>
+                  <a:pt x="3525002" y="529393"/>
+                  <a:pt x="3265729" y="299826"/>
+                  <a:pt x="3180951" y="0"/>
+                </a:cubicBezTo>
+                <a:close/>
+                <a:moveTo>
+                  <a:pt x="2562622" y="0"/>
+                </a:moveTo>
+                <a:lnTo>
+                  <a:pt x="2771330" y="0"/>
+                </a:lnTo>
+                <a:cubicBezTo>
+                  <a:pt x="2605861" y="98005"/>
+                  <a:pt x="2486452" y="260867"/>
+                  <a:pt x="2448601" y="451830"/>
+                </a:cubicBezTo>
+                <a:cubicBezTo>
+                  <a:pt x="2692653" y="399791"/>
+                  <a:pt x="2889242" y="226291"/>
+                  <a:pt x="2967139" y="0"/>
+                </a:cubicBezTo>
+                <a:lnTo>
+                  <a:pt x="3101155" y="0"/>
+                </a:lnTo>
+                <a:cubicBezTo>
+                  <a:pt x="3016377" y="299826"/>
+                  <a:pt x="2757105" y="529393"/>
+                  <a:pt x="2435230" y="582253"/>
+                </a:cubicBezTo>
+                <a:lnTo>
+                  <a:pt x="2435113" y="583392"/>
+                </a:lnTo>
+                <a:cubicBezTo>
+                  <a:pt x="2429803" y="584395"/>
+                  <a:pt x="2424474" y="585336"/>
+                  <a:pt x="2418897" y="584920"/>
+                </a:cubicBezTo>
+                <a:cubicBezTo>
+                  <a:pt x="2387725" y="590430"/>
+                  <a:pt x="2355845" y="593388"/>
+                  <a:pt x="2323470" y="593911"/>
+                </a:cubicBezTo>
+                <a:lnTo>
+                  <a:pt x="2306352" y="595524"/>
+                </a:lnTo>
+                <a:lnTo>
+                  <a:pt x="2306326" y="595033"/>
+                </a:lnTo>
+                <a:lnTo>
+                  <a:pt x="2305827" y="595066"/>
+                </a:lnTo>
+                <a:cubicBezTo>
+                  <a:pt x="2305261" y="591293"/>
+                  <a:pt x="2305234" y="587507"/>
+                  <a:pt x="2305234" y="583715"/>
+                </a:cubicBezTo>
+                <a:cubicBezTo>
+                  <a:pt x="2305234" y="578078"/>
+                  <a:pt x="2305292" y="572454"/>
+                  <a:pt x="2306604" y="566868"/>
+                </a:cubicBezTo>
+                <a:cubicBezTo>
+                  <a:pt x="2306562" y="535786"/>
+                  <a:pt x="2309012" y="505143"/>
+                  <a:pt x="2314068" y="475137"/>
+                </a:cubicBezTo>
+                <a:lnTo>
+                  <a:pt x="2314609" y="468499"/>
+                </a:lnTo>
+                <a:cubicBezTo>
+                  <a:pt x="2314777" y="468495"/>
+                  <a:pt x="2314947" y="468490"/>
+                  <a:pt x="2315114" y="468437"/>
+                </a:cubicBezTo>
+                <a:cubicBezTo>
+                  <a:pt x="2341417" y="285283"/>
+                  <a:pt x="2430877" y="121704"/>
+                  <a:pt x="2562622" y="0"/>
+                </a:cubicBezTo>
+                <a:close/>
+                <a:moveTo>
+                  <a:pt x="1488800" y="0"/>
+                </a:moveTo>
+                <a:lnTo>
+                  <a:pt x="1622816" y="0"/>
+                </a:lnTo>
+                <a:cubicBezTo>
+                  <a:pt x="1700712" y="226290"/>
+                  <a:pt x="1897302" y="399791"/>
+                  <a:pt x="2141354" y="451830"/>
+                </a:cubicBezTo>
+                <a:cubicBezTo>
+                  <a:pt x="2103503" y="260867"/>
+                  <a:pt x="1984094" y="98005"/>
+                  <a:pt x="1818624" y="0"/>
+                </a:cubicBezTo>
+                <a:lnTo>
+                  <a:pt x="2027333" y="0"/>
+                </a:lnTo>
+                <a:cubicBezTo>
+                  <a:pt x="2159078" y="121703"/>
+                  <a:pt x="2248538" y="285283"/>
+                  <a:pt x="2274840" y="468437"/>
+                </a:cubicBezTo>
+                <a:cubicBezTo>
+                  <a:pt x="2275008" y="468490"/>
+                  <a:pt x="2275177" y="468495"/>
+                  <a:pt x="2275346" y="468500"/>
+                </a:cubicBezTo>
+                <a:lnTo>
+                  <a:pt x="2275886" y="475137"/>
+                </a:lnTo>
+                <a:cubicBezTo>
+                  <a:pt x="2280943" y="505143"/>
+                  <a:pt x="2283392" y="535786"/>
+                  <a:pt x="2283350" y="566868"/>
+                </a:cubicBezTo>
+                <a:cubicBezTo>
+                  <a:pt x="2284662" y="572454"/>
+                  <a:pt x="2284721" y="578078"/>
+                  <a:pt x="2284721" y="583715"/>
+                </a:cubicBezTo>
+                <a:cubicBezTo>
+                  <a:pt x="2284721" y="587508"/>
+                  <a:pt x="2284694" y="591293"/>
+                  <a:pt x="2284128" y="595066"/>
+                </a:cubicBezTo>
+                <a:lnTo>
+                  <a:pt x="2283629" y="595033"/>
+                </a:lnTo>
+                <a:lnTo>
+                  <a:pt x="2283603" y="595524"/>
+                </a:lnTo>
+                <a:lnTo>
+                  <a:pt x="2266484" y="593911"/>
+                </a:lnTo>
+                <a:cubicBezTo>
+                  <a:pt x="2234110" y="593388"/>
+                  <a:pt x="2202230" y="590430"/>
+                  <a:pt x="2171058" y="584920"/>
+                </a:cubicBezTo>
+                <a:cubicBezTo>
+                  <a:pt x="2165481" y="585336"/>
+                  <a:pt x="2160152" y="584395"/>
+                  <a:pt x="2154841" y="583392"/>
+                </a:cubicBezTo>
+                <a:lnTo>
+                  <a:pt x="2154725" y="582253"/>
+                </a:lnTo>
+                <a:cubicBezTo>
+                  <a:pt x="1832850" y="529393"/>
+                  <a:pt x="1573578" y="299826"/>
+                  <a:pt x="1488800" y="0"/>
+                </a:cubicBezTo>
+                <a:close/>
+                <a:moveTo>
+                  <a:pt x="870471" y="0"/>
+                </a:moveTo>
+                <a:lnTo>
+                  <a:pt x="1079179" y="0"/>
+                </a:lnTo>
+                <a:cubicBezTo>
+                  <a:pt x="913710" y="98005"/>
+                  <a:pt x="794301" y="260867"/>
+                  <a:pt x="756450" y="451830"/>
+                </a:cubicBezTo>
+                <a:cubicBezTo>
+                  <a:pt x="1000502" y="399791"/>
+                  <a:pt x="1197091" y="226291"/>
+                  <a:pt x="1274988" y="0"/>
+                </a:cubicBezTo>
+                <a:lnTo>
+                  <a:pt x="1409004" y="0"/>
+                </a:lnTo>
+                <a:cubicBezTo>
+                  <a:pt x="1324226" y="299826"/>
+                  <a:pt x="1064954" y="529393"/>
+                  <a:pt x="743078" y="582253"/>
+                </a:cubicBezTo>
+                <a:lnTo>
+                  <a:pt x="742962" y="583392"/>
+                </a:lnTo>
+                <a:cubicBezTo>
+                  <a:pt x="737652" y="584395"/>
+                  <a:pt x="732323" y="585336"/>
+                  <a:pt x="726746" y="584920"/>
+                </a:cubicBezTo>
+                <a:cubicBezTo>
+                  <a:pt x="695574" y="590430"/>
+                  <a:pt x="663693" y="593388"/>
+                  <a:pt x="631319" y="593911"/>
+                </a:cubicBezTo>
+                <a:lnTo>
+                  <a:pt x="614201" y="595524"/>
+                </a:lnTo>
+                <a:lnTo>
+                  <a:pt x="614175" y="595033"/>
+                </a:lnTo>
+                <a:lnTo>
+                  <a:pt x="613676" y="595066"/>
+                </a:lnTo>
+                <a:cubicBezTo>
+                  <a:pt x="613110" y="591293"/>
+                  <a:pt x="613083" y="587507"/>
+                  <a:pt x="613083" y="583715"/>
+                </a:cubicBezTo>
+                <a:cubicBezTo>
+                  <a:pt x="613083" y="578078"/>
+                  <a:pt x="613141" y="572454"/>
+                  <a:pt x="614453" y="566868"/>
+                </a:cubicBezTo>
+                <a:cubicBezTo>
+                  <a:pt x="614411" y="535786"/>
+                  <a:pt x="616861" y="505143"/>
+                  <a:pt x="621918" y="475137"/>
+                </a:cubicBezTo>
+                <a:lnTo>
+                  <a:pt x="622458" y="468499"/>
+                </a:lnTo>
+                <a:cubicBezTo>
+                  <a:pt x="622626" y="468495"/>
+                  <a:pt x="622796" y="468490"/>
+                  <a:pt x="622963" y="468437"/>
+                </a:cubicBezTo>
+                <a:cubicBezTo>
+                  <a:pt x="649266" y="285283"/>
+                  <a:pt x="738726" y="121703"/>
+                  <a:pt x="870471" y="0"/>
+                </a:cubicBezTo>
+                <a:close/>
+                <a:moveTo>
+                  <a:pt x="126374" y="0"/>
+                </a:moveTo>
+                <a:lnTo>
+                  <a:pt x="334376" y="0"/>
+                </a:lnTo>
+                <a:cubicBezTo>
+                  <a:pt x="466684" y="121261"/>
+                  <a:pt x="556352" y="285035"/>
+                  <a:pt x="582690" y="468437"/>
+                </a:cubicBezTo>
+                <a:cubicBezTo>
+                  <a:pt x="582857" y="468490"/>
+                  <a:pt x="583026" y="468495"/>
+                  <a:pt x="583195" y="468499"/>
+                </a:cubicBezTo>
+                <a:lnTo>
+                  <a:pt x="583735" y="475137"/>
+                </a:lnTo>
+                <a:cubicBezTo>
+                  <a:pt x="588792" y="505143"/>
+                  <a:pt x="591242" y="535786"/>
+                  <a:pt x="591199" y="566868"/>
+                </a:cubicBezTo>
+                <a:cubicBezTo>
+                  <a:pt x="592511" y="572454"/>
+                  <a:pt x="592570" y="578078"/>
+                  <a:pt x="592570" y="583715"/>
+                </a:cubicBezTo>
+                <a:cubicBezTo>
+                  <a:pt x="592570" y="587507"/>
+                  <a:pt x="592543" y="591293"/>
+                  <a:pt x="591977" y="595066"/>
+                </a:cubicBezTo>
+                <a:lnTo>
+                  <a:pt x="591478" y="595033"/>
+                </a:lnTo>
+                <a:lnTo>
+                  <a:pt x="591452" y="595524"/>
+                </a:lnTo>
+                <a:lnTo>
+                  <a:pt x="574334" y="593911"/>
+                </a:lnTo>
+                <a:cubicBezTo>
+                  <a:pt x="541959" y="593388"/>
+                  <a:pt x="510079" y="590430"/>
+                  <a:pt x="478907" y="584920"/>
+                </a:cubicBezTo>
+                <a:cubicBezTo>
+                  <a:pt x="473330" y="585336"/>
+                  <a:pt x="468001" y="584395"/>
+                  <a:pt x="462690" y="583392"/>
+                </a:cubicBezTo>
+                <a:lnTo>
+                  <a:pt x="462574" y="582253"/>
+                </a:lnTo>
+                <a:cubicBezTo>
+                  <a:pt x="282200" y="552631"/>
+                  <a:pt x="121485" y="467518"/>
+                  <a:pt x="0" y="345575"/>
+                </a:cubicBezTo>
+                <a:lnTo>
+                  <a:pt x="0" y="140406"/>
+                </a:lnTo>
+                <a:cubicBezTo>
+                  <a:pt x="97584" y="296912"/>
+                  <a:pt x="258975" y="411268"/>
+                  <a:pt x="449203" y="451830"/>
+                </a:cubicBezTo>
+                <a:cubicBezTo>
+                  <a:pt x="411344" y="260824"/>
+                  <a:pt x="291889" y="97931"/>
+                  <a:pt x="126374" y="0"/>
+                </a:cubicBezTo>
+                <a:close/>
+              </a:path>
+            </a:pathLst>
+          </a:custGeom>
+          <a:solidFill>
+            <a:schemeClr val="bg1"/>
+          </a:solidFill>
+          <a:ln>
+            <a:noFill/>
+          </a:ln>
+        </p:spPr>
+        <p:style>
+          <a:lnRef idx="2">
+            <a:schemeClr val="accent1">
+              <a:shade val="50000"/>
+            </a:schemeClr>
+          </a:lnRef>
+          <a:fillRef idx="1">
+            <a:schemeClr val="accent1"/>
+          </a:fillRef>
+          <a:effectRef idx="0">
+            <a:schemeClr val="accent1"/>
+          </a:effectRef>
+          <a:fontRef idx="minor">
+            <a:schemeClr val="lt1"/>
+          </a:fontRef>
+        </p:style>
+      </p:sp>
+      <p:cxnSp>
+        <p:nvCxnSpPr>
+          <p:cNvPr id="12" name="Straight Connector 11">
+            <a:extLst>
+              <a:ext uri="{FF2B5EF4-FFF2-40B4-BE49-F238E27FC236}">
+                <a16:creationId xmlns:a16="http://schemas.microsoft.com/office/drawing/2014/main" id="{15E01FA5-D766-43CA-A83D-E7CF3F04E96F}"/>
+              </a:ext>
+              <a:ext uri="{C183D7F6-B498-43B3-948B-1728B52AA6E4}">
+                <adec:decorative xmlns:adec="http://schemas.microsoft.com/office/drawing/2017/decorative" val="1"/>
+              </a:ext>
+            </a:extLst>
+          </p:cNvPr>
+          <p:cNvCxnSpPr>
+            <a:cxnSpLocks noGrp="1" noRot="1" noChangeAspect="1" noMove="1" noResize="1" noEditPoints="1" noAdjustHandles="1" noChangeArrowheads="1" noChangeShapeType="1"/>
+          </p:cNvCxnSpPr>
+          <p:nvPr>
+            <p:extLst>
+              <p:ext uri="{386F3935-93C4-4BCD-93E2-E3B085C9AB24}">
+                <p16:designElem xmlns:p16="http://schemas.microsoft.com/office/powerpoint/2015/main" val="1"/>
+              </p:ext>
+            </p:extLst>
+          </p:nvPr>
+        </p:nvCxnSpPr>
+        <p:spPr>
+          <a:xfrm flipV="1">
+            <a:off x="8386843" y="5264106"/>
+            <a:ext cx="0" cy="914400"/>
+          </a:xfrm>
+          <a:prstGeom prst="line">
+            <a:avLst/>
+          </a:prstGeom>
+          <a:ln w="19050">
+            <a:solidFill>
+              <a:schemeClr val="accent1">
+                <a:lumMod val="75000"/>
+              </a:schemeClr>
+            </a:solidFill>
+          </a:ln>
+        </p:spPr>
+        <p:style>
+          <a:lnRef idx="1">
+            <a:schemeClr val="accent1"/>
+          </a:lnRef>
+          <a:fillRef idx="0">
+            <a:schemeClr val="accent1"/>
+          </a:fillRef>
+          <a:effectRef idx="0">
+            <a:schemeClr val="accent1"/>
+          </a:effectRef>
+          <a:fontRef idx="minor">
+            <a:schemeClr val="tx1"/>
+          </a:fontRef>
+        </p:style>
+      </p:cxnSp>
+      <p:sp useBgFill="1">
+        <p:nvSpPr>
+          <p:cNvPr id="14" name="Rectangle 13">
+            <a:extLst>
+              <a:ext uri="{FF2B5EF4-FFF2-40B4-BE49-F238E27FC236}">
+                <a16:creationId xmlns:a16="http://schemas.microsoft.com/office/drawing/2014/main" id="{C411DB08-1669-426B-BBEB-FAD285EF80FE}"/>
+              </a:ext>
+              <a:ext uri="{C183D7F6-B498-43B3-948B-1728B52AA6E4}">
+                <adec:decorative xmlns:adec="http://schemas.microsoft.com/office/drawing/2017/decorative" val="1"/>
+              </a:ext>
+            </a:extLst>
+          </p:cNvPr>
+          <p:cNvSpPr>
+            <a:spLocks noGrp="1" noRot="1" noChangeAspect="1" noMove="1" noResize="1" noEditPoints="1" noAdjustHandles="1" noChangeArrowheads="1" noChangeShapeType="1" noTextEdit="1"/>
+          </p:cNvSpPr>
+          <p:nvPr>
+            <p:extLst>
+              <p:ext uri="{386F3935-93C4-4BCD-93E2-E3B085C9AB24}">
+                <p16:designElem xmlns:p16="http://schemas.microsoft.com/office/powerpoint/2015/main" val="1"/>
+              </p:ext>
+            </p:extLst>
+          </p:nvPr>
+        </p:nvSpPr>
+        <p:spPr>
+          <a:xfrm>
+            <a:off x="0" y="0"/>
+            <a:ext cx="12188726" cy="6858975"/>
+          </a:xfrm>
+          <a:prstGeom prst="rect">
+            <a:avLst/>
+          </a:prstGeom>
+          <a:ln>
+            <a:noFill/>
+          </a:ln>
+        </p:spPr>
+        <p:style>
+          <a:lnRef idx="2">
+            <a:schemeClr val="accent1">
+              <a:shade val="50000"/>
+            </a:schemeClr>
+          </a:lnRef>
+          <a:fillRef idx="1">
+            <a:schemeClr val="accent1"/>
+          </a:fillRef>
+          <a:effectRef idx="0">
+            <a:schemeClr val="accent1"/>
+          </a:effectRef>
+          <a:fontRef idx="minor">
+            <a:schemeClr val="lt1"/>
+          </a:fontRef>
+        </p:style>
+        <p:txBody>
+          <a:bodyPr rtlCol="0" anchor="ctr"/>
+          <a:lstStyle/>
+          <a:p>
+            <a:pPr algn="ctr"/>
+            <a:endParaRPr lang="en-US"/>
+          </a:p>
+        </p:txBody>
+      </p:sp>
+      <p:sp>
+        <p:nvSpPr>
+          <p:cNvPr id="16" name="Rectangle 15">
+            <a:extLst>
+              <a:ext uri="{FF2B5EF4-FFF2-40B4-BE49-F238E27FC236}">
+                <a16:creationId xmlns:a16="http://schemas.microsoft.com/office/drawing/2014/main" id="{029E4219-121F-4CD1-AA58-24746CD2923C}"/>
+              </a:ext>
+              <a:ext uri="{C183D7F6-B498-43B3-948B-1728B52AA6E4}">
+                <adec:decorative xmlns:adec="http://schemas.microsoft.com/office/drawing/2017/decorative" val="1"/>
+              </a:ext>
+            </a:extLst>
+          </p:cNvPr>
+          <p:cNvSpPr>
+            <a:spLocks noGrp="1" noRot="1" noChangeAspect="1" noMove="1" noResize="1" noEditPoints="1" noAdjustHandles="1" noChangeArrowheads="1" noChangeShapeType="1" noTextEdit="1"/>
+          </p:cNvSpPr>
+          <p:nvPr>
+            <p:extLst>
+              <p:ext uri="{386F3935-93C4-4BCD-93E2-E3B085C9AB24}">
+                <p16:designElem xmlns:p16="http://schemas.microsoft.com/office/powerpoint/2015/main" val="1"/>
+              </p:ext>
+            </p:extLst>
+          </p:nvPr>
+        </p:nvSpPr>
+        <p:spPr>
+          <a:xfrm>
+            <a:off x="0" y="0"/>
+            <a:ext cx="5468548" cy="6858000"/>
+          </a:xfrm>
+          <a:prstGeom prst="rect">
+            <a:avLst/>
+          </a:prstGeom>
+          <a:solidFill>
+            <a:schemeClr val="accent1"/>
+          </a:solidFill>
+          <a:ln>
+            <a:noFill/>
+          </a:ln>
+        </p:spPr>
+        <p:style>
+          <a:lnRef idx="2">
+            <a:schemeClr val="accent1">
+              <a:shade val="50000"/>
+            </a:schemeClr>
+          </a:lnRef>
+          <a:fillRef idx="1">
+            <a:schemeClr val="accent1"/>
+          </a:fillRef>
+          <a:effectRef idx="0">
+            <a:schemeClr val="accent1"/>
+          </a:effectRef>
+          <a:fontRef idx="minor">
+            <a:schemeClr val="lt1"/>
+          </a:fontRef>
+        </p:style>
+        <p:txBody>
+          <a:bodyPr rtlCol="0" anchor="ctr"/>
+          <a:lstStyle/>
+          <a:p>
+            <a:pPr algn="ctr"/>
+            <a:endParaRPr lang="en-US"/>
+          </a:p>
+        </p:txBody>
+      </p:sp>
+      <p:sp>
+        <p:nvSpPr>
           <p:cNvPr id="2" name="Title 1">
             <a:extLst>
               <a:ext uri="{FF2B5EF4-FFF2-40B4-BE49-F238E27FC236}">
@@ -23430,18 +32307,118 @@
             <p:ph type="title"/>
           </p:nvPr>
         </p:nvSpPr>
-        <p:spPr/>
+        <p:spPr>
+          <a:xfrm>
+            <a:off x="634276" y="640080"/>
+            <a:ext cx="4208656" cy="3034857"/>
+          </a:xfrm>
+        </p:spPr>
         <p:txBody>
-          <a:bodyPr/>
+          <a:bodyPr vert="horz" lIns="91440" tIns="45720" rIns="91440" bIns="45720" rtlCol="0" anchor="b">
+            <a:normAutofit/>
+          </a:bodyPr>
           <a:lstStyle/>
           <a:p>
+            <a:pPr algn="r"/>
             <a:r>
-              <a:rPr lang="pt-BR" dirty="0"/>
+              <a:rPr lang="en-US" sz="4400" kern="1200" cap="all" spc="200" baseline="0">
+                <a:solidFill>
+                  <a:srgbClr val="FFFFFF"/>
+                </a:solidFill>
+                <a:latin typeface="+mj-lt"/>
+                <a:ea typeface="+mj-ea"/>
+                <a:cs typeface="+mj-cs"/>
+              </a:rPr>
               <a:t>Modelo conceitual do banco de dados</a:t>
             </a:r>
           </a:p>
         </p:txBody>
       </p:sp>
+      <p:cxnSp>
+        <p:nvCxnSpPr>
+          <p:cNvPr id="18" name="Straight Connector 17">
+            <a:extLst>
+              <a:ext uri="{FF2B5EF4-FFF2-40B4-BE49-F238E27FC236}">
+                <a16:creationId xmlns:a16="http://schemas.microsoft.com/office/drawing/2014/main" id="{52F50912-06FD-4216-BAD3-21050F59564A}"/>
+              </a:ext>
+              <a:ext uri="{C183D7F6-B498-43B3-948B-1728B52AA6E4}">
+                <adec:decorative xmlns:adec="http://schemas.microsoft.com/office/drawing/2017/decorative" val="1"/>
+              </a:ext>
+            </a:extLst>
+          </p:cNvPr>
+          <p:cNvCxnSpPr>
+            <a:cxnSpLocks noGrp="1" noRot="1" noChangeAspect="1" noMove="1" noResize="1" noEditPoints="1" noAdjustHandles="1" noChangeArrowheads="1" noChangeShapeType="1"/>
+          </p:cNvCxnSpPr>
+          <p:nvPr>
+            <p:extLst>
+              <p:ext uri="{386F3935-93C4-4BCD-93E2-E3B085C9AB24}">
+                <p16:designElem xmlns:p16="http://schemas.microsoft.com/office/powerpoint/2015/main" val="1"/>
+              </p:ext>
+            </p:extLst>
+          </p:nvPr>
+        </p:nvCxnSpPr>
+        <p:spPr>
+          <a:xfrm>
+            <a:off x="786679" y="3765314"/>
+            <a:ext cx="3931920" cy="0"/>
+          </a:xfrm>
+          <a:prstGeom prst="line">
+            <a:avLst/>
+          </a:prstGeom>
+          <a:ln w="19050">
+            <a:solidFill>
+              <a:schemeClr val="accent1">
+                <a:lumMod val="20000"/>
+                <a:lumOff val="80000"/>
+              </a:schemeClr>
+            </a:solidFill>
+          </a:ln>
+        </p:spPr>
+        <p:style>
+          <a:lnRef idx="1">
+            <a:schemeClr val="accent1"/>
+          </a:lnRef>
+          <a:fillRef idx="0">
+            <a:schemeClr val="accent1"/>
+          </a:fillRef>
+          <a:effectRef idx="0">
+            <a:schemeClr val="accent1"/>
+          </a:effectRef>
+          <a:fontRef idx="minor">
+            <a:schemeClr val="tx1"/>
+          </a:fontRef>
+        </p:style>
+      </p:cxnSp>
+      <p:pic>
+        <p:nvPicPr>
+          <p:cNvPr id="3" name="Imagem 2">
+            <a:extLst>
+              <a:ext uri="{FF2B5EF4-FFF2-40B4-BE49-F238E27FC236}">
+                <a16:creationId xmlns:a16="http://schemas.microsoft.com/office/drawing/2014/main" id="{3A3DA319-44B9-4E9F-A1DD-7E9F61B3DD5D}"/>
+              </a:ext>
+            </a:extLst>
+          </p:cNvPr>
+          <p:cNvPicPr>
+            <a:picLocks noChangeAspect="1"/>
+          </p:cNvPicPr>
+          <p:nvPr/>
+        </p:nvPicPr>
+        <p:blipFill>
+          <a:blip r:embed="rId2"/>
+          <a:stretch>
+            <a:fillRect/>
+          </a:stretch>
+        </p:blipFill>
+        <p:spPr>
+          <a:xfrm>
+            <a:off x="6096000" y="1673679"/>
+            <a:ext cx="5459470" cy="3511618"/>
+          </a:xfrm>
+          <a:prstGeom prst="rect">
+            <a:avLst/>
+          </a:prstGeom>
+        </p:spPr>
+      </p:pic>
     </p:spTree>
     <p:extLst>
       <p:ext uri="{BB962C8B-B14F-4D97-AF65-F5344CB8AC3E}">
@@ -33103,11 +42080,12 @@
 </file>
 
 <file path=customXml/item1.xml><?xml version="1.0" encoding="utf-8"?>
-<p:properties xmlns:p="http://schemas.microsoft.com/office/2006/metadata/properties" xmlns:xsi="http://www.w3.org/2001/XMLSchema-instance" xmlns:pc="http://schemas.microsoft.com/office/infopath/2007/PartnerControls">
-  <documentManagement>
-    <MediaServiceKeyPoints xmlns="71af3243-3dd4-4a8d-8c0d-dd76da1f02a5" xsi:nil="true"/>
-  </documentManagement>
-</p:properties>
+<?mso-contentType ?>
+<FormTemplates xmlns="http://schemas.microsoft.com/sharepoint/v3/contenttype/forms">
+  <Display>DocumentLibraryForm</Display>
+  <Edit>DocumentLibraryForm</Edit>
+  <New>DocumentLibraryForm</New>
+</FormTemplates>
 </file>
 
 <file path=customXml/item2.xml><?xml version="1.0" encoding="utf-8"?>
@@ -33322,20 +42300,17 @@
 </file>
 
 <file path=customXml/item3.xml><?xml version="1.0" encoding="utf-8"?>
-<?mso-contentType ?>
-<FormTemplates xmlns="http://schemas.microsoft.com/sharepoint/v3/contenttype/forms">
-  <Display>DocumentLibraryForm</Display>
-  <Edit>DocumentLibraryForm</Edit>
-  <New>DocumentLibraryForm</New>
-</FormTemplates>
+<p:properties xmlns:p="http://schemas.microsoft.com/office/2006/metadata/properties" xmlns:xsi="http://www.w3.org/2001/XMLSchema-instance" xmlns:pc="http://schemas.microsoft.com/office/infopath/2007/PartnerControls">
+  <documentManagement>
+    <MediaServiceKeyPoints xmlns="71af3243-3dd4-4a8d-8c0d-dd76da1f02a5" xsi:nil="true"/>
+  </documentManagement>
+</p:properties>
 </file>
 
 <file path=customXml/itemProps1.xml><?xml version="1.0" encoding="utf-8"?>
-<ds:datastoreItem xmlns:ds="http://schemas.openxmlformats.org/officeDocument/2006/customXml" ds:itemID="{788A2F88-55C5-4ED1-9541-807C65424763}">
+<ds:datastoreItem xmlns:ds="http://schemas.openxmlformats.org/officeDocument/2006/customXml" ds:itemID="{4F44C90D-2A62-4985-9618-3460247437B1}">
   <ds:schemaRefs>
-    <ds:schemaRef ds:uri="http://schemas.microsoft.com/office/2006/metadata/properties"/>
-    <ds:schemaRef ds:uri="http://schemas.microsoft.com/office/infopath/2007/PartnerControls"/>
-    <ds:schemaRef ds:uri="71af3243-3dd4-4a8d-8c0d-dd76da1f02a5"/>
+    <ds:schemaRef ds:uri="http://schemas.microsoft.com/sharepoint/v3/contenttype/forms"/>
   </ds:schemaRefs>
 </ds:datastoreItem>
 </file>
@@ -33360,9 +42335,11 @@
 </file>
 
 <file path=customXml/itemProps3.xml><?xml version="1.0" encoding="utf-8"?>
-<ds:datastoreItem xmlns:ds="http://schemas.openxmlformats.org/officeDocument/2006/customXml" ds:itemID="{4F44C90D-2A62-4985-9618-3460247437B1}">
+<ds:datastoreItem xmlns:ds="http://schemas.openxmlformats.org/officeDocument/2006/customXml" ds:itemID="{788A2F88-55C5-4ED1-9541-807C65424763}">
   <ds:schemaRefs>
-    <ds:schemaRef ds:uri="http://schemas.microsoft.com/sharepoint/v3/contenttype/forms"/>
+    <ds:schemaRef ds:uri="http://schemas.microsoft.com/office/2006/metadata/properties"/>
+    <ds:schemaRef ds:uri="http://schemas.microsoft.com/office/infopath/2007/PartnerControls"/>
+    <ds:schemaRef ds:uri="71af3243-3dd4-4a8d-8c0d-dd76da1f02a5"/>
   </ds:schemaRefs>
 </ds:datastoreItem>
 </file>
--- a/documentacao/apresentacao/totem_Monitoring.pptx
+++ b/documentacao/apresentacao/totem_Monitoring.pptx
@@ -5,7 +5,7 @@
     <p:sldMasterId id="2147483648" r:id="rId4"/>
   </p:sldMasterIdLst>
   <p:notesMasterIdLst>
-    <p:notesMasterId r:id="rId13"/>
+    <p:notesMasterId r:id="rId14"/>
   </p:notesMasterIdLst>
   <p:sldIdLst>
     <p:sldId id="256" r:id="rId5"/>
@@ -13,9 +13,10 @@
     <p:sldId id="279" r:id="rId7"/>
     <p:sldId id="277" r:id="rId8"/>
     <p:sldId id="280" r:id="rId9"/>
-    <p:sldId id="282" r:id="rId10"/>
-    <p:sldId id="283" r:id="rId11"/>
-    <p:sldId id="284" r:id="rId12"/>
+    <p:sldId id="285" r:id="rId10"/>
+    <p:sldId id="282" r:id="rId11"/>
+    <p:sldId id="283" r:id="rId12"/>
+    <p:sldId id="284" r:id="rId13"/>
   </p:sldIdLst>
   <p:sldSz cx="12192000" cy="6858000"/>
   <p:notesSz cx="6858000" cy="9144000"/>
@@ -21261,13 +21262,8 @@
             </a:pPr>
             <a:r>
               <a:rPr lang="en-US" sz="2000" dirty="0"/>
-              <a:t> Felipe </a:t>
+              <a:t> Felipe Sueto</a:t>
             </a:r>
-            <a:r>
-              <a:rPr lang="en-US" sz="2000" dirty="0" err="1"/>
-              <a:t>Sueto</a:t>
-            </a:r>
-            <a:endParaRPr lang="en-US" sz="2000" dirty="0"/>
           </a:p>
           <a:p>
             <a:pPr algn="ctr">
@@ -21347,13 +21343,7 @@
         </p:nvPicPr>
         <p:blipFill>
           <a:blip r:embed="rId3">
-            <a:duotone>
-              <a:schemeClr val="accent1">
-                <a:shade val="45000"/>
-                <a:satMod val="135000"/>
-              </a:schemeClr>
-              <a:prstClr val="white"/>
-            </a:duotone>
+            <a:grayscl/>
             <a:extLst>
               <a:ext uri="{BEBA8EAE-BF5A-486C-A8C5-ECC9F3942E4B}">
                 <a14:imgProps xmlns:a14="http://schemas.microsoft.com/office/drawing/2010/main">
@@ -21396,13 +21386,7 @@
         </p:nvPicPr>
         <p:blipFill>
           <a:blip r:embed="rId3">
-            <a:duotone>
-              <a:schemeClr val="accent1">
-                <a:shade val="45000"/>
-                <a:satMod val="135000"/>
-              </a:schemeClr>
-              <a:prstClr val="white"/>
-            </a:duotone>
+            <a:grayscl/>
             <a:extLst>
               <a:ext uri="{BEBA8EAE-BF5A-486C-A8C5-ECC9F3942E4B}">
                 <a14:imgProps xmlns:a14="http://schemas.microsoft.com/office/drawing/2010/main">
@@ -21686,36 +21670,6 @@
           <a:chExt cx="0" cy="0"/>
         </a:xfrm>
       </p:grpSpPr>
-      <p:pic>
-        <p:nvPicPr>
-          <p:cNvPr id="6" name="Content Placeholder 6">
-            <a:extLst>
-              <a:ext uri="{FF2B5EF4-FFF2-40B4-BE49-F238E27FC236}">
-                <a16:creationId xmlns:a16="http://schemas.microsoft.com/office/drawing/2014/main" id="{65AC39BD-B262-4D99-9C2E-999CB35648C5}"/>
-              </a:ext>
-            </a:extLst>
-          </p:cNvPr>
-          <p:cNvPicPr>
-            <a:picLocks noChangeAspect="1"/>
-          </p:cNvPicPr>
-          <p:nvPr/>
-        </p:nvPicPr>
-        <p:blipFill>
-          <a:blip r:embed="rId2"/>
-          <a:stretch>
-            <a:fillRect/>
-          </a:stretch>
-        </p:blipFill>
-        <p:spPr>
-          <a:xfrm>
-            <a:off x="1248750" y="956603"/>
-            <a:ext cx="10025335" cy="5550214"/>
-          </a:xfrm>
-          <a:prstGeom prst="rect">
-            <a:avLst/>
-          </a:prstGeom>
-        </p:spPr>
-      </p:pic>
       <p:sp>
         <p:nvSpPr>
           <p:cNvPr id="2" name="Title 1">
@@ -21734,7 +21688,7 @@
         </p:nvSpPr>
         <p:spPr>
           <a:xfrm>
-            <a:off x="1024128" y="0"/>
+            <a:off x="472633" y="75468"/>
             <a:ext cx="9720072" cy="956603"/>
           </a:xfrm>
         </p:spPr>
@@ -21752,132 +21706,6 @@
           </a:p>
         </p:txBody>
       </p:sp>
-      <p:pic>
-        <p:nvPicPr>
-          <p:cNvPr id="8" name="Picture 7">
-            <a:extLst>
-              <a:ext uri="{FF2B5EF4-FFF2-40B4-BE49-F238E27FC236}">
-                <a16:creationId xmlns:a16="http://schemas.microsoft.com/office/drawing/2014/main" id="{8F918C20-35BD-4EB2-996D-E87B4D1FFE03}"/>
-              </a:ext>
-            </a:extLst>
-          </p:cNvPr>
-          <p:cNvPicPr>
-            <a:picLocks noChangeAspect="1"/>
-          </p:cNvPicPr>
-          <p:nvPr/>
-        </p:nvPicPr>
-        <p:blipFill>
-          <a:blip r:embed="rId3">
-            <a:extLst>
-              <a:ext uri="{BEBA8EAE-BF5A-486C-A8C5-ECC9F3942E4B}">
-                <a14:imgProps xmlns:a14="http://schemas.microsoft.com/office/drawing/2010/main">
-                  <a14:imgLayer r:embed="rId4">
-                    <a14:imgEffect>
-                      <a14:brightnessContrast bright="-40000" contrast="40000"/>
-                    </a14:imgEffect>
-                  </a14:imgLayer>
-                </a14:imgProps>
-              </a:ext>
-            </a:extLst>
-          </a:blip>
-          <a:stretch>
-            <a:fillRect/>
-          </a:stretch>
-        </p:blipFill>
-        <p:spPr>
-          <a:xfrm flipH="1">
-            <a:off x="1248750" y="6052333"/>
-            <a:ext cx="805667" cy="805667"/>
-          </a:xfrm>
-          <a:prstGeom prst="rect">
-            <a:avLst/>
-          </a:prstGeom>
-        </p:spPr>
-      </p:pic>
-      <p:pic>
-        <p:nvPicPr>
-          <p:cNvPr id="10" name="Picture 9">
-            <a:extLst>
-              <a:ext uri="{FF2B5EF4-FFF2-40B4-BE49-F238E27FC236}">
-                <a16:creationId xmlns:a16="http://schemas.microsoft.com/office/drawing/2014/main" id="{B144420A-4307-4470-8E39-B01671164A9E}"/>
-              </a:ext>
-            </a:extLst>
-          </p:cNvPr>
-          <p:cNvPicPr>
-            <a:picLocks noChangeAspect="1"/>
-          </p:cNvPicPr>
-          <p:nvPr/>
-        </p:nvPicPr>
-        <p:blipFill>
-          <a:blip r:embed="rId3">
-            <a:extLst>
-              <a:ext uri="{BEBA8EAE-BF5A-486C-A8C5-ECC9F3942E4B}">
-                <a14:imgProps xmlns:a14="http://schemas.microsoft.com/office/drawing/2010/main">
-                  <a14:imgLayer r:embed="rId4">
-                    <a14:imgEffect>
-                      <a14:brightnessContrast bright="-40000" contrast="40000"/>
-                    </a14:imgEffect>
-                  </a14:imgLayer>
-                </a14:imgProps>
-              </a:ext>
-            </a:extLst>
-          </a:blip>
-          <a:stretch>
-            <a:fillRect/>
-          </a:stretch>
-        </p:blipFill>
-        <p:spPr>
-          <a:xfrm rot="2576783">
-            <a:off x="10606308" y="721911"/>
-            <a:ext cx="805667" cy="805667"/>
-          </a:xfrm>
-          <a:prstGeom prst="rect">
-            <a:avLst/>
-          </a:prstGeom>
-        </p:spPr>
-      </p:pic>
-      <p:pic>
-        <p:nvPicPr>
-          <p:cNvPr id="11" name="Picture 10">
-            <a:extLst>
-              <a:ext uri="{FF2B5EF4-FFF2-40B4-BE49-F238E27FC236}">
-                <a16:creationId xmlns:a16="http://schemas.microsoft.com/office/drawing/2014/main" id="{E65EF741-EDF0-415E-962B-04DAE2F83DE7}"/>
-              </a:ext>
-            </a:extLst>
-          </p:cNvPr>
-          <p:cNvPicPr>
-            <a:picLocks noChangeAspect="1"/>
-          </p:cNvPicPr>
-          <p:nvPr/>
-        </p:nvPicPr>
-        <p:blipFill>
-          <a:blip r:embed="rId3">
-            <a:extLst>
-              <a:ext uri="{BEBA8EAE-BF5A-486C-A8C5-ECC9F3942E4B}">
-                <a14:imgProps xmlns:a14="http://schemas.microsoft.com/office/drawing/2010/main">
-                  <a14:imgLayer r:embed="rId4">
-                    <a14:imgEffect>
-                      <a14:brightnessContrast bright="-40000" contrast="40000"/>
-                    </a14:imgEffect>
-                  </a14:imgLayer>
-                </a14:imgProps>
-              </a:ext>
-            </a:extLst>
-          </a:blip>
-          <a:stretch>
-            <a:fillRect/>
-          </a:stretch>
-        </p:blipFill>
-        <p:spPr>
-          <a:xfrm rot="19133673" flipH="1">
-            <a:off x="1083208" y="770963"/>
-            <a:ext cx="805667" cy="805667"/>
-          </a:xfrm>
-          <a:prstGeom prst="rect">
-            <a:avLst/>
-          </a:prstGeom>
-        </p:spPr>
-      </p:pic>
       <p:sp>
         <p:nvSpPr>
           <p:cNvPr id="4" name="Rectangle 3">
@@ -21947,11 +21775,11 @@
           <p:nvPr/>
         </p:nvPicPr>
         <p:blipFill>
-          <a:blip r:embed="rId3">
+          <a:blip r:embed="rId2">
             <a:extLst>
               <a:ext uri="{BEBA8EAE-BF5A-486C-A8C5-ECC9F3942E4B}">
                 <a14:imgProps xmlns:a14="http://schemas.microsoft.com/office/drawing/2010/main">
-                  <a14:imgLayer r:embed="rId4">
+                  <a14:imgLayer r:embed="rId3">
                     <a14:imgEffect>
                       <a14:brightnessContrast bright="-40000" contrast="40000"/>
                     </a14:imgEffect>
@@ -21966,8 +21794,38 @@
         </p:blipFill>
         <p:spPr>
           <a:xfrm>
-            <a:off x="10620818" y="6053797"/>
+            <a:off x="11244535" y="6103983"/>
             <a:ext cx="805667" cy="805667"/>
+          </a:xfrm>
+          <a:prstGeom prst="rect">
+            <a:avLst/>
+          </a:prstGeom>
+        </p:spPr>
+      </p:pic>
+      <p:pic>
+        <p:nvPicPr>
+          <p:cNvPr id="5" name="Imagem 4">
+            <a:extLst>
+              <a:ext uri="{FF2B5EF4-FFF2-40B4-BE49-F238E27FC236}">
+                <a16:creationId xmlns:a16="http://schemas.microsoft.com/office/drawing/2014/main" id="{B1853DD6-0877-4540-AF65-E667186EBE58}"/>
+              </a:ext>
+            </a:extLst>
+          </p:cNvPr>
+          <p:cNvPicPr>
+            <a:picLocks noChangeAspect="1"/>
+          </p:cNvPicPr>
+          <p:nvPr/>
+        </p:nvPicPr>
+        <p:blipFill>
+          <a:blip r:embed="rId4"/>
+          <a:stretch>
+            <a:fillRect/>
+          </a:stretch>
+        </p:blipFill>
+        <p:spPr>
+          <a:xfrm>
+            <a:off x="1719384" y="801858"/>
+            <a:ext cx="8753231" cy="5627077"/>
           </a:xfrm>
           <a:prstGeom prst="rect">
             <a:avLst/>
@@ -22249,7 +22107,32 @@
                   </a:outerShdw>
                 </a:effectLst>
               </a:rPr>
-              <a:t>Eu como desenvolvedor, gostaria de um site Institucional para atigir um maior público. </a:t>
+              <a:t> C</a:t>
+            </a:r>
+            <a:r>
+              <a:rPr lang="pt-BR" sz="2000" dirty="0">
+                <a:ln w="0"/>
+                <a:solidFill>
+                  <a:schemeClr val="tx1"/>
+                </a:solidFill>
+              </a:rPr>
+              <a:t>omo</a:t>
+            </a:r>
+            <a:r>
+              <a:rPr lang="pt-BR" sz="2000" dirty="0">
+                <a:ln w="0"/>
+                <a:solidFill>
+                  <a:schemeClr val="tx1"/>
+                </a:solidFill>
+                <a:effectLst>
+                  <a:outerShdw blurRad="38100" dist="19050" dir="2700000" algn="tl" rotWithShape="0">
+                    <a:schemeClr val="dk1">
+                      <a:alpha val="40000"/>
+                    </a:schemeClr>
+                  </a:outerShdw>
+                </a:effectLst>
+              </a:rPr>
+              <a:t> desenvolvedor, gostaria de um site Institucional para atingir um maior público. </a:t>
             </a:r>
           </a:p>
         </p:txBody>
@@ -22666,6 +22549,198 @@
 </file>
 
 <file path=ppt/slides/slide6.xml><?xml version="1.0" encoding="utf-8"?>
+<p:sld xmlns:a="http://schemas.openxmlformats.org/drawingml/2006/main" xmlns:r="http://schemas.openxmlformats.org/officeDocument/2006/relationships" xmlns:p="http://schemas.openxmlformats.org/presentationml/2006/main">
+  <p:cSld>
+    <p:bg>
+      <p:bgPr>
+        <a:solidFill>
+          <a:schemeClr val="bg1"/>
+        </a:solidFill>
+        <a:effectLst/>
+      </p:bgPr>
+    </p:bg>
+    <p:spTree>
+      <p:nvGrpSpPr>
+        <p:cNvPr id="1" name=""/>
+        <p:cNvGrpSpPr/>
+        <p:nvPr/>
+      </p:nvGrpSpPr>
+      <p:grpSpPr>
+        <a:xfrm>
+          <a:off x="0" y="0"/>
+          <a:ext cx="0" cy="0"/>
+          <a:chOff x="0" y="0"/>
+          <a:chExt cx="0" cy="0"/>
+        </a:xfrm>
+      </p:grpSpPr>
+      <p:sp>
+        <p:nvSpPr>
+          <p:cNvPr id="15" name="Rectangle 10">
+            <a:extLst>
+              <a:ext uri="{FF2B5EF4-FFF2-40B4-BE49-F238E27FC236}">
+                <a16:creationId xmlns:a16="http://schemas.microsoft.com/office/drawing/2014/main" id="{CA4D39DB-AFA4-47BA-A7F2-13A71D210C66}"/>
+              </a:ext>
+              <a:ext uri="{C183D7F6-B498-43B3-948B-1728B52AA6E4}">
+                <adec:decorative xmlns:adec="http://schemas.microsoft.com/office/drawing/2017/decorative" val="1"/>
+              </a:ext>
+            </a:extLst>
+          </p:cNvPr>
+          <p:cNvSpPr>
+            <a:spLocks noGrp="1" noRot="1" noChangeAspect="1" noMove="1" noResize="1" noEditPoints="1" noAdjustHandles="1" noChangeArrowheads="1" noChangeShapeType="1" noTextEdit="1"/>
+          </p:cNvSpPr>
+          <p:nvPr>
+            <p:extLst>
+              <p:ext uri="{386F3935-93C4-4BCD-93E2-E3B085C9AB24}">
+                <p16:designElem xmlns:p16="http://schemas.microsoft.com/office/powerpoint/2015/main" val="1"/>
+              </p:ext>
+            </p:extLst>
+          </p:nvPr>
+        </p:nvSpPr>
+        <p:spPr>
+          <a:xfrm>
+            <a:off x="7534656" y="-2"/>
+            <a:ext cx="4657344" cy="6858002"/>
+          </a:xfrm>
+          <a:prstGeom prst="rect">
+            <a:avLst/>
+          </a:prstGeom>
+          <a:solidFill>
+            <a:schemeClr val="accent1"/>
+          </a:solidFill>
+          <a:ln>
+            <a:noFill/>
+          </a:ln>
+        </p:spPr>
+        <p:style>
+          <a:lnRef idx="2">
+            <a:schemeClr val="accent1">
+              <a:shade val="50000"/>
+            </a:schemeClr>
+          </a:lnRef>
+          <a:fillRef idx="1">
+            <a:schemeClr val="accent1"/>
+          </a:fillRef>
+          <a:effectRef idx="0">
+            <a:schemeClr val="accent1"/>
+          </a:effectRef>
+          <a:fontRef idx="minor">
+            <a:schemeClr val="lt1"/>
+          </a:fontRef>
+        </p:style>
+        <p:txBody>
+          <a:bodyPr rtlCol="0" anchor="ctr"/>
+          <a:lstStyle/>
+          <a:p>
+            <a:pPr algn="ctr"/>
+            <a:endParaRPr lang="en-US"/>
+          </a:p>
+        </p:txBody>
+      </p:sp>
+      <p:sp>
+        <p:nvSpPr>
+          <p:cNvPr id="16" name="Content Placeholder 7">
+            <a:extLst>
+              <a:ext uri="{FF2B5EF4-FFF2-40B4-BE49-F238E27FC236}">
+                <a16:creationId xmlns:a16="http://schemas.microsoft.com/office/drawing/2014/main" id="{7D88CD5E-E83C-4310-9141-32EFAB4E2CC5}"/>
+              </a:ext>
+            </a:extLst>
+          </p:cNvPr>
+          <p:cNvSpPr>
+            <a:spLocks noGrp="1"/>
+          </p:cNvSpPr>
+          <p:nvPr>
+            <p:ph idx="1"/>
+          </p:nvPr>
+        </p:nvSpPr>
+        <p:spPr>
+          <a:xfrm>
+            <a:off x="8021490" y="585216"/>
+            <a:ext cx="3527043" cy="5586984"/>
+          </a:xfrm>
+        </p:spPr>
+        <p:txBody>
+          <a:bodyPr anchor="ctr">
+            <a:normAutofit/>
+          </a:bodyPr>
+          <a:lstStyle/>
+          <a:p>
+            <a:r>
+              <a:rPr lang="pt-BR" sz="5400" dirty="0">
+                <a:solidFill>
+                  <a:schemeClr val="bg1"/>
+                </a:solidFill>
+              </a:rPr>
+              <a:t>Storyboard</a:t>
+            </a:r>
+            <a:endParaRPr lang="en-US" sz="5400" dirty="0">
+              <a:solidFill>
+                <a:schemeClr val="bg1"/>
+              </a:solidFill>
+            </a:endParaRPr>
+          </a:p>
+        </p:txBody>
+      </p:sp>
+      <p:pic>
+        <p:nvPicPr>
+          <p:cNvPr id="1026" name="Picture 2" descr="Resultado de imagem para bonecos palito">
+            <a:extLst>
+              <a:ext uri="{FF2B5EF4-FFF2-40B4-BE49-F238E27FC236}">
+                <a16:creationId xmlns:a16="http://schemas.microsoft.com/office/drawing/2014/main" id="{27A2EE94-1495-419E-9269-7E0DC6AD30C1}"/>
+              </a:ext>
+            </a:extLst>
+          </p:cNvPr>
+          <p:cNvPicPr>
+            <a:picLocks noChangeAspect="1" noChangeArrowheads="1"/>
+          </p:cNvPicPr>
+          <p:nvPr/>
+        </p:nvPicPr>
+        <p:blipFill>
+          <a:blip r:embed="rId2">
+            <a:extLst>
+              <a:ext uri="{28A0092B-C50C-407E-A947-70E740481C1C}">
+                <a14:useLocalDpi xmlns:a14="http://schemas.microsoft.com/office/drawing/2010/main" val="0"/>
+              </a:ext>
+            </a:extLst>
+          </a:blip>
+          <a:srcRect/>
+          <a:stretch>
+            <a:fillRect/>
+          </a:stretch>
+        </p:blipFill>
+        <p:spPr bwMode="auto">
+          <a:xfrm>
+            <a:off x="519671" y="2348250"/>
+            <a:ext cx="6386732" cy="1820446"/>
+          </a:xfrm>
+          <a:prstGeom prst="rect">
+            <a:avLst/>
+          </a:prstGeom>
+          <a:noFill/>
+          <a:extLst>
+            <a:ext uri="{909E8E84-426E-40DD-AFC4-6F175D3DCCD1}">
+              <a14:hiddenFill xmlns:a14="http://schemas.microsoft.com/office/drawing/2010/main">
+                <a:solidFill>
+                  <a:srgbClr val="FFFFFF"/>
+                </a:solidFill>
+              </a14:hiddenFill>
+            </a:ext>
+          </a:extLst>
+        </p:spPr>
+      </p:pic>
+    </p:spTree>
+    <p:extLst>
+      <p:ext uri="{BB962C8B-B14F-4D97-AF65-F5344CB8AC3E}">
+        <p14:creationId xmlns:p14="http://schemas.microsoft.com/office/powerpoint/2010/main" val="2682939320"/>
+      </p:ext>
+    </p:extLst>
+  </p:cSld>
+  <p:clrMapOvr>
+    <a:masterClrMapping/>
+  </p:clrMapOvr>
+</p:sld>
+</file>
+
+<file path=ppt/slides/slide7.xml><?xml version="1.0" encoding="utf-8"?>
 <p:sld xmlns:a="http://schemas.openxmlformats.org/drawingml/2006/main" xmlns:r="http://schemas.openxmlformats.org/officeDocument/2006/relationships" xmlns:p="http://schemas.openxmlformats.org/presentationml/2006/main">
   <p:cSld>
     <p:spTree>
@@ -23414,7 +23489,7 @@
 </p:sld>
 </file>
 
-<file path=ppt/slides/slide7.xml><?xml version="1.0" encoding="utf-8"?>
+<file path=ppt/slides/slide8.xml><?xml version="1.0" encoding="utf-8"?>
 <p:sld xmlns:a="http://schemas.openxmlformats.org/drawingml/2006/main" xmlns:r="http://schemas.openxmlformats.org/officeDocument/2006/relationships" xmlns:p="http://schemas.openxmlformats.org/presentationml/2006/main">
   <p:cSld>
     <p:bg>
@@ -32432,7 +32507,7 @@
 </p:sld>
 </file>
 
-<file path=ppt/slides/slide8.xml><?xml version="1.0" encoding="utf-8"?>
+<file path=ppt/slides/slide9.xml><?xml version="1.0" encoding="utf-8"?>
 <p:sld xmlns:a="http://schemas.openxmlformats.org/drawingml/2006/main" xmlns:r="http://schemas.openxmlformats.org/officeDocument/2006/relationships" xmlns:p="http://schemas.openxmlformats.org/presentationml/2006/main">
   <p:cSld>
     <p:bg>
@@ -42080,12 +42155,11 @@
 </file>
 
 <file path=customXml/item1.xml><?xml version="1.0" encoding="utf-8"?>
-<?mso-contentType ?>
-<FormTemplates xmlns="http://schemas.microsoft.com/sharepoint/v3/contenttype/forms">
-  <Display>DocumentLibraryForm</Display>
-  <Edit>DocumentLibraryForm</Edit>
-  <New>DocumentLibraryForm</New>
-</FormTemplates>
+<p:properties xmlns:p="http://schemas.microsoft.com/office/2006/metadata/properties" xmlns:xsi="http://www.w3.org/2001/XMLSchema-instance" xmlns:pc="http://schemas.microsoft.com/office/infopath/2007/PartnerControls">
+  <documentManagement>
+    <MediaServiceKeyPoints xmlns="71af3243-3dd4-4a8d-8c0d-dd76da1f02a5" xsi:nil="true"/>
+  </documentManagement>
+</p:properties>
 </file>
 
 <file path=customXml/item2.xml><?xml version="1.0" encoding="utf-8"?>
@@ -42300,17 +42374,20 @@
 </file>
 
 <file path=customXml/item3.xml><?xml version="1.0" encoding="utf-8"?>
-<p:properties xmlns:p="http://schemas.microsoft.com/office/2006/metadata/properties" xmlns:xsi="http://www.w3.org/2001/XMLSchema-instance" xmlns:pc="http://schemas.microsoft.com/office/infopath/2007/PartnerControls">
-  <documentManagement>
-    <MediaServiceKeyPoints xmlns="71af3243-3dd4-4a8d-8c0d-dd76da1f02a5" xsi:nil="true"/>
-  </documentManagement>
-</p:properties>
+<?mso-contentType ?>
+<FormTemplates xmlns="http://schemas.microsoft.com/sharepoint/v3/contenttype/forms">
+  <Display>DocumentLibraryForm</Display>
+  <Edit>DocumentLibraryForm</Edit>
+  <New>DocumentLibraryForm</New>
+</FormTemplates>
 </file>
 
 <file path=customXml/itemProps1.xml><?xml version="1.0" encoding="utf-8"?>
-<ds:datastoreItem xmlns:ds="http://schemas.openxmlformats.org/officeDocument/2006/customXml" ds:itemID="{4F44C90D-2A62-4985-9618-3460247437B1}">
+<ds:datastoreItem xmlns:ds="http://schemas.openxmlformats.org/officeDocument/2006/customXml" ds:itemID="{788A2F88-55C5-4ED1-9541-807C65424763}">
   <ds:schemaRefs>
-    <ds:schemaRef ds:uri="http://schemas.microsoft.com/sharepoint/v3/contenttype/forms"/>
+    <ds:schemaRef ds:uri="http://schemas.microsoft.com/office/2006/metadata/properties"/>
+    <ds:schemaRef ds:uri="http://schemas.microsoft.com/office/infopath/2007/PartnerControls"/>
+    <ds:schemaRef ds:uri="71af3243-3dd4-4a8d-8c0d-dd76da1f02a5"/>
   </ds:schemaRefs>
 </ds:datastoreItem>
 </file>
@@ -42335,11 +42412,9 @@
 </file>
 
 <file path=customXml/itemProps3.xml><?xml version="1.0" encoding="utf-8"?>
-<ds:datastoreItem xmlns:ds="http://schemas.openxmlformats.org/officeDocument/2006/customXml" ds:itemID="{788A2F88-55C5-4ED1-9541-807C65424763}">
+<ds:datastoreItem xmlns:ds="http://schemas.openxmlformats.org/officeDocument/2006/customXml" ds:itemID="{4F44C90D-2A62-4985-9618-3460247437B1}">
   <ds:schemaRefs>
-    <ds:schemaRef ds:uri="http://schemas.microsoft.com/office/2006/metadata/properties"/>
-    <ds:schemaRef ds:uri="http://schemas.microsoft.com/office/infopath/2007/PartnerControls"/>
-    <ds:schemaRef ds:uri="71af3243-3dd4-4a8d-8c0d-dd76da1f02a5"/>
+    <ds:schemaRef ds:uri="http://schemas.microsoft.com/sharepoint/v3/contenttype/forms"/>
   </ds:schemaRefs>
 </ds:datastoreItem>
 </file>